--- a/attention_cueing/stimulus_maker.pptx
+++ b/attention_cueing/stimulus_maker.pptx
@@ -6,30 +6,31 @@
   </p:sldMasterIdLst>
   <p:sldIdLst>
     <p:sldId id="257" r:id="rId2"/>
-    <p:sldId id="258" r:id="rId3"/>
-    <p:sldId id="259" r:id="rId4"/>
-    <p:sldId id="260" r:id="rId5"/>
-    <p:sldId id="261" r:id="rId6"/>
-    <p:sldId id="262" r:id="rId7"/>
-    <p:sldId id="263" r:id="rId8"/>
-    <p:sldId id="264" r:id="rId9"/>
-    <p:sldId id="265" r:id="rId10"/>
-    <p:sldId id="266" r:id="rId11"/>
-    <p:sldId id="267" r:id="rId12"/>
-    <p:sldId id="268" r:id="rId13"/>
-    <p:sldId id="269" r:id="rId14"/>
-    <p:sldId id="270" r:id="rId15"/>
-    <p:sldId id="271" r:id="rId16"/>
-    <p:sldId id="272" r:id="rId17"/>
-    <p:sldId id="273" r:id="rId18"/>
-    <p:sldId id="274" r:id="rId19"/>
-    <p:sldId id="275" r:id="rId20"/>
-    <p:sldId id="276" r:id="rId21"/>
-    <p:sldId id="277" r:id="rId22"/>
-    <p:sldId id="278" r:id="rId23"/>
-    <p:sldId id="279" r:id="rId24"/>
-    <p:sldId id="280" r:id="rId25"/>
-    <p:sldId id="281" r:id="rId26"/>
+    <p:sldId id="282" r:id="rId3"/>
+    <p:sldId id="258" r:id="rId4"/>
+    <p:sldId id="259" r:id="rId5"/>
+    <p:sldId id="260" r:id="rId6"/>
+    <p:sldId id="261" r:id="rId7"/>
+    <p:sldId id="262" r:id="rId8"/>
+    <p:sldId id="263" r:id="rId9"/>
+    <p:sldId id="264" r:id="rId10"/>
+    <p:sldId id="265" r:id="rId11"/>
+    <p:sldId id="266" r:id="rId12"/>
+    <p:sldId id="267" r:id="rId13"/>
+    <p:sldId id="268" r:id="rId14"/>
+    <p:sldId id="269" r:id="rId15"/>
+    <p:sldId id="270" r:id="rId16"/>
+    <p:sldId id="271" r:id="rId17"/>
+    <p:sldId id="272" r:id="rId18"/>
+    <p:sldId id="273" r:id="rId19"/>
+    <p:sldId id="274" r:id="rId20"/>
+    <p:sldId id="275" r:id="rId21"/>
+    <p:sldId id="276" r:id="rId22"/>
+    <p:sldId id="277" r:id="rId23"/>
+    <p:sldId id="278" r:id="rId24"/>
+    <p:sldId id="279" r:id="rId25"/>
+    <p:sldId id="280" r:id="rId26"/>
+    <p:sldId id="281" r:id="rId27"/>
   </p:sldIdLst>
   <p:sldSz cx="12192000" cy="6858000"/>
   <p:notesSz cx="6858000" cy="9144000"/>
@@ -128,6 +129,11 @@
       </a:defRPr>
     </a:lvl9pPr>
   </p:defaultTextStyle>
+  <p:extLst>
+    <p:ext uri="{EFAFB233-063F-42B5-8137-9DF3F51BA10A}">
+      <p15:sldGuideLst xmlns:p15="http://schemas.microsoft.com/office/powerpoint/2012/main"/>
+    </p:ext>
+  </p:extLst>
 </p:presentation>
 </file>
 
@@ -292,7 +298,7 @@
           <a:p>
             <a:fld id="{1DC166EC-4CE5-4B5F-AD88-B9EDE1BD6A9F}" type="datetimeFigureOut">
               <a:rPr lang="LID4096" smtClean="0"/>
-              <a:t>09/22/2021</a:t>
+              <a:t>09/24/2021</a:t>
             </a:fld>
             <a:endParaRPr lang="LID4096"/>
           </a:p>
@@ -492,7 +498,7 @@
           <a:p>
             <a:fld id="{1DC166EC-4CE5-4B5F-AD88-B9EDE1BD6A9F}" type="datetimeFigureOut">
               <a:rPr lang="LID4096" smtClean="0"/>
-              <a:t>09/22/2021</a:t>
+              <a:t>09/24/2021</a:t>
             </a:fld>
             <a:endParaRPr lang="LID4096"/>
           </a:p>
@@ -702,7 +708,7 @@
           <a:p>
             <a:fld id="{1DC166EC-4CE5-4B5F-AD88-B9EDE1BD6A9F}" type="datetimeFigureOut">
               <a:rPr lang="LID4096" smtClean="0"/>
-              <a:t>09/22/2021</a:t>
+              <a:t>09/24/2021</a:t>
             </a:fld>
             <a:endParaRPr lang="LID4096"/>
           </a:p>
@@ -902,7 +908,7 @@
           <a:p>
             <a:fld id="{1DC166EC-4CE5-4B5F-AD88-B9EDE1BD6A9F}" type="datetimeFigureOut">
               <a:rPr lang="LID4096" smtClean="0"/>
-              <a:t>09/22/2021</a:t>
+              <a:t>09/24/2021</a:t>
             </a:fld>
             <a:endParaRPr lang="LID4096"/>
           </a:p>
@@ -1178,7 +1184,7 @@
           <a:p>
             <a:fld id="{1DC166EC-4CE5-4B5F-AD88-B9EDE1BD6A9F}" type="datetimeFigureOut">
               <a:rPr lang="LID4096" smtClean="0"/>
-              <a:t>09/22/2021</a:t>
+              <a:t>09/24/2021</a:t>
             </a:fld>
             <a:endParaRPr lang="LID4096"/>
           </a:p>
@@ -1446,7 +1452,7 @@
           <a:p>
             <a:fld id="{1DC166EC-4CE5-4B5F-AD88-B9EDE1BD6A9F}" type="datetimeFigureOut">
               <a:rPr lang="LID4096" smtClean="0"/>
-              <a:t>09/22/2021</a:t>
+              <a:t>09/24/2021</a:t>
             </a:fld>
             <a:endParaRPr lang="LID4096"/>
           </a:p>
@@ -1861,7 +1867,7 @@
           <a:p>
             <a:fld id="{1DC166EC-4CE5-4B5F-AD88-B9EDE1BD6A9F}" type="datetimeFigureOut">
               <a:rPr lang="LID4096" smtClean="0"/>
-              <a:t>09/22/2021</a:t>
+              <a:t>09/24/2021</a:t>
             </a:fld>
             <a:endParaRPr lang="LID4096"/>
           </a:p>
@@ -2003,7 +2009,7 @@
           <a:p>
             <a:fld id="{1DC166EC-4CE5-4B5F-AD88-B9EDE1BD6A9F}" type="datetimeFigureOut">
               <a:rPr lang="LID4096" smtClean="0"/>
-              <a:t>09/22/2021</a:t>
+              <a:t>09/24/2021</a:t>
             </a:fld>
             <a:endParaRPr lang="LID4096"/>
           </a:p>
@@ -2116,7 +2122,7 @@
           <a:p>
             <a:fld id="{1DC166EC-4CE5-4B5F-AD88-B9EDE1BD6A9F}" type="datetimeFigureOut">
               <a:rPr lang="LID4096" smtClean="0"/>
-              <a:t>09/22/2021</a:t>
+              <a:t>09/24/2021</a:t>
             </a:fld>
             <a:endParaRPr lang="LID4096"/>
           </a:p>
@@ -2429,7 +2435,7 @@
           <a:p>
             <a:fld id="{1DC166EC-4CE5-4B5F-AD88-B9EDE1BD6A9F}" type="datetimeFigureOut">
               <a:rPr lang="LID4096" smtClean="0"/>
-              <a:t>09/22/2021</a:t>
+              <a:t>09/24/2021</a:t>
             </a:fld>
             <a:endParaRPr lang="LID4096"/>
           </a:p>
@@ -2718,7 +2724,7 @@
           <a:p>
             <a:fld id="{1DC166EC-4CE5-4B5F-AD88-B9EDE1BD6A9F}" type="datetimeFigureOut">
               <a:rPr lang="LID4096" smtClean="0"/>
-              <a:t>09/22/2021</a:t>
+              <a:t>09/24/2021</a:t>
             </a:fld>
             <a:endParaRPr lang="LID4096"/>
           </a:p>
@@ -2961,7 +2967,7 @@
           <a:p>
             <a:fld id="{1DC166EC-4CE5-4B5F-AD88-B9EDE1BD6A9F}" type="datetimeFigureOut">
               <a:rPr lang="LID4096" smtClean="0"/>
-              <a:t>09/22/2021</a:t>
+              <a:t>09/24/2021</a:t>
             </a:fld>
             <a:endParaRPr lang="LID4096"/>
           </a:p>
@@ -3401,7 +3407,7 @@
           <a:noFill/>
           <a:ln w="19050">
             <a:solidFill>
-              <a:schemeClr val="tx1"/>
+              <a:schemeClr val="bg1"/>
             </a:solidFill>
           </a:ln>
         </p:spPr>
@@ -3453,7 +3459,7 @@
           <a:noFill/>
           <a:ln w="19050">
             <a:solidFill>
-              <a:schemeClr val="tx1"/>
+              <a:schemeClr val="bg1"/>
             </a:solidFill>
           </a:ln>
         </p:spPr>
@@ -3505,7 +3511,7 @@
           <a:noFill/>
           <a:ln w="19050">
             <a:solidFill>
-              <a:schemeClr val="tx1"/>
+              <a:schemeClr val="bg1"/>
             </a:solidFill>
           </a:ln>
         </p:spPr>
@@ -3557,7 +3563,7 @@
           <a:noFill/>
           <a:ln w="19050">
             <a:solidFill>
-              <a:schemeClr val="tx1"/>
+              <a:schemeClr val="bg1"/>
             </a:solidFill>
           </a:ln>
         </p:spPr>
@@ -3609,7 +3615,7 @@
           <a:noFill/>
           <a:ln w="19050">
             <a:solidFill>
-              <a:schemeClr val="tx1"/>
+              <a:schemeClr val="bg1"/>
             </a:solidFill>
           </a:ln>
         </p:spPr>
@@ -3661,7 +3667,7 @@
           <a:noFill/>
           <a:ln w="19050">
             <a:solidFill>
-              <a:schemeClr val="tx1"/>
+              <a:schemeClr val="bg1"/>
             </a:solidFill>
           </a:ln>
         </p:spPr>
@@ -3713,7 +3719,7 @@
           <a:noFill/>
           <a:ln w="19050">
             <a:solidFill>
-              <a:schemeClr val="tx1"/>
+              <a:schemeClr val="bg1"/>
             </a:solidFill>
           </a:ln>
         </p:spPr>
@@ -3765,7 +3771,7 @@
           <a:noFill/>
           <a:ln w="19050">
             <a:solidFill>
-              <a:schemeClr val="tx1"/>
+              <a:schemeClr val="bg1"/>
             </a:solidFill>
           </a:ln>
         </p:spPr>
@@ -3791,6 +3797,42 @@
           <a:p>
             <a:pPr algn="ctr"/>
             <a:endParaRPr lang="LID4096"/>
+          </a:p>
+        </p:txBody>
+      </p:sp>
+      <p:sp>
+        <p:nvSpPr>
+          <p:cNvPr id="2" name="TextBox 1">
+            <a:extLst>
+              <a:ext uri="{FF2B5EF4-FFF2-40B4-BE49-F238E27FC236}">
+                <a16:creationId xmlns:a16="http://schemas.microsoft.com/office/drawing/2014/main" id="{ABB61F85-62E0-4D7A-95E4-99D3D56CD5C0}"/>
+              </a:ext>
+            </a:extLst>
+          </p:cNvPr>
+          <p:cNvSpPr txBox="1"/>
+          <p:nvPr/>
+        </p:nvSpPr>
+        <p:spPr>
+          <a:xfrm>
+            <a:off x="5160234" y="3355783"/>
+            <a:ext cx="338554" cy="461665"/>
+          </a:xfrm>
+          <a:prstGeom prst="rect">
+            <a:avLst/>
+          </a:prstGeom>
+          <a:noFill/>
+        </p:spPr>
+        <p:txBody>
+          <a:bodyPr wrap="none" rtlCol="0">
+            <a:spAutoFit/>
+          </a:bodyPr>
+          <a:lstStyle/>
+          <a:p>
+            <a:r>
+              <a:rPr lang="en-US" sz="2400" dirty="0"/>
+              <a:t>+</a:t>
+            </a:r>
+            <a:endParaRPr lang="LID4096" sz="2400" dirty="0"/>
           </a:p>
         </p:txBody>
       </p:sp>
@@ -3846,32 +3888,288 @@
           </a:prstGeom>
           <a:noFill/>
           <a:ln w="19050">
-            <a:solidFill>
-              <a:schemeClr val="tx1"/>
-            </a:solidFill>
-          </a:ln>
-        </p:spPr>
-        <p:style>
-          <a:lnRef idx="2">
-            <a:schemeClr val="accent1">
-              <a:shade val="50000"/>
-            </a:schemeClr>
-          </a:lnRef>
-          <a:fillRef idx="1">
-            <a:schemeClr val="accent1"/>
-          </a:fillRef>
-          <a:effectRef idx="0">
-            <a:schemeClr val="accent1"/>
-          </a:effectRef>
-          <a:fontRef idx="minor">
-            <a:schemeClr val="lt1"/>
-          </a:fontRef>
-        </p:style>
-        <p:txBody>
-          <a:bodyPr rtlCol="0" anchor="ctr"/>
-          <a:lstStyle/>
-          <a:p>
-            <a:pPr algn="ctr"/>
+            <a:noFill/>
+          </a:ln>
+        </p:spPr>
+        <p:style>
+          <a:lnRef idx="2">
+            <a:schemeClr val="accent1">
+              <a:shade val="50000"/>
+            </a:schemeClr>
+          </a:lnRef>
+          <a:fillRef idx="1">
+            <a:schemeClr val="accent1"/>
+          </a:fillRef>
+          <a:effectRef idx="0">
+            <a:schemeClr val="accent1"/>
+          </a:effectRef>
+          <a:fontRef idx="minor">
+            <a:schemeClr val="lt1"/>
+          </a:fontRef>
+        </p:style>
+        <p:txBody>
+          <a:bodyPr rtlCol="0" anchor="ctr"/>
+          <a:lstStyle/>
+          <a:p>
+            <a:pPr algn="ctr"/>
+            <a:endParaRPr lang="LID4096"/>
+          </a:p>
+        </p:txBody>
+      </p:sp>
+      <p:sp>
+        <p:nvSpPr>
+          <p:cNvPr id="5" name="Rectangle 4">
+            <a:extLst>
+              <a:ext uri="{FF2B5EF4-FFF2-40B4-BE49-F238E27FC236}">
+                <a16:creationId xmlns:a16="http://schemas.microsoft.com/office/drawing/2014/main" id="{DC9131F1-3C36-4952-AB50-21D9487F0039}"/>
+              </a:ext>
+            </a:extLst>
+          </p:cNvPr>
+          <p:cNvSpPr/>
+          <p:nvPr/>
+        </p:nvSpPr>
+        <p:spPr>
+          <a:xfrm>
+            <a:off x="2911303" y="2998352"/>
+            <a:ext cx="1182254" cy="1182254"/>
+          </a:xfrm>
+          <a:prstGeom prst="rect">
+            <a:avLst/>
+          </a:prstGeom>
+          <a:noFill/>
+          <a:ln w="19050">
+            <a:noFill/>
+          </a:ln>
+        </p:spPr>
+        <p:style>
+          <a:lnRef idx="2">
+            <a:schemeClr val="accent1">
+              <a:shade val="50000"/>
+            </a:schemeClr>
+          </a:lnRef>
+          <a:fillRef idx="1">
+            <a:schemeClr val="accent1"/>
+          </a:fillRef>
+          <a:effectRef idx="0">
+            <a:schemeClr val="accent1"/>
+          </a:effectRef>
+          <a:fontRef idx="minor">
+            <a:schemeClr val="lt1"/>
+          </a:fontRef>
+        </p:style>
+        <p:txBody>
+          <a:bodyPr rtlCol="0" anchor="ctr"/>
+          <a:lstStyle/>
+          <a:p>
+            <a:pPr algn="ctr"/>
+            <a:endParaRPr lang="LID4096"/>
+          </a:p>
+        </p:txBody>
+      </p:sp>
+      <p:sp>
+        <p:nvSpPr>
+          <p:cNvPr id="6" name="Rectangle 5">
+            <a:extLst>
+              <a:ext uri="{FF2B5EF4-FFF2-40B4-BE49-F238E27FC236}">
+                <a16:creationId xmlns:a16="http://schemas.microsoft.com/office/drawing/2014/main" id="{437AB641-AB0C-4469-AD2E-A7DA4A69C7B1}"/>
+              </a:ext>
+            </a:extLst>
+          </p:cNvPr>
+          <p:cNvSpPr/>
+          <p:nvPr/>
+        </p:nvSpPr>
+        <p:spPr>
+          <a:xfrm>
+            <a:off x="2911303" y="4839257"/>
+            <a:ext cx="1182254" cy="1182254"/>
+          </a:xfrm>
+          <a:prstGeom prst="rect">
+            <a:avLst/>
+          </a:prstGeom>
+          <a:noFill/>
+          <a:ln w="19050">
+            <a:noFill/>
+          </a:ln>
+        </p:spPr>
+        <p:style>
+          <a:lnRef idx="2">
+            <a:schemeClr val="accent1">
+              <a:shade val="50000"/>
+            </a:schemeClr>
+          </a:lnRef>
+          <a:fillRef idx="1">
+            <a:schemeClr val="accent1"/>
+          </a:fillRef>
+          <a:effectRef idx="0">
+            <a:schemeClr val="accent1"/>
+          </a:effectRef>
+          <a:fontRef idx="minor">
+            <a:schemeClr val="lt1"/>
+          </a:fontRef>
+        </p:style>
+        <p:txBody>
+          <a:bodyPr rtlCol="0" anchor="ctr"/>
+          <a:lstStyle/>
+          <a:p>
+            <a:pPr algn="ctr"/>
+            <a:endParaRPr lang="LID4096"/>
+          </a:p>
+        </p:txBody>
+      </p:sp>
+      <p:sp>
+        <p:nvSpPr>
+          <p:cNvPr id="7" name="Rectangle 6">
+            <a:extLst>
+              <a:ext uri="{FF2B5EF4-FFF2-40B4-BE49-F238E27FC236}">
+                <a16:creationId xmlns:a16="http://schemas.microsoft.com/office/drawing/2014/main" id="{B3694913-6DA0-404E-96BB-F152D3921DC7}"/>
+              </a:ext>
+            </a:extLst>
+          </p:cNvPr>
+          <p:cNvSpPr/>
+          <p:nvPr/>
+        </p:nvSpPr>
+        <p:spPr>
+          <a:xfrm>
+            <a:off x="4738384" y="4839257"/>
+            <a:ext cx="1182254" cy="1182254"/>
+          </a:xfrm>
+          <a:prstGeom prst="rect">
+            <a:avLst/>
+          </a:prstGeom>
+          <a:noFill/>
+          <a:ln w="19050">
+            <a:noFill/>
+          </a:ln>
+        </p:spPr>
+        <p:style>
+          <a:lnRef idx="2">
+            <a:schemeClr val="accent1">
+              <a:shade val="50000"/>
+            </a:schemeClr>
+          </a:lnRef>
+          <a:fillRef idx="1">
+            <a:schemeClr val="accent1"/>
+          </a:fillRef>
+          <a:effectRef idx="0">
+            <a:schemeClr val="accent1"/>
+          </a:effectRef>
+          <a:fontRef idx="minor">
+            <a:schemeClr val="lt1"/>
+          </a:fontRef>
+        </p:style>
+        <p:txBody>
+          <a:bodyPr rtlCol="0" anchor="ctr"/>
+          <a:lstStyle/>
+          <a:p>
+            <a:pPr algn="ctr"/>
+            <a:endParaRPr lang="LID4096"/>
+          </a:p>
+        </p:txBody>
+      </p:sp>
+      <p:sp>
+        <p:nvSpPr>
+          <p:cNvPr id="8" name="Rectangle 7">
+            <a:extLst>
+              <a:ext uri="{FF2B5EF4-FFF2-40B4-BE49-F238E27FC236}">
+                <a16:creationId xmlns:a16="http://schemas.microsoft.com/office/drawing/2014/main" id="{5A984827-D88E-46E0-8504-F53796FD4C8D}"/>
+              </a:ext>
+            </a:extLst>
+          </p:cNvPr>
+          <p:cNvSpPr/>
+          <p:nvPr/>
+        </p:nvSpPr>
+        <p:spPr>
+          <a:xfrm>
+            <a:off x="6565465" y="4839257"/>
+            <a:ext cx="1182254" cy="1182254"/>
+          </a:xfrm>
+          <a:prstGeom prst="rect">
+            <a:avLst/>
+          </a:prstGeom>
+          <a:noFill/>
+          <a:ln w="19050">
+            <a:noFill/>
+          </a:ln>
+        </p:spPr>
+        <p:style>
+          <a:lnRef idx="2">
+            <a:schemeClr val="accent1">
+              <a:shade val="50000"/>
+            </a:schemeClr>
+          </a:lnRef>
+          <a:fillRef idx="1">
+            <a:schemeClr val="accent1"/>
+          </a:fillRef>
+          <a:effectRef idx="0">
+            <a:schemeClr val="accent1"/>
+          </a:effectRef>
+          <a:fontRef idx="minor">
+            <a:schemeClr val="lt1"/>
+          </a:fontRef>
+        </p:style>
+        <p:txBody>
+          <a:bodyPr rtlCol="0" anchor="ctr"/>
+          <a:lstStyle/>
+          <a:p>
+            <a:pPr algn="ctr"/>
+            <a:endParaRPr lang="LID4096"/>
+          </a:p>
+        </p:txBody>
+      </p:sp>
+      <p:sp>
+        <p:nvSpPr>
+          <p:cNvPr id="9" name="Rectangle 8">
+            <a:extLst>
+              <a:ext uri="{FF2B5EF4-FFF2-40B4-BE49-F238E27FC236}">
+                <a16:creationId xmlns:a16="http://schemas.microsoft.com/office/drawing/2014/main" id="{7A9F38C5-3172-4C88-BEB9-78B1C80CB300}"/>
+              </a:ext>
+            </a:extLst>
+          </p:cNvPr>
+          <p:cNvSpPr/>
+          <p:nvPr/>
+        </p:nvSpPr>
+        <p:spPr>
+          <a:xfrm>
+            <a:off x="4738384" y="1157447"/>
+            <a:ext cx="1182254" cy="1182254"/>
+          </a:xfrm>
+          <a:prstGeom prst="rect">
+            <a:avLst/>
+          </a:prstGeom>
+          <a:noFill/>
+          <a:ln w="19050">
+            <a:noFill/>
+          </a:ln>
+        </p:spPr>
+        <p:style>
+          <a:lnRef idx="2">
+            <a:schemeClr val="accent1">
+              <a:shade val="50000"/>
+            </a:schemeClr>
+          </a:lnRef>
+          <a:fillRef idx="1">
+            <a:schemeClr val="accent1"/>
+          </a:fillRef>
+          <a:effectRef idx="0">
+            <a:schemeClr val="accent1"/>
+          </a:effectRef>
+          <a:fontRef idx="minor">
+            <a:schemeClr val="lt1"/>
+          </a:fontRef>
+        </p:style>
+        <p:txBody>
+          <a:bodyPr rtlCol="0" anchor="ctr"/>
+          <a:lstStyle/>
+          <a:p>
+            <a:pPr algn="ctr"/>
+            <a:r>
+              <a:rPr lang="en-US" dirty="0">
+                <a:solidFill>
+                  <a:schemeClr val="tx1"/>
+                </a:solidFill>
+              </a:rPr>
+              <a:t>X</a:t>
+            </a:r>
             <a:endParaRPr lang="LID4096" dirty="0">
               <a:solidFill>
                 <a:schemeClr val="tx1"/>
@@ -3882,266 +4180,6 @@
       </p:sp>
       <p:sp>
         <p:nvSpPr>
-          <p:cNvPr id="5" name="Rectangle 4">
-            <a:extLst>
-              <a:ext uri="{FF2B5EF4-FFF2-40B4-BE49-F238E27FC236}">
-                <a16:creationId xmlns:a16="http://schemas.microsoft.com/office/drawing/2014/main" id="{DC9131F1-3C36-4952-AB50-21D9487F0039}"/>
-              </a:ext>
-            </a:extLst>
-          </p:cNvPr>
-          <p:cNvSpPr/>
-          <p:nvPr/>
-        </p:nvSpPr>
-        <p:spPr>
-          <a:xfrm>
-            <a:off x="2911303" y="2998352"/>
-            <a:ext cx="1182254" cy="1182254"/>
-          </a:xfrm>
-          <a:prstGeom prst="rect">
-            <a:avLst/>
-          </a:prstGeom>
-          <a:noFill/>
-          <a:ln w="19050">
-            <a:solidFill>
-              <a:schemeClr val="tx1"/>
-            </a:solidFill>
-          </a:ln>
-        </p:spPr>
-        <p:style>
-          <a:lnRef idx="2">
-            <a:schemeClr val="accent1">
-              <a:shade val="50000"/>
-            </a:schemeClr>
-          </a:lnRef>
-          <a:fillRef idx="1">
-            <a:schemeClr val="accent1"/>
-          </a:fillRef>
-          <a:effectRef idx="0">
-            <a:schemeClr val="accent1"/>
-          </a:effectRef>
-          <a:fontRef idx="minor">
-            <a:schemeClr val="lt1"/>
-          </a:fontRef>
-        </p:style>
-        <p:txBody>
-          <a:bodyPr rtlCol="0" anchor="ctr"/>
-          <a:lstStyle/>
-          <a:p>
-            <a:pPr algn="ctr"/>
-            <a:endParaRPr lang="LID4096"/>
-          </a:p>
-        </p:txBody>
-      </p:sp>
-      <p:sp>
-        <p:nvSpPr>
-          <p:cNvPr id="6" name="Rectangle 5">
-            <a:extLst>
-              <a:ext uri="{FF2B5EF4-FFF2-40B4-BE49-F238E27FC236}">
-                <a16:creationId xmlns:a16="http://schemas.microsoft.com/office/drawing/2014/main" id="{437AB641-AB0C-4469-AD2E-A7DA4A69C7B1}"/>
-              </a:ext>
-            </a:extLst>
-          </p:cNvPr>
-          <p:cNvSpPr/>
-          <p:nvPr/>
-        </p:nvSpPr>
-        <p:spPr>
-          <a:xfrm>
-            <a:off x="2911303" y="4839257"/>
-            <a:ext cx="1182254" cy="1182254"/>
-          </a:xfrm>
-          <a:prstGeom prst="rect">
-            <a:avLst/>
-          </a:prstGeom>
-          <a:noFill/>
-          <a:ln w="19050">
-            <a:solidFill>
-              <a:schemeClr val="tx1"/>
-            </a:solidFill>
-          </a:ln>
-        </p:spPr>
-        <p:style>
-          <a:lnRef idx="2">
-            <a:schemeClr val="accent1">
-              <a:shade val="50000"/>
-            </a:schemeClr>
-          </a:lnRef>
-          <a:fillRef idx="1">
-            <a:schemeClr val="accent1"/>
-          </a:fillRef>
-          <a:effectRef idx="0">
-            <a:schemeClr val="accent1"/>
-          </a:effectRef>
-          <a:fontRef idx="minor">
-            <a:schemeClr val="lt1"/>
-          </a:fontRef>
-        </p:style>
-        <p:txBody>
-          <a:bodyPr rtlCol="0" anchor="ctr"/>
-          <a:lstStyle/>
-          <a:p>
-            <a:pPr algn="ctr"/>
-            <a:endParaRPr lang="LID4096"/>
-          </a:p>
-        </p:txBody>
-      </p:sp>
-      <p:sp>
-        <p:nvSpPr>
-          <p:cNvPr id="7" name="Rectangle 6">
-            <a:extLst>
-              <a:ext uri="{FF2B5EF4-FFF2-40B4-BE49-F238E27FC236}">
-                <a16:creationId xmlns:a16="http://schemas.microsoft.com/office/drawing/2014/main" id="{B3694913-6DA0-404E-96BB-F152D3921DC7}"/>
-              </a:ext>
-            </a:extLst>
-          </p:cNvPr>
-          <p:cNvSpPr/>
-          <p:nvPr/>
-        </p:nvSpPr>
-        <p:spPr>
-          <a:xfrm>
-            <a:off x="4738384" y="4839257"/>
-            <a:ext cx="1182254" cy="1182254"/>
-          </a:xfrm>
-          <a:prstGeom prst="rect">
-            <a:avLst/>
-          </a:prstGeom>
-          <a:noFill/>
-          <a:ln w="19050">
-            <a:solidFill>
-              <a:schemeClr val="tx1"/>
-            </a:solidFill>
-          </a:ln>
-        </p:spPr>
-        <p:style>
-          <a:lnRef idx="2">
-            <a:schemeClr val="accent1">
-              <a:shade val="50000"/>
-            </a:schemeClr>
-          </a:lnRef>
-          <a:fillRef idx="1">
-            <a:schemeClr val="accent1"/>
-          </a:fillRef>
-          <a:effectRef idx="0">
-            <a:schemeClr val="accent1"/>
-          </a:effectRef>
-          <a:fontRef idx="minor">
-            <a:schemeClr val="lt1"/>
-          </a:fontRef>
-        </p:style>
-        <p:txBody>
-          <a:bodyPr rtlCol="0" anchor="ctr"/>
-          <a:lstStyle/>
-          <a:p>
-            <a:pPr algn="ctr"/>
-            <a:endParaRPr lang="LID4096"/>
-          </a:p>
-        </p:txBody>
-      </p:sp>
-      <p:sp>
-        <p:nvSpPr>
-          <p:cNvPr id="8" name="Rectangle 7">
-            <a:extLst>
-              <a:ext uri="{FF2B5EF4-FFF2-40B4-BE49-F238E27FC236}">
-                <a16:creationId xmlns:a16="http://schemas.microsoft.com/office/drawing/2014/main" id="{5A984827-D88E-46E0-8504-F53796FD4C8D}"/>
-              </a:ext>
-            </a:extLst>
-          </p:cNvPr>
-          <p:cNvSpPr/>
-          <p:nvPr/>
-        </p:nvSpPr>
-        <p:spPr>
-          <a:xfrm>
-            <a:off x="6565465" y="4839257"/>
-            <a:ext cx="1182254" cy="1182254"/>
-          </a:xfrm>
-          <a:prstGeom prst="rect">
-            <a:avLst/>
-          </a:prstGeom>
-          <a:noFill/>
-          <a:ln w="19050">
-            <a:solidFill>
-              <a:schemeClr val="tx1"/>
-            </a:solidFill>
-          </a:ln>
-        </p:spPr>
-        <p:style>
-          <a:lnRef idx="2">
-            <a:schemeClr val="accent1">
-              <a:shade val="50000"/>
-            </a:schemeClr>
-          </a:lnRef>
-          <a:fillRef idx="1">
-            <a:schemeClr val="accent1"/>
-          </a:fillRef>
-          <a:effectRef idx="0">
-            <a:schemeClr val="accent1"/>
-          </a:effectRef>
-          <a:fontRef idx="minor">
-            <a:schemeClr val="lt1"/>
-          </a:fontRef>
-        </p:style>
-        <p:txBody>
-          <a:bodyPr rtlCol="0" anchor="ctr"/>
-          <a:lstStyle/>
-          <a:p>
-            <a:pPr algn="ctr"/>
-            <a:endParaRPr lang="LID4096"/>
-          </a:p>
-        </p:txBody>
-      </p:sp>
-      <p:sp>
-        <p:nvSpPr>
-          <p:cNvPr id="9" name="Rectangle 8">
-            <a:extLst>
-              <a:ext uri="{FF2B5EF4-FFF2-40B4-BE49-F238E27FC236}">
-                <a16:creationId xmlns:a16="http://schemas.microsoft.com/office/drawing/2014/main" id="{7A9F38C5-3172-4C88-BEB9-78B1C80CB300}"/>
-              </a:ext>
-            </a:extLst>
-          </p:cNvPr>
-          <p:cNvSpPr/>
-          <p:nvPr/>
-        </p:nvSpPr>
-        <p:spPr>
-          <a:xfrm>
-            <a:off x="4738384" y="1157447"/>
-            <a:ext cx="1182254" cy="1182254"/>
-          </a:xfrm>
-          <a:prstGeom prst="rect">
-            <a:avLst/>
-          </a:prstGeom>
-          <a:noFill/>
-          <a:ln w="19050">
-            <a:solidFill>
-              <a:schemeClr val="tx1"/>
-            </a:solidFill>
-          </a:ln>
-        </p:spPr>
-        <p:style>
-          <a:lnRef idx="2">
-            <a:schemeClr val="accent1">
-              <a:shade val="50000"/>
-            </a:schemeClr>
-          </a:lnRef>
-          <a:fillRef idx="1">
-            <a:schemeClr val="accent1"/>
-          </a:fillRef>
-          <a:effectRef idx="0">
-            <a:schemeClr val="accent1"/>
-          </a:effectRef>
-          <a:fontRef idx="minor">
-            <a:schemeClr val="lt1"/>
-          </a:fontRef>
-        </p:style>
-        <p:txBody>
-          <a:bodyPr rtlCol="0" anchor="ctr"/>
-          <a:lstStyle/>
-          <a:p>
-            <a:pPr algn="ctr"/>
-            <a:endParaRPr lang="LID4096"/>
-          </a:p>
-        </p:txBody>
-      </p:sp>
-      <p:sp>
-        <p:nvSpPr>
           <p:cNvPr id="10" name="Rectangle 9">
             <a:extLst>
               <a:ext uri="{FF2B5EF4-FFF2-40B4-BE49-F238E27FC236}">
@@ -4162,33 +4200,35 @@
           </a:prstGeom>
           <a:noFill/>
           <a:ln w="19050">
-            <a:solidFill>
-              <a:schemeClr val="tx1"/>
-            </a:solidFill>
-          </a:ln>
-        </p:spPr>
-        <p:style>
-          <a:lnRef idx="2">
-            <a:schemeClr val="accent1">
-              <a:shade val="50000"/>
-            </a:schemeClr>
-          </a:lnRef>
-          <a:fillRef idx="1">
-            <a:schemeClr val="accent1"/>
-          </a:fillRef>
-          <a:effectRef idx="0">
-            <a:schemeClr val="accent1"/>
-          </a:effectRef>
-          <a:fontRef idx="minor">
-            <a:schemeClr val="lt1"/>
-          </a:fontRef>
-        </p:style>
-        <p:txBody>
-          <a:bodyPr rtlCol="0" anchor="ctr"/>
-          <a:lstStyle/>
-          <a:p>
-            <a:pPr algn="ctr"/>
-            <a:endParaRPr lang="LID4096"/>
+            <a:noFill/>
+          </a:ln>
+        </p:spPr>
+        <p:style>
+          <a:lnRef idx="2">
+            <a:schemeClr val="accent1">
+              <a:shade val="50000"/>
+            </a:schemeClr>
+          </a:lnRef>
+          <a:fillRef idx="1">
+            <a:schemeClr val="accent1"/>
+          </a:fillRef>
+          <a:effectRef idx="0">
+            <a:schemeClr val="accent1"/>
+          </a:effectRef>
+          <a:fontRef idx="minor">
+            <a:schemeClr val="lt1"/>
+          </a:fontRef>
+        </p:style>
+        <p:txBody>
+          <a:bodyPr rtlCol="0" anchor="ctr"/>
+          <a:lstStyle/>
+          <a:p>
+            <a:pPr algn="ctr"/>
+            <a:endParaRPr lang="LID4096" dirty="0">
+              <a:solidFill>
+                <a:schemeClr val="tx1"/>
+              </a:solidFill>
+            </a:endParaRPr>
           </a:p>
         </p:txBody>
       </p:sp>
@@ -4214,82 +4254,38 @@
           </a:prstGeom>
           <a:noFill/>
           <a:ln w="19050">
-            <a:solidFill>
-              <a:schemeClr val="tx1"/>
-            </a:solidFill>
-          </a:ln>
-        </p:spPr>
-        <p:style>
-          <a:lnRef idx="2">
-            <a:schemeClr val="accent1">
-              <a:shade val="50000"/>
-            </a:schemeClr>
-          </a:lnRef>
-          <a:fillRef idx="1">
-            <a:schemeClr val="accent1"/>
-          </a:fillRef>
-          <a:effectRef idx="0">
-            <a:schemeClr val="accent1"/>
-          </a:effectRef>
-          <a:fontRef idx="minor">
-            <a:schemeClr val="lt1"/>
-          </a:fontRef>
-        </p:style>
-        <p:txBody>
-          <a:bodyPr rtlCol="0" anchor="ctr"/>
-          <a:lstStyle/>
-          <a:p>
-            <a:pPr algn="ctr"/>
-            <a:endParaRPr lang="LID4096"/>
-          </a:p>
-        </p:txBody>
-      </p:sp>
-      <p:cxnSp>
-        <p:nvCxnSpPr>
-          <p:cNvPr id="13" name="Straight Arrow Connector 12">
-            <a:extLst>
-              <a:ext uri="{FF2B5EF4-FFF2-40B4-BE49-F238E27FC236}">
-                <a16:creationId xmlns:a16="http://schemas.microsoft.com/office/drawing/2014/main" id="{8506F469-ABD6-4E42-9B5B-79B7CF65E191}"/>
-              </a:ext>
-            </a:extLst>
-          </p:cNvPr>
-          <p:cNvCxnSpPr/>
-          <p:nvPr/>
-        </p:nvCxnSpPr>
-        <p:spPr>
-          <a:xfrm flipH="1">
-            <a:off x="3370219" y="1759131"/>
-            <a:ext cx="217714" cy="0"/>
-          </a:xfrm>
-          <a:prstGeom prst="straightConnector1">
-            <a:avLst/>
-          </a:prstGeom>
-          <a:ln w="19050">
-            <a:solidFill>
-              <a:schemeClr val="tx1"/>
-            </a:solidFill>
-            <a:tailEnd type="triangle"/>
-          </a:ln>
-        </p:spPr>
-        <p:style>
-          <a:lnRef idx="1">
-            <a:schemeClr val="accent1"/>
-          </a:lnRef>
-          <a:fillRef idx="0">
-            <a:schemeClr val="accent1"/>
-          </a:fillRef>
-          <a:effectRef idx="0">
-            <a:schemeClr val="accent1"/>
-          </a:effectRef>
-          <a:fontRef idx="minor">
-            <a:schemeClr val="tx1"/>
-          </a:fontRef>
-        </p:style>
-      </p:cxnSp>
+            <a:noFill/>
+          </a:ln>
+        </p:spPr>
+        <p:style>
+          <a:lnRef idx="2">
+            <a:schemeClr val="accent1">
+              <a:shade val="50000"/>
+            </a:schemeClr>
+          </a:lnRef>
+          <a:fillRef idx="1">
+            <a:schemeClr val="accent1"/>
+          </a:fillRef>
+          <a:effectRef idx="0">
+            <a:schemeClr val="accent1"/>
+          </a:effectRef>
+          <a:fontRef idx="minor">
+            <a:schemeClr val="lt1"/>
+          </a:fontRef>
+        </p:style>
+        <p:txBody>
+          <a:bodyPr rtlCol="0" anchor="ctr"/>
+          <a:lstStyle/>
+          <a:p>
+            <a:pPr algn="ctr"/>
+            <a:endParaRPr lang="LID4096"/>
+          </a:p>
+        </p:txBody>
+      </p:sp>
     </p:spTree>
     <p:extLst>
       <p:ext uri="{BB962C8B-B14F-4D97-AF65-F5344CB8AC3E}">
-        <p14:creationId xmlns:p14="http://schemas.microsoft.com/office/powerpoint/2010/main" val="1065685131"/>
+        <p14:creationId xmlns:p14="http://schemas.microsoft.com/office/powerpoint/2010/main" val="1519419925"/>
       </p:ext>
     </p:extLst>
   </p:cSld>
@@ -4339,59 +4335,7 @@
           <a:noFill/>
           <a:ln w="19050">
             <a:solidFill>
-              <a:schemeClr val="tx1"/>
-            </a:solidFill>
-          </a:ln>
-        </p:spPr>
-        <p:style>
-          <a:lnRef idx="2">
-            <a:schemeClr val="accent1">
-              <a:shade val="50000"/>
-            </a:schemeClr>
-          </a:lnRef>
-          <a:fillRef idx="1">
-            <a:schemeClr val="accent1"/>
-          </a:fillRef>
-          <a:effectRef idx="0">
-            <a:schemeClr val="accent1"/>
-          </a:effectRef>
-          <a:fontRef idx="minor">
-            <a:schemeClr val="lt1"/>
-          </a:fontRef>
-        </p:style>
-        <p:txBody>
-          <a:bodyPr rtlCol="0" anchor="ctr"/>
-          <a:lstStyle/>
-          <a:p>
-            <a:pPr algn="ctr"/>
-            <a:endParaRPr lang="LID4096"/>
-          </a:p>
-        </p:txBody>
-      </p:sp>
-      <p:sp>
-        <p:nvSpPr>
-          <p:cNvPr id="5" name="Rectangle 4">
-            <a:extLst>
-              <a:ext uri="{FF2B5EF4-FFF2-40B4-BE49-F238E27FC236}">
-                <a16:creationId xmlns:a16="http://schemas.microsoft.com/office/drawing/2014/main" id="{DC9131F1-3C36-4952-AB50-21D9487F0039}"/>
-              </a:ext>
-            </a:extLst>
-          </p:cNvPr>
-          <p:cNvSpPr/>
-          <p:nvPr/>
-        </p:nvSpPr>
-        <p:spPr>
-          <a:xfrm>
-            <a:off x="2911303" y="2998352"/>
-            <a:ext cx="1182254" cy="1182254"/>
-          </a:xfrm>
-          <a:prstGeom prst="rect">
-            <a:avLst/>
-          </a:prstGeom>
-          <a:noFill/>
-          <a:ln w="19050">
-            <a:solidFill>
-              <a:schemeClr val="tx1"/>
+              <a:schemeClr val="bg1"/>
             </a:solidFill>
           </a:ln>
         </p:spPr>
@@ -4426,6 +4370,58 @@
       </p:sp>
       <p:sp>
         <p:nvSpPr>
+          <p:cNvPr id="5" name="Rectangle 4">
+            <a:extLst>
+              <a:ext uri="{FF2B5EF4-FFF2-40B4-BE49-F238E27FC236}">
+                <a16:creationId xmlns:a16="http://schemas.microsoft.com/office/drawing/2014/main" id="{DC9131F1-3C36-4952-AB50-21D9487F0039}"/>
+              </a:ext>
+            </a:extLst>
+          </p:cNvPr>
+          <p:cNvSpPr/>
+          <p:nvPr/>
+        </p:nvSpPr>
+        <p:spPr>
+          <a:xfrm>
+            <a:off x="2911303" y="2998352"/>
+            <a:ext cx="1182254" cy="1182254"/>
+          </a:xfrm>
+          <a:prstGeom prst="rect">
+            <a:avLst/>
+          </a:prstGeom>
+          <a:noFill/>
+          <a:ln w="19050">
+            <a:solidFill>
+              <a:schemeClr val="bg1"/>
+            </a:solidFill>
+          </a:ln>
+        </p:spPr>
+        <p:style>
+          <a:lnRef idx="2">
+            <a:schemeClr val="accent1">
+              <a:shade val="50000"/>
+            </a:schemeClr>
+          </a:lnRef>
+          <a:fillRef idx="1">
+            <a:schemeClr val="accent1"/>
+          </a:fillRef>
+          <a:effectRef idx="0">
+            <a:schemeClr val="accent1"/>
+          </a:effectRef>
+          <a:fontRef idx="minor">
+            <a:schemeClr val="lt1"/>
+          </a:fontRef>
+        </p:style>
+        <p:txBody>
+          <a:bodyPr rtlCol="0" anchor="ctr"/>
+          <a:lstStyle/>
+          <a:p>
+            <a:pPr algn="ctr"/>
+            <a:endParaRPr lang="LID4096"/>
+          </a:p>
+        </p:txBody>
+      </p:sp>
+      <p:sp>
+        <p:nvSpPr>
           <p:cNvPr id="6" name="Rectangle 5">
             <a:extLst>
               <a:ext uri="{FF2B5EF4-FFF2-40B4-BE49-F238E27FC236}">
@@ -4447,7 +4443,7 @@
           <a:noFill/>
           <a:ln w="19050">
             <a:solidFill>
-              <a:schemeClr val="tx1"/>
+              <a:schemeClr val="bg1"/>
             </a:solidFill>
           </a:ln>
         </p:spPr>
@@ -4472,11 +4468,7 @@
           <a:lstStyle/>
           <a:p>
             <a:pPr algn="ctr"/>
-            <a:endParaRPr lang="LID4096" dirty="0">
-              <a:solidFill>
-                <a:schemeClr val="tx1"/>
-              </a:solidFill>
-            </a:endParaRPr>
+            <a:endParaRPr lang="LID4096"/>
           </a:p>
         </p:txBody>
       </p:sp>
@@ -4503,7 +4495,7 @@
           <a:noFill/>
           <a:ln w="19050">
             <a:solidFill>
-              <a:schemeClr val="tx1"/>
+              <a:schemeClr val="bg1"/>
             </a:solidFill>
           </a:ln>
         </p:spPr>
@@ -4528,11 +4520,7 @@
           <a:lstStyle/>
           <a:p>
             <a:pPr algn="ctr"/>
-            <a:endParaRPr lang="LID4096" dirty="0">
-              <a:solidFill>
-                <a:schemeClr val="tx1"/>
-              </a:solidFill>
-            </a:endParaRPr>
+            <a:endParaRPr lang="LID4096"/>
           </a:p>
         </p:txBody>
       </p:sp>
@@ -4559,7 +4547,7 @@
           <a:noFill/>
           <a:ln w="19050">
             <a:solidFill>
-              <a:schemeClr val="tx1"/>
+              <a:schemeClr val="bg1"/>
             </a:solidFill>
           </a:ln>
         </p:spPr>
@@ -4584,11 +4572,7 @@
           <a:lstStyle/>
           <a:p>
             <a:pPr algn="ctr"/>
-            <a:endParaRPr lang="LID4096" dirty="0">
-              <a:solidFill>
-                <a:schemeClr val="tx1"/>
-              </a:solidFill>
-            </a:endParaRPr>
+            <a:endParaRPr lang="LID4096"/>
           </a:p>
         </p:txBody>
       </p:sp>
@@ -4615,7 +4599,7 @@
           <a:noFill/>
           <a:ln w="19050">
             <a:solidFill>
-              <a:schemeClr val="tx1"/>
+              <a:schemeClr val="bg1"/>
             </a:solidFill>
           </a:ln>
         </p:spPr>
@@ -4667,7 +4651,7 @@
           <a:noFill/>
           <a:ln w="19050">
             <a:solidFill>
-              <a:schemeClr val="tx1"/>
+              <a:schemeClr val="bg1"/>
             </a:solidFill>
           </a:ln>
         </p:spPr>
@@ -4719,7 +4703,7 @@
           <a:noFill/>
           <a:ln w="19050">
             <a:solidFill>
-              <a:schemeClr val="tx1"/>
+              <a:schemeClr val="bg1"/>
             </a:solidFill>
           </a:ln>
         </p:spPr>
@@ -4750,10 +4734,10 @@
       </p:sp>
       <p:cxnSp>
         <p:nvCxnSpPr>
-          <p:cNvPr id="12" name="Straight Arrow Connector 11">
-            <a:extLst>
-              <a:ext uri="{FF2B5EF4-FFF2-40B4-BE49-F238E27FC236}">
-                <a16:creationId xmlns:a16="http://schemas.microsoft.com/office/drawing/2014/main" id="{930105EF-5D77-4399-9C98-1ECA66764AD8}"/>
+          <p:cNvPr id="13" name="Straight Arrow Connector 12">
+            <a:extLst>
+              <a:ext uri="{FF2B5EF4-FFF2-40B4-BE49-F238E27FC236}">
+                <a16:creationId xmlns:a16="http://schemas.microsoft.com/office/drawing/2014/main" id="{8506F469-ABD6-4E42-9B5B-79B7CF65E191}"/>
               </a:ext>
             </a:extLst>
           </p:cNvPr>
@@ -4762,7 +4746,7 @@
         </p:nvCxnSpPr>
         <p:spPr>
           <a:xfrm flipH="1">
-            <a:off x="3378927" y="3596639"/>
+            <a:off x="3370219" y="1759131"/>
             <a:ext cx="217714" cy="0"/>
           </a:xfrm>
           <a:prstGeom prst="straightConnector1">
@@ -4793,7 +4777,7 @@
     </p:spTree>
     <p:extLst>
       <p:ext uri="{BB962C8B-B14F-4D97-AF65-F5344CB8AC3E}">
-        <p14:creationId xmlns:p14="http://schemas.microsoft.com/office/powerpoint/2010/main" val="3167248545"/>
+        <p14:creationId xmlns:p14="http://schemas.microsoft.com/office/powerpoint/2010/main" val="1065685131"/>
       </p:ext>
     </p:extLst>
   </p:cSld>
@@ -4843,7 +4827,7 @@
           <a:noFill/>
           <a:ln w="19050">
             <a:solidFill>
-              <a:schemeClr val="tx1"/>
+              <a:schemeClr val="bg1"/>
             </a:solidFill>
           </a:ln>
         </p:spPr>
@@ -4895,59 +4879,7 @@
           <a:noFill/>
           <a:ln w="19050">
             <a:solidFill>
-              <a:schemeClr val="tx1"/>
-            </a:solidFill>
-          </a:ln>
-        </p:spPr>
-        <p:style>
-          <a:lnRef idx="2">
-            <a:schemeClr val="accent1">
-              <a:shade val="50000"/>
-            </a:schemeClr>
-          </a:lnRef>
-          <a:fillRef idx="1">
-            <a:schemeClr val="accent1"/>
-          </a:fillRef>
-          <a:effectRef idx="0">
-            <a:schemeClr val="accent1"/>
-          </a:effectRef>
-          <a:fontRef idx="minor">
-            <a:schemeClr val="lt1"/>
-          </a:fontRef>
-        </p:style>
-        <p:txBody>
-          <a:bodyPr rtlCol="0" anchor="ctr"/>
-          <a:lstStyle/>
-          <a:p>
-            <a:pPr algn="ctr"/>
-            <a:endParaRPr lang="LID4096"/>
-          </a:p>
-        </p:txBody>
-      </p:sp>
-      <p:sp>
-        <p:nvSpPr>
-          <p:cNvPr id="6" name="Rectangle 5">
-            <a:extLst>
-              <a:ext uri="{FF2B5EF4-FFF2-40B4-BE49-F238E27FC236}">
-                <a16:creationId xmlns:a16="http://schemas.microsoft.com/office/drawing/2014/main" id="{437AB641-AB0C-4469-AD2E-A7DA4A69C7B1}"/>
-              </a:ext>
-            </a:extLst>
-          </p:cNvPr>
-          <p:cNvSpPr/>
-          <p:nvPr/>
-        </p:nvSpPr>
-        <p:spPr>
-          <a:xfrm>
-            <a:off x="2911303" y="4839257"/>
-            <a:ext cx="1182254" cy="1182254"/>
-          </a:xfrm>
-          <a:prstGeom prst="rect">
-            <a:avLst/>
-          </a:prstGeom>
-          <a:noFill/>
-          <a:ln w="19050">
-            <a:solidFill>
-              <a:schemeClr val="tx1"/>
+              <a:schemeClr val="bg1"/>
             </a:solidFill>
           </a:ln>
         </p:spPr>
@@ -4982,6 +4914,62 @@
       </p:sp>
       <p:sp>
         <p:nvSpPr>
+          <p:cNvPr id="6" name="Rectangle 5">
+            <a:extLst>
+              <a:ext uri="{FF2B5EF4-FFF2-40B4-BE49-F238E27FC236}">
+                <a16:creationId xmlns:a16="http://schemas.microsoft.com/office/drawing/2014/main" id="{437AB641-AB0C-4469-AD2E-A7DA4A69C7B1}"/>
+              </a:ext>
+            </a:extLst>
+          </p:cNvPr>
+          <p:cNvSpPr/>
+          <p:nvPr/>
+        </p:nvSpPr>
+        <p:spPr>
+          <a:xfrm>
+            <a:off x="2911303" y="4839257"/>
+            <a:ext cx="1182254" cy="1182254"/>
+          </a:xfrm>
+          <a:prstGeom prst="rect">
+            <a:avLst/>
+          </a:prstGeom>
+          <a:noFill/>
+          <a:ln w="19050">
+            <a:solidFill>
+              <a:schemeClr val="bg1"/>
+            </a:solidFill>
+          </a:ln>
+        </p:spPr>
+        <p:style>
+          <a:lnRef idx="2">
+            <a:schemeClr val="accent1">
+              <a:shade val="50000"/>
+            </a:schemeClr>
+          </a:lnRef>
+          <a:fillRef idx="1">
+            <a:schemeClr val="accent1"/>
+          </a:fillRef>
+          <a:effectRef idx="0">
+            <a:schemeClr val="accent1"/>
+          </a:effectRef>
+          <a:fontRef idx="minor">
+            <a:schemeClr val="lt1"/>
+          </a:fontRef>
+        </p:style>
+        <p:txBody>
+          <a:bodyPr rtlCol="0" anchor="ctr"/>
+          <a:lstStyle/>
+          <a:p>
+            <a:pPr algn="ctr"/>
+            <a:endParaRPr lang="LID4096" dirty="0">
+              <a:solidFill>
+                <a:schemeClr val="tx1"/>
+              </a:solidFill>
+            </a:endParaRPr>
+          </a:p>
+        </p:txBody>
+      </p:sp>
+      <p:sp>
+        <p:nvSpPr>
           <p:cNvPr id="7" name="Rectangle 6">
             <a:extLst>
               <a:ext uri="{FF2B5EF4-FFF2-40B4-BE49-F238E27FC236}">
@@ -5003,7 +4991,7 @@
           <a:noFill/>
           <a:ln w="19050">
             <a:solidFill>
-              <a:schemeClr val="tx1"/>
+              <a:schemeClr val="bg1"/>
             </a:solidFill>
           </a:ln>
         </p:spPr>
@@ -5028,7 +5016,11 @@
           <a:lstStyle/>
           <a:p>
             <a:pPr algn="ctr"/>
-            <a:endParaRPr lang="LID4096"/>
+            <a:endParaRPr lang="LID4096" dirty="0">
+              <a:solidFill>
+                <a:schemeClr val="tx1"/>
+              </a:solidFill>
+            </a:endParaRPr>
           </a:p>
         </p:txBody>
       </p:sp>
@@ -5055,7 +5047,7 @@
           <a:noFill/>
           <a:ln w="19050">
             <a:solidFill>
-              <a:schemeClr val="tx1"/>
+              <a:schemeClr val="bg1"/>
             </a:solidFill>
           </a:ln>
         </p:spPr>
@@ -5080,7 +5072,11 @@
           <a:lstStyle/>
           <a:p>
             <a:pPr algn="ctr"/>
-            <a:endParaRPr lang="LID4096"/>
+            <a:endParaRPr lang="LID4096" dirty="0">
+              <a:solidFill>
+                <a:schemeClr val="tx1"/>
+              </a:solidFill>
+            </a:endParaRPr>
           </a:p>
         </p:txBody>
       </p:sp>
@@ -5107,7 +5103,7 @@
           <a:noFill/>
           <a:ln w="19050">
             <a:solidFill>
-              <a:schemeClr val="tx1"/>
+              <a:schemeClr val="bg1"/>
             </a:solidFill>
           </a:ln>
         </p:spPr>
@@ -5159,7 +5155,7 @@
           <a:noFill/>
           <a:ln w="19050">
             <a:solidFill>
-              <a:schemeClr val="tx1"/>
+              <a:schemeClr val="bg1"/>
             </a:solidFill>
           </a:ln>
         </p:spPr>
@@ -5211,7 +5207,7 @@
           <a:noFill/>
           <a:ln w="19050">
             <a:solidFill>
-              <a:schemeClr val="tx1"/>
+              <a:schemeClr val="bg1"/>
             </a:solidFill>
           </a:ln>
         </p:spPr>
@@ -5245,7 +5241,7 @@
           <p:cNvPr id="12" name="Straight Arrow Connector 11">
             <a:extLst>
               <a:ext uri="{FF2B5EF4-FFF2-40B4-BE49-F238E27FC236}">
-                <a16:creationId xmlns:a16="http://schemas.microsoft.com/office/drawing/2014/main" id="{BFC265A4-5F4E-4F26-B397-761260C1DA3A}"/>
+                <a16:creationId xmlns:a16="http://schemas.microsoft.com/office/drawing/2014/main" id="{930105EF-5D77-4399-9C98-1ECA66764AD8}"/>
               </a:ext>
             </a:extLst>
           </p:cNvPr>
@@ -5254,7 +5250,7 @@
         </p:nvCxnSpPr>
         <p:spPr>
           <a:xfrm flipH="1">
-            <a:off x="3370219" y="5451565"/>
+            <a:off x="3378927" y="3596639"/>
             <a:ext cx="217714" cy="0"/>
           </a:xfrm>
           <a:prstGeom prst="straightConnector1">
@@ -5285,7 +5281,7 @@
     </p:spTree>
     <p:extLst>
       <p:ext uri="{BB962C8B-B14F-4D97-AF65-F5344CB8AC3E}">
-        <p14:creationId xmlns:p14="http://schemas.microsoft.com/office/powerpoint/2010/main" val="346345283"/>
+        <p14:creationId xmlns:p14="http://schemas.microsoft.com/office/powerpoint/2010/main" val="3167248545"/>
       </p:ext>
     </p:extLst>
   </p:cSld>
@@ -5334,9 +5330,7 @@
           </a:prstGeom>
           <a:noFill/>
           <a:ln w="19050">
-            <a:solidFill>
-              <a:schemeClr val="tx1"/>
-            </a:solidFill>
+            <a:noFill/>
           </a:ln>
         </p:spPr>
         <p:style>
@@ -5386,9 +5380,7 @@
           </a:prstGeom>
           <a:noFill/>
           <a:ln w="19050">
-            <a:solidFill>
-              <a:schemeClr val="tx1"/>
-            </a:solidFill>
+            <a:noFill/>
           </a:ln>
         </p:spPr>
         <p:style>
@@ -5438,61 +5430,7 @@
           </a:prstGeom>
           <a:noFill/>
           <a:ln w="19050">
-            <a:solidFill>
-              <a:schemeClr val="tx1"/>
-            </a:solidFill>
-          </a:ln>
-        </p:spPr>
-        <p:style>
-          <a:lnRef idx="2">
-            <a:schemeClr val="accent1">
-              <a:shade val="50000"/>
-            </a:schemeClr>
-          </a:lnRef>
-          <a:fillRef idx="1">
-            <a:schemeClr val="accent1"/>
-          </a:fillRef>
-          <a:effectRef idx="0">
-            <a:schemeClr val="accent1"/>
-          </a:effectRef>
-          <a:fontRef idx="minor">
-            <a:schemeClr val="lt1"/>
-          </a:fontRef>
-        </p:style>
-        <p:txBody>
-          <a:bodyPr rtlCol="0" anchor="ctr"/>
-          <a:lstStyle/>
-          <a:p>
-            <a:pPr algn="ctr"/>
-            <a:endParaRPr lang="LID4096"/>
-          </a:p>
-        </p:txBody>
-      </p:sp>
-      <p:sp>
-        <p:nvSpPr>
-          <p:cNvPr id="7" name="Rectangle 6">
-            <a:extLst>
-              <a:ext uri="{FF2B5EF4-FFF2-40B4-BE49-F238E27FC236}">
-                <a16:creationId xmlns:a16="http://schemas.microsoft.com/office/drawing/2014/main" id="{B3694913-6DA0-404E-96BB-F152D3921DC7}"/>
-              </a:ext>
-            </a:extLst>
-          </p:cNvPr>
-          <p:cNvSpPr/>
-          <p:nvPr/>
-        </p:nvSpPr>
-        <p:spPr>
-          <a:xfrm>
-            <a:off x="4738384" y="4839257"/>
-            <a:ext cx="1182254" cy="1182254"/>
-          </a:xfrm>
-          <a:prstGeom prst="rect">
-            <a:avLst/>
-          </a:prstGeom>
-          <a:noFill/>
-          <a:ln w="19050">
-            <a:solidFill>
-              <a:schemeClr val="tx1"/>
-            </a:solidFill>
+            <a:noFill/>
           </a:ln>
         </p:spPr>
         <p:style>
@@ -5526,6 +5464,56 @@
       </p:sp>
       <p:sp>
         <p:nvSpPr>
+          <p:cNvPr id="7" name="Rectangle 6">
+            <a:extLst>
+              <a:ext uri="{FF2B5EF4-FFF2-40B4-BE49-F238E27FC236}">
+                <a16:creationId xmlns:a16="http://schemas.microsoft.com/office/drawing/2014/main" id="{B3694913-6DA0-404E-96BB-F152D3921DC7}"/>
+              </a:ext>
+            </a:extLst>
+          </p:cNvPr>
+          <p:cNvSpPr/>
+          <p:nvPr/>
+        </p:nvSpPr>
+        <p:spPr>
+          <a:xfrm>
+            <a:off x="4738384" y="4839257"/>
+            <a:ext cx="1182254" cy="1182254"/>
+          </a:xfrm>
+          <a:prstGeom prst="rect">
+            <a:avLst/>
+          </a:prstGeom>
+          <a:noFill/>
+          <a:ln w="19050">
+            <a:noFill/>
+          </a:ln>
+        </p:spPr>
+        <p:style>
+          <a:lnRef idx="2">
+            <a:schemeClr val="accent1">
+              <a:shade val="50000"/>
+            </a:schemeClr>
+          </a:lnRef>
+          <a:fillRef idx="1">
+            <a:schemeClr val="accent1"/>
+          </a:fillRef>
+          <a:effectRef idx="0">
+            <a:schemeClr val="accent1"/>
+          </a:effectRef>
+          <a:fontRef idx="minor">
+            <a:schemeClr val="lt1"/>
+          </a:fontRef>
+        </p:style>
+        <p:txBody>
+          <a:bodyPr rtlCol="0" anchor="ctr"/>
+          <a:lstStyle/>
+          <a:p>
+            <a:pPr algn="ctr"/>
+            <a:endParaRPr lang="LID4096"/>
+          </a:p>
+        </p:txBody>
+      </p:sp>
+      <p:sp>
+        <p:nvSpPr>
           <p:cNvPr id="8" name="Rectangle 7">
             <a:extLst>
               <a:ext uri="{FF2B5EF4-FFF2-40B4-BE49-F238E27FC236}">
@@ -5546,9 +5534,7 @@
           </a:prstGeom>
           <a:noFill/>
           <a:ln w="19050">
-            <a:solidFill>
-              <a:schemeClr val="tx1"/>
-            </a:solidFill>
+            <a:noFill/>
           </a:ln>
         </p:spPr>
         <p:style>
@@ -5598,9 +5584,7 @@
           </a:prstGeom>
           <a:noFill/>
           <a:ln w="19050">
-            <a:solidFill>
-              <a:schemeClr val="tx1"/>
-            </a:solidFill>
+            <a:noFill/>
           </a:ln>
         </p:spPr>
         <p:style>
@@ -5650,9 +5634,7 @@
           </a:prstGeom>
           <a:noFill/>
           <a:ln w="19050">
-            <a:solidFill>
-              <a:schemeClr val="tx1"/>
-            </a:solidFill>
+            <a:noFill/>
           </a:ln>
         </p:spPr>
         <p:style>
@@ -5702,9 +5684,7 @@
           </a:prstGeom>
           <a:noFill/>
           <a:ln w="19050">
-            <a:solidFill>
-              <a:schemeClr val="tx1"/>
-            </a:solidFill>
+            <a:noFill/>
           </a:ln>
         </p:spPr>
         <p:style>
@@ -5737,7 +5717,7 @@
           <p:cNvPr id="12" name="Straight Arrow Connector 11">
             <a:extLst>
               <a:ext uri="{FF2B5EF4-FFF2-40B4-BE49-F238E27FC236}">
-                <a16:creationId xmlns:a16="http://schemas.microsoft.com/office/drawing/2014/main" id="{D4EF255A-D764-4A84-85A7-9C716CE0E2E7}"/>
+                <a16:creationId xmlns:a16="http://schemas.microsoft.com/office/drawing/2014/main" id="{BFC265A4-5F4E-4F26-B397-761260C1DA3A}"/>
               </a:ext>
             </a:extLst>
           </p:cNvPr>
@@ -5746,7 +5726,7 @@
         </p:nvCxnSpPr>
         <p:spPr>
           <a:xfrm flipH="1">
-            <a:off x="5199019" y="5442855"/>
+            <a:off x="3370219" y="5451565"/>
             <a:ext cx="217714" cy="0"/>
           </a:xfrm>
           <a:prstGeom prst="straightConnector1">
@@ -5777,7 +5757,7 @@
     </p:spTree>
     <p:extLst>
       <p:ext uri="{BB962C8B-B14F-4D97-AF65-F5344CB8AC3E}">
-        <p14:creationId xmlns:p14="http://schemas.microsoft.com/office/powerpoint/2010/main" val="4019804890"/>
+        <p14:creationId xmlns:p14="http://schemas.microsoft.com/office/powerpoint/2010/main" val="346345283"/>
       </p:ext>
     </p:extLst>
   </p:cSld>
@@ -5826,9 +5806,7 @@
           </a:prstGeom>
           <a:noFill/>
           <a:ln w="19050">
-            <a:solidFill>
-              <a:schemeClr val="tx1"/>
-            </a:solidFill>
+            <a:noFill/>
           </a:ln>
         </p:spPr>
         <p:style>
@@ -5878,9 +5856,7 @@
           </a:prstGeom>
           <a:noFill/>
           <a:ln w="19050">
-            <a:solidFill>
-              <a:schemeClr val="tx1"/>
-            </a:solidFill>
+            <a:noFill/>
           </a:ln>
         </p:spPr>
         <p:style>
@@ -5930,9 +5906,7 @@
           </a:prstGeom>
           <a:noFill/>
           <a:ln w="19050">
-            <a:solidFill>
-              <a:schemeClr val="tx1"/>
-            </a:solidFill>
+            <a:noFill/>
           </a:ln>
         </p:spPr>
         <p:style>
@@ -5982,61 +5956,7 @@
           </a:prstGeom>
           <a:noFill/>
           <a:ln w="19050">
-            <a:solidFill>
-              <a:schemeClr val="tx1"/>
-            </a:solidFill>
-          </a:ln>
-        </p:spPr>
-        <p:style>
-          <a:lnRef idx="2">
-            <a:schemeClr val="accent1">
-              <a:shade val="50000"/>
-            </a:schemeClr>
-          </a:lnRef>
-          <a:fillRef idx="1">
-            <a:schemeClr val="accent1"/>
-          </a:fillRef>
-          <a:effectRef idx="0">
-            <a:schemeClr val="accent1"/>
-          </a:effectRef>
-          <a:fontRef idx="minor">
-            <a:schemeClr val="lt1"/>
-          </a:fontRef>
-        </p:style>
-        <p:txBody>
-          <a:bodyPr rtlCol="0" anchor="ctr"/>
-          <a:lstStyle/>
-          <a:p>
-            <a:pPr algn="ctr"/>
-            <a:endParaRPr lang="LID4096"/>
-          </a:p>
-        </p:txBody>
-      </p:sp>
-      <p:sp>
-        <p:nvSpPr>
-          <p:cNvPr id="8" name="Rectangle 7">
-            <a:extLst>
-              <a:ext uri="{FF2B5EF4-FFF2-40B4-BE49-F238E27FC236}">
-                <a16:creationId xmlns:a16="http://schemas.microsoft.com/office/drawing/2014/main" id="{5A984827-D88E-46E0-8504-F53796FD4C8D}"/>
-              </a:ext>
-            </a:extLst>
-          </p:cNvPr>
-          <p:cNvSpPr/>
-          <p:nvPr/>
-        </p:nvSpPr>
-        <p:spPr>
-          <a:xfrm>
-            <a:off x="6565465" y="4839257"/>
-            <a:ext cx="1182254" cy="1182254"/>
-          </a:xfrm>
-          <a:prstGeom prst="rect">
-            <a:avLst/>
-          </a:prstGeom>
-          <a:noFill/>
-          <a:ln w="19050">
-            <a:solidFill>
-              <a:schemeClr val="tx1"/>
-            </a:solidFill>
+            <a:noFill/>
           </a:ln>
         </p:spPr>
         <p:style>
@@ -6070,6 +5990,56 @@
       </p:sp>
       <p:sp>
         <p:nvSpPr>
+          <p:cNvPr id="8" name="Rectangle 7">
+            <a:extLst>
+              <a:ext uri="{FF2B5EF4-FFF2-40B4-BE49-F238E27FC236}">
+                <a16:creationId xmlns:a16="http://schemas.microsoft.com/office/drawing/2014/main" id="{5A984827-D88E-46E0-8504-F53796FD4C8D}"/>
+              </a:ext>
+            </a:extLst>
+          </p:cNvPr>
+          <p:cNvSpPr/>
+          <p:nvPr/>
+        </p:nvSpPr>
+        <p:spPr>
+          <a:xfrm>
+            <a:off x="6565465" y="4839257"/>
+            <a:ext cx="1182254" cy="1182254"/>
+          </a:xfrm>
+          <a:prstGeom prst="rect">
+            <a:avLst/>
+          </a:prstGeom>
+          <a:noFill/>
+          <a:ln w="19050">
+            <a:noFill/>
+          </a:ln>
+        </p:spPr>
+        <p:style>
+          <a:lnRef idx="2">
+            <a:schemeClr val="accent1">
+              <a:shade val="50000"/>
+            </a:schemeClr>
+          </a:lnRef>
+          <a:fillRef idx="1">
+            <a:schemeClr val="accent1"/>
+          </a:fillRef>
+          <a:effectRef idx="0">
+            <a:schemeClr val="accent1"/>
+          </a:effectRef>
+          <a:fontRef idx="minor">
+            <a:schemeClr val="lt1"/>
+          </a:fontRef>
+        </p:style>
+        <p:txBody>
+          <a:bodyPr rtlCol="0" anchor="ctr"/>
+          <a:lstStyle/>
+          <a:p>
+            <a:pPr algn="ctr"/>
+            <a:endParaRPr lang="LID4096"/>
+          </a:p>
+        </p:txBody>
+      </p:sp>
+      <p:sp>
+        <p:nvSpPr>
           <p:cNvPr id="9" name="Rectangle 8">
             <a:extLst>
               <a:ext uri="{FF2B5EF4-FFF2-40B4-BE49-F238E27FC236}">
@@ -6090,9 +6060,7 @@
           </a:prstGeom>
           <a:noFill/>
           <a:ln w="19050">
-            <a:solidFill>
-              <a:schemeClr val="tx1"/>
-            </a:solidFill>
+            <a:noFill/>
           </a:ln>
         </p:spPr>
         <p:style>
@@ -6142,9 +6110,7 @@
           </a:prstGeom>
           <a:noFill/>
           <a:ln w="19050">
-            <a:solidFill>
-              <a:schemeClr val="tx1"/>
-            </a:solidFill>
+            <a:noFill/>
           </a:ln>
         </p:spPr>
         <p:style>
@@ -6194,9 +6160,7 @@
           </a:prstGeom>
           <a:noFill/>
           <a:ln w="19050">
-            <a:solidFill>
-              <a:schemeClr val="tx1"/>
-            </a:solidFill>
+            <a:noFill/>
           </a:ln>
         </p:spPr>
         <p:style>
@@ -6229,18 +6193,16 @@
           <p:cNvPr id="12" name="Straight Arrow Connector 11">
             <a:extLst>
               <a:ext uri="{FF2B5EF4-FFF2-40B4-BE49-F238E27FC236}">
-                <a16:creationId xmlns:a16="http://schemas.microsoft.com/office/drawing/2014/main" id="{D5524322-5170-4105-A7C6-F17C2001E013}"/>
-              </a:ext>
-            </a:extLst>
-          </p:cNvPr>
-          <p:cNvCxnSpPr>
-            <a:cxnSpLocks/>
-          </p:cNvCxnSpPr>
+                <a16:creationId xmlns:a16="http://schemas.microsoft.com/office/drawing/2014/main" id="{D4EF255A-D764-4A84-85A7-9C716CE0E2E7}"/>
+              </a:ext>
+            </a:extLst>
+          </p:cNvPr>
+          <p:cNvCxnSpPr/>
           <p:nvPr/>
         </p:nvCxnSpPr>
         <p:spPr>
           <a:xfrm flipH="1">
-            <a:off x="7036527" y="5442856"/>
+            <a:off x="5199019" y="5442855"/>
             <a:ext cx="217714" cy="0"/>
           </a:xfrm>
           <a:prstGeom prst="straightConnector1">
@@ -6271,7 +6233,7 @@
     </p:spTree>
     <p:extLst>
       <p:ext uri="{BB962C8B-B14F-4D97-AF65-F5344CB8AC3E}">
-        <p14:creationId xmlns:p14="http://schemas.microsoft.com/office/powerpoint/2010/main" val="1290158786"/>
+        <p14:creationId xmlns:p14="http://schemas.microsoft.com/office/powerpoint/2010/main" val="4019804890"/>
       </p:ext>
     </p:extLst>
   </p:cSld>
@@ -6320,9 +6282,7 @@
           </a:prstGeom>
           <a:noFill/>
           <a:ln w="19050">
-            <a:solidFill>
-              <a:schemeClr val="tx1"/>
-            </a:solidFill>
+            <a:noFill/>
           </a:ln>
         </p:spPr>
         <p:style>
@@ -6372,9 +6332,7 @@
           </a:prstGeom>
           <a:noFill/>
           <a:ln w="19050">
-            <a:solidFill>
-              <a:schemeClr val="tx1"/>
-            </a:solidFill>
+            <a:noFill/>
           </a:ln>
         </p:spPr>
         <p:style>
@@ -6424,9 +6382,7 @@
           </a:prstGeom>
           <a:noFill/>
           <a:ln w="19050">
-            <a:solidFill>
-              <a:schemeClr val="tx1"/>
-            </a:solidFill>
+            <a:noFill/>
           </a:ln>
         </p:spPr>
         <p:style>
@@ -6476,9 +6432,7 @@
           </a:prstGeom>
           <a:noFill/>
           <a:ln w="19050">
-            <a:solidFill>
-              <a:schemeClr val="tx1"/>
-            </a:solidFill>
+            <a:noFill/>
           </a:ln>
         </p:spPr>
         <p:style>
@@ -6528,165 +6482,7 @@
           </a:prstGeom>
           <a:noFill/>
           <a:ln w="19050">
-            <a:solidFill>
-              <a:schemeClr val="tx1"/>
-            </a:solidFill>
-          </a:ln>
-        </p:spPr>
-        <p:style>
-          <a:lnRef idx="2">
-            <a:schemeClr val="accent1">
-              <a:shade val="50000"/>
-            </a:schemeClr>
-          </a:lnRef>
-          <a:fillRef idx="1">
-            <a:schemeClr val="accent1"/>
-          </a:fillRef>
-          <a:effectRef idx="0">
-            <a:schemeClr val="accent1"/>
-          </a:effectRef>
-          <a:fontRef idx="minor">
-            <a:schemeClr val="lt1"/>
-          </a:fontRef>
-        </p:style>
-        <p:txBody>
-          <a:bodyPr rtlCol="0" anchor="ctr"/>
-          <a:lstStyle/>
-          <a:p>
-            <a:pPr algn="ctr"/>
-            <a:endParaRPr lang="LID4096"/>
-          </a:p>
-        </p:txBody>
-      </p:sp>
-      <p:sp>
-        <p:nvSpPr>
-          <p:cNvPr id="9" name="Rectangle 8">
-            <a:extLst>
-              <a:ext uri="{FF2B5EF4-FFF2-40B4-BE49-F238E27FC236}">
-                <a16:creationId xmlns:a16="http://schemas.microsoft.com/office/drawing/2014/main" id="{7A9F38C5-3172-4C88-BEB9-78B1C80CB300}"/>
-              </a:ext>
-            </a:extLst>
-          </p:cNvPr>
-          <p:cNvSpPr/>
-          <p:nvPr/>
-        </p:nvSpPr>
-        <p:spPr>
-          <a:xfrm>
-            <a:off x="4738384" y="1157447"/>
-            <a:ext cx="1182254" cy="1182254"/>
-          </a:xfrm>
-          <a:prstGeom prst="rect">
-            <a:avLst/>
-          </a:prstGeom>
-          <a:noFill/>
-          <a:ln w="19050">
-            <a:solidFill>
-              <a:schemeClr val="tx1"/>
-            </a:solidFill>
-          </a:ln>
-        </p:spPr>
-        <p:style>
-          <a:lnRef idx="2">
-            <a:schemeClr val="accent1">
-              <a:shade val="50000"/>
-            </a:schemeClr>
-          </a:lnRef>
-          <a:fillRef idx="1">
-            <a:schemeClr val="accent1"/>
-          </a:fillRef>
-          <a:effectRef idx="0">
-            <a:schemeClr val="accent1"/>
-          </a:effectRef>
-          <a:fontRef idx="minor">
-            <a:schemeClr val="lt1"/>
-          </a:fontRef>
-        </p:style>
-        <p:txBody>
-          <a:bodyPr rtlCol="0" anchor="ctr"/>
-          <a:lstStyle/>
-          <a:p>
-            <a:pPr algn="ctr"/>
-            <a:endParaRPr lang="LID4096"/>
-          </a:p>
-        </p:txBody>
-      </p:sp>
-      <p:sp>
-        <p:nvSpPr>
-          <p:cNvPr id="10" name="Rectangle 9">
-            <a:extLst>
-              <a:ext uri="{FF2B5EF4-FFF2-40B4-BE49-F238E27FC236}">
-                <a16:creationId xmlns:a16="http://schemas.microsoft.com/office/drawing/2014/main" id="{D116F38A-E07F-4B4A-A928-F7666AEAFE55}"/>
-              </a:ext>
-            </a:extLst>
-          </p:cNvPr>
-          <p:cNvSpPr/>
-          <p:nvPr/>
-        </p:nvSpPr>
-        <p:spPr>
-          <a:xfrm>
-            <a:off x="6565465" y="1157447"/>
-            <a:ext cx="1182254" cy="1182254"/>
-          </a:xfrm>
-          <a:prstGeom prst="rect">
-            <a:avLst/>
-          </a:prstGeom>
-          <a:noFill/>
-          <a:ln w="19050">
-            <a:solidFill>
-              <a:schemeClr val="tx1"/>
-            </a:solidFill>
-          </a:ln>
-        </p:spPr>
-        <p:style>
-          <a:lnRef idx="2">
-            <a:schemeClr val="accent1">
-              <a:shade val="50000"/>
-            </a:schemeClr>
-          </a:lnRef>
-          <a:fillRef idx="1">
-            <a:schemeClr val="accent1"/>
-          </a:fillRef>
-          <a:effectRef idx="0">
-            <a:schemeClr val="accent1"/>
-          </a:effectRef>
-          <a:fontRef idx="minor">
-            <a:schemeClr val="lt1"/>
-          </a:fontRef>
-        </p:style>
-        <p:txBody>
-          <a:bodyPr rtlCol="0" anchor="ctr"/>
-          <a:lstStyle/>
-          <a:p>
-            <a:pPr algn="ctr"/>
-            <a:endParaRPr lang="LID4096"/>
-          </a:p>
-        </p:txBody>
-      </p:sp>
-      <p:sp>
-        <p:nvSpPr>
-          <p:cNvPr id="11" name="Rectangle 10">
-            <a:extLst>
-              <a:ext uri="{FF2B5EF4-FFF2-40B4-BE49-F238E27FC236}">
-                <a16:creationId xmlns:a16="http://schemas.microsoft.com/office/drawing/2014/main" id="{8E2E6654-CC92-4CE0-938B-E385DD361A79}"/>
-              </a:ext>
-            </a:extLst>
-          </p:cNvPr>
-          <p:cNvSpPr/>
-          <p:nvPr/>
-        </p:nvSpPr>
-        <p:spPr>
-          <a:xfrm>
-            <a:off x="6565465" y="2998352"/>
-            <a:ext cx="1182254" cy="1182254"/>
-          </a:xfrm>
-          <a:prstGeom prst="rect">
-            <a:avLst/>
-          </a:prstGeom>
-          <a:noFill/>
-          <a:ln w="19050">
-            <a:solidFill>
-              <a:schemeClr val="tx1"/>
-            </a:solidFill>
+            <a:noFill/>
           </a:ln>
         </p:spPr>
         <p:style>
@@ -6718,21 +6514,173 @@
           </a:p>
         </p:txBody>
       </p:sp>
+      <p:sp>
+        <p:nvSpPr>
+          <p:cNvPr id="9" name="Rectangle 8">
+            <a:extLst>
+              <a:ext uri="{FF2B5EF4-FFF2-40B4-BE49-F238E27FC236}">
+                <a16:creationId xmlns:a16="http://schemas.microsoft.com/office/drawing/2014/main" id="{7A9F38C5-3172-4C88-BEB9-78B1C80CB300}"/>
+              </a:ext>
+            </a:extLst>
+          </p:cNvPr>
+          <p:cNvSpPr/>
+          <p:nvPr/>
+        </p:nvSpPr>
+        <p:spPr>
+          <a:xfrm>
+            <a:off x="4738384" y="1157447"/>
+            <a:ext cx="1182254" cy="1182254"/>
+          </a:xfrm>
+          <a:prstGeom prst="rect">
+            <a:avLst/>
+          </a:prstGeom>
+          <a:noFill/>
+          <a:ln w="19050">
+            <a:noFill/>
+          </a:ln>
+        </p:spPr>
+        <p:style>
+          <a:lnRef idx="2">
+            <a:schemeClr val="accent1">
+              <a:shade val="50000"/>
+            </a:schemeClr>
+          </a:lnRef>
+          <a:fillRef idx="1">
+            <a:schemeClr val="accent1"/>
+          </a:fillRef>
+          <a:effectRef idx="0">
+            <a:schemeClr val="accent1"/>
+          </a:effectRef>
+          <a:fontRef idx="minor">
+            <a:schemeClr val="lt1"/>
+          </a:fontRef>
+        </p:style>
+        <p:txBody>
+          <a:bodyPr rtlCol="0" anchor="ctr"/>
+          <a:lstStyle/>
+          <a:p>
+            <a:pPr algn="ctr"/>
+            <a:endParaRPr lang="LID4096"/>
+          </a:p>
+        </p:txBody>
+      </p:sp>
+      <p:sp>
+        <p:nvSpPr>
+          <p:cNvPr id="10" name="Rectangle 9">
+            <a:extLst>
+              <a:ext uri="{FF2B5EF4-FFF2-40B4-BE49-F238E27FC236}">
+                <a16:creationId xmlns:a16="http://schemas.microsoft.com/office/drawing/2014/main" id="{D116F38A-E07F-4B4A-A928-F7666AEAFE55}"/>
+              </a:ext>
+            </a:extLst>
+          </p:cNvPr>
+          <p:cNvSpPr/>
+          <p:nvPr/>
+        </p:nvSpPr>
+        <p:spPr>
+          <a:xfrm>
+            <a:off x="6565465" y="1157447"/>
+            <a:ext cx="1182254" cy="1182254"/>
+          </a:xfrm>
+          <a:prstGeom prst="rect">
+            <a:avLst/>
+          </a:prstGeom>
+          <a:noFill/>
+          <a:ln w="19050">
+            <a:noFill/>
+          </a:ln>
+        </p:spPr>
+        <p:style>
+          <a:lnRef idx="2">
+            <a:schemeClr val="accent1">
+              <a:shade val="50000"/>
+            </a:schemeClr>
+          </a:lnRef>
+          <a:fillRef idx="1">
+            <a:schemeClr val="accent1"/>
+          </a:fillRef>
+          <a:effectRef idx="0">
+            <a:schemeClr val="accent1"/>
+          </a:effectRef>
+          <a:fontRef idx="minor">
+            <a:schemeClr val="lt1"/>
+          </a:fontRef>
+        </p:style>
+        <p:txBody>
+          <a:bodyPr rtlCol="0" anchor="ctr"/>
+          <a:lstStyle/>
+          <a:p>
+            <a:pPr algn="ctr"/>
+            <a:endParaRPr lang="LID4096"/>
+          </a:p>
+        </p:txBody>
+      </p:sp>
+      <p:sp>
+        <p:nvSpPr>
+          <p:cNvPr id="11" name="Rectangle 10">
+            <a:extLst>
+              <a:ext uri="{FF2B5EF4-FFF2-40B4-BE49-F238E27FC236}">
+                <a16:creationId xmlns:a16="http://schemas.microsoft.com/office/drawing/2014/main" id="{8E2E6654-CC92-4CE0-938B-E385DD361A79}"/>
+              </a:ext>
+            </a:extLst>
+          </p:cNvPr>
+          <p:cNvSpPr/>
+          <p:nvPr/>
+        </p:nvSpPr>
+        <p:spPr>
+          <a:xfrm>
+            <a:off x="6565465" y="2998352"/>
+            <a:ext cx="1182254" cy="1182254"/>
+          </a:xfrm>
+          <a:prstGeom prst="rect">
+            <a:avLst/>
+          </a:prstGeom>
+          <a:noFill/>
+          <a:ln w="19050">
+            <a:noFill/>
+          </a:ln>
+        </p:spPr>
+        <p:style>
+          <a:lnRef idx="2">
+            <a:schemeClr val="accent1">
+              <a:shade val="50000"/>
+            </a:schemeClr>
+          </a:lnRef>
+          <a:fillRef idx="1">
+            <a:schemeClr val="accent1"/>
+          </a:fillRef>
+          <a:effectRef idx="0">
+            <a:schemeClr val="accent1"/>
+          </a:effectRef>
+          <a:fontRef idx="minor">
+            <a:schemeClr val="lt1"/>
+          </a:fontRef>
+        </p:style>
+        <p:txBody>
+          <a:bodyPr rtlCol="0" anchor="ctr"/>
+          <a:lstStyle/>
+          <a:p>
+            <a:pPr algn="ctr"/>
+            <a:endParaRPr lang="LID4096"/>
+          </a:p>
+        </p:txBody>
+      </p:sp>
       <p:cxnSp>
         <p:nvCxnSpPr>
           <p:cNvPr id="12" name="Straight Arrow Connector 11">
             <a:extLst>
               <a:ext uri="{FF2B5EF4-FFF2-40B4-BE49-F238E27FC236}">
-                <a16:creationId xmlns:a16="http://schemas.microsoft.com/office/drawing/2014/main" id="{E8423E2D-7219-4656-9BB3-9F5AED1E564D}"/>
-              </a:ext>
-            </a:extLst>
-          </p:cNvPr>
-          <p:cNvCxnSpPr/>
+                <a16:creationId xmlns:a16="http://schemas.microsoft.com/office/drawing/2014/main" id="{D5524322-5170-4105-A7C6-F17C2001E013}"/>
+              </a:ext>
+            </a:extLst>
+          </p:cNvPr>
+          <p:cNvCxnSpPr>
+            <a:cxnSpLocks/>
+          </p:cNvCxnSpPr>
           <p:nvPr/>
         </p:nvCxnSpPr>
         <p:spPr>
           <a:xfrm flipH="1">
-            <a:off x="7036528" y="3596638"/>
+            <a:off x="7036527" y="5442856"/>
             <a:ext cx="217714" cy="0"/>
           </a:xfrm>
           <a:prstGeom prst="straightConnector1">
@@ -6763,7 +6711,7 @@
     </p:spTree>
     <p:extLst>
       <p:ext uri="{BB962C8B-B14F-4D97-AF65-F5344CB8AC3E}">
-        <p14:creationId xmlns:p14="http://schemas.microsoft.com/office/powerpoint/2010/main" val="3366013638"/>
+        <p14:creationId xmlns:p14="http://schemas.microsoft.com/office/powerpoint/2010/main" val="1290158786"/>
       </p:ext>
     </p:extLst>
   </p:cSld>
@@ -6812,9 +6760,7 @@
           </a:prstGeom>
           <a:noFill/>
           <a:ln w="19050">
-            <a:solidFill>
-              <a:schemeClr val="tx1"/>
-            </a:solidFill>
+            <a:noFill/>
           </a:ln>
         </p:spPr>
         <p:style>
@@ -6864,9 +6810,7 @@
           </a:prstGeom>
           <a:noFill/>
           <a:ln w="19050">
-            <a:solidFill>
-              <a:schemeClr val="tx1"/>
-            </a:solidFill>
+            <a:noFill/>
           </a:ln>
         </p:spPr>
         <p:style>
@@ -6916,9 +6860,7 @@
           </a:prstGeom>
           <a:noFill/>
           <a:ln w="19050">
-            <a:solidFill>
-              <a:schemeClr val="tx1"/>
-            </a:solidFill>
+            <a:noFill/>
           </a:ln>
         </p:spPr>
         <p:style>
@@ -6968,9 +6910,7 @@
           </a:prstGeom>
           <a:noFill/>
           <a:ln w="19050">
-            <a:solidFill>
-              <a:schemeClr val="tx1"/>
-            </a:solidFill>
+            <a:noFill/>
           </a:ln>
         </p:spPr>
         <p:style>
@@ -7020,9 +6960,7 @@
           </a:prstGeom>
           <a:noFill/>
           <a:ln w="19050">
-            <a:solidFill>
-              <a:schemeClr val="tx1"/>
-            </a:solidFill>
+            <a:noFill/>
           </a:ln>
         </p:spPr>
         <p:style>
@@ -7072,9 +7010,7 @@
           </a:prstGeom>
           <a:noFill/>
           <a:ln w="19050">
-            <a:solidFill>
-              <a:schemeClr val="tx1"/>
-            </a:solidFill>
+            <a:noFill/>
           </a:ln>
         </p:spPr>
         <p:style>
@@ -7124,9 +7060,57 @@
           </a:prstGeom>
           <a:noFill/>
           <a:ln w="19050">
-            <a:solidFill>
-              <a:schemeClr val="tx1"/>
-            </a:solidFill>
+            <a:noFill/>
+          </a:ln>
+        </p:spPr>
+        <p:style>
+          <a:lnRef idx="2">
+            <a:schemeClr val="accent1">
+              <a:shade val="50000"/>
+            </a:schemeClr>
+          </a:lnRef>
+          <a:fillRef idx="1">
+            <a:schemeClr val="accent1"/>
+          </a:fillRef>
+          <a:effectRef idx="0">
+            <a:schemeClr val="accent1"/>
+          </a:effectRef>
+          <a:fontRef idx="minor">
+            <a:schemeClr val="lt1"/>
+          </a:fontRef>
+        </p:style>
+        <p:txBody>
+          <a:bodyPr rtlCol="0" anchor="ctr"/>
+          <a:lstStyle/>
+          <a:p>
+            <a:pPr algn="ctr"/>
+            <a:endParaRPr lang="LID4096"/>
+          </a:p>
+        </p:txBody>
+      </p:sp>
+      <p:sp>
+        <p:nvSpPr>
+          <p:cNvPr id="11" name="Rectangle 10">
+            <a:extLst>
+              <a:ext uri="{FF2B5EF4-FFF2-40B4-BE49-F238E27FC236}">
+                <a16:creationId xmlns:a16="http://schemas.microsoft.com/office/drawing/2014/main" id="{8E2E6654-CC92-4CE0-938B-E385DD361A79}"/>
+              </a:ext>
+            </a:extLst>
+          </p:cNvPr>
+          <p:cNvSpPr/>
+          <p:nvPr/>
+        </p:nvSpPr>
+        <p:spPr>
+          <a:xfrm>
+            <a:off x="6565465" y="2998352"/>
+            <a:ext cx="1182254" cy="1182254"/>
+          </a:xfrm>
+          <a:prstGeom prst="rect">
+            <a:avLst/>
+          </a:prstGeom>
+          <a:noFill/>
+          <a:ln w="19050">
+            <a:noFill/>
           </a:ln>
         </p:spPr>
         <p:style>
@@ -7158,64 +7142,12 @@
           </a:p>
         </p:txBody>
       </p:sp>
-      <p:sp>
-        <p:nvSpPr>
-          <p:cNvPr id="11" name="Rectangle 10">
-            <a:extLst>
-              <a:ext uri="{FF2B5EF4-FFF2-40B4-BE49-F238E27FC236}">
-                <a16:creationId xmlns:a16="http://schemas.microsoft.com/office/drawing/2014/main" id="{8E2E6654-CC92-4CE0-938B-E385DD361A79}"/>
-              </a:ext>
-            </a:extLst>
-          </p:cNvPr>
-          <p:cNvSpPr/>
-          <p:nvPr/>
-        </p:nvSpPr>
-        <p:spPr>
-          <a:xfrm>
-            <a:off x="6565465" y="2998352"/>
-            <a:ext cx="1182254" cy="1182254"/>
-          </a:xfrm>
-          <a:prstGeom prst="rect">
-            <a:avLst/>
-          </a:prstGeom>
-          <a:noFill/>
-          <a:ln w="19050">
-            <a:solidFill>
-              <a:schemeClr val="tx1"/>
-            </a:solidFill>
-          </a:ln>
-        </p:spPr>
-        <p:style>
-          <a:lnRef idx="2">
-            <a:schemeClr val="accent1">
-              <a:shade val="50000"/>
-            </a:schemeClr>
-          </a:lnRef>
-          <a:fillRef idx="1">
-            <a:schemeClr val="accent1"/>
-          </a:fillRef>
-          <a:effectRef idx="0">
-            <a:schemeClr val="accent1"/>
-          </a:effectRef>
-          <a:fontRef idx="minor">
-            <a:schemeClr val="lt1"/>
-          </a:fontRef>
-        </p:style>
-        <p:txBody>
-          <a:bodyPr rtlCol="0" anchor="ctr"/>
-          <a:lstStyle/>
-          <a:p>
-            <a:pPr algn="ctr"/>
-            <a:endParaRPr lang="LID4096"/>
-          </a:p>
-        </p:txBody>
-      </p:sp>
       <p:cxnSp>
         <p:nvCxnSpPr>
           <p:cNvPr id="12" name="Straight Arrow Connector 11">
             <a:extLst>
               <a:ext uri="{FF2B5EF4-FFF2-40B4-BE49-F238E27FC236}">
-                <a16:creationId xmlns:a16="http://schemas.microsoft.com/office/drawing/2014/main" id="{7E9C0D63-D8B2-4030-9986-D5F92F343472}"/>
+                <a16:creationId xmlns:a16="http://schemas.microsoft.com/office/drawing/2014/main" id="{E8423E2D-7219-4656-9BB3-9F5AED1E564D}"/>
               </a:ext>
             </a:extLst>
           </p:cNvPr>
@@ -7224,7 +7156,7 @@
         </p:nvCxnSpPr>
         <p:spPr>
           <a:xfrm flipH="1">
-            <a:off x="7036527" y="1759129"/>
+            <a:off x="7036528" y="3596638"/>
             <a:ext cx="217714" cy="0"/>
           </a:xfrm>
           <a:prstGeom prst="straightConnector1">
@@ -7255,7 +7187,7 @@
     </p:spTree>
     <p:extLst>
       <p:ext uri="{BB962C8B-B14F-4D97-AF65-F5344CB8AC3E}">
-        <p14:creationId xmlns:p14="http://schemas.microsoft.com/office/powerpoint/2010/main" val="2503173296"/>
+        <p14:creationId xmlns:p14="http://schemas.microsoft.com/office/powerpoint/2010/main" val="3366013638"/>
       </p:ext>
     </p:extLst>
   </p:cSld>
@@ -7304,9 +7236,7 @@
           </a:prstGeom>
           <a:noFill/>
           <a:ln w="19050">
-            <a:solidFill>
-              <a:schemeClr val="tx1"/>
-            </a:solidFill>
+            <a:noFill/>
           </a:ln>
         </p:spPr>
         <p:style>
@@ -7356,9 +7286,7 @@
           </a:prstGeom>
           <a:noFill/>
           <a:ln w="19050">
-            <a:solidFill>
-              <a:schemeClr val="tx1"/>
-            </a:solidFill>
+            <a:noFill/>
           </a:ln>
         </p:spPr>
         <p:style>
@@ -7408,9 +7336,7 @@
           </a:prstGeom>
           <a:noFill/>
           <a:ln w="19050">
-            <a:solidFill>
-              <a:schemeClr val="tx1"/>
-            </a:solidFill>
+            <a:noFill/>
           </a:ln>
         </p:spPr>
         <p:style>
@@ -7460,9 +7386,7 @@
           </a:prstGeom>
           <a:noFill/>
           <a:ln w="19050">
-            <a:solidFill>
-              <a:schemeClr val="tx1"/>
-            </a:solidFill>
+            <a:noFill/>
           </a:ln>
         </p:spPr>
         <p:style>
@@ -7512,9 +7436,7 @@
           </a:prstGeom>
           <a:noFill/>
           <a:ln w="19050">
-            <a:solidFill>
-              <a:schemeClr val="tx1"/>
-            </a:solidFill>
+            <a:noFill/>
           </a:ln>
         </p:spPr>
         <p:style>
@@ -7564,9 +7486,57 @@
           </a:prstGeom>
           <a:noFill/>
           <a:ln w="19050">
-            <a:solidFill>
-              <a:schemeClr val="tx1"/>
-            </a:solidFill>
+            <a:noFill/>
+          </a:ln>
+        </p:spPr>
+        <p:style>
+          <a:lnRef idx="2">
+            <a:schemeClr val="accent1">
+              <a:shade val="50000"/>
+            </a:schemeClr>
+          </a:lnRef>
+          <a:fillRef idx="1">
+            <a:schemeClr val="accent1"/>
+          </a:fillRef>
+          <a:effectRef idx="0">
+            <a:schemeClr val="accent1"/>
+          </a:effectRef>
+          <a:fontRef idx="minor">
+            <a:schemeClr val="lt1"/>
+          </a:fontRef>
+        </p:style>
+        <p:txBody>
+          <a:bodyPr rtlCol="0" anchor="ctr"/>
+          <a:lstStyle/>
+          <a:p>
+            <a:pPr algn="ctr"/>
+            <a:endParaRPr lang="LID4096"/>
+          </a:p>
+        </p:txBody>
+      </p:sp>
+      <p:sp>
+        <p:nvSpPr>
+          <p:cNvPr id="10" name="Rectangle 9">
+            <a:extLst>
+              <a:ext uri="{FF2B5EF4-FFF2-40B4-BE49-F238E27FC236}">
+                <a16:creationId xmlns:a16="http://schemas.microsoft.com/office/drawing/2014/main" id="{D116F38A-E07F-4B4A-A928-F7666AEAFE55}"/>
+              </a:ext>
+            </a:extLst>
+          </p:cNvPr>
+          <p:cNvSpPr/>
+          <p:nvPr/>
+        </p:nvSpPr>
+        <p:spPr>
+          <a:xfrm>
+            <a:off x="6565465" y="1157447"/>
+            <a:ext cx="1182254" cy="1182254"/>
+          </a:xfrm>
+          <a:prstGeom prst="rect">
+            <a:avLst/>
+          </a:prstGeom>
+          <a:noFill/>
+          <a:ln w="19050">
+            <a:noFill/>
           </a:ln>
         </p:spPr>
         <p:style>
@@ -7600,62 +7570,6 @@
       </p:sp>
       <p:sp>
         <p:nvSpPr>
-          <p:cNvPr id="10" name="Rectangle 9">
-            <a:extLst>
-              <a:ext uri="{FF2B5EF4-FFF2-40B4-BE49-F238E27FC236}">
-                <a16:creationId xmlns:a16="http://schemas.microsoft.com/office/drawing/2014/main" id="{D116F38A-E07F-4B4A-A928-F7666AEAFE55}"/>
-              </a:ext>
-            </a:extLst>
-          </p:cNvPr>
-          <p:cNvSpPr/>
-          <p:nvPr/>
-        </p:nvSpPr>
-        <p:spPr>
-          <a:xfrm>
-            <a:off x="6565465" y="1157447"/>
-            <a:ext cx="1182254" cy="1182254"/>
-          </a:xfrm>
-          <a:prstGeom prst="rect">
-            <a:avLst/>
-          </a:prstGeom>
-          <a:noFill/>
-          <a:ln w="19050">
-            <a:solidFill>
-              <a:schemeClr val="tx1"/>
-            </a:solidFill>
-          </a:ln>
-        </p:spPr>
-        <p:style>
-          <a:lnRef idx="2">
-            <a:schemeClr val="accent1">
-              <a:shade val="50000"/>
-            </a:schemeClr>
-          </a:lnRef>
-          <a:fillRef idx="1">
-            <a:schemeClr val="accent1"/>
-          </a:fillRef>
-          <a:effectRef idx="0">
-            <a:schemeClr val="accent1"/>
-          </a:effectRef>
-          <a:fontRef idx="minor">
-            <a:schemeClr val="lt1"/>
-          </a:fontRef>
-        </p:style>
-        <p:txBody>
-          <a:bodyPr rtlCol="0" anchor="ctr"/>
-          <a:lstStyle/>
-          <a:p>
-            <a:pPr algn="ctr"/>
-            <a:endParaRPr lang="LID4096" dirty="0">
-              <a:solidFill>
-                <a:schemeClr val="tx1"/>
-              </a:solidFill>
-            </a:endParaRPr>
-          </a:p>
-        </p:txBody>
-      </p:sp>
-      <p:sp>
-        <p:nvSpPr>
           <p:cNvPr id="11" name="Rectangle 10">
             <a:extLst>
               <a:ext uri="{FF2B5EF4-FFF2-40B4-BE49-F238E27FC236}">
@@ -7676,9 +7590,7 @@
           </a:prstGeom>
           <a:noFill/>
           <a:ln w="19050">
-            <a:solidFill>
-              <a:schemeClr val="tx1"/>
-            </a:solidFill>
+            <a:noFill/>
           </a:ln>
         </p:spPr>
         <p:style>
@@ -7711,7 +7623,7 @@
           <p:cNvPr id="12" name="Straight Arrow Connector 11">
             <a:extLst>
               <a:ext uri="{FF2B5EF4-FFF2-40B4-BE49-F238E27FC236}">
-                <a16:creationId xmlns:a16="http://schemas.microsoft.com/office/drawing/2014/main" id="{11D98802-E630-4D63-A88A-183A6EAB97F5}"/>
+                <a16:creationId xmlns:a16="http://schemas.microsoft.com/office/drawing/2014/main" id="{7E9C0D63-D8B2-4030-9986-D5F92F343472}"/>
               </a:ext>
             </a:extLst>
           </p:cNvPr>
@@ -7720,7 +7632,7 @@
         </p:nvCxnSpPr>
         <p:spPr>
           <a:xfrm flipH="1">
-            <a:off x="5207727" y="1759129"/>
+            <a:off x="7036527" y="1759129"/>
             <a:ext cx="217714" cy="0"/>
           </a:xfrm>
           <a:prstGeom prst="straightConnector1">
@@ -7751,7 +7663,7 @@
     </p:spTree>
     <p:extLst>
       <p:ext uri="{BB962C8B-B14F-4D97-AF65-F5344CB8AC3E}">
-        <p14:creationId xmlns:p14="http://schemas.microsoft.com/office/powerpoint/2010/main" val="2479049427"/>
+        <p14:creationId xmlns:p14="http://schemas.microsoft.com/office/powerpoint/2010/main" val="2503173296"/>
       </p:ext>
     </p:extLst>
   </p:cSld>
@@ -7800,9 +7712,257 @@
           </a:prstGeom>
           <a:noFill/>
           <a:ln w="19050">
-            <a:solidFill>
-              <a:schemeClr val="tx1"/>
-            </a:solidFill>
+            <a:noFill/>
+          </a:ln>
+        </p:spPr>
+        <p:style>
+          <a:lnRef idx="2">
+            <a:schemeClr val="accent1">
+              <a:shade val="50000"/>
+            </a:schemeClr>
+          </a:lnRef>
+          <a:fillRef idx="1">
+            <a:schemeClr val="accent1"/>
+          </a:fillRef>
+          <a:effectRef idx="0">
+            <a:schemeClr val="accent1"/>
+          </a:effectRef>
+          <a:fontRef idx="minor">
+            <a:schemeClr val="lt1"/>
+          </a:fontRef>
+        </p:style>
+        <p:txBody>
+          <a:bodyPr rtlCol="0" anchor="ctr"/>
+          <a:lstStyle/>
+          <a:p>
+            <a:pPr algn="ctr"/>
+            <a:endParaRPr lang="LID4096"/>
+          </a:p>
+        </p:txBody>
+      </p:sp>
+      <p:sp>
+        <p:nvSpPr>
+          <p:cNvPr id="5" name="Rectangle 4">
+            <a:extLst>
+              <a:ext uri="{FF2B5EF4-FFF2-40B4-BE49-F238E27FC236}">
+                <a16:creationId xmlns:a16="http://schemas.microsoft.com/office/drawing/2014/main" id="{DC9131F1-3C36-4952-AB50-21D9487F0039}"/>
+              </a:ext>
+            </a:extLst>
+          </p:cNvPr>
+          <p:cNvSpPr/>
+          <p:nvPr/>
+        </p:nvSpPr>
+        <p:spPr>
+          <a:xfrm>
+            <a:off x="2911303" y="2998352"/>
+            <a:ext cx="1182254" cy="1182254"/>
+          </a:xfrm>
+          <a:prstGeom prst="rect">
+            <a:avLst/>
+          </a:prstGeom>
+          <a:noFill/>
+          <a:ln w="19050">
+            <a:noFill/>
+          </a:ln>
+        </p:spPr>
+        <p:style>
+          <a:lnRef idx="2">
+            <a:schemeClr val="accent1">
+              <a:shade val="50000"/>
+            </a:schemeClr>
+          </a:lnRef>
+          <a:fillRef idx="1">
+            <a:schemeClr val="accent1"/>
+          </a:fillRef>
+          <a:effectRef idx="0">
+            <a:schemeClr val="accent1"/>
+          </a:effectRef>
+          <a:fontRef idx="minor">
+            <a:schemeClr val="lt1"/>
+          </a:fontRef>
+        </p:style>
+        <p:txBody>
+          <a:bodyPr rtlCol="0" anchor="ctr"/>
+          <a:lstStyle/>
+          <a:p>
+            <a:pPr algn="ctr"/>
+            <a:endParaRPr lang="LID4096"/>
+          </a:p>
+        </p:txBody>
+      </p:sp>
+      <p:sp>
+        <p:nvSpPr>
+          <p:cNvPr id="6" name="Rectangle 5">
+            <a:extLst>
+              <a:ext uri="{FF2B5EF4-FFF2-40B4-BE49-F238E27FC236}">
+                <a16:creationId xmlns:a16="http://schemas.microsoft.com/office/drawing/2014/main" id="{437AB641-AB0C-4469-AD2E-A7DA4A69C7B1}"/>
+              </a:ext>
+            </a:extLst>
+          </p:cNvPr>
+          <p:cNvSpPr/>
+          <p:nvPr/>
+        </p:nvSpPr>
+        <p:spPr>
+          <a:xfrm>
+            <a:off x="2911303" y="4839257"/>
+            <a:ext cx="1182254" cy="1182254"/>
+          </a:xfrm>
+          <a:prstGeom prst="rect">
+            <a:avLst/>
+          </a:prstGeom>
+          <a:noFill/>
+          <a:ln w="19050">
+            <a:noFill/>
+          </a:ln>
+        </p:spPr>
+        <p:style>
+          <a:lnRef idx="2">
+            <a:schemeClr val="accent1">
+              <a:shade val="50000"/>
+            </a:schemeClr>
+          </a:lnRef>
+          <a:fillRef idx="1">
+            <a:schemeClr val="accent1"/>
+          </a:fillRef>
+          <a:effectRef idx="0">
+            <a:schemeClr val="accent1"/>
+          </a:effectRef>
+          <a:fontRef idx="minor">
+            <a:schemeClr val="lt1"/>
+          </a:fontRef>
+        </p:style>
+        <p:txBody>
+          <a:bodyPr rtlCol="0" anchor="ctr"/>
+          <a:lstStyle/>
+          <a:p>
+            <a:pPr algn="ctr"/>
+            <a:endParaRPr lang="LID4096"/>
+          </a:p>
+        </p:txBody>
+      </p:sp>
+      <p:sp>
+        <p:nvSpPr>
+          <p:cNvPr id="7" name="Rectangle 6">
+            <a:extLst>
+              <a:ext uri="{FF2B5EF4-FFF2-40B4-BE49-F238E27FC236}">
+                <a16:creationId xmlns:a16="http://schemas.microsoft.com/office/drawing/2014/main" id="{B3694913-6DA0-404E-96BB-F152D3921DC7}"/>
+              </a:ext>
+            </a:extLst>
+          </p:cNvPr>
+          <p:cNvSpPr/>
+          <p:nvPr/>
+        </p:nvSpPr>
+        <p:spPr>
+          <a:xfrm>
+            <a:off x="4738384" y="4839257"/>
+            <a:ext cx="1182254" cy="1182254"/>
+          </a:xfrm>
+          <a:prstGeom prst="rect">
+            <a:avLst/>
+          </a:prstGeom>
+          <a:noFill/>
+          <a:ln w="19050">
+            <a:noFill/>
+          </a:ln>
+        </p:spPr>
+        <p:style>
+          <a:lnRef idx="2">
+            <a:schemeClr val="accent1">
+              <a:shade val="50000"/>
+            </a:schemeClr>
+          </a:lnRef>
+          <a:fillRef idx="1">
+            <a:schemeClr val="accent1"/>
+          </a:fillRef>
+          <a:effectRef idx="0">
+            <a:schemeClr val="accent1"/>
+          </a:effectRef>
+          <a:fontRef idx="minor">
+            <a:schemeClr val="lt1"/>
+          </a:fontRef>
+        </p:style>
+        <p:txBody>
+          <a:bodyPr rtlCol="0" anchor="ctr"/>
+          <a:lstStyle/>
+          <a:p>
+            <a:pPr algn="ctr"/>
+            <a:endParaRPr lang="LID4096"/>
+          </a:p>
+        </p:txBody>
+      </p:sp>
+      <p:sp>
+        <p:nvSpPr>
+          <p:cNvPr id="8" name="Rectangle 7">
+            <a:extLst>
+              <a:ext uri="{FF2B5EF4-FFF2-40B4-BE49-F238E27FC236}">
+                <a16:creationId xmlns:a16="http://schemas.microsoft.com/office/drawing/2014/main" id="{5A984827-D88E-46E0-8504-F53796FD4C8D}"/>
+              </a:ext>
+            </a:extLst>
+          </p:cNvPr>
+          <p:cNvSpPr/>
+          <p:nvPr/>
+        </p:nvSpPr>
+        <p:spPr>
+          <a:xfrm>
+            <a:off x="6565465" y="4839257"/>
+            <a:ext cx="1182254" cy="1182254"/>
+          </a:xfrm>
+          <a:prstGeom prst="rect">
+            <a:avLst/>
+          </a:prstGeom>
+          <a:noFill/>
+          <a:ln w="19050">
+            <a:noFill/>
+          </a:ln>
+        </p:spPr>
+        <p:style>
+          <a:lnRef idx="2">
+            <a:schemeClr val="accent1">
+              <a:shade val="50000"/>
+            </a:schemeClr>
+          </a:lnRef>
+          <a:fillRef idx="1">
+            <a:schemeClr val="accent1"/>
+          </a:fillRef>
+          <a:effectRef idx="0">
+            <a:schemeClr val="accent1"/>
+          </a:effectRef>
+          <a:fontRef idx="minor">
+            <a:schemeClr val="lt1"/>
+          </a:fontRef>
+        </p:style>
+        <p:txBody>
+          <a:bodyPr rtlCol="0" anchor="ctr"/>
+          <a:lstStyle/>
+          <a:p>
+            <a:pPr algn="ctr"/>
+            <a:endParaRPr lang="LID4096"/>
+          </a:p>
+        </p:txBody>
+      </p:sp>
+      <p:sp>
+        <p:nvSpPr>
+          <p:cNvPr id="9" name="Rectangle 8">
+            <a:extLst>
+              <a:ext uri="{FF2B5EF4-FFF2-40B4-BE49-F238E27FC236}">
+                <a16:creationId xmlns:a16="http://schemas.microsoft.com/office/drawing/2014/main" id="{7A9F38C5-3172-4C88-BEB9-78B1C80CB300}"/>
+              </a:ext>
+            </a:extLst>
+          </p:cNvPr>
+          <p:cNvSpPr/>
+          <p:nvPr/>
+        </p:nvSpPr>
+        <p:spPr>
+          <a:xfrm>
+            <a:off x="4738384" y="1157447"/>
+            <a:ext cx="1182254" cy="1182254"/>
+          </a:xfrm>
+          <a:prstGeom prst="rect">
+            <a:avLst/>
+          </a:prstGeom>
+          <a:noFill/>
+          <a:ln w="19050">
+            <a:noFill/>
           </a:ln>
         </p:spPr>
         <p:style>
@@ -7836,266 +7996,6 @@
       </p:sp>
       <p:sp>
         <p:nvSpPr>
-          <p:cNvPr id="5" name="Rectangle 4">
-            <a:extLst>
-              <a:ext uri="{FF2B5EF4-FFF2-40B4-BE49-F238E27FC236}">
-                <a16:creationId xmlns:a16="http://schemas.microsoft.com/office/drawing/2014/main" id="{DC9131F1-3C36-4952-AB50-21D9487F0039}"/>
-              </a:ext>
-            </a:extLst>
-          </p:cNvPr>
-          <p:cNvSpPr/>
-          <p:nvPr/>
-        </p:nvSpPr>
-        <p:spPr>
-          <a:xfrm>
-            <a:off x="2911303" y="2998352"/>
-            <a:ext cx="1182254" cy="1182254"/>
-          </a:xfrm>
-          <a:prstGeom prst="rect">
-            <a:avLst/>
-          </a:prstGeom>
-          <a:noFill/>
-          <a:ln w="19050">
-            <a:solidFill>
-              <a:schemeClr val="tx1"/>
-            </a:solidFill>
-          </a:ln>
-        </p:spPr>
-        <p:style>
-          <a:lnRef idx="2">
-            <a:schemeClr val="accent1">
-              <a:shade val="50000"/>
-            </a:schemeClr>
-          </a:lnRef>
-          <a:fillRef idx="1">
-            <a:schemeClr val="accent1"/>
-          </a:fillRef>
-          <a:effectRef idx="0">
-            <a:schemeClr val="accent1"/>
-          </a:effectRef>
-          <a:fontRef idx="minor">
-            <a:schemeClr val="lt1"/>
-          </a:fontRef>
-        </p:style>
-        <p:txBody>
-          <a:bodyPr rtlCol="0" anchor="ctr"/>
-          <a:lstStyle/>
-          <a:p>
-            <a:pPr algn="ctr"/>
-            <a:endParaRPr lang="LID4096"/>
-          </a:p>
-        </p:txBody>
-      </p:sp>
-      <p:sp>
-        <p:nvSpPr>
-          <p:cNvPr id="6" name="Rectangle 5">
-            <a:extLst>
-              <a:ext uri="{FF2B5EF4-FFF2-40B4-BE49-F238E27FC236}">
-                <a16:creationId xmlns:a16="http://schemas.microsoft.com/office/drawing/2014/main" id="{437AB641-AB0C-4469-AD2E-A7DA4A69C7B1}"/>
-              </a:ext>
-            </a:extLst>
-          </p:cNvPr>
-          <p:cNvSpPr/>
-          <p:nvPr/>
-        </p:nvSpPr>
-        <p:spPr>
-          <a:xfrm>
-            <a:off x="2911303" y="4839257"/>
-            <a:ext cx="1182254" cy="1182254"/>
-          </a:xfrm>
-          <a:prstGeom prst="rect">
-            <a:avLst/>
-          </a:prstGeom>
-          <a:noFill/>
-          <a:ln w="19050">
-            <a:solidFill>
-              <a:schemeClr val="tx1"/>
-            </a:solidFill>
-          </a:ln>
-        </p:spPr>
-        <p:style>
-          <a:lnRef idx="2">
-            <a:schemeClr val="accent1">
-              <a:shade val="50000"/>
-            </a:schemeClr>
-          </a:lnRef>
-          <a:fillRef idx="1">
-            <a:schemeClr val="accent1"/>
-          </a:fillRef>
-          <a:effectRef idx="0">
-            <a:schemeClr val="accent1"/>
-          </a:effectRef>
-          <a:fontRef idx="minor">
-            <a:schemeClr val="lt1"/>
-          </a:fontRef>
-        </p:style>
-        <p:txBody>
-          <a:bodyPr rtlCol="0" anchor="ctr"/>
-          <a:lstStyle/>
-          <a:p>
-            <a:pPr algn="ctr"/>
-            <a:endParaRPr lang="LID4096"/>
-          </a:p>
-        </p:txBody>
-      </p:sp>
-      <p:sp>
-        <p:nvSpPr>
-          <p:cNvPr id="7" name="Rectangle 6">
-            <a:extLst>
-              <a:ext uri="{FF2B5EF4-FFF2-40B4-BE49-F238E27FC236}">
-                <a16:creationId xmlns:a16="http://schemas.microsoft.com/office/drawing/2014/main" id="{B3694913-6DA0-404E-96BB-F152D3921DC7}"/>
-              </a:ext>
-            </a:extLst>
-          </p:cNvPr>
-          <p:cNvSpPr/>
-          <p:nvPr/>
-        </p:nvSpPr>
-        <p:spPr>
-          <a:xfrm>
-            <a:off x="4738384" y="4839257"/>
-            <a:ext cx="1182254" cy="1182254"/>
-          </a:xfrm>
-          <a:prstGeom prst="rect">
-            <a:avLst/>
-          </a:prstGeom>
-          <a:noFill/>
-          <a:ln w="19050">
-            <a:solidFill>
-              <a:schemeClr val="tx1"/>
-            </a:solidFill>
-          </a:ln>
-        </p:spPr>
-        <p:style>
-          <a:lnRef idx="2">
-            <a:schemeClr val="accent1">
-              <a:shade val="50000"/>
-            </a:schemeClr>
-          </a:lnRef>
-          <a:fillRef idx="1">
-            <a:schemeClr val="accent1"/>
-          </a:fillRef>
-          <a:effectRef idx="0">
-            <a:schemeClr val="accent1"/>
-          </a:effectRef>
-          <a:fontRef idx="minor">
-            <a:schemeClr val="lt1"/>
-          </a:fontRef>
-        </p:style>
-        <p:txBody>
-          <a:bodyPr rtlCol="0" anchor="ctr"/>
-          <a:lstStyle/>
-          <a:p>
-            <a:pPr algn="ctr"/>
-            <a:endParaRPr lang="LID4096"/>
-          </a:p>
-        </p:txBody>
-      </p:sp>
-      <p:sp>
-        <p:nvSpPr>
-          <p:cNvPr id="8" name="Rectangle 7">
-            <a:extLst>
-              <a:ext uri="{FF2B5EF4-FFF2-40B4-BE49-F238E27FC236}">
-                <a16:creationId xmlns:a16="http://schemas.microsoft.com/office/drawing/2014/main" id="{5A984827-D88E-46E0-8504-F53796FD4C8D}"/>
-              </a:ext>
-            </a:extLst>
-          </p:cNvPr>
-          <p:cNvSpPr/>
-          <p:nvPr/>
-        </p:nvSpPr>
-        <p:spPr>
-          <a:xfrm>
-            <a:off x="6565465" y="4839257"/>
-            <a:ext cx="1182254" cy="1182254"/>
-          </a:xfrm>
-          <a:prstGeom prst="rect">
-            <a:avLst/>
-          </a:prstGeom>
-          <a:noFill/>
-          <a:ln w="19050">
-            <a:solidFill>
-              <a:schemeClr val="tx1"/>
-            </a:solidFill>
-          </a:ln>
-        </p:spPr>
-        <p:style>
-          <a:lnRef idx="2">
-            <a:schemeClr val="accent1">
-              <a:shade val="50000"/>
-            </a:schemeClr>
-          </a:lnRef>
-          <a:fillRef idx="1">
-            <a:schemeClr val="accent1"/>
-          </a:fillRef>
-          <a:effectRef idx="0">
-            <a:schemeClr val="accent1"/>
-          </a:effectRef>
-          <a:fontRef idx="minor">
-            <a:schemeClr val="lt1"/>
-          </a:fontRef>
-        </p:style>
-        <p:txBody>
-          <a:bodyPr rtlCol="0" anchor="ctr"/>
-          <a:lstStyle/>
-          <a:p>
-            <a:pPr algn="ctr"/>
-            <a:endParaRPr lang="LID4096"/>
-          </a:p>
-        </p:txBody>
-      </p:sp>
-      <p:sp>
-        <p:nvSpPr>
-          <p:cNvPr id="9" name="Rectangle 8">
-            <a:extLst>
-              <a:ext uri="{FF2B5EF4-FFF2-40B4-BE49-F238E27FC236}">
-                <a16:creationId xmlns:a16="http://schemas.microsoft.com/office/drawing/2014/main" id="{7A9F38C5-3172-4C88-BEB9-78B1C80CB300}"/>
-              </a:ext>
-            </a:extLst>
-          </p:cNvPr>
-          <p:cNvSpPr/>
-          <p:nvPr/>
-        </p:nvSpPr>
-        <p:spPr>
-          <a:xfrm>
-            <a:off x="4738384" y="1157447"/>
-            <a:ext cx="1182254" cy="1182254"/>
-          </a:xfrm>
-          <a:prstGeom prst="rect">
-            <a:avLst/>
-          </a:prstGeom>
-          <a:noFill/>
-          <a:ln w="19050">
-            <a:solidFill>
-              <a:schemeClr val="tx1"/>
-            </a:solidFill>
-          </a:ln>
-        </p:spPr>
-        <p:style>
-          <a:lnRef idx="2">
-            <a:schemeClr val="accent1">
-              <a:shade val="50000"/>
-            </a:schemeClr>
-          </a:lnRef>
-          <a:fillRef idx="1">
-            <a:schemeClr val="accent1"/>
-          </a:fillRef>
-          <a:effectRef idx="0">
-            <a:schemeClr val="accent1"/>
-          </a:effectRef>
-          <a:fontRef idx="minor">
-            <a:schemeClr val="lt1"/>
-          </a:fontRef>
-        </p:style>
-        <p:txBody>
-          <a:bodyPr rtlCol="0" anchor="ctr"/>
-          <a:lstStyle/>
-          <a:p>
-            <a:pPr algn="ctr"/>
-            <a:endParaRPr lang="LID4096"/>
-          </a:p>
-        </p:txBody>
-      </p:sp>
-      <p:sp>
-        <p:nvSpPr>
           <p:cNvPr id="10" name="Rectangle 9">
             <a:extLst>
               <a:ext uri="{FF2B5EF4-FFF2-40B4-BE49-F238E27FC236}">
@@ -8116,33 +8016,35 @@
           </a:prstGeom>
           <a:noFill/>
           <a:ln w="19050">
-            <a:solidFill>
-              <a:schemeClr val="tx1"/>
-            </a:solidFill>
-          </a:ln>
-        </p:spPr>
-        <p:style>
-          <a:lnRef idx="2">
-            <a:schemeClr val="accent1">
-              <a:shade val="50000"/>
-            </a:schemeClr>
-          </a:lnRef>
-          <a:fillRef idx="1">
-            <a:schemeClr val="accent1"/>
-          </a:fillRef>
-          <a:effectRef idx="0">
-            <a:schemeClr val="accent1"/>
-          </a:effectRef>
-          <a:fontRef idx="minor">
-            <a:schemeClr val="lt1"/>
-          </a:fontRef>
-        </p:style>
-        <p:txBody>
-          <a:bodyPr rtlCol="0" anchor="ctr"/>
-          <a:lstStyle/>
-          <a:p>
-            <a:pPr algn="ctr"/>
-            <a:endParaRPr lang="LID4096"/>
+            <a:noFill/>
+          </a:ln>
+        </p:spPr>
+        <p:style>
+          <a:lnRef idx="2">
+            <a:schemeClr val="accent1">
+              <a:shade val="50000"/>
+            </a:schemeClr>
+          </a:lnRef>
+          <a:fillRef idx="1">
+            <a:schemeClr val="accent1"/>
+          </a:fillRef>
+          <a:effectRef idx="0">
+            <a:schemeClr val="accent1"/>
+          </a:effectRef>
+          <a:fontRef idx="minor">
+            <a:schemeClr val="lt1"/>
+          </a:fontRef>
+        </p:style>
+        <p:txBody>
+          <a:bodyPr rtlCol="0" anchor="ctr"/>
+          <a:lstStyle/>
+          <a:p>
+            <a:pPr algn="ctr"/>
+            <a:endParaRPr lang="LID4096" dirty="0">
+              <a:solidFill>
+                <a:schemeClr val="tx1"/>
+              </a:solidFill>
+            </a:endParaRPr>
           </a:p>
         </p:txBody>
       </p:sp>
@@ -8168,95 +8070,49 @@
           </a:prstGeom>
           <a:noFill/>
           <a:ln w="19050">
-            <a:solidFill>
-              <a:schemeClr val="tx1"/>
-            </a:solidFill>
-          </a:ln>
-        </p:spPr>
-        <p:style>
-          <a:lnRef idx="2">
-            <a:schemeClr val="accent1">
-              <a:shade val="50000"/>
-            </a:schemeClr>
-          </a:lnRef>
-          <a:fillRef idx="1">
-            <a:schemeClr val="accent1"/>
-          </a:fillRef>
-          <a:effectRef idx="0">
-            <a:schemeClr val="accent1"/>
-          </a:effectRef>
-          <a:fontRef idx="minor">
-            <a:schemeClr val="lt1"/>
-          </a:fontRef>
-        </p:style>
-        <p:txBody>
-          <a:bodyPr rtlCol="0" anchor="ctr"/>
-          <a:lstStyle/>
-          <a:p>
-            <a:pPr algn="ctr"/>
-            <a:endParaRPr lang="LID4096"/>
-          </a:p>
-        </p:txBody>
-      </p:sp>
-      <p:cxnSp>
-        <p:nvCxnSpPr>
-          <p:cNvPr id="13" name="Straight Arrow Connector 12">
-            <a:extLst>
-              <a:ext uri="{FF2B5EF4-FFF2-40B4-BE49-F238E27FC236}">
-                <a16:creationId xmlns:a16="http://schemas.microsoft.com/office/drawing/2014/main" id="{8506F469-ABD6-4E42-9B5B-79B7CF65E191}"/>
-              </a:ext>
-            </a:extLst>
-          </p:cNvPr>
-          <p:cNvCxnSpPr/>
-          <p:nvPr/>
-        </p:nvCxnSpPr>
-        <p:spPr>
-          <a:xfrm flipH="1">
-            <a:off x="3370219" y="1759131"/>
-            <a:ext cx="217714" cy="0"/>
-          </a:xfrm>
-          <a:prstGeom prst="straightConnector1">
-            <a:avLst/>
-          </a:prstGeom>
-          <a:ln w="19050">
-            <a:solidFill>
-              <a:schemeClr val="bg1"/>
-            </a:solidFill>
-            <a:tailEnd type="triangle"/>
-          </a:ln>
-        </p:spPr>
-        <p:style>
-          <a:lnRef idx="1">
-            <a:schemeClr val="accent1"/>
-          </a:lnRef>
-          <a:fillRef idx="0">
-            <a:schemeClr val="accent1"/>
-          </a:fillRef>
-          <a:effectRef idx="0">
-            <a:schemeClr val="accent1"/>
-          </a:effectRef>
-          <a:fontRef idx="minor">
-            <a:schemeClr val="tx1"/>
-          </a:fontRef>
-        </p:style>
-      </p:cxnSp>
+            <a:noFill/>
+          </a:ln>
+        </p:spPr>
+        <p:style>
+          <a:lnRef idx="2">
+            <a:schemeClr val="accent1">
+              <a:shade val="50000"/>
+            </a:schemeClr>
+          </a:lnRef>
+          <a:fillRef idx="1">
+            <a:schemeClr val="accent1"/>
+          </a:fillRef>
+          <a:effectRef idx="0">
+            <a:schemeClr val="accent1"/>
+          </a:effectRef>
+          <a:fontRef idx="minor">
+            <a:schemeClr val="lt1"/>
+          </a:fontRef>
+        </p:style>
+        <p:txBody>
+          <a:bodyPr rtlCol="0" anchor="ctr"/>
+          <a:lstStyle/>
+          <a:p>
+            <a:pPr algn="ctr"/>
+            <a:endParaRPr lang="LID4096"/>
+          </a:p>
+        </p:txBody>
+      </p:sp>
       <p:cxnSp>
         <p:nvCxnSpPr>
           <p:cNvPr id="12" name="Straight Arrow Connector 11">
             <a:extLst>
               <a:ext uri="{FF2B5EF4-FFF2-40B4-BE49-F238E27FC236}">
-                <a16:creationId xmlns:a16="http://schemas.microsoft.com/office/drawing/2014/main" id="{FA00AF5B-365E-4D0E-899A-67FF7F4180E9}"/>
-              </a:ext>
-            </a:extLst>
-          </p:cNvPr>
-          <p:cNvCxnSpPr>
-            <a:cxnSpLocks/>
-          </p:cNvCxnSpPr>
+                <a16:creationId xmlns:a16="http://schemas.microsoft.com/office/drawing/2014/main" id="{11D98802-E630-4D63-A88A-183A6EAB97F5}"/>
+              </a:ext>
+            </a:extLst>
+          </p:cNvPr>
+          <p:cNvCxnSpPr/>
           <p:nvPr/>
         </p:nvCxnSpPr>
         <p:spPr>
-          <a:xfrm rot="10800000" flipH="1">
-            <a:off x="3370219" y="1759131"/>
+          <a:xfrm flipH="1">
+            <a:off x="5207727" y="1759129"/>
             <a:ext cx="217714" cy="0"/>
           </a:xfrm>
           <a:prstGeom prst="straightConnector1">
@@ -8287,7 +8143,7 @@
     </p:spTree>
     <p:extLst>
       <p:ext uri="{BB962C8B-B14F-4D97-AF65-F5344CB8AC3E}">
-        <p14:creationId xmlns:p14="http://schemas.microsoft.com/office/powerpoint/2010/main" val="3864431651"/>
+        <p14:creationId xmlns:p14="http://schemas.microsoft.com/office/powerpoint/2010/main" val="2479049427"/>
       </p:ext>
     </p:extLst>
   </p:cSld>
@@ -8336,61 +8192,7 @@
           </a:prstGeom>
           <a:noFill/>
           <a:ln w="19050">
-            <a:solidFill>
-              <a:schemeClr val="tx1"/>
-            </a:solidFill>
-          </a:ln>
-        </p:spPr>
-        <p:style>
-          <a:lnRef idx="2">
-            <a:schemeClr val="accent1">
-              <a:shade val="50000"/>
-            </a:schemeClr>
-          </a:lnRef>
-          <a:fillRef idx="1">
-            <a:schemeClr val="accent1"/>
-          </a:fillRef>
-          <a:effectRef idx="0">
-            <a:schemeClr val="accent1"/>
-          </a:effectRef>
-          <a:fontRef idx="minor">
-            <a:schemeClr val="lt1"/>
-          </a:fontRef>
-        </p:style>
-        <p:txBody>
-          <a:bodyPr rtlCol="0" anchor="ctr"/>
-          <a:lstStyle/>
-          <a:p>
-            <a:pPr algn="ctr"/>
-            <a:endParaRPr lang="LID4096"/>
-          </a:p>
-        </p:txBody>
-      </p:sp>
-      <p:sp>
-        <p:nvSpPr>
-          <p:cNvPr id="5" name="Rectangle 4">
-            <a:extLst>
-              <a:ext uri="{FF2B5EF4-FFF2-40B4-BE49-F238E27FC236}">
-                <a16:creationId xmlns:a16="http://schemas.microsoft.com/office/drawing/2014/main" id="{DC9131F1-3C36-4952-AB50-21D9487F0039}"/>
-              </a:ext>
-            </a:extLst>
-          </p:cNvPr>
-          <p:cNvSpPr/>
-          <p:nvPr/>
-        </p:nvSpPr>
-        <p:spPr>
-          <a:xfrm>
-            <a:off x="2911303" y="2998352"/>
-            <a:ext cx="1182254" cy="1182254"/>
-          </a:xfrm>
-          <a:prstGeom prst="rect">
-            <a:avLst/>
-          </a:prstGeom>
-          <a:noFill/>
-          <a:ln w="19050">
-            <a:solidFill>
-              <a:schemeClr val="tx1"/>
-            </a:solidFill>
+            <a:noFill/>
           </a:ln>
         </p:spPr>
         <p:style>
@@ -8424,6 +8226,56 @@
       </p:sp>
       <p:sp>
         <p:nvSpPr>
+          <p:cNvPr id="5" name="Rectangle 4">
+            <a:extLst>
+              <a:ext uri="{FF2B5EF4-FFF2-40B4-BE49-F238E27FC236}">
+                <a16:creationId xmlns:a16="http://schemas.microsoft.com/office/drawing/2014/main" id="{DC9131F1-3C36-4952-AB50-21D9487F0039}"/>
+              </a:ext>
+            </a:extLst>
+          </p:cNvPr>
+          <p:cNvSpPr/>
+          <p:nvPr/>
+        </p:nvSpPr>
+        <p:spPr>
+          <a:xfrm>
+            <a:off x="2911303" y="2998352"/>
+            <a:ext cx="1182254" cy="1182254"/>
+          </a:xfrm>
+          <a:prstGeom prst="rect">
+            <a:avLst/>
+          </a:prstGeom>
+          <a:noFill/>
+          <a:ln w="19050">
+            <a:noFill/>
+          </a:ln>
+        </p:spPr>
+        <p:style>
+          <a:lnRef idx="2">
+            <a:schemeClr val="accent1">
+              <a:shade val="50000"/>
+            </a:schemeClr>
+          </a:lnRef>
+          <a:fillRef idx="1">
+            <a:schemeClr val="accent1"/>
+          </a:fillRef>
+          <a:effectRef idx="0">
+            <a:schemeClr val="accent1"/>
+          </a:effectRef>
+          <a:fontRef idx="minor">
+            <a:schemeClr val="lt1"/>
+          </a:fontRef>
+        </p:style>
+        <p:txBody>
+          <a:bodyPr rtlCol="0" anchor="ctr"/>
+          <a:lstStyle/>
+          <a:p>
+            <a:pPr algn="ctr"/>
+            <a:endParaRPr lang="LID4096"/>
+          </a:p>
+        </p:txBody>
+      </p:sp>
+      <p:sp>
+        <p:nvSpPr>
           <p:cNvPr id="6" name="Rectangle 5">
             <a:extLst>
               <a:ext uri="{FF2B5EF4-FFF2-40B4-BE49-F238E27FC236}">
@@ -8444,37 +8296,31 @@
           </a:prstGeom>
           <a:noFill/>
           <a:ln w="19050">
-            <a:solidFill>
-              <a:schemeClr val="tx1"/>
-            </a:solidFill>
-          </a:ln>
-        </p:spPr>
-        <p:style>
-          <a:lnRef idx="2">
-            <a:schemeClr val="accent1">
-              <a:shade val="50000"/>
-            </a:schemeClr>
-          </a:lnRef>
-          <a:fillRef idx="1">
-            <a:schemeClr val="accent1"/>
-          </a:fillRef>
-          <a:effectRef idx="0">
-            <a:schemeClr val="accent1"/>
-          </a:effectRef>
-          <a:fontRef idx="minor">
-            <a:schemeClr val="lt1"/>
-          </a:fontRef>
-        </p:style>
-        <p:txBody>
-          <a:bodyPr rtlCol="0" anchor="ctr"/>
-          <a:lstStyle/>
-          <a:p>
-            <a:pPr algn="ctr"/>
-            <a:endParaRPr lang="LID4096" dirty="0">
-              <a:solidFill>
-                <a:schemeClr val="tx1"/>
-              </a:solidFill>
-            </a:endParaRPr>
+            <a:noFill/>
+          </a:ln>
+        </p:spPr>
+        <p:style>
+          <a:lnRef idx="2">
+            <a:schemeClr val="accent1">
+              <a:shade val="50000"/>
+            </a:schemeClr>
+          </a:lnRef>
+          <a:fillRef idx="1">
+            <a:schemeClr val="accent1"/>
+          </a:fillRef>
+          <a:effectRef idx="0">
+            <a:schemeClr val="accent1"/>
+          </a:effectRef>
+          <a:fontRef idx="minor">
+            <a:schemeClr val="lt1"/>
+          </a:fontRef>
+        </p:style>
+        <p:txBody>
+          <a:bodyPr rtlCol="0" anchor="ctr"/>
+          <a:lstStyle/>
+          <a:p>
+            <a:pPr algn="ctr"/>
+            <a:endParaRPr lang="LID4096"/>
           </a:p>
         </p:txBody>
       </p:sp>
@@ -8500,37 +8346,31 @@
           </a:prstGeom>
           <a:noFill/>
           <a:ln w="19050">
-            <a:solidFill>
-              <a:schemeClr val="tx1"/>
-            </a:solidFill>
-          </a:ln>
-        </p:spPr>
-        <p:style>
-          <a:lnRef idx="2">
-            <a:schemeClr val="accent1">
-              <a:shade val="50000"/>
-            </a:schemeClr>
-          </a:lnRef>
-          <a:fillRef idx="1">
-            <a:schemeClr val="accent1"/>
-          </a:fillRef>
-          <a:effectRef idx="0">
-            <a:schemeClr val="accent1"/>
-          </a:effectRef>
-          <a:fontRef idx="minor">
-            <a:schemeClr val="lt1"/>
-          </a:fontRef>
-        </p:style>
-        <p:txBody>
-          <a:bodyPr rtlCol="0" anchor="ctr"/>
-          <a:lstStyle/>
-          <a:p>
-            <a:pPr algn="ctr"/>
-            <a:endParaRPr lang="LID4096" dirty="0">
-              <a:solidFill>
-                <a:schemeClr val="tx1"/>
-              </a:solidFill>
-            </a:endParaRPr>
+            <a:noFill/>
+          </a:ln>
+        </p:spPr>
+        <p:style>
+          <a:lnRef idx="2">
+            <a:schemeClr val="accent1">
+              <a:shade val="50000"/>
+            </a:schemeClr>
+          </a:lnRef>
+          <a:fillRef idx="1">
+            <a:schemeClr val="accent1"/>
+          </a:fillRef>
+          <a:effectRef idx="0">
+            <a:schemeClr val="accent1"/>
+          </a:effectRef>
+          <a:fontRef idx="minor">
+            <a:schemeClr val="lt1"/>
+          </a:fontRef>
+        </p:style>
+        <p:txBody>
+          <a:bodyPr rtlCol="0" anchor="ctr"/>
+          <a:lstStyle/>
+          <a:p>
+            <a:pPr algn="ctr"/>
+            <a:endParaRPr lang="LID4096"/>
           </a:p>
         </p:txBody>
       </p:sp>
@@ -8556,37 +8396,31 @@
           </a:prstGeom>
           <a:noFill/>
           <a:ln w="19050">
-            <a:solidFill>
-              <a:schemeClr val="tx1"/>
-            </a:solidFill>
-          </a:ln>
-        </p:spPr>
-        <p:style>
-          <a:lnRef idx="2">
-            <a:schemeClr val="accent1">
-              <a:shade val="50000"/>
-            </a:schemeClr>
-          </a:lnRef>
-          <a:fillRef idx="1">
-            <a:schemeClr val="accent1"/>
-          </a:fillRef>
-          <a:effectRef idx="0">
-            <a:schemeClr val="accent1"/>
-          </a:effectRef>
-          <a:fontRef idx="minor">
-            <a:schemeClr val="lt1"/>
-          </a:fontRef>
-        </p:style>
-        <p:txBody>
-          <a:bodyPr rtlCol="0" anchor="ctr"/>
-          <a:lstStyle/>
-          <a:p>
-            <a:pPr algn="ctr"/>
-            <a:endParaRPr lang="LID4096" dirty="0">
-              <a:solidFill>
-                <a:schemeClr val="tx1"/>
-              </a:solidFill>
-            </a:endParaRPr>
+            <a:noFill/>
+          </a:ln>
+        </p:spPr>
+        <p:style>
+          <a:lnRef idx="2">
+            <a:schemeClr val="accent1">
+              <a:shade val="50000"/>
+            </a:schemeClr>
+          </a:lnRef>
+          <a:fillRef idx="1">
+            <a:schemeClr val="accent1"/>
+          </a:fillRef>
+          <a:effectRef idx="0">
+            <a:schemeClr val="accent1"/>
+          </a:effectRef>
+          <a:fontRef idx="minor">
+            <a:schemeClr val="lt1"/>
+          </a:fontRef>
+        </p:style>
+        <p:txBody>
+          <a:bodyPr rtlCol="0" anchor="ctr"/>
+          <a:lstStyle/>
+          <a:p>
+            <a:pPr algn="ctr"/>
+            <a:endParaRPr lang="LID4096"/>
           </a:p>
         </p:txBody>
       </p:sp>
@@ -8612,9 +8446,7 @@
           </a:prstGeom>
           <a:noFill/>
           <a:ln w="19050">
-            <a:solidFill>
-              <a:schemeClr val="tx1"/>
-            </a:solidFill>
+            <a:noFill/>
           </a:ln>
         </p:spPr>
         <p:style>
@@ -8664,9 +8496,7 @@
           </a:prstGeom>
           <a:noFill/>
           <a:ln w="19050">
-            <a:solidFill>
-              <a:schemeClr val="tx1"/>
-            </a:solidFill>
+            <a:noFill/>
           </a:ln>
         </p:spPr>
         <p:style>
@@ -8716,9 +8546,7 @@
           </a:prstGeom>
           <a:noFill/>
           <a:ln w="19050">
-            <a:solidFill>
-              <a:schemeClr val="tx1"/>
-            </a:solidFill>
+            <a:noFill/>
           </a:ln>
         </p:spPr>
         <p:style>
@@ -8748,10 +8576,10 @@
       </p:sp>
       <p:cxnSp>
         <p:nvCxnSpPr>
-          <p:cNvPr id="12" name="Straight Arrow Connector 11">
-            <a:extLst>
-              <a:ext uri="{FF2B5EF4-FFF2-40B4-BE49-F238E27FC236}">
-                <a16:creationId xmlns:a16="http://schemas.microsoft.com/office/drawing/2014/main" id="{930105EF-5D77-4399-9C98-1ECA66764AD8}"/>
+          <p:cNvPr id="13" name="Straight Arrow Connector 12">
+            <a:extLst>
+              <a:ext uri="{FF2B5EF4-FFF2-40B4-BE49-F238E27FC236}">
+                <a16:creationId xmlns:a16="http://schemas.microsoft.com/office/drawing/2014/main" id="{8506F469-ABD6-4E42-9B5B-79B7CF65E191}"/>
               </a:ext>
             </a:extLst>
           </p:cNvPr>
@@ -8760,7 +8588,7 @@
         </p:nvCxnSpPr>
         <p:spPr>
           <a:xfrm flipH="1">
-            <a:off x="3378927" y="3596639"/>
+            <a:off x="3370219" y="1759131"/>
             <a:ext cx="217714" cy="0"/>
           </a:xfrm>
           <a:prstGeom prst="straightConnector1">
@@ -8790,10 +8618,10 @@
       </p:cxnSp>
       <p:cxnSp>
         <p:nvCxnSpPr>
-          <p:cNvPr id="14" name="Straight Arrow Connector 13">
-            <a:extLst>
-              <a:ext uri="{FF2B5EF4-FFF2-40B4-BE49-F238E27FC236}">
-                <a16:creationId xmlns:a16="http://schemas.microsoft.com/office/drawing/2014/main" id="{D526999F-A4D6-499B-8693-406927870126}"/>
+          <p:cNvPr id="12" name="Straight Arrow Connector 11">
+            <a:extLst>
+              <a:ext uri="{FF2B5EF4-FFF2-40B4-BE49-F238E27FC236}">
+                <a16:creationId xmlns:a16="http://schemas.microsoft.com/office/drawing/2014/main" id="{FA00AF5B-365E-4D0E-899A-67FF7F4180E9}"/>
               </a:ext>
             </a:extLst>
           </p:cNvPr>
@@ -8804,7 +8632,7 @@
         </p:nvCxnSpPr>
         <p:spPr>
           <a:xfrm rot="10800000" flipH="1">
-            <a:off x="3378927" y="3587301"/>
+            <a:off x="3370219" y="1759131"/>
             <a:ext cx="217714" cy="0"/>
           </a:xfrm>
           <a:prstGeom prst="straightConnector1">
@@ -8835,7 +8663,7 @@
     </p:spTree>
     <p:extLst>
       <p:ext uri="{BB962C8B-B14F-4D97-AF65-F5344CB8AC3E}">
-        <p14:creationId xmlns:p14="http://schemas.microsoft.com/office/powerpoint/2010/main" val="3039625316"/>
+        <p14:creationId xmlns:p14="http://schemas.microsoft.com/office/powerpoint/2010/main" val="3864431651"/>
       </p:ext>
     </p:extLst>
   </p:cSld>
@@ -8885,7 +8713,7 @@
           <a:noFill/>
           <a:ln w="19050">
             <a:solidFill>
-              <a:schemeClr val="tx1"/>
+              <a:schemeClr val="bg1"/>
             </a:solidFill>
           </a:ln>
         </p:spPr>
@@ -8910,14 +8738,6 @@
           <a:lstStyle/>
           <a:p>
             <a:pPr algn="ctr"/>
-            <a:r>
-              <a:rPr lang="en-US" dirty="0">
-                <a:solidFill>
-                  <a:schemeClr val="tx1"/>
-                </a:solidFill>
-              </a:rPr>
-              <a:t>X</a:t>
-            </a:r>
             <a:endParaRPr lang="LID4096" dirty="0">
               <a:solidFill>
                 <a:schemeClr val="tx1"/>
@@ -8949,7 +8769,7 @@
           <a:noFill/>
           <a:ln w="19050">
             <a:solidFill>
-              <a:schemeClr val="tx1"/>
+              <a:schemeClr val="bg1"/>
             </a:solidFill>
           </a:ln>
         </p:spPr>
@@ -9001,7 +8821,7 @@
           <a:noFill/>
           <a:ln w="19050">
             <a:solidFill>
-              <a:schemeClr val="tx1"/>
+              <a:schemeClr val="bg1"/>
             </a:solidFill>
           </a:ln>
         </p:spPr>
@@ -9053,7 +8873,7 @@
           <a:noFill/>
           <a:ln w="19050">
             <a:solidFill>
-              <a:schemeClr val="tx1"/>
+              <a:schemeClr val="bg1"/>
             </a:solidFill>
           </a:ln>
         </p:spPr>
@@ -9105,7 +8925,7 @@
           <a:noFill/>
           <a:ln w="19050">
             <a:solidFill>
-              <a:schemeClr val="tx1"/>
+              <a:schemeClr val="bg1"/>
             </a:solidFill>
           </a:ln>
         </p:spPr>
@@ -9157,7 +8977,7 @@
           <a:noFill/>
           <a:ln w="19050">
             <a:solidFill>
-              <a:schemeClr val="tx1"/>
+              <a:schemeClr val="bg1"/>
             </a:solidFill>
           </a:ln>
         </p:spPr>
@@ -9209,7 +9029,7 @@
           <a:noFill/>
           <a:ln w="19050">
             <a:solidFill>
-              <a:schemeClr val="tx1"/>
+              <a:schemeClr val="bg1"/>
             </a:solidFill>
           </a:ln>
         </p:spPr>
@@ -9261,7 +9081,7 @@
           <a:noFill/>
           <a:ln w="19050">
             <a:solidFill>
-              <a:schemeClr val="tx1"/>
+              <a:schemeClr val="bg1"/>
             </a:solidFill>
           </a:ln>
         </p:spPr>
@@ -9287,13 +9107,50 @@
           <a:p>
             <a:pPr algn="ctr"/>
             <a:endParaRPr lang="LID4096"/>
+          </a:p>
+        </p:txBody>
+      </p:sp>
+      <p:sp>
+        <p:nvSpPr>
+          <p:cNvPr id="12" name="TextBox 11">
+            <a:extLst>
+              <a:ext uri="{FF2B5EF4-FFF2-40B4-BE49-F238E27FC236}">
+                <a16:creationId xmlns:a16="http://schemas.microsoft.com/office/drawing/2014/main" id="{392704EE-1EC2-4F06-9B0F-7031D64106CC}"/>
+              </a:ext>
+            </a:extLst>
+          </p:cNvPr>
+          <p:cNvSpPr txBox="1"/>
+          <p:nvPr/>
+        </p:nvSpPr>
+        <p:spPr>
+          <a:xfrm>
+            <a:off x="5177065" y="3404813"/>
+            <a:ext cx="304892" cy="369332"/>
+          </a:xfrm>
+          <a:prstGeom prst="rect">
+            <a:avLst/>
+          </a:prstGeom>
+          <a:noFill/>
+        </p:spPr>
+        <p:txBody>
+          <a:bodyPr wrap="none" rtlCol="0">
+            <a:spAutoFit/>
+          </a:bodyPr>
+          <a:lstStyle/>
+          <a:p>
+            <a:pPr algn="ctr"/>
+            <a:r>
+              <a:rPr lang="en-US" dirty="0"/>
+              <a:t>X</a:t>
+            </a:r>
+            <a:endParaRPr lang="LID4096" dirty="0"/>
           </a:p>
         </p:txBody>
       </p:sp>
     </p:spTree>
     <p:extLst>
       <p:ext uri="{BB962C8B-B14F-4D97-AF65-F5344CB8AC3E}">
-        <p14:creationId xmlns:p14="http://schemas.microsoft.com/office/powerpoint/2010/main" val="1713171939"/>
+        <p14:creationId xmlns:p14="http://schemas.microsoft.com/office/powerpoint/2010/main" val="1276770982"/>
       </p:ext>
     </p:extLst>
   </p:cSld>
@@ -9342,9 +9199,7 @@
           </a:prstGeom>
           <a:noFill/>
           <a:ln w="19050">
-            <a:solidFill>
-              <a:schemeClr val="tx1"/>
-            </a:solidFill>
+            <a:noFill/>
           </a:ln>
         </p:spPr>
         <p:style>
@@ -9394,61 +9249,7 @@
           </a:prstGeom>
           <a:noFill/>
           <a:ln w="19050">
-            <a:solidFill>
-              <a:schemeClr val="tx1"/>
-            </a:solidFill>
-          </a:ln>
-        </p:spPr>
-        <p:style>
-          <a:lnRef idx="2">
-            <a:schemeClr val="accent1">
-              <a:shade val="50000"/>
-            </a:schemeClr>
-          </a:lnRef>
-          <a:fillRef idx="1">
-            <a:schemeClr val="accent1"/>
-          </a:fillRef>
-          <a:effectRef idx="0">
-            <a:schemeClr val="accent1"/>
-          </a:effectRef>
-          <a:fontRef idx="minor">
-            <a:schemeClr val="lt1"/>
-          </a:fontRef>
-        </p:style>
-        <p:txBody>
-          <a:bodyPr rtlCol="0" anchor="ctr"/>
-          <a:lstStyle/>
-          <a:p>
-            <a:pPr algn="ctr"/>
-            <a:endParaRPr lang="LID4096"/>
-          </a:p>
-        </p:txBody>
-      </p:sp>
-      <p:sp>
-        <p:nvSpPr>
-          <p:cNvPr id="6" name="Rectangle 5">
-            <a:extLst>
-              <a:ext uri="{FF2B5EF4-FFF2-40B4-BE49-F238E27FC236}">
-                <a16:creationId xmlns:a16="http://schemas.microsoft.com/office/drawing/2014/main" id="{437AB641-AB0C-4469-AD2E-A7DA4A69C7B1}"/>
-              </a:ext>
-            </a:extLst>
-          </p:cNvPr>
-          <p:cNvSpPr/>
-          <p:nvPr/>
-        </p:nvSpPr>
-        <p:spPr>
-          <a:xfrm>
-            <a:off x="2911303" y="4839257"/>
-            <a:ext cx="1182254" cy="1182254"/>
-          </a:xfrm>
-          <a:prstGeom prst="rect">
-            <a:avLst/>
-          </a:prstGeom>
-          <a:noFill/>
-          <a:ln w="19050">
-            <a:solidFill>
-              <a:schemeClr val="tx1"/>
-            </a:solidFill>
+            <a:noFill/>
           </a:ln>
         </p:spPr>
         <p:style>
@@ -9482,6 +9283,60 @@
       </p:sp>
       <p:sp>
         <p:nvSpPr>
+          <p:cNvPr id="6" name="Rectangle 5">
+            <a:extLst>
+              <a:ext uri="{FF2B5EF4-FFF2-40B4-BE49-F238E27FC236}">
+                <a16:creationId xmlns:a16="http://schemas.microsoft.com/office/drawing/2014/main" id="{437AB641-AB0C-4469-AD2E-A7DA4A69C7B1}"/>
+              </a:ext>
+            </a:extLst>
+          </p:cNvPr>
+          <p:cNvSpPr/>
+          <p:nvPr/>
+        </p:nvSpPr>
+        <p:spPr>
+          <a:xfrm>
+            <a:off x="2911303" y="4839257"/>
+            <a:ext cx="1182254" cy="1182254"/>
+          </a:xfrm>
+          <a:prstGeom prst="rect">
+            <a:avLst/>
+          </a:prstGeom>
+          <a:noFill/>
+          <a:ln w="19050">
+            <a:noFill/>
+          </a:ln>
+        </p:spPr>
+        <p:style>
+          <a:lnRef idx="2">
+            <a:schemeClr val="accent1">
+              <a:shade val="50000"/>
+            </a:schemeClr>
+          </a:lnRef>
+          <a:fillRef idx="1">
+            <a:schemeClr val="accent1"/>
+          </a:fillRef>
+          <a:effectRef idx="0">
+            <a:schemeClr val="accent1"/>
+          </a:effectRef>
+          <a:fontRef idx="minor">
+            <a:schemeClr val="lt1"/>
+          </a:fontRef>
+        </p:style>
+        <p:txBody>
+          <a:bodyPr rtlCol="0" anchor="ctr"/>
+          <a:lstStyle/>
+          <a:p>
+            <a:pPr algn="ctr"/>
+            <a:endParaRPr lang="LID4096" dirty="0">
+              <a:solidFill>
+                <a:schemeClr val="tx1"/>
+              </a:solidFill>
+            </a:endParaRPr>
+          </a:p>
+        </p:txBody>
+      </p:sp>
+      <p:sp>
+        <p:nvSpPr>
           <p:cNvPr id="7" name="Rectangle 6">
             <a:extLst>
               <a:ext uri="{FF2B5EF4-FFF2-40B4-BE49-F238E27FC236}">
@@ -9502,33 +9357,35 @@
           </a:prstGeom>
           <a:noFill/>
           <a:ln w="19050">
-            <a:solidFill>
-              <a:schemeClr val="tx1"/>
-            </a:solidFill>
-          </a:ln>
-        </p:spPr>
-        <p:style>
-          <a:lnRef idx="2">
-            <a:schemeClr val="accent1">
-              <a:shade val="50000"/>
-            </a:schemeClr>
-          </a:lnRef>
-          <a:fillRef idx="1">
-            <a:schemeClr val="accent1"/>
-          </a:fillRef>
-          <a:effectRef idx="0">
-            <a:schemeClr val="accent1"/>
-          </a:effectRef>
-          <a:fontRef idx="minor">
-            <a:schemeClr val="lt1"/>
-          </a:fontRef>
-        </p:style>
-        <p:txBody>
-          <a:bodyPr rtlCol="0" anchor="ctr"/>
-          <a:lstStyle/>
-          <a:p>
-            <a:pPr algn="ctr"/>
-            <a:endParaRPr lang="LID4096"/>
+            <a:noFill/>
+          </a:ln>
+        </p:spPr>
+        <p:style>
+          <a:lnRef idx="2">
+            <a:schemeClr val="accent1">
+              <a:shade val="50000"/>
+            </a:schemeClr>
+          </a:lnRef>
+          <a:fillRef idx="1">
+            <a:schemeClr val="accent1"/>
+          </a:fillRef>
+          <a:effectRef idx="0">
+            <a:schemeClr val="accent1"/>
+          </a:effectRef>
+          <a:fontRef idx="minor">
+            <a:schemeClr val="lt1"/>
+          </a:fontRef>
+        </p:style>
+        <p:txBody>
+          <a:bodyPr rtlCol="0" anchor="ctr"/>
+          <a:lstStyle/>
+          <a:p>
+            <a:pPr algn="ctr"/>
+            <a:endParaRPr lang="LID4096" dirty="0">
+              <a:solidFill>
+                <a:schemeClr val="tx1"/>
+              </a:solidFill>
+            </a:endParaRPr>
           </a:p>
         </p:txBody>
       </p:sp>
@@ -9554,33 +9411,35 @@
           </a:prstGeom>
           <a:noFill/>
           <a:ln w="19050">
-            <a:solidFill>
-              <a:schemeClr val="tx1"/>
-            </a:solidFill>
-          </a:ln>
-        </p:spPr>
-        <p:style>
-          <a:lnRef idx="2">
-            <a:schemeClr val="accent1">
-              <a:shade val="50000"/>
-            </a:schemeClr>
-          </a:lnRef>
-          <a:fillRef idx="1">
-            <a:schemeClr val="accent1"/>
-          </a:fillRef>
-          <a:effectRef idx="0">
-            <a:schemeClr val="accent1"/>
-          </a:effectRef>
-          <a:fontRef idx="minor">
-            <a:schemeClr val="lt1"/>
-          </a:fontRef>
-        </p:style>
-        <p:txBody>
-          <a:bodyPr rtlCol="0" anchor="ctr"/>
-          <a:lstStyle/>
-          <a:p>
-            <a:pPr algn="ctr"/>
-            <a:endParaRPr lang="LID4096"/>
+            <a:noFill/>
+          </a:ln>
+        </p:spPr>
+        <p:style>
+          <a:lnRef idx="2">
+            <a:schemeClr val="accent1">
+              <a:shade val="50000"/>
+            </a:schemeClr>
+          </a:lnRef>
+          <a:fillRef idx="1">
+            <a:schemeClr val="accent1"/>
+          </a:fillRef>
+          <a:effectRef idx="0">
+            <a:schemeClr val="accent1"/>
+          </a:effectRef>
+          <a:fontRef idx="minor">
+            <a:schemeClr val="lt1"/>
+          </a:fontRef>
+        </p:style>
+        <p:txBody>
+          <a:bodyPr rtlCol="0" anchor="ctr"/>
+          <a:lstStyle/>
+          <a:p>
+            <a:pPr algn="ctr"/>
+            <a:endParaRPr lang="LID4096" dirty="0">
+              <a:solidFill>
+                <a:schemeClr val="tx1"/>
+              </a:solidFill>
+            </a:endParaRPr>
           </a:p>
         </p:txBody>
       </p:sp>
@@ -9606,9 +9465,7 @@
           </a:prstGeom>
           <a:noFill/>
           <a:ln w="19050">
-            <a:solidFill>
-              <a:schemeClr val="tx1"/>
-            </a:solidFill>
+            <a:noFill/>
           </a:ln>
         </p:spPr>
         <p:style>
@@ -9658,9 +9515,7 @@
           </a:prstGeom>
           <a:noFill/>
           <a:ln w="19050">
-            <a:solidFill>
-              <a:schemeClr val="tx1"/>
-            </a:solidFill>
+            <a:noFill/>
           </a:ln>
         </p:spPr>
         <p:style>
@@ -9710,9 +9565,7 @@
           </a:prstGeom>
           <a:noFill/>
           <a:ln w="19050">
-            <a:solidFill>
-              <a:schemeClr val="tx1"/>
-            </a:solidFill>
+            <a:noFill/>
           </a:ln>
         </p:spPr>
         <p:style>
@@ -9745,7 +9598,7 @@
           <p:cNvPr id="12" name="Straight Arrow Connector 11">
             <a:extLst>
               <a:ext uri="{FF2B5EF4-FFF2-40B4-BE49-F238E27FC236}">
-                <a16:creationId xmlns:a16="http://schemas.microsoft.com/office/drawing/2014/main" id="{BFC265A4-5F4E-4F26-B397-761260C1DA3A}"/>
+                <a16:creationId xmlns:a16="http://schemas.microsoft.com/office/drawing/2014/main" id="{930105EF-5D77-4399-9C98-1ECA66764AD8}"/>
               </a:ext>
             </a:extLst>
           </p:cNvPr>
@@ -9754,7 +9607,7 @@
         </p:nvCxnSpPr>
         <p:spPr>
           <a:xfrm flipH="1">
-            <a:off x="3370219" y="5451565"/>
+            <a:off x="3378927" y="3596639"/>
             <a:ext cx="217714" cy="0"/>
           </a:xfrm>
           <a:prstGeom prst="straightConnector1">
@@ -9784,10 +9637,10 @@
       </p:cxnSp>
       <p:cxnSp>
         <p:nvCxnSpPr>
-          <p:cNvPr id="13" name="Straight Arrow Connector 12">
-            <a:extLst>
-              <a:ext uri="{FF2B5EF4-FFF2-40B4-BE49-F238E27FC236}">
-                <a16:creationId xmlns:a16="http://schemas.microsoft.com/office/drawing/2014/main" id="{A2D8AF17-4CD2-42A8-B1D5-C5FD042AE6D9}"/>
+          <p:cNvPr id="14" name="Straight Arrow Connector 13">
+            <a:extLst>
+              <a:ext uri="{FF2B5EF4-FFF2-40B4-BE49-F238E27FC236}">
+                <a16:creationId xmlns:a16="http://schemas.microsoft.com/office/drawing/2014/main" id="{D526999F-A4D6-499B-8693-406927870126}"/>
               </a:ext>
             </a:extLst>
           </p:cNvPr>
@@ -9798,7 +9651,7 @@
         </p:nvCxnSpPr>
         <p:spPr>
           <a:xfrm rot="10800000" flipH="1">
-            <a:off x="3370219" y="5451565"/>
+            <a:off x="3378927" y="3587301"/>
             <a:ext cx="217714" cy="0"/>
           </a:xfrm>
           <a:prstGeom prst="straightConnector1">
@@ -9829,7 +9682,7 @@
     </p:spTree>
     <p:extLst>
       <p:ext uri="{BB962C8B-B14F-4D97-AF65-F5344CB8AC3E}">
-        <p14:creationId xmlns:p14="http://schemas.microsoft.com/office/powerpoint/2010/main" val="2769851208"/>
+        <p14:creationId xmlns:p14="http://schemas.microsoft.com/office/powerpoint/2010/main" val="3039625316"/>
       </p:ext>
     </p:extLst>
   </p:cSld>
@@ -9878,9 +9731,7 @@
           </a:prstGeom>
           <a:noFill/>
           <a:ln w="19050">
-            <a:solidFill>
-              <a:schemeClr val="tx1"/>
-            </a:solidFill>
+            <a:noFill/>
           </a:ln>
         </p:spPr>
         <p:style>
@@ -9930,9 +9781,7 @@
           </a:prstGeom>
           <a:noFill/>
           <a:ln w="19050">
-            <a:solidFill>
-              <a:schemeClr val="tx1"/>
-            </a:solidFill>
+            <a:noFill/>
           </a:ln>
         </p:spPr>
         <p:style>
@@ -9982,61 +9831,7 @@
           </a:prstGeom>
           <a:noFill/>
           <a:ln w="19050">
-            <a:solidFill>
-              <a:schemeClr val="tx1"/>
-            </a:solidFill>
-          </a:ln>
-        </p:spPr>
-        <p:style>
-          <a:lnRef idx="2">
-            <a:schemeClr val="accent1">
-              <a:shade val="50000"/>
-            </a:schemeClr>
-          </a:lnRef>
-          <a:fillRef idx="1">
-            <a:schemeClr val="accent1"/>
-          </a:fillRef>
-          <a:effectRef idx="0">
-            <a:schemeClr val="accent1"/>
-          </a:effectRef>
-          <a:fontRef idx="minor">
-            <a:schemeClr val="lt1"/>
-          </a:fontRef>
-        </p:style>
-        <p:txBody>
-          <a:bodyPr rtlCol="0" anchor="ctr"/>
-          <a:lstStyle/>
-          <a:p>
-            <a:pPr algn="ctr"/>
-            <a:endParaRPr lang="LID4096"/>
-          </a:p>
-        </p:txBody>
-      </p:sp>
-      <p:sp>
-        <p:nvSpPr>
-          <p:cNvPr id="7" name="Rectangle 6">
-            <a:extLst>
-              <a:ext uri="{FF2B5EF4-FFF2-40B4-BE49-F238E27FC236}">
-                <a16:creationId xmlns:a16="http://schemas.microsoft.com/office/drawing/2014/main" id="{B3694913-6DA0-404E-96BB-F152D3921DC7}"/>
-              </a:ext>
-            </a:extLst>
-          </p:cNvPr>
-          <p:cNvSpPr/>
-          <p:nvPr/>
-        </p:nvSpPr>
-        <p:spPr>
-          <a:xfrm>
-            <a:off x="4738384" y="4839257"/>
-            <a:ext cx="1182254" cy="1182254"/>
-          </a:xfrm>
-          <a:prstGeom prst="rect">
-            <a:avLst/>
-          </a:prstGeom>
-          <a:noFill/>
-          <a:ln w="19050">
-            <a:solidFill>
-              <a:schemeClr val="tx1"/>
-            </a:solidFill>
+            <a:noFill/>
           </a:ln>
         </p:spPr>
         <p:style>
@@ -10070,6 +9865,56 @@
       </p:sp>
       <p:sp>
         <p:nvSpPr>
+          <p:cNvPr id="7" name="Rectangle 6">
+            <a:extLst>
+              <a:ext uri="{FF2B5EF4-FFF2-40B4-BE49-F238E27FC236}">
+                <a16:creationId xmlns:a16="http://schemas.microsoft.com/office/drawing/2014/main" id="{B3694913-6DA0-404E-96BB-F152D3921DC7}"/>
+              </a:ext>
+            </a:extLst>
+          </p:cNvPr>
+          <p:cNvSpPr/>
+          <p:nvPr/>
+        </p:nvSpPr>
+        <p:spPr>
+          <a:xfrm>
+            <a:off x="4738384" y="4839257"/>
+            <a:ext cx="1182254" cy="1182254"/>
+          </a:xfrm>
+          <a:prstGeom prst="rect">
+            <a:avLst/>
+          </a:prstGeom>
+          <a:noFill/>
+          <a:ln w="19050">
+            <a:noFill/>
+          </a:ln>
+        </p:spPr>
+        <p:style>
+          <a:lnRef idx="2">
+            <a:schemeClr val="accent1">
+              <a:shade val="50000"/>
+            </a:schemeClr>
+          </a:lnRef>
+          <a:fillRef idx="1">
+            <a:schemeClr val="accent1"/>
+          </a:fillRef>
+          <a:effectRef idx="0">
+            <a:schemeClr val="accent1"/>
+          </a:effectRef>
+          <a:fontRef idx="minor">
+            <a:schemeClr val="lt1"/>
+          </a:fontRef>
+        </p:style>
+        <p:txBody>
+          <a:bodyPr rtlCol="0" anchor="ctr"/>
+          <a:lstStyle/>
+          <a:p>
+            <a:pPr algn="ctr"/>
+            <a:endParaRPr lang="LID4096"/>
+          </a:p>
+        </p:txBody>
+      </p:sp>
+      <p:sp>
+        <p:nvSpPr>
           <p:cNvPr id="8" name="Rectangle 7">
             <a:extLst>
               <a:ext uri="{FF2B5EF4-FFF2-40B4-BE49-F238E27FC236}">
@@ -10090,9 +9935,7 @@
           </a:prstGeom>
           <a:noFill/>
           <a:ln w="19050">
-            <a:solidFill>
-              <a:schemeClr val="tx1"/>
-            </a:solidFill>
+            <a:noFill/>
           </a:ln>
         </p:spPr>
         <p:style>
@@ -10142,9 +9985,7 @@
           </a:prstGeom>
           <a:noFill/>
           <a:ln w="19050">
-            <a:solidFill>
-              <a:schemeClr val="tx1"/>
-            </a:solidFill>
+            <a:noFill/>
           </a:ln>
         </p:spPr>
         <p:style>
@@ -10194,9 +10035,7 @@
           </a:prstGeom>
           <a:noFill/>
           <a:ln w="19050">
-            <a:solidFill>
-              <a:schemeClr val="tx1"/>
-            </a:solidFill>
+            <a:noFill/>
           </a:ln>
         </p:spPr>
         <p:style>
@@ -10246,9 +10085,7 @@
           </a:prstGeom>
           <a:noFill/>
           <a:ln w="19050">
-            <a:solidFill>
-              <a:schemeClr val="tx1"/>
-            </a:solidFill>
+            <a:noFill/>
           </a:ln>
         </p:spPr>
         <p:style>
@@ -10281,7 +10118,7 @@
           <p:cNvPr id="12" name="Straight Arrow Connector 11">
             <a:extLst>
               <a:ext uri="{FF2B5EF4-FFF2-40B4-BE49-F238E27FC236}">
-                <a16:creationId xmlns:a16="http://schemas.microsoft.com/office/drawing/2014/main" id="{D4EF255A-D764-4A84-85A7-9C716CE0E2E7}"/>
+                <a16:creationId xmlns:a16="http://schemas.microsoft.com/office/drawing/2014/main" id="{BFC265A4-5F4E-4F26-B397-761260C1DA3A}"/>
               </a:ext>
             </a:extLst>
           </p:cNvPr>
@@ -10290,7 +10127,7 @@
         </p:nvCxnSpPr>
         <p:spPr>
           <a:xfrm flipH="1">
-            <a:off x="5199019" y="5442855"/>
+            <a:off x="3370219" y="5451565"/>
             <a:ext cx="217714" cy="0"/>
           </a:xfrm>
           <a:prstGeom prst="straightConnector1">
@@ -10323,7 +10160,7 @@
           <p:cNvPr id="13" name="Straight Arrow Connector 12">
             <a:extLst>
               <a:ext uri="{FF2B5EF4-FFF2-40B4-BE49-F238E27FC236}">
-                <a16:creationId xmlns:a16="http://schemas.microsoft.com/office/drawing/2014/main" id="{79123D11-0972-4C7E-8A2C-0015B25F6C5B}"/>
+                <a16:creationId xmlns:a16="http://schemas.microsoft.com/office/drawing/2014/main" id="{A2D8AF17-4CD2-42A8-B1D5-C5FD042AE6D9}"/>
               </a:ext>
             </a:extLst>
           </p:cNvPr>
@@ -10334,7 +10171,7 @@
         </p:nvCxnSpPr>
         <p:spPr>
           <a:xfrm rot="10800000" flipH="1">
-            <a:off x="5199019" y="5442855"/>
+            <a:off x="3370219" y="5451565"/>
             <a:ext cx="217714" cy="0"/>
           </a:xfrm>
           <a:prstGeom prst="straightConnector1">
@@ -10365,7 +10202,7 @@
     </p:spTree>
     <p:extLst>
       <p:ext uri="{BB962C8B-B14F-4D97-AF65-F5344CB8AC3E}">
-        <p14:creationId xmlns:p14="http://schemas.microsoft.com/office/powerpoint/2010/main" val="2256880804"/>
+        <p14:creationId xmlns:p14="http://schemas.microsoft.com/office/powerpoint/2010/main" val="2769851208"/>
       </p:ext>
     </p:extLst>
   </p:cSld>
@@ -10414,9 +10251,7 @@
           </a:prstGeom>
           <a:noFill/>
           <a:ln w="19050">
-            <a:solidFill>
-              <a:schemeClr val="tx1"/>
-            </a:solidFill>
+            <a:noFill/>
           </a:ln>
         </p:spPr>
         <p:style>
@@ -10466,9 +10301,7 @@
           </a:prstGeom>
           <a:noFill/>
           <a:ln w="19050">
-            <a:solidFill>
-              <a:schemeClr val="tx1"/>
-            </a:solidFill>
+            <a:noFill/>
           </a:ln>
         </p:spPr>
         <p:style>
@@ -10518,9 +10351,7 @@
           </a:prstGeom>
           <a:noFill/>
           <a:ln w="19050">
-            <a:solidFill>
-              <a:schemeClr val="tx1"/>
-            </a:solidFill>
+            <a:noFill/>
           </a:ln>
         </p:spPr>
         <p:style>
@@ -10570,61 +10401,7 @@
           </a:prstGeom>
           <a:noFill/>
           <a:ln w="19050">
-            <a:solidFill>
-              <a:schemeClr val="tx1"/>
-            </a:solidFill>
-          </a:ln>
-        </p:spPr>
-        <p:style>
-          <a:lnRef idx="2">
-            <a:schemeClr val="accent1">
-              <a:shade val="50000"/>
-            </a:schemeClr>
-          </a:lnRef>
-          <a:fillRef idx="1">
-            <a:schemeClr val="accent1"/>
-          </a:fillRef>
-          <a:effectRef idx="0">
-            <a:schemeClr val="accent1"/>
-          </a:effectRef>
-          <a:fontRef idx="minor">
-            <a:schemeClr val="lt1"/>
-          </a:fontRef>
-        </p:style>
-        <p:txBody>
-          <a:bodyPr rtlCol="0" anchor="ctr"/>
-          <a:lstStyle/>
-          <a:p>
-            <a:pPr algn="ctr"/>
-            <a:endParaRPr lang="LID4096"/>
-          </a:p>
-        </p:txBody>
-      </p:sp>
-      <p:sp>
-        <p:nvSpPr>
-          <p:cNvPr id="8" name="Rectangle 7">
-            <a:extLst>
-              <a:ext uri="{FF2B5EF4-FFF2-40B4-BE49-F238E27FC236}">
-                <a16:creationId xmlns:a16="http://schemas.microsoft.com/office/drawing/2014/main" id="{5A984827-D88E-46E0-8504-F53796FD4C8D}"/>
-              </a:ext>
-            </a:extLst>
-          </p:cNvPr>
-          <p:cNvSpPr/>
-          <p:nvPr/>
-        </p:nvSpPr>
-        <p:spPr>
-          <a:xfrm>
-            <a:off x="6565465" y="4839257"/>
-            <a:ext cx="1182254" cy="1182254"/>
-          </a:xfrm>
-          <a:prstGeom prst="rect">
-            <a:avLst/>
-          </a:prstGeom>
-          <a:noFill/>
-          <a:ln w="19050">
-            <a:solidFill>
-              <a:schemeClr val="tx1"/>
-            </a:solidFill>
+            <a:noFill/>
           </a:ln>
         </p:spPr>
         <p:style>
@@ -10658,6 +10435,56 @@
       </p:sp>
       <p:sp>
         <p:nvSpPr>
+          <p:cNvPr id="8" name="Rectangle 7">
+            <a:extLst>
+              <a:ext uri="{FF2B5EF4-FFF2-40B4-BE49-F238E27FC236}">
+                <a16:creationId xmlns:a16="http://schemas.microsoft.com/office/drawing/2014/main" id="{5A984827-D88E-46E0-8504-F53796FD4C8D}"/>
+              </a:ext>
+            </a:extLst>
+          </p:cNvPr>
+          <p:cNvSpPr/>
+          <p:nvPr/>
+        </p:nvSpPr>
+        <p:spPr>
+          <a:xfrm>
+            <a:off x="6565465" y="4839257"/>
+            <a:ext cx="1182254" cy="1182254"/>
+          </a:xfrm>
+          <a:prstGeom prst="rect">
+            <a:avLst/>
+          </a:prstGeom>
+          <a:noFill/>
+          <a:ln w="19050">
+            <a:noFill/>
+          </a:ln>
+        </p:spPr>
+        <p:style>
+          <a:lnRef idx="2">
+            <a:schemeClr val="accent1">
+              <a:shade val="50000"/>
+            </a:schemeClr>
+          </a:lnRef>
+          <a:fillRef idx="1">
+            <a:schemeClr val="accent1"/>
+          </a:fillRef>
+          <a:effectRef idx="0">
+            <a:schemeClr val="accent1"/>
+          </a:effectRef>
+          <a:fontRef idx="minor">
+            <a:schemeClr val="lt1"/>
+          </a:fontRef>
+        </p:style>
+        <p:txBody>
+          <a:bodyPr rtlCol="0" anchor="ctr"/>
+          <a:lstStyle/>
+          <a:p>
+            <a:pPr algn="ctr"/>
+            <a:endParaRPr lang="LID4096"/>
+          </a:p>
+        </p:txBody>
+      </p:sp>
+      <p:sp>
+        <p:nvSpPr>
           <p:cNvPr id="9" name="Rectangle 8">
             <a:extLst>
               <a:ext uri="{FF2B5EF4-FFF2-40B4-BE49-F238E27FC236}">
@@ -10678,9 +10505,7 @@
           </a:prstGeom>
           <a:noFill/>
           <a:ln w="19050">
-            <a:solidFill>
-              <a:schemeClr val="tx1"/>
-            </a:solidFill>
+            <a:noFill/>
           </a:ln>
         </p:spPr>
         <p:style>
@@ -10730,9 +10555,7 @@
           </a:prstGeom>
           <a:noFill/>
           <a:ln w="19050">
-            <a:solidFill>
-              <a:schemeClr val="tx1"/>
-            </a:solidFill>
+            <a:noFill/>
           </a:ln>
         </p:spPr>
         <p:style>
@@ -10782,9 +10605,7 @@
           </a:prstGeom>
           <a:noFill/>
           <a:ln w="19050">
-            <a:solidFill>
-              <a:schemeClr val="tx1"/>
-            </a:solidFill>
+            <a:noFill/>
           </a:ln>
         </p:spPr>
         <p:style>
@@ -10817,18 +10638,16 @@
           <p:cNvPr id="12" name="Straight Arrow Connector 11">
             <a:extLst>
               <a:ext uri="{FF2B5EF4-FFF2-40B4-BE49-F238E27FC236}">
-                <a16:creationId xmlns:a16="http://schemas.microsoft.com/office/drawing/2014/main" id="{D5524322-5170-4105-A7C6-F17C2001E013}"/>
-              </a:ext>
-            </a:extLst>
-          </p:cNvPr>
-          <p:cNvCxnSpPr>
-            <a:cxnSpLocks/>
-          </p:cNvCxnSpPr>
+                <a16:creationId xmlns:a16="http://schemas.microsoft.com/office/drawing/2014/main" id="{D4EF255A-D764-4A84-85A7-9C716CE0E2E7}"/>
+              </a:ext>
+            </a:extLst>
+          </p:cNvPr>
+          <p:cNvCxnSpPr/>
           <p:nvPr/>
         </p:nvCxnSpPr>
         <p:spPr>
           <a:xfrm flipH="1">
-            <a:off x="7036527" y="5442856"/>
+            <a:off x="5199019" y="5442855"/>
             <a:ext cx="217714" cy="0"/>
           </a:xfrm>
           <a:prstGeom prst="straightConnector1">
@@ -10861,7 +10680,7 @@
           <p:cNvPr id="13" name="Straight Arrow Connector 12">
             <a:extLst>
               <a:ext uri="{FF2B5EF4-FFF2-40B4-BE49-F238E27FC236}">
-                <a16:creationId xmlns:a16="http://schemas.microsoft.com/office/drawing/2014/main" id="{48310B1F-0B57-4800-9596-D747F025EED7}"/>
+                <a16:creationId xmlns:a16="http://schemas.microsoft.com/office/drawing/2014/main" id="{79123D11-0972-4C7E-8A2C-0015B25F6C5B}"/>
               </a:ext>
             </a:extLst>
           </p:cNvPr>
@@ -10872,7 +10691,7 @@
         </p:nvCxnSpPr>
         <p:spPr>
           <a:xfrm rot="10800000" flipH="1">
-            <a:off x="7036527" y="5442856"/>
+            <a:off x="5199019" y="5442855"/>
             <a:ext cx="217714" cy="0"/>
           </a:xfrm>
           <a:prstGeom prst="straightConnector1">
@@ -10903,7 +10722,7 @@
     </p:spTree>
     <p:extLst>
       <p:ext uri="{BB962C8B-B14F-4D97-AF65-F5344CB8AC3E}">
-        <p14:creationId xmlns:p14="http://schemas.microsoft.com/office/powerpoint/2010/main" val="747210108"/>
+        <p14:creationId xmlns:p14="http://schemas.microsoft.com/office/powerpoint/2010/main" val="2256880804"/>
       </p:ext>
     </p:extLst>
   </p:cSld>
@@ -10952,9 +10771,7 @@
           </a:prstGeom>
           <a:noFill/>
           <a:ln w="19050">
-            <a:solidFill>
-              <a:schemeClr val="tx1"/>
-            </a:solidFill>
+            <a:noFill/>
           </a:ln>
         </p:spPr>
         <p:style>
@@ -11004,9 +10821,7 @@
           </a:prstGeom>
           <a:noFill/>
           <a:ln w="19050">
-            <a:solidFill>
-              <a:schemeClr val="tx1"/>
-            </a:solidFill>
+            <a:noFill/>
           </a:ln>
         </p:spPr>
         <p:style>
@@ -11056,9 +10871,7 @@
           </a:prstGeom>
           <a:noFill/>
           <a:ln w="19050">
-            <a:solidFill>
-              <a:schemeClr val="tx1"/>
-            </a:solidFill>
+            <a:noFill/>
           </a:ln>
         </p:spPr>
         <p:style>
@@ -11108,9 +10921,7 @@
           </a:prstGeom>
           <a:noFill/>
           <a:ln w="19050">
-            <a:solidFill>
-              <a:schemeClr val="tx1"/>
-            </a:solidFill>
+            <a:noFill/>
           </a:ln>
         </p:spPr>
         <p:style>
@@ -11160,165 +10971,7 @@
           </a:prstGeom>
           <a:noFill/>
           <a:ln w="19050">
-            <a:solidFill>
-              <a:schemeClr val="tx1"/>
-            </a:solidFill>
-          </a:ln>
-        </p:spPr>
-        <p:style>
-          <a:lnRef idx="2">
-            <a:schemeClr val="accent1">
-              <a:shade val="50000"/>
-            </a:schemeClr>
-          </a:lnRef>
-          <a:fillRef idx="1">
-            <a:schemeClr val="accent1"/>
-          </a:fillRef>
-          <a:effectRef idx="0">
-            <a:schemeClr val="accent1"/>
-          </a:effectRef>
-          <a:fontRef idx="minor">
-            <a:schemeClr val="lt1"/>
-          </a:fontRef>
-        </p:style>
-        <p:txBody>
-          <a:bodyPr rtlCol="0" anchor="ctr"/>
-          <a:lstStyle/>
-          <a:p>
-            <a:pPr algn="ctr"/>
-            <a:endParaRPr lang="LID4096"/>
-          </a:p>
-        </p:txBody>
-      </p:sp>
-      <p:sp>
-        <p:nvSpPr>
-          <p:cNvPr id="9" name="Rectangle 8">
-            <a:extLst>
-              <a:ext uri="{FF2B5EF4-FFF2-40B4-BE49-F238E27FC236}">
-                <a16:creationId xmlns:a16="http://schemas.microsoft.com/office/drawing/2014/main" id="{7A9F38C5-3172-4C88-BEB9-78B1C80CB300}"/>
-              </a:ext>
-            </a:extLst>
-          </p:cNvPr>
-          <p:cNvSpPr/>
-          <p:nvPr/>
-        </p:nvSpPr>
-        <p:spPr>
-          <a:xfrm>
-            <a:off x="4738384" y="1157447"/>
-            <a:ext cx="1182254" cy="1182254"/>
-          </a:xfrm>
-          <a:prstGeom prst="rect">
-            <a:avLst/>
-          </a:prstGeom>
-          <a:noFill/>
-          <a:ln w="19050">
-            <a:solidFill>
-              <a:schemeClr val="tx1"/>
-            </a:solidFill>
-          </a:ln>
-        </p:spPr>
-        <p:style>
-          <a:lnRef idx="2">
-            <a:schemeClr val="accent1">
-              <a:shade val="50000"/>
-            </a:schemeClr>
-          </a:lnRef>
-          <a:fillRef idx="1">
-            <a:schemeClr val="accent1"/>
-          </a:fillRef>
-          <a:effectRef idx="0">
-            <a:schemeClr val="accent1"/>
-          </a:effectRef>
-          <a:fontRef idx="minor">
-            <a:schemeClr val="lt1"/>
-          </a:fontRef>
-        </p:style>
-        <p:txBody>
-          <a:bodyPr rtlCol="0" anchor="ctr"/>
-          <a:lstStyle/>
-          <a:p>
-            <a:pPr algn="ctr"/>
-            <a:endParaRPr lang="LID4096"/>
-          </a:p>
-        </p:txBody>
-      </p:sp>
-      <p:sp>
-        <p:nvSpPr>
-          <p:cNvPr id="10" name="Rectangle 9">
-            <a:extLst>
-              <a:ext uri="{FF2B5EF4-FFF2-40B4-BE49-F238E27FC236}">
-                <a16:creationId xmlns:a16="http://schemas.microsoft.com/office/drawing/2014/main" id="{D116F38A-E07F-4B4A-A928-F7666AEAFE55}"/>
-              </a:ext>
-            </a:extLst>
-          </p:cNvPr>
-          <p:cNvSpPr/>
-          <p:nvPr/>
-        </p:nvSpPr>
-        <p:spPr>
-          <a:xfrm>
-            <a:off x="6565465" y="1157447"/>
-            <a:ext cx="1182254" cy="1182254"/>
-          </a:xfrm>
-          <a:prstGeom prst="rect">
-            <a:avLst/>
-          </a:prstGeom>
-          <a:noFill/>
-          <a:ln w="19050">
-            <a:solidFill>
-              <a:schemeClr val="tx1"/>
-            </a:solidFill>
-          </a:ln>
-        </p:spPr>
-        <p:style>
-          <a:lnRef idx="2">
-            <a:schemeClr val="accent1">
-              <a:shade val="50000"/>
-            </a:schemeClr>
-          </a:lnRef>
-          <a:fillRef idx="1">
-            <a:schemeClr val="accent1"/>
-          </a:fillRef>
-          <a:effectRef idx="0">
-            <a:schemeClr val="accent1"/>
-          </a:effectRef>
-          <a:fontRef idx="minor">
-            <a:schemeClr val="lt1"/>
-          </a:fontRef>
-        </p:style>
-        <p:txBody>
-          <a:bodyPr rtlCol="0" anchor="ctr"/>
-          <a:lstStyle/>
-          <a:p>
-            <a:pPr algn="ctr"/>
-            <a:endParaRPr lang="LID4096"/>
-          </a:p>
-        </p:txBody>
-      </p:sp>
-      <p:sp>
-        <p:nvSpPr>
-          <p:cNvPr id="11" name="Rectangle 10">
-            <a:extLst>
-              <a:ext uri="{FF2B5EF4-FFF2-40B4-BE49-F238E27FC236}">
-                <a16:creationId xmlns:a16="http://schemas.microsoft.com/office/drawing/2014/main" id="{8E2E6654-CC92-4CE0-938B-E385DD361A79}"/>
-              </a:ext>
-            </a:extLst>
-          </p:cNvPr>
-          <p:cNvSpPr/>
-          <p:nvPr/>
-        </p:nvSpPr>
-        <p:spPr>
-          <a:xfrm>
-            <a:off x="6565465" y="2998352"/>
-            <a:ext cx="1182254" cy="1182254"/>
-          </a:xfrm>
-          <a:prstGeom prst="rect">
-            <a:avLst/>
-          </a:prstGeom>
-          <a:noFill/>
-          <a:ln w="19050">
-            <a:solidFill>
-              <a:schemeClr val="tx1"/>
-            </a:solidFill>
+            <a:noFill/>
           </a:ln>
         </p:spPr>
         <p:style>
@@ -11350,21 +11003,173 @@
           </a:p>
         </p:txBody>
       </p:sp>
+      <p:sp>
+        <p:nvSpPr>
+          <p:cNvPr id="9" name="Rectangle 8">
+            <a:extLst>
+              <a:ext uri="{FF2B5EF4-FFF2-40B4-BE49-F238E27FC236}">
+                <a16:creationId xmlns:a16="http://schemas.microsoft.com/office/drawing/2014/main" id="{7A9F38C5-3172-4C88-BEB9-78B1C80CB300}"/>
+              </a:ext>
+            </a:extLst>
+          </p:cNvPr>
+          <p:cNvSpPr/>
+          <p:nvPr/>
+        </p:nvSpPr>
+        <p:spPr>
+          <a:xfrm>
+            <a:off x="4738384" y="1157447"/>
+            <a:ext cx="1182254" cy="1182254"/>
+          </a:xfrm>
+          <a:prstGeom prst="rect">
+            <a:avLst/>
+          </a:prstGeom>
+          <a:noFill/>
+          <a:ln w="19050">
+            <a:noFill/>
+          </a:ln>
+        </p:spPr>
+        <p:style>
+          <a:lnRef idx="2">
+            <a:schemeClr val="accent1">
+              <a:shade val="50000"/>
+            </a:schemeClr>
+          </a:lnRef>
+          <a:fillRef idx="1">
+            <a:schemeClr val="accent1"/>
+          </a:fillRef>
+          <a:effectRef idx="0">
+            <a:schemeClr val="accent1"/>
+          </a:effectRef>
+          <a:fontRef idx="minor">
+            <a:schemeClr val="lt1"/>
+          </a:fontRef>
+        </p:style>
+        <p:txBody>
+          <a:bodyPr rtlCol="0" anchor="ctr"/>
+          <a:lstStyle/>
+          <a:p>
+            <a:pPr algn="ctr"/>
+            <a:endParaRPr lang="LID4096"/>
+          </a:p>
+        </p:txBody>
+      </p:sp>
+      <p:sp>
+        <p:nvSpPr>
+          <p:cNvPr id="10" name="Rectangle 9">
+            <a:extLst>
+              <a:ext uri="{FF2B5EF4-FFF2-40B4-BE49-F238E27FC236}">
+                <a16:creationId xmlns:a16="http://schemas.microsoft.com/office/drawing/2014/main" id="{D116F38A-E07F-4B4A-A928-F7666AEAFE55}"/>
+              </a:ext>
+            </a:extLst>
+          </p:cNvPr>
+          <p:cNvSpPr/>
+          <p:nvPr/>
+        </p:nvSpPr>
+        <p:spPr>
+          <a:xfrm>
+            <a:off x="6565465" y="1157447"/>
+            <a:ext cx="1182254" cy="1182254"/>
+          </a:xfrm>
+          <a:prstGeom prst="rect">
+            <a:avLst/>
+          </a:prstGeom>
+          <a:noFill/>
+          <a:ln w="19050">
+            <a:noFill/>
+          </a:ln>
+        </p:spPr>
+        <p:style>
+          <a:lnRef idx="2">
+            <a:schemeClr val="accent1">
+              <a:shade val="50000"/>
+            </a:schemeClr>
+          </a:lnRef>
+          <a:fillRef idx="1">
+            <a:schemeClr val="accent1"/>
+          </a:fillRef>
+          <a:effectRef idx="0">
+            <a:schemeClr val="accent1"/>
+          </a:effectRef>
+          <a:fontRef idx="minor">
+            <a:schemeClr val="lt1"/>
+          </a:fontRef>
+        </p:style>
+        <p:txBody>
+          <a:bodyPr rtlCol="0" anchor="ctr"/>
+          <a:lstStyle/>
+          <a:p>
+            <a:pPr algn="ctr"/>
+            <a:endParaRPr lang="LID4096"/>
+          </a:p>
+        </p:txBody>
+      </p:sp>
+      <p:sp>
+        <p:nvSpPr>
+          <p:cNvPr id="11" name="Rectangle 10">
+            <a:extLst>
+              <a:ext uri="{FF2B5EF4-FFF2-40B4-BE49-F238E27FC236}">
+                <a16:creationId xmlns:a16="http://schemas.microsoft.com/office/drawing/2014/main" id="{8E2E6654-CC92-4CE0-938B-E385DD361A79}"/>
+              </a:ext>
+            </a:extLst>
+          </p:cNvPr>
+          <p:cNvSpPr/>
+          <p:nvPr/>
+        </p:nvSpPr>
+        <p:spPr>
+          <a:xfrm>
+            <a:off x="6565465" y="2998352"/>
+            <a:ext cx="1182254" cy="1182254"/>
+          </a:xfrm>
+          <a:prstGeom prst="rect">
+            <a:avLst/>
+          </a:prstGeom>
+          <a:noFill/>
+          <a:ln w="19050">
+            <a:noFill/>
+          </a:ln>
+        </p:spPr>
+        <p:style>
+          <a:lnRef idx="2">
+            <a:schemeClr val="accent1">
+              <a:shade val="50000"/>
+            </a:schemeClr>
+          </a:lnRef>
+          <a:fillRef idx="1">
+            <a:schemeClr val="accent1"/>
+          </a:fillRef>
+          <a:effectRef idx="0">
+            <a:schemeClr val="accent1"/>
+          </a:effectRef>
+          <a:fontRef idx="minor">
+            <a:schemeClr val="lt1"/>
+          </a:fontRef>
+        </p:style>
+        <p:txBody>
+          <a:bodyPr rtlCol="0" anchor="ctr"/>
+          <a:lstStyle/>
+          <a:p>
+            <a:pPr algn="ctr"/>
+            <a:endParaRPr lang="LID4096"/>
+          </a:p>
+        </p:txBody>
+      </p:sp>
       <p:cxnSp>
         <p:nvCxnSpPr>
           <p:cNvPr id="12" name="Straight Arrow Connector 11">
             <a:extLst>
               <a:ext uri="{FF2B5EF4-FFF2-40B4-BE49-F238E27FC236}">
-                <a16:creationId xmlns:a16="http://schemas.microsoft.com/office/drawing/2014/main" id="{E8423E2D-7219-4656-9BB3-9F5AED1E564D}"/>
-              </a:ext>
-            </a:extLst>
-          </p:cNvPr>
-          <p:cNvCxnSpPr/>
+                <a16:creationId xmlns:a16="http://schemas.microsoft.com/office/drawing/2014/main" id="{D5524322-5170-4105-A7C6-F17C2001E013}"/>
+              </a:ext>
+            </a:extLst>
+          </p:cNvPr>
+          <p:cNvCxnSpPr>
+            <a:cxnSpLocks/>
+          </p:cNvCxnSpPr>
           <p:nvPr/>
         </p:nvCxnSpPr>
         <p:spPr>
           <a:xfrm flipH="1">
-            <a:off x="7036528" y="3587308"/>
+            <a:off x="7036527" y="5442856"/>
             <a:ext cx="217714" cy="0"/>
           </a:xfrm>
           <a:prstGeom prst="straightConnector1">
@@ -11397,7 +11202,7 @@
           <p:cNvPr id="13" name="Straight Arrow Connector 12">
             <a:extLst>
               <a:ext uri="{FF2B5EF4-FFF2-40B4-BE49-F238E27FC236}">
-                <a16:creationId xmlns:a16="http://schemas.microsoft.com/office/drawing/2014/main" id="{9D7DC36D-C30D-49AF-83A2-0871F7BABA2B}"/>
+                <a16:creationId xmlns:a16="http://schemas.microsoft.com/office/drawing/2014/main" id="{48310B1F-0B57-4800-9596-D747F025EED7}"/>
               </a:ext>
             </a:extLst>
           </p:cNvPr>
@@ -11407,8 +11212,8 @@
           <p:nvPr/>
         </p:nvCxnSpPr>
         <p:spPr>
-          <a:xfrm>
-            <a:off x="7036528" y="3587308"/>
+          <a:xfrm rot="10800000" flipH="1">
+            <a:off x="7036527" y="5442856"/>
             <a:ext cx="217714" cy="0"/>
           </a:xfrm>
           <a:prstGeom prst="straightConnector1">
@@ -11439,7 +11244,7 @@
     </p:spTree>
     <p:extLst>
       <p:ext uri="{BB962C8B-B14F-4D97-AF65-F5344CB8AC3E}">
-        <p14:creationId xmlns:p14="http://schemas.microsoft.com/office/powerpoint/2010/main" val="2143867250"/>
+        <p14:creationId xmlns:p14="http://schemas.microsoft.com/office/powerpoint/2010/main" val="747210108"/>
       </p:ext>
     </p:extLst>
   </p:cSld>
@@ -11488,9 +11293,7 @@
           </a:prstGeom>
           <a:noFill/>
           <a:ln w="19050">
-            <a:solidFill>
-              <a:schemeClr val="tx1"/>
-            </a:solidFill>
+            <a:noFill/>
           </a:ln>
         </p:spPr>
         <p:style>
@@ -11540,9 +11343,7 @@
           </a:prstGeom>
           <a:noFill/>
           <a:ln w="19050">
-            <a:solidFill>
-              <a:schemeClr val="tx1"/>
-            </a:solidFill>
+            <a:noFill/>
           </a:ln>
         </p:spPr>
         <p:style>
@@ -11592,9 +11393,7 @@
           </a:prstGeom>
           <a:noFill/>
           <a:ln w="19050">
-            <a:solidFill>
-              <a:schemeClr val="tx1"/>
-            </a:solidFill>
+            <a:noFill/>
           </a:ln>
         </p:spPr>
         <p:style>
@@ -11644,9 +11443,7 @@
           </a:prstGeom>
           <a:noFill/>
           <a:ln w="19050">
-            <a:solidFill>
-              <a:schemeClr val="tx1"/>
-            </a:solidFill>
+            <a:noFill/>
           </a:ln>
         </p:spPr>
         <p:style>
@@ -11696,9 +11493,7 @@
           </a:prstGeom>
           <a:noFill/>
           <a:ln w="19050">
-            <a:solidFill>
-              <a:schemeClr val="tx1"/>
-            </a:solidFill>
+            <a:noFill/>
           </a:ln>
         </p:spPr>
         <p:style>
@@ -11748,9 +11543,7 @@
           </a:prstGeom>
           <a:noFill/>
           <a:ln w="19050">
-            <a:solidFill>
-              <a:schemeClr val="tx1"/>
-            </a:solidFill>
+            <a:noFill/>
           </a:ln>
         </p:spPr>
         <p:style>
@@ -11800,9 +11593,57 @@
           </a:prstGeom>
           <a:noFill/>
           <a:ln w="19050">
-            <a:solidFill>
-              <a:schemeClr val="tx1"/>
-            </a:solidFill>
+            <a:noFill/>
+          </a:ln>
+        </p:spPr>
+        <p:style>
+          <a:lnRef idx="2">
+            <a:schemeClr val="accent1">
+              <a:shade val="50000"/>
+            </a:schemeClr>
+          </a:lnRef>
+          <a:fillRef idx="1">
+            <a:schemeClr val="accent1"/>
+          </a:fillRef>
+          <a:effectRef idx="0">
+            <a:schemeClr val="accent1"/>
+          </a:effectRef>
+          <a:fontRef idx="minor">
+            <a:schemeClr val="lt1"/>
+          </a:fontRef>
+        </p:style>
+        <p:txBody>
+          <a:bodyPr rtlCol="0" anchor="ctr"/>
+          <a:lstStyle/>
+          <a:p>
+            <a:pPr algn="ctr"/>
+            <a:endParaRPr lang="LID4096"/>
+          </a:p>
+        </p:txBody>
+      </p:sp>
+      <p:sp>
+        <p:nvSpPr>
+          <p:cNvPr id="11" name="Rectangle 10">
+            <a:extLst>
+              <a:ext uri="{FF2B5EF4-FFF2-40B4-BE49-F238E27FC236}">
+                <a16:creationId xmlns:a16="http://schemas.microsoft.com/office/drawing/2014/main" id="{8E2E6654-CC92-4CE0-938B-E385DD361A79}"/>
+              </a:ext>
+            </a:extLst>
+          </p:cNvPr>
+          <p:cNvSpPr/>
+          <p:nvPr/>
+        </p:nvSpPr>
+        <p:spPr>
+          <a:xfrm>
+            <a:off x="6565465" y="2998352"/>
+            <a:ext cx="1182254" cy="1182254"/>
+          </a:xfrm>
+          <a:prstGeom prst="rect">
+            <a:avLst/>
+          </a:prstGeom>
+          <a:noFill/>
+          <a:ln w="19050">
+            <a:noFill/>
           </a:ln>
         </p:spPr>
         <p:style>
@@ -11834,64 +11675,12 @@
           </a:p>
         </p:txBody>
       </p:sp>
-      <p:sp>
-        <p:nvSpPr>
-          <p:cNvPr id="11" name="Rectangle 10">
-            <a:extLst>
-              <a:ext uri="{FF2B5EF4-FFF2-40B4-BE49-F238E27FC236}">
-                <a16:creationId xmlns:a16="http://schemas.microsoft.com/office/drawing/2014/main" id="{8E2E6654-CC92-4CE0-938B-E385DD361A79}"/>
-              </a:ext>
-            </a:extLst>
-          </p:cNvPr>
-          <p:cNvSpPr/>
-          <p:nvPr/>
-        </p:nvSpPr>
-        <p:spPr>
-          <a:xfrm>
-            <a:off x="6565465" y="2998352"/>
-            <a:ext cx="1182254" cy="1182254"/>
-          </a:xfrm>
-          <a:prstGeom prst="rect">
-            <a:avLst/>
-          </a:prstGeom>
-          <a:noFill/>
-          <a:ln w="19050">
-            <a:solidFill>
-              <a:schemeClr val="tx1"/>
-            </a:solidFill>
-          </a:ln>
-        </p:spPr>
-        <p:style>
-          <a:lnRef idx="2">
-            <a:schemeClr val="accent1">
-              <a:shade val="50000"/>
-            </a:schemeClr>
-          </a:lnRef>
-          <a:fillRef idx="1">
-            <a:schemeClr val="accent1"/>
-          </a:fillRef>
-          <a:effectRef idx="0">
-            <a:schemeClr val="accent1"/>
-          </a:effectRef>
-          <a:fontRef idx="minor">
-            <a:schemeClr val="lt1"/>
-          </a:fontRef>
-        </p:style>
-        <p:txBody>
-          <a:bodyPr rtlCol="0" anchor="ctr"/>
-          <a:lstStyle/>
-          <a:p>
-            <a:pPr algn="ctr"/>
-            <a:endParaRPr lang="LID4096"/>
-          </a:p>
-        </p:txBody>
-      </p:sp>
       <p:cxnSp>
         <p:nvCxnSpPr>
           <p:cNvPr id="12" name="Straight Arrow Connector 11">
             <a:extLst>
               <a:ext uri="{FF2B5EF4-FFF2-40B4-BE49-F238E27FC236}">
-                <a16:creationId xmlns:a16="http://schemas.microsoft.com/office/drawing/2014/main" id="{7E9C0D63-D8B2-4030-9986-D5F92F343472}"/>
+                <a16:creationId xmlns:a16="http://schemas.microsoft.com/office/drawing/2014/main" id="{E8423E2D-7219-4656-9BB3-9F5AED1E564D}"/>
               </a:ext>
             </a:extLst>
           </p:cNvPr>
@@ -11900,7 +11689,7 @@
         </p:nvCxnSpPr>
         <p:spPr>
           <a:xfrm flipH="1">
-            <a:off x="7036527" y="1759129"/>
+            <a:off x="7036528" y="3587308"/>
             <a:ext cx="217714" cy="0"/>
           </a:xfrm>
           <a:prstGeom prst="straightConnector1">
@@ -11933,7 +11722,7 @@
           <p:cNvPr id="13" name="Straight Arrow Connector 12">
             <a:extLst>
               <a:ext uri="{FF2B5EF4-FFF2-40B4-BE49-F238E27FC236}">
-                <a16:creationId xmlns:a16="http://schemas.microsoft.com/office/drawing/2014/main" id="{1C6075D7-50CF-4B7B-9E85-062DD2D88260}"/>
+                <a16:creationId xmlns:a16="http://schemas.microsoft.com/office/drawing/2014/main" id="{9D7DC36D-C30D-49AF-83A2-0871F7BABA2B}"/>
               </a:ext>
             </a:extLst>
           </p:cNvPr>
@@ -11943,8 +11732,8 @@
           <p:nvPr/>
         </p:nvCxnSpPr>
         <p:spPr>
-          <a:xfrm rot="10800000" flipH="1">
-            <a:off x="7036527" y="1773434"/>
+          <a:xfrm>
+            <a:off x="7036528" y="3587308"/>
             <a:ext cx="217714" cy="0"/>
           </a:xfrm>
           <a:prstGeom prst="straightConnector1">
@@ -11975,7 +11764,7 @@
     </p:spTree>
     <p:extLst>
       <p:ext uri="{BB962C8B-B14F-4D97-AF65-F5344CB8AC3E}">
-        <p14:creationId xmlns:p14="http://schemas.microsoft.com/office/powerpoint/2010/main" val="3952862144"/>
+        <p14:creationId xmlns:p14="http://schemas.microsoft.com/office/powerpoint/2010/main" val="2143867250"/>
       </p:ext>
     </p:extLst>
   </p:cSld>
@@ -12024,9 +11813,7 @@
           </a:prstGeom>
           <a:noFill/>
           <a:ln w="19050">
-            <a:solidFill>
-              <a:schemeClr val="tx1"/>
-            </a:solidFill>
+            <a:noFill/>
           </a:ln>
         </p:spPr>
         <p:style>
@@ -12076,9 +11863,7 @@
           </a:prstGeom>
           <a:noFill/>
           <a:ln w="19050">
-            <a:solidFill>
-              <a:schemeClr val="tx1"/>
-            </a:solidFill>
+            <a:noFill/>
           </a:ln>
         </p:spPr>
         <p:style>
@@ -12128,9 +11913,7 @@
           </a:prstGeom>
           <a:noFill/>
           <a:ln w="19050">
-            <a:solidFill>
-              <a:schemeClr val="tx1"/>
-            </a:solidFill>
+            <a:noFill/>
           </a:ln>
         </p:spPr>
         <p:style>
@@ -12180,9 +11963,7 @@
           </a:prstGeom>
           <a:noFill/>
           <a:ln w="19050">
-            <a:solidFill>
-              <a:schemeClr val="tx1"/>
-            </a:solidFill>
+            <a:noFill/>
           </a:ln>
         </p:spPr>
         <p:style>
@@ -12232,9 +12013,7 @@
           </a:prstGeom>
           <a:noFill/>
           <a:ln w="19050">
-            <a:solidFill>
-              <a:schemeClr val="tx1"/>
-            </a:solidFill>
+            <a:noFill/>
           </a:ln>
         </p:spPr>
         <p:style>
@@ -12284,9 +12063,57 @@
           </a:prstGeom>
           <a:noFill/>
           <a:ln w="19050">
-            <a:solidFill>
-              <a:schemeClr val="tx1"/>
-            </a:solidFill>
+            <a:noFill/>
+          </a:ln>
+        </p:spPr>
+        <p:style>
+          <a:lnRef idx="2">
+            <a:schemeClr val="accent1">
+              <a:shade val="50000"/>
+            </a:schemeClr>
+          </a:lnRef>
+          <a:fillRef idx="1">
+            <a:schemeClr val="accent1"/>
+          </a:fillRef>
+          <a:effectRef idx="0">
+            <a:schemeClr val="accent1"/>
+          </a:effectRef>
+          <a:fontRef idx="minor">
+            <a:schemeClr val="lt1"/>
+          </a:fontRef>
+        </p:style>
+        <p:txBody>
+          <a:bodyPr rtlCol="0" anchor="ctr"/>
+          <a:lstStyle/>
+          <a:p>
+            <a:pPr algn="ctr"/>
+            <a:endParaRPr lang="LID4096"/>
+          </a:p>
+        </p:txBody>
+      </p:sp>
+      <p:sp>
+        <p:nvSpPr>
+          <p:cNvPr id="10" name="Rectangle 9">
+            <a:extLst>
+              <a:ext uri="{FF2B5EF4-FFF2-40B4-BE49-F238E27FC236}">
+                <a16:creationId xmlns:a16="http://schemas.microsoft.com/office/drawing/2014/main" id="{D116F38A-E07F-4B4A-A928-F7666AEAFE55}"/>
+              </a:ext>
+            </a:extLst>
+          </p:cNvPr>
+          <p:cNvSpPr/>
+          <p:nvPr/>
+        </p:nvSpPr>
+        <p:spPr>
+          <a:xfrm>
+            <a:off x="6565465" y="1157447"/>
+            <a:ext cx="1182254" cy="1182254"/>
+          </a:xfrm>
+          <a:prstGeom prst="rect">
+            <a:avLst/>
+          </a:prstGeom>
+          <a:noFill/>
+          <a:ln w="19050">
+            <a:noFill/>
           </a:ln>
         </p:spPr>
         <p:style>
@@ -12320,29 +12147,443 @@
       </p:sp>
       <p:sp>
         <p:nvSpPr>
-          <p:cNvPr id="10" name="Rectangle 9">
-            <a:extLst>
-              <a:ext uri="{FF2B5EF4-FFF2-40B4-BE49-F238E27FC236}">
-                <a16:creationId xmlns:a16="http://schemas.microsoft.com/office/drawing/2014/main" id="{D116F38A-E07F-4B4A-A928-F7666AEAFE55}"/>
-              </a:ext>
-            </a:extLst>
-          </p:cNvPr>
-          <p:cNvSpPr/>
-          <p:nvPr/>
-        </p:nvSpPr>
-        <p:spPr>
-          <a:xfrm>
-            <a:off x="6565465" y="1157447"/>
-            <a:ext cx="1182254" cy="1182254"/>
-          </a:xfrm>
-          <a:prstGeom prst="rect">
-            <a:avLst/>
-          </a:prstGeom>
-          <a:noFill/>
+          <p:cNvPr id="11" name="Rectangle 10">
+            <a:extLst>
+              <a:ext uri="{FF2B5EF4-FFF2-40B4-BE49-F238E27FC236}">
+                <a16:creationId xmlns:a16="http://schemas.microsoft.com/office/drawing/2014/main" id="{8E2E6654-CC92-4CE0-938B-E385DD361A79}"/>
+              </a:ext>
+            </a:extLst>
+          </p:cNvPr>
+          <p:cNvSpPr/>
+          <p:nvPr/>
+        </p:nvSpPr>
+        <p:spPr>
+          <a:xfrm>
+            <a:off x="6565465" y="2998352"/>
+            <a:ext cx="1182254" cy="1182254"/>
+          </a:xfrm>
+          <a:prstGeom prst="rect">
+            <a:avLst/>
+          </a:prstGeom>
+          <a:noFill/>
+          <a:ln w="19050">
+            <a:noFill/>
+          </a:ln>
+        </p:spPr>
+        <p:style>
+          <a:lnRef idx="2">
+            <a:schemeClr val="accent1">
+              <a:shade val="50000"/>
+            </a:schemeClr>
+          </a:lnRef>
+          <a:fillRef idx="1">
+            <a:schemeClr val="accent1"/>
+          </a:fillRef>
+          <a:effectRef idx="0">
+            <a:schemeClr val="accent1"/>
+          </a:effectRef>
+          <a:fontRef idx="minor">
+            <a:schemeClr val="lt1"/>
+          </a:fontRef>
+        </p:style>
+        <p:txBody>
+          <a:bodyPr rtlCol="0" anchor="ctr"/>
+          <a:lstStyle/>
+          <a:p>
+            <a:pPr algn="ctr"/>
+            <a:endParaRPr lang="LID4096"/>
+          </a:p>
+        </p:txBody>
+      </p:sp>
+      <p:cxnSp>
+        <p:nvCxnSpPr>
+          <p:cNvPr id="12" name="Straight Arrow Connector 11">
+            <a:extLst>
+              <a:ext uri="{FF2B5EF4-FFF2-40B4-BE49-F238E27FC236}">
+                <a16:creationId xmlns:a16="http://schemas.microsoft.com/office/drawing/2014/main" id="{7E9C0D63-D8B2-4030-9986-D5F92F343472}"/>
+              </a:ext>
+            </a:extLst>
+          </p:cNvPr>
+          <p:cNvCxnSpPr/>
+          <p:nvPr/>
+        </p:nvCxnSpPr>
+        <p:spPr>
+          <a:xfrm flipH="1">
+            <a:off x="7036527" y="1759129"/>
+            <a:ext cx="217714" cy="0"/>
+          </a:xfrm>
+          <a:prstGeom prst="straightConnector1">
+            <a:avLst/>
+          </a:prstGeom>
+          <a:ln w="19050">
+            <a:solidFill>
+              <a:schemeClr val="bg1"/>
+            </a:solidFill>
+            <a:tailEnd type="triangle"/>
+          </a:ln>
+        </p:spPr>
+        <p:style>
+          <a:lnRef idx="1">
+            <a:schemeClr val="accent1"/>
+          </a:lnRef>
+          <a:fillRef idx="0">
+            <a:schemeClr val="accent1"/>
+          </a:fillRef>
+          <a:effectRef idx="0">
+            <a:schemeClr val="accent1"/>
+          </a:effectRef>
+          <a:fontRef idx="minor">
+            <a:schemeClr val="tx1"/>
+          </a:fontRef>
+        </p:style>
+      </p:cxnSp>
+      <p:cxnSp>
+        <p:nvCxnSpPr>
+          <p:cNvPr id="13" name="Straight Arrow Connector 12">
+            <a:extLst>
+              <a:ext uri="{FF2B5EF4-FFF2-40B4-BE49-F238E27FC236}">
+                <a16:creationId xmlns:a16="http://schemas.microsoft.com/office/drawing/2014/main" id="{1C6075D7-50CF-4B7B-9E85-062DD2D88260}"/>
+              </a:ext>
+            </a:extLst>
+          </p:cNvPr>
+          <p:cNvCxnSpPr>
+            <a:cxnSpLocks/>
+          </p:cNvCxnSpPr>
+          <p:nvPr/>
+        </p:nvCxnSpPr>
+        <p:spPr>
+          <a:xfrm rot="10800000" flipH="1">
+            <a:off x="7036527" y="1773434"/>
+            <a:ext cx="217714" cy="0"/>
+          </a:xfrm>
+          <a:prstGeom prst="straightConnector1">
+            <a:avLst/>
+          </a:prstGeom>
           <a:ln w="19050">
             <a:solidFill>
               <a:schemeClr val="tx1"/>
             </a:solidFill>
+            <a:tailEnd type="triangle"/>
+          </a:ln>
+        </p:spPr>
+        <p:style>
+          <a:lnRef idx="1">
+            <a:schemeClr val="accent1"/>
+          </a:lnRef>
+          <a:fillRef idx="0">
+            <a:schemeClr val="accent1"/>
+          </a:fillRef>
+          <a:effectRef idx="0">
+            <a:schemeClr val="accent1"/>
+          </a:effectRef>
+          <a:fontRef idx="minor">
+            <a:schemeClr val="tx1"/>
+          </a:fontRef>
+        </p:style>
+      </p:cxnSp>
+    </p:spTree>
+    <p:extLst>
+      <p:ext uri="{BB962C8B-B14F-4D97-AF65-F5344CB8AC3E}">
+        <p14:creationId xmlns:p14="http://schemas.microsoft.com/office/powerpoint/2010/main" val="3952862144"/>
+      </p:ext>
+    </p:extLst>
+  </p:cSld>
+  <p:clrMapOvr>
+    <a:masterClrMapping/>
+  </p:clrMapOvr>
+</p:sld>
+</file>
+
+<file path=ppt/slides/slide26.xml><?xml version="1.0" encoding="utf-8"?>
+<p:sld xmlns:a="http://schemas.openxmlformats.org/drawingml/2006/main" xmlns:r="http://schemas.openxmlformats.org/officeDocument/2006/relationships" xmlns:p="http://schemas.openxmlformats.org/presentationml/2006/main">
+  <p:cSld>
+    <p:spTree>
+      <p:nvGrpSpPr>
+        <p:cNvPr id="1" name=""/>
+        <p:cNvGrpSpPr/>
+        <p:nvPr/>
+      </p:nvGrpSpPr>
+      <p:grpSpPr>
+        <a:xfrm>
+          <a:off x="0" y="0"/>
+          <a:ext cx="0" cy="0"/>
+          <a:chOff x="0" y="0"/>
+          <a:chExt cx="0" cy="0"/>
+        </a:xfrm>
+      </p:grpSpPr>
+      <p:sp>
+        <p:nvSpPr>
+          <p:cNvPr id="4" name="Rectangle 3">
+            <a:extLst>
+              <a:ext uri="{FF2B5EF4-FFF2-40B4-BE49-F238E27FC236}">
+                <a16:creationId xmlns:a16="http://schemas.microsoft.com/office/drawing/2014/main" id="{716C5456-621C-4CB2-957A-D06C49F6E38E}"/>
+              </a:ext>
+            </a:extLst>
+          </p:cNvPr>
+          <p:cNvSpPr/>
+          <p:nvPr/>
+        </p:nvSpPr>
+        <p:spPr>
+          <a:xfrm>
+            <a:off x="2911303" y="1157447"/>
+            <a:ext cx="1182254" cy="1182254"/>
+          </a:xfrm>
+          <a:prstGeom prst="rect">
+            <a:avLst/>
+          </a:prstGeom>
+          <a:noFill/>
+          <a:ln w="19050">
+            <a:noFill/>
+          </a:ln>
+        </p:spPr>
+        <p:style>
+          <a:lnRef idx="2">
+            <a:schemeClr val="accent1">
+              <a:shade val="50000"/>
+            </a:schemeClr>
+          </a:lnRef>
+          <a:fillRef idx="1">
+            <a:schemeClr val="accent1"/>
+          </a:fillRef>
+          <a:effectRef idx="0">
+            <a:schemeClr val="accent1"/>
+          </a:effectRef>
+          <a:fontRef idx="minor">
+            <a:schemeClr val="lt1"/>
+          </a:fontRef>
+        </p:style>
+        <p:txBody>
+          <a:bodyPr rtlCol="0" anchor="ctr"/>
+          <a:lstStyle/>
+          <a:p>
+            <a:pPr algn="ctr"/>
+            <a:endParaRPr lang="LID4096"/>
+          </a:p>
+        </p:txBody>
+      </p:sp>
+      <p:sp>
+        <p:nvSpPr>
+          <p:cNvPr id="5" name="Rectangle 4">
+            <a:extLst>
+              <a:ext uri="{FF2B5EF4-FFF2-40B4-BE49-F238E27FC236}">
+                <a16:creationId xmlns:a16="http://schemas.microsoft.com/office/drawing/2014/main" id="{DC9131F1-3C36-4952-AB50-21D9487F0039}"/>
+              </a:ext>
+            </a:extLst>
+          </p:cNvPr>
+          <p:cNvSpPr/>
+          <p:nvPr/>
+        </p:nvSpPr>
+        <p:spPr>
+          <a:xfrm>
+            <a:off x="2911303" y="2998352"/>
+            <a:ext cx="1182254" cy="1182254"/>
+          </a:xfrm>
+          <a:prstGeom prst="rect">
+            <a:avLst/>
+          </a:prstGeom>
+          <a:noFill/>
+          <a:ln w="19050">
+            <a:noFill/>
+          </a:ln>
+        </p:spPr>
+        <p:style>
+          <a:lnRef idx="2">
+            <a:schemeClr val="accent1">
+              <a:shade val="50000"/>
+            </a:schemeClr>
+          </a:lnRef>
+          <a:fillRef idx="1">
+            <a:schemeClr val="accent1"/>
+          </a:fillRef>
+          <a:effectRef idx="0">
+            <a:schemeClr val="accent1"/>
+          </a:effectRef>
+          <a:fontRef idx="minor">
+            <a:schemeClr val="lt1"/>
+          </a:fontRef>
+        </p:style>
+        <p:txBody>
+          <a:bodyPr rtlCol="0" anchor="ctr"/>
+          <a:lstStyle/>
+          <a:p>
+            <a:pPr algn="ctr"/>
+            <a:endParaRPr lang="LID4096"/>
+          </a:p>
+        </p:txBody>
+      </p:sp>
+      <p:sp>
+        <p:nvSpPr>
+          <p:cNvPr id="6" name="Rectangle 5">
+            <a:extLst>
+              <a:ext uri="{FF2B5EF4-FFF2-40B4-BE49-F238E27FC236}">
+                <a16:creationId xmlns:a16="http://schemas.microsoft.com/office/drawing/2014/main" id="{437AB641-AB0C-4469-AD2E-A7DA4A69C7B1}"/>
+              </a:ext>
+            </a:extLst>
+          </p:cNvPr>
+          <p:cNvSpPr/>
+          <p:nvPr/>
+        </p:nvSpPr>
+        <p:spPr>
+          <a:xfrm>
+            <a:off x="2911303" y="4839257"/>
+            <a:ext cx="1182254" cy="1182254"/>
+          </a:xfrm>
+          <a:prstGeom prst="rect">
+            <a:avLst/>
+          </a:prstGeom>
+          <a:noFill/>
+          <a:ln w="19050">
+            <a:noFill/>
+          </a:ln>
+        </p:spPr>
+        <p:style>
+          <a:lnRef idx="2">
+            <a:schemeClr val="accent1">
+              <a:shade val="50000"/>
+            </a:schemeClr>
+          </a:lnRef>
+          <a:fillRef idx="1">
+            <a:schemeClr val="accent1"/>
+          </a:fillRef>
+          <a:effectRef idx="0">
+            <a:schemeClr val="accent1"/>
+          </a:effectRef>
+          <a:fontRef idx="minor">
+            <a:schemeClr val="lt1"/>
+          </a:fontRef>
+        </p:style>
+        <p:txBody>
+          <a:bodyPr rtlCol="0" anchor="ctr"/>
+          <a:lstStyle/>
+          <a:p>
+            <a:pPr algn="ctr"/>
+            <a:endParaRPr lang="LID4096"/>
+          </a:p>
+        </p:txBody>
+      </p:sp>
+      <p:sp>
+        <p:nvSpPr>
+          <p:cNvPr id="7" name="Rectangle 6">
+            <a:extLst>
+              <a:ext uri="{FF2B5EF4-FFF2-40B4-BE49-F238E27FC236}">
+                <a16:creationId xmlns:a16="http://schemas.microsoft.com/office/drawing/2014/main" id="{B3694913-6DA0-404E-96BB-F152D3921DC7}"/>
+              </a:ext>
+            </a:extLst>
+          </p:cNvPr>
+          <p:cNvSpPr/>
+          <p:nvPr/>
+        </p:nvSpPr>
+        <p:spPr>
+          <a:xfrm>
+            <a:off x="4738384" y="4839257"/>
+            <a:ext cx="1182254" cy="1182254"/>
+          </a:xfrm>
+          <a:prstGeom prst="rect">
+            <a:avLst/>
+          </a:prstGeom>
+          <a:noFill/>
+          <a:ln w="19050">
+            <a:noFill/>
+          </a:ln>
+        </p:spPr>
+        <p:style>
+          <a:lnRef idx="2">
+            <a:schemeClr val="accent1">
+              <a:shade val="50000"/>
+            </a:schemeClr>
+          </a:lnRef>
+          <a:fillRef idx="1">
+            <a:schemeClr val="accent1"/>
+          </a:fillRef>
+          <a:effectRef idx="0">
+            <a:schemeClr val="accent1"/>
+          </a:effectRef>
+          <a:fontRef idx="minor">
+            <a:schemeClr val="lt1"/>
+          </a:fontRef>
+        </p:style>
+        <p:txBody>
+          <a:bodyPr rtlCol="0" anchor="ctr"/>
+          <a:lstStyle/>
+          <a:p>
+            <a:pPr algn="ctr"/>
+            <a:endParaRPr lang="LID4096"/>
+          </a:p>
+        </p:txBody>
+      </p:sp>
+      <p:sp>
+        <p:nvSpPr>
+          <p:cNvPr id="8" name="Rectangle 7">
+            <a:extLst>
+              <a:ext uri="{FF2B5EF4-FFF2-40B4-BE49-F238E27FC236}">
+                <a16:creationId xmlns:a16="http://schemas.microsoft.com/office/drawing/2014/main" id="{5A984827-D88E-46E0-8504-F53796FD4C8D}"/>
+              </a:ext>
+            </a:extLst>
+          </p:cNvPr>
+          <p:cNvSpPr/>
+          <p:nvPr/>
+        </p:nvSpPr>
+        <p:spPr>
+          <a:xfrm>
+            <a:off x="6565465" y="4839257"/>
+            <a:ext cx="1182254" cy="1182254"/>
+          </a:xfrm>
+          <a:prstGeom prst="rect">
+            <a:avLst/>
+          </a:prstGeom>
+          <a:noFill/>
+          <a:ln w="19050">
+            <a:noFill/>
+          </a:ln>
+        </p:spPr>
+        <p:style>
+          <a:lnRef idx="2">
+            <a:schemeClr val="accent1">
+              <a:shade val="50000"/>
+            </a:schemeClr>
+          </a:lnRef>
+          <a:fillRef idx="1">
+            <a:schemeClr val="accent1"/>
+          </a:fillRef>
+          <a:effectRef idx="0">
+            <a:schemeClr val="accent1"/>
+          </a:effectRef>
+          <a:fontRef idx="minor">
+            <a:schemeClr val="lt1"/>
+          </a:fontRef>
+        </p:style>
+        <p:txBody>
+          <a:bodyPr rtlCol="0" anchor="ctr"/>
+          <a:lstStyle/>
+          <a:p>
+            <a:pPr algn="ctr"/>
+            <a:endParaRPr lang="LID4096"/>
+          </a:p>
+        </p:txBody>
+      </p:sp>
+      <p:sp>
+        <p:nvSpPr>
+          <p:cNvPr id="9" name="Rectangle 8">
+            <a:extLst>
+              <a:ext uri="{FF2B5EF4-FFF2-40B4-BE49-F238E27FC236}">
+                <a16:creationId xmlns:a16="http://schemas.microsoft.com/office/drawing/2014/main" id="{7A9F38C5-3172-4C88-BEB9-78B1C80CB300}"/>
+              </a:ext>
+            </a:extLst>
+          </p:cNvPr>
+          <p:cNvSpPr/>
+          <p:nvPr/>
+        </p:nvSpPr>
+        <p:spPr>
+          <a:xfrm>
+            <a:off x="4738384" y="1157447"/>
+            <a:ext cx="1182254" cy="1182254"/>
+          </a:xfrm>
+          <a:prstGeom prst="rect">
+            <a:avLst/>
+          </a:prstGeom>
+          <a:noFill/>
+          <a:ln w="19050">
+            <a:noFill/>
           </a:ln>
         </p:spPr>
         <p:style>
@@ -12376,6 +12617,60 @@
       </p:sp>
       <p:sp>
         <p:nvSpPr>
+          <p:cNvPr id="10" name="Rectangle 9">
+            <a:extLst>
+              <a:ext uri="{FF2B5EF4-FFF2-40B4-BE49-F238E27FC236}">
+                <a16:creationId xmlns:a16="http://schemas.microsoft.com/office/drawing/2014/main" id="{D116F38A-E07F-4B4A-A928-F7666AEAFE55}"/>
+              </a:ext>
+            </a:extLst>
+          </p:cNvPr>
+          <p:cNvSpPr/>
+          <p:nvPr/>
+        </p:nvSpPr>
+        <p:spPr>
+          <a:xfrm>
+            <a:off x="6565465" y="1157447"/>
+            <a:ext cx="1182254" cy="1182254"/>
+          </a:xfrm>
+          <a:prstGeom prst="rect">
+            <a:avLst/>
+          </a:prstGeom>
+          <a:noFill/>
+          <a:ln w="19050">
+            <a:noFill/>
+          </a:ln>
+        </p:spPr>
+        <p:style>
+          <a:lnRef idx="2">
+            <a:schemeClr val="accent1">
+              <a:shade val="50000"/>
+            </a:schemeClr>
+          </a:lnRef>
+          <a:fillRef idx="1">
+            <a:schemeClr val="accent1"/>
+          </a:fillRef>
+          <a:effectRef idx="0">
+            <a:schemeClr val="accent1"/>
+          </a:effectRef>
+          <a:fontRef idx="minor">
+            <a:schemeClr val="lt1"/>
+          </a:fontRef>
+        </p:style>
+        <p:txBody>
+          <a:bodyPr rtlCol="0" anchor="ctr"/>
+          <a:lstStyle/>
+          <a:p>
+            <a:pPr algn="ctr"/>
+            <a:endParaRPr lang="LID4096" dirty="0">
+              <a:solidFill>
+                <a:schemeClr val="tx1"/>
+              </a:solidFill>
+            </a:endParaRPr>
+          </a:p>
+        </p:txBody>
+      </p:sp>
+      <p:sp>
+        <p:nvSpPr>
           <p:cNvPr id="11" name="Rectangle 10">
             <a:extLst>
               <a:ext uri="{FF2B5EF4-FFF2-40B4-BE49-F238E27FC236}">
@@ -12396,9 +12691,7 @@
           </a:prstGeom>
           <a:noFill/>
           <a:ln w="19050">
-            <a:solidFill>
-              <a:schemeClr val="tx1"/>
-            </a:solidFill>
+            <a:noFill/>
           </a:ln>
         </p:spPr>
         <p:style>
@@ -12565,59 +12858,7 @@
           <a:noFill/>
           <a:ln w="19050">
             <a:solidFill>
-              <a:schemeClr val="tx1"/>
-            </a:solidFill>
-          </a:ln>
-        </p:spPr>
-        <p:style>
-          <a:lnRef idx="2">
-            <a:schemeClr val="accent1">
-              <a:shade val="50000"/>
-            </a:schemeClr>
-          </a:lnRef>
-          <a:fillRef idx="1">
-            <a:schemeClr val="accent1"/>
-          </a:fillRef>
-          <a:effectRef idx="0">
-            <a:schemeClr val="accent1"/>
-          </a:effectRef>
-          <a:fontRef idx="minor">
-            <a:schemeClr val="lt1"/>
-          </a:fontRef>
-        </p:style>
-        <p:txBody>
-          <a:bodyPr rtlCol="0" anchor="ctr"/>
-          <a:lstStyle/>
-          <a:p>
-            <a:pPr algn="ctr"/>
-            <a:endParaRPr lang="LID4096"/>
-          </a:p>
-        </p:txBody>
-      </p:sp>
-      <p:sp>
-        <p:nvSpPr>
-          <p:cNvPr id="5" name="Rectangle 4">
-            <a:extLst>
-              <a:ext uri="{FF2B5EF4-FFF2-40B4-BE49-F238E27FC236}">
-                <a16:creationId xmlns:a16="http://schemas.microsoft.com/office/drawing/2014/main" id="{DC9131F1-3C36-4952-AB50-21D9487F0039}"/>
-              </a:ext>
-            </a:extLst>
-          </p:cNvPr>
-          <p:cNvSpPr/>
-          <p:nvPr/>
-        </p:nvSpPr>
-        <p:spPr>
-          <a:xfrm>
-            <a:off x="2911303" y="2998352"/>
-            <a:ext cx="1182254" cy="1182254"/>
-          </a:xfrm>
-          <a:prstGeom prst="rect">
-            <a:avLst/>
-          </a:prstGeom>
-          <a:noFill/>
-          <a:ln w="19050">
-            <a:solidFill>
-              <a:schemeClr val="tx1"/>
+              <a:schemeClr val="bg1"/>
             </a:solidFill>
           </a:ln>
         </p:spPr>
@@ -12660,6 +12901,58 @@
       </p:sp>
       <p:sp>
         <p:nvSpPr>
+          <p:cNvPr id="5" name="Rectangle 4">
+            <a:extLst>
+              <a:ext uri="{FF2B5EF4-FFF2-40B4-BE49-F238E27FC236}">
+                <a16:creationId xmlns:a16="http://schemas.microsoft.com/office/drawing/2014/main" id="{DC9131F1-3C36-4952-AB50-21D9487F0039}"/>
+              </a:ext>
+            </a:extLst>
+          </p:cNvPr>
+          <p:cNvSpPr/>
+          <p:nvPr/>
+        </p:nvSpPr>
+        <p:spPr>
+          <a:xfrm>
+            <a:off x="2911303" y="2998352"/>
+            <a:ext cx="1182254" cy="1182254"/>
+          </a:xfrm>
+          <a:prstGeom prst="rect">
+            <a:avLst/>
+          </a:prstGeom>
+          <a:noFill/>
+          <a:ln w="19050">
+            <a:solidFill>
+              <a:schemeClr val="bg1"/>
+            </a:solidFill>
+          </a:ln>
+        </p:spPr>
+        <p:style>
+          <a:lnRef idx="2">
+            <a:schemeClr val="accent1">
+              <a:shade val="50000"/>
+            </a:schemeClr>
+          </a:lnRef>
+          <a:fillRef idx="1">
+            <a:schemeClr val="accent1"/>
+          </a:fillRef>
+          <a:effectRef idx="0">
+            <a:schemeClr val="accent1"/>
+          </a:effectRef>
+          <a:fontRef idx="minor">
+            <a:schemeClr val="lt1"/>
+          </a:fontRef>
+        </p:style>
+        <p:txBody>
+          <a:bodyPr rtlCol="0" anchor="ctr"/>
+          <a:lstStyle/>
+          <a:p>
+            <a:pPr algn="ctr"/>
+            <a:endParaRPr lang="LID4096"/>
+          </a:p>
+        </p:txBody>
+      </p:sp>
+      <p:sp>
+        <p:nvSpPr>
           <p:cNvPr id="6" name="Rectangle 5">
             <a:extLst>
               <a:ext uri="{FF2B5EF4-FFF2-40B4-BE49-F238E27FC236}">
@@ -12681,7 +12974,7 @@
           <a:noFill/>
           <a:ln w="19050">
             <a:solidFill>
-              <a:schemeClr val="tx1"/>
+              <a:schemeClr val="bg1"/>
             </a:solidFill>
           </a:ln>
         </p:spPr>
@@ -12706,11 +12999,7 @@
           <a:lstStyle/>
           <a:p>
             <a:pPr algn="ctr"/>
-            <a:endParaRPr lang="LID4096" dirty="0">
-              <a:solidFill>
-                <a:schemeClr val="tx1"/>
-              </a:solidFill>
-            </a:endParaRPr>
+            <a:endParaRPr lang="LID4096"/>
           </a:p>
         </p:txBody>
       </p:sp>
@@ -12737,7 +13026,7 @@
           <a:noFill/>
           <a:ln w="19050">
             <a:solidFill>
-              <a:schemeClr val="tx1"/>
+              <a:schemeClr val="bg1"/>
             </a:solidFill>
           </a:ln>
         </p:spPr>
@@ -12762,11 +13051,7 @@
           <a:lstStyle/>
           <a:p>
             <a:pPr algn="ctr"/>
-            <a:endParaRPr lang="LID4096" dirty="0">
-              <a:solidFill>
-                <a:schemeClr val="tx1"/>
-              </a:solidFill>
-            </a:endParaRPr>
+            <a:endParaRPr lang="LID4096"/>
           </a:p>
         </p:txBody>
       </p:sp>
@@ -12793,7 +13078,7 @@
           <a:noFill/>
           <a:ln w="19050">
             <a:solidFill>
-              <a:schemeClr val="tx1"/>
+              <a:schemeClr val="bg1"/>
             </a:solidFill>
           </a:ln>
         </p:spPr>
@@ -12818,11 +13103,7 @@
           <a:lstStyle/>
           <a:p>
             <a:pPr algn="ctr"/>
-            <a:endParaRPr lang="LID4096" dirty="0">
-              <a:solidFill>
-                <a:schemeClr val="tx1"/>
-              </a:solidFill>
-            </a:endParaRPr>
+            <a:endParaRPr lang="LID4096"/>
           </a:p>
         </p:txBody>
       </p:sp>
@@ -12849,7 +13130,7 @@
           <a:noFill/>
           <a:ln w="19050">
             <a:solidFill>
-              <a:schemeClr val="tx1"/>
+              <a:schemeClr val="bg1"/>
             </a:solidFill>
           </a:ln>
         </p:spPr>
@@ -12901,7 +13182,7 @@
           <a:noFill/>
           <a:ln w="19050">
             <a:solidFill>
-              <a:schemeClr val="tx1"/>
+              <a:schemeClr val="bg1"/>
             </a:solidFill>
           </a:ln>
         </p:spPr>
@@ -12953,7 +13234,7 @@
           <a:noFill/>
           <a:ln w="19050">
             <a:solidFill>
-              <a:schemeClr val="tx1"/>
+              <a:schemeClr val="bg1"/>
             </a:solidFill>
           </a:ln>
         </p:spPr>
@@ -12985,7 +13266,7 @@
     </p:spTree>
     <p:extLst>
       <p:ext uri="{BB962C8B-B14F-4D97-AF65-F5344CB8AC3E}">
-        <p14:creationId xmlns:p14="http://schemas.microsoft.com/office/powerpoint/2010/main" val="1911038998"/>
+        <p14:creationId xmlns:p14="http://schemas.microsoft.com/office/powerpoint/2010/main" val="1713171939"/>
       </p:ext>
     </p:extLst>
   </p:cSld>
@@ -13034,9 +13315,7 @@
           </a:prstGeom>
           <a:noFill/>
           <a:ln w="19050">
-            <a:solidFill>
-              <a:schemeClr val="tx1"/>
-            </a:solidFill>
+            <a:noFill/>
           </a:ln>
         </p:spPr>
         <p:style>
@@ -13086,61 +13365,7 @@
           </a:prstGeom>
           <a:noFill/>
           <a:ln w="19050">
-            <a:solidFill>
-              <a:schemeClr val="tx1"/>
-            </a:solidFill>
-          </a:ln>
-        </p:spPr>
-        <p:style>
-          <a:lnRef idx="2">
-            <a:schemeClr val="accent1">
-              <a:shade val="50000"/>
-            </a:schemeClr>
-          </a:lnRef>
-          <a:fillRef idx="1">
-            <a:schemeClr val="accent1"/>
-          </a:fillRef>
-          <a:effectRef idx="0">
-            <a:schemeClr val="accent1"/>
-          </a:effectRef>
-          <a:fontRef idx="minor">
-            <a:schemeClr val="lt1"/>
-          </a:fontRef>
-        </p:style>
-        <p:txBody>
-          <a:bodyPr rtlCol="0" anchor="ctr"/>
-          <a:lstStyle/>
-          <a:p>
-            <a:pPr algn="ctr"/>
-            <a:endParaRPr lang="LID4096"/>
-          </a:p>
-        </p:txBody>
-      </p:sp>
-      <p:sp>
-        <p:nvSpPr>
-          <p:cNvPr id="6" name="Rectangle 5">
-            <a:extLst>
-              <a:ext uri="{FF2B5EF4-FFF2-40B4-BE49-F238E27FC236}">
-                <a16:creationId xmlns:a16="http://schemas.microsoft.com/office/drawing/2014/main" id="{437AB641-AB0C-4469-AD2E-A7DA4A69C7B1}"/>
-              </a:ext>
-            </a:extLst>
-          </p:cNvPr>
-          <p:cNvSpPr/>
-          <p:nvPr/>
-        </p:nvSpPr>
-        <p:spPr>
-          <a:xfrm>
-            <a:off x="2911303" y="4839257"/>
-            <a:ext cx="1182254" cy="1182254"/>
-          </a:xfrm>
-          <a:prstGeom prst="rect">
-            <a:avLst/>
-          </a:prstGeom>
-          <a:noFill/>
-          <a:ln w="19050">
-            <a:solidFill>
-              <a:schemeClr val="tx1"/>
-            </a:solidFill>
+            <a:noFill/>
           </a:ln>
         </p:spPr>
         <p:style>
@@ -13182,6 +13407,60 @@
       </p:sp>
       <p:sp>
         <p:nvSpPr>
+          <p:cNvPr id="6" name="Rectangle 5">
+            <a:extLst>
+              <a:ext uri="{FF2B5EF4-FFF2-40B4-BE49-F238E27FC236}">
+                <a16:creationId xmlns:a16="http://schemas.microsoft.com/office/drawing/2014/main" id="{437AB641-AB0C-4469-AD2E-A7DA4A69C7B1}"/>
+              </a:ext>
+            </a:extLst>
+          </p:cNvPr>
+          <p:cNvSpPr/>
+          <p:nvPr/>
+        </p:nvSpPr>
+        <p:spPr>
+          <a:xfrm>
+            <a:off x="2911303" y="4839257"/>
+            <a:ext cx="1182254" cy="1182254"/>
+          </a:xfrm>
+          <a:prstGeom prst="rect">
+            <a:avLst/>
+          </a:prstGeom>
+          <a:noFill/>
+          <a:ln w="19050">
+            <a:noFill/>
+          </a:ln>
+        </p:spPr>
+        <p:style>
+          <a:lnRef idx="2">
+            <a:schemeClr val="accent1">
+              <a:shade val="50000"/>
+            </a:schemeClr>
+          </a:lnRef>
+          <a:fillRef idx="1">
+            <a:schemeClr val="accent1"/>
+          </a:fillRef>
+          <a:effectRef idx="0">
+            <a:schemeClr val="accent1"/>
+          </a:effectRef>
+          <a:fontRef idx="minor">
+            <a:schemeClr val="lt1"/>
+          </a:fontRef>
+        </p:style>
+        <p:txBody>
+          <a:bodyPr rtlCol="0" anchor="ctr"/>
+          <a:lstStyle/>
+          <a:p>
+            <a:pPr algn="ctr"/>
+            <a:endParaRPr lang="LID4096" dirty="0">
+              <a:solidFill>
+                <a:schemeClr val="tx1"/>
+              </a:solidFill>
+            </a:endParaRPr>
+          </a:p>
+        </p:txBody>
+      </p:sp>
+      <p:sp>
+        <p:nvSpPr>
           <p:cNvPr id="7" name="Rectangle 6">
             <a:extLst>
               <a:ext uri="{FF2B5EF4-FFF2-40B4-BE49-F238E27FC236}">
@@ -13202,33 +13481,35 @@
           </a:prstGeom>
           <a:noFill/>
           <a:ln w="19050">
-            <a:solidFill>
-              <a:schemeClr val="tx1"/>
-            </a:solidFill>
-          </a:ln>
-        </p:spPr>
-        <p:style>
-          <a:lnRef idx="2">
-            <a:schemeClr val="accent1">
-              <a:shade val="50000"/>
-            </a:schemeClr>
-          </a:lnRef>
-          <a:fillRef idx="1">
-            <a:schemeClr val="accent1"/>
-          </a:fillRef>
-          <a:effectRef idx="0">
-            <a:schemeClr val="accent1"/>
-          </a:effectRef>
-          <a:fontRef idx="minor">
-            <a:schemeClr val="lt1"/>
-          </a:fontRef>
-        </p:style>
-        <p:txBody>
-          <a:bodyPr rtlCol="0" anchor="ctr"/>
-          <a:lstStyle/>
-          <a:p>
-            <a:pPr algn="ctr"/>
-            <a:endParaRPr lang="LID4096"/>
+            <a:noFill/>
+          </a:ln>
+        </p:spPr>
+        <p:style>
+          <a:lnRef idx="2">
+            <a:schemeClr val="accent1">
+              <a:shade val="50000"/>
+            </a:schemeClr>
+          </a:lnRef>
+          <a:fillRef idx="1">
+            <a:schemeClr val="accent1"/>
+          </a:fillRef>
+          <a:effectRef idx="0">
+            <a:schemeClr val="accent1"/>
+          </a:effectRef>
+          <a:fontRef idx="minor">
+            <a:schemeClr val="lt1"/>
+          </a:fontRef>
+        </p:style>
+        <p:txBody>
+          <a:bodyPr rtlCol="0" anchor="ctr"/>
+          <a:lstStyle/>
+          <a:p>
+            <a:pPr algn="ctr"/>
+            <a:endParaRPr lang="LID4096" dirty="0">
+              <a:solidFill>
+                <a:schemeClr val="tx1"/>
+              </a:solidFill>
+            </a:endParaRPr>
           </a:p>
         </p:txBody>
       </p:sp>
@@ -13254,33 +13535,35 @@
           </a:prstGeom>
           <a:noFill/>
           <a:ln w="19050">
-            <a:solidFill>
-              <a:schemeClr val="tx1"/>
-            </a:solidFill>
-          </a:ln>
-        </p:spPr>
-        <p:style>
-          <a:lnRef idx="2">
-            <a:schemeClr val="accent1">
-              <a:shade val="50000"/>
-            </a:schemeClr>
-          </a:lnRef>
-          <a:fillRef idx="1">
-            <a:schemeClr val="accent1"/>
-          </a:fillRef>
-          <a:effectRef idx="0">
-            <a:schemeClr val="accent1"/>
-          </a:effectRef>
-          <a:fontRef idx="minor">
-            <a:schemeClr val="lt1"/>
-          </a:fontRef>
-        </p:style>
-        <p:txBody>
-          <a:bodyPr rtlCol="0" anchor="ctr"/>
-          <a:lstStyle/>
-          <a:p>
-            <a:pPr algn="ctr"/>
-            <a:endParaRPr lang="LID4096"/>
+            <a:noFill/>
+          </a:ln>
+        </p:spPr>
+        <p:style>
+          <a:lnRef idx="2">
+            <a:schemeClr val="accent1">
+              <a:shade val="50000"/>
+            </a:schemeClr>
+          </a:lnRef>
+          <a:fillRef idx="1">
+            <a:schemeClr val="accent1"/>
+          </a:fillRef>
+          <a:effectRef idx="0">
+            <a:schemeClr val="accent1"/>
+          </a:effectRef>
+          <a:fontRef idx="minor">
+            <a:schemeClr val="lt1"/>
+          </a:fontRef>
+        </p:style>
+        <p:txBody>
+          <a:bodyPr rtlCol="0" anchor="ctr"/>
+          <a:lstStyle/>
+          <a:p>
+            <a:pPr algn="ctr"/>
+            <a:endParaRPr lang="LID4096" dirty="0">
+              <a:solidFill>
+                <a:schemeClr val="tx1"/>
+              </a:solidFill>
+            </a:endParaRPr>
           </a:p>
         </p:txBody>
       </p:sp>
@@ -13306,9 +13589,7 @@
           </a:prstGeom>
           <a:noFill/>
           <a:ln w="19050">
-            <a:solidFill>
-              <a:schemeClr val="tx1"/>
-            </a:solidFill>
+            <a:noFill/>
           </a:ln>
         </p:spPr>
         <p:style>
@@ -13358,9 +13639,7 @@
           </a:prstGeom>
           <a:noFill/>
           <a:ln w="19050">
-            <a:solidFill>
-              <a:schemeClr val="tx1"/>
-            </a:solidFill>
+            <a:noFill/>
           </a:ln>
         </p:spPr>
         <p:style>
@@ -13410,9 +13689,7 @@
           </a:prstGeom>
           <a:noFill/>
           <a:ln w="19050">
-            <a:solidFill>
-              <a:schemeClr val="tx1"/>
-            </a:solidFill>
+            <a:noFill/>
           </a:ln>
         </p:spPr>
         <p:style>
@@ -13443,7 +13720,7 @@
     </p:spTree>
     <p:extLst>
       <p:ext uri="{BB962C8B-B14F-4D97-AF65-F5344CB8AC3E}">
-        <p14:creationId xmlns:p14="http://schemas.microsoft.com/office/powerpoint/2010/main" val="1711466820"/>
+        <p14:creationId xmlns:p14="http://schemas.microsoft.com/office/powerpoint/2010/main" val="1911038998"/>
       </p:ext>
     </p:extLst>
   </p:cSld>
@@ -13492,9 +13769,7 @@
           </a:prstGeom>
           <a:noFill/>
           <a:ln w="19050">
-            <a:solidFill>
-              <a:schemeClr val="tx1"/>
-            </a:solidFill>
+            <a:noFill/>
           </a:ln>
         </p:spPr>
         <p:style>
@@ -13544,9 +13819,7 @@
           </a:prstGeom>
           <a:noFill/>
           <a:ln w="19050">
-            <a:solidFill>
-              <a:schemeClr val="tx1"/>
-            </a:solidFill>
+            <a:noFill/>
           </a:ln>
         </p:spPr>
         <p:style>
@@ -13596,61 +13869,7 @@
           </a:prstGeom>
           <a:noFill/>
           <a:ln w="19050">
-            <a:solidFill>
-              <a:schemeClr val="tx1"/>
-            </a:solidFill>
-          </a:ln>
-        </p:spPr>
-        <p:style>
-          <a:lnRef idx="2">
-            <a:schemeClr val="accent1">
-              <a:shade val="50000"/>
-            </a:schemeClr>
-          </a:lnRef>
-          <a:fillRef idx="1">
-            <a:schemeClr val="accent1"/>
-          </a:fillRef>
-          <a:effectRef idx="0">
-            <a:schemeClr val="accent1"/>
-          </a:effectRef>
-          <a:fontRef idx="minor">
-            <a:schemeClr val="lt1"/>
-          </a:fontRef>
-        </p:style>
-        <p:txBody>
-          <a:bodyPr rtlCol="0" anchor="ctr"/>
-          <a:lstStyle/>
-          <a:p>
-            <a:pPr algn="ctr"/>
-            <a:endParaRPr lang="LID4096"/>
-          </a:p>
-        </p:txBody>
-      </p:sp>
-      <p:sp>
-        <p:nvSpPr>
-          <p:cNvPr id="7" name="Rectangle 6">
-            <a:extLst>
-              <a:ext uri="{FF2B5EF4-FFF2-40B4-BE49-F238E27FC236}">
-                <a16:creationId xmlns:a16="http://schemas.microsoft.com/office/drawing/2014/main" id="{B3694913-6DA0-404E-96BB-F152D3921DC7}"/>
-              </a:ext>
-            </a:extLst>
-          </p:cNvPr>
-          <p:cNvSpPr/>
-          <p:nvPr/>
-        </p:nvSpPr>
-        <p:spPr>
-          <a:xfrm>
-            <a:off x="4738384" y="4839257"/>
-            <a:ext cx="1182254" cy="1182254"/>
-          </a:xfrm>
-          <a:prstGeom prst="rect">
-            <a:avLst/>
-          </a:prstGeom>
-          <a:noFill/>
-          <a:ln w="19050">
-            <a:solidFill>
-              <a:schemeClr val="tx1"/>
-            </a:solidFill>
+            <a:noFill/>
           </a:ln>
         </p:spPr>
         <p:style>
@@ -13692,6 +13911,56 @@
       </p:sp>
       <p:sp>
         <p:nvSpPr>
+          <p:cNvPr id="7" name="Rectangle 6">
+            <a:extLst>
+              <a:ext uri="{FF2B5EF4-FFF2-40B4-BE49-F238E27FC236}">
+                <a16:creationId xmlns:a16="http://schemas.microsoft.com/office/drawing/2014/main" id="{B3694913-6DA0-404E-96BB-F152D3921DC7}"/>
+              </a:ext>
+            </a:extLst>
+          </p:cNvPr>
+          <p:cNvSpPr/>
+          <p:nvPr/>
+        </p:nvSpPr>
+        <p:spPr>
+          <a:xfrm>
+            <a:off x="4738384" y="4839257"/>
+            <a:ext cx="1182254" cy="1182254"/>
+          </a:xfrm>
+          <a:prstGeom prst="rect">
+            <a:avLst/>
+          </a:prstGeom>
+          <a:noFill/>
+          <a:ln w="19050">
+            <a:noFill/>
+          </a:ln>
+        </p:spPr>
+        <p:style>
+          <a:lnRef idx="2">
+            <a:schemeClr val="accent1">
+              <a:shade val="50000"/>
+            </a:schemeClr>
+          </a:lnRef>
+          <a:fillRef idx="1">
+            <a:schemeClr val="accent1"/>
+          </a:fillRef>
+          <a:effectRef idx="0">
+            <a:schemeClr val="accent1"/>
+          </a:effectRef>
+          <a:fontRef idx="minor">
+            <a:schemeClr val="lt1"/>
+          </a:fontRef>
+        </p:style>
+        <p:txBody>
+          <a:bodyPr rtlCol="0" anchor="ctr"/>
+          <a:lstStyle/>
+          <a:p>
+            <a:pPr algn="ctr"/>
+            <a:endParaRPr lang="LID4096"/>
+          </a:p>
+        </p:txBody>
+      </p:sp>
+      <p:sp>
+        <p:nvSpPr>
           <p:cNvPr id="8" name="Rectangle 7">
             <a:extLst>
               <a:ext uri="{FF2B5EF4-FFF2-40B4-BE49-F238E27FC236}">
@@ -13712,9 +13981,7 @@
           </a:prstGeom>
           <a:noFill/>
           <a:ln w="19050">
-            <a:solidFill>
-              <a:schemeClr val="tx1"/>
-            </a:solidFill>
+            <a:noFill/>
           </a:ln>
         </p:spPr>
         <p:style>
@@ -13764,9 +14031,7 @@
           </a:prstGeom>
           <a:noFill/>
           <a:ln w="19050">
-            <a:solidFill>
-              <a:schemeClr val="tx1"/>
-            </a:solidFill>
+            <a:noFill/>
           </a:ln>
         </p:spPr>
         <p:style>
@@ -13816,9 +14081,7 @@
           </a:prstGeom>
           <a:noFill/>
           <a:ln w="19050">
-            <a:solidFill>
-              <a:schemeClr val="tx1"/>
-            </a:solidFill>
+            <a:noFill/>
           </a:ln>
         </p:spPr>
         <p:style>
@@ -13868,9 +14131,7 @@
           </a:prstGeom>
           <a:noFill/>
           <a:ln w="19050">
-            <a:solidFill>
-              <a:schemeClr val="tx1"/>
-            </a:solidFill>
+            <a:noFill/>
           </a:ln>
         </p:spPr>
         <p:style>
@@ -13901,7 +14162,7 @@
     </p:spTree>
     <p:extLst>
       <p:ext uri="{BB962C8B-B14F-4D97-AF65-F5344CB8AC3E}">
-        <p14:creationId xmlns:p14="http://schemas.microsoft.com/office/powerpoint/2010/main" val="3182950257"/>
+        <p14:creationId xmlns:p14="http://schemas.microsoft.com/office/powerpoint/2010/main" val="1711466820"/>
       </p:ext>
     </p:extLst>
   </p:cSld>
@@ -13950,9 +14211,7 @@
           </a:prstGeom>
           <a:noFill/>
           <a:ln w="19050">
-            <a:solidFill>
-              <a:schemeClr val="tx1"/>
-            </a:solidFill>
+            <a:noFill/>
           </a:ln>
         </p:spPr>
         <p:style>
@@ -14002,9 +14261,7 @@
           </a:prstGeom>
           <a:noFill/>
           <a:ln w="19050">
-            <a:solidFill>
-              <a:schemeClr val="tx1"/>
-            </a:solidFill>
+            <a:noFill/>
           </a:ln>
         </p:spPr>
         <p:style>
@@ -14054,9 +14311,7 @@
           </a:prstGeom>
           <a:noFill/>
           <a:ln w="19050">
-            <a:solidFill>
-              <a:schemeClr val="tx1"/>
-            </a:solidFill>
+            <a:noFill/>
           </a:ln>
         </p:spPr>
         <p:style>
@@ -14106,61 +14361,7 @@
           </a:prstGeom>
           <a:noFill/>
           <a:ln w="19050">
-            <a:solidFill>
-              <a:schemeClr val="tx1"/>
-            </a:solidFill>
-          </a:ln>
-        </p:spPr>
-        <p:style>
-          <a:lnRef idx="2">
-            <a:schemeClr val="accent1">
-              <a:shade val="50000"/>
-            </a:schemeClr>
-          </a:lnRef>
-          <a:fillRef idx="1">
-            <a:schemeClr val="accent1"/>
-          </a:fillRef>
-          <a:effectRef idx="0">
-            <a:schemeClr val="accent1"/>
-          </a:effectRef>
-          <a:fontRef idx="minor">
-            <a:schemeClr val="lt1"/>
-          </a:fontRef>
-        </p:style>
-        <p:txBody>
-          <a:bodyPr rtlCol="0" anchor="ctr"/>
-          <a:lstStyle/>
-          <a:p>
-            <a:pPr algn="ctr"/>
-            <a:endParaRPr lang="LID4096"/>
-          </a:p>
-        </p:txBody>
-      </p:sp>
-      <p:sp>
-        <p:nvSpPr>
-          <p:cNvPr id="8" name="Rectangle 7">
-            <a:extLst>
-              <a:ext uri="{FF2B5EF4-FFF2-40B4-BE49-F238E27FC236}">
-                <a16:creationId xmlns:a16="http://schemas.microsoft.com/office/drawing/2014/main" id="{5A984827-D88E-46E0-8504-F53796FD4C8D}"/>
-              </a:ext>
-            </a:extLst>
-          </p:cNvPr>
-          <p:cNvSpPr/>
-          <p:nvPr/>
-        </p:nvSpPr>
-        <p:spPr>
-          <a:xfrm>
-            <a:off x="6565465" y="4839257"/>
-            <a:ext cx="1182254" cy="1182254"/>
-          </a:xfrm>
-          <a:prstGeom prst="rect">
-            <a:avLst/>
-          </a:prstGeom>
-          <a:noFill/>
-          <a:ln w="19050">
-            <a:solidFill>
-              <a:schemeClr val="tx1"/>
-            </a:solidFill>
+            <a:noFill/>
           </a:ln>
         </p:spPr>
         <p:style>
@@ -14202,6 +14403,56 @@
       </p:sp>
       <p:sp>
         <p:nvSpPr>
+          <p:cNvPr id="8" name="Rectangle 7">
+            <a:extLst>
+              <a:ext uri="{FF2B5EF4-FFF2-40B4-BE49-F238E27FC236}">
+                <a16:creationId xmlns:a16="http://schemas.microsoft.com/office/drawing/2014/main" id="{5A984827-D88E-46E0-8504-F53796FD4C8D}"/>
+              </a:ext>
+            </a:extLst>
+          </p:cNvPr>
+          <p:cNvSpPr/>
+          <p:nvPr/>
+        </p:nvSpPr>
+        <p:spPr>
+          <a:xfrm>
+            <a:off x="6565465" y="4839257"/>
+            <a:ext cx="1182254" cy="1182254"/>
+          </a:xfrm>
+          <a:prstGeom prst="rect">
+            <a:avLst/>
+          </a:prstGeom>
+          <a:noFill/>
+          <a:ln w="19050">
+            <a:noFill/>
+          </a:ln>
+        </p:spPr>
+        <p:style>
+          <a:lnRef idx="2">
+            <a:schemeClr val="accent1">
+              <a:shade val="50000"/>
+            </a:schemeClr>
+          </a:lnRef>
+          <a:fillRef idx="1">
+            <a:schemeClr val="accent1"/>
+          </a:fillRef>
+          <a:effectRef idx="0">
+            <a:schemeClr val="accent1"/>
+          </a:effectRef>
+          <a:fontRef idx="minor">
+            <a:schemeClr val="lt1"/>
+          </a:fontRef>
+        </p:style>
+        <p:txBody>
+          <a:bodyPr rtlCol="0" anchor="ctr"/>
+          <a:lstStyle/>
+          <a:p>
+            <a:pPr algn="ctr"/>
+            <a:endParaRPr lang="LID4096"/>
+          </a:p>
+        </p:txBody>
+      </p:sp>
+      <p:sp>
+        <p:nvSpPr>
           <p:cNvPr id="9" name="Rectangle 8">
             <a:extLst>
               <a:ext uri="{FF2B5EF4-FFF2-40B4-BE49-F238E27FC236}">
@@ -14222,9 +14473,7 @@
           </a:prstGeom>
           <a:noFill/>
           <a:ln w="19050">
-            <a:solidFill>
-              <a:schemeClr val="tx1"/>
-            </a:solidFill>
+            <a:noFill/>
           </a:ln>
         </p:spPr>
         <p:style>
@@ -14274,9 +14523,7 @@
           </a:prstGeom>
           <a:noFill/>
           <a:ln w="19050">
-            <a:solidFill>
-              <a:schemeClr val="tx1"/>
-            </a:solidFill>
+            <a:noFill/>
           </a:ln>
         </p:spPr>
         <p:style>
@@ -14326,9 +14573,7 @@
           </a:prstGeom>
           <a:noFill/>
           <a:ln w="19050">
-            <a:solidFill>
-              <a:schemeClr val="tx1"/>
-            </a:solidFill>
+            <a:noFill/>
           </a:ln>
         </p:spPr>
         <p:style>
@@ -14359,7 +14604,7 @@
     </p:spTree>
     <p:extLst>
       <p:ext uri="{BB962C8B-B14F-4D97-AF65-F5344CB8AC3E}">
-        <p14:creationId xmlns:p14="http://schemas.microsoft.com/office/powerpoint/2010/main" val="1493025017"/>
+        <p14:creationId xmlns:p14="http://schemas.microsoft.com/office/powerpoint/2010/main" val="3182950257"/>
       </p:ext>
     </p:extLst>
   </p:cSld>
@@ -14409,7 +14654,7 @@
           <a:noFill/>
           <a:ln w="19050">
             <a:solidFill>
-              <a:schemeClr val="tx1"/>
+              <a:schemeClr val="bg1"/>
             </a:solidFill>
           </a:ln>
         </p:spPr>
@@ -14461,7 +14706,7 @@
           <a:noFill/>
           <a:ln w="19050">
             <a:solidFill>
-              <a:schemeClr val="tx1"/>
+              <a:schemeClr val="bg1"/>
             </a:solidFill>
           </a:ln>
         </p:spPr>
@@ -14513,7 +14758,7 @@
           <a:noFill/>
           <a:ln w="19050">
             <a:solidFill>
-              <a:schemeClr val="tx1"/>
+              <a:schemeClr val="bg1"/>
             </a:solidFill>
           </a:ln>
         </p:spPr>
@@ -14565,7 +14810,7 @@
           <a:noFill/>
           <a:ln w="19050">
             <a:solidFill>
-              <a:schemeClr val="tx1"/>
+              <a:schemeClr val="bg1"/>
             </a:solidFill>
           </a:ln>
         </p:spPr>
@@ -14617,163 +14862,7 @@
           <a:noFill/>
           <a:ln w="19050">
             <a:solidFill>
-              <a:schemeClr val="tx1"/>
-            </a:solidFill>
-          </a:ln>
-        </p:spPr>
-        <p:style>
-          <a:lnRef idx="2">
-            <a:schemeClr val="accent1">
-              <a:shade val="50000"/>
-            </a:schemeClr>
-          </a:lnRef>
-          <a:fillRef idx="1">
-            <a:schemeClr val="accent1"/>
-          </a:fillRef>
-          <a:effectRef idx="0">
-            <a:schemeClr val="accent1"/>
-          </a:effectRef>
-          <a:fontRef idx="minor">
-            <a:schemeClr val="lt1"/>
-          </a:fontRef>
-        </p:style>
-        <p:txBody>
-          <a:bodyPr rtlCol="0" anchor="ctr"/>
-          <a:lstStyle/>
-          <a:p>
-            <a:pPr algn="ctr"/>
-            <a:endParaRPr lang="LID4096"/>
-          </a:p>
-        </p:txBody>
-      </p:sp>
-      <p:sp>
-        <p:nvSpPr>
-          <p:cNvPr id="9" name="Rectangle 8">
-            <a:extLst>
-              <a:ext uri="{FF2B5EF4-FFF2-40B4-BE49-F238E27FC236}">
-                <a16:creationId xmlns:a16="http://schemas.microsoft.com/office/drawing/2014/main" id="{7A9F38C5-3172-4C88-BEB9-78B1C80CB300}"/>
-              </a:ext>
-            </a:extLst>
-          </p:cNvPr>
-          <p:cNvSpPr/>
-          <p:nvPr/>
-        </p:nvSpPr>
-        <p:spPr>
-          <a:xfrm>
-            <a:off x="4738384" y="1157447"/>
-            <a:ext cx="1182254" cy="1182254"/>
-          </a:xfrm>
-          <a:prstGeom prst="rect">
-            <a:avLst/>
-          </a:prstGeom>
-          <a:noFill/>
-          <a:ln w="19050">
-            <a:solidFill>
-              <a:schemeClr val="tx1"/>
-            </a:solidFill>
-          </a:ln>
-        </p:spPr>
-        <p:style>
-          <a:lnRef idx="2">
-            <a:schemeClr val="accent1">
-              <a:shade val="50000"/>
-            </a:schemeClr>
-          </a:lnRef>
-          <a:fillRef idx="1">
-            <a:schemeClr val="accent1"/>
-          </a:fillRef>
-          <a:effectRef idx="0">
-            <a:schemeClr val="accent1"/>
-          </a:effectRef>
-          <a:fontRef idx="minor">
-            <a:schemeClr val="lt1"/>
-          </a:fontRef>
-        </p:style>
-        <p:txBody>
-          <a:bodyPr rtlCol="0" anchor="ctr"/>
-          <a:lstStyle/>
-          <a:p>
-            <a:pPr algn="ctr"/>
-            <a:endParaRPr lang="LID4096"/>
-          </a:p>
-        </p:txBody>
-      </p:sp>
-      <p:sp>
-        <p:nvSpPr>
-          <p:cNvPr id="10" name="Rectangle 9">
-            <a:extLst>
-              <a:ext uri="{FF2B5EF4-FFF2-40B4-BE49-F238E27FC236}">
-                <a16:creationId xmlns:a16="http://schemas.microsoft.com/office/drawing/2014/main" id="{D116F38A-E07F-4B4A-A928-F7666AEAFE55}"/>
-              </a:ext>
-            </a:extLst>
-          </p:cNvPr>
-          <p:cNvSpPr/>
-          <p:nvPr/>
-        </p:nvSpPr>
-        <p:spPr>
-          <a:xfrm>
-            <a:off x="6565465" y="1157447"/>
-            <a:ext cx="1182254" cy="1182254"/>
-          </a:xfrm>
-          <a:prstGeom prst="rect">
-            <a:avLst/>
-          </a:prstGeom>
-          <a:noFill/>
-          <a:ln w="19050">
-            <a:solidFill>
-              <a:schemeClr val="tx1"/>
-            </a:solidFill>
-          </a:ln>
-        </p:spPr>
-        <p:style>
-          <a:lnRef idx="2">
-            <a:schemeClr val="accent1">
-              <a:shade val="50000"/>
-            </a:schemeClr>
-          </a:lnRef>
-          <a:fillRef idx="1">
-            <a:schemeClr val="accent1"/>
-          </a:fillRef>
-          <a:effectRef idx="0">
-            <a:schemeClr val="accent1"/>
-          </a:effectRef>
-          <a:fontRef idx="minor">
-            <a:schemeClr val="lt1"/>
-          </a:fontRef>
-        </p:style>
-        <p:txBody>
-          <a:bodyPr rtlCol="0" anchor="ctr"/>
-          <a:lstStyle/>
-          <a:p>
-            <a:pPr algn="ctr"/>
-            <a:endParaRPr lang="LID4096"/>
-          </a:p>
-        </p:txBody>
-      </p:sp>
-      <p:sp>
-        <p:nvSpPr>
-          <p:cNvPr id="11" name="Rectangle 10">
-            <a:extLst>
-              <a:ext uri="{FF2B5EF4-FFF2-40B4-BE49-F238E27FC236}">
-                <a16:creationId xmlns:a16="http://schemas.microsoft.com/office/drawing/2014/main" id="{8E2E6654-CC92-4CE0-938B-E385DD361A79}"/>
-              </a:ext>
-            </a:extLst>
-          </p:cNvPr>
-          <p:cNvSpPr/>
-          <p:nvPr/>
-        </p:nvSpPr>
-        <p:spPr>
-          <a:xfrm>
-            <a:off x="6565465" y="2998352"/>
-            <a:ext cx="1182254" cy="1182254"/>
-          </a:xfrm>
-          <a:prstGeom prst="rect">
-            <a:avLst/>
-          </a:prstGeom>
-          <a:noFill/>
-          <a:ln w="19050">
-            <a:solidFill>
-              <a:schemeClr val="tx1"/>
+              <a:schemeClr val="bg1"/>
             </a:solidFill>
           </a:ln>
         </p:spPr>
@@ -14814,10 +14903,166 @@
           </a:p>
         </p:txBody>
       </p:sp>
+      <p:sp>
+        <p:nvSpPr>
+          <p:cNvPr id="9" name="Rectangle 8">
+            <a:extLst>
+              <a:ext uri="{FF2B5EF4-FFF2-40B4-BE49-F238E27FC236}">
+                <a16:creationId xmlns:a16="http://schemas.microsoft.com/office/drawing/2014/main" id="{7A9F38C5-3172-4C88-BEB9-78B1C80CB300}"/>
+              </a:ext>
+            </a:extLst>
+          </p:cNvPr>
+          <p:cNvSpPr/>
+          <p:nvPr/>
+        </p:nvSpPr>
+        <p:spPr>
+          <a:xfrm>
+            <a:off x="4738384" y="1157447"/>
+            <a:ext cx="1182254" cy="1182254"/>
+          </a:xfrm>
+          <a:prstGeom prst="rect">
+            <a:avLst/>
+          </a:prstGeom>
+          <a:noFill/>
+          <a:ln w="19050">
+            <a:solidFill>
+              <a:schemeClr val="bg1"/>
+            </a:solidFill>
+          </a:ln>
+        </p:spPr>
+        <p:style>
+          <a:lnRef idx="2">
+            <a:schemeClr val="accent1">
+              <a:shade val="50000"/>
+            </a:schemeClr>
+          </a:lnRef>
+          <a:fillRef idx="1">
+            <a:schemeClr val="accent1"/>
+          </a:fillRef>
+          <a:effectRef idx="0">
+            <a:schemeClr val="accent1"/>
+          </a:effectRef>
+          <a:fontRef idx="minor">
+            <a:schemeClr val="lt1"/>
+          </a:fontRef>
+        </p:style>
+        <p:txBody>
+          <a:bodyPr rtlCol="0" anchor="ctr"/>
+          <a:lstStyle/>
+          <a:p>
+            <a:pPr algn="ctr"/>
+            <a:endParaRPr lang="LID4096"/>
+          </a:p>
+        </p:txBody>
+      </p:sp>
+      <p:sp>
+        <p:nvSpPr>
+          <p:cNvPr id="10" name="Rectangle 9">
+            <a:extLst>
+              <a:ext uri="{FF2B5EF4-FFF2-40B4-BE49-F238E27FC236}">
+                <a16:creationId xmlns:a16="http://schemas.microsoft.com/office/drawing/2014/main" id="{D116F38A-E07F-4B4A-A928-F7666AEAFE55}"/>
+              </a:ext>
+            </a:extLst>
+          </p:cNvPr>
+          <p:cNvSpPr/>
+          <p:nvPr/>
+        </p:nvSpPr>
+        <p:spPr>
+          <a:xfrm>
+            <a:off x="6565465" y="1157447"/>
+            <a:ext cx="1182254" cy="1182254"/>
+          </a:xfrm>
+          <a:prstGeom prst="rect">
+            <a:avLst/>
+          </a:prstGeom>
+          <a:noFill/>
+          <a:ln w="19050">
+            <a:solidFill>
+              <a:schemeClr val="bg1"/>
+            </a:solidFill>
+          </a:ln>
+        </p:spPr>
+        <p:style>
+          <a:lnRef idx="2">
+            <a:schemeClr val="accent1">
+              <a:shade val="50000"/>
+            </a:schemeClr>
+          </a:lnRef>
+          <a:fillRef idx="1">
+            <a:schemeClr val="accent1"/>
+          </a:fillRef>
+          <a:effectRef idx="0">
+            <a:schemeClr val="accent1"/>
+          </a:effectRef>
+          <a:fontRef idx="minor">
+            <a:schemeClr val="lt1"/>
+          </a:fontRef>
+        </p:style>
+        <p:txBody>
+          <a:bodyPr rtlCol="0" anchor="ctr"/>
+          <a:lstStyle/>
+          <a:p>
+            <a:pPr algn="ctr"/>
+            <a:endParaRPr lang="LID4096"/>
+          </a:p>
+        </p:txBody>
+      </p:sp>
+      <p:sp>
+        <p:nvSpPr>
+          <p:cNvPr id="11" name="Rectangle 10">
+            <a:extLst>
+              <a:ext uri="{FF2B5EF4-FFF2-40B4-BE49-F238E27FC236}">
+                <a16:creationId xmlns:a16="http://schemas.microsoft.com/office/drawing/2014/main" id="{8E2E6654-CC92-4CE0-938B-E385DD361A79}"/>
+              </a:ext>
+            </a:extLst>
+          </p:cNvPr>
+          <p:cNvSpPr/>
+          <p:nvPr/>
+        </p:nvSpPr>
+        <p:spPr>
+          <a:xfrm>
+            <a:off x="6565465" y="2998352"/>
+            <a:ext cx="1182254" cy="1182254"/>
+          </a:xfrm>
+          <a:prstGeom prst="rect">
+            <a:avLst/>
+          </a:prstGeom>
+          <a:noFill/>
+          <a:ln w="19050">
+            <a:solidFill>
+              <a:schemeClr val="bg1"/>
+            </a:solidFill>
+          </a:ln>
+        </p:spPr>
+        <p:style>
+          <a:lnRef idx="2">
+            <a:schemeClr val="accent1">
+              <a:shade val="50000"/>
+            </a:schemeClr>
+          </a:lnRef>
+          <a:fillRef idx="1">
+            <a:schemeClr val="accent1"/>
+          </a:fillRef>
+          <a:effectRef idx="0">
+            <a:schemeClr val="accent1"/>
+          </a:effectRef>
+          <a:fontRef idx="minor">
+            <a:schemeClr val="lt1"/>
+          </a:fontRef>
+        </p:style>
+        <p:txBody>
+          <a:bodyPr rtlCol="0" anchor="ctr"/>
+          <a:lstStyle/>
+          <a:p>
+            <a:pPr algn="ctr"/>
+            <a:endParaRPr lang="LID4096"/>
+          </a:p>
+        </p:txBody>
+      </p:sp>
     </p:spTree>
     <p:extLst>
       <p:ext uri="{BB962C8B-B14F-4D97-AF65-F5344CB8AC3E}">
-        <p14:creationId xmlns:p14="http://schemas.microsoft.com/office/powerpoint/2010/main" val="2699450862"/>
+        <p14:creationId xmlns:p14="http://schemas.microsoft.com/office/powerpoint/2010/main" val="1493025017"/>
       </p:ext>
     </p:extLst>
   </p:cSld>
@@ -14866,9 +15111,7 @@
           </a:prstGeom>
           <a:noFill/>
           <a:ln w="19050">
-            <a:solidFill>
-              <a:schemeClr val="tx1"/>
-            </a:solidFill>
+            <a:noFill/>
           </a:ln>
         </p:spPr>
         <p:style>
@@ -14918,9 +15161,7 @@
           </a:prstGeom>
           <a:noFill/>
           <a:ln w="19050">
-            <a:solidFill>
-              <a:schemeClr val="tx1"/>
-            </a:solidFill>
+            <a:noFill/>
           </a:ln>
         </p:spPr>
         <p:style>
@@ -14970,9 +15211,7 @@
           </a:prstGeom>
           <a:noFill/>
           <a:ln w="19050">
-            <a:solidFill>
-              <a:schemeClr val="tx1"/>
-            </a:solidFill>
+            <a:noFill/>
           </a:ln>
         </p:spPr>
         <p:style>
@@ -15022,9 +15261,7 @@
           </a:prstGeom>
           <a:noFill/>
           <a:ln w="19050">
-            <a:solidFill>
-              <a:schemeClr val="tx1"/>
-            </a:solidFill>
+            <a:noFill/>
           </a:ln>
         </p:spPr>
         <p:style>
@@ -15074,9 +15311,7 @@
           </a:prstGeom>
           <a:noFill/>
           <a:ln w="19050">
-            <a:solidFill>
-              <a:schemeClr val="tx1"/>
-            </a:solidFill>
+            <a:noFill/>
           </a:ln>
         </p:spPr>
         <p:style>
@@ -15126,9 +15361,7 @@
           </a:prstGeom>
           <a:noFill/>
           <a:ln w="19050">
-            <a:solidFill>
-              <a:schemeClr val="tx1"/>
-            </a:solidFill>
+            <a:noFill/>
           </a:ln>
         </p:spPr>
         <p:style>
@@ -15178,9 +15411,57 @@
           </a:prstGeom>
           <a:noFill/>
           <a:ln w="19050">
-            <a:solidFill>
-              <a:schemeClr val="tx1"/>
-            </a:solidFill>
+            <a:noFill/>
+          </a:ln>
+        </p:spPr>
+        <p:style>
+          <a:lnRef idx="2">
+            <a:schemeClr val="accent1">
+              <a:shade val="50000"/>
+            </a:schemeClr>
+          </a:lnRef>
+          <a:fillRef idx="1">
+            <a:schemeClr val="accent1"/>
+          </a:fillRef>
+          <a:effectRef idx="0">
+            <a:schemeClr val="accent1"/>
+          </a:effectRef>
+          <a:fontRef idx="minor">
+            <a:schemeClr val="lt1"/>
+          </a:fontRef>
+        </p:style>
+        <p:txBody>
+          <a:bodyPr rtlCol="0" anchor="ctr"/>
+          <a:lstStyle/>
+          <a:p>
+            <a:pPr algn="ctr"/>
+            <a:endParaRPr lang="LID4096"/>
+          </a:p>
+        </p:txBody>
+      </p:sp>
+      <p:sp>
+        <p:nvSpPr>
+          <p:cNvPr id="11" name="Rectangle 10">
+            <a:extLst>
+              <a:ext uri="{FF2B5EF4-FFF2-40B4-BE49-F238E27FC236}">
+                <a16:creationId xmlns:a16="http://schemas.microsoft.com/office/drawing/2014/main" id="{8E2E6654-CC92-4CE0-938B-E385DD361A79}"/>
+              </a:ext>
+            </a:extLst>
+          </p:cNvPr>
+          <p:cNvSpPr/>
+          <p:nvPr/>
+        </p:nvSpPr>
+        <p:spPr>
+          <a:xfrm>
+            <a:off x="6565465" y="2998352"/>
+            <a:ext cx="1182254" cy="1182254"/>
+          </a:xfrm>
+          <a:prstGeom prst="rect">
+            <a:avLst/>
+          </a:prstGeom>
+          <a:noFill/>
+          <a:ln w="19050">
+            <a:noFill/>
           </a:ln>
         </p:spPr>
         <p:style>
@@ -15220,62 +15501,10 @@
           </a:p>
         </p:txBody>
       </p:sp>
-      <p:sp>
-        <p:nvSpPr>
-          <p:cNvPr id="11" name="Rectangle 10">
-            <a:extLst>
-              <a:ext uri="{FF2B5EF4-FFF2-40B4-BE49-F238E27FC236}">
-                <a16:creationId xmlns:a16="http://schemas.microsoft.com/office/drawing/2014/main" id="{8E2E6654-CC92-4CE0-938B-E385DD361A79}"/>
-              </a:ext>
-            </a:extLst>
-          </p:cNvPr>
-          <p:cNvSpPr/>
-          <p:nvPr/>
-        </p:nvSpPr>
-        <p:spPr>
-          <a:xfrm>
-            <a:off x="6565465" y="2998352"/>
-            <a:ext cx="1182254" cy="1182254"/>
-          </a:xfrm>
-          <a:prstGeom prst="rect">
-            <a:avLst/>
-          </a:prstGeom>
-          <a:noFill/>
-          <a:ln w="19050">
-            <a:solidFill>
-              <a:schemeClr val="tx1"/>
-            </a:solidFill>
-          </a:ln>
-        </p:spPr>
-        <p:style>
-          <a:lnRef idx="2">
-            <a:schemeClr val="accent1">
-              <a:shade val="50000"/>
-            </a:schemeClr>
-          </a:lnRef>
-          <a:fillRef idx="1">
-            <a:schemeClr val="accent1"/>
-          </a:fillRef>
-          <a:effectRef idx="0">
-            <a:schemeClr val="accent1"/>
-          </a:effectRef>
-          <a:fontRef idx="minor">
-            <a:schemeClr val="lt1"/>
-          </a:fontRef>
-        </p:style>
-        <p:txBody>
-          <a:bodyPr rtlCol="0" anchor="ctr"/>
-          <a:lstStyle/>
-          <a:p>
-            <a:pPr algn="ctr"/>
-            <a:endParaRPr lang="LID4096"/>
-          </a:p>
-        </p:txBody>
-      </p:sp>
     </p:spTree>
     <p:extLst>
       <p:ext uri="{BB962C8B-B14F-4D97-AF65-F5344CB8AC3E}">
-        <p14:creationId xmlns:p14="http://schemas.microsoft.com/office/powerpoint/2010/main" val="605064500"/>
+        <p14:creationId xmlns:p14="http://schemas.microsoft.com/office/powerpoint/2010/main" val="2699450862"/>
       </p:ext>
     </p:extLst>
   </p:cSld>
@@ -15324,9 +15553,7 @@
           </a:prstGeom>
           <a:noFill/>
           <a:ln w="19050">
-            <a:solidFill>
-              <a:schemeClr val="tx1"/>
-            </a:solidFill>
+            <a:noFill/>
           </a:ln>
         </p:spPr>
         <p:style>
@@ -15376,9 +15603,7 @@
           </a:prstGeom>
           <a:noFill/>
           <a:ln w="19050">
-            <a:solidFill>
-              <a:schemeClr val="tx1"/>
-            </a:solidFill>
+            <a:noFill/>
           </a:ln>
         </p:spPr>
         <p:style>
@@ -15428,9 +15653,7 @@
           </a:prstGeom>
           <a:noFill/>
           <a:ln w="19050">
-            <a:solidFill>
-              <a:schemeClr val="tx1"/>
-            </a:solidFill>
+            <a:noFill/>
           </a:ln>
         </p:spPr>
         <p:style>
@@ -15480,9 +15703,7 @@
           </a:prstGeom>
           <a:noFill/>
           <a:ln w="19050">
-            <a:solidFill>
-              <a:schemeClr val="tx1"/>
-            </a:solidFill>
+            <a:noFill/>
           </a:ln>
         </p:spPr>
         <p:style>
@@ -15532,9 +15753,7 @@
           </a:prstGeom>
           <a:noFill/>
           <a:ln w="19050">
-            <a:solidFill>
-              <a:schemeClr val="tx1"/>
-            </a:solidFill>
+            <a:noFill/>
           </a:ln>
         </p:spPr>
         <p:style>
@@ -15584,9 +15803,57 @@
           </a:prstGeom>
           <a:noFill/>
           <a:ln w="19050">
-            <a:solidFill>
-              <a:schemeClr val="tx1"/>
-            </a:solidFill>
+            <a:noFill/>
+          </a:ln>
+        </p:spPr>
+        <p:style>
+          <a:lnRef idx="2">
+            <a:schemeClr val="accent1">
+              <a:shade val="50000"/>
+            </a:schemeClr>
+          </a:lnRef>
+          <a:fillRef idx="1">
+            <a:schemeClr val="accent1"/>
+          </a:fillRef>
+          <a:effectRef idx="0">
+            <a:schemeClr val="accent1"/>
+          </a:effectRef>
+          <a:fontRef idx="minor">
+            <a:schemeClr val="lt1"/>
+          </a:fontRef>
+        </p:style>
+        <p:txBody>
+          <a:bodyPr rtlCol="0" anchor="ctr"/>
+          <a:lstStyle/>
+          <a:p>
+            <a:pPr algn="ctr"/>
+            <a:endParaRPr lang="LID4096"/>
+          </a:p>
+        </p:txBody>
+      </p:sp>
+      <p:sp>
+        <p:nvSpPr>
+          <p:cNvPr id="10" name="Rectangle 9">
+            <a:extLst>
+              <a:ext uri="{FF2B5EF4-FFF2-40B4-BE49-F238E27FC236}">
+                <a16:creationId xmlns:a16="http://schemas.microsoft.com/office/drawing/2014/main" id="{D116F38A-E07F-4B4A-A928-F7666AEAFE55}"/>
+              </a:ext>
+            </a:extLst>
+          </p:cNvPr>
+          <p:cNvSpPr/>
+          <p:nvPr/>
+        </p:nvSpPr>
+        <p:spPr>
+          <a:xfrm>
+            <a:off x="6565465" y="1157447"/>
+            <a:ext cx="1182254" cy="1182254"/>
+          </a:xfrm>
+          <a:prstGeom prst="rect">
+            <a:avLst/>
+          </a:prstGeom>
+          <a:noFill/>
+          <a:ln w="19050">
+            <a:noFill/>
           </a:ln>
         </p:spPr>
         <p:style>
@@ -15628,62 +15895,6 @@
       </p:sp>
       <p:sp>
         <p:nvSpPr>
-          <p:cNvPr id="10" name="Rectangle 9">
-            <a:extLst>
-              <a:ext uri="{FF2B5EF4-FFF2-40B4-BE49-F238E27FC236}">
-                <a16:creationId xmlns:a16="http://schemas.microsoft.com/office/drawing/2014/main" id="{D116F38A-E07F-4B4A-A928-F7666AEAFE55}"/>
-              </a:ext>
-            </a:extLst>
-          </p:cNvPr>
-          <p:cNvSpPr/>
-          <p:nvPr/>
-        </p:nvSpPr>
-        <p:spPr>
-          <a:xfrm>
-            <a:off x="6565465" y="1157447"/>
-            <a:ext cx="1182254" cy="1182254"/>
-          </a:xfrm>
-          <a:prstGeom prst="rect">
-            <a:avLst/>
-          </a:prstGeom>
-          <a:noFill/>
-          <a:ln w="19050">
-            <a:solidFill>
-              <a:schemeClr val="tx1"/>
-            </a:solidFill>
-          </a:ln>
-        </p:spPr>
-        <p:style>
-          <a:lnRef idx="2">
-            <a:schemeClr val="accent1">
-              <a:shade val="50000"/>
-            </a:schemeClr>
-          </a:lnRef>
-          <a:fillRef idx="1">
-            <a:schemeClr val="accent1"/>
-          </a:fillRef>
-          <a:effectRef idx="0">
-            <a:schemeClr val="accent1"/>
-          </a:effectRef>
-          <a:fontRef idx="minor">
-            <a:schemeClr val="lt1"/>
-          </a:fontRef>
-        </p:style>
-        <p:txBody>
-          <a:bodyPr rtlCol="0" anchor="ctr"/>
-          <a:lstStyle/>
-          <a:p>
-            <a:pPr algn="ctr"/>
-            <a:endParaRPr lang="LID4096" dirty="0">
-              <a:solidFill>
-                <a:schemeClr val="tx1"/>
-              </a:solidFill>
-            </a:endParaRPr>
-          </a:p>
-        </p:txBody>
-      </p:sp>
-      <p:sp>
-        <p:nvSpPr>
           <p:cNvPr id="11" name="Rectangle 10">
             <a:extLst>
               <a:ext uri="{FF2B5EF4-FFF2-40B4-BE49-F238E27FC236}">
@@ -15704,9 +15915,7 @@
           </a:prstGeom>
           <a:noFill/>
           <a:ln w="19050">
-            <a:solidFill>
-              <a:schemeClr val="tx1"/>
-            </a:solidFill>
+            <a:noFill/>
           </a:ln>
         </p:spPr>
         <p:style>
@@ -15737,7 +15946,7 @@
     </p:spTree>
     <p:extLst>
       <p:ext uri="{BB962C8B-B14F-4D97-AF65-F5344CB8AC3E}">
-        <p14:creationId xmlns:p14="http://schemas.microsoft.com/office/powerpoint/2010/main" val="1519419925"/>
+        <p14:creationId xmlns:p14="http://schemas.microsoft.com/office/powerpoint/2010/main" val="605064500"/>
       </p:ext>
     </p:extLst>
   </p:cSld>

--- a/attention_cueing/stimulus_maker.pptx
+++ b/attention_cueing/stimulus_maker.pptx
@@ -5,32 +5,24 @@
     <p:sldMasterId id="2147483648" r:id="rId1"/>
   </p:sldMasterIdLst>
   <p:sldIdLst>
-    <p:sldId id="257" r:id="rId2"/>
+    <p:sldId id="283" r:id="rId2"/>
     <p:sldId id="282" r:id="rId3"/>
-    <p:sldId id="258" r:id="rId4"/>
-    <p:sldId id="259" r:id="rId5"/>
-    <p:sldId id="260" r:id="rId6"/>
-    <p:sldId id="261" r:id="rId7"/>
-    <p:sldId id="262" r:id="rId8"/>
-    <p:sldId id="263" r:id="rId9"/>
-    <p:sldId id="264" r:id="rId10"/>
-    <p:sldId id="265" r:id="rId11"/>
-    <p:sldId id="266" r:id="rId12"/>
-    <p:sldId id="267" r:id="rId13"/>
-    <p:sldId id="268" r:id="rId14"/>
-    <p:sldId id="269" r:id="rId15"/>
-    <p:sldId id="270" r:id="rId16"/>
-    <p:sldId id="271" r:id="rId17"/>
-    <p:sldId id="272" r:id="rId18"/>
-    <p:sldId id="273" r:id="rId19"/>
-    <p:sldId id="274" r:id="rId20"/>
-    <p:sldId id="275" r:id="rId21"/>
-    <p:sldId id="276" r:id="rId22"/>
-    <p:sldId id="277" r:id="rId23"/>
-    <p:sldId id="278" r:id="rId24"/>
-    <p:sldId id="279" r:id="rId25"/>
-    <p:sldId id="280" r:id="rId26"/>
-    <p:sldId id="281" r:id="rId27"/>
+    <p:sldId id="266" r:id="rId4"/>
+    <p:sldId id="267" r:id="rId5"/>
+    <p:sldId id="268" r:id="rId6"/>
+    <p:sldId id="269" r:id="rId7"/>
+    <p:sldId id="270" r:id="rId8"/>
+    <p:sldId id="271" r:id="rId9"/>
+    <p:sldId id="272" r:id="rId10"/>
+    <p:sldId id="273" r:id="rId11"/>
+    <p:sldId id="274" r:id="rId12"/>
+    <p:sldId id="275" r:id="rId13"/>
+    <p:sldId id="276" r:id="rId14"/>
+    <p:sldId id="277" r:id="rId15"/>
+    <p:sldId id="278" r:id="rId16"/>
+    <p:sldId id="279" r:id="rId17"/>
+    <p:sldId id="280" r:id="rId18"/>
+    <p:sldId id="281" r:id="rId19"/>
   </p:sldIdLst>
   <p:sldSz cx="12192000" cy="6858000"/>
   <p:notesSz cx="6858000" cy="9144000"/>
@@ -131,7 +123,13 @@
   </p:defaultTextStyle>
   <p:extLst>
     <p:ext uri="{EFAFB233-063F-42B5-8137-9DF3F51BA10A}">
-      <p15:sldGuideLst xmlns:p15="http://schemas.microsoft.com/office/powerpoint/2012/main"/>
+      <p15:sldGuideLst xmlns:p15="http://schemas.microsoft.com/office/powerpoint/2012/main">
+        <p15:guide id="1" pos="5640" userDrawn="1">
+          <p15:clr>
+            <a:srgbClr val="A4A3A4"/>
+          </p15:clr>
+        </p15:guide>
+      </p15:sldGuideLst>
     </p:ext>
   </p:extLst>
 </p:presentation>
@@ -3398,7 +3396,7 @@
         </p:nvSpPr>
         <p:spPr>
           <a:xfrm>
-            <a:off x="2911303" y="1157447"/>
+            <a:off x="3283715" y="1563776"/>
             <a:ext cx="1182254" cy="1182254"/>
           </a:xfrm>
           <a:prstGeom prst="rect">
@@ -3407,7 +3405,7 @@
           <a:noFill/>
           <a:ln w="19050">
             <a:solidFill>
-              <a:schemeClr val="bg1"/>
+              <a:schemeClr val="tx1"/>
             </a:solidFill>
           </a:ln>
         </p:spPr>
@@ -3432,7 +3430,11 @@
           <a:lstStyle/>
           <a:p>
             <a:pPr algn="ctr"/>
-            <a:endParaRPr lang="LID4096"/>
+            <a:endParaRPr lang="LID4096" dirty="0">
+              <a:solidFill>
+                <a:schemeClr val="tx1"/>
+              </a:solidFill>
+            </a:endParaRPr>
           </a:p>
         </p:txBody>
       </p:sp>
@@ -3450,7 +3452,7 @@
         </p:nvSpPr>
         <p:spPr>
           <a:xfrm>
-            <a:off x="2911303" y="2998352"/>
+            <a:off x="2752682" y="2849062"/>
             <a:ext cx="1182254" cy="1182254"/>
           </a:xfrm>
           <a:prstGeom prst="rect">
@@ -3459,7 +3461,7 @@
           <a:noFill/>
           <a:ln w="19050">
             <a:solidFill>
-              <a:schemeClr val="bg1"/>
+              <a:schemeClr val="tx1"/>
             </a:solidFill>
           </a:ln>
         </p:spPr>
@@ -3484,7 +3486,11 @@
           <a:lstStyle/>
           <a:p>
             <a:pPr algn="ctr"/>
-            <a:endParaRPr lang="LID4096"/>
+            <a:endParaRPr lang="LID4096" dirty="0">
+              <a:solidFill>
+                <a:schemeClr val="tx1"/>
+              </a:solidFill>
+            </a:endParaRPr>
           </a:p>
         </p:txBody>
       </p:sp>
@@ -3502,7 +3508,7 @@
         </p:nvSpPr>
         <p:spPr>
           <a:xfrm>
-            <a:off x="2911303" y="4839257"/>
+            <a:off x="3283715" y="4131098"/>
             <a:ext cx="1182254" cy="1182254"/>
           </a:xfrm>
           <a:prstGeom prst="rect">
@@ -3511,7 +3517,7 @@
           <a:noFill/>
           <a:ln w="19050">
             <a:solidFill>
-              <a:schemeClr val="bg1"/>
+              <a:schemeClr val="tx1"/>
             </a:solidFill>
           </a:ln>
         </p:spPr>
@@ -3536,7 +3542,11 @@
           <a:lstStyle/>
           <a:p>
             <a:pPr algn="ctr"/>
-            <a:endParaRPr lang="LID4096"/>
+            <a:endParaRPr lang="LID4096" dirty="0">
+              <a:solidFill>
+                <a:schemeClr val="tx1"/>
+              </a:solidFill>
+            </a:endParaRPr>
           </a:p>
         </p:txBody>
       </p:sp>
@@ -3554,7 +3564,7 @@
         </p:nvSpPr>
         <p:spPr>
           <a:xfrm>
-            <a:off x="4738384" y="4839257"/>
+            <a:off x="4579763" y="4689967"/>
             <a:ext cx="1182254" cy="1182254"/>
           </a:xfrm>
           <a:prstGeom prst="rect">
@@ -3563,7 +3573,7 @@
           <a:noFill/>
           <a:ln w="19050">
             <a:solidFill>
-              <a:schemeClr val="bg1"/>
+              <a:schemeClr val="tx1"/>
             </a:solidFill>
           </a:ln>
         </p:spPr>
@@ -3588,7 +3598,11 @@
           <a:lstStyle/>
           <a:p>
             <a:pPr algn="ctr"/>
-            <a:endParaRPr lang="LID4096"/>
+            <a:endParaRPr lang="LID4096" dirty="0">
+              <a:solidFill>
+                <a:schemeClr val="tx1"/>
+              </a:solidFill>
+            </a:endParaRPr>
           </a:p>
         </p:txBody>
       </p:sp>
@@ -3606,7 +3620,7 @@
         </p:nvSpPr>
         <p:spPr>
           <a:xfrm>
-            <a:off x="6565465" y="4839257"/>
+            <a:off x="5875811" y="4131098"/>
             <a:ext cx="1182254" cy="1182254"/>
           </a:xfrm>
           <a:prstGeom prst="rect">
@@ -3615,7 +3629,7 @@
           <a:noFill/>
           <a:ln w="19050">
             <a:solidFill>
-              <a:schemeClr val="bg1"/>
+              <a:schemeClr val="tx1"/>
             </a:solidFill>
           </a:ln>
         </p:spPr>
@@ -3640,7 +3654,11 @@
           <a:lstStyle/>
           <a:p>
             <a:pPr algn="ctr"/>
-            <a:endParaRPr lang="LID4096"/>
+            <a:endParaRPr lang="LID4096" dirty="0">
+              <a:solidFill>
+                <a:schemeClr val="tx1"/>
+              </a:solidFill>
+            </a:endParaRPr>
           </a:p>
         </p:txBody>
       </p:sp>
@@ -3658,7 +3676,7 @@
         </p:nvSpPr>
         <p:spPr>
           <a:xfrm>
-            <a:off x="4738384" y="1157447"/>
+            <a:off x="4579763" y="1008157"/>
             <a:ext cx="1182254" cy="1182254"/>
           </a:xfrm>
           <a:prstGeom prst="rect">
@@ -3667,7 +3685,7 @@
           <a:noFill/>
           <a:ln w="19050">
             <a:solidFill>
-              <a:schemeClr val="bg1"/>
+              <a:schemeClr val="tx1"/>
             </a:solidFill>
           </a:ln>
         </p:spPr>
@@ -3692,7 +3710,11 @@
           <a:lstStyle/>
           <a:p>
             <a:pPr algn="ctr"/>
-            <a:endParaRPr lang="LID4096"/>
+            <a:endParaRPr lang="LID4096" dirty="0">
+              <a:solidFill>
+                <a:schemeClr val="tx1"/>
+              </a:solidFill>
+            </a:endParaRPr>
           </a:p>
         </p:txBody>
       </p:sp>
@@ -3710,7 +3732,7 @@
         </p:nvSpPr>
         <p:spPr>
           <a:xfrm>
-            <a:off x="6565465" y="1157447"/>
+            <a:off x="5875811" y="1567026"/>
             <a:ext cx="1182254" cy="1182254"/>
           </a:xfrm>
           <a:prstGeom prst="rect">
@@ -3719,7 +3741,7 @@
           <a:noFill/>
           <a:ln w="19050">
             <a:solidFill>
-              <a:schemeClr val="bg1"/>
+              <a:schemeClr val="tx1"/>
             </a:solidFill>
           </a:ln>
         </p:spPr>
@@ -3744,7 +3766,11 @@
           <a:lstStyle/>
           <a:p>
             <a:pPr algn="ctr"/>
-            <a:endParaRPr lang="LID4096"/>
+            <a:endParaRPr lang="LID4096" dirty="0">
+              <a:solidFill>
+                <a:schemeClr val="tx1"/>
+              </a:solidFill>
+            </a:endParaRPr>
           </a:p>
         </p:txBody>
       </p:sp>
@@ -3762,7 +3788,7 @@
         </p:nvSpPr>
         <p:spPr>
           <a:xfrm>
-            <a:off x="6565465" y="2998352"/>
+            <a:off x="6406844" y="2849062"/>
             <a:ext cx="1182254" cy="1182254"/>
           </a:xfrm>
           <a:prstGeom prst="rect">
@@ -3771,7 +3797,7 @@
           <a:noFill/>
           <a:ln w="19050">
             <a:solidFill>
-              <a:schemeClr val="bg1"/>
+              <a:schemeClr val="tx1"/>
             </a:solidFill>
           </a:ln>
         </p:spPr>
@@ -3796,16 +3822,20 @@
           <a:lstStyle/>
           <a:p>
             <a:pPr algn="ctr"/>
-            <a:endParaRPr lang="LID4096"/>
-          </a:p>
-        </p:txBody>
-      </p:sp>
-      <p:sp>
-        <p:nvSpPr>
-          <p:cNvPr id="2" name="TextBox 1">
-            <a:extLst>
-              <a:ext uri="{FF2B5EF4-FFF2-40B4-BE49-F238E27FC236}">
-                <a16:creationId xmlns:a16="http://schemas.microsoft.com/office/drawing/2014/main" id="{ABB61F85-62E0-4D7A-95E4-99D3D56CD5C0}"/>
+            <a:endParaRPr lang="LID4096" dirty="0">
+              <a:solidFill>
+                <a:schemeClr val="tx1"/>
+              </a:solidFill>
+            </a:endParaRPr>
+          </a:p>
+        </p:txBody>
+      </p:sp>
+      <p:sp>
+        <p:nvSpPr>
+          <p:cNvPr id="24" name="TextBox 23">
+            <a:extLst>
+              <a:ext uri="{FF2B5EF4-FFF2-40B4-BE49-F238E27FC236}">
+                <a16:creationId xmlns:a16="http://schemas.microsoft.com/office/drawing/2014/main" id="{272A6803-1028-4FFF-A84F-97B740A189FA}"/>
               </a:ext>
             </a:extLst>
           </p:cNvPr>
@@ -3814,7 +3844,7 @@
         </p:nvSpPr>
         <p:spPr>
           <a:xfrm>
-            <a:off x="5160234" y="3355783"/>
+            <a:off x="5001613" y="3209356"/>
             <a:ext cx="338554" cy="461665"/>
           </a:xfrm>
           <a:prstGeom prst="rect">
@@ -3839,7 +3869,7 @@
     </p:spTree>
     <p:extLst>
       <p:ext uri="{BB962C8B-B14F-4D97-AF65-F5344CB8AC3E}">
-        <p14:creationId xmlns:p14="http://schemas.microsoft.com/office/powerpoint/2010/main" val="1063814399"/>
+        <p14:creationId xmlns:p14="http://schemas.microsoft.com/office/powerpoint/2010/main" val="3336954445"/>
       </p:ext>
     </p:extLst>
   </p:cSld>
@@ -4162,14 +4192,6 @@
           <a:lstStyle/>
           <a:p>
             <a:pPr algn="ctr"/>
-            <a:r>
-              <a:rPr lang="en-US" dirty="0">
-                <a:solidFill>
-                  <a:schemeClr val="tx1"/>
-                </a:solidFill>
-              </a:rPr>
-              <a:t>X</a:t>
-            </a:r>
             <a:endParaRPr lang="LID4096" dirty="0">
               <a:solidFill>
                 <a:schemeClr val="tx1"/>
@@ -4282,10 +4304,52 @@
           </a:p>
         </p:txBody>
       </p:sp>
+      <p:cxnSp>
+        <p:nvCxnSpPr>
+          <p:cNvPr id="12" name="Straight Arrow Connector 11">
+            <a:extLst>
+              <a:ext uri="{FF2B5EF4-FFF2-40B4-BE49-F238E27FC236}">
+                <a16:creationId xmlns:a16="http://schemas.microsoft.com/office/drawing/2014/main" id="{11D98802-E630-4D63-A88A-183A6EAB97F5}"/>
+              </a:ext>
+            </a:extLst>
+          </p:cNvPr>
+          <p:cNvCxnSpPr/>
+          <p:nvPr/>
+        </p:nvCxnSpPr>
+        <p:spPr>
+          <a:xfrm flipH="1">
+            <a:off x="5207727" y="1759129"/>
+            <a:ext cx="217714" cy="0"/>
+          </a:xfrm>
+          <a:prstGeom prst="straightConnector1">
+            <a:avLst/>
+          </a:prstGeom>
+          <a:ln w="19050">
+            <a:solidFill>
+              <a:schemeClr val="tx1"/>
+            </a:solidFill>
+            <a:tailEnd type="triangle"/>
+          </a:ln>
+        </p:spPr>
+        <p:style>
+          <a:lnRef idx="1">
+            <a:schemeClr val="accent1"/>
+          </a:lnRef>
+          <a:fillRef idx="0">
+            <a:schemeClr val="accent1"/>
+          </a:fillRef>
+          <a:effectRef idx="0">
+            <a:schemeClr val="accent1"/>
+          </a:effectRef>
+          <a:fontRef idx="minor">
+            <a:schemeClr val="tx1"/>
+          </a:fontRef>
+        </p:style>
+      </p:cxnSp>
     </p:spTree>
     <p:extLst>
       <p:ext uri="{BB962C8B-B14F-4D97-AF65-F5344CB8AC3E}">
-        <p14:creationId xmlns:p14="http://schemas.microsoft.com/office/powerpoint/2010/main" val="1519419925"/>
+        <p14:creationId xmlns:p14="http://schemas.microsoft.com/office/powerpoint/2010/main" val="2479049427"/>
       </p:ext>
     </p:extLst>
   </p:cSld>
@@ -4334,9 +4398,7 @@
           </a:prstGeom>
           <a:noFill/>
           <a:ln w="19050">
-            <a:solidFill>
-              <a:schemeClr val="bg1"/>
-            </a:solidFill>
+            <a:noFill/>
           </a:ln>
         </p:spPr>
         <p:style>
@@ -4390,362 +4452,392 @@
           </a:prstGeom>
           <a:noFill/>
           <a:ln w="19050">
+            <a:noFill/>
+          </a:ln>
+        </p:spPr>
+        <p:style>
+          <a:lnRef idx="2">
+            <a:schemeClr val="accent1">
+              <a:shade val="50000"/>
+            </a:schemeClr>
+          </a:lnRef>
+          <a:fillRef idx="1">
+            <a:schemeClr val="accent1"/>
+          </a:fillRef>
+          <a:effectRef idx="0">
+            <a:schemeClr val="accent1"/>
+          </a:effectRef>
+          <a:fontRef idx="minor">
+            <a:schemeClr val="lt1"/>
+          </a:fontRef>
+        </p:style>
+        <p:txBody>
+          <a:bodyPr rtlCol="0" anchor="ctr"/>
+          <a:lstStyle/>
+          <a:p>
+            <a:pPr algn="ctr"/>
+            <a:endParaRPr lang="LID4096"/>
+          </a:p>
+        </p:txBody>
+      </p:sp>
+      <p:sp>
+        <p:nvSpPr>
+          <p:cNvPr id="6" name="Rectangle 5">
+            <a:extLst>
+              <a:ext uri="{FF2B5EF4-FFF2-40B4-BE49-F238E27FC236}">
+                <a16:creationId xmlns:a16="http://schemas.microsoft.com/office/drawing/2014/main" id="{437AB641-AB0C-4469-AD2E-A7DA4A69C7B1}"/>
+              </a:ext>
+            </a:extLst>
+          </p:cNvPr>
+          <p:cNvSpPr/>
+          <p:nvPr/>
+        </p:nvSpPr>
+        <p:spPr>
+          <a:xfrm>
+            <a:off x="2911303" y="4839257"/>
+            <a:ext cx="1182254" cy="1182254"/>
+          </a:xfrm>
+          <a:prstGeom prst="rect">
+            <a:avLst/>
+          </a:prstGeom>
+          <a:noFill/>
+          <a:ln w="19050">
+            <a:noFill/>
+          </a:ln>
+        </p:spPr>
+        <p:style>
+          <a:lnRef idx="2">
+            <a:schemeClr val="accent1">
+              <a:shade val="50000"/>
+            </a:schemeClr>
+          </a:lnRef>
+          <a:fillRef idx="1">
+            <a:schemeClr val="accent1"/>
+          </a:fillRef>
+          <a:effectRef idx="0">
+            <a:schemeClr val="accent1"/>
+          </a:effectRef>
+          <a:fontRef idx="minor">
+            <a:schemeClr val="lt1"/>
+          </a:fontRef>
+        </p:style>
+        <p:txBody>
+          <a:bodyPr rtlCol="0" anchor="ctr"/>
+          <a:lstStyle/>
+          <a:p>
+            <a:pPr algn="ctr"/>
+            <a:endParaRPr lang="LID4096"/>
+          </a:p>
+        </p:txBody>
+      </p:sp>
+      <p:sp>
+        <p:nvSpPr>
+          <p:cNvPr id="7" name="Rectangle 6">
+            <a:extLst>
+              <a:ext uri="{FF2B5EF4-FFF2-40B4-BE49-F238E27FC236}">
+                <a16:creationId xmlns:a16="http://schemas.microsoft.com/office/drawing/2014/main" id="{B3694913-6DA0-404E-96BB-F152D3921DC7}"/>
+              </a:ext>
+            </a:extLst>
+          </p:cNvPr>
+          <p:cNvSpPr/>
+          <p:nvPr/>
+        </p:nvSpPr>
+        <p:spPr>
+          <a:xfrm>
+            <a:off x="4738384" y="4839257"/>
+            <a:ext cx="1182254" cy="1182254"/>
+          </a:xfrm>
+          <a:prstGeom prst="rect">
+            <a:avLst/>
+          </a:prstGeom>
+          <a:noFill/>
+          <a:ln w="19050">
+            <a:noFill/>
+          </a:ln>
+        </p:spPr>
+        <p:style>
+          <a:lnRef idx="2">
+            <a:schemeClr val="accent1">
+              <a:shade val="50000"/>
+            </a:schemeClr>
+          </a:lnRef>
+          <a:fillRef idx="1">
+            <a:schemeClr val="accent1"/>
+          </a:fillRef>
+          <a:effectRef idx="0">
+            <a:schemeClr val="accent1"/>
+          </a:effectRef>
+          <a:fontRef idx="minor">
+            <a:schemeClr val="lt1"/>
+          </a:fontRef>
+        </p:style>
+        <p:txBody>
+          <a:bodyPr rtlCol="0" anchor="ctr"/>
+          <a:lstStyle/>
+          <a:p>
+            <a:pPr algn="ctr"/>
+            <a:endParaRPr lang="LID4096"/>
+          </a:p>
+        </p:txBody>
+      </p:sp>
+      <p:sp>
+        <p:nvSpPr>
+          <p:cNvPr id="8" name="Rectangle 7">
+            <a:extLst>
+              <a:ext uri="{FF2B5EF4-FFF2-40B4-BE49-F238E27FC236}">
+                <a16:creationId xmlns:a16="http://schemas.microsoft.com/office/drawing/2014/main" id="{5A984827-D88E-46E0-8504-F53796FD4C8D}"/>
+              </a:ext>
+            </a:extLst>
+          </p:cNvPr>
+          <p:cNvSpPr/>
+          <p:nvPr/>
+        </p:nvSpPr>
+        <p:spPr>
+          <a:xfrm>
+            <a:off x="6565465" y="4839257"/>
+            <a:ext cx="1182254" cy="1182254"/>
+          </a:xfrm>
+          <a:prstGeom prst="rect">
+            <a:avLst/>
+          </a:prstGeom>
+          <a:noFill/>
+          <a:ln w="19050">
+            <a:noFill/>
+          </a:ln>
+        </p:spPr>
+        <p:style>
+          <a:lnRef idx="2">
+            <a:schemeClr val="accent1">
+              <a:shade val="50000"/>
+            </a:schemeClr>
+          </a:lnRef>
+          <a:fillRef idx="1">
+            <a:schemeClr val="accent1"/>
+          </a:fillRef>
+          <a:effectRef idx="0">
+            <a:schemeClr val="accent1"/>
+          </a:effectRef>
+          <a:fontRef idx="minor">
+            <a:schemeClr val="lt1"/>
+          </a:fontRef>
+        </p:style>
+        <p:txBody>
+          <a:bodyPr rtlCol="0" anchor="ctr"/>
+          <a:lstStyle/>
+          <a:p>
+            <a:pPr algn="ctr"/>
+            <a:endParaRPr lang="LID4096"/>
+          </a:p>
+        </p:txBody>
+      </p:sp>
+      <p:sp>
+        <p:nvSpPr>
+          <p:cNvPr id="9" name="Rectangle 8">
+            <a:extLst>
+              <a:ext uri="{FF2B5EF4-FFF2-40B4-BE49-F238E27FC236}">
+                <a16:creationId xmlns:a16="http://schemas.microsoft.com/office/drawing/2014/main" id="{7A9F38C5-3172-4C88-BEB9-78B1C80CB300}"/>
+              </a:ext>
+            </a:extLst>
+          </p:cNvPr>
+          <p:cNvSpPr/>
+          <p:nvPr/>
+        </p:nvSpPr>
+        <p:spPr>
+          <a:xfrm>
+            <a:off x="4738384" y="1157447"/>
+            <a:ext cx="1182254" cy="1182254"/>
+          </a:xfrm>
+          <a:prstGeom prst="rect">
+            <a:avLst/>
+          </a:prstGeom>
+          <a:noFill/>
+          <a:ln w="19050">
+            <a:noFill/>
+          </a:ln>
+        </p:spPr>
+        <p:style>
+          <a:lnRef idx="2">
+            <a:schemeClr val="accent1">
+              <a:shade val="50000"/>
+            </a:schemeClr>
+          </a:lnRef>
+          <a:fillRef idx="1">
+            <a:schemeClr val="accent1"/>
+          </a:fillRef>
+          <a:effectRef idx="0">
+            <a:schemeClr val="accent1"/>
+          </a:effectRef>
+          <a:fontRef idx="minor">
+            <a:schemeClr val="lt1"/>
+          </a:fontRef>
+        </p:style>
+        <p:txBody>
+          <a:bodyPr rtlCol="0" anchor="ctr"/>
+          <a:lstStyle/>
+          <a:p>
+            <a:pPr algn="ctr"/>
+            <a:endParaRPr lang="LID4096"/>
+          </a:p>
+        </p:txBody>
+      </p:sp>
+      <p:sp>
+        <p:nvSpPr>
+          <p:cNvPr id="10" name="Rectangle 9">
+            <a:extLst>
+              <a:ext uri="{FF2B5EF4-FFF2-40B4-BE49-F238E27FC236}">
+                <a16:creationId xmlns:a16="http://schemas.microsoft.com/office/drawing/2014/main" id="{D116F38A-E07F-4B4A-A928-F7666AEAFE55}"/>
+              </a:ext>
+            </a:extLst>
+          </p:cNvPr>
+          <p:cNvSpPr/>
+          <p:nvPr/>
+        </p:nvSpPr>
+        <p:spPr>
+          <a:xfrm>
+            <a:off x="6565465" y="1157447"/>
+            <a:ext cx="1182254" cy="1182254"/>
+          </a:xfrm>
+          <a:prstGeom prst="rect">
+            <a:avLst/>
+          </a:prstGeom>
+          <a:noFill/>
+          <a:ln w="19050">
+            <a:noFill/>
+          </a:ln>
+        </p:spPr>
+        <p:style>
+          <a:lnRef idx="2">
+            <a:schemeClr val="accent1">
+              <a:shade val="50000"/>
+            </a:schemeClr>
+          </a:lnRef>
+          <a:fillRef idx="1">
+            <a:schemeClr val="accent1"/>
+          </a:fillRef>
+          <a:effectRef idx="0">
+            <a:schemeClr val="accent1"/>
+          </a:effectRef>
+          <a:fontRef idx="minor">
+            <a:schemeClr val="lt1"/>
+          </a:fontRef>
+        </p:style>
+        <p:txBody>
+          <a:bodyPr rtlCol="0" anchor="ctr"/>
+          <a:lstStyle/>
+          <a:p>
+            <a:pPr algn="ctr"/>
+            <a:endParaRPr lang="LID4096"/>
+          </a:p>
+        </p:txBody>
+      </p:sp>
+      <p:sp>
+        <p:nvSpPr>
+          <p:cNvPr id="11" name="Rectangle 10">
+            <a:extLst>
+              <a:ext uri="{FF2B5EF4-FFF2-40B4-BE49-F238E27FC236}">
+                <a16:creationId xmlns:a16="http://schemas.microsoft.com/office/drawing/2014/main" id="{8E2E6654-CC92-4CE0-938B-E385DD361A79}"/>
+              </a:ext>
+            </a:extLst>
+          </p:cNvPr>
+          <p:cNvSpPr/>
+          <p:nvPr/>
+        </p:nvSpPr>
+        <p:spPr>
+          <a:xfrm>
+            <a:off x="6565465" y="2998352"/>
+            <a:ext cx="1182254" cy="1182254"/>
+          </a:xfrm>
+          <a:prstGeom prst="rect">
+            <a:avLst/>
+          </a:prstGeom>
+          <a:noFill/>
+          <a:ln w="19050">
+            <a:noFill/>
+          </a:ln>
+        </p:spPr>
+        <p:style>
+          <a:lnRef idx="2">
+            <a:schemeClr val="accent1">
+              <a:shade val="50000"/>
+            </a:schemeClr>
+          </a:lnRef>
+          <a:fillRef idx="1">
+            <a:schemeClr val="accent1"/>
+          </a:fillRef>
+          <a:effectRef idx="0">
+            <a:schemeClr val="accent1"/>
+          </a:effectRef>
+          <a:fontRef idx="minor">
+            <a:schemeClr val="lt1"/>
+          </a:fontRef>
+        </p:style>
+        <p:txBody>
+          <a:bodyPr rtlCol="0" anchor="ctr"/>
+          <a:lstStyle/>
+          <a:p>
+            <a:pPr algn="ctr"/>
+            <a:endParaRPr lang="LID4096"/>
+          </a:p>
+        </p:txBody>
+      </p:sp>
+      <p:cxnSp>
+        <p:nvCxnSpPr>
+          <p:cNvPr id="13" name="Straight Arrow Connector 12">
+            <a:extLst>
+              <a:ext uri="{FF2B5EF4-FFF2-40B4-BE49-F238E27FC236}">
+                <a16:creationId xmlns:a16="http://schemas.microsoft.com/office/drawing/2014/main" id="{8506F469-ABD6-4E42-9B5B-79B7CF65E191}"/>
+              </a:ext>
+            </a:extLst>
+          </p:cNvPr>
+          <p:cNvCxnSpPr/>
+          <p:nvPr/>
+        </p:nvCxnSpPr>
+        <p:spPr>
+          <a:xfrm flipH="1">
+            <a:off x="3370219" y="1759131"/>
+            <a:ext cx="217714" cy="0"/>
+          </a:xfrm>
+          <a:prstGeom prst="straightConnector1">
+            <a:avLst/>
+          </a:prstGeom>
+          <a:ln w="19050">
             <a:solidFill>
               <a:schemeClr val="bg1"/>
             </a:solidFill>
-          </a:ln>
-        </p:spPr>
-        <p:style>
-          <a:lnRef idx="2">
-            <a:schemeClr val="accent1">
-              <a:shade val="50000"/>
-            </a:schemeClr>
-          </a:lnRef>
-          <a:fillRef idx="1">
-            <a:schemeClr val="accent1"/>
-          </a:fillRef>
-          <a:effectRef idx="0">
-            <a:schemeClr val="accent1"/>
-          </a:effectRef>
-          <a:fontRef idx="minor">
-            <a:schemeClr val="lt1"/>
-          </a:fontRef>
-        </p:style>
-        <p:txBody>
-          <a:bodyPr rtlCol="0" anchor="ctr"/>
-          <a:lstStyle/>
-          <a:p>
-            <a:pPr algn="ctr"/>
-            <a:endParaRPr lang="LID4096"/>
-          </a:p>
-        </p:txBody>
-      </p:sp>
-      <p:sp>
-        <p:nvSpPr>
-          <p:cNvPr id="6" name="Rectangle 5">
-            <a:extLst>
-              <a:ext uri="{FF2B5EF4-FFF2-40B4-BE49-F238E27FC236}">
-                <a16:creationId xmlns:a16="http://schemas.microsoft.com/office/drawing/2014/main" id="{437AB641-AB0C-4469-AD2E-A7DA4A69C7B1}"/>
-              </a:ext>
-            </a:extLst>
-          </p:cNvPr>
-          <p:cNvSpPr/>
-          <p:nvPr/>
-        </p:nvSpPr>
-        <p:spPr>
-          <a:xfrm>
-            <a:off x="2911303" y="4839257"/>
-            <a:ext cx="1182254" cy="1182254"/>
-          </a:xfrm>
-          <a:prstGeom prst="rect">
-            <a:avLst/>
-          </a:prstGeom>
-          <a:noFill/>
-          <a:ln w="19050">
-            <a:solidFill>
-              <a:schemeClr val="bg1"/>
-            </a:solidFill>
-          </a:ln>
-        </p:spPr>
-        <p:style>
-          <a:lnRef idx="2">
-            <a:schemeClr val="accent1">
-              <a:shade val="50000"/>
-            </a:schemeClr>
-          </a:lnRef>
-          <a:fillRef idx="1">
-            <a:schemeClr val="accent1"/>
-          </a:fillRef>
-          <a:effectRef idx="0">
-            <a:schemeClr val="accent1"/>
-          </a:effectRef>
-          <a:fontRef idx="minor">
-            <a:schemeClr val="lt1"/>
-          </a:fontRef>
-        </p:style>
-        <p:txBody>
-          <a:bodyPr rtlCol="0" anchor="ctr"/>
-          <a:lstStyle/>
-          <a:p>
-            <a:pPr algn="ctr"/>
-            <a:endParaRPr lang="LID4096"/>
-          </a:p>
-        </p:txBody>
-      </p:sp>
-      <p:sp>
-        <p:nvSpPr>
-          <p:cNvPr id="7" name="Rectangle 6">
-            <a:extLst>
-              <a:ext uri="{FF2B5EF4-FFF2-40B4-BE49-F238E27FC236}">
-                <a16:creationId xmlns:a16="http://schemas.microsoft.com/office/drawing/2014/main" id="{B3694913-6DA0-404E-96BB-F152D3921DC7}"/>
-              </a:ext>
-            </a:extLst>
-          </p:cNvPr>
-          <p:cNvSpPr/>
-          <p:nvPr/>
-        </p:nvSpPr>
-        <p:spPr>
-          <a:xfrm>
-            <a:off x="4738384" y="4839257"/>
-            <a:ext cx="1182254" cy="1182254"/>
-          </a:xfrm>
-          <a:prstGeom prst="rect">
-            <a:avLst/>
-          </a:prstGeom>
-          <a:noFill/>
-          <a:ln w="19050">
-            <a:solidFill>
-              <a:schemeClr val="bg1"/>
-            </a:solidFill>
-          </a:ln>
-        </p:spPr>
-        <p:style>
-          <a:lnRef idx="2">
-            <a:schemeClr val="accent1">
-              <a:shade val="50000"/>
-            </a:schemeClr>
-          </a:lnRef>
-          <a:fillRef idx="1">
-            <a:schemeClr val="accent1"/>
-          </a:fillRef>
-          <a:effectRef idx="0">
-            <a:schemeClr val="accent1"/>
-          </a:effectRef>
-          <a:fontRef idx="minor">
-            <a:schemeClr val="lt1"/>
-          </a:fontRef>
-        </p:style>
-        <p:txBody>
-          <a:bodyPr rtlCol="0" anchor="ctr"/>
-          <a:lstStyle/>
-          <a:p>
-            <a:pPr algn="ctr"/>
-            <a:endParaRPr lang="LID4096"/>
-          </a:p>
-        </p:txBody>
-      </p:sp>
-      <p:sp>
-        <p:nvSpPr>
-          <p:cNvPr id="8" name="Rectangle 7">
-            <a:extLst>
-              <a:ext uri="{FF2B5EF4-FFF2-40B4-BE49-F238E27FC236}">
-                <a16:creationId xmlns:a16="http://schemas.microsoft.com/office/drawing/2014/main" id="{5A984827-D88E-46E0-8504-F53796FD4C8D}"/>
-              </a:ext>
-            </a:extLst>
-          </p:cNvPr>
-          <p:cNvSpPr/>
-          <p:nvPr/>
-        </p:nvSpPr>
-        <p:spPr>
-          <a:xfrm>
-            <a:off x="6565465" y="4839257"/>
-            <a:ext cx="1182254" cy="1182254"/>
-          </a:xfrm>
-          <a:prstGeom prst="rect">
-            <a:avLst/>
-          </a:prstGeom>
-          <a:noFill/>
-          <a:ln w="19050">
-            <a:solidFill>
-              <a:schemeClr val="bg1"/>
-            </a:solidFill>
-          </a:ln>
-        </p:spPr>
-        <p:style>
-          <a:lnRef idx="2">
-            <a:schemeClr val="accent1">
-              <a:shade val="50000"/>
-            </a:schemeClr>
-          </a:lnRef>
-          <a:fillRef idx="1">
-            <a:schemeClr val="accent1"/>
-          </a:fillRef>
-          <a:effectRef idx="0">
-            <a:schemeClr val="accent1"/>
-          </a:effectRef>
-          <a:fontRef idx="minor">
-            <a:schemeClr val="lt1"/>
-          </a:fontRef>
-        </p:style>
-        <p:txBody>
-          <a:bodyPr rtlCol="0" anchor="ctr"/>
-          <a:lstStyle/>
-          <a:p>
-            <a:pPr algn="ctr"/>
-            <a:endParaRPr lang="LID4096"/>
-          </a:p>
-        </p:txBody>
-      </p:sp>
-      <p:sp>
-        <p:nvSpPr>
-          <p:cNvPr id="9" name="Rectangle 8">
-            <a:extLst>
-              <a:ext uri="{FF2B5EF4-FFF2-40B4-BE49-F238E27FC236}">
-                <a16:creationId xmlns:a16="http://schemas.microsoft.com/office/drawing/2014/main" id="{7A9F38C5-3172-4C88-BEB9-78B1C80CB300}"/>
-              </a:ext>
-            </a:extLst>
-          </p:cNvPr>
-          <p:cNvSpPr/>
-          <p:nvPr/>
-        </p:nvSpPr>
-        <p:spPr>
-          <a:xfrm>
-            <a:off x="4738384" y="1157447"/>
-            <a:ext cx="1182254" cy="1182254"/>
-          </a:xfrm>
-          <a:prstGeom prst="rect">
-            <a:avLst/>
-          </a:prstGeom>
-          <a:noFill/>
-          <a:ln w="19050">
-            <a:solidFill>
-              <a:schemeClr val="bg1"/>
-            </a:solidFill>
-          </a:ln>
-        </p:spPr>
-        <p:style>
-          <a:lnRef idx="2">
-            <a:schemeClr val="accent1">
-              <a:shade val="50000"/>
-            </a:schemeClr>
-          </a:lnRef>
-          <a:fillRef idx="1">
-            <a:schemeClr val="accent1"/>
-          </a:fillRef>
-          <a:effectRef idx="0">
-            <a:schemeClr val="accent1"/>
-          </a:effectRef>
-          <a:fontRef idx="minor">
-            <a:schemeClr val="lt1"/>
-          </a:fontRef>
-        </p:style>
-        <p:txBody>
-          <a:bodyPr rtlCol="0" anchor="ctr"/>
-          <a:lstStyle/>
-          <a:p>
-            <a:pPr algn="ctr"/>
-            <a:endParaRPr lang="LID4096"/>
-          </a:p>
-        </p:txBody>
-      </p:sp>
-      <p:sp>
-        <p:nvSpPr>
-          <p:cNvPr id="10" name="Rectangle 9">
-            <a:extLst>
-              <a:ext uri="{FF2B5EF4-FFF2-40B4-BE49-F238E27FC236}">
-                <a16:creationId xmlns:a16="http://schemas.microsoft.com/office/drawing/2014/main" id="{D116F38A-E07F-4B4A-A928-F7666AEAFE55}"/>
-              </a:ext>
-            </a:extLst>
-          </p:cNvPr>
-          <p:cNvSpPr/>
-          <p:nvPr/>
-        </p:nvSpPr>
-        <p:spPr>
-          <a:xfrm>
-            <a:off x="6565465" y="1157447"/>
-            <a:ext cx="1182254" cy="1182254"/>
-          </a:xfrm>
-          <a:prstGeom prst="rect">
-            <a:avLst/>
-          </a:prstGeom>
-          <a:noFill/>
-          <a:ln w="19050">
-            <a:solidFill>
-              <a:schemeClr val="bg1"/>
-            </a:solidFill>
-          </a:ln>
-        </p:spPr>
-        <p:style>
-          <a:lnRef idx="2">
-            <a:schemeClr val="accent1">
-              <a:shade val="50000"/>
-            </a:schemeClr>
-          </a:lnRef>
-          <a:fillRef idx="1">
-            <a:schemeClr val="accent1"/>
-          </a:fillRef>
-          <a:effectRef idx="0">
-            <a:schemeClr val="accent1"/>
-          </a:effectRef>
-          <a:fontRef idx="minor">
-            <a:schemeClr val="lt1"/>
-          </a:fontRef>
-        </p:style>
-        <p:txBody>
-          <a:bodyPr rtlCol="0" anchor="ctr"/>
-          <a:lstStyle/>
-          <a:p>
-            <a:pPr algn="ctr"/>
-            <a:endParaRPr lang="LID4096"/>
-          </a:p>
-        </p:txBody>
-      </p:sp>
-      <p:sp>
-        <p:nvSpPr>
-          <p:cNvPr id="11" name="Rectangle 10">
-            <a:extLst>
-              <a:ext uri="{FF2B5EF4-FFF2-40B4-BE49-F238E27FC236}">
-                <a16:creationId xmlns:a16="http://schemas.microsoft.com/office/drawing/2014/main" id="{8E2E6654-CC92-4CE0-938B-E385DD361A79}"/>
-              </a:ext>
-            </a:extLst>
-          </p:cNvPr>
-          <p:cNvSpPr/>
-          <p:nvPr/>
-        </p:nvSpPr>
-        <p:spPr>
-          <a:xfrm>
-            <a:off x="6565465" y="2998352"/>
-            <a:ext cx="1182254" cy="1182254"/>
-          </a:xfrm>
-          <a:prstGeom prst="rect">
-            <a:avLst/>
-          </a:prstGeom>
-          <a:noFill/>
-          <a:ln w="19050">
-            <a:solidFill>
-              <a:schemeClr val="bg1"/>
-            </a:solidFill>
-          </a:ln>
-        </p:spPr>
-        <p:style>
-          <a:lnRef idx="2">
-            <a:schemeClr val="accent1">
-              <a:shade val="50000"/>
-            </a:schemeClr>
-          </a:lnRef>
-          <a:fillRef idx="1">
-            <a:schemeClr val="accent1"/>
-          </a:fillRef>
-          <a:effectRef idx="0">
-            <a:schemeClr val="accent1"/>
-          </a:effectRef>
-          <a:fontRef idx="minor">
-            <a:schemeClr val="lt1"/>
-          </a:fontRef>
-        </p:style>
-        <p:txBody>
-          <a:bodyPr rtlCol="0" anchor="ctr"/>
-          <a:lstStyle/>
-          <a:p>
-            <a:pPr algn="ctr"/>
-            <a:endParaRPr lang="LID4096"/>
-          </a:p>
-        </p:txBody>
-      </p:sp>
+            <a:tailEnd type="triangle"/>
+          </a:ln>
+        </p:spPr>
+        <p:style>
+          <a:lnRef idx="1">
+            <a:schemeClr val="accent1"/>
+          </a:lnRef>
+          <a:fillRef idx="0">
+            <a:schemeClr val="accent1"/>
+          </a:fillRef>
+          <a:effectRef idx="0">
+            <a:schemeClr val="accent1"/>
+          </a:effectRef>
+          <a:fontRef idx="minor">
+            <a:schemeClr val="tx1"/>
+          </a:fontRef>
+        </p:style>
+      </p:cxnSp>
       <p:cxnSp>
         <p:nvCxnSpPr>
-          <p:cNvPr id="13" name="Straight Arrow Connector 12">
-            <a:extLst>
-              <a:ext uri="{FF2B5EF4-FFF2-40B4-BE49-F238E27FC236}">
-                <a16:creationId xmlns:a16="http://schemas.microsoft.com/office/drawing/2014/main" id="{8506F469-ABD6-4E42-9B5B-79B7CF65E191}"/>
-              </a:ext>
-            </a:extLst>
-          </p:cNvPr>
-          <p:cNvCxnSpPr/>
+          <p:cNvPr id="12" name="Straight Arrow Connector 11">
+            <a:extLst>
+              <a:ext uri="{FF2B5EF4-FFF2-40B4-BE49-F238E27FC236}">
+                <a16:creationId xmlns:a16="http://schemas.microsoft.com/office/drawing/2014/main" id="{FA00AF5B-365E-4D0E-899A-67FF7F4180E9}"/>
+              </a:ext>
+            </a:extLst>
+          </p:cNvPr>
+          <p:cNvCxnSpPr>
+            <a:cxnSpLocks/>
+          </p:cNvCxnSpPr>
           <p:nvPr/>
         </p:nvCxnSpPr>
         <p:spPr>
-          <a:xfrm flipH="1">
+          <a:xfrm rot="10800000" flipH="1">
             <a:off x="3370219" y="1759131"/>
             <a:ext cx="217714" cy="0"/>
           </a:xfrm>
@@ -4777,7 +4869,7 @@
     </p:spTree>
     <p:extLst>
       <p:ext uri="{BB962C8B-B14F-4D97-AF65-F5344CB8AC3E}">
-        <p14:creationId xmlns:p14="http://schemas.microsoft.com/office/powerpoint/2010/main" val="1065685131"/>
+        <p14:creationId xmlns:p14="http://schemas.microsoft.com/office/powerpoint/2010/main" val="3864431651"/>
       </p:ext>
     </p:extLst>
   </p:cSld>
@@ -4826,9 +4918,7 @@
           </a:prstGeom>
           <a:noFill/>
           <a:ln w="19050">
-            <a:solidFill>
-              <a:schemeClr val="bg1"/>
-            </a:solidFill>
+            <a:noFill/>
           </a:ln>
         </p:spPr>
         <p:style>
@@ -4878,9 +4968,7 @@
           </a:prstGeom>
           <a:noFill/>
           <a:ln w="19050">
-            <a:solidFill>
-              <a:schemeClr val="bg1"/>
-            </a:solidFill>
+            <a:noFill/>
           </a:ln>
         </p:spPr>
         <p:style>
@@ -4934,9 +5022,7 @@
           </a:prstGeom>
           <a:noFill/>
           <a:ln w="19050">
-            <a:solidFill>
-              <a:schemeClr val="bg1"/>
-            </a:solidFill>
+            <a:noFill/>
           </a:ln>
         </p:spPr>
         <p:style>
@@ -4990,9 +5076,7 @@
           </a:prstGeom>
           <a:noFill/>
           <a:ln w="19050">
-            <a:solidFill>
-              <a:schemeClr val="bg1"/>
-            </a:solidFill>
+            <a:noFill/>
           </a:ln>
         </p:spPr>
         <p:style>
@@ -5046,9 +5130,7 @@
           </a:prstGeom>
           <a:noFill/>
           <a:ln w="19050">
-            <a:solidFill>
-              <a:schemeClr val="bg1"/>
-            </a:solidFill>
+            <a:noFill/>
           </a:ln>
         </p:spPr>
         <p:style>
@@ -5102,155 +5184,193 @@
           </a:prstGeom>
           <a:noFill/>
           <a:ln w="19050">
+            <a:noFill/>
+          </a:ln>
+        </p:spPr>
+        <p:style>
+          <a:lnRef idx="2">
+            <a:schemeClr val="accent1">
+              <a:shade val="50000"/>
+            </a:schemeClr>
+          </a:lnRef>
+          <a:fillRef idx="1">
+            <a:schemeClr val="accent1"/>
+          </a:fillRef>
+          <a:effectRef idx="0">
+            <a:schemeClr val="accent1"/>
+          </a:effectRef>
+          <a:fontRef idx="minor">
+            <a:schemeClr val="lt1"/>
+          </a:fontRef>
+        </p:style>
+        <p:txBody>
+          <a:bodyPr rtlCol="0" anchor="ctr"/>
+          <a:lstStyle/>
+          <a:p>
+            <a:pPr algn="ctr"/>
+            <a:endParaRPr lang="LID4096"/>
+          </a:p>
+        </p:txBody>
+      </p:sp>
+      <p:sp>
+        <p:nvSpPr>
+          <p:cNvPr id="10" name="Rectangle 9">
+            <a:extLst>
+              <a:ext uri="{FF2B5EF4-FFF2-40B4-BE49-F238E27FC236}">
+                <a16:creationId xmlns:a16="http://schemas.microsoft.com/office/drawing/2014/main" id="{D116F38A-E07F-4B4A-A928-F7666AEAFE55}"/>
+              </a:ext>
+            </a:extLst>
+          </p:cNvPr>
+          <p:cNvSpPr/>
+          <p:nvPr/>
+        </p:nvSpPr>
+        <p:spPr>
+          <a:xfrm>
+            <a:off x="6565465" y="1157447"/>
+            <a:ext cx="1182254" cy="1182254"/>
+          </a:xfrm>
+          <a:prstGeom prst="rect">
+            <a:avLst/>
+          </a:prstGeom>
+          <a:noFill/>
+          <a:ln w="19050">
+            <a:noFill/>
+          </a:ln>
+        </p:spPr>
+        <p:style>
+          <a:lnRef idx="2">
+            <a:schemeClr val="accent1">
+              <a:shade val="50000"/>
+            </a:schemeClr>
+          </a:lnRef>
+          <a:fillRef idx="1">
+            <a:schemeClr val="accent1"/>
+          </a:fillRef>
+          <a:effectRef idx="0">
+            <a:schemeClr val="accent1"/>
+          </a:effectRef>
+          <a:fontRef idx="minor">
+            <a:schemeClr val="lt1"/>
+          </a:fontRef>
+        </p:style>
+        <p:txBody>
+          <a:bodyPr rtlCol="0" anchor="ctr"/>
+          <a:lstStyle/>
+          <a:p>
+            <a:pPr algn="ctr"/>
+            <a:endParaRPr lang="LID4096"/>
+          </a:p>
+        </p:txBody>
+      </p:sp>
+      <p:sp>
+        <p:nvSpPr>
+          <p:cNvPr id="11" name="Rectangle 10">
+            <a:extLst>
+              <a:ext uri="{FF2B5EF4-FFF2-40B4-BE49-F238E27FC236}">
+                <a16:creationId xmlns:a16="http://schemas.microsoft.com/office/drawing/2014/main" id="{8E2E6654-CC92-4CE0-938B-E385DD361A79}"/>
+              </a:ext>
+            </a:extLst>
+          </p:cNvPr>
+          <p:cNvSpPr/>
+          <p:nvPr/>
+        </p:nvSpPr>
+        <p:spPr>
+          <a:xfrm>
+            <a:off x="6565465" y="2998352"/>
+            <a:ext cx="1182254" cy="1182254"/>
+          </a:xfrm>
+          <a:prstGeom prst="rect">
+            <a:avLst/>
+          </a:prstGeom>
+          <a:noFill/>
+          <a:ln w="19050">
+            <a:noFill/>
+          </a:ln>
+        </p:spPr>
+        <p:style>
+          <a:lnRef idx="2">
+            <a:schemeClr val="accent1">
+              <a:shade val="50000"/>
+            </a:schemeClr>
+          </a:lnRef>
+          <a:fillRef idx="1">
+            <a:schemeClr val="accent1"/>
+          </a:fillRef>
+          <a:effectRef idx="0">
+            <a:schemeClr val="accent1"/>
+          </a:effectRef>
+          <a:fontRef idx="minor">
+            <a:schemeClr val="lt1"/>
+          </a:fontRef>
+        </p:style>
+        <p:txBody>
+          <a:bodyPr rtlCol="0" anchor="ctr"/>
+          <a:lstStyle/>
+          <a:p>
+            <a:pPr algn="ctr"/>
+            <a:endParaRPr lang="LID4096"/>
+          </a:p>
+        </p:txBody>
+      </p:sp>
+      <p:cxnSp>
+        <p:nvCxnSpPr>
+          <p:cNvPr id="12" name="Straight Arrow Connector 11">
+            <a:extLst>
+              <a:ext uri="{FF2B5EF4-FFF2-40B4-BE49-F238E27FC236}">
+                <a16:creationId xmlns:a16="http://schemas.microsoft.com/office/drawing/2014/main" id="{930105EF-5D77-4399-9C98-1ECA66764AD8}"/>
+              </a:ext>
+            </a:extLst>
+          </p:cNvPr>
+          <p:cNvCxnSpPr/>
+          <p:nvPr/>
+        </p:nvCxnSpPr>
+        <p:spPr>
+          <a:xfrm flipH="1">
+            <a:off x="3378927" y="3596639"/>
+            <a:ext cx="217714" cy="0"/>
+          </a:xfrm>
+          <a:prstGeom prst="straightConnector1">
+            <a:avLst/>
+          </a:prstGeom>
+          <a:ln w="19050">
             <a:solidFill>
               <a:schemeClr val="bg1"/>
             </a:solidFill>
-          </a:ln>
-        </p:spPr>
-        <p:style>
-          <a:lnRef idx="2">
-            <a:schemeClr val="accent1">
-              <a:shade val="50000"/>
-            </a:schemeClr>
-          </a:lnRef>
-          <a:fillRef idx="1">
-            <a:schemeClr val="accent1"/>
-          </a:fillRef>
-          <a:effectRef idx="0">
-            <a:schemeClr val="accent1"/>
-          </a:effectRef>
-          <a:fontRef idx="minor">
-            <a:schemeClr val="lt1"/>
-          </a:fontRef>
-        </p:style>
-        <p:txBody>
-          <a:bodyPr rtlCol="0" anchor="ctr"/>
-          <a:lstStyle/>
-          <a:p>
-            <a:pPr algn="ctr"/>
-            <a:endParaRPr lang="LID4096"/>
-          </a:p>
-        </p:txBody>
-      </p:sp>
-      <p:sp>
-        <p:nvSpPr>
-          <p:cNvPr id="10" name="Rectangle 9">
-            <a:extLst>
-              <a:ext uri="{FF2B5EF4-FFF2-40B4-BE49-F238E27FC236}">
-                <a16:creationId xmlns:a16="http://schemas.microsoft.com/office/drawing/2014/main" id="{D116F38A-E07F-4B4A-A928-F7666AEAFE55}"/>
-              </a:ext>
-            </a:extLst>
-          </p:cNvPr>
-          <p:cNvSpPr/>
-          <p:nvPr/>
-        </p:nvSpPr>
-        <p:spPr>
-          <a:xfrm>
-            <a:off x="6565465" y="1157447"/>
-            <a:ext cx="1182254" cy="1182254"/>
-          </a:xfrm>
-          <a:prstGeom prst="rect">
-            <a:avLst/>
-          </a:prstGeom>
-          <a:noFill/>
-          <a:ln w="19050">
-            <a:solidFill>
-              <a:schemeClr val="bg1"/>
-            </a:solidFill>
-          </a:ln>
-        </p:spPr>
-        <p:style>
-          <a:lnRef idx="2">
-            <a:schemeClr val="accent1">
-              <a:shade val="50000"/>
-            </a:schemeClr>
-          </a:lnRef>
-          <a:fillRef idx="1">
-            <a:schemeClr val="accent1"/>
-          </a:fillRef>
-          <a:effectRef idx="0">
-            <a:schemeClr val="accent1"/>
-          </a:effectRef>
-          <a:fontRef idx="minor">
-            <a:schemeClr val="lt1"/>
-          </a:fontRef>
-        </p:style>
-        <p:txBody>
-          <a:bodyPr rtlCol="0" anchor="ctr"/>
-          <a:lstStyle/>
-          <a:p>
-            <a:pPr algn="ctr"/>
-            <a:endParaRPr lang="LID4096"/>
-          </a:p>
-        </p:txBody>
-      </p:sp>
-      <p:sp>
-        <p:nvSpPr>
-          <p:cNvPr id="11" name="Rectangle 10">
-            <a:extLst>
-              <a:ext uri="{FF2B5EF4-FFF2-40B4-BE49-F238E27FC236}">
-                <a16:creationId xmlns:a16="http://schemas.microsoft.com/office/drawing/2014/main" id="{8E2E6654-CC92-4CE0-938B-E385DD361A79}"/>
-              </a:ext>
-            </a:extLst>
-          </p:cNvPr>
-          <p:cNvSpPr/>
-          <p:nvPr/>
-        </p:nvSpPr>
-        <p:spPr>
-          <a:xfrm>
-            <a:off x="6565465" y="2998352"/>
-            <a:ext cx="1182254" cy="1182254"/>
-          </a:xfrm>
-          <a:prstGeom prst="rect">
-            <a:avLst/>
-          </a:prstGeom>
-          <a:noFill/>
-          <a:ln w="19050">
-            <a:solidFill>
-              <a:schemeClr val="bg1"/>
-            </a:solidFill>
-          </a:ln>
-        </p:spPr>
-        <p:style>
-          <a:lnRef idx="2">
-            <a:schemeClr val="accent1">
-              <a:shade val="50000"/>
-            </a:schemeClr>
-          </a:lnRef>
-          <a:fillRef idx="1">
-            <a:schemeClr val="accent1"/>
-          </a:fillRef>
-          <a:effectRef idx="0">
-            <a:schemeClr val="accent1"/>
-          </a:effectRef>
-          <a:fontRef idx="minor">
-            <a:schemeClr val="lt1"/>
-          </a:fontRef>
-        </p:style>
-        <p:txBody>
-          <a:bodyPr rtlCol="0" anchor="ctr"/>
-          <a:lstStyle/>
-          <a:p>
-            <a:pPr algn="ctr"/>
-            <a:endParaRPr lang="LID4096"/>
-          </a:p>
-        </p:txBody>
-      </p:sp>
+            <a:tailEnd type="triangle"/>
+          </a:ln>
+        </p:spPr>
+        <p:style>
+          <a:lnRef idx="1">
+            <a:schemeClr val="accent1"/>
+          </a:lnRef>
+          <a:fillRef idx="0">
+            <a:schemeClr val="accent1"/>
+          </a:fillRef>
+          <a:effectRef idx="0">
+            <a:schemeClr val="accent1"/>
+          </a:effectRef>
+          <a:fontRef idx="minor">
+            <a:schemeClr val="tx1"/>
+          </a:fontRef>
+        </p:style>
+      </p:cxnSp>
       <p:cxnSp>
         <p:nvCxnSpPr>
-          <p:cNvPr id="12" name="Straight Arrow Connector 11">
-            <a:extLst>
-              <a:ext uri="{FF2B5EF4-FFF2-40B4-BE49-F238E27FC236}">
-                <a16:creationId xmlns:a16="http://schemas.microsoft.com/office/drawing/2014/main" id="{930105EF-5D77-4399-9C98-1ECA66764AD8}"/>
-              </a:ext>
-            </a:extLst>
-          </p:cNvPr>
-          <p:cNvCxnSpPr/>
+          <p:cNvPr id="14" name="Straight Arrow Connector 13">
+            <a:extLst>
+              <a:ext uri="{FF2B5EF4-FFF2-40B4-BE49-F238E27FC236}">
+                <a16:creationId xmlns:a16="http://schemas.microsoft.com/office/drawing/2014/main" id="{D526999F-A4D6-499B-8693-406927870126}"/>
+              </a:ext>
+            </a:extLst>
+          </p:cNvPr>
+          <p:cNvCxnSpPr>
+            <a:cxnSpLocks/>
+          </p:cNvCxnSpPr>
           <p:nvPr/>
         </p:nvCxnSpPr>
         <p:spPr>
-          <a:xfrm flipH="1">
-            <a:off x="3378927" y="3596639"/>
+          <a:xfrm rot="10800000" flipH="1">
+            <a:off x="3378927" y="3587301"/>
             <a:ext cx="217714" cy="0"/>
           </a:xfrm>
           <a:prstGeom prst="straightConnector1">
@@ -5281,7 +5401,7 @@
     </p:spTree>
     <p:extLst>
       <p:ext uri="{BB962C8B-B14F-4D97-AF65-F5344CB8AC3E}">
-        <p14:creationId xmlns:p14="http://schemas.microsoft.com/office/powerpoint/2010/main" val="3167248545"/>
+        <p14:creationId xmlns:p14="http://schemas.microsoft.com/office/powerpoint/2010/main" val="3039625316"/>
       </p:ext>
     </p:extLst>
   </p:cSld>
@@ -5734,6 +5854,50 @@
           </a:prstGeom>
           <a:ln w="19050">
             <a:solidFill>
+              <a:schemeClr val="bg1"/>
+            </a:solidFill>
+            <a:tailEnd type="triangle"/>
+          </a:ln>
+        </p:spPr>
+        <p:style>
+          <a:lnRef idx="1">
+            <a:schemeClr val="accent1"/>
+          </a:lnRef>
+          <a:fillRef idx="0">
+            <a:schemeClr val="accent1"/>
+          </a:fillRef>
+          <a:effectRef idx="0">
+            <a:schemeClr val="accent1"/>
+          </a:effectRef>
+          <a:fontRef idx="minor">
+            <a:schemeClr val="tx1"/>
+          </a:fontRef>
+        </p:style>
+      </p:cxnSp>
+      <p:cxnSp>
+        <p:nvCxnSpPr>
+          <p:cNvPr id="13" name="Straight Arrow Connector 12">
+            <a:extLst>
+              <a:ext uri="{FF2B5EF4-FFF2-40B4-BE49-F238E27FC236}">
+                <a16:creationId xmlns:a16="http://schemas.microsoft.com/office/drawing/2014/main" id="{A2D8AF17-4CD2-42A8-B1D5-C5FD042AE6D9}"/>
+              </a:ext>
+            </a:extLst>
+          </p:cNvPr>
+          <p:cNvCxnSpPr>
+            <a:cxnSpLocks/>
+          </p:cNvCxnSpPr>
+          <p:nvPr/>
+        </p:nvCxnSpPr>
+        <p:spPr>
+          <a:xfrm rot="10800000" flipH="1">
+            <a:off x="3370219" y="5451565"/>
+            <a:ext cx="217714" cy="0"/>
+          </a:xfrm>
+          <a:prstGeom prst="straightConnector1">
+            <a:avLst/>
+          </a:prstGeom>
+          <a:ln w="19050">
+            <a:solidFill>
               <a:schemeClr val="tx1"/>
             </a:solidFill>
             <a:tailEnd type="triangle"/>
@@ -5757,7 +5921,7 @@
     </p:spTree>
     <p:extLst>
       <p:ext uri="{BB962C8B-B14F-4D97-AF65-F5344CB8AC3E}">
-        <p14:creationId xmlns:p14="http://schemas.microsoft.com/office/powerpoint/2010/main" val="346345283"/>
+        <p14:creationId xmlns:p14="http://schemas.microsoft.com/office/powerpoint/2010/main" val="2769851208"/>
       </p:ext>
     </p:extLst>
   </p:cSld>
@@ -6210,6 +6374,50 @@
           </a:prstGeom>
           <a:ln w="19050">
             <a:solidFill>
+              <a:schemeClr val="bg1"/>
+            </a:solidFill>
+            <a:tailEnd type="triangle"/>
+          </a:ln>
+        </p:spPr>
+        <p:style>
+          <a:lnRef idx="1">
+            <a:schemeClr val="accent1"/>
+          </a:lnRef>
+          <a:fillRef idx="0">
+            <a:schemeClr val="accent1"/>
+          </a:fillRef>
+          <a:effectRef idx="0">
+            <a:schemeClr val="accent1"/>
+          </a:effectRef>
+          <a:fontRef idx="minor">
+            <a:schemeClr val="tx1"/>
+          </a:fontRef>
+        </p:style>
+      </p:cxnSp>
+      <p:cxnSp>
+        <p:nvCxnSpPr>
+          <p:cNvPr id="13" name="Straight Arrow Connector 12">
+            <a:extLst>
+              <a:ext uri="{FF2B5EF4-FFF2-40B4-BE49-F238E27FC236}">
+                <a16:creationId xmlns:a16="http://schemas.microsoft.com/office/drawing/2014/main" id="{79123D11-0972-4C7E-8A2C-0015B25F6C5B}"/>
+              </a:ext>
+            </a:extLst>
+          </p:cNvPr>
+          <p:cNvCxnSpPr>
+            <a:cxnSpLocks/>
+          </p:cNvCxnSpPr>
+          <p:nvPr/>
+        </p:nvCxnSpPr>
+        <p:spPr>
+          <a:xfrm rot="10800000" flipH="1">
+            <a:off x="5199019" y="5442855"/>
+            <a:ext cx="217714" cy="0"/>
+          </a:xfrm>
+          <a:prstGeom prst="straightConnector1">
+            <a:avLst/>
+          </a:prstGeom>
+          <a:ln w="19050">
+            <a:solidFill>
               <a:schemeClr val="tx1"/>
             </a:solidFill>
             <a:tailEnd type="triangle"/>
@@ -6233,7 +6441,7 @@
     </p:spTree>
     <p:extLst>
       <p:ext uri="{BB962C8B-B14F-4D97-AF65-F5344CB8AC3E}">
-        <p14:creationId xmlns:p14="http://schemas.microsoft.com/office/powerpoint/2010/main" val="4019804890"/>
+        <p14:creationId xmlns:p14="http://schemas.microsoft.com/office/powerpoint/2010/main" val="2256880804"/>
       </p:ext>
     </p:extLst>
   </p:cSld>
@@ -6688,6 +6896,50 @@
           </a:prstGeom>
           <a:ln w="19050">
             <a:solidFill>
+              <a:schemeClr val="bg1"/>
+            </a:solidFill>
+            <a:tailEnd type="triangle"/>
+          </a:ln>
+        </p:spPr>
+        <p:style>
+          <a:lnRef idx="1">
+            <a:schemeClr val="accent1"/>
+          </a:lnRef>
+          <a:fillRef idx="0">
+            <a:schemeClr val="accent1"/>
+          </a:fillRef>
+          <a:effectRef idx="0">
+            <a:schemeClr val="accent1"/>
+          </a:effectRef>
+          <a:fontRef idx="minor">
+            <a:schemeClr val="tx1"/>
+          </a:fontRef>
+        </p:style>
+      </p:cxnSp>
+      <p:cxnSp>
+        <p:nvCxnSpPr>
+          <p:cNvPr id="13" name="Straight Arrow Connector 12">
+            <a:extLst>
+              <a:ext uri="{FF2B5EF4-FFF2-40B4-BE49-F238E27FC236}">
+                <a16:creationId xmlns:a16="http://schemas.microsoft.com/office/drawing/2014/main" id="{48310B1F-0B57-4800-9596-D747F025EED7}"/>
+              </a:ext>
+            </a:extLst>
+          </p:cNvPr>
+          <p:cNvCxnSpPr>
+            <a:cxnSpLocks/>
+          </p:cNvCxnSpPr>
+          <p:nvPr/>
+        </p:nvCxnSpPr>
+        <p:spPr>
+          <a:xfrm rot="10800000" flipH="1">
+            <a:off x="7036527" y="5442856"/>
+            <a:ext cx="217714" cy="0"/>
+          </a:xfrm>
+          <a:prstGeom prst="straightConnector1">
+            <a:avLst/>
+          </a:prstGeom>
+          <a:ln w="19050">
+            <a:solidFill>
               <a:schemeClr val="tx1"/>
             </a:solidFill>
             <a:tailEnd type="triangle"/>
@@ -6711,7 +6963,7 @@
     </p:spTree>
     <p:extLst>
       <p:ext uri="{BB962C8B-B14F-4D97-AF65-F5344CB8AC3E}">
-        <p14:creationId xmlns:p14="http://schemas.microsoft.com/office/powerpoint/2010/main" val="1290158786"/>
+        <p14:creationId xmlns:p14="http://schemas.microsoft.com/office/powerpoint/2010/main" val="747210108"/>
       </p:ext>
     </p:extLst>
   </p:cSld>
@@ -7156,7 +7408,51 @@
         </p:nvCxnSpPr>
         <p:spPr>
           <a:xfrm flipH="1">
-            <a:off x="7036528" y="3596638"/>
+            <a:off x="7036528" y="3587308"/>
+            <a:ext cx="217714" cy="0"/>
+          </a:xfrm>
+          <a:prstGeom prst="straightConnector1">
+            <a:avLst/>
+          </a:prstGeom>
+          <a:ln w="19050">
+            <a:solidFill>
+              <a:schemeClr val="bg1"/>
+            </a:solidFill>
+            <a:tailEnd type="triangle"/>
+          </a:ln>
+        </p:spPr>
+        <p:style>
+          <a:lnRef idx="1">
+            <a:schemeClr val="accent1"/>
+          </a:lnRef>
+          <a:fillRef idx="0">
+            <a:schemeClr val="accent1"/>
+          </a:fillRef>
+          <a:effectRef idx="0">
+            <a:schemeClr val="accent1"/>
+          </a:effectRef>
+          <a:fontRef idx="minor">
+            <a:schemeClr val="tx1"/>
+          </a:fontRef>
+        </p:style>
+      </p:cxnSp>
+      <p:cxnSp>
+        <p:nvCxnSpPr>
+          <p:cNvPr id="13" name="Straight Arrow Connector 12">
+            <a:extLst>
+              <a:ext uri="{FF2B5EF4-FFF2-40B4-BE49-F238E27FC236}">
+                <a16:creationId xmlns:a16="http://schemas.microsoft.com/office/drawing/2014/main" id="{9D7DC36D-C30D-49AF-83A2-0871F7BABA2B}"/>
+              </a:ext>
+            </a:extLst>
+          </p:cNvPr>
+          <p:cNvCxnSpPr>
+            <a:cxnSpLocks/>
+          </p:cNvCxnSpPr>
+          <p:nvPr/>
+        </p:nvCxnSpPr>
+        <p:spPr>
+          <a:xfrm>
+            <a:off x="7036528" y="3587308"/>
             <a:ext cx="217714" cy="0"/>
           </a:xfrm>
           <a:prstGeom prst="straightConnector1">
@@ -7187,7 +7483,7 @@
     </p:spTree>
     <p:extLst>
       <p:ext uri="{BB962C8B-B14F-4D97-AF65-F5344CB8AC3E}">
-        <p14:creationId xmlns:p14="http://schemas.microsoft.com/office/powerpoint/2010/main" val="3366013638"/>
+        <p14:creationId xmlns:p14="http://schemas.microsoft.com/office/powerpoint/2010/main" val="2143867250"/>
       </p:ext>
     </p:extLst>
   </p:cSld>
@@ -7640,6 +7936,50 @@
           </a:prstGeom>
           <a:ln w="19050">
             <a:solidFill>
+              <a:schemeClr val="bg1"/>
+            </a:solidFill>
+            <a:tailEnd type="triangle"/>
+          </a:ln>
+        </p:spPr>
+        <p:style>
+          <a:lnRef idx="1">
+            <a:schemeClr val="accent1"/>
+          </a:lnRef>
+          <a:fillRef idx="0">
+            <a:schemeClr val="accent1"/>
+          </a:fillRef>
+          <a:effectRef idx="0">
+            <a:schemeClr val="accent1"/>
+          </a:effectRef>
+          <a:fontRef idx="minor">
+            <a:schemeClr val="tx1"/>
+          </a:fontRef>
+        </p:style>
+      </p:cxnSp>
+      <p:cxnSp>
+        <p:nvCxnSpPr>
+          <p:cNvPr id="13" name="Straight Arrow Connector 12">
+            <a:extLst>
+              <a:ext uri="{FF2B5EF4-FFF2-40B4-BE49-F238E27FC236}">
+                <a16:creationId xmlns:a16="http://schemas.microsoft.com/office/drawing/2014/main" id="{1C6075D7-50CF-4B7B-9E85-062DD2D88260}"/>
+              </a:ext>
+            </a:extLst>
+          </p:cNvPr>
+          <p:cNvCxnSpPr>
+            <a:cxnSpLocks/>
+          </p:cNvCxnSpPr>
+          <p:nvPr/>
+        </p:nvCxnSpPr>
+        <p:spPr>
+          <a:xfrm rot="10800000" flipH="1">
+            <a:off x="7036527" y="1773434"/>
+            <a:ext cx="217714" cy="0"/>
+          </a:xfrm>
+          <a:prstGeom prst="straightConnector1">
+            <a:avLst/>
+          </a:prstGeom>
+          <a:ln w="19050">
+            <a:solidFill>
               <a:schemeClr val="tx1"/>
             </a:solidFill>
             <a:tailEnd type="triangle"/>
@@ -7663,7 +8003,7 @@
     </p:spTree>
     <p:extLst>
       <p:ext uri="{BB962C8B-B14F-4D97-AF65-F5344CB8AC3E}">
-        <p14:creationId xmlns:p14="http://schemas.microsoft.com/office/powerpoint/2010/main" val="2503173296"/>
+        <p14:creationId xmlns:p14="http://schemas.microsoft.com/office/powerpoint/2010/main" val="3952862144"/>
       </p:ext>
     </p:extLst>
   </p:cSld>
@@ -8120,6 +8460,50 @@
           </a:prstGeom>
           <a:ln w="19050">
             <a:solidFill>
+              <a:schemeClr val="bg1"/>
+            </a:solidFill>
+            <a:tailEnd type="triangle"/>
+          </a:ln>
+        </p:spPr>
+        <p:style>
+          <a:lnRef idx="1">
+            <a:schemeClr val="accent1"/>
+          </a:lnRef>
+          <a:fillRef idx="0">
+            <a:schemeClr val="accent1"/>
+          </a:fillRef>
+          <a:effectRef idx="0">
+            <a:schemeClr val="accent1"/>
+          </a:effectRef>
+          <a:fontRef idx="minor">
+            <a:schemeClr val="tx1"/>
+          </a:fontRef>
+        </p:style>
+      </p:cxnSp>
+      <p:cxnSp>
+        <p:nvCxnSpPr>
+          <p:cNvPr id="13" name="Straight Arrow Connector 12">
+            <a:extLst>
+              <a:ext uri="{FF2B5EF4-FFF2-40B4-BE49-F238E27FC236}">
+                <a16:creationId xmlns:a16="http://schemas.microsoft.com/office/drawing/2014/main" id="{2302FD80-0A7D-4E9A-A35C-76E9BE8F9D7E}"/>
+              </a:ext>
+            </a:extLst>
+          </p:cNvPr>
+          <p:cNvCxnSpPr>
+            <a:cxnSpLocks/>
+          </p:cNvCxnSpPr>
+          <p:nvPr/>
+        </p:nvCxnSpPr>
+        <p:spPr>
+          <a:xfrm rot="10800000" flipH="1">
+            <a:off x="5207727" y="1759129"/>
+            <a:ext cx="217714" cy="0"/>
+          </a:xfrm>
+          <a:prstGeom prst="straightConnector1">
+            <a:avLst/>
+          </a:prstGeom>
+          <a:ln w="19050">
+            <a:solidFill>
               <a:schemeClr val="tx1"/>
             </a:solidFill>
             <a:tailEnd type="triangle"/>
@@ -8143,527 +8527,7 @@
     </p:spTree>
     <p:extLst>
       <p:ext uri="{BB962C8B-B14F-4D97-AF65-F5344CB8AC3E}">
-        <p14:creationId xmlns:p14="http://schemas.microsoft.com/office/powerpoint/2010/main" val="2479049427"/>
-      </p:ext>
-    </p:extLst>
-  </p:cSld>
-  <p:clrMapOvr>
-    <a:masterClrMapping/>
-  </p:clrMapOvr>
-</p:sld>
-</file>
-
-<file path=ppt/slides/slide19.xml><?xml version="1.0" encoding="utf-8"?>
-<p:sld xmlns:a="http://schemas.openxmlformats.org/drawingml/2006/main" xmlns:r="http://schemas.openxmlformats.org/officeDocument/2006/relationships" xmlns:p="http://schemas.openxmlformats.org/presentationml/2006/main">
-  <p:cSld>
-    <p:spTree>
-      <p:nvGrpSpPr>
-        <p:cNvPr id="1" name=""/>
-        <p:cNvGrpSpPr/>
-        <p:nvPr/>
-      </p:nvGrpSpPr>
-      <p:grpSpPr>
-        <a:xfrm>
-          <a:off x="0" y="0"/>
-          <a:ext cx="0" cy="0"/>
-          <a:chOff x="0" y="0"/>
-          <a:chExt cx="0" cy="0"/>
-        </a:xfrm>
-      </p:grpSpPr>
-      <p:sp>
-        <p:nvSpPr>
-          <p:cNvPr id="4" name="Rectangle 3">
-            <a:extLst>
-              <a:ext uri="{FF2B5EF4-FFF2-40B4-BE49-F238E27FC236}">
-                <a16:creationId xmlns:a16="http://schemas.microsoft.com/office/drawing/2014/main" id="{716C5456-621C-4CB2-957A-D06C49F6E38E}"/>
-              </a:ext>
-            </a:extLst>
-          </p:cNvPr>
-          <p:cNvSpPr/>
-          <p:nvPr/>
-        </p:nvSpPr>
-        <p:spPr>
-          <a:xfrm>
-            <a:off x="2911303" y="1157447"/>
-            <a:ext cx="1182254" cy="1182254"/>
-          </a:xfrm>
-          <a:prstGeom prst="rect">
-            <a:avLst/>
-          </a:prstGeom>
-          <a:noFill/>
-          <a:ln w="19050">
-            <a:noFill/>
-          </a:ln>
-        </p:spPr>
-        <p:style>
-          <a:lnRef idx="2">
-            <a:schemeClr val="accent1">
-              <a:shade val="50000"/>
-            </a:schemeClr>
-          </a:lnRef>
-          <a:fillRef idx="1">
-            <a:schemeClr val="accent1"/>
-          </a:fillRef>
-          <a:effectRef idx="0">
-            <a:schemeClr val="accent1"/>
-          </a:effectRef>
-          <a:fontRef idx="minor">
-            <a:schemeClr val="lt1"/>
-          </a:fontRef>
-        </p:style>
-        <p:txBody>
-          <a:bodyPr rtlCol="0" anchor="ctr"/>
-          <a:lstStyle/>
-          <a:p>
-            <a:pPr algn="ctr"/>
-            <a:endParaRPr lang="LID4096" dirty="0">
-              <a:solidFill>
-                <a:schemeClr val="tx1"/>
-              </a:solidFill>
-            </a:endParaRPr>
-          </a:p>
-        </p:txBody>
-      </p:sp>
-      <p:sp>
-        <p:nvSpPr>
-          <p:cNvPr id="5" name="Rectangle 4">
-            <a:extLst>
-              <a:ext uri="{FF2B5EF4-FFF2-40B4-BE49-F238E27FC236}">
-                <a16:creationId xmlns:a16="http://schemas.microsoft.com/office/drawing/2014/main" id="{DC9131F1-3C36-4952-AB50-21D9487F0039}"/>
-              </a:ext>
-            </a:extLst>
-          </p:cNvPr>
-          <p:cNvSpPr/>
-          <p:nvPr/>
-        </p:nvSpPr>
-        <p:spPr>
-          <a:xfrm>
-            <a:off x="2911303" y="2998352"/>
-            <a:ext cx="1182254" cy="1182254"/>
-          </a:xfrm>
-          <a:prstGeom prst="rect">
-            <a:avLst/>
-          </a:prstGeom>
-          <a:noFill/>
-          <a:ln w="19050">
-            <a:noFill/>
-          </a:ln>
-        </p:spPr>
-        <p:style>
-          <a:lnRef idx="2">
-            <a:schemeClr val="accent1">
-              <a:shade val="50000"/>
-            </a:schemeClr>
-          </a:lnRef>
-          <a:fillRef idx="1">
-            <a:schemeClr val="accent1"/>
-          </a:fillRef>
-          <a:effectRef idx="0">
-            <a:schemeClr val="accent1"/>
-          </a:effectRef>
-          <a:fontRef idx="minor">
-            <a:schemeClr val="lt1"/>
-          </a:fontRef>
-        </p:style>
-        <p:txBody>
-          <a:bodyPr rtlCol="0" anchor="ctr"/>
-          <a:lstStyle/>
-          <a:p>
-            <a:pPr algn="ctr"/>
-            <a:endParaRPr lang="LID4096"/>
-          </a:p>
-        </p:txBody>
-      </p:sp>
-      <p:sp>
-        <p:nvSpPr>
-          <p:cNvPr id="6" name="Rectangle 5">
-            <a:extLst>
-              <a:ext uri="{FF2B5EF4-FFF2-40B4-BE49-F238E27FC236}">
-                <a16:creationId xmlns:a16="http://schemas.microsoft.com/office/drawing/2014/main" id="{437AB641-AB0C-4469-AD2E-A7DA4A69C7B1}"/>
-              </a:ext>
-            </a:extLst>
-          </p:cNvPr>
-          <p:cNvSpPr/>
-          <p:nvPr/>
-        </p:nvSpPr>
-        <p:spPr>
-          <a:xfrm>
-            <a:off x="2911303" y="4839257"/>
-            <a:ext cx="1182254" cy="1182254"/>
-          </a:xfrm>
-          <a:prstGeom prst="rect">
-            <a:avLst/>
-          </a:prstGeom>
-          <a:noFill/>
-          <a:ln w="19050">
-            <a:noFill/>
-          </a:ln>
-        </p:spPr>
-        <p:style>
-          <a:lnRef idx="2">
-            <a:schemeClr val="accent1">
-              <a:shade val="50000"/>
-            </a:schemeClr>
-          </a:lnRef>
-          <a:fillRef idx="1">
-            <a:schemeClr val="accent1"/>
-          </a:fillRef>
-          <a:effectRef idx="0">
-            <a:schemeClr val="accent1"/>
-          </a:effectRef>
-          <a:fontRef idx="minor">
-            <a:schemeClr val="lt1"/>
-          </a:fontRef>
-        </p:style>
-        <p:txBody>
-          <a:bodyPr rtlCol="0" anchor="ctr"/>
-          <a:lstStyle/>
-          <a:p>
-            <a:pPr algn="ctr"/>
-            <a:endParaRPr lang="LID4096"/>
-          </a:p>
-        </p:txBody>
-      </p:sp>
-      <p:sp>
-        <p:nvSpPr>
-          <p:cNvPr id="7" name="Rectangle 6">
-            <a:extLst>
-              <a:ext uri="{FF2B5EF4-FFF2-40B4-BE49-F238E27FC236}">
-                <a16:creationId xmlns:a16="http://schemas.microsoft.com/office/drawing/2014/main" id="{B3694913-6DA0-404E-96BB-F152D3921DC7}"/>
-              </a:ext>
-            </a:extLst>
-          </p:cNvPr>
-          <p:cNvSpPr/>
-          <p:nvPr/>
-        </p:nvSpPr>
-        <p:spPr>
-          <a:xfrm>
-            <a:off x="4738384" y="4839257"/>
-            <a:ext cx="1182254" cy="1182254"/>
-          </a:xfrm>
-          <a:prstGeom prst="rect">
-            <a:avLst/>
-          </a:prstGeom>
-          <a:noFill/>
-          <a:ln w="19050">
-            <a:noFill/>
-          </a:ln>
-        </p:spPr>
-        <p:style>
-          <a:lnRef idx="2">
-            <a:schemeClr val="accent1">
-              <a:shade val="50000"/>
-            </a:schemeClr>
-          </a:lnRef>
-          <a:fillRef idx="1">
-            <a:schemeClr val="accent1"/>
-          </a:fillRef>
-          <a:effectRef idx="0">
-            <a:schemeClr val="accent1"/>
-          </a:effectRef>
-          <a:fontRef idx="minor">
-            <a:schemeClr val="lt1"/>
-          </a:fontRef>
-        </p:style>
-        <p:txBody>
-          <a:bodyPr rtlCol="0" anchor="ctr"/>
-          <a:lstStyle/>
-          <a:p>
-            <a:pPr algn="ctr"/>
-            <a:endParaRPr lang="LID4096"/>
-          </a:p>
-        </p:txBody>
-      </p:sp>
-      <p:sp>
-        <p:nvSpPr>
-          <p:cNvPr id="8" name="Rectangle 7">
-            <a:extLst>
-              <a:ext uri="{FF2B5EF4-FFF2-40B4-BE49-F238E27FC236}">
-                <a16:creationId xmlns:a16="http://schemas.microsoft.com/office/drawing/2014/main" id="{5A984827-D88E-46E0-8504-F53796FD4C8D}"/>
-              </a:ext>
-            </a:extLst>
-          </p:cNvPr>
-          <p:cNvSpPr/>
-          <p:nvPr/>
-        </p:nvSpPr>
-        <p:spPr>
-          <a:xfrm>
-            <a:off x="6565465" y="4839257"/>
-            <a:ext cx="1182254" cy="1182254"/>
-          </a:xfrm>
-          <a:prstGeom prst="rect">
-            <a:avLst/>
-          </a:prstGeom>
-          <a:noFill/>
-          <a:ln w="19050">
-            <a:noFill/>
-          </a:ln>
-        </p:spPr>
-        <p:style>
-          <a:lnRef idx="2">
-            <a:schemeClr val="accent1">
-              <a:shade val="50000"/>
-            </a:schemeClr>
-          </a:lnRef>
-          <a:fillRef idx="1">
-            <a:schemeClr val="accent1"/>
-          </a:fillRef>
-          <a:effectRef idx="0">
-            <a:schemeClr val="accent1"/>
-          </a:effectRef>
-          <a:fontRef idx="minor">
-            <a:schemeClr val="lt1"/>
-          </a:fontRef>
-        </p:style>
-        <p:txBody>
-          <a:bodyPr rtlCol="0" anchor="ctr"/>
-          <a:lstStyle/>
-          <a:p>
-            <a:pPr algn="ctr"/>
-            <a:endParaRPr lang="LID4096"/>
-          </a:p>
-        </p:txBody>
-      </p:sp>
-      <p:sp>
-        <p:nvSpPr>
-          <p:cNvPr id="9" name="Rectangle 8">
-            <a:extLst>
-              <a:ext uri="{FF2B5EF4-FFF2-40B4-BE49-F238E27FC236}">
-                <a16:creationId xmlns:a16="http://schemas.microsoft.com/office/drawing/2014/main" id="{7A9F38C5-3172-4C88-BEB9-78B1C80CB300}"/>
-              </a:ext>
-            </a:extLst>
-          </p:cNvPr>
-          <p:cNvSpPr/>
-          <p:nvPr/>
-        </p:nvSpPr>
-        <p:spPr>
-          <a:xfrm>
-            <a:off x="4738384" y="1157447"/>
-            <a:ext cx="1182254" cy="1182254"/>
-          </a:xfrm>
-          <a:prstGeom prst="rect">
-            <a:avLst/>
-          </a:prstGeom>
-          <a:noFill/>
-          <a:ln w="19050">
-            <a:noFill/>
-          </a:ln>
-        </p:spPr>
-        <p:style>
-          <a:lnRef idx="2">
-            <a:schemeClr val="accent1">
-              <a:shade val="50000"/>
-            </a:schemeClr>
-          </a:lnRef>
-          <a:fillRef idx="1">
-            <a:schemeClr val="accent1"/>
-          </a:fillRef>
-          <a:effectRef idx="0">
-            <a:schemeClr val="accent1"/>
-          </a:effectRef>
-          <a:fontRef idx="minor">
-            <a:schemeClr val="lt1"/>
-          </a:fontRef>
-        </p:style>
-        <p:txBody>
-          <a:bodyPr rtlCol="0" anchor="ctr"/>
-          <a:lstStyle/>
-          <a:p>
-            <a:pPr algn="ctr"/>
-            <a:endParaRPr lang="LID4096"/>
-          </a:p>
-        </p:txBody>
-      </p:sp>
-      <p:sp>
-        <p:nvSpPr>
-          <p:cNvPr id="10" name="Rectangle 9">
-            <a:extLst>
-              <a:ext uri="{FF2B5EF4-FFF2-40B4-BE49-F238E27FC236}">
-                <a16:creationId xmlns:a16="http://schemas.microsoft.com/office/drawing/2014/main" id="{D116F38A-E07F-4B4A-A928-F7666AEAFE55}"/>
-              </a:ext>
-            </a:extLst>
-          </p:cNvPr>
-          <p:cNvSpPr/>
-          <p:nvPr/>
-        </p:nvSpPr>
-        <p:spPr>
-          <a:xfrm>
-            <a:off x="6565465" y="1157447"/>
-            <a:ext cx="1182254" cy="1182254"/>
-          </a:xfrm>
-          <a:prstGeom prst="rect">
-            <a:avLst/>
-          </a:prstGeom>
-          <a:noFill/>
-          <a:ln w="19050">
-            <a:noFill/>
-          </a:ln>
-        </p:spPr>
-        <p:style>
-          <a:lnRef idx="2">
-            <a:schemeClr val="accent1">
-              <a:shade val="50000"/>
-            </a:schemeClr>
-          </a:lnRef>
-          <a:fillRef idx="1">
-            <a:schemeClr val="accent1"/>
-          </a:fillRef>
-          <a:effectRef idx="0">
-            <a:schemeClr val="accent1"/>
-          </a:effectRef>
-          <a:fontRef idx="minor">
-            <a:schemeClr val="lt1"/>
-          </a:fontRef>
-        </p:style>
-        <p:txBody>
-          <a:bodyPr rtlCol="0" anchor="ctr"/>
-          <a:lstStyle/>
-          <a:p>
-            <a:pPr algn="ctr"/>
-            <a:endParaRPr lang="LID4096"/>
-          </a:p>
-        </p:txBody>
-      </p:sp>
-      <p:sp>
-        <p:nvSpPr>
-          <p:cNvPr id="11" name="Rectangle 10">
-            <a:extLst>
-              <a:ext uri="{FF2B5EF4-FFF2-40B4-BE49-F238E27FC236}">
-                <a16:creationId xmlns:a16="http://schemas.microsoft.com/office/drawing/2014/main" id="{8E2E6654-CC92-4CE0-938B-E385DD361A79}"/>
-              </a:ext>
-            </a:extLst>
-          </p:cNvPr>
-          <p:cNvSpPr/>
-          <p:nvPr/>
-        </p:nvSpPr>
-        <p:spPr>
-          <a:xfrm>
-            <a:off x="6565465" y="2998352"/>
-            <a:ext cx="1182254" cy="1182254"/>
-          </a:xfrm>
-          <a:prstGeom prst="rect">
-            <a:avLst/>
-          </a:prstGeom>
-          <a:noFill/>
-          <a:ln w="19050">
-            <a:noFill/>
-          </a:ln>
-        </p:spPr>
-        <p:style>
-          <a:lnRef idx="2">
-            <a:schemeClr val="accent1">
-              <a:shade val="50000"/>
-            </a:schemeClr>
-          </a:lnRef>
-          <a:fillRef idx="1">
-            <a:schemeClr val="accent1"/>
-          </a:fillRef>
-          <a:effectRef idx="0">
-            <a:schemeClr val="accent1"/>
-          </a:effectRef>
-          <a:fontRef idx="minor">
-            <a:schemeClr val="lt1"/>
-          </a:fontRef>
-        </p:style>
-        <p:txBody>
-          <a:bodyPr rtlCol="0" anchor="ctr"/>
-          <a:lstStyle/>
-          <a:p>
-            <a:pPr algn="ctr"/>
-            <a:endParaRPr lang="LID4096"/>
-          </a:p>
-        </p:txBody>
-      </p:sp>
-      <p:cxnSp>
-        <p:nvCxnSpPr>
-          <p:cNvPr id="13" name="Straight Arrow Connector 12">
-            <a:extLst>
-              <a:ext uri="{FF2B5EF4-FFF2-40B4-BE49-F238E27FC236}">
-                <a16:creationId xmlns:a16="http://schemas.microsoft.com/office/drawing/2014/main" id="{8506F469-ABD6-4E42-9B5B-79B7CF65E191}"/>
-              </a:ext>
-            </a:extLst>
-          </p:cNvPr>
-          <p:cNvCxnSpPr/>
-          <p:nvPr/>
-        </p:nvCxnSpPr>
-        <p:spPr>
-          <a:xfrm flipH="1">
-            <a:off x="3370219" y="1759131"/>
-            <a:ext cx="217714" cy="0"/>
-          </a:xfrm>
-          <a:prstGeom prst="straightConnector1">
-            <a:avLst/>
-          </a:prstGeom>
-          <a:ln w="19050">
-            <a:solidFill>
-              <a:schemeClr val="bg1"/>
-            </a:solidFill>
-            <a:tailEnd type="triangle"/>
-          </a:ln>
-        </p:spPr>
-        <p:style>
-          <a:lnRef idx="1">
-            <a:schemeClr val="accent1"/>
-          </a:lnRef>
-          <a:fillRef idx="0">
-            <a:schemeClr val="accent1"/>
-          </a:fillRef>
-          <a:effectRef idx="0">
-            <a:schemeClr val="accent1"/>
-          </a:effectRef>
-          <a:fontRef idx="minor">
-            <a:schemeClr val="tx1"/>
-          </a:fontRef>
-        </p:style>
-      </p:cxnSp>
-      <p:cxnSp>
-        <p:nvCxnSpPr>
-          <p:cNvPr id="12" name="Straight Arrow Connector 11">
-            <a:extLst>
-              <a:ext uri="{FF2B5EF4-FFF2-40B4-BE49-F238E27FC236}">
-                <a16:creationId xmlns:a16="http://schemas.microsoft.com/office/drawing/2014/main" id="{FA00AF5B-365E-4D0E-899A-67FF7F4180E9}"/>
-              </a:ext>
-            </a:extLst>
-          </p:cNvPr>
-          <p:cNvCxnSpPr>
-            <a:cxnSpLocks/>
-          </p:cNvCxnSpPr>
-          <p:nvPr/>
-        </p:nvCxnSpPr>
-        <p:spPr>
-          <a:xfrm rot="10800000" flipH="1">
-            <a:off x="3370219" y="1759131"/>
-            <a:ext cx="217714" cy="0"/>
-          </a:xfrm>
-          <a:prstGeom prst="straightConnector1">
-            <a:avLst/>
-          </a:prstGeom>
-          <a:ln w="19050">
-            <a:solidFill>
-              <a:schemeClr val="tx1"/>
-            </a:solidFill>
-            <a:tailEnd type="triangle"/>
-          </a:ln>
-        </p:spPr>
-        <p:style>
-          <a:lnRef idx="1">
-            <a:schemeClr val="accent1"/>
-          </a:lnRef>
-          <a:fillRef idx="0">
-            <a:schemeClr val="accent1"/>
-          </a:fillRef>
-          <a:effectRef idx="0">
-            <a:schemeClr val="accent1"/>
-          </a:effectRef>
-          <a:fontRef idx="minor">
-            <a:schemeClr val="tx1"/>
-          </a:fontRef>
-        </p:style>
-      </p:cxnSp>
-    </p:spTree>
-    <p:extLst>
-      <p:ext uri="{BB962C8B-B14F-4D97-AF65-F5344CB8AC3E}">
-        <p14:creationId xmlns:p14="http://schemas.microsoft.com/office/powerpoint/2010/main" val="3864431651"/>
+        <p14:creationId xmlns:p14="http://schemas.microsoft.com/office/powerpoint/2010/main" val="174609567"/>
       </p:ext>
     </p:extLst>
   </p:cSld>
@@ -8704,7 +8568,7 @@
         </p:nvSpPr>
         <p:spPr>
           <a:xfrm>
-            <a:off x="2911303" y="1157447"/>
+            <a:off x="3293308" y="1561200"/>
             <a:ext cx="1182254" cy="1182254"/>
           </a:xfrm>
           <a:prstGeom prst="rect">
@@ -8713,7 +8577,7 @@
           <a:noFill/>
           <a:ln w="19050">
             <a:solidFill>
-              <a:schemeClr val="bg1"/>
+              <a:schemeClr val="tx1"/>
             </a:solidFill>
           </a:ln>
         </p:spPr>
@@ -8738,6 +8602,14 @@
           <a:lstStyle/>
           <a:p>
             <a:pPr algn="ctr"/>
+            <a:r>
+              <a:rPr lang="en-US" dirty="0">
+                <a:solidFill>
+                  <a:schemeClr val="tx1"/>
+                </a:solidFill>
+              </a:rPr>
+              <a:t>x</a:t>
+            </a:r>
             <a:endParaRPr lang="LID4096" dirty="0">
               <a:solidFill>
                 <a:schemeClr val="tx1"/>
@@ -8760,7 +8632,7 @@
         </p:nvSpPr>
         <p:spPr>
           <a:xfrm>
-            <a:off x="2911303" y="2998352"/>
+            <a:off x="2752682" y="2849062"/>
             <a:ext cx="1182254" cy="1182254"/>
           </a:xfrm>
           <a:prstGeom prst="rect">
@@ -8769,7 +8641,7 @@
           <a:noFill/>
           <a:ln w="19050">
             <a:solidFill>
-              <a:schemeClr val="bg1"/>
+              <a:schemeClr val="tx1"/>
             </a:solidFill>
           </a:ln>
         </p:spPr>
@@ -8794,485 +8666,14 @@
           <a:lstStyle/>
           <a:p>
             <a:pPr algn="ctr"/>
-            <a:endParaRPr lang="LID4096"/>
-          </a:p>
-        </p:txBody>
-      </p:sp>
-      <p:sp>
-        <p:nvSpPr>
-          <p:cNvPr id="6" name="Rectangle 5">
-            <a:extLst>
-              <a:ext uri="{FF2B5EF4-FFF2-40B4-BE49-F238E27FC236}">
-                <a16:creationId xmlns:a16="http://schemas.microsoft.com/office/drawing/2014/main" id="{437AB641-AB0C-4469-AD2E-A7DA4A69C7B1}"/>
-              </a:ext>
-            </a:extLst>
-          </p:cNvPr>
-          <p:cNvSpPr/>
-          <p:nvPr/>
-        </p:nvSpPr>
-        <p:spPr>
-          <a:xfrm>
-            <a:off x="2911303" y="4839257"/>
-            <a:ext cx="1182254" cy="1182254"/>
-          </a:xfrm>
-          <a:prstGeom prst="rect">
-            <a:avLst/>
-          </a:prstGeom>
-          <a:noFill/>
-          <a:ln w="19050">
-            <a:solidFill>
-              <a:schemeClr val="bg1"/>
-            </a:solidFill>
-          </a:ln>
-        </p:spPr>
-        <p:style>
-          <a:lnRef idx="2">
-            <a:schemeClr val="accent1">
-              <a:shade val="50000"/>
-            </a:schemeClr>
-          </a:lnRef>
-          <a:fillRef idx="1">
-            <a:schemeClr val="accent1"/>
-          </a:fillRef>
-          <a:effectRef idx="0">
-            <a:schemeClr val="accent1"/>
-          </a:effectRef>
-          <a:fontRef idx="minor">
-            <a:schemeClr val="lt1"/>
-          </a:fontRef>
-        </p:style>
-        <p:txBody>
-          <a:bodyPr rtlCol="0" anchor="ctr"/>
-          <a:lstStyle/>
-          <a:p>
-            <a:pPr algn="ctr"/>
-            <a:endParaRPr lang="LID4096"/>
-          </a:p>
-        </p:txBody>
-      </p:sp>
-      <p:sp>
-        <p:nvSpPr>
-          <p:cNvPr id="7" name="Rectangle 6">
-            <a:extLst>
-              <a:ext uri="{FF2B5EF4-FFF2-40B4-BE49-F238E27FC236}">
-                <a16:creationId xmlns:a16="http://schemas.microsoft.com/office/drawing/2014/main" id="{B3694913-6DA0-404E-96BB-F152D3921DC7}"/>
-              </a:ext>
-            </a:extLst>
-          </p:cNvPr>
-          <p:cNvSpPr/>
-          <p:nvPr/>
-        </p:nvSpPr>
-        <p:spPr>
-          <a:xfrm>
-            <a:off x="4738384" y="4839257"/>
-            <a:ext cx="1182254" cy="1182254"/>
-          </a:xfrm>
-          <a:prstGeom prst="rect">
-            <a:avLst/>
-          </a:prstGeom>
-          <a:noFill/>
-          <a:ln w="19050">
-            <a:solidFill>
-              <a:schemeClr val="bg1"/>
-            </a:solidFill>
-          </a:ln>
-        </p:spPr>
-        <p:style>
-          <a:lnRef idx="2">
-            <a:schemeClr val="accent1">
-              <a:shade val="50000"/>
-            </a:schemeClr>
-          </a:lnRef>
-          <a:fillRef idx="1">
-            <a:schemeClr val="accent1"/>
-          </a:fillRef>
-          <a:effectRef idx="0">
-            <a:schemeClr val="accent1"/>
-          </a:effectRef>
-          <a:fontRef idx="minor">
-            <a:schemeClr val="lt1"/>
-          </a:fontRef>
-        </p:style>
-        <p:txBody>
-          <a:bodyPr rtlCol="0" anchor="ctr"/>
-          <a:lstStyle/>
-          <a:p>
-            <a:pPr algn="ctr"/>
-            <a:endParaRPr lang="LID4096"/>
-          </a:p>
-        </p:txBody>
-      </p:sp>
-      <p:sp>
-        <p:nvSpPr>
-          <p:cNvPr id="8" name="Rectangle 7">
-            <a:extLst>
-              <a:ext uri="{FF2B5EF4-FFF2-40B4-BE49-F238E27FC236}">
-                <a16:creationId xmlns:a16="http://schemas.microsoft.com/office/drawing/2014/main" id="{5A984827-D88E-46E0-8504-F53796FD4C8D}"/>
-              </a:ext>
-            </a:extLst>
-          </p:cNvPr>
-          <p:cNvSpPr/>
-          <p:nvPr/>
-        </p:nvSpPr>
-        <p:spPr>
-          <a:xfrm>
-            <a:off x="6565465" y="4839257"/>
-            <a:ext cx="1182254" cy="1182254"/>
-          </a:xfrm>
-          <a:prstGeom prst="rect">
-            <a:avLst/>
-          </a:prstGeom>
-          <a:noFill/>
-          <a:ln w="19050">
-            <a:solidFill>
-              <a:schemeClr val="bg1"/>
-            </a:solidFill>
-          </a:ln>
-        </p:spPr>
-        <p:style>
-          <a:lnRef idx="2">
-            <a:schemeClr val="accent1">
-              <a:shade val="50000"/>
-            </a:schemeClr>
-          </a:lnRef>
-          <a:fillRef idx="1">
-            <a:schemeClr val="accent1"/>
-          </a:fillRef>
-          <a:effectRef idx="0">
-            <a:schemeClr val="accent1"/>
-          </a:effectRef>
-          <a:fontRef idx="minor">
-            <a:schemeClr val="lt1"/>
-          </a:fontRef>
-        </p:style>
-        <p:txBody>
-          <a:bodyPr rtlCol="0" anchor="ctr"/>
-          <a:lstStyle/>
-          <a:p>
-            <a:pPr algn="ctr"/>
-            <a:endParaRPr lang="LID4096"/>
-          </a:p>
-        </p:txBody>
-      </p:sp>
-      <p:sp>
-        <p:nvSpPr>
-          <p:cNvPr id="9" name="Rectangle 8">
-            <a:extLst>
-              <a:ext uri="{FF2B5EF4-FFF2-40B4-BE49-F238E27FC236}">
-                <a16:creationId xmlns:a16="http://schemas.microsoft.com/office/drawing/2014/main" id="{7A9F38C5-3172-4C88-BEB9-78B1C80CB300}"/>
-              </a:ext>
-            </a:extLst>
-          </p:cNvPr>
-          <p:cNvSpPr/>
-          <p:nvPr/>
-        </p:nvSpPr>
-        <p:spPr>
-          <a:xfrm>
-            <a:off x="4738384" y="1157447"/>
-            <a:ext cx="1182254" cy="1182254"/>
-          </a:xfrm>
-          <a:prstGeom prst="rect">
-            <a:avLst/>
-          </a:prstGeom>
-          <a:noFill/>
-          <a:ln w="19050">
-            <a:solidFill>
-              <a:schemeClr val="bg1"/>
-            </a:solidFill>
-          </a:ln>
-        </p:spPr>
-        <p:style>
-          <a:lnRef idx="2">
-            <a:schemeClr val="accent1">
-              <a:shade val="50000"/>
-            </a:schemeClr>
-          </a:lnRef>
-          <a:fillRef idx="1">
-            <a:schemeClr val="accent1"/>
-          </a:fillRef>
-          <a:effectRef idx="0">
-            <a:schemeClr val="accent1"/>
-          </a:effectRef>
-          <a:fontRef idx="minor">
-            <a:schemeClr val="lt1"/>
-          </a:fontRef>
-        </p:style>
-        <p:txBody>
-          <a:bodyPr rtlCol="0" anchor="ctr"/>
-          <a:lstStyle/>
-          <a:p>
-            <a:pPr algn="ctr"/>
-            <a:endParaRPr lang="LID4096"/>
-          </a:p>
-        </p:txBody>
-      </p:sp>
-      <p:sp>
-        <p:nvSpPr>
-          <p:cNvPr id="10" name="Rectangle 9">
-            <a:extLst>
-              <a:ext uri="{FF2B5EF4-FFF2-40B4-BE49-F238E27FC236}">
-                <a16:creationId xmlns:a16="http://schemas.microsoft.com/office/drawing/2014/main" id="{D116F38A-E07F-4B4A-A928-F7666AEAFE55}"/>
-              </a:ext>
-            </a:extLst>
-          </p:cNvPr>
-          <p:cNvSpPr/>
-          <p:nvPr/>
-        </p:nvSpPr>
-        <p:spPr>
-          <a:xfrm>
-            <a:off x="6565465" y="1157447"/>
-            <a:ext cx="1182254" cy="1182254"/>
-          </a:xfrm>
-          <a:prstGeom prst="rect">
-            <a:avLst/>
-          </a:prstGeom>
-          <a:noFill/>
-          <a:ln w="19050">
-            <a:solidFill>
-              <a:schemeClr val="bg1"/>
-            </a:solidFill>
-          </a:ln>
-        </p:spPr>
-        <p:style>
-          <a:lnRef idx="2">
-            <a:schemeClr val="accent1">
-              <a:shade val="50000"/>
-            </a:schemeClr>
-          </a:lnRef>
-          <a:fillRef idx="1">
-            <a:schemeClr val="accent1"/>
-          </a:fillRef>
-          <a:effectRef idx="0">
-            <a:schemeClr val="accent1"/>
-          </a:effectRef>
-          <a:fontRef idx="minor">
-            <a:schemeClr val="lt1"/>
-          </a:fontRef>
-        </p:style>
-        <p:txBody>
-          <a:bodyPr rtlCol="0" anchor="ctr"/>
-          <a:lstStyle/>
-          <a:p>
-            <a:pPr algn="ctr"/>
-            <a:endParaRPr lang="LID4096"/>
-          </a:p>
-        </p:txBody>
-      </p:sp>
-      <p:sp>
-        <p:nvSpPr>
-          <p:cNvPr id="11" name="Rectangle 10">
-            <a:extLst>
-              <a:ext uri="{FF2B5EF4-FFF2-40B4-BE49-F238E27FC236}">
-                <a16:creationId xmlns:a16="http://schemas.microsoft.com/office/drawing/2014/main" id="{8E2E6654-CC92-4CE0-938B-E385DD361A79}"/>
-              </a:ext>
-            </a:extLst>
-          </p:cNvPr>
-          <p:cNvSpPr/>
-          <p:nvPr/>
-        </p:nvSpPr>
-        <p:spPr>
-          <a:xfrm>
-            <a:off x="6565465" y="2998352"/>
-            <a:ext cx="1182254" cy="1182254"/>
-          </a:xfrm>
-          <a:prstGeom prst="rect">
-            <a:avLst/>
-          </a:prstGeom>
-          <a:noFill/>
-          <a:ln w="19050">
-            <a:solidFill>
-              <a:schemeClr val="bg1"/>
-            </a:solidFill>
-          </a:ln>
-        </p:spPr>
-        <p:style>
-          <a:lnRef idx="2">
-            <a:schemeClr val="accent1">
-              <a:shade val="50000"/>
-            </a:schemeClr>
-          </a:lnRef>
-          <a:fillRef idx="1">
-            <a:schemeClr val="accent1"/>
-          </a:fillRef>
-          <a:effectRef idx="0">
-            <a:schemeClr val="accent1"/>
-          </a:effectRef>
-          <a:fontRef idx="minor">
-            <a:schemeClr val="lt1"/>
-          </a:fontRef>
-        </p:style>
-        <p:txBody>
-          <a:bodyPr rtlCol="0" anchor="ctr"/>
-          <a:lstStyle/>
-          <a:p>
-            <a:pPr algn="ctr"/>
-            <a:endParaRPr lang="LID4096"/>
-          </a:p>
-        </p:txBody>
-      </p:sp>
-      <p:sp>
-        <p:nvSpPr>
-          <p:cNvPr id="12" name="TextBox 11">
-            <a:extLst>
-              <a:ext uri="{FF2B5EF4-FFF2-40B4-BE49-F238E27FC236}">
-                <a16:creationId xmlns:a16="http://schemas.microsoft.com/office/drawing/2014/main" id="{392704EE-1EC2-4F06-9B0F-7031D64106CC}"/>
-              </a:ext>
-            </a:extLst>
-          </p:cNvPr>
-          <p:cNvSpPr txBox="1"/>
-          <p:nvPr/>
-        </p:nvSpPr>
-        <p:spPr>
-          <a:xfrm>
-            <a:off x="5177065" y="3404813"/>
-            <a:ext cx="304892" cy="369332"/>
-          </a:xfrm>
-          <a:prstGeom prst="rect">
-            <a:avLst/>
-          </a:prstGeom>
-          <a:noFill/>
-        </p:spPr>
-        <p:txBody>
-          <a:bodyPr wrap="none" rtlCol="0">
-            <a:spAutoFit/>
-          </a:bodyPr>
-          <a:lstStyle/>
-          <a:p>
-            <a:pPr algn="ctr"/>
             <a:r>
-              <a:rPr lang="en-US" dirty="0"/>
-              <a:t>X</a:t>
+              <a:rPr lang="en-US" dirty="0">
+                <a:solidFill>
+                  <a:schemeClr val="tx1"/>
+                </a:solidFill>
+              </a:rPr>
+              <a:t>x</a:t>
             </a:r>
-            <a:endParaRPr lang="LID4096" dirty="0"/>
-          </a:p>
-        </p:txBody>
-      </p:sp>
-    </p:spTree>
-    <p:extLst>
-      <p:ext uri="{BB962C8B-B14F-4D97-AF65-F5344CB8AC3E}">
-        <p14:creationId xmlns:p14="http://schemas.microsoft.com/office/powerpoint/2010/main" val="1276770982"/>
-      </p:ext>
-    </p:extLst>
-  </p:cSld>
-  <p:clrMapOvr>
-    <a:masterClrMapping/>
-  </p:clrMapOvr>
-</p:sld>
-</file>
-
-<file path=ppt/slides/slide20.xml><?xml version="1.0" encoding="utf-8"?>
-<p:sld xmlns:a="http://schemas.openxmlformats.org/drawingml/2006/main" xmlns:r="http://schemas.openxmlformats.org/officeDocument/2006/relationships" xmlns:p="http://schemas.openxmlformats.org/presentationml/2006/main">
-  <p:cSld>
-    <p:spTree>
-      <p:nvGrpSpPr>
-        <p:cNvPr id="1" name=""/>
-        <p:cNvGrpSpPr/>
-        <p:nvPr/>
-      </p:nvGrpSpPr>
-      <p:grpSpPr>
-        <a:xfrm>
-          <a:off x="0" y="0"/>
-          <a:ext cx="0" cy="0"/>
-          <a:chOff x="0" y="0"/>
-          <a:chExt cx="0" cy="0"/>
-        </a:xfrm>
-      </p:grpSpPr>
-      <p:sp>
-        <p:nvSpPr>
-          <p:cNvPr id="4" name="Rectangle 3">
-            <a:extLst>
-              <a:ext uri="{FF2B5EF4-FFF2-40B4-BE49-F238E27FC236}">
-                <a16:creationId xmlns:a16="http://schemas.microsoft.com/office/drawing/2014/main" id="{716C5456-621C-4CB2-957A-D06C49F6E38E}"/>
-              </a:ext>
-            </a:extLst>
-          </p:cNvPr>
-          <p:cNvSpPr/>
-          <p:nvPr/>
-        </p:nvSpPr>
-        <p:spPr>
-          <a:xfrm>
-            <a:off x="2911303" y="1157447"/>
-            <a:ext cx="1182254" cy="1182254"/>
-          </a:xfrm>
-          <a:prstGeom prst="rect">
-            <a:avLst/>
-          </a:prstGeom>
-          <a:noFill/>
-          <a:ln w="19050">
-            <a:noFill/>
-          </a:ln>
-        </p:spPr>
-        <p:style>
-          <a:lnRef idx="2">
-            <a:schemeClr val="accent1">
-              <a:shade val="50000"/>
-            </a:schemeClr>
-          </a:lnRef>
-          <a:fillRef idx="1">
-            <a:schemeClr val="accent1"/>
-          </a:fillRef>
-          <a:effectRef idx="0">
-            <a:schemeClr val="accent1"/>
-          </a:effectRef>
-          <a:fontRef idx="minor">
-            <a:schemeClr val="lt1"/>
-          </a:fontRef>
-        </p:style>
-        <p:txBody>
-          <a:bodyPr rtlCol="0" anchor="ctr"/>
-          <a:lstStyle/>
-          <a:p>
-            <a:pPr algn="ctr"/>
-            <a:endParaRPr lang="LID4096"/>
-          </a:p>
-        </p:txBody>
-      </p:sp>
-      <p:sp>
-        <p:nvSpPr>
-          <p:cNvPr id="5" name="Rectangle 4">
-            <a:extLst>
-              <a:ext uri="{FF2B5EF4-FFF2-40B4-BE49-F238E27FC236}">
-                <a16:creationId xmlns:a16="http://schemas.microsoft.com/office/drawing/2014/main" id="{DC9131F1-3C36-4952-AB50-21D9487F0039}"/>
-              </a:ext>
-            </a:extLst>
-          </p:cNvPr>
-          <p:cNvSpPr/>
-          <p:nvPr/>
-        </p:nvSpPr>
-        <p:spPr>
-          <a:xfrm>
-            <a:off x="2911303" y="2998352"/>
-            <a:ext cx="1182254" cy="1182254"/>
-          </a:xfrm>
-          <a:prstGeom prst="rect">
-            <a:avLst/>
-          </a:prstGeom>
-          <a:noFill/>
-          <a:ln w="19050">
-            <a:noFill/>
-          </a:ln>
-        </p:spPr>
-        <p:style>
-          <a:lnRef idx="2">
-            <a:schemeClr val="accent1">
-              <a:shade val="50000"/>
-            </a:schemeClr>
-          </a:lnRef>
-          <a:fillRef idx="1">
-            <a:schemeClr val="accent1"/>
-          </a:fillRef>
-          <a:effectRef idx="0">
-            <a:schemeClr val="accent1"/>
-          </a:effectRef>
-          <a:fontRef idx="minor">
-            <a:schemeClr val="lt1"/>
-          </a:fontRef>
-        </p:style>
-        <p:txBody>
-          <a:bodyPr rtlCol="0" anchor="ctr"/>
-          <a:lstStyle/>
-          <a:p>
-            <a:pPr algn="ctr"/>
             <a:endParaRPr lang="LID4096" dirty="0">
               <a:solidFill>
                 <a:schemeClr val="tx1"/>
@@ -9295,38 +8696,48 @@
         </p:nvSpPr>
         <p:spPr>
           <a:xfrm>
-            <a:off x="2911303" y="4839257"/>
-            <a:ext cx="1182254" cy="1182254"/>
-          </a:xfrm>
-          <a:prstGeom prst="rect">
-            <a:avLst/>
-          </a:prstGeom>
-          <a:noFill/>
-          <a:ln w="19050">
-            <a:noFill/>
-          </a:ln>
-        </p:spPr>
-        <p:style>
-          <a:lnRef idx="2">
-            <a:schemeClr val="accent1">
-              <a:shade val="50000"/>
-            </a:schemeClr>
-          </a:lnRef>
-          <a:fillRef idx="1">
-            <a:schemeClr val="accent1"/>
-          </a:fillRef>
-          <a:effectRef idx="0">
-            <a:schemeClr val="accent1"/>
-          </a:effectRef>
-          <a:fontRef idx="minor">
-            <a:schemeClr val="lt1"/>
-          </a:fontRef>
-        </p:style>
-        <p:txBody>
-          <a:bodyPr rtlCol="0" anchor="ctr"/>
-          <a:lstStyle/>
-          <a:p>
-            <a:pPr algn="ctr"/>
+            <a:off x="3293308" y="4136924"/>
+            <a:ext cx="1182254" cy="1182254"/>
+          </a:xfrm>
+          <a:prstGeom prst="rect">
+            <a:avLst/>
+          </a:prstGeom>
+          <a:noFill/>
+          <a:ln w="19050">
+            <a:solidFill>
+              <a:schemeClr val="tx1"/>
+            </a:solidFill>
+          </a:ln>
+        </p:spPr>
+        <p:style>
+          <a:lnRef idx="2">
+            <a:schemeClr val="accent1">
+              <a:shade val="50000"/>
+            </a:schemeClr>
+          </a:lnRef>
+          <a:fillRef idx="1">
+            <a:schemeClr val="accent1"/>
+          </a:fillRef>
+          <a:effectRef idx="0">
+            <a:schemeClr val="accent1"/>
+          </a:effectRef>
+          <a:fontRef idx="minor">
+            <a:schemeClr val="lt1"/>
+          </a:fontRef>
+        </p:style>
+        <p:txBody>
+          <a:bodyPr rtlCol="0" anchor="ctr"/>
+          <a:lstStyle/>
+          <a:p>
+            <a:pPr algn="ctr"/>
+            <a:r>
+              <a:rPr lang="en-US" dirty="0">
+                <a:solidFill>
+                  <a:schemeClr val="tx1"/>
+                </a:solidFill>
+              </a:rPr>
+              <a:t>x</a:t>
+            </a:r>
             <a:endParaRPr lang="LID4096" dirty="0">
               <a:solidFill>
                 <a:schemeClr val="tx1"/>
@@ -9349,38 +8760,48 @@
         </p:nvSpPr>
         <p:spPr>
           <a:xfrm>
-            <a:off x="4738384" y="4839257"/>
-            <a:ext cx="1182254" cy="1182254"/>
-          </a:xfrm>
-          <a:prstGeom prst="rect">
-            <a:avLst/>
-          </a:prstGeom>
-          <a:noFill/>
-          <a:ln w="19050">
-            <a:noFill/>
-          </a:ln>
-        </p:spPr>
-        <p:style>
-          <a:lnRef idx="2">
-            <a:schemeClr val="accent1">
-              <a:shade val="50000"/>
-            </a:schemeClr>
-          </a:lnRef>
-          <a:fillRef idx="1">
-            <a:schemeClr val="accent1"/>
-          </a:fillRef>
-          <a:effectRef idx="0">
-            <a:schemeClr val="accent1"/>
-          </a:effectRef>
-          <a:fontRef idx="minor">
-            <a:schemeClr val="lt1"/>
-          </a:fontRef>
-        </p:style>
-        <p:txBody>
-          <a:bodyPr rtlCol="0" anchor="ctr"/>
-          <a:lstStyle/>
-          <a:p>
-            <a:pPr algn="ctr"/>
+            <a:off x="4576566" y="4672580"/>
+            <a:ext cx="1182254" cy="1182254"/>
+          </a:xfrm>
+          <a:prstGeom prst="rect">
+            <a:avLst/>
+          </a:prstGeom>
+          <a:noFill/>
+          <a:ln w="19050">
+            <a:solidFill>
+              <a:schemeClr val="tx1"/>
+            </a:solidFill>
+          </a:ln>
+        </p:spPr>
+        <p:style>
+          <a:lnRef idx="2">
+            <a:schemeClr val="accent1">
+              <a:shade val="50000"/>
+            </a:schemeClr>
+          </a:lnRef>
+          <a:fillRef idx="1">
+            <a:schemeClr val="accent1"/>
+          </a:fillRef>
+          <a:effectRef idx="0">
+            <a:schemeClr val="accent1"/>
+          </a:effectRef>
+          <a:fontRef idx="minor">
+            <a:schemeClr val="lt1"/>
+          </a:fontRef>
+        </p:style>
+        <p:txBody>
+          <a:bodyPr rtlCol="0" anchor="ctr"/>
+          <a:lstStyle/>
+          <a:p>
+            <a:pPr algn="ctr"/>
+            <a:r>
+              <a:rPr lang="en-US" dirty="0">
+                <a:solidFill>
+                  <a:schemeClr val="tx1"/>
+                </a:solidFill>
+              </a:rPr>
+              <a:t>x</a:t>
+            </a:r>
             <a:endParaRPr lang="LID4096" dirty="0">
               <a:solidFill>
                 <a:schemeClr val="tx1"/>
@@ -9403,38 +8824,48 @@
         </p:nvSpPr>
         <p:spPr>
           <a:xfrm>
-            <a:off x="6565465" y="4839257"/>
-            <a:ext cx="1182254" cy="1182254"/>
-          </a:xfrm>
-          <a:prstGeom prst="rect">
-            <a:avLst/>
-          </a:prstGeom>
-          <a:noFill/>
-          <a:ln w="19050">
-            <a:noFill/>
-          </a:ln>
-        </p:spPr>
-        <p:style>
-          <a:lnRef idx="2">
-            <a:schemeClr val="accent1">
-              <a:shade val="50000"/>
-            </a:schemeClr>
-          </a:lnRef>
-          <a:fillRef idx="1">
-            <a:schemeClr val="accent1"/>
-          </a:fillRef>
-          <a:effectRef idx="0">
-            <a:schemeClr val="accent1"/>
-          </a:effectRef>
-          <a:fontRef idx="minor">
-            <a:schemeClr val="lt1"/>
-          </a:fontRef>
-        </p:style>
-        <p:txBody>
-          <a:bodyPr rtlCol="0" anchor="ctr"/>
-          <a:lstStyle/>
-          <a:p>
-            <a:pPr algn="ctr"/>
+            <a:off x="5859824" y="4136924"/>
+            <a:ext cx="1182254" cy="1182254"/>
+          </a:xfrm>
+          <a:prstGeom prst="rect">
+            <a:avLst/>
+          </a:prstGeom>
+          <a:noFill/>
+          <a:ln w="19050">
+            <a:solidFill>
+              <a:schemeClr val="tx1"/>
+            </a:solidFill>
+          </a:ln>
+        </p:spPr>
+        <p:style>
+          <a:lnRef idx="2">
+            <a:schemeClr val="accent1">
+              <a:shade val="50000"/>
+            </a:schemeClr>
+          </a:lnRef>
+          <a:fillRef idx="1">
+            <a:schemeClr val="accent1"/>
+          </a:fillRef>
+          <a:effectRef idx="0">
+            <a:schemeClr val="accent1"/>
+          </a:effectRef>
+          <a:fontRef idx="minor">
+            <a:schemeClr val="lt1"/>
+          </a:fontRef>
+        </p:style>
+        <p:txBody>
+          <a:bodyPr rtlCol="0" anchor="ctr"/>
+          <a:lstStyle/>
+          <a:p>
+            <a:pPr algn="ctr"/>
+            <a:r>
+              <a:rPr lang="en-US" dirty="0">
+                <a:solidFill>
+                  <a:schemeClr val="tx1"/>
+                </a:solidFill>
+              </a:rPr>
+              <a:t>x</a:t>
+            </a:r>
             <a:endParaRPr lang="LID4096" dirty="0">
               <a:solidFill>
                 <a:schemeClr val="tx1"/>
@@ -9457,404 +8888,48 @@
         </p:nvSpPr>
         <p:spPr>
           <a:xfrm>
-            <a:off x="4738384" y="1157447"/>
-            <a:ext cx="1182254" cy="1182254"/>
-          </a:xfrm>
-          <a:prstGeom prst="rect">
-            <a:avLst/>
-          </a:prstGeom>
-          <a:noFill/>
-          <a:ln w="19050">
-            <a:noFill/>
-          </a:ln>
-        </p:spPr>
-        <p:style>
-          <a:lnRef idx="2">
-            <a:schemeClr val="accent1">
-              <a:shade val="50000"/>
-            </a:schemeClr>
-          </a:lnRef>
-          <a:fillRef idx="1">
-            <a:schemeClr val="accent1"/>
-          </a:fillRef>
-          <a:effectRef idx="0">
-            <a:schemeClr val="accent1"/>
-          </a:effectRef>
-          <a:fontRef idx="minor">
-            <a:schemeClr val="lt1"/>
-          </a:fontRef>
-        </p:style>
-        <p:txBody>
-          <a:bodyPr rtlCol="0" anchor="ctr"/>
-          <a:lstStyle/>
-          <a:p>
-            <a:pPr algn="ctr"/>
-            <a:endParaRPr lang="LID4096"/>
-          </a:p>
-        </p:txBody>
-      </p:sp>
-      <p:sp>
-        <p:nvSpPr>
-          <p:cNvPr id="10" name="Rectangle 9">
-            <a:extLst>
-              <a:ext uri="{FF2B5EF4-FFF2-40B4-BE49-F238E27FC236}">
-                <a16:creationId xmlns:a16="http://schemas.microsoft.com/office/drawing/2014/main" id="{D116F38A-E07F-4B4A-A928-F7666AEAFE55}"/>
-              </a:ext>
-            </a:extLst>
-          </p:cNvPr>
-          <p:cNvSpPr/>
-          <p:nvPr/>
-        </p:nvSpPr>
-        <p:spPr>
-          <a:xfrm>
-            <a:off x="6565465" y="1157447"/>
-            <a:ext cx="1182254" cy="1182254"/>
-          </a:xfrm>
-          <a:prstGeom prst="rect">
-            <a:avLst/>
-          </a:prstGeom>
-          <a:noFill/>
-          <a:ln w="19050">
-            <a:noFill/>
-          </a:ln>
-        </p:spPr>
-        <p:style>
-          <a:lnRef idx="2">
-            <a:schemeClr val="accent1">
-              <a:shade val="50000"/>
-            </a:schemeClr>
-          </a:lnRef>
-          <a:fillRef idx="1">
-            <a:schemeClr val="accent1"/>
-          </a:fillRef>
-          <a:effectRef idx="0">
-            <a:schemeClr val="accent1"/>
-          </a:effectRef>
-          <a:fontRef idx="minor">
-            <a:schemeClr val="lt1"/>
-          </a:fontRef>
-        </p:style>
-        <p:txBody>
-          <a:bodyPr rtlCol="0" anchor="ctr"/>
-          <a:lstStyle/>
-          <a:p>
-            <a:pPr algn="ctr"/>
-            <a:endParaRPr lang="LID4096"/>
-          </a:p>
-        </p:txBody>
-      </p:sp>
-      <p:sp>
-        <p:nvSpPr>
-          <p:cNvPr id="11" name="Rectangle 10">
-            <a:extLst>
-              <a:ext uri="{FF2B5EF4-FFF2-40B4-BE49-F238E27FC236}">
-                <a16:creationId xmlns:a16="http://schemas.microsoft.com/office/drawing/2014/main" id="{8E2E6654-CC92-4CE0-938B-E385DD361A79}"/>
-              </a:ext>
-            </a:extLst>
-          </p:cNvPr>
-          <p:cNvSpPr/>
-          <p:nvPr/>
-        </p:nvSpPr>
-        <p:spPr>
-          <a:xfrm>
-            <a:off x="6565465" y="2998352"/>
-            <a:ext cx="1182254" cy="1182254"/>
-          </a:xfrm>
-          <a:prstGeom prst="rect">
-            <a:avLst/>
-          </a:prstGeom>
-          <a:noFill/>
-          <a:ln w="19050">
-            <a:noFill/>
-          </a:ln>
-        </p:spPr>
-        <p:style>
-          <a:lnRef idx="2">
-            <a:schemeClr val="accent1">
-              <a:shade val="50000"/>
-            </a:schemeClr>
-          </a:lnRef>
-          <a:fillRef idx="1">
-            <a:schemeClr val="accent1"/>
-          </a:fillRef>
-          <a:effectRef idx="0">
-            <a:schemeClr val="accent1"/>
-          </a:effectRef>
-          <a:fontRef idx="minor">
-            <a:schemeClr val="lt1"/>
-          </a:fontRef>
-        </p:style>
-        <p:txBody>
-          <a:bodyPr rtlCol="0" anchor="ctr"/>
-          <a:lstStyle/>
-          <a:p>
-            <a:pPr algn="ctr"/>
-            <a:endParaRPr lang="LID4096"/>
-          </a:p>
-        </p:txBody>
-      </p:sp>
-      <p:cxnSp>
-        <p:nvCxnSpPr>
-          <p:cNvPr id="12" name="Straight Arrow Connector 11">
-            <a:extLst>
-              <a:ext uri="{FF2B5EF4-FFF2-40B4-BE49-F238E27FC236}">
-                <a16:creationId xmlns:a16="http://schemas.microsoft.com/office/drawing/2014/main" id="{930105EF-5D77-4399-9C98-1ECA66764AD8}"/>
-              </a:ext>
-            </a:extLst>
-          </p:cNvPr>
-          <p:cNvCxnSpPr/>
-          <p:nvPr/>
-        </p:nvCxnSpPr>
-        <p:spPr>
-          <a:xfrm flipH="1">
-            <a:off x="3378927" y="3596639"/>
-            <a:ext cx="217714" cy="0"/>
-          </a:xfrm>
-          <a:prstGeom prst="straightConnector1">
-            <a:avLst/>
-          </a:prstGeom>
-          <a:ln w="19050">
-            <a:solidFill>
-              <a:schemeClr val="bg1"/>
-            </a:solidFill>
-            <a:tailEnd type="triangle"/>
-          </a:ln>
-        </p:spPr>
-        <p:style>
-          <a:lnRef idx="1">
-            <a:schemeClr val="accent1"/>
-          </a:lnRef>
-          <a:fillRef idx="0">
-            <a:schemeClr val="accent1"/>
-          </a:fillRef>
-          <a:effectRef idx="0">
-            <a:schemeClr val="accent1"/>
-          </a:effectRef>
-          <a:fontRef idx="minor">
-            <a:schemeClr val="tx1"/>
-          </a:fontRef>
-        </p:style>
-      </p:cxnSp>
-      <p:cxnSp>
-        <p:nvCxnSpPr>
-          <p:cNvPr id="14" name="Straight Arrow Connector 13">
-            <a:extLst>
-              <a:ext uri="{FF2B5EF4-FFF2-40B4-BE49-F238E27FC236}">
-                <a16:creationId xmlns:a16="http://schemas.microsoft.com/office/drawing/2014/main" id="{D526999F-A4D6-499B-8693-406927870126}"/>
-              </a:ext>
-            </a:extLst>
-          </p:cNvPr>
-          <p:cNvCxnSpPr>
-            <a:cxnSpLocks/>
-          </p:cNvCxnSpPr>
-          <p:nvPr/>
-        </p:nvCxnSpPr>
-        <p:spPr>
-          <a:xfrm rot="10800000" flipH="1">
-            <a:off x="3378927" y="3587301"/>
-            <a:ext cx="217714" cy="0"/>
-          </a:xfrm>
-          <a:prstGeom prst="straightConnector1">
-            <a:avLst/>
-          </a:prstGeom>
+            <a:off x="4576566" y="1025790"/>
+            <a:ext cx="1182254" cy="1182254"/>
+          </a:xfrm>
+          <a:prstGeom prst="rect">
+            <a:avLst/>
+          </a:prstGeom>
+          <a:noFill/>
           <a:ln w="19050">
             <a:solidFill>
               <a:schemeClr val="tx1"/>
             </a:solidFill>
-            <a:tailEnd type="triangle"/>
-          </a:ln>
-        </p:spPr>
-        <p:style>
-          <a:lnRef idx="1">
-            <a:schemeClr val="accent1"/>
-          </a:lnRef>
-          <a:fillRef idx="0">
-            <a:schemeClr val="accent1"/>
-          </a:fillRef>
-          <a:effectRef idx="0">
-            <a:schemeClr val="accent1"/>
-          </a:effectRef>
-          <a:fontRef idx="minor">
-            <a:schemeClr val="tx1"/>
-          </a:fontRef>
-        </p:style>
-      </p:cxnSp>
-    </p:spTree>
-    <p:extLst>
-      <p:ext uri="{BB962C8B-B14F-4D97-AF65-F5344CB8AC3E}">
-        <p14:creationId xmlns:p14="http://schemas.microsoft.com/office/powerpoint/2010/main" val="3039625316"/>
-      </p:ext>
-    </p:extLst>
-  </p:cSld>
-  <p:clrMapOvr>
-    <a:masterClrMapping/>
-  </p:clrMapOvr>
-</p:sld>
-</file>
-
-<file path=ppt/slides/slide21.xml><?xml version="1.0" encoding="utf-8"?>
-<p:sld xmlns:a="http://schemas.openxmlformats.org/drawingml/2006/main" xmlns:r="http://schemas.openxmlformats.org/officeDocument/2006/relationships" xmlns:p="http://schemas.openxmlformats.org/presentationml/2006/main">
-  <p:cSld>
-    <p:spTree>
-      <p:nvGrpSpPr>
-        <p:cNvPr id="1" name=""/>
-        <p:cNvGrpSpPr/>
-        <p:nvPr/>
-      </p:nvGrpSpPr>
-      <p:grpSpPr>
-        <a:xfrm>
-          <a:off x="0" y="0"/>
-          <a:ext cx="0" cy="0"/>
-          <a:chOff x="0" y="0"/>
-          <a:chExt cx="0" cy="0"/>
-        </a:xfrm>
-      </p:grpSpPr>
-      <p:sp>
-        <p:nvSpPr>
-          <p:cNvPr id="4" name="Rectangle 3">
-            <a:extLst>
-              <a:ext uri="{FF2B5EF4-FFF2-40B4-BE49-F238E27FC236}">
-                <a16:creationId xmlns:a16="http://schemas.microsoft.com/office/drawing/2014/main" id="{716C5456-621C-4CB2-957A-D06C49F6E38E}"/>
-              </a:ext>
-            </a:extLst>
-          </p:cNvPr>
-          <p:cNvSpPr/>
-          <p:nvPr/>
-        </p:nvSpPr>
-        <p:spPr>
-          <a:xfrm>
-            <a:off x="2911303" y="1157447"/>
-            <a:ext cx="1182254" cy="1182254"/>
-          </a:xfrm>
-          <a:prstGeom prst="rect">
-            <a:avLst/>
-          </a:prstGeom>
-          <a:noFill/>
-          <a:ln w="19050">
-            <a:noFill/>
-          </a:ln>
-        </p:spPr>
-        <p:style>
-          <a:lnRef idx="2">
-            <a:schemeClr val="accent1">
-              <a:shade val="50000"/>
-            </a:schemeClr>
-          </a:lnRef>
-          <a:fillRef idx="1">
-            <a:schemeClr val="accent1"/>
-          </a:fillRef>
-          <a:effectRef idx="0">
-            <a:schemeClr val="accent1"/>
-          </a:effectRef>
-          <a:fontRef idx="minor">
-            <a:schemeClr val="lt1"/>
-          </a:fontRef>
-        </p:style>
-        <p:txBody>
-          <a:bodyPr rtlCol="0" anchor="ctr"/>
-          <a:lstStyle/>
-          <a:p>
-            <a:pPr algn="ctr"/>
-            <a:endParaRPr lang="LID4096"/>
-          </a:p>
-        </p:txBody>
-      </p:sp>
-      <p:sp>
-        <p:nvSpPr>
-          <p:cNvPr id="5" name="Rectangle 4">
-            <a:extLst>
-              <a:ext uri="{FF2B5EF4-FFF2-40B4-BE49-F238E27FC236}">
-                <a16:creationId xmlns:a16="http://schemas.microsoft.com/office/drawing/2014/main" id="{DC9131F1-3C36-4952-AB50-21D9487F0039}"/>
-              </a:ext>
-            </a:extLst>
-          </p:cNvPr>
-          <p:cNvSpPr/>
-          <p:nvPr/>
-        </p:nvSpPr>
-        <p:spPr>
-          <a:xfrm>
-            <a:off x="2911303" y="2998352"/>
-            <a:ext cx="1182254" cy="1182254"/>
-          </a:xfrm>
-          <a:prstGeom prst="rect">
-            <a:avLst/>
-          </a:prstGeom>
-          <a:noFill/>
-          <a:ln w="19050">
-            <a:noFill/>
-          </a:ln>
-        </p:spPr>
-        <p:style>
-          <a:lnRef idx="2">
-            <a:schemeClr val="accent1">
-              <a:shade val="50000"/>
-            </a:schemeClr>
-          </a:lnRef>
-          <a:fillRef idx="1">
-            <a:schemeClr val="accent1"/>
-          </a:fillRef>
-          <a:effectRef idx="0">
-            <a:schemeClr val="accent1"/>
-          </a:effectRef>
-          <a:fontRef idx="minor">
-            <a:schemeClr val="lt1"/>
-          </a:fontRef>
-        </p:style>
-        <p:txBody>
-          <a:bodyPr rtlCol="0" anchor="ctr"/>
-          <a:lstStyle/>
-          <a:p>
-            <a:pPr algn="ctr"/>
-            <a:endParaRPr lang="LID4096"/>
-          </a:p>
-        </p:txBody>
-      </p:sp>
-      <p:sp>
-        <p:nvSpPr>
-          <p:cNvPr id="6" name="Rectangle 5">
-            <a:extLst>
-              <a:ext uri="{FF2B5EF4-FFF2-40B4-BE49-F238E27FC236}">
-                <a16:creationId xmlns:a16="http://schemas.microsoft.com/office/drawing/2014/main" id="{437AB641-AB0C-4469-AD2E-A7DA4A69C7B1}"/>
-              </a:ext>
-            </a:extLst>
-          </p:cNvPr>
-          <p:cNvSpPr/>
-          <p:nvPr/>
-        </p:nvSpPr>
-        <p:spPr>
-          <a:xfrm>
-            <a:off x="2911303" y="4839257"/>
-            <a:ext cx="1182254" cy="1182254"/>
-          </a:xfrm>
-          <a:prstGeom prst="rect">
-            <a:avLst/>
-          </a:prstGeom>
-          <a:noFill/>
-          <a:ln w="19050">
-            <a:noFill/>
-          </a:ln>
-        </p:spPr>
-        <p:style>
-          <a:lnRef idx="2">
-            <a:schemeClr val="accent1">
-              <a:shade val="50000"/>
-            </a:schemeClr>
-          </a:lnRef>
-          <a:fillRef idx="1">
-            <a:schemeClr val="accent1"/>
-          </a:fillRef>
-          <a:effectRef idx="0">
-            <a:schemeClr val="accent1"/>
-          </a:effectRef>
-          <a:fontRef idx="minor">
-            <a:schemeClr val="lt1"/>
-          </a:fontRef>
-        </p:style>
-        <p:txBody>
-          <a:bodyPr rtlCol="0" anchor="ctr"/>
-          <a:lstStyle/>
-          <a:p>
-            <a:pPr algn="ctr"/>
+          </a:ln>
+        </p:spPr>
+        <p:style>
+          <a:lnRef idx="2">
+            <a:schemeClr val="accent1">
+              <a:shade val="50000"/>
+            </a:schemeClr>
+          </a:lnRef>
+          <a:fillRef idx="1">
+            <a:schemeClr val="accent1"/>
+          </a:fillRef>
+          <a:effectRef idx="0">
+            <a:schemeClr val="accent1"/>
+          </a:effectRef>
+          <a:fontRef idx="minor">
+            <a:schemeClr val="lt1"/>
+          </a:fontRef>
+        </p:style>
+        <p:txBody>
+          <a:bodyPr rtlCol="0" anchor="ctr"/>
+          <a:lstStyle/>
+          <a:p>
+            <a:pPr algn="ctr"/>
+            <a:r>
+              <a:rPr lang="en-US" dirty="0">
+                <a:solidFill>
+                  <a:schemeClr val="tx1"/>
+                </a:solidFill>
+              </a:rPr>
+              <a:t>x</a:t>
+            </a:r>
             <a:endParaRPr lang="LID4096" dirty="0">
               <a:solidFill>
                 <a:schemeClr val="tx1"/>
@@ -9865,156 +8940,6 @@
       </p:sp>
       <p:sp>
         <p:nvSpPr>
-          <p:cNvPr id="7" name="Rectangle 6">
-            <a:extLst>
-              <a:ext uri="{FF2B5EF4-FFF2-40B4-BE49-F238E27FC236}">
-                <a16:creationId xmlns:a16="http://schemas.microsoft.com/office/drawing/2014/main" id="{B3694913-6DA0-404E-96BB-F152D3921DC7}"/>
-              </a:ext>
-            </a:extLst>
-          </p:cNvPr>
-          <p:cNvSpPr/>
-          <p:nvPr/>
-        </p:nvSpPr>
-        <p:spPr>
-          <a:xfrm>
-            <a:off x="4738384" y="4839257"/>
-            <a:ext cx="1182254" cy="1182254"/>
-          </a:xfrm>
-          <a:prstGeom prst="rect">
-            <a:avLst/>
-          </a:prstGeom>
-          <a:noFill/>
-          <a:ln w="19050">
-            <a:noFill/>
-          </a:ln>
-        </p:spPr>
-        <p:style>
-          <a:lnRef idx="2">
-            <a:schemeClr val="accent1">
-              <a:shade val="50000"/>
-            </a:schemeClr>
-          </a:lnRef>
-          <a:fillRef idx="1">
-            <a:schemeClr val="accent1"/>
-          </a:fillRef>
-          <a:effectRef idx="0">
-            <a:schemeClr val="accent1"/>
-          </a:effectRef>
-          <a:fontRef idx="minor">
-            <a:schemeClr val="lt1"/>
-          </a:fontRef>
-        </p:style>
-        <p:txBody>
-          <a:bodyPr rtlCol="0" anchor="ctr"/>
-          <a:lstStyle/>
-          <a:p>
-            <a:pPr algn="ctr"/>
-            <a:endParaRPr lang="LID4096"/>
-          </a:p>
-        </p:txBody>
-      </p:sp>
-      <p:sp>
-        <p:nvSpPr>
-          <p:cNvPr id="8" name="Rectangle 7">
-            <a:extLst>
-              <a:ext uri="{FF2B5EF4-FFF2-40B4-BE49-F238E27FC236}">
-                <a16:creationId xmlns:a16="http://schemas.microsoft.com/office/drawing/2014/main" id="{5A984827-D88E-46E0-8504-F53796FD4C8D}"/>
-              </a:ext>
-            </a:extLst>
-          </p:cNvPr>
-          <p:cNvSpPr/>
-          <p:nvPr/>
-        </p:nvSpPr>
-        <p:spPr>
-          <a:xfrm>
-            <a:off x="6565465" y="4839257"/>
-            <a:ext cx="1182254" cy="1182254"/>
-          </a:xfrm>
-          <a:prstGeom prst="rect">
-            <a:avLst/>
-          </a:prstGeom>
-          <a:noFill/>
-          <a:ln w="19050">
-            <a:noFill/>
-          </a:ln>
-        </p:spPr>
-        <p:style>
-          <a:lnRef idx="2">
-            <a:schemeClr val="accent1">
-              <a:shade val="50000"/>
-            </a:schemeClr>
-          </a:lnRef>
-          <a:fillRef idx="1">
-            <a:schemeClr val="accent1"/>
-          </a:fillRef>
-          <a:effectRef idx="0">
-            <a:schemeClr val="accent1"/>
-          </a:effectRef>
-          <a:fontRef idx="minor">
-            <a:schemeClr val="lt1"/>
-          </a:fontRef>
-        </p:style>
-        <p:txBody>
-          <a:bodyPr rtlCol="0" anchor="ctr"/>
-          <a:lstStyle/>
-          <a:p>
-            <a:pPr algn="ctr"/>
-            <a:endParaRPr lang="LID4096"/>
-          </a:p>
-        </p:txBody>
-      </p:sp>
-      <p:sp>
-        <p:nvSpPr>
-          <p:cNvPr id="9" name="Rectangle 8">
-            <a:extLst>
-              <a:ext uri="{FF2B5EF4-FFF2-40B4-BE49-F238E27FC236}">
-                <a16:creationId xmlns:a16="http://schemas.microsoft.com/office/drawing/2014/main" id="{7A9F38C5-3172-4C88-BEB9-78B1C80CB300}"/>
-              </a:ext>
-            </a:extLst>
-          </p:cNvPr>
-          <p:cNvSpPr/>
-          <p:nvPr/>
-        </p:nvSpPr>
-        <p:spPr>
-          <a:xfrm>
-            <a:off x="4738384" y="1157447"/>
-            <a:ext cx="1182254" cy="1182254"/>
-          </a:xfrm>
-          <a:prstGeom prst="rect">
-            <a:avLst/>
-          </a:prstGeom>
-          <a:noFill/>
-          <a:ln w="19050">
-            <a:noFill/>
-          </a:ln>
-        </p:spPr>
-        <p:style>
-          <a:lnRef idx="2">
-            <a:schemeClr val="accent1">
-              <a:shade val="50000"/>
-            </a:schemeClr>
-          </a:lnRef>
-          <a:fillRef idx="1">
-            <a:schemeClr val="accent1"/>
-          </a:fillRef>
-          <a:effectRef idx="0">
-            <a:schemeClr val="accent1"/>
-          </a:effectRef>
-          <a:fontRef idx="minor">
-            <a:schemeClr val="lt1"/>
-          </a:fontRef>
-        </p:style>
-        <p:txBody>
-          <a:bodyPr rtlCol="0" anchor="ctr"/>
-          <a:lstStyle/>
-          <a:p>
-            <a:pPr algn="ctr"/>
-            <a:endParaRPr lang="LID4096"/>
-          </a:p>
-        </p:txBody>
-      </p:sp>
-      <p:sp>
-        <p:nvSpPr>
           <p:cNvPr id="10" name="Rectangle 9">
             <a:extLst>
               <a:ext uri="{FF2B5EF4-FFF2-40B4-BE49-F238E27FC236}">
@@ -10027,404 +8952,48 @@
         </p:nvSpPr>
         <p:spPr>
           <a:xfrm>
-            <a:off x="6565465" y="1157447"/>
-            <a:ext cx="1182254" cy="1182254"/>
-          </a:xfrm>
-          <a:prstGeom prst="rect">
-            <a:avLst/>
-          </a:prstGeom>
-          <a:noFill/>
-          <a:ln w="19050">
-            <a:noFill/>
-          </a:ln>
-        </p:spPr>
-        <p:style>
-          <a:lnRef idx="2">
-            <a:schemeClr val="accent1">
-              <a:shade val="50000"/>
-            </a:schemeClr>
-          </a:lnRef>
-          <a:fillRef idx="1">
-            <a:schemeClr val="accent1"/>
-          </a:fillRef>
-          <a:effectRef idx="0">
-            <a:schemeClr val="accent1"/>
-          </a:effectRef>
-          <a:fontRef idx="minor">
-            <a:schemeClr val="lt1"/>
-          </a:fontRef>
-        </p:style>
-        <p:txBody>
-          <a:bodyPr rtlCol="0" anchor="ctr"/>
-          <a:lstStyle/>
-          <a:p>
-            <a:pPr algn="ctr"/>
-            <a:endParaRPr lang="LID4096"/>
-          </a:p>
-        </p:txBody>
-      </p:sp>
-      <p:sp>
-        <p:nvSpPr>
-          <p:cNvPr id="11" name="Rectangle 10">
-            <a:extLst>
-              <a:ext uri="{FF2B5EF4-FFF2-40B4-BE49-F238E27FC236}">
-                <a16:creationId xmlns:a16="http://schemas.microsoft.com/office/drawing/2014/main" id="{8E2E6654-CC92-4CE0-938B-E385DD361A79}"/>
-              </a:ext>
-            </a:extLst>
-          </p:cNvPr>
-          <p:cNvSpPr/>
-          <p:nvPr/>
-        </p:nvSpPr>
-        <p:spPr>
-          <a:xfrm>
-            <a:off x="6565465" y="2998352"/>
-            <a:ext cx="1182254" cy="1182254"/>
-          </a:xfrm>
-          <a:prstGeom prst="rect">
-            <a:avLst/>
-          </a:prstGeom>
-          <a:noFill/>
-          <a:ln w="19050">
-            <a:noFill/>
-          </a:ln>
-        </p:spPr>
-        <p:style>
-          <a:lnRef idx="2">
-            <a:schemeClr val="accent1">
-              <a:shade val="50000"/>
-            </a:schemeClr>
-          </a:lnRef>
-          <a:fillRef idx="1">
-            <a:schemeClr val="accent1"/>
-          </a:fillRef>
-          <a:effectRef idx="0">
-            <a:schemeClr val="accent1"/>
-          </a:effectRef>
-          <a:fontRef idx="minor">
-            <a:schemeClr val="lt1"/>
-          </a:fontRef>
-        </p:style>
-        <p:txBody>
-          <a:bodyPr rtlCol="0" anchor="ctr"/>
-          <a:lstStyle/>
-          <a:p>
-            <a:pPr algn="ctr"/>
-            <a:endParaRPr lang="LID4096"/>
-          </a:p>
-        </p:txBody>
-      </p:sp>
-      <p:cxnSp>
-        <p:nvCxnSpPr>
-          <p:cNvPr id="12" name="Straight Arrow Connector 11">
-            <a:extLst>
-              <a:ext uri="{FF2B5EF4-FFF2-40B4-BE49-F238E27FC236}">
-                <a16:creationId xmlns:a16="http://schemas.microsoft.com/office/drawing/2014/main" id="{BFC265A4-5F4E-4F26-B397-761260C1DA3A}"/>
-              </a:ext>
-            </a:extLst>
-          </p:cNvPr>
-          <p:cNvCxnSpPr/>
-          <p:nvPr/>
-        </p:nvCxnSpPr>
-        <p:spPr>
-          <a:xfrm flipH="1">
-            <a:off x="3370219" y="5451565"/>
-            <a:ext cx="217714" cy="0"/>
-          </a:xfrm>
-          <a:prstGeom prst="straightConnector1">
-            <a:avLst/>
-          </a:prstGeom>
-          <a:ln w="19050">
-            <a:solidFill>
-              <a:schemeClr val="bg1"/>
-            </a:solidFill>
-            <a:tailEnd type="triangle"/>
-          </a:ln>
-        </p:spPr>
-        <p:style>
-          <a:lnRef idx="1">
-            <a:schemeClr val="accent1"/>
-          </a:lnRef>
-          <a:fillRef idx="0">
-            <a:schemeClr val="accent1"/>
-          </a:fillRef>
-          <a:effectRef idx="0">
-            <a:schemeClr val="accent1"/>
-          </a:effectRef>
-          <a:fontRef idx="minor">
-            <a:schemeClr val="tx1"/>
-          </a:fontRef>
-        </p:style>
-      </p:cxnSp>
-      <p:cxnSp>
-        <p:nvCxnSpPr>
-          <p:cNvPr id="13" name="Straight Arrow Connector 12">
-            <a:extLst>
-              <a:ext uri="{FF2B5EF4-FFF2-40B4-BE49-F238E27FC236}">
-                <a16:creationId xmlns:a16="http://schemas.microsoft.com/office/drawing/2014/main" id="{A2D8AF17-4CD2-42A8-B1D5-C5FD042AE6D9}"/>
-              </a:ext>
-            </a:extLst>
-          </p:cNvPr>
-          <p:cNvCxnSpPr>
-            <a:cxnSpLocks/>
-          </p:cNvCxnSpPr>
-          <p:nvPr/>
-        </p:nvCxnSpPr>
-        <p:spPr>
-          <a:xfrm rot="10800000" flipH="1">
-            <a:off x="3370219" y="5451565"/>
-            <a:ext cx="217714" cy="0"/>
-          </a:xfrm>
-          <a:prstGeom prst="straightConnector1">
-            <a:avLst/>
-          </a:prstGeom>
+            <a:off x="5859824" y="1569074"/>
+            <a:ext cx="1182254" cy="1182254"/>
+          </a:xfrm>
+          <a:prstGeom prst="rect">
+            <a:avLst/>
+          </a:prstGeom>
+          <a:noFill/>
           <a:ln w="19050">
             <a:solidFill>
               <a:schemeClr val="tx1"/>
             </a:solidFill>
-            <a:tailEnd type="triangle"/>
-          </a:ln>
-        </p:spPr>
-        <p:style>
-          <a:lnRef idx="1">
-            <a:schemeClr val="accent1"/>
-          </a:lnRef>
-          <a:fillRef idx="0">
-            <a:schemeClr val="accent1"/>
-          </a:fillRef>
-          <a:effectRef idx="0">
-            <a:schemeClr val="accent1"/>
-          </a:effectRef>
-          <a:fontRef idx="minor">
-            <a:schemeClr val="tx1"/>
-          </a:fontRef>
-        </p:style>
-      </p:cxnSp>
-    </p:spTree>
-    <p:extLst>
-      <p:ext uri="{BB962C8B-B14F-4D97-AF65-F5344CB8AC3E}">
-        <p14:creationId xmlns:p14="http://schemas.microsoft.com/office/powerpoint/2010/main" val="2769851208"/>
-      </p:ext>
-    </p:extLst>
-  </p:cSld>
-  <p:clrMapOvr>
-    <a:masterClrMapping/>
-  </p:clrMapOvr>
-</p:sld>
-</file>
-
-<file path=ppt/slides/slide22.xml><?xml version="1.0" encoding="utf-8"?>
-<p:sld xmlns:a="http://schemas.openxmlformats.org/drawingml/2006/main" xmlns:r="http://schemas.openxmlformats.org/officeDocument/2006/relationships" xmlns:p="http://schemas.openxmlformats.org/presentationml/2006/main">
-  <p:cSld>
-    <p:spTree>
-      <p:nvGrpSpPr>
-        <p:cNvPr id="1" name=""/>
-        <p:cNvGrpSpPr/>
-        <p:nvPr/>
-      </p:nvGrpSpPr>
-      <p:grpSpPr>
-        <a:xfrm>
-          <a:off x="0" y="0"/>
-          <a:ext cx="0" cy="0"/>
-          <a:chOff x="0" y="0"/>
-          <a:chExt cx="0" cy="0"/>
-        </a:xfrm>
-      </p:grpSpPr>
-      <p:sp>
-        <p:nvSpPr>
-          <p:cNvPr id="4" name="Rectangle 3">
-            <a:extLst>
-              <a:ext uri="{FF2B5EF4-FFF2-40B4-BE49-F238E27FC236}">
-                <a16:creationId xmlns:a16="http://schemas.microsoft.com/office/drawing/2014/main" id="{716C5456-621C-4CB2-957A-D06C49F6E38E}"/>
-              </a:ext>
-            </a:extLst>
-          </p:cNvPr>
-          <p:cNvSpPr/>
-          <p:nvPr/>
-        </p:nvSpPr>
-        <p:spPr>
-          <a:xfrm>
-            <a:off x="2911303" y="1157447"/>
-            <a:ext cx="1182254" cy="1182254"/>
-          </a:xfrm>
-          <a:prstGeom prst="rect">
-            <a:avLst/>
-          </a:prstGeom>
-          <a:noFill/>
-          <a:ln w="19050">
-            <a:noFill/>
-          </a:ln>
-        </p:spPr>
-        <p:style>
-          <a:lnRef idx="2">
-            <a:schemeClr val="accent1">
-              <a:shade val="50000"/>
-            </a:schemeClr>
-          </a:lnRef>
-          <a:fillRef idx="1">
-            <a:schemeClr val="accent1"/>
-          </a:fillRef>
-          <a:effectRef idx="0">
-            <a:schemeClr val="accent1"/>
-          </a:effectRef>
-          <a:fontRef idx="minor">
-            <a:schemeClr val="lt1"/>
-          </a:fontRef>
-        </p:style>
-        <p:txBody>
-          <a:bodyPr rtlCol="0" anchor="ctr"/>
-          <a:lstStyle/>
-          <a:p>
-            <a:pPr algn="ctr"/>
-            <a:endParaRPr lang="LID4096"/>
-          </a:p>
-        </p:txBody>
-      </p:sp>
-      <p:sp>
-        <p:nvSpPr>
-          <p:cNvPr id="5" name="Rectangle 4">
-            <a:extLst>
-              <a:ext uri="{FF2B5EF4-FFF2-40B4-BE49-F238E27FC236}">
-                <a16:creationId xmlns:a16="http://schemas.microsoft.com/office/drawing/2014/main" id="{DC9131F1-3C36-4952-AB50-21D9487F0039}"/>
-              </a:ext>
-            </a:extLst>
-          </p:cNvPr>
-          <p:cNvSpPr/>
-          <p:nvPr/>
-        </p:nvSpPr>
-        <p:spPr>
-          <a:xfrm>
-            <a:off x="2911303" y="2998352"/>
-            <a:ext cx="1182254" cy="1182254"/>
-          </a:xfrm>
-          <a:prstGeom prst="rect">
-            <a:avLst/>
-          </a:prstGeom>
-          <a:noFill/>
-          <a:ln w="19050">
-            <a:noFill/>
-          </a:ln>
-        </p:spPr>
-        <p:style>
-          <a:lnRef idx="2">
-            <a:schemeClr val="accent1">
-              <a:shade val="50000"/>
-            </a:schemeClr>
-          </a:lnRef>
-          <a:fillRef idx="1">
-            <a:schemeClr val="accent1"/>
-          </a:fillRef>
-          <a:effectRef idx="0">
-            <a:schemeClr val="accent1"/>
-          </a:effectRef>
-          <a:fontRef idx="minor">
-            <a:schemeClr val="lt1"/>
-          </a:fontRef>
-        </p:style>
-        <p:txBody>
-          <a:bodyPr rtlCol="0" anchor="ctr"/>
-          <a:lstStyle/>
-          <a:p>
-            <a:pPr algn="ctr"/>
-            <a:endParaRPr lang="LID4096"/>
-          </a:p>
-        </p:txBody>
-      </p:sp>
-      <p:sp>
-        <p:nvSpPr>
-          <p:cNvPr id="6" name="Rectangle 5">
-            <a:extLst>
-              <a:ext uri="{FF2B5EF4-FFF2-40B4-BE49-F238E27FC236}">
-                <a16:creationId xmlns:a16="http://schemas.microsoft.com/office/drawing/2014/main" id="{437AB641-AB0C-4469-AD2E-A7DA4A69C7B1}"/>
-              </a:ext>
-            </a:extLst>
-          </p:cNvPr>
-          <p:cNvSpPr/>
-          <p:nvPr/>
-        </p:nvSpPr>
-        <p:spPr>
-          <a:xfrm>
-            <a:off x="2911303" y="4839257"/>
-            <a:ext cx="1182254" cy="1182254"/>
-          </a:xfrm>
-          <a:prstGeom prst="rect">
-            <a:avLst/>
-          </a:prstGeom>
-          <a:noFill/>
-          <a:ln w="19050">
-            <a:noFill/>
-          </a:ln>
-        </p:spPr>
-        <p:style>
-          <a:lnRef idx="2">
-            <a:schemeClr val="accent1">
-              <a:shade val="50000"/>
-            </a:schemeClr>
-          </a:lnRef>
-          <a:fillRef idx="1">
-            <a:schemeClr val="accent1"/>
-          </a:fillRef>
-          <a:effectRef idx="0">
-            <a:schemeClr val="accent1"/>
-          </a:effectRef>
-          <a:fontRef idx="minor">
-            <a:schemeClr val="lt1"/>
-          </a:fontRef>
-        </p:style>
-        <p:txBody>
-          <a:bodyPr rtlCol="0" anchor="ctr"/>
-          <a:lstStyle/>
-          <a:p>
-            <a:pPr algn="ctr"/>
-            <a:endParaRPr lang="LID4096"/>
-          </a:p>
-        </p:txBody>
-      </p:sp>
-      <p:sp>
-        <p:nvSpPr>
-          <p:cNvPr id="7" name="Rectangle 6">
-            <a:extLst>
-              <a:ext uri="{FF2B5EF4-FFF2-40B4-BE49-F238E27FC236}">
-                <a16:creationId xmlns:a16="http://schemas.microsoft.com/office/drawing/2014/main" id="{B3694913-6DA0-404E-96BB-F152D3921DC7}"/>
-              </a:ext>
-            </a:extLst>
-          </p:cNvPr>
-          <p:cNvSpPr/>
-          <p:nvPr/>
-        </p:nvSpPr>
-        <p:spPr>
-          <a:xfrm>
-            <a:off x="4738384" y="4839257"/>
-            <a:ext cx="1182254" cy="1182254"/>
-          </a:xfrm>
-          <a:prstGeom prst="rect">
-            <a:avLst/>
-          </a:prstGeom>
-          <a:noFill/>
-          <a:ln w="19050">
-            <a:noFill/>
-          </a:ln>
-        </p:spPr>
-        <p:style>
-          <a:lnRef idx="2">
-            <a:schemeClr val="accent1">
-              <a:shade val="50000"/>
-            </a:schemeClr>
-          </a:lnRef>
-          <a:fillRef idx="1">
-            <a:schemeClr val="accent1"/>
-          </a:fillRef>
-          <a:effectRef idx="0">
-            <a:schemeClr val="accent1"/>
-          </a:effectRef>
-          <a:fontRef idx="minor">
-            <a:schemeClr val="lt1"/>
-          </a:fontRef>
-        </p:style>
-        <p:txBody>
-          <a:bodyPr rtlCol="0" anchor="ctr"/>
-          <a:lstStyle/>
-          <a:p>
-            <a:pPr algn="ctr"/>
+          </a:ln>
+        </p:spPr>
+        <p:style>
+          <a:lnRef idx="2">
+            <a:schemeClr val="accent1">
+              <a:shade val="50000"/>
+            </a:schemeClr>
+          </a:lnRef>
+          <a:fillRef idx="1">
+            <a:schemeClr val="accent1"/>
+          </a:fillRef>
+          <a:effectRef idx="0">
+            <a:schemeClr val="accent1"/>
+          </a:effectRef>
+          <a:fontRef idx="minor">
+            <a:schemeClr val="lt1"/>
+          </a:fontRef>
+        </p:style>
+        <p:txBody>
+          <a:bodyPr rtlCol="0" anchor="ctr"/>
+          <a:lstStyle/>
+          <a:p>
+            <a:pPr algn="ctr"/>
+            <a:r>
+              <a:rPr lang="en-US" dirty="0">
+                <a:solidFill>
+                  <a:schemeClr val="tx1"/>
+                </a:solidFill>
+              </a:rPr>
+              <a:t>x</a:t>
+            </a:r>
             <a:endParaRPr lang="LID4096" dirty="0">
               <a:solidFill>
                 <a:schemeClr val="tx1"/>
@@ -10435,156 +9004,6 @@
       </p:sp>
       <p:sp>
         <p:nvSpPr>
-          <p:cNvPr id="8" name="Rectangle 7">
-            <a:extLst>
-              <a:ext uri="{FF2B5EF4-FFF2-40B4-BE49-F238E27FC236}">
-                <a16:creationId xmlns:a16="http://schemas.microsoft.com/office/drawing/2014/main" id="{5A984827-D88E-46E0-8504-F53796FD4C8D}"/>
-              </a:ext>
-            </a:extLst>
-          </p:cNvPr>
-          <p:cNvSpPr/>
-          <p:nvPr/>
-        </p:nvSpPr>
-        <p:spPr>
-          <a:xfrm>
-            <a:off x="6565465" y="4839257"/>
-            <a:ext cx="1182254" cy="1182254"/>
-          </a:xfrm>
-          <a:prstGeom prst="rect">
-            <a:avLst/>
-          </a:prstGeom>
-          <a:noFill/>
-          <a:ln w="19050">
-            <a:noFill/>
-          </a:ln>
-        </p:spPr>
-        <p:style>
-          <a:lnRef idx="2">
-            <a:schemeClr val="accent1">
-              <a:shade val="50000"/>
-            </a:schemeClr>
-          </a:lnRef>
-          <a:fillRef idx="1">
-            <a:schemeClr val="accent1"/>
-          </a:fillRef>
-          <a:effectRef idx="0">
-            <a:schemeClr val="accent1"/>
-          </a:effectRef>
-          <a:fontRef idx="minor">
-            <a:schemeClr val="lt1"/>
-          </a:fontRef>
-        </p:style>
-        <p:txBody>
-          <a:bodyPr rtlCol="0" anchor="ctr"/>
-          <a:lstStyle/>
-          <a:p>
-            <a:pPr algn="ctr"/>
-            <a:endParaRPr lang="LID4096"/>
-          </a:p>
-        </p:txBody>
-      </p:sp>
-      <p:sp>
-        <p:nvSpPr>
-          <p:cNvPr id="9" name="Rectangle 8">
-            <a:extLst>
-              <a:ext uri="{FF2B5EF4-FFF2-40B4-BE49-F238E27FC236}">
-                <a16:creationId xmlns:a16="http://schemas.microsoft.com/office/drawing/2014/main" id="{7A9F38C5-3172-4C88-BEB9-78B1C80CB300}"/>
-              </a:ext>
-            </a:extLst>
-          </p:cNvPr>
-          <p:cNvSpPr/>
-          <p:nvPr/>
-        </p:nvSpPr>
-        <p:spPr>
-          <a:xfrm>
-            <a:off x="4738384" y="1157447"/>
-            <a:ext cx="1182254" cy="1182254"/>
-          </a:xfrm>
-          <a:prstGeom prst="rect">
-            <a:avLst/>
-          </a:prstGeom>
-          <a:noFill/>
-          <a:ln w="19050">
-            <a:noFill/>
-          </a:ln>
-        </p:spPr>
-        <p:style>
-          <a:lnRef idx="2">
-            <a:schemeClr val="accent1">
-              <a:shade val="50000"/>
-            </a:schemeClr>
-          </a:lnRef>
-          <a:fillRef idx="1">
-            <a:schemeClr val="accent1"/>
-          </a:fillRef>
-          <a:effectRef idx="0">
-            <a:schemeClr val="accent1"/>
-          </a:effectRef>
-          <a:fontRef idx="minor">
-            <a:schemeClr val="lt1"/>
-          </a:fontRef>
-        </p:style>
-        <p:txBody>
-          <a:bodyPr rtlCol="0" anchor="ctr"/>
-          <a:lstStyle/>
-          <a:p>
-            <a:pPr algn="ctr"/>
-            <a:endParaRPr lang="LID4096"/>
-          </a:p>
-        </p:txBody>
-      </p:sp>
-      <p:sp>
-        <p:nvSpPr>
-          <p:cNvPr id="10" name="Rectangle 9">
-            <a:extLst>
-              <a:ext uri="{FF2B5EF4-FFF2-40B4-BE49-F238E27FC236}">
-                <a16:creationId xmlns:a16="http://schemas.microsoft.com/office/drawing/2014/main" id="{D116F38A-E07F-4B4A-A928-F7666AEAFE55}"/>
-              </a:ext>
-            </a:extLst>
-          </p:cNvPr>
-          <p:cNvSpPr/>
-          <p:nvPr/>
-        </p:nvSpPr>
-        <p:spPr>
-          <a:xfrm>
-            <a:off x="6565465" y="1157447"/>
-            <a:ext cx="1182254" cy="1182254"/>
-          </a:xfrm>
-          <a:prstGeom prst="rect">
-            <a:avLst/>
-          </a:prstGeom>
-          <a:noFill/>
-          <a:ln w="19050">
-            <a:noFill/>
-          </a:ln>
-        </p:spPr>
-        <p:style>
-          <a:lnRef idx="2">
-            <a:schemeClr val="accent1">
-              <a:shade val="50000"/>
-            </a:schemeClr>
-          </a:lnRef>
-          <a:fillRef idx="1">
-            <a:schemeClr val="accent1"/>
-          </a:fillRef>
-          <a:effectRef idx="0">
-            <a:schemeClr val="accent1"/>
-          </a:effectRef>
-          <a:fontRef idx="minor">
-            <a:schemeClr val="lt1"/>
-          </a:fontRef>
-        </p:style>
-        <p:txBody>
-          <a:bodyPr rtlCol="0" anchor="ctr"/>
-          <a:lstStyle/>
-          <a:p>
-            <a:pPr algn="ctr"/>
-            <a:endParaRPr lang="LID4096"/>
-          </a:p>
-        </p:txBody>
-      </p:sp>
-      <p:sp>
-        <p:nvSpPr>
           <p:cNvPr id="11" name="Rectangle 10">
             <a:extLst>
               <a:ext uri="{FF2B5EF4-FFF2-40B4-BE49-F238E27FC236}">
@@ -10597,404 +9016,48 @@
         </p:nvSpPr>
         <p:spPr>
           <a:xfrm>
-            <a:off x="6565465" y="2998352"/>
-            <a:ext cx="1182254" cy="1182254"/>
-          </a:xfrm>
-          <a:prstGeom prst="rect">
-            <a:avLst/>
-          </a:prstGeom>
-          <a:noFill/>
-          <a:ln w="19050">
-            <a:noFill/>
-          </a:ln>
-        </p:spPr>
-        <p:style>
-          <a:lnRef idx="2">
-            <a:schemeClr val="accent1">
-              <a:shade val="50000"/>
-            </a:schemeClr>
-          </a:lnRef>
-          <a:fillRef idx="1">
-            <a:schemeClr val="accent1"/>
-          </a:fillRef>
-          <a:effectRef idx="0">
-            <a:schemeClr val="accent1"/>
-          </a:effectRef>
-          <a:fontRef idx="minor">
-            <a:schemeClr val="lt1"/>
-          </a:fontRef>
-        </p:style>
-        <p:txBody>
-          <a:bodyPr rtlCol="0" anchor="ctr"/>
-          <a:lstStyle/>
-          <a:p>
-            <a:pPr algn="ctr"/>
-            <a:endParaRPr lang="LID4096"/>
-          </a:p>
-        </p:txBody>
-      </p:sp>
-      <p:cxnSp>
-        <p:nvCxnSpPr>
-          <p:cNvPr id="12" name="Straight Arrow Connector 11">
-            <a:extLst>
-              <a:ext uri="{FF2B5EF4-FFF2-40B4-BE49-F238E27FC236}">
-                <a16:creationId xmlns:a16="http://schemas.microsoft.com/office/drawing/2014/main" id="{D4EF255A-D764-4A84-85A7-9C716CE0E2E7}"/>
-              </a:ext>
-            </a:extLst>
-          </p:cNvPr>
-          <p:cNvCxnSpPr/>
-          <p:nvPr/>
-        </p:nvCxnSpPr>
-        <p:spPr>
-          <a:xfrm flipH="1">
-            <a:off x="5199019" y="5442855"/>
-            <a:ext cx="217714" cy="0"/>
-          </a:xfrm>
-          <a:prstGeom prst="straightConnector1">
-            <a:avLst/>
-          </a:prstGeom>
-          <a:ln w="19050">
-            <a:solidFill>
-              <a:schemeClr val="bg1"/>
-            </a:solidFill>
-            <a:tailEnd type="triangle"/>
-          </a:ln>
-        </p:spPr>
-        <p:style>
-          <a:lnRef idx="1">
-            <a:schemeClr val="accent1"/>
-          </a:lnRef>
-          <a:fillRef idx="0">
-            <a:schemeClr val="accent1"/>
-          </a:fillRef>
-          <a:effectRef idx="0">
-            <a:schemeClr val="accent1"/>
-          </a:effectRef>
-          <a:fontRef idx="minor">
-            <a:schemeClr val="tx1"/>
-          </a:fontRef>
-        </p:style>
-      </p:cxnSp>
-      <p:cxnSp>
-        <p:nvCxnSpPr>
-          <p:cNvPr id="13" name="Straight Arrow Connector 12">
-            <a:extLst>
-              <a:ext uri="{FF2B5EF4-FFF2-40B4-BE49-F238E27FC236}">
-                <a16:creationId xmlns:a16="http://schemas.microsoft.com/office/drawing/2014/main" id="{79123D11-0972-4C7E-8A2C-0015B25F6C5B}"/>
-              </a:ext>
-            </a:extLst>
-          </p:cNvPr>
-          <p:cNvCxnSpPr>
-            <a:cxnSpLocks/>
-          </p:cNvCxnSpPr>
-          <p:nvPr/>
-        </p:nvCxnSpPr>
-        <p:spPr>
-          <a:xfrm rot="10800000" flipH="1">
-            <a:off x="5199019" y="5442855"/>
-            <a:ext cx="217714" cy="0"/>
-          </a:xfrm>
-          <a:prstGeom prst="straightConnector1">
-            <a:avLst/>
-          </a:prstGeom>
+            <a:off x="6400450" y="2852999"/>
+            <a:ext cx="1182254" cy="1182254"/>
+          </a:xfrm>
+          <a:prstGeom prst="rect">
+            <a:avLst/>
+          </a:prstGeom>
+          <a:noFill/>
           <a:ln w="19050">
             <a:solidFill>
               <a:schemeClr val="tx1"/>
             </a:solidFill>
-            <a:tailEnd type="triangle"/>
-          </a:ln>
-        </p:spPr>
-        <p:style>
-          <a:lnRef idx="1">
-            <a:schemeClr val="accent1"/>
-          </a:lnRef>
-          <a:fillRef idx="0">
-            <a:schemeClr val="accent1"/>
-          </a:fillRef>
-          <a:effectRef idx="0">
-            <a:schemeClr val="accent1"/>
-          </a:effectRef>
-          <a:fontRef idx="minor">
-            <a:schemeClr val="tx1"/>
-          </a:fontRef>
-        </p:style>
-      </p:cxnSp>
-    </p:spTree>
-    <p:extLst>
-      <p:ext uri="{BB962C8B-B14F-4D97-AF65-F5344CB8AC3E}">
-        <p14:creationId xmlns:p14="http://schemas.microsoft.com/office/powerpoint/2010/main" val="2256880804"/>
-      </p:ext>
-    </p:extLst>
-  </p:cSld>
-  <p:clrMapOvr>
-    <a:masterClrMapping/>
-  </p:clrMapOvr>
-</p:sld>
-</file>
-
-<file path=ppt/slides/slide23.xml><?xml version="1.0" encoding="utf-8"?>
-<p:sld xmlns:a="http://schemas.openxmlformats.org/drawingml/2006/main" xmlns:r="http://schemas.openxmlformats.org/officeDocument/2006/relationships" xmlns:p="http://schemas.openxmlformats.org/presentationml/2006/main">
-  <p:cSld>
-    <p:spTree>
-      <p:nvGrpSpPr>
-        <p:cNvPr id="1" name=""/>
-        <p:cNvGrpSpPr/>
-        <p:nvPr/>
-      </p:nvGrpSpPr>
-      <p:grpSpPr>
-        <a:xfrm>
-          <a:off x="0" y="0"/>
-          <a:ext cx="0" cy="0"/>
-          <a:chOff x="0" y="0"/>
-          <a:chExt cx="0" cy="0"/>
-        </a:xfrm>
-      </p:grpSpPr>
-      <p:sp>
-        <p:nvSpPr>
-          <p:cNvPr id="4" name="Rectangle 3">
-            <a:extLst>
-              <a:ext uri="{FF2B5EF4-FFF2-40B4-BE49-F238E27FC236}">
-                <a16:creationId xmlns:a16="http://schemas.microsoft.com/office/drawing/2014/main" id="{716C5456-621C-4CB2-957A-D06C49F6E38E}"/>
-              </a:ext>
-            </a:extLst>
-          </p:cNvPr>
-          <p:cNvSpPr/>
-          <p:nvPr/>
-        </p:nvSpPr>
-        <p:spPr>
-          <a:xfrm>
-            <a:off x="2911303" y="1157447"/>
-            <a:ext cx="1182254" cy="1182254"/>
-          </a:xfrm>
-          <a:prstGeom prst="rect">
-            <a:avLst/>
-          </a:prstGeom>
-          <a:noFill/>
-          <a:ln w="19050">
-            <a:noFill/>
-          </a:ln>
-        </p:spPr>
-        <p:style>
-          <a:lnRef idx="2">
-            <a:schemeClr val="accent1">
-              <a:shade val="50000"/>
-            </a:schemeClr>
-          </a:lnRef>
-          <a:fillRef idx="1">
-            <a:schemeClr val="accent1"/>
-          </a:fillRef>
-          <a:effectRef idx="0">
-            <a:schemeClr val="accent1"/>
-          </a:effectRef>
-          <a:fontRef idx="minor">
-            <a:schemeClr val="lt1"/>
-          </a:fontRef>
-        </p:style>
-        <p:txBody>
-          <a:bodyPr rtlCol="0" anchor="ctr"/>
-          <a:lstStyle/>
-          <a:p>
-            <a:pPr algn="ctr"/>
-            <a:endParaRPr lang="LID4096"/>
-          </a:p>
-        </p:txBody>
-      </p:sp>
-      <p:sp>
-        <p:nvSpPr>
-          <p:cNvPr id="5" name="Rectangle 4">
-            <a:extLst>
-              <a:ext uri="{FF2B5EF4-FFF2-40B4-BE49-F238E27FC236}">
-                <a16:creationId xmlns:a16="http://schemas.microsoft.com/office/drawing/2014/main" id="{DC9131F1-3C36-4952-AB50-21D9487F0039}"/>
-              </a:ext>
-            </a:extLst>
-          </p:cNvPr>
-          <p:cNvSpPr/>
-          <p:nvPr/>
-        </p:nvSpPr>
-        <p:spPr>
-          <a:xfrm>
-            <a:off x="2911303" y="2998352"/>
-            <a:ext cx="1182254" cy="1182254"/>
-          </a:xfrm>
-          <a:prstGeom prst="rect">
-            <a:avLst/>
-          </a:prstGeom>
-          <a:noFill/>
-          <a:ln w="19050">
-            <a:noFill/>
-          </a:ln>
-        </p:spPr>
-        <p:style>
-          <a:lnRef idx="2">
-            <a:schemeClr val="accent1">
-              <a:shade val="50000"/>
-            </a:schemeClr>
-          </a:lnRef>
-          <a:fillRef idx="1">
-            <a:schemeClr val="accent1"/>
-          </a:fillRef>
-          <a:effectRef idx="0">
-            <a:schemeClr val="accent1"/>
-          </a:effectRef>
-          <a:fontRef idx="minor">
-            <a:schemeClr val="lt1"/>
-          </a:fontRef>
-        </p:style>
-        <p:txBody>
-          <a:bodyPr rtlCol="0" anchor="ctr"/>
-          <a:lstStyle/>
-          <a:p>
-            <a:pPr algn="ctr"/>
-            <a:endParaRPr lang="LID4096"/>
-          </a:p>
-        </p:txBody>
-      </p:sp>
-      <p:sp>
-        <p:nvSpPr>
-          <p:cNvPr id="6" name="Rectangle 5">
-            <a:extLst>
-              <a:ext uri="{FF2B5EF4-FFF2-40B4-BE49-F238E27FC236}">
-                <a16:creationId xmlns:a16="http://schemas.microsoft.com/office/drawing/2014/main" id="{437AB641-AB0C-4469-AD2E-A7DA4A69C7B1}"/>
-              </a:ext>
-            </a:extLst>
-          </p:cNvPr>
-          <p:cNvSpPr/>
-          <p:nvPr/>
-        </p:nvSpPr>
-        <p:spPr>
-          <a:xfrm>
-            <a:off x="2911303" y="4839257"/>
-            <a:ext cx="1182254" cy="1182254"/>
-          </a:xfrm>
-          <a:prstGeom prst="rect">
-            <a:avLst/>
-          </a:prstGeom>
-          <a:noFill/>
-          <a:ln w="19050">
-            <a:noFill/>
-          </a:ln>
-        </p:spPr>
-        <p:style>
-          <a:lnRef idx="2">
-            <a:schemeClr val="accent1">
-              <a:shade val="50000"/>
-            </a:schemeClr>
-          </a:lnRef>
-          <a:fillRef idx="1">
-            <a:schemeClr val="accent1"/>
-          </a:fillRef>
-          <a:effectRef idx="0">
-            <a:schemeClr val="accent1"/>
-          </a:effectRef>
-          <a:fontRef idx="minor">
-            <a:schemeClr val="lt1"/>
-          </a:fontRef>
-        </p:style>
-        <p:txBody>
-          <a:bodyPr rtlCol="0" anchor="ctr"/>
-          <a:lstStyle/>
-          <a:p>
-            <a:pPr algn="ctr"/>
-            <a:endParaRPr lang="LID4096"/>
-          </a:p>
-        </p:txBody>
-      </p:sp>
-      <p:sp>
-        <p:nvSpPr>
-          <p:cNvPr id="7" name="Rectangle 6">
-            <a:extLst>
-              <a:ext uri="{FF2B5EF4-FFF2-40B4-BE49-F238E27FC236}">
-                <a16:creationId xmlns:a16="http://schemas.microsoft.com/office/drawing/2014/main" id="{B3694913-6DA0-404E-96BB-F152D3921DC7}"/>
-              </a:ext>
-            </a:extLst>
-          </p:cNvPr>
-          <p:cNvSpPr/>
-          <p:nvPr/>
-        </p:nvSpPr>
-        <p:spPr>
-          <a:xfrm>
-            <a:off x="4738384" y="4839257"/>
-            <a:ext cx="1182254" cy="1182254"/>
-          </a:xfrm>
-          <a:prstGeom prst="rect">
-            <a:avLst/>
-          </a:prstGeom>
-          <a:noFill/>
-          <a:ln w="19050">
-            <a:noFill/>
-          </a:ln>
-        </p:spPr>
-        <p:style>
-          <a:lnRef idx="2">
-            <a:schemeClr val="accent1">
-              <a:shade val="50000"/>
-            </a:schemeClr>
-          </a:lnRef>
-          <a:fillRef idx="1">
-            <a:schemeClr val="accent1"/>
-          </a:fillRef>
-          <a:effectRef idx="0">
-            <a:schemeClr val="accent1"/>
-          </a:effectRef>
-          <a:fontRef idx="minor">
-            <a:schemeClr val="lt1"/>
-          </a:fontRef>
-        </p:style>
-        <p:txBody>
-          <a:bodyPr rtlCol="0" anchor="ctr"/>
-          <a:lstStyle/>
-          <a:p>
-            <a:pPr algn="ctr"/>
-            <a:endParaRPr lang="LID4096"/>
-          </a:p>
-        </p:txBody>
-      </p:sp>
-      <p:sp>
-        <p:nvSpPr>
-          <p:cNvPr id="8" name="Rectangle 7">
-            <a:extLst>
-              <a:ext uri="{FF2B5EF4-FFF2-40B4-BE49-F238E27FC236}">
-                <a16:creationId xmlns:a16="http://schemas.microsoft.com/office/drawing/2014/main" id="{5A984827-D88E-46E0-8504-F53796FD4C8D}"/>
-              </a:ext>
-            </a:extLst>
-          </p:cNvPr>
-          <p:cNvSpPr/>
-          <p:nvPr/>
-        </p:nvSpPr>
-        <p:spPr>
-          <a:xfrm>
-            <a:off x="6565465" y="4839257"/>
-            <a:ext cx="1182254" cy="1182254"/>
-          </a:xfrm>
-          <a:prstGeom prst="rect">
-            <a:avLst/>
-          </a:prstGeom>
-          <a:noFill/>
-          <a:ln w="19050">
-            <a:noFill/>
-          </a:ln>
-        </p:spPr>
-        <p:style>
-          <a:lnRef idx="2">
-            <a:schemeClr val="accent1">
-              <a:shade val="50000"/>
-            </a:schemeClr>
-          </a:lnRef>
-          <a:fillRef idx="1">
-            <a:schemeClr val="accent1"/>
-          </a:fillRef>
-          <a:effectRef idx="0">
-            <a:schemeClr val="accent1"/>
-          </a:effectRef>
-          <a:fontRef idx="minor">
-            <a:schemeClr val="lt1"/>
-          </a:fontRef>
-        </p:style>
-        <p:txBody>
-          <a:bodyPr rtlCol="0" anchor="ctr"/>
-          <a:lstStyle/>
-          <a:p>
-            <a:pPr algn="ctr"/>
+          </a:ln>
+        </p:spPr>
+        <p:style>
+          <a:lnRef idx="2">
+            <a:schemeClr val="accent1">
+              <a:shade val="50000"/>
+            </a:schemeClr>
+          </a:lnRef>
+          <a:fillRef idx="1">
+            <a:schemeClr val="accent1"/>
+          </a:fillRef>
+          <a:effectRef idx="0">
+            <a:schemeClr val="accent1"/>
+          </a:effectRef>
+          <a:fontRef idx="minor">
+            <a:schemeClr val="lt1"/>
+          </a:fontRef>
+        </p:style>
+        <p:txBody>
+          <a:bodyPr rtlCol="0" anchor="ctr"/>
+          <a:lstStyle/>
+          <a:p>
+            <a:pPr algn="ctr"/>
+            <a:r>
+              <a:rPr lang="en-US" dirty="0">
+                <a:solidFill>
+                  <a:schemeClr val="tx1"/>
+                </a:solidFill>
+              </a:rPr>
+              <a:t>x</a:t>
+            </a:r>
             <a:endParaRPr lang="LID4096" dirty="0">
               <a:solidFill>
                 <a:schemeClr val="tx1"/>
@@ -11005,1810 +9068,44 @@
       </p:sp>
       <p:sp>
         <p:nvSpPr>
-          <p:cNvPr id="9" name="Rectangle 8">
-            <a:extLst>
-              <a:ext uri="{FF2B5EF4-FFF2-40B4-BE49-F238E27FC236}">
-                <a16:creationId xmlns:a16="http://schemas.microsoft.com/office/drawing/2014/main" id="{7A9F38C5-3172-4C88-BEB9-78B1C80CB300}"/>
-              </a:ext>
-            </a:extLst>
-          </p:cNvPr>
-          <p:cNvSpPr/>
-          <p:nvPr/>
-        </p:nvSpPr>
-        <p:spPr>
-          <a:xfrm>
-            <a:off x="4738384" y="1157447"/>
-            <a:ext cx="1182254" cy="1182254"/>
-          </a:xfrm>
-          <a:prstGeom prst="rect">
-            <a:avLst/>
-          </a:prstGeom>
-          <a:noFill/>
-          <a:ln w="19050">
-            <a:noFill/>
-          </a:ln>
-        </p:spPr>
-        <p:style>
-          <a:lnRef idx="2">
-            <a:schemeClr val="accent1">
-              <a:shade val="50000"/>
-            </a:schemeClr>
-          </a:lnRef>
-          <a:fillRef idx="1">
-            <a:schemeClr val="accent1"/>
-          </a:fillRef>
-          <a:effectRef idx="0">
-            <a:schemeClr val="accent1"/>
-          </a:effectRef>
-          <a:fontRef idx="minor">
-            <a:schemeClr val="lt1"/>
-          </a:fontRef>
-        </p:style>
-        <p:txBody>
-          <a:bodyPr rtlCol="0" anchor="ctr"/>
-          <a:lstStyle/>
-          <a:p>
-            <a:pPr algn="ctr"/>
-            <a:endParaRPr lang="LID4096"/>
-          </a:p>
-        </p:txBody>
-      </p:sp>
-      <p:sp>
-        <p:nvSpPr>
-          <p:cNvPr id="10" name="Rectangle 9">
-            <a:extLst>
-              <a:ext uri="{FF2B5EF4-FFF2-40B4-BE49-F238E27FC236}">
-                <a16:creationId xmlns:a16="http://schemas.microsoft.com/office/drawing/2014/main" id="{D116F38A-E07F-4B4A-A928-F7666AEAFE55}"/>
-              </a:ext>
-            </a:extLst>
-          </p:cNvPr>
-          <p:cNvSpPr/>
-          <p:nvPr/>
-        </p:nvSpPr>
-        <p:spPr>
-          <a:xfrm>
-            <a:off x="6565465" y="1157447"/>
-            <a:ext cx="1182254" cy="1182254"/>
-          </a:xfrm>
-          <a:prstGeom prst="rect">
-            <a:avLst/>
-          </a:prstGeom>
-          <a:noFill/>
-          <a:ln w="19050">
-            <a:noFill/>
-          </a:ln>
-        </p:spPr>
-        <p:style>
-          <a:lnRef idx="2">
-            <a:schemeClr val="accent1">
-              <a:shade val="50000"/>
-            </a:schemeClr>
-          </a:lnRef>
-          <a:fillRef idx="1">
-            <a:schemeClr val="accent1"/>
-          </a:fillRef>
-          <a:effectRef idx="0">
-            <a:schemeClr val="accent1"/>
-          </a:effectRef>
-          <a:fontRef idx="minor">
-            <a:schemeClr val="lt1"/>
-          </a:fontRef>
-        </p:style>
-        <p:txBody>
-          <a:bodyPr rtlCol="0" anchor="ctr"/>
-          <a:lstStyle/>
-          <a:p>
-            <a:pPr algn="ctr"/>
-            <a:endParaRPr lang="LID4096"/>
-          </a:p>
-        </p:txBody>
-      </p:sp>
-      <p:sp>
-        <p:nvSpPr>
-          <p:cNvPr id="11" name="Rectangle 10">
-            <a:extLst>
-              <a:ext uri="{FF2B5EF4-FFF2-40B4-BE49-F238E27FC236}">
-                <a16:creationId xmlns:a16="http://schemas.microsoft.com/office/drawing/2014/main" id="{8E2E6654-CC92-4CE0-938B-E385DD361A79}"/>
-              </a:ext>
-            </a:extLst>
-          </p:cNvPr>
-          <p:cNvSpPr/>
-          <p:nvPr/>
-        </p:nvSpPr>
-        <p:spPr>
-          <a:xfrm>
-            <a:off x="6565465" y="2998352"/>
-            <a:ext cx="1182254" cy="1182254"/>
-          </a:xfrm>
-          <a:prstGeom prst="rect">
-            <a:avLst/>
-          </a:prstGeom>
-          <a:noFill/>
-          <a:ln w="19050">
-            <a:noFill/>
-          </a:ln>
-        </p:spPr>
-        <p:style>
-          <a:lnRef idx="2">
-            <a:schemeClr val="accent1">
-              <a:shade val="50000"/>
-            </a:schemeClr>
-          </a:lnRef>
-          <a:fillRef idx="1">
-            <a:schemeClr val="accent1"/>
-          </a:fillRef>
-          <a:effectRef idx="0">
-            <a:schemeClr val="accent1"/>
-          </a:effectRef>
-          <a:fontRef idx="minor">
-            <a:schemeClr val="lt1"/>
-          </a:fontRef>
-        </p:style>
-        <p:txBody>
-          <a:bodyPr rtlCol="0" anchor="ctr"/>
-          <a:lstStyle/>
-          <a:p>
-            <a:pPr algn="ctr"/>
-            <a:endParaRPr lang="LID4096"/>
-          </a:p>
-        </p:txBody>
-      </p:sp>
-      <p:cxnSp>
-        <p:nvCxnSpPr>
-          <p:cNvPr id="12" name="Straight Arrow Connector 11">
-            <a:extLst>
-              <a:ext uri="{FF2B5EF4-FFF2-40B4-BE49-F238E27FC236}">
-                <a16:creationId xmlns:a16="http://schemas.microsoft.com/office/drawing/2014/main" id="{D5524322-5170-4105-A7C6-F17C2001E013}"/>
-              </a:ext>
-            </a:extLst>
-          </p:cNvPr>
-          <p:cNvCxnSpPr>
-            <a:cxnSpLocks/>
-          </p:cNvCxnSpPr>
-          <p:nvPr/>
-        </p:nvCxnSpPr>
-        <p:spPr>
-          <a:xfrm flipH="1">
-            <a:off x="7036527" y="5442856"/>
-            <a:ext cx="217714" cy="0"/>
-          </a:xfrm>
-          <a:prstGeom prst="straightConnector1">
-            <a:avLst/>
-          </a:prstGeom>
-          <a:ln w="19050">
-            <a:solidFill>
-              <a:schemeClr val="bg1"/>
-            </a:solidFill>
-            <a:tailEnd type="triangle"/>
-          </a:ln>
-        </p:spPr>
-        <p:style>
-          <a:lnRef idx="1">
-            <a:schemeClr val="accent1"/>
-          </a:lnRef>
-          <a:fillRef idx="0">
-            <a:schemeClr val="accent1"/>
-          </a:fillRef>
-          <a:effectRef idx="0">
-            <a:schemeClr val="accent1"/>
-          </a:effectRef>
-          <a:fontRef idx="minor">
-            <a:schemeClr val="tx1"/>
-          </a:fontRef>
-        </p:style>
-      </p:cxnSp>
-      <p:cxnSp>
-        <p:nvCxnSpPr>
-          <p:cNvPr id="13" name="Straight Arrow Connector 12">
-            <a:extLst>
-              <a:ext uri="{FF2B5EF4-FFF2-40B4-BE49-F238E27FC236}">
-                <a16:creationId xmlns:a16="http://schemas.microsoft.com/office/drawing/2014/main" id="{48310B1F-0B57-4800-9596-D747F025EED7}"/>
-              </a:ext>
-            </a:extLst>
-          </p:cNvPr>
-          <p:cNvCxnSpPr>
-            <a:cxnSpLocks/>
-          </p:cNvCxnSpPr>
-          <p:nvPr/>
-        </p:nvCxnSpPr>
-        <p:spPr>
-          <a:xfrm rot="10800000" flipH="1">
-            <a:off x="7036527" y="5442856"/>
-            <a:ext cx="217714" cy="0"/>
-          </a:xfrm>
-          <a:prstGeom prst="straightConnector1">
-            <a:avLst/>
-          </a:prstGeom>
-          <a:ln w="19050">
-            <a:solidFill>
-              <a:schemeClr val="tx1"/>
-            </a:solidFill>
-            <a:tailEnd type="triangle"/>
-          </a:ln>
-        </p:spPr>
-        <p:style>
-          <a:lnRef idx="1">
-            <a:schemeClr val="accent1"/>
-          </a:lnRef>
-          <a:fillRef idx="0">
-            <a:schemeClr val="accent1"/>
-          </a:fillRef>
-          <a:effectRef idx="0">
-            <a:schemeClr val="accent1"/>
-          </a:effectRef>
-          <a:fontRef idx="minor">
-            <a:schemeClr val="tx1"/>
-          </a:fontRef>
-        </p:style>
-      </p:cxnSp>
+          <p:cNvPr id="24" name="TextBox 23">
+            <a:extLst>
+              <a:ext uri="{FF2B5EF4-FFF2-40B4-BE49-F238E27FC236}">
+                <a16:creationId xmlns:a16="http://schemas.microsoft.com/office/drawing/2014/main" id="{272A6803-1028-4FFF-A84F-97B740A189FA}"/>
+              </a:ext>
+            </a:extLst>
+          </p:cNvPr>
+          <p:cNvSpPr txBox="1"/>
+          <p:nvPr/>
+        </p:nvSpPr>
+        <p:spPr>
+          <a:xfrm>
+            <a:off x="5001613" y="3209356"/>
+            <a:ext cx="338554" cy="461665"/>
+          </a:xfrm>
+          <a:prstGeom prst="rect">
+            <a:avLst/>
+          </a:prstGeom>
+          <a:noFill/>
+        </p:spPr>
+        <p:txBody>
+          <a:bodyPr wrap="none" rtlCol="0">
+            <a:spAutoFit/>
+          </a:bodyPr>
+          <a:lstStyle/>
+          <a:p>
+            <a:r>
+              <a:rPr lang="en-US" sz="2400" dirty="0"/>
+              <a:t>+</a:t>
+            </a:r>
+            <a:endParaRPr lang="LID4096" sz="2400" dirty="0"/>
+          </a:p>
+        </p:txBody>
+      </p:sp>
     </p:spTree>
     <p:extLst>
       <p:ext uri="{BB962C8B-B14F-4D97-AF65-F5344CB8AC3E}">
-        <p14:creationId xmlns:p14="http://schemas.microsoft.com/office/powerpoint/2010/main" val="747210108"/>
-      </p:ext>
-    </p:extLst>
-  </p:cSld>
-  <p:clrMapOvr>
-    <a:masterClrMapping/>
-  </p:clrMapOvr>
-</p:sld>
-</file>
-
-<file path=ppt/slides/slide24.xml><?xml version="1.0" encoding="utf-8"?>
-<p:sld xmlns:a="http://schemas.openxmlformats.org/drawingml/2006/main" xmlns:r="http://schemas.openxmlformats.org/officeDocument/2006/relationships" xmlns:p="http://schemas.openxmlformats.org/presentationml/2006/main">
-  <p:cSld>
-    <p:spTree>
-      <p:nvGrpSpPr>
-        <p:cNvPr id="1" name=""/>
-        <p:cNvGrpSpPr/>
-        <p:nvPr/>
-      </p:nvGrpSpPr>
-      <p:grpSpPr>
-        <a:xfrm>
-          <a:off x="0" y="0"/>
-          <a:ext cx="0" cy="0"/>
-          <a:chOff x="0" y="0"/>
-          <a:chExt cx="0" cy="0"/>
-        </a:xfrm>
-      </p:grpSpPr>
-      <p:sp>
-        <p:nvSpPr>
-          <p:cNvPr id="4" name="Rectangle 3">
-            <a:extLst>
-              <a:ext uri="{FF2B5EF4-FFF2-40B4-BE49-F238E27FC236}">
-                <a16:creationId xmlns:a16="http://schemas.microsoft.com/office/drawing/2014/main" id="{716C5456-621C-4CB2-957A-D06C49F6E38E}"/>
-              </a:ext>
-            </a:extLst>
-          </p:cNvPr>
-          <p:cNvSpPr/>
-          <p:nvPr/>
-        </p:nvSpPr>
-        <p:spPr>
-          <a:xfrm>
-            <a:off x="2911303" y="1157447"/>
-            <a:ext cx="1182254" cy="1182254"/>
-          </a:xfrm>
-          <a:prstGeom prst="rect">
-            <a:avLst/>
-          </a:prstGeom>
-          <a:noFill/>
-          <a:ln w="19050">
-            <a:noFill/>
-          </a:ln>
-        </p:spPr>
-        <p:style>
-          <a:lnRef idx="2">
-            <a:schemeClr val="accent1">
-              <a:shade val="50000"/>
-            </a:schemeClr>
-          </a:lnRef>
-          <a:fillRef idx="1">
-            <a:schemeClr val="accent1"/>
-          </a:fillRef>
-          <a:effectRef idx="0">
-            <a:schemeClr val="accent1"/>
-          </a:effectRef>
-          <a:fontRef idx="minor">
-            <a:schemeClr val="lt1"/>
-          </a:fontRef>
-        </p:style>
-        <p:txBody>
-          <a:bodyPr rtlCol="0" anchor="ctr"/>
-          <a:lstStyle/>
-          <a:p>
-            <a:pPr algn="ctr"/>
-            <a:endParaRPr lang="LID4096"/>
-          </a:p>
-        </p:txBody>
-      </p:sp>
-      <p:sp>
-        <p:nvSpPr>
-          <p:cNvPr id="5" name="Rectangle 4">
-            <a:extLst>
-              <a:ext uri="{FF2B5EF4-FFF2-40B4-BE49-F238E27FC236}">
-                <a16:creationId xmlns:a16="http://schemas.microsoft.com/office/drawing/2014/main" id="{DC9131F1-3C36-4952-AB50-21D9487F0039}"/>
-              </a:ext>
-            </a:extLst>
-          </p:cNvPr>
-          <p:cNvSpPr/>
-          <p:nvPr/>
-        </p:nvSpPr>
-        <p:spPr>
-          <a:xfrm>
-            <a:off x="2911303" y="2998352"/>
-            <a:ext cx="1182254" cy="1182254"/>
-          </a:xfrm>
-          <a:prstGeom prst="rect">
-            <a:avLst/>
-          </a:prstGeom>
-          <a:noFill/>
-          <a:ln w="19050">
-            <a:noFill/>
-          </a:ln>
-        </p:spPr>
-        <p:style>
-          <a:lnRef idx="2">
-            <a:schemeClr val="accent1">
-              <a:shade val="50000"/>
-            </a:schemeClr>
-          </a:lnRef>
-          <a:fillRef idx="1">
-            <a:schemeClr val="accent1"/>
-          </a:fillRef>
-          <a:effectRef idx="0">
-            <a:schemeClr val="accent1"/>
-          </a:effectRef>
-          <a:fontRef idx="minor">
-            <a:schemeClr val="lt1"/>
-          </a:fontRef>
-        </p:style>
-        <p:txBody>
-          <a:bodyPr rtlCol="0" anchor="ctr"/>
-          <a:lstStyle/>
-          <a:p>
-            <a:pPr algn="ctr"/>
-            <a:endParaRPr lang="LID4096"/>
-          </a:p>
-        </p:txBody>
-      </p:sp>
-      <p:sp>
-        <p:nvSpPr>
-          <p:cNvPr id="6" name="Rectangle 5">
-            <a:extLst>
-              <a:ext uri="{FF2B5EF4-FFF2-40B4-BE49-F238E27FC236}">
-                <a16:creationId xmlns:a16="http://schemas.microsoft.com/office/drawing/2014/main" id="{437AB641-AB0C-4469-AD2E-A7DA4A69C7B1}"/>
-              </a:ext>
-            </a:extLst>
-          </p:cNvPr>
-          <p:cNvSpPr/>
-          <p:nvPr/>
-        </p:nvSpPr>
-        <p:spPr>
-          <a:xfrm>
-            <a:off x="2911303" y="4839257"/>
-            <a:ext cx="1182254" cy="1182254"/>
-          </a:xfrm>
-          <a:prstGeom prst="rect">
-            <a:avLst/>
-          </a:prstGeom>
-          <a:noFill/>
-          <a:ln w="19050">
-            <a:noFill/>
-          </a:ln>
-        </p:spPr>
-        <p:style>
-          <a:lnRef idx="2">
-            <a:schemeClr val="accent1">
-              <a:shade val="50000"/>
-            </a:schemeClr>
-          </a:lnRef>
-          <a:fillRef idx="1">
-            <a:schemeClr val="accent1"/>
-          </a:fillRef>
-          <a:effectRef idx="0">
-            <a:schemeClr val="accent1"/>
-          </a:effectRef>
-          <a:fontRef idx="minor">
-            <a:schemeClr val="lt1"/>
-          </a:fontRef>
-        </p:style>
-        <p:txBody>
-          <a:bodyPr rtlCol="0" anchor="ctr"/>
-          <a:lstStyle/>
-          <a:p>
-            <a:pPr algn="ctr"/>
-            <a:endParaRPr lang="LID4096"/>
-          </a:p>
-        </p:txBody>
-      </p:sp>
-      <p:sp>
-        <p:nvSpPr>
-          <p:cNvPr id="7" name="Rectangle 6">
-            <a:extLst>
-              <a:ext uri="{FF2B5EF4-FFF2-40B4-BE49-F238E27FC236}">
-                <a16:creationId xmlns:a16="http://schemas.microsoft.com/office/drawing/2014/main" id="{B3694913-6DA0-404E-96BB-F152D3921DC7}"/>
-              </a:ext>
-            </a:extLst>
-          </p:cNvPr>
-          <p:cNvSpPr/>
-          <p:nvPr/>
-        </p:nvSpPr>
-        <p:spPr>
-          <a:xfrm>
-            <a:off x="4738384" y="4839257"/>
-            <a:ext cx="1182254" cy="1182254"/>
-          </a:xfrm>
-          <a:prstGeom prst="rect">
-            <a:avLst/>
-          </a:prstGeom>
-          <a:noFill/>
-          <a:ln w="19050">
-            <a:noFill/>
-          </a:ln>
-        </p:spPr>
-        <p:style>
-          <a:lnRef idx="2">
-            <a:schemeClr val="accent1">
-              <a:shade val="50000"/>
-            </a:schemeClr>
-          </a:lnRef>
-          <a:fillRef idx="1">
-            <a:schemeClr val="accent1"/>
-          </a:fillRef>
-          <a:effectRef idx="0">
-            <a:schemeClr val="accent1"/>
-          </a:effectRef>
-          <a:fontRef idx="minor">
-            <a:schemeClr val="lt1"/>
-          </a:fontRef>
-        </p:style>
-        <p:txBody>
-          <a:bodyPr rtlCol="0" anchor="ctr"/>
-          <a:lstStyle/>
-          <a:p>
-            <a:pPr algn="ctr"/>
-            <a:endParaRPr lang="LID4096"/>
-          </a:p>
-        </p:txBody>
-      </p:sp>
-      <p:sp>
-        <p:nvSpPr>
-          <p:cNvPr id="8" name="Rectangle 7">
-            <a:extLst>
-              <a:ext uri="{FF2B5EF4-FFF2-40B4-BE49-F238E27FC236}">
-                <a16:creationId xmlns:a16="http://schemas.microsoft.com/office/drawing/2014/main" id="{5A984827-D88E-46E0-8504-F53796FD4C8D}"/>
-              </a:ext>
-            </a:extLst>
-          </p:cNvPr>
-          <p:cNvSpPr/>
-          <p:nvPr/>
-        </p:nvSpPr>
-        <p:spPr>
-          <a:xfrm>
-            <a:off x="6565465" y="4839257"/>
-            <a:ext cx="1182254" cy="1182254"/>
-          </a:xfrm>
-          <a:prstGeom prst="rect">
-            <a:avLst/>
-          </a:prstGeom>
-          <a:noFill/>
-          <a:ln w="19050">
-            <a:noFill/>
-          </a:ln>
-        </p:spPr>
-        <p:style>
-          <a:lnRef idx="2">
-            <a:schemeClr val="accent1">
-              <a:shade val="50000"/>
-            </a:schemeClr>
-          </a:lnRef>
-          <a:fillRef idx="1">
-            <a:schemeClr val="accent1"/>
-          </a:fillRef>
-          <a:effectRef idx="0">
-            <a:schemeClr val="accent1"/>
-          </a:effectRef>
-          <a:fontRef idx="minor">
-            <a:schemeClr val="lt1"/>
-          </a:fontRef>
-        </p:style>
-        <p:txBody>
-          <a:bodyPr rtlCol="0" anchor="ctr"/>
-          <a:lstStyle/>
-          <a:p>
-            <a:pPr algn="ctr"/>
-            <a:endParaRPr lang="LID4096"/>
-          </a:p>
-        </p:txBody>
-      </p:sp>
-      <p:sp>
-        <p:nvSpPr>
-          <p:cNvPr id="9" name="Rectangle 8">
-            <a:extLst>
-              <a:ext uri="{FF2B5EF4-FFF2-40B4-BE49-F238E27FC236}">
-                <a16:creationId xmlns:a16="http://schemas.microsoft.com/office/drawing/2014/main" id="{7A9F38C5-3172-4C88-BEB9-78B1C80CB300}"/>
-              </a:ext>
-            </a:extLst>
-          </p:cNvPr>
-          <p:cNvSpPr/>
-          <p:nvPr/>
-        </p:nvSpPr>
-        <p:spPr>
-          <a:xfrm>
-            <a:off x="4738384" y="1157447"/>
-            <a:ext cx="1182254" cy="1182254"/>
-          </a:xfrm>
-          <a:prstGeom prst="rect">
-            <a:avLst/>
-          </a:prstGeom>
-          <a:noFill/>
-          <a:ln w="19050">
-            <a:noFill/>
-          </a:ln>
-        </p:spPr>
-        <p:style>
-          <a:lnRef idx="2">
-            <a:schemeClr val="accent1">
-              <a:shade val="50000"/>
-            </a:schemeClr>
-          </a:lnRef>
-          <a:fillRef idx="1">
-            <a:schemeClr val="accent1"/>
-          </a:fillRef>
-          <a:effectRef idx="0">
-            <a:schemeClr val="accent1"/>
-          </a:effectRef>
-          <a:fontRef idx="minor">
-            <a:schemeClr val="lt1"/>
-          </a:fontRef>
-        </p:style>
-        <p:txBody>
-          <a:bodyPr rtlCol="0" anchor="ctr"/>
-          <a:lstStyle/>
-          <a:p>
-            <a:pPr algn="ctr"/>
-            <a:endParaRPr lang="LID4096"/>
-          </a:p>
-        </p:txBody>
-      </p:sp>
-      <p:sp>
-        <p:nvSpPr>
-          <p:cNvPr id="10" name="Rectangle 9">
-            <a:extLst>
-              <a:ext uri="{FF2B5EF4-FFF2-40B4-BE49-F238E27FC236}">
-                <a16:creationId xmlns:a16="http://schemas.microsoft.com/office/drawing/2014/main" id="{D116F38A-E07F-4B4A-A928-F7666AEAFE55}"/>
-              </a:ext>
-            </a:extLst>
-          </p:cNvPr>
-          <p:cNvSpPr/>
-          <p:nvPr/>
-        </p:nvSpPr>
-        <p:spPr>
-          <a:xfrm>
-            <a:off x="6565465" y="1157447"/>
-            <a:ext cx="1182254" cy="1182254"/>
-          </a:xfrm>
-          <a:prstGeom prst="rect">
-            <a:avLst/>
-          </a:prstGeom>
-          <a:noFill/>
-          <a:ln w="19050">
-            <a:noFill/>
-          </a:ln>
-        </p:spPr>
-        <p:style>
-          <a:lnRef idx="2">
-            <a:schemeClr val="accent1">
-              <a:shade val="50000"/>
-            </a:schemeClr>
-          </a:lnRef>
-          <a:fillRef idx="1">
-            <a:schemeClr val="accent1"/>
-          </a:fillRef>
-          <a:effectRef idx="0">
-            <a:schemeClr val="accent1"/>
-          </a:effectRef>
-          <a:fontRef idx="minor">
-            <a:schemeClr val="lt1"/>
-          </a:fontRef>
-        </p:style>
-        <p:txBody>
-          <a:bodyPr rtlCol="0" anchor="ctr"/>
-          <a:lstStyle/>
-          <a:p>
-            <a:pPr algn="ctr"/>
-            <a:endParaRPr lang="LID4096"/>
-          </a:p>
-        </p:txBody>
-      </p:sp>
-      <p:sp>
-        <p:nvSpPr>
-          <p:cNvPr id="11" name="Rectangle 10">
-            <a:extLst>
-              <a:ext uri="{FF2B5EF4-FFF2-40B4-BE49-F238E27FC236}">
-                <a16:creationId xmlns:a16="http://schemas.microsoft.com/office/drawing/2014/main" id="{8E2E6654-CC92-4CE0-938B-E385DD361A79}"/>
-              </a:ext>
-            </a:extLst>
-          </p:cNvPr>
-          <p:cNvSpPr/>
-          <p:nvPr/>
-        </p:nvSpPr>
-        <p:spPr>
-          <a:xfrm>
-            <a:off x="6565465" y="2998352"/>
-            <a:ext cx="1182254" cy="1182254"/>
-          </a:xfrm>
-          <a:prstGeom prst="rect">
-            <a:avLst/>
-          </a:prstGeom>
-          <a:noFill/>
-          <a:ln w="19050">
-            <a:noFill/>
-          </a:ln>
-        </p:spPr>
-        <p:style>
-          <a:lnRef idx="2">
-            <a:schemeClr val="accent1">
-              <a:shade val="50000"/>
-            </a:schemeClr>
-          </a:lnRef>
-          <a:fillRef idx="1">
-            <a:schemeClr val="accent1"/>
-          </a:fillRef>
-          <a:effectRef idx="0">
-            <a:schemeClr val="accent1"/>
-          </a:effectRef>
-          <a:fontRef idx="minor">
-            <a:schemeClr val="lt1"/>
-          </a:fontRef>
-        </p:style>
-        <p:txBody>
-          <a:bodyPr rtlCol="0" anchor="ctr"/>
-          <a:lstStyle/>
-          <a:p>
-            <a:pPr algn="ctr"/>
-            <a:endParaRPr lang="LID4096" dirty="0">
-              <a:solidFill>
-                <a:schemeClr val="tx1"/>
-              </a:solidFill>
-            </a:endParaRPr>
-          </a:p>
-        </p:txBody>
-      </p:sp>
-      <p:cxnSp>
-        <p:nvCxnSpPr>
-          <p:cNvPr id="12" name="Straight Arrow Connector 11">
-            <a:extLst>
-              <a:ext uri="{FF2B5EF4-FFF2-40B4-BE49-F238E27FC236}">
-                <a16:creationId xmlns:a16="http://schemas.microsoft.com/office/drawing/2014/main" id="{E8423E2D-7219-4656-9BB3-9F5AED1E564D}"/>
-              </a:ext>
-            </a:extLst>
-          </p:cNvPr>
-          <p:cNvCxnSpPr/>
-          <p:nvPr/>
-        </p:nvCxnSpPr>
-        <p:spPr>
-          <a:xfrm flipH="1">
-            <a:off x="7036528" y="3587308"/>
-            <a:ext cx="217714" cy="0"/>
-          </a:xfrm>
-          <a:prstGeom prst="straightConnector1">
-            <a:avLst/>
-          </a:prstGeom>
-          <a:ln w="19050">
-            <a:solidFill>
-              <a:schemeClr val="bg1"/>
-            </a:solidFill>
-            <a:tailEnd type="triangle"/>
-          </a:ln>
-        </p:spPr>
-        <p:style>
-          <a:lnRef idx="1">
-            <a:schemeClr val="accent1"/>
-          </a:lnRef>
-          <a:fillRef idx="0">
-            <a:schemeClr val="accent1"/>
-          </a:fillRef>
-          <a:effectRef idx="0">
-            <a:schemeClr val="accent1"/>
-          </a:effectRef>
-          <a:fontRef idx="minor">
-            <a:schemeClr val="tx1"/>
-          </a:fontRef>
-        </p:style>
-      </p:cxnSp>
-      <p:cxnSp>
-        <p:nvCxnSpPr>
-          <p:cNvPr id="13" name="Straight Arrow Connector 12">
-            <a:extLst>
-              <a:ext uri="{FF2B5EF4-FFF2-40B4-BE49-F238E27FC236}">
-                <a16:creationId xmlns:a16="http://schemas.microsoft.com/office/drawing/2014/main" id="{9D7DC36D-C30D-49AF-83A2-0871F7BABA2B}"/>
-              </a:ext>
-            </a:extLst>
-          </p:cNvPr>
-          <p:cNvCxnSpPr>
-            <a:cxnSpLocks/>
-          </p:cNvCxnSpPr>
-          <p:nvPr/>
-        </p:nvCxnSpPr>
-        <p:spPr>
-          <a:xfrm>
-            <a:off x="7036528" y="3587308"/>
-            <a:ext cx="217714" cy="0"/>
-          </a:xfrm>
-          <a:prstGeom prst="straightConnector1">
-            <a:avLst/>
-          </a:prstGeom>
-          <a:ln w="19050">
-            <a:solidFill>
-              <a:schemeClr val="tx1"/>
-            </a:solidFill>
-            <a:tailEnd type="triangle"/>
-          </a:ln>
-        </p:spPr>
-        <p:style>
-          <a:lnRef idx="1">
-            <a:schemeClr val="accent1"/>
-          </a:lnRef>
-          <a:fillRef idx="0">
-            <a:schemeClr val="accent1"/>
-          </a:fillRef>
-          <a:effectRef idx="0">
-            <a:schemeClr val="accent1"/>
-          </a:effectRef>
-          <a:fontRef idx="minor">
-            <a:schemeClr val="tx1"/>
-          </a:fontRef>
-        </p:style>
-      </p:cxnSp>
-    </p:spTree>
-    <p:extLst>
-      <p:ext uri="{BB962C8B-B14F-4D97-AF65-F5344CB8AC3E}">
-        <p14:creationId xmlns:p14="http://schemas.microsoft.com/office/powerpoint/2010/main" val="2143867250"/>
-      </p:ext>
-    </p:extLst>
-  </p:cSld>
-  <p:clrMapOvr>
-    <a:masterClrMapping/>
-  </p:clrMapOvr>
-</p:sld>
-</file>
-
-<file path=ppt/slides/slide25.xml><?xml version="1.0" encoding="utf-8"?>
-<p:sld xmlns:a="http://schemas.openxmlformats.org/drawingml/2006/main" xmlns:r="http://schemas.openxmlformats.org/officeDocument/2006/relationships" xmlns:p="http://schemas.openxmlformats.org/presentationml/2006/main">
-  <p:cSld>
-    <p:spTree>
-      <p:nvGrpSpPr>
-        <p:cNvPr id="1" name=""/>
-        <p:cNvGrpSpPr/>
-        <p:nvPr/>
-      </p:nvGrpSpPr>
-      <p:grpSpPr>
-        <a:xfrm>
-          <a:off x="0" y="0"/>
-          <a:ext cx="0" cy="0"/>
-          <a:chOff x="0" y="0"/>
-          <a:chExt cx="0" cy="0"/>
-        </a:xfrm>
-      </p:grpSpPr>
-      <p:sp>
-        <p:nvSpPr>
-          <p:cNvPr id="4" name="Rectangle 3">
-            <a:extLst>
-              <a:ext uri="{FF2B5EF4-FFF2-40B4-BE49-F238E27FC236}">
-                <a16:creationId xmlns:a16="http://schemas.microsoft.com/office/drawing/2014/main" id="{716C5456-621C-4CB2-957A-D06C49F6E38E}"/>
-              </a:ext>
-            </a:extLst>
-          </p:cNvPr>
-          <p:cNvSpPr/>
-          <p:nvPr/>
-        </p:nvSpPr>
-        <p:spPr>
-          <a:xfrm>
-            <a:off x="2911303" y="1157447"/>
-            <a:ext cx="1182254" cy="1182254"/>
-          </a:xfrm>
-          <a:prstGeom prst="rect">
-            <a:avLst/>
-          </a:prstGeom>
-          <a:noFill/>
-          <a:ln w="19050">
-            <a:noFill/>
-          </a:ln>
-        </p:spPr>
-        <p:style>
-          <a:lnRef idx="2">
-            <a:schemeClr val="accent1">
-              <a:shade val="50000"/>
-            </a:schemeClr>
-          </a:lnRef>
-          <a:fillRef idx="1">
-            <a:schemeClr val="accent1"/>
-          </a:fillRef>
-          <a:effectRef idx="0">
-            <a:schemeClr val="accent1"/>
-          </a:effectRef>
-          <a:fontRef idx="minor">
-            <a:schemeClr val="lt1"/>
-          </a:fontRef>
-        </p:style>
-        <p:txBody>
-          <a:bodyPr rtlCol="0" anchor="ctr"/>
-          <a:lstStyle/>
-          <a:p>
-            <a:pPr algn="ctr"/>
-            <a:endParaRPr lang="LID4096"/>
-          </a:p>
-        </p:txBody>
-      </p:sp>
-      <p:sp>
-        <p:nvSpPr>
-          <p:cNvPr id="5" name="Rectangle 4">
-            <a:extLst>
-              <a:ext uri="{FF2B5EF4-FFF2-40B4-BE49-F238E27FC236}">
-                <a16:creationId xmlns:a16="http://schemas.microsoft.com/office/drawing/2014/main" id="{DC9131F1-3C36-4952-AB50-21D9487F0039}"/>
-              </a:ext>
-            </a:extLst>
-          </p:cNvPr>
-          <p:cNvSpPr/>
-          <p:nvPr/>
-        </p:nvSpPr>
-        <p:spPr>
-          <a:xfrm>
-            <a:off x="2911303" y="2998352"/>
-            <a:ext cx="1182254" cy="1182254"/>
-          </a:xfrm>
-          <a:prstGeom prst="rect">
-            <a:avLst/>
-          </a:prstGeom>
-          <a:noFill/>
-          <a:ln w="19050">
-            <a:noFill/>
-          </a:ln>
-        </p:spPr>
-        <p:style>
-          <a:lnRef idx="2">
-            <a:schemeClr val="accent1">
-              <a:shade val="50000"/>
-            </a:schemeClr>
-          </a:lnRef>
-          <a:fillRef idx="1">
-            <a:schemeClr val="accent1"/>
-          </a:fillRef>
-          <a:effectRef idx="0">
-            <a:schemeClr val="accent1"/>
-          </a:effectRef>
-          <a:fontRef idx="minor">
-            <a:schemeClr val="lt1"/>
-          </a:fontRef>
-        </p:style>
-        <p:txBody>
-          <a:bodyPr rtlCol="0" anchor="ctr"/>
-          <a:lstStyle/>
-          <a:p>
-            <a:pPr algn="ctr"/>
-            <a:endParaRPr lang="LID4096"/>
-          </a:p>
-        </p:txBody>
-      </p:sp>
-      <p:sp>
-        <p:nvSpPr>
-          <p:cNvPr id="6" name="Rectangle 5">
-            <a:extLst>
-              <a:ext uri="{FF2B5EF4-FFF2-40B4-BE49-F238E27FC236}">
-                <a16:creationId xmlns:a16="http://schemas.microsoft.com/office/drawing/2014/main" id="{437AB641-AB0C-4469-AD2E-A7DA4A69C7B1}"/>
-              </a:ext>
-            </a:extLst>
-          </p:cNvPr>
-          <p:cNvSpPr/>
-          <p:nvPr/>
-        </p:nvSpPr>
-        <p:spPr>
-          <a:xfrm>
-            <a:off x="2911303" y="4839257"/>
-            <a:ext cx="1182254" cy="1182254"/>
-          </a:xfrm>
-          <a:prstGeom prst="rect">
-            <a:avLst/>
-          </a:prstGeom>
-          <a:noFill/>
-          <a:ln w="19050">
-            <a:noFill/>
-          </a:ln>
-        </p:spPr>
-        <p:style>
-          <a:lnRef idx="2">
-            <a:schemeClr val="accent1">
-              <a:shade val="50000"/>
-            </a:schemeClr>
-          </a:lnRef>
-          <a:fillRef idx="1">
-            <a:schemeClr val="accent1"/>
-          </a:fillRef>
-          <a:effectRef idx="0">
-            <a:schemeClr val="accent1"/>
-          </a:effectRef>
-          <a:fontRef idx="minor">
-            <a:schemeClr val="lt1"/>
-          </a:fontRef>
-        </p:style>
-        <p:txBody>
-          <a:bodyPr rtlCol="0" anchor="ctr"/>
-          <a:lstStyle/>
-          <a:p>
-            <a:pPr algn="ctr"/>
-            <a:endParaRPr lang="LID4096"/>
-          </a:p>
-        </p:txBody>
-      </p:sp>
-      <p:sp>
-        <p:nvSpPr>
-          <p:cNvPr id="7" name="Rectangle 6">
-            <a:extLst>
-              <a:ext uri="{FF2B5EF4-FFF2-40B4-BE49-F238E27FC236}">
-                <a16:creationId xmlns:a16="http://schemas.microsoft.com/office/drawing/2014/main" id="{B3694913-6DA0-404E-96BB-F152D3921DC7}"/>
-              </a:ext>
-            </a:extLst>
-          </p:cNvPr>
-          <p:cNvSpPr/>
-          <p:nvPr/>
-        </p:nvSpPr>
-        <p:spPr>
-          <a:xfrm>
-            <a:off x="4738384" y="4839257"/>
-            <a:ext cx="1182254" cy="1182254"/>
-          </a:xfrm>
-          <a:prstGeom prst="rect">
-            <a:avLst/>
-          </a:prstGeom>
-          <a:noFill/>
-          <a:ln w="19050">
-            <a:noFill/>
-          </a:ln>
-        </p:spPr>
-        <p:style>
-          <a:lnRef idx="2">
-            <a:schemeClr val="accent1">
-              <a:shade val="50000"/>
-            </a:schemeClr>
-          </a:lnRef>
-          <a:fillRef idx="1">
-            <a:schemeClr val="accent1"/>
-          </a:fillRef>
-          <a:effectRef idx="0">
-            <a:schemeClr val="accent1"/>
-          </a:effectRef>
-          <a:fontRef idx="minor">
-            <a:schemeClr val="lt1"/>
-          </a:fontRef>
-        </p:style>
-        <p:txBody>
-          <a:bodyPr rtlCol="0" anchor="ctr"/>
-          <a:lstStyle/>
-          <a:p>
-            <a:pPr algn="ctr"/>
-            <a:endParaRPr lang="LID4096"/>
-          </a:p>
-        </p:txBody>
-      </p:sp>
-      <p:sp>
-        <p:nvSpPr>
-          <p:cNvPr id="8" name="Rectangle 7">
-            <a:extLst>
-              <a:ext uri="{FF2B5EF4-FFF2-40B4-BE49-F238E27FC236}">
-                <a16:creationId xmlns:a16="http://schemas.microsoft.com/office/drawing/2014/main" id="{5A984827-D88E-46E0-8504-F53796FD4C8D}"/>
-              </a:ext>
-            </a:extLst>
-          </p:cNvPr>
-          <p:cNvSpPr/>
-          <p:nvPr/>
-        </p:nvSpPr>
-        <p:spPr>
-          <a:xfrm>
-            <a:off x="6565465" y="4839257"/>
-            <a:ext cx="1182254" cy="1182254"/>
-          </a:xfrm>
-          <a:prstGeom prst="rect">
-            <a:avLst/>
-          </a:prstGeom>
-          <a:noFill/>
-          <a:ln w="19050">
-            <a:noFill/>
-          </a:ln>
-        </p:spPr>
-        <p:style>
-          <a:lnRef idx="2">
-            <a:schemeClr val="accent1">
-              <a:shade val="50000"/>
-            </a:schemeClr>
-          </a:lnRef>
-          <a:fillRef idx="1">
-            <a:schemeClr val="accent1"/>
-          </a:fillRef>
-          <a:effectRef idx="0">
-            <a:schemeClr val="accent1"/>
-          </a:effectRef>
-          <a:fontRef idx="minor">
-            <a:schemeClr val="lt1"/>
-          </a:fontRef>
-        </p:style>
-        <p:txBody>
-          <a:bodyPr rtlCol="0" anchor="ctr"/>
-          <a:lstStyle/>
-          <a:p>
-            <a:pPr algn="ctr"/>
-            <a:endParaRPr lang="LID4096"/>
-          </a:p>
-        </p:txBody>
-      </p:sp>
-      <p:sp>
-        <p:nvSpPr>
-          <p:cNvPr id="9" name="Rectangle 8">
-            <a:extLst>
-              <a:ext uri="{FF2B5EF4-FFF2-40B4-BE49-F238E27FC236}">
-                <a16:creationId xmlns:a16="http://schemas.microsoft.com/office/drawing/2014/main" id="{7A9F38C5-3172-4C88-BEB9-78B1C80CB300}"/>
-              </a:ext>
-            </a:extLst>
-          </p:cNvPr>
-          <p:cNvSpPr/>
-          <p:nvPr/>
-        </p:nvSpPr>
-        <p:spPr>
-          <a:xfrm>
-            <a:off x="4738384" y="1157447"/>
-            <a:ext cx="1182254" cy="1182254"/>
-          </a:xfrm>
-          <a:prstGeom prst="rect">
-            <a:avLst/>
-          </a:prstGeom>
-          <a:noFill/>
-          <a:ln w="19050">
-            <a:noFill/>
-          </a:ln>
-        </p:spPr>
-        <p:style>
-          <a:lnRef idx="2">
-            <a:schemeClr val="accent1">
-              <a:shade val="50000"/>
-            </a:schemeClr>
-          </a:lnRef>
-          <a:fillRef idx="1">
-            <a:schemeClr val="accent1"/>
-          </a:fillRef>
-          <a:effectRef idx="0">
-            <a:schemeClr val="accent1"/>
-          </a:effectRef>
-          <a:fontRef idx="minor">
-            <a:schemeClr val="lt1"/>
-          </a:fontRef>
-        </p:style>
-        <p:txBody>
-          <a:bodyPr rtlCol="0" anchor="ctr"/>
-          <a:lstStyle/>
-          <a:p>
-            <a:pPr algn="ctr"/>
-            <a:endParaRPr lang="LID4096"/>
-          </a:p>
-        </p:txBody>
-      </p:sp>
-      <p:sp>
-        <p:nvSpPr>
-          <p:cNvPr id="10" name="Rectangle 9">
-            <a:extLst>
-              <a:ext uri="{FF2B5EF4-FFF2-40B4-BE49-F238E27FC236}">
-                <a16:creationId xmlns:a16="http://schemas.microsoft.com/office/drawing/2014/main" id="{D116F38A-E07F-4B4A-A928-F7666AEAFE55}"/>
-              </a:ext>
-            </a:extLst>
-          </p:cNvPr>
-          <p:cNvSpPr/>
-          <p:nvPr/>
-        </p:nvSpPr>
-        <p:spPr>
-          <a:xfrm>
-            <a:off x="6565465" y="1157447"/>
-            <a:ext cx="1182254" cy="1182254"/>
-          </a:xfrm>
-          <a:prstGeom prst="rect">
-            <a:avLst/>
-          </a:prstGeom>
-          <a:noFill/>
-          <a:ln w="19050">
-            <a:noFill/>
-          </a:ln>
-        </p:spPr>
-        <p:style>
-          <a:lnRef idx="2">
-            <a:schemeClr val="accent1">
-              <a:shade val="50000"/>
-            </a:schemeClr>
-          </a:lnRef>
-          <a:fillRef idx="1">
-            <a:schemeClr val="accent1"/>
-          </a:fillRef>
-          <a:effectRef idx="0">
-            <a:schemeClr val="accent1"/>
-          </a:effectRef>
-          <a:fontRef idx="minor">
-            <a:schemeClr val="lt1"/>
-          </a:fontRef>
-        </p:style>
-        <p:txBody>
-          <a:bodyPr rtlCol="0" anchor="ctr"/>
-          <a:lstStyle/>
-          <a:p>
-            <a:pPr algn="ctr"/>
-            <a:endParaRPr lang="LID4096" dirty="0">
-              <a:solidFill>
-                <a:schemeClr val="tx1"/>
-              </a:solidFill>
-            </a:endParaRPr>
-          </a:p>
-        </p:txBody>
-      </p:sp>
-      <p:sp>
-        <p:nvSpPr>
-          <p:cNvPr id="11" name="Rectangle 10">
-            <a:extLst>
-              <a:ext uri="{FF2B5EF4-FFF2-40B4-BE49-F238E27FC236}">
-                <a16:creationId xmlns:a16="http://schemas.microsoft.com/office/drawing/2014/main" id="{8E2E6654-CC92-4CE0-938B-E385DD361A79}"/>
-              </a:ext>
-            </a:extLst>
-          </p:cNvPr>
-          <p:cNvSpPr/>
-          <p:nvPr/>
-        </p:nvSpPr>
-        <p:spPr>
-          <a:xfrm>
-            <a:off x="6565465" y="2998352"/>
-            <a:ext cx="1182254" cy="1182254"/>
-          </a:xfrm>
-          <a:prstGeom prst="rect">
-            <a:avLst/>
-          </a:prstGeom>
-          <a:noFill/>
-          <a:ln w="19050">
-            <a:noFill/>
-          </a:ln>
-        </p:spPr>
-        <p:style>
-          <a:lnRef idx="2">
-            <a:schemeClr val="accent1">
-              <a:shade val="50000"/>
-            </a:schemeClr>
-          </a:lnRef>
-          <a:fillRef idx="1">
-            <a:schemeClr val="accent1"/>
-          </a:fillRef>
-          <a:effectRef idx="0">
-            <a:schemeClr val="accent1"/>
-          </a:effectRef>
-          <a:fontRef idx="minor">
-            <a:schemeClr val="lt1"/>
-          </a:fontRef>
-        </p:style>
-        <p:txBody>
-          <a:bodyPr rtlCol="0" anchor="ctr"/>
-          <a:lstStyle/>
-          <a:p>
-            <a:pPr algn="ctr"/>
-            <a:endParaRPr lang="LID4096"/>
-          </a:p>
-        </p:txBody>
-      </p:sp>
-      <p:cxnSp>
-        <p:nvCxnSpPr>
-          <p:cNvPr id="12" name="Straight Arrow Connector 11">
-            <a:extLst>
-              <a:ext uri="{FF2B5EF4-FFF2-40B4-BE49-F238E27FC236}">
-                <a16:creationId xmlns:a16="http://schemas.microsoft.com/office/drawing/2014/main" id="{7E9C0D63-D8B2-4030-9986-D5F92F343472}"/>
-              </a:ext>
-            </a:extLst>
-          </p:cNvPr>
-          <p:cNvCxnSpPr/>
-          <p:nvPr/>
-        </p:nvCxnSpPr>
-        <p:spPr>
-          <a:xfrm flipH="1">
-            <a:off x="7036527" y="1759129"/>
-            <a:ext cx="217714" cy="0"/>
-          </a:xfrm>
-          <a:prstGeom prst="straightConnector1">
-            <a:avLst/>
-          </a:prstGeom>
-          <a:ln w="19050">
-            <a:solidFill>
-              <a:schemeClr val="bg1"/>
-            </a:solidFill>
-            <a:tailEnd type="triangle"/>
-          </a:ln>
-        </p:spPr>
-        <p:style>
-          <a:lnRef idx="1">
-            <a:schemeClr val="accent1"/>
-          </a:lnRef>
-          <a:fillRef idx="0">
-            <a:schemeClr val="accent1"/>
-          </a:fillRef>
-          <a:effectRef idx="0">
-            <a:schemeClr val="accent1"/>
-          </a:effectRef>
-          <a:fontRef idx="minor">
-            <a:schemeClr val="tx1"/>
-          </a:fontRef>
-        </p:style>
-      </p:cxnSp>
-      <p:cxnSp>
-        <p:nvCxnSpPr>
-          <p:cNvPr id="13" name="Straight Arrow Connector 12">
-            <a:extLst>
-              <a:ext uri="{FF2B5EF4-FFF2-40B4-BE49-F238E27FC236}">
-                <a16:creationId xmlns:a16="http://schemas.microsoft.com/office/drawing/2014/main" id="{1C6075D7-50CF-4B7B-9E85-062DD2D88260}"/>
-              </a:ext>
-            </a:extLst>
-          </p:cNvPr>
-          <p:cNvCxnSpPr>
-            <a:cxnSpLocks/>
-          </p:cNvCxnSpPr>
-          <p:nvPr/>
-        </p:nvCxnSpPr>
-        <p:spPr>
-          <a:xfrm rot="10800000" flipH="1">
-            <a:off x="7036527" y="1773434"/>
-            <a:ext cx="217714" cy="0"/>
-          </a:xfrm>
-          <a:prstGeom prst="straightConnector1">
-            <a:avLst/>
-          </a:prstGeom>
-          <a:ln w="19050">
-            <a:solidFill>
-              <a:schemeClr val="tx1"/>
-            </a:solidFill>
-            <a:tailEnd type="triangle"/>
-          </a:ln>
-        </p:spPr>
-        <p:style>
-          <a:lnRef idx="1">
-            <a:schemeClr val="accent1"/>
-          </a:lnRef>
-          <a:fillRef idx="0">
-            <a:schemeClr val="accent1"/>
-          </a:fillRef>
-          <a:effectRef idx="0">
-            <a:schemeClr val="accent1"/>
-          </a:effectRef>
-          <a:fontRef idx="minor">
-            <a:schemeClr val="tx1"/>
-          </a:fontRef>
-        </p:style>
-      </p:cxnSp>
-    </p:spTree>
-    <p:extLst>
-      <p:ext uri="{BB962C8B-B14F-4D97-AF65-F5344CB8AC3E}">
-        <p14:creationId xmlns:p14="http://schemas.microsoft.com/office/powerpoint/2010/main" val="3952862144"/>
-      </p:ext>
-    </p:extLst>
-  </p:cSld>
-  <p:clrMapOvr>
-    <a:masterClrMapping/>
-  </p:clrMapOvr>
-</p:sld>
-</file>
-
-<file path=ppt/slides/slide26.xml><?xml version="1.0" encoding="utf-8"?>
-<p:sld xmlns:a="http://schemas.openxmlformats.org/drawingml/2006/main" xmlns:r="http://schemas.openxmlformats.org/officeDocument/2006/relationships" xmlns:p="http://schemas.openxmlformats.org/presentationml/2006/main">
-  <p:cSld>
-    <p:spTree>
-      <p:nvGrpSpPr>
-        <p:cNvPr id="1" name=""/>
-        <p:cNvGrpSpPr/>
-        <p:nvPr/>
-      </p:nvGrpSpPr>
-      <p:grpSpPr>
-        <a:xfrm>
-          <a:off x="0" y="0"/>
-          <a:ext cx="0" cy="0"/>
-          <a:chOff x="0" y="0"/>
-          <a:chExt cx="0" cy="0"/>
-        </a:xfrm>
-      </p:grpSpPr>
-      <p:sp>
-        <p:nvSpPr>
-          <p:cNvPr id="4" name="Rectangle 3">
-            <a:extLst>
-              <a:ext uri="{FF2B5EF4-FFF2-40B4-BE49-F238E27FC236}">
-                <a16:creationId xmlns:a16="http://schemas.microsoft.com/office/drawing/2014/main" id="{716C5456-621C-4CB2-957A-D06C49F6E38E}"/>
-              </a:ext>
-            </a:extLst>
-          </p:cNvPr>
-          <p:cNvSpPr/>
-          <p:nvPr/>
-        </p:nvSpPr>
-        <p:spPr>
-          <a:xfrm>
-            <a:off x="2911303" y="1157447"/>
-            <a:ext cx="1182254" cy="1182254"/>
-          </a:xfrm>
-          <a:prstGeom prst="rect">
-            <a:avLst/>
-          </a:prstGeom>
-          <a:noFill/>
-          <a:ln w="19050">
-            <a:noFill/>
-          </a:ln>
-        </p:spPr>
-        <p:style>
-          <a:lnRef idx="2">
-            <a:schemeClr val="accent1">
-              <a:shade val="50000"/>
-            </a:schemeClr>
-          </a:lnRef>
-          <a:fillRef idx="1">
-            <a:schemeClr val="accent1"/>
-          </a:fillRef>
-          <a:effectRef idx="0">
-            <a:schemeClr val="accent1"/>
-          </a:effectRef>
-          <a:fontRef idx="minor">
-            <a:schemeClr val="lt1"/>
-          </a:fontRef>
-        </p:style>
-        <p:txBody>
-          <a:bodyPr rtlCol="0" anchor="ctr"/>
-          <a:lstStyle/>
-          <a:p>
-            <a:pPr algn="ctr"/>
-            <a:endParaRPr lang="LID4096"/>
-          </a:p>
-        </p:txBody>
-      </p:sp>
-      <p:sp>
-        <p:nvSpPr>
-          <p:cNvPr id="5" name="Rectangle 4">
-            <a:extLst>
-              <a:ext uri="{FF2B5EF4-FFF2-40B4-BE49-F238E27FC236}">
-                <a16:creationId xmlns:a16="http://schemas.microsoft.com/office/drawing/2014/main" id="{DC9131F1-3C36-4952-AB50-21D9487F0039}"/>
-              </a:ext>
-            </a:extLst>
-          </p:cNvPr>
-          <p:cNvSpPr/>
-          <p:nvPr/>
-        </p:nvSpPr>
-        <p:spPr>
-          <a:xfrm>
-            <a:off x="2911303" y="2998352"/>
-            <a:ext cx="1182254" cy="1182254"/>
-          </a:xfrm>
-          <a:prstGeom prst="rect">
-            <a:avLst/>
-          </a:prstGeom>
-          <a:noFill/>
-          <a:ln w="19050">
-            <a:noFill/>
-          </a:ln>
-        </p:spPr>
-        <p:style>
-          <a:lnRef idx="2">
-            <a:schemeClr val="accent1">
-              <a:shade val="50000"/>
-            </a:schemeClr>
-          </a:lnRef>
-          <a:fillRef idx="1">
-            <a:schemeClr val="accent1"/>
-          </a:fillRef>
-          <a:effectRef idx="0">
-            <a:schemeClr val="accent1"/>
-          </a:effectRef>
-          <a:fontRef idx="minor">
-            <a:schemeClr val="lt1"/>
-          </a:fontRef>
-        </p:style>
-        <p:txBody>
-          <a:bodyPr rtlCol="0" anchor="ctr"/>
-          <a:lstStyle/>
-          <a:p>
-            <a:pPr algn="ctr"/>
-            <a:endParaRPr lang="LID4096"/>
-          </a:p>
-        </p:txBody>
-      </p:sp>
-      <p:sp>
-        <p:nvSpPr>
-          <p:cNvPr id="6" name="Rectangle 5">
-            <a:extLst>
-              <a:ext uri="{FF2B5EF4-FFF2-40B4-BE49-F238E27FC236}">
-                <a16:creationId xmlns:a16="http://schemas.microsoft.com/office/drawing/2014/main" id="{437AB641-AB0C-4469-AD2E-A7DA4A69C7B1}"/>
-              </a:ext>
-            </a:extLst>
-          </p:cNvPr>
-          <p:cNvSpPr/>
-          <p:nvPr/>
-        </p:nvSpPr>
-        <p:spPr>
-          <a:xfrm>
-            <a:off x="2911303" y="4839257"/>
-            <a:ext cx="1182254" cy="1182254"/>
-          </a:xfrm>
-          <a:prstGeom prst="rect">
-            <a:avLst/>
-          </a:prstGeom>
-          <a:noFill/>
-          <a:ln w="19050">
-            <a:noFill/>
-          </a:ln>
-        </p:spPr>
-        <p:style>
-          <a:lnRef idx="2">
-            <a:schemeClr val="accent1">
-              <a:shade val="50000"/>
-            </a:schemeClr>
-          </a:lnRef>
-          <a:fillRef idx="1">
-            <a:schemeClr val="accent1"/>
-          </a:fillRef>
-          <a:effectRef idx="0">
-            <a:schemeClr val="accent1"/>
-          </a:effectRef>
-          <a:fontRef idx="minor">
-            <a:schemeClr val="lt1"/>
-          </a:fontRef>
-        </p:style>
-        <p:txBody>
-          <a:bodyPr rtlCol="0" anchor="ctr"/>
-          <a:lstStyle/>
-          <a:p>
-            <a:pPr algn="ctr"/>
-            <a:endParaRPr lang="LID4096"/>
-          </a:p>
-        </p:txBody>
-      </p:sp>
-      <p:sp>
-        <p:nvSpPr>
-          <p:cNvPr id="7" name="Rectangle 6">
-            <a:extLst>
-              <a:ext uri="{FF2B5EF4-FFF2-40B4-BE49-F238E27FC236}">
-                <a16:creationId xmlns:a16="http://schemas.microsoft.com/office/drawing/2014/main" id="{B3694913-6DA0-404E-96BB-F152D3921DC7}"/>
-              </a:ext>
-            </a:extLst>
-          </p:cNvPr>
-          <p:cNvSpPr/>
-          <p:nvPr/>
-        </p:nvSpPr>
-        <p:spPr>
-          <a:xfrm>
-            <a:off x="4738384" y="4839257"/>
-            <a:ext cx="1182254" cy="1182254"/>
-          </a:xfrm>
-          <a:prstGeom prst="rect">
-            <a:avLst/>
-          </a:prstGeom>
-          <a:noFill/>
-          <a:ln w="19050">
-            <a:noFill/>
-          </a:ln>
-        </p:spPr>
-        <p:style>
-          <a:lnRef idx="2">
-            <a:schemeClr val="accent1">
-              <a:shade val="50000"/>
-            </a:schemeClr>
-          </a:lnRef>
-          <a:fillRef idx="1">
-            <a:schemeClr val="accent1"/>
-          </a:fillRef>
-          <a:effectRef idx="0">
-            <a:schemeClr val="accent1"/>
-          </a:effectRef>
-          <a:fontRef idx="minor">
-            <a:schemeClr val="lt1"/>
-          </a:fontRef>
-        </p:style>
-        <p:txBody>
-          <a:bodyPr rtlCol="0" anchor="ctr"/>
-          <a:lstStyle/>
-          <a:p>
-            <a:pPr algn="ctr"/>
-            <a:endParaRPr lang="LID4096"/>
-          </a:p>
-        </p:txBody>
-      </p:sp>
-      <p:sp>
-        <p:nvSpPr>
-          <p:cNvPr id="8" name="Rectangle 7">
-            <a:extLst>
-              <a:ext uri="{FF2B5EF4-FFF2-40B4-BE49-F238E27FC236}">
-                <a16:creationId xmlns:a16="http://schemas.microsoft.com/office/drawing/2014/main" id="{5A984827-D88E-46E0-8504-F53796FD4C8D}"/>
-              </a:ext>
-            </a:extLst>
-          </p:cNvPr>
-          <p:cNvSpPr/>
-          <p:nvPr/>
-        </p:nvSpPr>
-        <p:spPr>
-          <a:xfrm>
-            <a:off x="6565465" y="4839257"/>
-            <a:ext cx="1182254" cy="1182254"/>
-          </a:xfrm>
-          <a:prstGeom prst="rect">
-            <a:avLst/>
-          </a:prstGeom>
-          <a:noFill/>
-          <a:ln w="19050">
-            <a:noFill/>
-          </a:ln>
-        </p:spPr>
-        <p:style>
-          <a:lnRef idx="2">
-            <a:schemeClr val="accent1">
-              <a:shade val="50000"/>
-            </a:schemeClr>
-          </a:lnRef>
-          <a:fillRef idx="1">
-            <a:schemeClr val="accent1"/>
-          </a:fillRef>
-          <a:effectRef idx="0">
-            <a:schemeClr val="accent1"/>
-          </a:effectRef>
-          <a:fontRef idx="minor">
-            <a:schemeClr val="lt1"/>
-          </a:fontRef>
-        </p:style>
-        <p:txBody>
-          <a:bodyPr rtlCol="0" anchor="ctr"/>
-          <a:lstStyle/>
-          <a:p>
-            <a:pPr algn="ctr"/>
-            <a:endParaRPr lang="LID4096"/>
-          </a:p>
-        </p:txBody>
-      </p:sp>
-      <p:sp>
-        <p:nvSpPr>
-          <p:cNvPr id="9" name="Rectangle 8">
-            <a:extLst>
-              <a:ext uri="{FF2B5EF4-FFF2-40B4-BE49-F238E27FC236}">
-                <a16:creationId xmlns:a16="http://schemas.microsoft.com/office/drawing/2014/main" id="{7A9F38C5-3172-4C88-BEB9-78B1C80CB300}"/>
-              </a:ext>
-            </a:extLst>
-          </p:cNvPr>
-          <p:cNvSpPr/>
-          <p:nvPr/>
-        </p:nvSpPr>
-        <p:spPr>
-          <a:xfrm>
-            <a:off x="4738384" y="1157447"/>
-            <a:ext cx="1182254" cy="1182254"/>
-          </a:xfrm>
-          <a:prstGeom prst="rect">
-            <a:avLst/>
-          </a:prstGeom>
-          <a:noFill/>
-          <a:ln w="19050">
-            <a:noFill/>
-          </a:ln>
-        </p:spPr>
-        <p:style>
-          <a:lnRef idx="2">
-            <a:schemeClr val="accent1">
-              <a:shade val="50000"/>
-            </a:schemeClr>
-          </a:lnRef>
-          <a:fillRef idx="1">
-            <a:schemeClr val="accent1"/>
-          </a:fillRef>
-          <a:effectRef idx="0">
-            <a:schemeClr val="accent1"/>
-          </a:effectRef>
-          <a:fontRef idx="minor">
-            <a:schemeClr val="lt1"/>
-          </a:fontRef>
-        </p:style>
-        <p:txBody>
-          <a:bodyPr rtlCol="0" anchor="ctr"/>
-          <a:lstStyle/>
-          <a:p>
-            <a:pPr algn="ctr"/>
-            <a:endParaRPr lang="LID4096" dirty="0">
-              <a:solidFill>
-                <a:schemeClr val="tx1"/>
-              </a:solidFill>
-            </a:endParaRPr>
-          </a:p>
-        </p:txBody>
-      </p:sp>
-      <p:sp>
-        <p:nvSpPr>
-          <p:cNvPr id="10" name="Rectangle 9">
-            <a:extLst>
-              <a:ext uri="{FF2B5EF4-FFF2-40B4-BE49-F238E27FC236}">
-                <a16:creationId xmlns:a16="http://schemas.microsoft.com/office/drawing/2014/main" id="{D116F38A-E07F-4B4A-A928-F7666AEAFE55}"/>
-              </a:ext>
-            </a:extLst>
-          </p:cNvPr>
-          <p:cNvSpPr/>
-          <p:nvPr/>
-        </p:nvSpPr>
-        <p:spPr>
-          <a:xfrm>
-            <a:off x="6565465" y="1157447"/>
-            <a:ext cx="1182254" cy="1182254"/>
-          </a:xfrm>
-          <a:prstGeom prst="rect">
-            <a:avLst/>
-          </a:prstGeom>
-          <a:noFill/>
-          <a:ln w="19050">
-            <a:noFill/>
-          </a:ln>
-        </p:spPr>
-        <p:style>
-          <a:lnRef idx="2">
-            <a:schemeClr val="accent1">
-              <a:shade val="50000"/>
-            </a:schemeClr>
-          </a:lnRef>
-          <a:fillRef idx="1">
-            <a:schemeClr val="accent1"/>
-          </a:fillRef>
-          <a:effectRef idx="0">
-            <a:schemeClr val="accent1"/>
-          </a:effectRef>
-          <a:fontRef idx="minor">
-            <a:schemeClr val="lt1"/>
-          </a:fontRef>
-        </p:style>
-        <p:txBody>
-          <a:bodyPr rtlCol="0" anchor="ctr"/>
-          <a:lstStyle/>
-          <a:p>
-            <a:pPr algn="ctr"/>
-            <a:endParaRPr lang="LID4096" dirty="0">
-              <a:solidFill>
-                <a:schemeClr val="tx1"/>
-              </a:solidFill>
-            </a:endParaRPr>
-          </a:p>
-        </p:txBody>
-      </p:sp>
-      <p:sp>
-        <p:nvSpPr>
-          <p:cNvPr id="11" name="Rectangle 10">
-            <a:extLst>
-              <a:ext uri="{FF2B5EF4-FFF2-40B4-BE49-F238E27FC236}">
-                <a16:creationId xmlns:a16="http://schemas.microsoft.com/office/drawing/2014/main" id="{8E2E6654-CC92-4CE0-938B-E385DD361A79}"/>
-              </a:ext>
-            </a:extLst>
-          </p:cNvPr>
-          <p:cNvSpPr/>
-          <p:nvPr/>
-        </p:nvSpPr>
-        <p:spPr>
-          <a:xfrm>
-            <a:off x="6565465" y="2998352"/>
-            <a:ext cx="1182254" cy="1182254"/>
-          </a:xfrm>
-          <a:prstGeom prst="rect">
-            <a:avLst/>
-          </a:prstGeom>
-          <a:noFill/>
-          <a:ln w="19050">
-            <a:noFill/>
-          </a:ln>
-        </p:spPr>
-        <p:style>
-          <a:lnRef idx="2">
-            <a:schemeClr val="accent1">
-              <a:shade val="50000"/>
-            </a:schemeClr>
-          </a:lnRef>
-          <a:fillRef idx="1">
-            <a:schemeClr val="accent1"/>
-          </a:fillRef>
-          <a:effectRef idx="0">
-            <a:schemeClr val="accent1"/>
-          </a:effectRef>
-          <a:fontRef idx="minor">
-            <a:schemeClr val="lt1"/>
-          </a:fontRef>
-        </p:style>
-        <p:txBody>
-          <a:bodyPr rtlCol="0" anchor="ctr"/>
-          <a:lstStyle/>
-          <a:p>
-            <a:pPr algn="ctr"/>
-            <a:endParaRPr lang="LID4096"/>
-          </a:p>
-        </p:txBody>
-      </p:sp>
-      <p:cxnSp>
-        <p:nvCxnSpPr>
-          <p:cNvPr id="12" name="Straight Arrow Connector 11">
-            <a:extLst>
-              <a:ext uri="{FF2B5EF4-FFF2-40B4-BE49-F238E27FC236}">
-                <a16:creationId xmlns:a16="http://schemas.microsoft.com/office/drawing/2014/main" id="{11D98802-E630-4D63-A88A-183A6EAB97F5}"/>
-              </a:ext>
-            </a:extLst>
-          </p:cNvPr>
-          <p:cNvCxnSpPr/>
-          <p:nvPr/>
-        </p:nvCxnSpPr>
-        <p:spPr>
-          <a:xfrm flipH="1">
-            <a:off x="5207727" y="1759129"/>
-            <a:ext cx="217714" cy="0"/>
-          </a:xfrm>
-          <a:prstGeom prst="straightConnector1">
-            <a:avLst/>
-          </a:prstGeom>
-          <a:ln w="19050">
-            <a:solidFill>
-              <a:schemeClr val="bg1"/>
-            </a:solidFill>
-            <a:tailEnd type="triangle"/>
-          </a:ln>
-        </p:spPr>
-        <p:style>
-          <a:lnRef idx="1">
-            <a:schemeClr val="accent1"/>
-          </a:lnRef>
-          <a:fillRef idx="0">
-            <a:schemeClr val="accent1"/>
-          </a:fillRef>
-          <a:effectRef idx="0">
-            <a:schemeClr val="accent1"/>
-          </a:effectRef>
-          <a:fontRef idx="minor">
-            <a:schemeClr val="tx1"/>
-          </a:fontRef>
-        </p:style>
-      </p:cxnSp>
-      <p:cxnSp>
-        <p:nvCxnSpPr>
-          <p:cNvPr id="13" name="Straight Arrow Connector 12">
-            <a:extLst>
-              <a:ext uri="{FF2B5EF4-FFF2-40B4-BE49-F238E27FC236}">
-                <a16:creationId xmlns:a16="http://schemas.microsoft.com/office/drawing/2014/main" id="{2302FD80-0A7D-4E9A-A35C-76E9BE8F9D7E}"/>
-              </a:ext>
-            </a:extLst>
-          </p:cNvPr>
-          <p:cNvCxnSpPr>
-            <a:cxnSpLocks/>
-          </p:cNvCxnSpPr>
-          <p:nvPr/>
-        </p:nvCxnSpPr>
-        <p:spPr>
-          <a:xfrm rot="10800000" flipH="1">
-            <a:off x="5207727" y="1759129"/>
-            <a:ext cx="217714" cy="0"/>
-          </a:xfrm>
-          <a:prstGeom prst="straightConnector1">
-            <a:avLst/>
-          </a:prstGeom>
-          <a:ln w="19050">
-            <a:solidFill>
-              <a:schemeClr val="tx1"/>
-            </a:solidFill>
-            <a:tailEnd type="triangle"/>
-          </a:ln>
-        </p:spPr>
-        <p:style>
-          <a:lnRef idx="1">
-            <a:schemeClr val="accent1"/>
-          </a:lnRef>
-          <a:fillRef idx="0">
-            <a:schemeClr val="accent1"/>
-          </a:fillRef>
-          <a:effectRef idx="0">
-            <a:schemeClr val="accent1"/>
-          </a:effectRef>
-          <a:fontRef idx="minor">
-            <a:schemeClr val="tx1"/>
-          </a:fontRef>
-        </p:style>
-      </p:cxnSp>
-    </p:spTree>
-    <p:extLst>
-      <p:ext uri="{BB962C8B-B14F-4D97-AF65-F5344CB8AC3E}">
-        <p14:creationId xmlns:p14="http://schemas.microsoft.com/office/powerpoint/2010/main" val="174609567"/>
+        <p14:creationId xmlns:p14="http://schemas.microsoft.com/office/powerpoint/2010/main" val="1276770982"/>
       </p:ext>
     </p:extLst>
   </p:cSld>
@@ -12858,7 +9155,7 @@
           <a:noFill/>
           <a:ln w="19050">
             <a:solidFill>
-              <a:schemeClr val="bg1"/>
+              <a:schemeClr val="tx1"/>
             </a:solidFill>
           </a:ln>
         </p:spPr>
@@ -12883,14 +9180,6 @@
           <a:lstStyle/>
           <a:p>
             <a:pPr algn="ctr"/>
-            <a:r>
-              <a:rPr lang="en-US" dirty="0">
-                <a:solidFill>
-                  <a:schemeClr val="tx1"/>
-                </a:solidFill>
-              </a:rPr>
-              <a:t>X</a:t>
-            </a:r>
             <a:endParaRPr lang="LID4096" dirty="0">
               <a:solidFill>
                 <a:schemeClr val="tx1"/>
@@ -12922,7 +9211,7 @@
           <a:noFill/>
           <a:ln w="19050">
             <a:solidFill>
-              <a:schemeClr val="bg1"/>
+              <a:schemeClr val="tx1"/>
             </a:solidFill>
           </a:ln>
         </p:spPr>
@@ -12974,7 +9263,7 @@
           <a:noFill/>
           <a:ln w="19050">
             <a:solidFill>
-              <a:schemeClr val="bg1"/>
+              <a:schemeClr val="tx1"/>
             </a:solidFill>
           </a:ln>
         </p:spPr>
@@ -13026,7 +9315,7 @@
           <a:noFill/>
           <a:ln w="19050">
             <a:solidFill>
-              <a:schemeClr val="bg1"/>
+              <a:schemeClr val="tx1"/>
             </a:solidFill>
           </a:ln>
         </p:spPr>
@@ -13078,7 +9367,7 @@
           <a:noFill/>
           <a:ln w="19050">
             <a:solidFill>
-              <a:schemeClr val="bg1"/>
+              <a:schemeClr val="tx1"/>
             </a:solidFill>
           </a:ln>
         </p:spPr>
@@ -13130,7 +9419,7 @@
           <a:noFill/>
           <a:ln w="19050">
             <a:solidFill>
-              <a:schemeClr val="bg1"/>
+              <a:schemeClr val="tx1"/>
             </a:solidFill>
           </a:ln>
         </p:spPr>
@@ -13182,7 +9471,7 @@
           <a:noFill/>
           <a:ln w="19050">
             <a:solidFill>
-              <a:schemeClr val="bg1"/>
+              <a:schemeClr val="tx1"/>
             </a:solidFill>
           </a:ln>
         </p:spPr>
@@ -13234,7 +9523,7 @@
           <a:noFill/>
           <a:ln w="19050">
             <a:solidFill>
-              <a:schemeClr val="bg1"/>
+              <a:schemeClr val="tx1"/>
             </a:solidFill>
           </a:ln>
         </p:spPr>
@@ -13263,10 +9552,52 @@
           </a:p>
         </p:txBody>
       </p:sp>
+      <p:cxnSp>
+        <p:nvCxnSpPr>
+          <p:cNvPr id="13" name="Straight Arrow Connector 12">
+            <a:extLst>
+              <a:ext uri="{FF2B5EF4-FFF2-40B4-BE49-F238E27FC236}">
+                <a16:creationId xmlns:a16="http://schemas.microsoft.com/office/drawing/2014/main" id="{8506F469-ABD6-4E42-9B5B-79B7CF65E191}"/>
+              </a:ext>
+            </a:extLst>
+          </p:cNvPr>
+          <p:cNvCxnSpPr/>
+          <p:nvPr/>
+        </p:nvCxnSpPr>
+        <p:spPr>
+          <a:xfrm flipH="1">
+            <a:off x="3370219" y="1759131"/>
+            <a:ext cx="217714" cy="0"/>
+          </a:xfrm>
+          <a:prstGeom prst="straightConnector1">
+            <a:avLst/>
+          </a:prstGeom>
+          <a:ln w="19050">
+            <a:solidFill>
+              <a:schemeClr val="tx1"/>
+            </a:solidFill>
+            <a:tailEnd type="triangle"/>
+          </a:ln>
+        </p:spPr>
+        <p:style>
+          <a:lnRef idx="1">
+            <a:schemeClr val="accent1"/>
+          </a:lnRef>
+          <a:fillRef idx="0">
+            <a:schemeClr val="accent1"/>
+          </a:fillRef>
+          <a:effectRef idx="0">
+            <a:schemeClr val="accent1"/>
+          </a:effectRef>
+          <a:fontRef idx="minor">
+            <a:schemeClr val="tx1"/>
+          </a:fontRef>
+        </p:style>
+      </p:cxnSp>
     </p:spTree>
     <p:extLst>
       <p:ext uri="{BB962C8B-B14F-4D97-AF65-F5344CB8AC3E}">
-        <p14:creationId xmlns:p14="http://schemas.microsoft.com/office/powerpoint/2010/main" val="1713171939"/>
+        <p14:creationId xmlns:p14="http://schemas.microsoft.com/office/powerpoint/2010/main" val="1065685131"/>
       </p:ext>
     </p:extLst>
   </p:cSld>
@@ -13315,7 +9646,9 @@
           </a:prstGeom>
           <a:noFill/>
           <a:ln w="19050">
-            <a:noFill/>
+            <a:solidFill>
+              <a:schemeClr val="bg1"/>
+            </a:solidFill>
           </a:ln>
         </p:spPr>
         <p:style>
@@ -13365,38 +9698,32 @@
           </a:prstGeom>
           <a:noFill/>
           <a:ln w="19050">
-            <a:noFill/>
-          </a:ln>
-        </p:spPr>
-        <p:style>
-          <a:lnRef idx="2">
-            <a:schemeClr val="accent1">
-              <a:shade val="50000"/>
-            </a:schemeClr>
-          </a:lnRef>
-          <a:fillRef idx="1">
-            <a:schemeClr val="accent1"/>
-          </a:fillRef>
-          <a:effectRef idx="0">
-            <a:schemeClr val="accent1"/>
-          </a:effectRef>
-          <a:fontRef idx="minor">
-            <a:schemeClr val="lt1"/>
-          </a:fontRef>
-        </p:style>
-        <p:txBody>
-          <a:bodyPr rtlCol="0" anchor="ctr"/>
-          <a:lstStyle/>
-          <a:p>
-            <a:pPr algn="ctr"/>
-            <a:r>
-              <a:rPr lang="en-US" dirty="0">
-                <a:solidFill>
-                  <a:schemeClr val="tx1"/>
-                </a:solidFill>
-              </a:rPr>
-              <a:t>X</a:t>
-            </a:r>
+            <a:solidFill>
+              <a:schemeClr val="bg1"/>
+            </a:solidFill>
+          </a:ln>
+        </p:spPr>
+        <p:style>
+          <a:lnRef idx="2">
+            <a:schemeClr val="accent1">
+              <a:shade val="50000"/>
+            </a:schemeClr>
+          </a:lnRef>
+          <a:fillRef idx="1">
+            <a:schemeClr val="accent1"/>
+          </a:fillRef>
+          <a:effectRef idx="0">
+            <a:schemeClr val="accent1"/>
+          </a:effectRef>
+          <a:fontRef idx="minor">
+            <a:schemeClr val="lt1"/>
+          </a:fontRef>
+        </p:style>
+        <p:txBody>
+          <a:bodyPr rtlCol="0" anchor="ctr"/>
+          <a:lstStyle/>
+          <a:p>
+            <a:pPr algn="ctr"/>
             <a:endParaRPr lang="LID4096" dirty="0">
               <a:solidFill>
                 <a:schemeClr val="tx1"/>
@@ -13427,7 +9754,9 @@
           </a:prstGeom>
           <a:noFill/>
           <a:ln w="19050">
-            <a:noFill/>
+            <a:solidFill>
+              <a:schemeClr val="bg1"/>
+            </a:solidFill>
           </a:ln>
         </p:spPr>
         <p:style>
@@ -13481,7 +9810,9 @@
           </a:prstGeom>
           <a:noFill/>
           <a:ln w="19050">
-            <a:noFill/>
+            <a:solidFill>
+              <a:schemeClr val="bg1"/>
+            </a:solidFill>
           </a:ln>
         </p:spPr>
         <p:style>
@@ -13535,7 +9866,9 @@
           </a:prstGeom>
           <a:noFill/>
           <a:ln w="19050">
-            <a:noFill/>
+            <a:solidFill>
+              <a:schemeClr val="bg1"/>
+            </a:solidFill>
           </a:ln>
         </p:spPr>
         <p:style>
@@ -13589,7 +9922,9 @@
           </a:prstGeom>
           <a:noFill/>
           <a:ln w="19050">
-            <a:noFill/>
+            <a:solidFill>
+              <a:schemeClr val="bg1"/>
+            </a:solidFill>
           </a:ln>
         </p:spPr>
         <p:style>
@@ -13639,7 +9974,9 @@
           </a:prstGeom>
           <a:noFill/>
           <a:ln w="19050">
-            <a:noFill/>
+            <a:solidFill>
+              <a:schemeClr val="bg1"/>
+            </a:solidFill>
           </a:ln>
         </p:spPr>
         <p:style>
@@ -13689,38 +10026,82 @@
           </a:prstGeom>
           <a:noFill/>
           <a:ln w="19050">
-            <a:noFill/>
-          </a:ln>
-        </p:spPr>
-        <p:style>
-          <a:lnRef idx="2">
-            <a:schemeClr val="accent1">
-              <a:shade val="50000"/>
-            </a:schemeClr>
-          </a:lnRef>
-          <a:fillRef idx="1">
-            <a:schemeClr val="accent1"/>
-          </a:fillRef>
-          <a:effectRef idx="0">
-            <a:schemeClr val="accent1"/>
-          </a:effectRef>
-          <a:fontRef idx="minor">
-            <a:schemeClr val="lt1"/>
-          </a:fontRef>
-        </p:style>
-        <p:txBody>
-          <a:bodyPr rtlCol="0" anchor="ctr"/>
-          <a:lstStyle/>
-          <a:p>
-            <a:pPr algn="ctr"/>
-            <a:endParaRPr lang="LID4096"/>
-          </a:p>
-        </p:txBody>
-      </p:sp>
+            <a:solidFill>
+              <a:schemeClr val="bg1"/>
+            </a:solidFill>
+          </a:ln>
+        </p:spPr>
+        <p:style>
+          <a:lnRef idx="2">
+            <a:schemeClr val="accent1">
+              <a:shade val="50000"/>
+            </a:schemeClr>
+          </a:lnRef>
+          <a:fillRef idx="1">
+            <a:schemeClr val="accent1"/>
+          </a:fillRef>
+          <a:effectRef idx="0">
+            <a:schemeClr val="accent1"/>
+          </a:effectRef>
+          <a:fontRef idx="minor">
+            <a:schemeClr val="lt1"/>
+          </a:fontRef>
+        </p:style>
+        <p:txBody>
+          <a:bodyPr rtlCol="0" anchor="ctr"/>
+          <a:lstStyle/>
+          <a:p>
+            <a:pPr algn="ctr"/>
+            <a:endParaRPr lang="LID4096"/>
+          </a:p>
+        </p:txBody>
+      </p:sp>
+      <p:cxnSp>
+        <p:nvCxnSpPr>
+          <p:cNvPr id="12" name="Straight Arrow Connector 11">
+            <a:extLst>
+              <a:ext uri="{FF2B5EF4-FFF2-40B4-BE49-F238E27FC236}">
+                <a16:creationId xmlns:a16="http://schemas.microsoft.com/office/drawing/2014/main" id="{930105EF-5D77-4399-9C98-1ECA66764AD8}"/>
+              </a:ext>
+            </a:extLst>
+          </p:cNvPr>
+          <p:cNvCxnSpPr/>
+          <p:nvPr/>
+        </p:nvCxnSpPr>
+        <p:spPr>
+          <a:xfrm flipH="1">
+            <a:off x="3378927" y="3596639"/>
+            <a:ext cx="217714" cy="0"/>
+          </a:xfrm>
+          <a:prstGeom prst="straightConnector1">
+            <a:avLst/>
+          </a:prstGeom>
+          <a:ln w="19050">
+            <a:solidFill>
+              <a:schemeClr val="tx1"/>
+            </a:solidFill>
+            <a:tailEnd type="triangle"/>
+          </a:ln>
+        </p:spPr>
+        <p:style>
+          <a:lnRef idx="1">
+            <a:schemeClr val="accent1"/>
+          </a:lnRef>
+          <a:fillRef idx="0">
+            <a:schemeClr val="accent1"/>
+          </a:fillRef>
+          <a:effectRef idx="0">
+            <a:schemeClr val="accent1"/>
+          </a:effectRef>
+          <a:fontRef idx="minor">
+            <a:schemeClr val="tx1"/>
+          </a:fontRef>
+        </p:style>
+      </p:cxnSp>
     </p:spTree>
     <p:extLst>
       <p:ext uri="{BB962C8B-B14F-4D97-AF65-F5344CB8AC3E}">
-        <p14:creationId xmlns:p14="http://schemas.microsoft.com/office/powerpoint/2010/main" val="1911038998"/>
+        <p14:creationId xmlns:p14="http://schemas.microsoft.com/office/powerpoint/2010/main" val="3167248545"/>
       </p:ext>
     </p:extLst>
   </p:cSld>
@@ -13893,14 +10274,6 @@
           <a:lstStyle/>
           <a:p>
             <a:pPr algn="ctr"/>
-            <a:r>
-              <a:rPr lang="en-US" dirty="0">
-                <a:solidFill>
-                  <a:schemeClr val="tx1"/>
-                </a:solidFill>
-              </a:rPr>
-              <a:t>X</a:t>
-            </a:r>
             <a:endParaRPr lang="LID4096" dirty="0">
               <a:solidFill>
                 <a:schemeClr val="tx1"/>
@@ -14159,10 +10532,52 @@
           </a:p>
         </p:txBody>
       </p:sp>
+      <p:cxnSp>
+        <p:nvCxnSpPr>
+          <p:cNvPr id="12" name="Straight Arrow Connector 11">
+            <a:extLst>
+              <a:ext uri="{FF2B5EF4-FFF2-40B4-BE49-F238E27FC236}">
+                <a16:creationId xmlns:a16="http://schemas.microsoft.com/office/drawing/2014/main" id="{BFC265A4-5F4E-4F26-B397-761260C1DA3A}"/>
+              </a:ext>
+            </a:extLst>
+          </p:cNvPr>
+          <p:cNvCxnSpPr/>
+          <p:nvPr/>
+        </p:nvCxnSpPr>
+        <p:spPr>
+          <a:xfrm flipH="1">
+            <a:off x="3370219" y="5451565"/>
+            <a:ext cx="217714" cy="0"/>
+          </a:xfrm>
+          <a:prstGeom prst="straightConnector1">
+            <a:avLst/>
+          </a:prstGeom>
+          <a:ln w="19050">
+            <a:solidFill>
+              <a:schemeClr val="tx1"/>
+            </a:solidFill>
+            <a:tailEnd type="triangle"/>
+          </a:ln>
+        </p:spPr>
+        <p:style>
+          <a:lnRef idx="1">
+            <a:schemeClr val="accent1"/>
+          </a:lnRef>
+          <a:fillRef idx="0">
+            <a:schemeClr val="accent1"/>
+          </a:fillRef>
+          <a:effectRef idx="0">
+            <a:schemeClr val="accent1"/>
+          </a:effectRef>
+          <a:fontRef idx="minor">
+            <a:schemeClr val="tx1"/>
+          </a:fontRef>
+        </p:style>
+      </p:cxnSp>
     </p:spTree>
     <p:extLst>
       <p:ext uri="{BB962C8B-B14F-4D97-AF65-F5344CB8AC3E}">
-        <p14:creationId xmlns:p14="http://schemas.microsoft.com/office/powerpoint/2010/main" val="1711466820"/>
+        <p14:creationId xmlns:p14="http://schemas.microsoft.com/office/powerpoint/2010/main" val="346345283"/>
       </p:ext>
     </p:extLst>
   </p:cSld>
@@ -14385,14 +10800,6 @@
           <a:lstStyle/>
           <a:p>
             <a:pPr algn="ctr"/>
-            <a:r>
-              <a:rPr lang="en-US" dirty="0">
-                <a:solidFill>
-                  <a:schemeClr val="tx1"/>
-                </a:solidFill>
-              </a:rPr>
-              <a:t>X</a:t>
-            </a:r>
             <a:endParaRPr lang="LID4096" dirty="0">
               <a:solidFill>
                 <a:schemeClr val="tx1"/>
@@ -14601,10 +11008,52 @@
           </a:p>
         </p:txBody>
       </p:sp>
+      <p:cxnSp>
+        <p:nvCxnSpPr>
+          <p:cNvPr id="12" name="Straight Arrow Connector 11">
+            <a:extLst>
+              <a:ext uri="{FF2B5EF4-FFF2-40B4-BE49-F238E27FC236}">
+                <a16:creationId xmlns:a16="http://schemas.microsoft.com/office/drawing/2014/main" id="{D4EF255A-D764-4A84-85A7-9C716CE0E2E7}"/>
+              </a:ext>
+            </a:extLst>
+          </p:cNvPr>
+          <p:cNvCxnSpPr/>
+          <p:nvPr/>
+        </p:nvCxnSpPr>
+        <p:spPr>
+          <a:xfrm flipH="1">
+            <a:off x="5199019" y="5442855"/>
+            <a:ext cx="217714" cy="0"/>
+          </a:xfrm>
+          <a:prstGeom prst="straightConnector1">
+            <a:avLst/>
+          </a:prstGeom>
+          <a:ln w="19050">
+            <a:solidFill>
+              <a:schemeClr val="tx1"/>
+            </a:solidFill>
+            <a:tailEnd type="triangle"/>
+          </a:ln>
+        </p:spPr>
+        <p:style>
+          <a:lnRef idx="1">
+            <a:schemeClr val="accent1"/>
+          </a:lnRef>
+          <a:fillRef idx="0">
+            <a:schemeClr val="accent1"/>
+          </a:fillRef>
+          <a:effectRef idx="0">
+            <a:schemeClr val="accent1"/>
+          </a:effectRef>
+          <a:fontRef idx="minor">
+            <a:schemeClr val="tx1"/>
+          </a:fontRef>
+        </p:style>
+      </p:cxnSp>
     </p:spTree>
     <p:extLst>
       <p:ext uri="{BB962C8B-B14F-4D97-AF65-F5344CB8AC3E}">
-        <p14:creationId xmlns:p14="http://schemas.microsoft.com/office/powerpoint/2010/main" val="3182950257"/>
+        <p14:creationId xmlns:p14="http://schemas.microsoft.com/office/powerpoint/2010/main" val="4019804890"/>
       </p:ext>
     </p:extLst>
   </p:cSld>
@@ -14653,9 +11102,7 @@
           </a:prstGeom>
           <a:noFill/>
           <a:ln w="19050">
-            <a:solidFill>
-              <a:schemeClr val="bg1"/>
-            </a:solidFill>
+            <a:noFill/>
           </a:ln>
         </p:spPr>
         <p:style>
@@ -14705,9 +11152,7 @@
           </a:prstGeom>
           <a:noFill/>
           <a:ln w="19050">
-            <a:solidFill>
-              <a:schemeClr val="bg1"/>
-            </a:solidFill>
+            <a:noFill/>
           </a:ln>
         </p:spPr>
         <p:style>
@@ -14757,9 +11202,7 @@
           </a:prstGeom>
           <a:noFill/>
           <a:ln w="19050">
-            <a:solidFill>
-              <a:schemeClr val="bg1"/>
-            </a:solidFill>
+            <a:noFill/>
           </a:ln>
         </p:spPr>
         <p:style>
@@ -14809,9 +11252,7 @@
           </a:prstGeom>
           <a:noFill/>
           <a:ln w="19050">
-            <a:solidFill>
-              <a:schemeClr val="bg1"/>
-            </a:solidFill>
+            <a:noFill/>
           </a:ln>
         </p:spPr>
         <p:style>
@@ -14861,40 +11302,30 @@
           </a:prstGeom>
           <a:noFill/>
           <a:ln w="19050">
-            <a:solidFill>
-              <a:schemeClr val="bg1"/>
-            </a:solidFill>
-          </a:ln>
-        </p:spPr>
-        <p:style>
-          <a:lnRef idx="2">
-            <a:schemeClr val="accent1">
-              <a:shade val="50000"/>
-            </a:schemeClr>
-          </a:lnRef>
-          <a:fillRef idx="1">
-            <a:schemeClr val="accent1"/>
-          </a:fillRef>
-          <a:effectRef idx="0">
-            <a:schemeClr val="accent1"/>
-          </a:effectRef>
-          <a:fontRef idx="minor">
-            <a:schemeClr val="lt1"/>
-          </a:fontRef>
-        </p:style>
-        <p:txBody>
-          <a:bodyPr rtlCol="0" anchor="ctr"/>
-          <a:lstStyle/>
-          <a:p>
-            <a:pPr algn="ctr"/>
-            <a:r>
-              <a:rPr lang="en-US" dirty="0">
-                <a:solidFill>
-                  <a:schemeClr val="tx1"/>
-                </a:solidFill>
-              </a:rPr>
-              <a:t>X</a:t>
-            </a:r>
+            <a:noFill/>
+          </a:ln>
+        </p:spPr>
+        <p:style>
+          <a:lnRef idx="2">
+            <a:schemeClr val="accent1">
+              <a:shade val="50000"/>
+            </a:schemeClr>
+          </a:lnRef>
+          <a:fillRef idx="1">
+            <a:schemeClr val="accent1"/>
+          </a:fillRef>
+          <a:effectRef idx="0">
+            <a:schemeClr val="accent1"/>
+          </a:effectRef>
+          <a:fontRef idx="minor">
+            <a:schemeClr val="lt1"/>
+          </a:fontRef>
+        </p:style>
+        <p:txBody>
+          <a:bodyPr rtlCol="0" anchor="ctr"/>
+          <a:lstStyle/>
+          <a:p>
+            <a:pPr algn="ctr"/>
             <a:endParaRPr lang="LID4096" dirty="0">
               <a:solidFill>
                 <a:schemeClr val="tx1"/>
@@ -14925,144 +11356,182 @@
           </a:prstGeom>
           <a:noFill/>
           <a:ln w="19050">
+            <a:noFill/>
+          </a:ln>
+        </p:spPr>
+        <p:style>
+          <a:lnRef idx="2">
+            <a:schemeClr val="accent1">
+              <a:shade val="50000"/>
+            </a:schemeClr>
+          </a:lnRef>
+          <a:fillRef idx="1">
+            <a:schemeClr val="accent1"/>
+          </a:fillRef>
+          <a:effectRef idx="0">
+            <a:schemeClr val="accent1"/>
+          </a:effectRef>
+          <a:fontRef idx="minor">
+            <a:schemeClr val="lt1"/>
+          </a:fontRef>
+        </p:style>
+        <p:txBody>
+          <a:bodyPr rtlCol="0" anchor="ctr"/>
+          <a:lstStyle/>
+          <a:p>
+            <a:pPr algn="ctr"/>
+            <a:endParaRPr lang="LID4096"/>
+          </a:p>
+        </p:txBody>
+      </p:sp>
+      <p:sp>
+        <p:nvSpPr>
+          <p:cNvPr id="10" name="Rectangle 9">
+            <a:extLst>
+              <a:ext uri="{FF2B5EF4-FFF2-40B4-BE49-F238E27FC236}">
+                <a16:creationId xmlns:a16="http://schemas.microsoft.com/office/drawing/2014/main" id="{D116F38A-E07F-4B4A-A928-F7666AEAFE55}"/>
+              </a:ext>
+            </a:extLst>
+          </p:cNvPr>
+          <p:cNvSpPr/>
+          <p:nvPr/>
+        </p:nvSpPr>
+        <p:spPr>
+          <a:xfrm>
+            <a:off x="6565465" y="1157447"/>
+            <a:ext cx="1182254" cy="1182254"/>
+          </a:xfrm>
+          <a:prstGeom prst="rect">
+            <a:avLst/>
+          </a:prstGeom>
+          <a:noFill/>
+          <a:ln w="19050">
+            <a:noFill/>
+          </a:ln>
+        </p:spPr>
+        <p:style>
+          <a:lnRef idx="2">
+            <a:schemeClr val="accent1">
+              <a:shade val="50000"/>
+            </a:schemeClr>
+          </a:lnRef>
+          <a:fillRef idx="1">
+            <a:schemeClr val="accent1"/>
+          </a:fillRef>
+          <a:effectRef idx="0">
+            <a:schemeClr val="accent1"/>
+          </a:effectRef>
+          <a:fontRef idx="minor">
+            <a:schemeClr val="lt1"/>
+          </a:fontRef>
+        </p:style>
+        <p:txBody>
+          <a:bodyPr rtlCol="0" anchor="ctr"/>
+          <a:lstStyle/>
+          <a:p>
+            <a:pPr algn="ctr"/>
+            <a:endParaRPr lang="LID4096"/>
+          </a:p>
+        </p:txBody>
+      </p:sp>
+      <p:sp>
+        <p:nvSpPr>
+          <p:cNvPr id="11" name="Rectangle 10">
+            <a:extLst>
+              <a:ext uri="{FF2B5EF4-FFF2-40B4-BE49-F238E27FC236}">
+                <a16:creationId xmlns:a16="http://schemas.microsoft.com/office/drawing/2014/main" id="{8E2E6654-CC92-4CE0-938B-E385DD361A79}"/>
+              </a:ext>
+            </a:extLst>
+          </p:cNvPr>
+          <p:cNvSpPr/>
+          <p:nvPr/>
+        </p:nvSpPr>
+        <p:spPr>
+          <a:xfrm>
+            <a:off x="6565465" y="2998352"/>
+            <a:ext cx="1182254" cy="1182254"/>
+          </a:xfrm>
+          <a:prstGeom prst="rect">
+            <a:avLst/>
+          </a:prstGeom>
+          <a:noFill/>
+          <a:ln w="19050">
+            <a:noFill/>
+          </a:ln>
+        </p:spPr>
+        <p:style>
+          <a:lnRef idx="2">
+            <a:schemeClr val="accent1">
+              <a:shade val="50000"/>
+            </a:schemeClr>
+          </a:lnRef>
+          <a:fillRef idx="1">
+            <a:schemeClr val="accent1"/>
+          </a:fillRef>
+          <a:effectRef idx="0">
+            <a:schemeClr val="accent1"/>
+          </a:effectRef>
+          <a:fontRef idx="minor">
+            <a:schemeClr val="lt1"/>
+          </a:fontRef>
+        </p:style>
+        <p:txBody>
+          <a:bodyPr rtlCol="0" anchor="ctr"/>
+          <a:lstStyle/>
+          <a:p>
+            <a:pPr algn="ctr"/>
+            <a:endParaRPr lang="LID4096"/>
+          </a:p>
+        </p:txBody>
+      </p:sp>
+      <p:cxnSp>
+        <p:nvCxnSpPr>
+          <p:cNvPr id="12" name="Straight Arrow Connector 11">
+            <a:extLst>
+              <a:ext uri="{FF2B5EF4-FFF2-40B4-BE49-F238E27FC236}">
+                <a16:creationId xmlns:a16="http://schemas.microsoft.com/office/drawing/2014/main" id="{D5524322-5170-4105-A7C6-F17C2001E013}"/>
+              </a:ext>
+            </a:extLst>
+          </p:cNvPr>
+          <p:cNvCxnSpPr>
+            <a:cxnSpLocks/>
+          </p:cNvCxnSpPr>
+          <p:nvPr/>
+        </p:nvCxnSpPr>
+        <p:spPr>
+          <a:xfrm flipH="1">
+            <a:off x="7036527" y="5442856"/>
+            <a:ext cx="217714" cy="0"/>
+          </a:xfrm>
+          <a:prstGeom prst="straightConnector1">
+            <a:avLst/>
+          </a:prstGeom>
+          <a:ln w="19050">
             <a:solidFill>
-              <a:schemeClr val="bg1"/>
+              <a:schemeClr val="tx1"/>
             </a:solidFill>
-          </a:ln>
-        </p:spPr>
-        <p:style>
-          <a:lnRef idx="2">
-            <a:schemeClr val="accent1">
-              <a:shade val="50000"/>
-            </a:schemeClr>
-          </a:lnRef>
-          <a:fillRef idx="1">
-            <a:schemeClr val="accent1"/>
-          </a:fillRef>
-          <a:effectRef idx="0">
-            <a:schemeClr val="accent1"/>
-          </a:effectRef>
-          <a:fontRef idx="minor">
-            <a:schemeClr val="lt1"/>
-          </a:fontRef>
-        </p:style>
-        <p:txBody>
-          <a:bodyPr rtlCol="0" anchor="ctr"/>
-          <a:lstStyle/>
-          <a:p>
-            <a:pPr algn="ctr"/>
-            <a:endParaRPr lang="LID4096"/>
-          </a:p>
-        </p:txBody>
-      </p:sp>
-      <p:sp>
-        <p:nvSpPr>
-          <p:cNvPr id="10" name="Rectangle 9">
-            <a:extLst>
-              <a:ext uri="{FF2B5EF4-FFF2-40B4-BE49-F238E27FC236}">
-                <a16:creationId xmlns:a16="http://schemas.microsoft.com/office/drawing/2014/main" id="{D116F38A-E07F-4B4A-A928-F7666AEAFE55}"/>
-              </a:ext>
-            </a:extLst>
-          </p:cNvPr>
-          <p:cNvSpPr/>
-          <p:nvPr/>
-        </p:nvSpPr>
-        <p:spPr>
-          <a:xfrm>
-            <a:off x="6565465" y="1157447"/>
-            <a:ext cx="1182254" cy="1182254"/>
-          </a:xfrm>
-          <a:prstGeom prst="rect">
-            <a:avLst/>
-          </a:prstGeom>
-          <a:noFill/>
-          <a:ln w="19050">
-            <a:solidFill>
-              <a:schemeClr val="bg1"/>
-            </a:solidFill>
-          </a:ln>
-        </p:spPr>
-        <p:style>
-          <a:lnRef idx="2">
-            <a:schemeClr val="accent1">
-              <a:shade val="50000"/>
-            </a:schemeClr>
-          </a:lnRef>
-          <a:fillRef idx="1">
-            <a:schemeClr val="accent1"/>
-          </a:fillRef>
-          <a:effectRef idx="0">
-            <a:schemeClr val="accent1"/>
-          </a:effectRef>
-          <a:fontRef idx="minor">
-            <a:schemeClr val="lt1"/>
-          </a:fontRef>
-        </p:style>
-        <p:txBody>
-          <a:bodyPr rtlCol="0" anchor="ctr"/>
-          <a:lstStyle/>
-          <a:p>
-            <a:pPr algn="ctr"/>
-            <a:endParaRPr lang="LID4096"/>
-          </a:p>
-        </p:txBody>
-      </p:sp>
-      <p:sp>
-        <p:nvSpPr>
-          <p:cNvPr id="11" name="Rectangle 10">
-            <a:extLst>
-              <a:ext uri="{FF2B5EF4-FFF2-40B4-BE49-F238E27FC236}">
-                <a16:creationId xmlns:a16="http://schemas.microsoft.com/office/drawing/2014/main" id="{8E2E6654-CC92-4CE0-938B-E385DD361A79}"/>
-              </a:ext>
-            </a:extLst>
-          </p:cNvPr>
-          <p:cNvSpPr/>
-          <p:nvPr/>
-        </p:nvSpPr>
-        <p:spPr>
-          <a:xfrm>
-            <a:off x="6565465" y="2998352"/>
-            <a:ext cx="1182254" cy="1182254"/>
-          </a:xfrm>
-          <a:prstGeom prst="rect">
-            <a:avLst/>
-          </a:prstGeom>
-          <a:noFill/>
-          <a:ln w="19050">
-            <a:solidFill>
-              <a:schemeClr val="bg1"/>
-            </a:solidFill>
-          </a:ln>
-        </p:spPr>
-        <p:style>
-          <a:lnRef idx="2">
-            <a:schemeClr val="accent1">
-              <a:shade val="50000"/>
-            </a:schemeClr>
-          </a:lnRef>
-          <a:fillRef idx="1">
-            <a:schemeClr val="accent1"/>
-          </a:fillRef>
-          <a:effectRef idx="0">
-            <a:schemeClr val="accent1"/>
-          </a:effectRef>
-          <a:fontRef idx="minor">
-            <a:schemeClr val="lt1"/>
-          </a:fontRef>
-        </p:style>
-        <p:txBody>
-          <a:bodyPr rtlCol="0" anchor="ctr"/>
-          <a:lstStyle/>
-          <a:p>
-            <a:pPr algn="ctr"/>
-            <a:endParaRPr lang="LID4096"/>
-          </a:p>
-        </p:txBody>
-      </p:sp>
+            <a:tailEnd type="triangle"/>
+          </a:ln>
+        </p:spPr>
+        <p:style>
+          <a:lnRef idx="1">
+            <a:schemeClr val="accent1"/>
+          </a:lnRef>
+          <a:fillRef idx="0">
+            <a:schemeClr val="accent1"/>
+          </a:fillRef>
+          <a:effectRef idx="0">
+            <a:schemeClr val="accent1"/>
+          </a:effectRef>
+          <a:fontRef idx="minor">
+            <a:schemeClr val="tx1"/>
+          </a:fontRef>
+        </p:style>
+      </p:cxnSp>
     </p:spTree>
     <p:extLst>
       <p:ext uri="{BB962C8B-B14F-4D97-AF65-F5344CB8AC3E}">
-        <p14:creationId xmlns:p14="http://schemas.microsoft.com/office/powerpoint/2010/main" val="1493025017"/>
+        <p14:creationId xmlns:p14="http://schemas.microsoft.com/office/powerpoint/2010/main" val="1290158786"/>
       </p:ext>
     </p:extLst>
   </p:cSld>
@@ -15485,14 +11954,6 @@
           <a:lstStyle/>
           <a:p>
             <a:pPr algn="ctr"/>
-            <a:r>
-              <a:rPr lang="en-US" dirty="0">
-                <a:solidFill>
-                  <a:schemeClr val="tx1"/>
-                </a:solidFill>
-              </a:rPr>
-              <a:t>X</a:t>
-            </a:r>
             <a:endParaRPr lang="LID4096" dirty="0">
               <a:solidFill>
                 <a:schemeClr val="tx1"/>
@@ -15501,10 +11962,52 @@
           </a:p>
         </p:txBody>
       </p:sp>
+      <p:cxnSp>
+        <p:nvCxnSpPr>
+          <p:cNvPr id="12" name="Straight Arrow Connector 11">
+            <a:extLst>
+              <a:ext uri="{FF2B5EF4-FFF2-40B4-BE49-F238E27FC236}">
+                <a16:creationId xmlns:a16="http://schemas.microsoft.com/office/drawing/2014/main" id="{E8423E2D-7219-4656-9BB3-9F5AED1E564D}"/>
+              </a:ext>
+            </a:extLst>
+          </p:cNvPr>
+          <p:cNvCxnSpPr/>
+          <p:nvPr/>
+        </p:nvCxnSpPr>
+        <p:spPr>
+          <a:xfrm flipH="1">
+            <a:off x="7036528" y="3596638"/>
+            <a:ext cx="217714" cy="0"/>
+          </a:xfrm>
+          <a:prstGeom prst="straightConnector1">
+            <a:avLst/>
+          </a:prstGeom>
+          <a:ln w="19050">
+            <a:solidFill>
+              <a:schemeClr val="tx1"/>
+            </a:solidFill>
+            <a:tailEnd type="triangle"/>
+          </a:ln>
+        </p:spPr>
+        <p:style>
+          <a:lnRef idx="1">
+            <a:schemeClr val="accent1"/>
+          </a:lnRef>
+          <a:fillRef idx="0">
+            <a:schemeClr val="accent1"/>
+          </a:fillRef>
+          <a:effectRef idx="0">
+            <a:schemeClr val="accent1"/>
+          </a:effectRef>
+          <a:fontRef idx="minor">
+            <a:schemeClr val="tx1"/>
+          </a:fontRef>
+        </p:style>
+      </p:cxnSp>
     </p:spTree>
     <p:extLst>
       <p:ext uri="{BB962C8B-B14F-4D97-AF65-F5344CB8AC3E}">
-        <p14:creationId xmlns:p14="http://schemas.microsoft.com/office/powerpoint/2010/main" val="2699450862"/>
+        <p14:creationId xmlns:p14="http://schemas.microsoft.com/office/powerpoint/2010/main" val="3366013638"/>
       </p:ext>
     </p:extLst>
   </p:cSld>
@@ -15877,14 +12380,6 @@
           <a:lstStyle/>
           <a:p>
             <a:pPr algn="ctr"/>
-            <a:r>
-              <a:rPr lang="en-US" dirty="0">
-                <a:solidFill>
-                  <a:schemeClr val="tx1"/>
-                </a:solidFill>
-              </a:rPr>
-              <a:t>X</a:t>
-            </a:r>
             <a:endParaRPr lang="LID4096" dirty="0">
               <a:solidFill>
                 <a:schemeClr val="tx1"/>
@@ -15943,10 +12438,52 @@
           </a:p>
         </p:txBody>
       </p:sp>
+      <p:cxnSp>
+        <p:nvCxnSpPr>
+          <p:cNvPr id="12" name="Straight Arrow Connector 11">
+            <a:extLst>
+              <a:ext uri="{FF2B5EF4-FFF2-40B4-BE49-F238E27FC236}">
+                <a16:creationId xmlns:a16="http://schemas.microsoft.com/office/drawing/2014/main" id="{7E9C0D63-D8B2-4030-9986-D5F92F343472}"/>
+              </a:ext>
+            </a:extLst>
+          </p:cNvPr>
+          <p:cNvCxnSpPr/>
+          <p:nvPr/>
+        </p:nvCxnSpPr>
+        <p:spPr>
+          <a:xfrm flipH="1">
+            <a:off x="7036527" y="1759129"/>
+            <a:ext cx="217714" cy="0"/>
+          </a:xfrm>
+          <a:prstGeom prst="straightConnector1">
+            <a:avLst/>
+          </a:prstGeom>
+          <a:ln w="19050">
+            <a:solidFill>
+              <a:schemeClr val="tx1"/>
+            </a:solidFill>
+            <a:tailEnd type="triangle"/>
+          </a:ln>
+        </p:spPr>
+        <p:style>
+          <a:lnRef idx="1">
+            <a:schemeClr val="accent1"/>
+          </a:lnRef>
+          <a:fillRef idx="0">
+            <a:schemeClr val="accent1"/>
+          </a:fillRef>
+          <a:effectRef idx="0">
+            <a:schemeClr val="accent1"/>
+          </a:effectRef>
+          <a:fontRef idx="minor">
+            <a:schemeClr val="tx1"/>
+          </a:fontRef>
+        </p:style>
+      </p:cxnSp>
     </p:spTree>
     <p:extLst>
       <p:ext uri="{BB962C8B-B14F-4D97-AF65-F5344CB8AC3E}">
-        <p14:creationId xmlns:p14="http://schemas.microsoft.com/office/powerpoint/2010/main" val="605064500"/>
+        <p14:creationId xmlns:p14="http://schemas.microsoft.com/office/powerpoint/2010/main" val="2503173296"/>
       </p:ext>
     </p:extLst>
   </p:cSld>

--- a/attention_cueing/stimulus_maker.pptx
+++ b/attention_cueing/stimulus_maker.pptx
@@ -5,24 +5,16 @@
     <p:sldMasterId id="2147483648" r:id="rId1"/>
   </p:sldMasterIdLst>
   <p:sldIdLst>
-    <p:sldId id="283" r:id="rId2"/>
-    <p:sldId id="282" r:id="rId3"/>
-    <p:sldId id="266" r:id="rId4"/>
-    <p:sldId id="267" r:id="rId5"/>
-    <p:sldId id="268" r:id="rId6"/>
-    <p:sldId id="269" r:id="rId7"/>
-    <p:sldId id="270" r:id="rId8"/>
-    <p:sldId id="271" r:id="rId9"/>
-    <p:sldId id="272" r:id="rId10"/>
-    <p:sldId id="273" r:id="rId11"/>
-    <p:sldId id="274" r:id="rId12"/>
-    <p:sldId id="275" r:id="rId13"/>
-    <p:sldId id="276" r:id="rId14"/>
-    <p:sldId id="277" r:id="rId15"/>
-    <p:sldId id="278" r:id="rId16"/>
-    <p:sldId id="279" r:id="rId17"/>
-    <p:sldId id="280" r:id="rId18"/>
-    <p:sldId id="281" r:id="rId19"/>
+    <p:sldId id="282" r:id="rId2"/>
+    <p:sldId id="283" r:id="rId3"/>
+    <p:sldId id="284" r:id="rId4"/>
+    <p:sldId id="285" r:id="rId5"/>
+    <p:sldId id="286" r:id="rId6"/>
+    <p:sldId id="287" r:id="rId7"/>
+    <p:sldId id="288" r:id="rId8"/>
+    <p:sldId id="289" r:id="rId9"/>
+    <p:sldId id="290" r:id="rId10"/>
+    <p:sldId id="291" r:id="rId11"/>
   </p:sldIdLst>
   <p:sldSz cx="12192000" cy="6858000"/>
   <p:notesSz cx="6858000" cy="9144000"/>
@@ -129,6 +121,11 @@
             <a:srgbClr val="A4A3A4"/>
           </p15:clr>
         </p15:guide>
+        <p15:guide id="2" orient="horz" pos="2160">
+          <p15:clr>
+            <a:srgbClr val="A4A3A4"/>
+          </p15:clr>
+        </p15:guide>
       </p15:sldGuideLst>
     </p:ext>
   </p:extLst>
@@ -296,7 +293,7 @@
           <a:p>
             <a:fld id="{1DC166EC-4CE5-4B5F-AD88-B9EDE1BD6A9F}" type="datetimeFigureOut">
               <a:rPr lang="LID4096" smtClean="0"/>
-              <a:t>09/24/2021</a:t>
+              <a:t>09/29/2021</a:t>
             </a:fld>
             <a:endParaRPr lang="LID4096"/>
           </a:p>
@@ -496,7 +493,7 @@
           <a:p>
             <a:fld id="{1DC166EC-4CE5-4B5F-AD88-B9EDE1BD6A9F}" type="datetimeFigureOut">
               <a:rPr lang="LID4096" smtClean="0"/>
-              <a:t>09/24/2021</a:t>
+              <a:t>09/29/2021</a:t>
             </a:fld>
             <a:endParaRPr lang="LID4096"/>
           </a:p>
@@ -706,7 +703,7 @@
           <a:p>
             <a:fld id="{1DC166EC-4CE5-4B5F-AD88-B9EDE1BD6A9F}" type="datetimeFigureOut">
               <a:rPr lang="LID4096" smtClean="0"/>
-              <a:t>09/24/2021</a:t>
+              <a:t>09/29/2021</a:t>
             </a:fld>
             <a:endParaRPr lang="LID4096"/>
           </a:p>
@@ -906,7 +903,7 @@
           <a:p>
             <a:fld id="{1DC166EC-4CE5-4B5F-AD88-B9EDE1BD6A9F}" type="datetimeFigureOut">
               <a:rPr lang="LID4096" smtClean="0"/>
-              <a:t>09/24/2021</a:t>
+              <a:t>09/29/2021</a:t>
             </a:fld>
             <a:endParaRPr lang="LID4096"/>
           </a:p>
@@ -1182,7 +1179,7 @@
           <a:p>
             <a:fld id="{1DC166EC-4CE5-4B5F-AD88-B9EDE1BD6A9F}" type="datetimeFigureOut">
               <a:rPr lang="LID4096" smtClean="0"/>
-              <a:t>09/24/2021</a:t>
+              <a:t>09/29/2021</a:t>
             </a:fld>
             <a:endParaRPr lang="LID4096"/>
           </a:p>
@@ -1450,7 +1447,7 @@
           <a:p>
             <a:fld id="{1DC166EC-4CE5-4B5F-AD88-B9EDE1BD6A9F}" type="datetimeFigureOut">
               <a:rPr lang="LID4096" smtClean="0"/>
-              <a:t>09/24/2021</a:t>
+              <a:t>09/29/2021</a:t>
             </a:fld>
             <a:endParaRPr lang="LID4096"/>
           </a:p>
@@ -1865,7 +1862,7 @@
           <a:p>
             <a:fld id="{1DC166EC-4CE5-4B5F-AD88-B9EDE1BD6A9F}" type="datetimeFigureOut">
               <a:rPr lang="LID4096" smtClean="0"/>
-              <a:t>09/24/2021</a:t>
+              <a:t>09/29/2021</a:t>
             </a:fld>
             <a:endParaRPr lang="LID4096"/>
           </a:p>
@@ -2007,7 +2004,7 @@
           <a:p>
             <a:fld id="{1DC166EC-4CE5-4B5F-AD88-B9EDE1BD6A9F}" type="datetimeFigureOut">
               <a:rPr lang="LID4096" smtClean="0"/>
-              <a:t>09/24/2021</a:t>
+              <a:t>09/29/2021</a:t>
             </a:fld>
             <a:endParaRPr lang="LID4096"/>
           </a:p>
@@ -2120,7 +2117,7 @@
           <a:p>
             <a:fld id="{1DC166EC-4CE5-4B5F-AD88-B9EDE1BD6A9F}" type="datetimeFigureOut">
               <a:rPr lang="LID4096" smtClean="0"/>
-              <a:t>09/24/2021</a:t>
+              <a:t>09/29/2021</a:t>
             </a:fld>
             <a:endParaRPr lang="LID4096"/>
           </a:p>
@@ -2433,7 +2430,7 @@
           <a:p>
             <a:fld id="{1DC166EC-4CE5-4B5F-AD88-B9EDE1BD6A9F}" type="datetimeFigureOut">
               <a:rPr lang="LID4096" smtClean="0"/>
-              <a:t>09/24/2021</a:t>
+              <a:t>09/29/2021</a:t>
             </a:fld>
             <a:endParaRPr lang="LID4096"/>
           </a:p>
@@ -2722,7 +2719,7 @@
           <a:p>
             <a:fld id="{1DC166EC-4CE5-4B5F-AD88-B9EDE1BD6A9F}" type="datetimeFigureOut">
               <a:rPr lang="LID4096" smtClean="0"/>
-              <a:t>09/24/2021</a:t>
+              <a:t>09/29/2021</a:t>
             </a:fld>
             <a:endParaRPr lang="LID4096"/>
           </a:p>
@@ -2965,7 +2962,7 @@
           <a:p>
             <a:fld id="{1DC166EC-4CE5-4B5F-AD88-B9EDE1BD6A9F}" type="datetimeFigureOut">
               <a:rPr lang="LID4096" smtClean="0"/>
-              <a:t>09/24/2021</a:t>
+              <a:t>09/29/2021</a:t>
             </a:fld>
             <a:endParaRPr lang="LID4096"/>
           </a:p>
@@ -3396,7 +3393,7 @@
         </p:nvSpPr>
         <p:spPr>
           <a:xfrm>
-            <a:off x="3283715" y="1563776"/>
+            <a:off x="3293308" y="1561200"/>
             <a:ext cx="1182254" cy="1182254"/>
           </a:xfrm>
           <a:prstGeom prst="rect">
@@ -3430,6 +3427,14 @@
           <a:lstStyle/>
           <a:p>
             <a:pPr algn="ctr"/>
+            <a:r>
+              <a:rPr lang="en-US" dirty="0">
+                <a:solidFill>
+                  <a:schemeClr val="tx1"/>
+                </a:solidFill>
+              </a:rPr>
+              <a:t>*</a:t>
+            </a:r>
             <a:endParaRPr lang="LID4096" dirty="0">
               <a:solidFill>
                 <a:schemeClr val="tx1"/>
@@ -3486,6 +3491,14 @@
           <a:lstStyle/>
           <a:p>
             <a:pPr algn="ctr"/>
+            <a:r>
+              <a:rPr lang="en-US" dirty="0">
+                <a:solidFill>
+                  <a:schemeClr val="tx1"/>
+                </a:solidFill>
+              </a:rPr>
+              <a:t>*</a:t>
+            </a:r>
             <a:endParaRPr lang="LID4096" dirty="0">
               <a:solidFill>
                 <a:schemeClr val="tx1"/>
@@ -3508,7 +3521,7 @@
         </p:nvSpPr>
         <p:spPr>
           <a:xfrm>
-            <a:off x="3283715" y="4131098"/>
+            <a:off x="3293308" y="4136924"/>
             <a:ext cx="1182254" cy="1182254"/>
           </a:xfrm>
           <a:prstGeom prst="rect">
@@ -3542,6 +3555,14 @@
           <a:lstStyle/>
           <a:p>
             <a:pPr algn="ctr"/>
+            <a:r>
+              <a:rPr lang="en-US" dirty="0">
+                <a:solidFill>
+                  <a:schemeClr val="tx1"/>
+                </a:solidFill>
+              </a:rPr>
+              <a:t>*</a:t>
+            </a:r>
             <a:endParaRPr lang="LID4096" dirty="0">
               <a:solidFill>
                 <a:schemeClr val="tx1"/>
@@ -3564,7 +3585,7 @@
         </p:nvSpPr>
         <p:spPr>
           <a:xfrm>
-            <a:off x="4579763" y="4689967"/>
+            <a:off x="4576566" y="4672580"/>
             <a:ext cx="1182254" cy="1182254"/>
           </a:xfrm>
           <a:prstGeom prst="rect">
@@ -3598,6 +3619,14 @@
           <a:lstStyle/>
           <a:p>
             <a:pPr algn="ctr"/>
+            <a:r>
+              <a:rPr lang="en-US" dirty="0">
+                <a:solidFill>
+                  <a:schemeClr val="tx1"/>
+                </a:solidFill>
+              </a:rPr>
+              <a:t>*</a:t>
+            </a:r>
             <a:endParaRPr lang="LID4096" dirty="0">
               <a:solidFill>
                 <a:schemeClr val="tx1"/>
@@ -3620,7 +3649,7 @@
         </p:nvSpPr>
         <p:spPr>
           <a:xfrm>
-            <a:off x="5875811" y="4131098"/>
+            <a:off x="5859824" y="4136924"/>
             <a:ext cx="1182254" cy="1182254"/>
           </a:xfrm>
           <a:prstGeom prst="rect">
@@ -3654,6 +3683,14 @@
           <a:lstStyle/>
           <a:p>
             <a:pPr algn="ctr"/>
+            <a:r>
+              <a:rPr lang="en-US" dirty="0">
+                <a:solidFill>
+                  <a:schemeClr val="tx1"/>
+                </a:solidFill>
+              </a:rPr>
+              <a:t>*</a:t>
+            </a:r>
             <a:endParaRPr lang="LID4096" dirty="0">
               <a:solidFill>
                 <a:schemeClr val="tx1"/>
@@ -3676,7 +3713,7 @@
         </p:nvSpPr>
         <p:spPr>
           <a:xfrm>
-            <a:off x="4579763" y="1008157"/>
+            <a:off x="4576566" y="1025790"/>
             <a:ext cx="1182254" cy="1182254"/>
           </a:xfrm>
           <a:prstGeom prst="rect">
@@ -3710,6 +3747,14 @@
           <a:lstStyle/>
           <a:p>
             <a:pPr algn="ctr"/>
+            <a:r>
+              <a:rPr lang="en-US" dirty="0">
+                <a:solidFill>
+                  <a:schemeClr val="tx1"/>
+                </a:solidFill>
+              </a:rPr>
+              <a:t>*</a:t>
+            </a:r>
             <a:endParaRPr lang="LID4096" dirty="0">
               <a:solidFill>
                 <a:schemeClr val="tx1"/>
@@ -3732,7 +3777,7 @@
         </p:nvSpPr>
         <p:spPr>
           <a:xfrm>
-            <a:off x="5875811" y="1567026"/>
+            <a:off x="5859824" y="1569074"/>
             <a:ext cx="1182254" cy="1182254"/>
           </a:xfrm>
           <a:prstGeom prst="rect">
@@ -3766,6 +3811,14 @@
           <a:lstStyle/>
           <a:p>
             <a:pPr algn="ctr"/>
+            <a:r>
+              <a:rPr lang="en-US" dirty="0">
+                <a:solidFill>
+                  <a:schemeClr val="tx1"/>
+                </a:solidFill>
+              </a:rPr>
+              <a:t>*</a:t>
+            </a:r>
             <a:endParaRPr lang="LID4096" dirty="0">
               <a:solidFill>
                 <a:schemeClr val="tx1"/>
@@ -3788,7 +3841,7 @@
         </p:nvSpPr>
         <p:spPr>
           <a:xfrm>
-            <a:off x="6406844" y="2849062"/>
+            <a:off x="6400450" y="2852999"/>
             <a:ext cx="1182254" cy="1182254"/>
           </a:xfrm>
           <a:prstGeom prst="rect">
@@ -3822,6 +3875,14 @@
           <a:lstStyle/>
           <a:p>
             <a:pPr algn="ctr"/>
+            <a:r>
+              <a:rPr lang="en-US" dirty="0">
+                <a:solidFill>
+                  <a:schemeClr val="tx1"/>
+                </a:solidFill>
+              </a:rPr>
+              <a:t>*</a:t>
+            </a:r>
             <a:endParaRPr lang="LID4096" dirty="0">
               <a:solidFill>
                 <a:schemeClr val="tx1"/>
@@ -3869,7 +3930,7 @@
     </p:spTree>
     <p:extLst>
       <p:ext uri="{BB962C8B-B14F-4D97-AF65-F5344CB8AC3E}">
-        <p14:creationId xmlns:p14="http://schemas.microsoft.com/office/powerpoint/2010/main" val="3336954445"/>
+        <p14:creationId xmlns:p14="http://schemas.microsoft.com/office/powerpoint/2010/main" val="1276770982"/>
       </p:ext>
     </p:extLst>
   </p:cSld>
@@ -3910,7 +3971,7 @@
         </p:nvSpPr>
         <p:spPr>
           <a:xfrm>
-            <a:off x="2911303" y="1157447"/>
+            <a:off x="3293308" y="1561200"/>
             <a:ext cx="1182254" cy="1182254"/>
           </a:xfrm>
           <a:prstGeom prst="rect">
@@ -3918,7 +3979,9 @@
           </a:prstGeom>
           <a:noFill/>
           <a:ln w="19050">
-            <a:noFill/>
+            <a:solidFill>
+              <a:schemeClr val="tx1"/>
+            </a:solidFill>
           </a:ln>
         </p:spPr>
         <p:style>
@@ -3942,7 +4005,11 @@
           <a:lstStyle/>
           <a:p>
             <a:pPr algn="ctr"/>
-            <a:endParaRPr lang="LID4096"/>
+            <a:endParaRPr lang="LID4096" dirty="0">
+              <a:solidFill>
+                <a:schemeClr val="tx1"/>
+              </a:solidFill>
+            </a:endParaRPr>
           </a:p>
         </p:txBody>
       </p:sp>
@@ -3960,7 +4027,7 @@
         </p:nvSpPr>
         <p:spPr>
           <a:xfrm>
-            <a:off x="2911303" y="2998352"/>
+            <a:off x="2752682" y="2849062"/>
             <a:ext cx="1182254" cy="1182254"/>
           </a:xfrm>
           <a:prstGeom prst="rect">
@@ -3968,7 +4035,9 @@
           </a:prstGeom>
           <a:noFill/>
           <a:ln w="19050">
-            <a:noFill/>
+            <a:solidFill>
+              <a:schemeClr val="tx1"/>
+            </a:solidFill>
           </a:ln>
         </p:spPr>
         <p:style>
@@ -3992,7 +4061,11 @@
           <a:lstStyle/>
           <a:p>
             <a:pPr algn="ctr"/>
-            <a:endParaRPr lang="LID4096"/>
+            <a:endParaRPr lang="LID4096" dirty="0">
+              <a:solidFill>
+                <a:schemeClr val="tx1"/>
+              </a:solidFill>
+            </a:endParaRPr>
           </a:p>
         </p:txBody>
       </p:sp>
@@ -4010,7 +4083,7 @@
         </p:nvSpPr>
         <p:spPr>
           <a:xfrm>
-            <a:off x="2911303" y="4839257"/>
+            <a:off x="3293308" y="4136924"/>
             <a:ext cx="1182254" cy="1182254"/>
           </a:xfrm>
           <a:prstGeom prst="rect">
@@ -4018,7 +4091,9 @@
           </a:prstGeom>
           <a:noFill/>
           <a:ln w="19050">
-            <a:noFill/>
+            <a:solidFill>
+              <a:schemeClr val="tx1"/>
+            </a:solidFill>
           </a:ln>
         </p:spPr>
         <p:style>
@@ -4042,7 +4117,11 @@
           <a:lstStyle/>
           <a:p>
             <a:pPr algn="ctr"/>
-            <a:endParaRPr lang="LID4096"/>
+            <a:endParaRPr lang="LID4096" dirty="0">
+              <a:solidFill>
+                <a:schemeClr val="tx1"/>
+              </a:solidFill>
+            </a:endParaRPr>
           </a:p>
         </p:txBody>
       </p:sp>
@@ -4060,7 +4139,7 @@
         </p:nvSpPr>
         <p:spPr>
           <a:xfrm>
-            <a:off x="4738384" y="4839257"/>
+            <a:off x="4576566" y="4672580"/>
             <a:ext cx="1182254" cy="1182254"/>
           </a:xfrm>
           <a:prstGeom prst="rect">
@@ -4068,7 +4147,9 @@
           </a:prstGeom>
           <a:noFill/>
           <a:ln w="19050">
-            <a:noFill/>
+            <a:solidFill>
+              <a:schemeClr val="tx1"/>
+            </a:solidFill>
           </a:ln>
         </p:spPr>
         <p:style>
@@ -4092,7 +4173,11 @@
           <a:lstStyle/>
           <a:p>
             <a:pPr algn="ctr"/>
-            <a:endParaRPr lang="LID4096"/>
+            <a:endParaRPr lang="LID4096" dirty="0">
+              <a:solidFill>
+                <a:schemeClr val="tx1"/>
+              </a:solidFill>
+            </a:endParaRPr>
           </a:p>
         </p:txBody>
       </p:sp>
@@ -4110,7 +4195,7 @@
         </p:nvSpPr>
         <p:spPr>
           <a:xfrm>
-            <a:off x="6565465" y="4839257"/>
+            <a:off x="5859824" y="4136924"/>
             <a:ext cx="1182254" cy="1182254"/>
           </a:xfrm>
           <a:prstGeom prst="rect">
@@ -4118,7 +4203,9 @@
           </a:prstGeom>
           <a:noFill/>
           <a:ln w="19050">
-            <a:noFill/>
+            <a:solidFill>
+              <a:schemeClr val="tx1"/>
+            </a:solidFill>
           </a:ln>
         </p:spPr>
         <p:style>
@@ -4142,7 +4229,11 @@
           <a:lstStyle/>
           <a:p>
             <a:pPr algn="ctr"/>
-            <a:endParaRPr lang="LID4096"/>
+            <a:endParaRPr lang="LID4096" dirty="0">
+              <a:solidFill>
+                <a:schemeClr val="tx1"/>
+              </a:solidFill>
+            </a:endParaRPr>
           </a:p>
         </p:txBody>
       </p:sp>
@@ -4160,7 +4251,7 @@
         </p:nvSpPr>
         <p:spPr>
           <a:xfrm>
-            <a:off x="4738384" y="1157447"/>
+            <a:off x="4576566" y="1025790"/>
             <a:ext cx="1182254" cy="1182254"/>
           </a:xfrm>
           <a:prstGeom prst="rect">
@@ -4168,7 +4259,9 @@
           </a:prstGeom>
           <a:noFill/>
           <a:ln w="19050">
-            <a:noFill/>
+            <a:solidFill>
+              <a:schemeClr val="tx1"/>
+            </a:solidFill>
           </a:ln>
         </p:spPr>
         <p:style>
@@ -4214,7 +4307,7 @@
         </p:nvSpPr>
         <p:spPr>
           <a:xfrm>
-            <a:off x="6565465" y="1157447"/>
+            <a:off x="5859824" y="1569074"/>
             <a:ext cx="1182254" cy="1182254"/>
           </a:xfrm>
           <a:prstGeom prst="rect">
@@ -4222,7 +4315,9 @@
           </a:prstGeom>
           <a:noFill/>
           <a:ln w="19050">
-            <a:noFill/>
+            <a:solidFill>
+              <a:schemeClr val="tx1"/>
+            </a:solidFill>
           </a:ln>
         </p:spPr>
         <p:style>
@@ -4268,7 +4363,7 @@
         </p:nvSpPr>
         <p:spPr>
           <a:xfrm>
-            <a:off x="6565465" y="2998352"/>
+            <a:off x="6400450" y="2852999"/>
             <a:ext cx="1182254" cy="1182254"/>
           </a:xfrm>
           <a:prstGeom prst="rect">
@@ -4276,7 +4371,9 @@
           </a:prstGeom>
           <a:noFill/>
           <a:ln w="19050">
-            <a:noFill/>
+            <a:solidFill>
+              <a:schemeClr val="tx1"/>
+            </a:solidFill>
           </a:ln>
         </p:spPr>
         <p:style>
@@ -4300,16 +4397,56 @@
           <a:lstStyle/>
           <a:p>
             <a:pPr algn="ctr"/>
-            <a:endParaRPr lang="LID4096"/>
+            <a:endParaRPr lang="LID4096" dirty="0">
+              <a:solidFill>
+                <a:schemeClr val="tx1"/>
+              </a:solidFill>
+            </a:endParaRPr>
+          </a:p>
+        </p:txBody>
+      </p:sp>
+      <p:sp>
+        <p:nvSpPr>
+          <p:cNvPr id="24" name="TextBox 23">
+            <a:extLst>
+              <a:ext uri="{FF2B5EF4-FFF2-40B4-BE49-F238E27FC236}">
+                <a16:creationId xmlns:a16="http://schemas.microsoft.com/office/drawing/2014/main" id="{272A6803-1028-4FFF-A84F-97B740A189FA}"/>
+              </a:ext>
+            </a:extLst>
+          </p:cNvPr>
+          <p:cNvSpPr txBox="1"/>
+          <p:nvPr/>
+        </p:nvSpPr>
+        <p:spPr>
+          <a:xfrm>
+            <a:off x="5001613" y="3209356"/>
+            <a:ext cx="338554" cy="461665"/>
+          </a:xfrm>
+          <a:prstGeom prst="rect">
+            <a:avLst/>
+          </a:prstGeom>
+          <a:noFill/>
+        </p:spPr>
+        <p:txBody>
+          <a:bodyPr wrap="none" rtlCol="0">
+            <a:spAutoFit/>
+          </a:bodyPr>
+          <a:lstStyle/>
+          <a:p>
+            <a:r>
+              <a:rPr lang="en-US" sz="2400" dirty="0"/>
+              <a:t>+</a:t>
+            </a:r>
+            <a:endParaRPr lang="LID4096" sz="2400" dirty="0"/>
           </a:p>
         </p:txBody>
       </p:sp>
       <p:cxnSp>
         <p:nvCxnSpPr>
-          <p:cNvPr id="12" name="Straight Arrow Connector 11">
-            <a:extLst>
-              <a:ext uri="{FF2B5EF4-FFF2-40B4-BE49-F238E27FC236}">
-                <a16:creationId xmlns:a16="http://schemas.microsoft.com/office/drawing/2014/main" id="{11D98802-E630-4D63-A88A-183A6EAB97F5}"/>
+          <p:cNvPr id="3" name="Straight Arrow Connector 2">
+            <a:extLst>
+              <a:ext uri="{FF2B5EF4-FFF2-40B4-BE49-F238E27FC236}">
+                <a16:creationId xmlns:a16="http://schemas.microsoft.com/office/drawing/2014/main" id="{E1E8220D-225D-42B1-9A3E-F6426E41ADE0}"/>
               </a:ext>
             </a:extLst>
           </p:cNvPr>
@@ -4318,8 +4455,8 @@
         </p:nvCxnSpPr>
         <p:spPr>
           <a:xfrm flipH="1">
-            <a:off x="5207727" y="1759129"/>
-            <a:ext cx="217714" cy="0"/>
+            <a:off x="5103845" y="1597065"/>
+            <a:ext cx="236322" cy="0"/>
           </a:xfrm>
           <a:prstGeom prst="straightConnector1">
             <a:avLst/>
@@ -4349,4185 +4486,7 @@
     </p:spTree>
     <p:extLst>
       <p:ext uri="{BB962C8B-B14F-4D97-AF65-F5344CB8AC3E}">
-        <p14:creationId xmlns:p14="http://schemas.microsoft.com/office/powerpoint/2010/main" val="2479049427"/>
-      </p:ext>
-    </p:extLst>
-  </p:cSld>
-  <p:clrMapOvr>
-    <a:masterClrMapping/>
-  </p:clrMapOvr>
-</p:sld>
-</file>
-
-<file path=ppt/slides/slide11.xml><?xml version="1.0" encoding="utf-8"?>
-<p:sld xmlns:a="http://schemas.openxmlformats.org/drawingml/2006/main" xmlns:r="http://schemas.openxmlformats.org/officeDocument/2006/relationships" xmlns:p="http://schemas.openxmlformats.org/presentationml/2006/main">
-  <p:cSld>
-    <p:spTree>
-      <p:nvGrpSpPr>
-        <p:cNvPr id="1" name=""/>
-        <p:cNvGrpSpPr/>
-        <p:nvPr/>
-      </p:nvGrpSpPr>
-      <p:grpSpPr>
-        <a:xfrm>
-          <a:off x="0" y="0"/>
-          <a:ext cx="0" cy="0"/>
-          <a:chOff x="0" y="0"/>
-          <a:chExt cx="0" cy="0"/>
-        </a:xfrm>
-      </p:grpSpPr>
-      <p:sp>
-        <p:nvSpPr>
-          <p:cNvPr id="4" name="Rectangle 3">
-            <a:extLst>
-              <a:ext uri="{FF2B5EF4-FFF2-40B4-BE49-F238E27FC236}">
-                <a16:creationId xmlns:a16="http://schemas.microsoft.com/office/drawing/2014/main" id="{716C5456-621C-4CB2-957A-D06C49F6E38E}"/>
-              </a:ext>
-            </a:extLst>
-          </p:cNvPr>
-          <p:cNvSpPr/>
-          <p:nvPr/>
-        </p:nvSpPr>
-        <p:spPr>
-          <a:xfrm>
-            <a:off x="2911303" y="1157447"/>
-            <a:ext cx="1182254" cy="1182254"/>
-          </a:xfrm>
-          <a:prstGeom prst="rect">
-            <a:avLst/>
-          </a:prstGeom>
-          <a:noFill/>
-          <a:ln w="19050">
-            <a:noFill/>
-          </a:ln>
-        </p:spPr>
-        <p:style>
-          <a:lnRef idx="2">
-            <a:schemeClr val="accent1">
-              <a:shade val="50000"/>
-            </a:schemeClr>
-          </a:lnRef>
-          <a:fillRef idx="1">
-            <a:schemeClr val="accent1"/>
-          </a:fillRef>
-          <a:effectRef idx="0">
-            <a:schemeClr val="accent1"/>
-          </a:effectRef>
-          <a:fontRef idx="minor">
-            <a:schemeClr val="lt1"/>
-          </a:fontRef>
-        </p:style>
-        <p:txBody>
-          <a:bodyPr rtlCol="0" anchor="ctr"/>
-          <a:lstStyle/>
-          <a:p>
-            <a:pPr algn="ctr"/>
-            <a:endParaRPr lang="LID4096" dirty="0">
-              <a:solidFill>
-                <a:schemeClr val="tx1"/>
-              </a:solidFill>
-            </a:endParaRPr>
-          </a:p>
-        </p:txBody>
-      </p:sp>
-      <p:sp>
-        <p:nvSpPr>
-          <p:cNvPr id="5" name="Rectangle 4">
-            <a:extLst>
-              <a:ext uri="{FF2B5EF4-FFF2-40B4-BE49-F238E27FC236}">
-                <a16:creationId xmlns:a16="http://schemas.microsoft.com/office/drawing/2014/main" id="{DC9131F1-3C36-4952-AB50-21D9487F0039}"/>
-              </a:ext>
-            </a:extLst>
-          </p:cNvPr>
-          <p:cNvSpPr/>
-          <p:nvPr/>
-        </p:nvSpPr>
-        <p:spPr>
-          <a:xfrm>
-            <a:off x="2911303" y="2998352"/>
-            <a:ext cx="1182254" cy="1182254"/>
-          </a:xfrm>
-          <a:prstGeom prst="rect">
-            <a:avLst/>
-          </a:prstGeom>
-          <a:noFill/>
-          <a:ln w="19050">
-            <a:noFill/>
-          </a:ln>
-        </p:spPr>
-        <p:style>
-          <a:lnRef idx="2">
-            <a:schemeClr val="accent1">
-              <a:shade val="50000"/>
-            </a:schemeClr>
-          </a:lnRef>
-          <a:fillRef idx="1">
-            <a:schemeClr val="accent1"/>
-          </a:fillRef>
-          <a:effectRef idx="0">
-            <a:schemeClr val="accent1"/>
-          </a:effectRef>
-          <a:fontRef idx="minor">
-            <a:schemeClr val="lt1"/>
-          </a:fontRef>
-        </p:style>
-        <p:txBody>
-          <a:bodyPr rtlCol="0" anchor="ctr"/>
-          <a:lstStyle/>
-          <a:p>
-            <a:pPr algn="ctr"/>
-            <a:endParaRPr lang="LID4096"/>
-          </a:p>
-        </p:txBody>
-      </p:sp>
-      <p:sp>
-        <p:nvSpPr>
-          <p:cNvPr id="6" name="Rectangle 5">
-            <a:extLst>
-              <a:ext uri="{FF2B5EF4-FFF2-40B4-BE49-F238E27FC236}">
-                <a16:creationId xmlns:a16="http://schemas.microsoft.com/office/drawing/2014/main" id="{437AB641-AB0C-4469-AD2E-A7DA4A69C7B1}"/>
-              </a:ext>
-            </a:extLst>
-          </p:cNvPr>
-          <p:cNvSpPr/>
-          <p:nvPr/>
-        </p:nvSpPr>
-        <p:spPr>
-          <a:xfrm>
-            <a:off x="2911303" y="4839257"/>
-            <a:ext cx="1182254" cy="1182254"/>
-          </a:xfrm>
-          <a:prstGeom prst="rect">
-            <a:avLst/>
-          </a:prstGeom>
-          <a:noFill/>
-          <a:ln w="19050">
-            <a:noFill/>
-          </a:ln>
-        </p:spPr>
-        <p:style>
-          <a:lnRef idx="2">
-            <a:schemeClr val="accent1">
-              <a:shade val="50000"/>
-            </a:schemeClr>
-          </a:lnRef>
-          <a:fillRef idx="1">
-            <a:schemeClr val="accent1"/>
-          </a:fillRef>
-          <a:effectRef idx="0">
-            <a:schemeClr val="accent1"/>
-          </a:effectRef>
-          <a:fontRef idx="minor">
-            <a:schemeClr val="lt1"/>
-          </a:fontRef>
-        </p:style>
-        <p:txBody>
-          <a:bodyPr rtlCol="0" anchor="ctr"/>
-          <a:lstStyle/>
-          <a:p>
-            <a:pPr algn="ctr"/>
-            <a:endParaRPr lang="LID4096"/>
-          </a:p>
-        </p:txBody>
-      </p:sp>
-      <p:sp>
-        <p:nvSpPr>
-          <p:cNvPr id="7" name="Rectangle 6">
-            <a:extLst>
-              <a:ext uri="{FF2B5EF4-FFF2-40B4-BE49-F238E27FC236}">
-                <a16:creationId xmlns:a16="http://schemas.microsoft.com/office/drawing/2014/main" id="{B3694913-6DA0-404E-96BB-F152D3921DC7}"/>
-              </a:ext>
-            </a:extLst>
-          </p:cNvPr>
-          <p:cNvSpPr/>
-          <p:nvPr/>
-        </p:nvSpPr>
-        <p:spPr>
-          <a:xfrm>
-            <a:off x="4738384" y="4839257"/>
-            <a:ext cx="1182254" cy="1182254"/>
-          </a:xfrm>
-          <a:prstGeom prst="rect">
-            <a:avLst/>
-          </a:prstGeom>
-          <a:noFill/>
-          <a:ln w="19050">
-            <a:noFill/>
-          </a:ln>
-        </p:spPr>
-        <p:style>
-          <a:lnRef idx="2">
-            <a:schemeClr val="accent1">
-              <a:shade val="50000"/>
-            </a:schemeClr>
-          </a:lnRef>
-          <a:fillRef idx="1">
-            <a:schemeClr val="accent1"/>
-          </a:fillRef>
-          <a:effectRef idx="0">
-            <a:schemeClr val="accent1"/>
-          </a:effectRef>
-          <a:fontRef idx="minor">
-            <a:schemeClr val="lt1"/>
-          </a:fontRef>
-        </p:style>
-        <p:txBody>
-          <a:bodyPr rtlCol="0" anchor="ctr"/>
-          <a:lstStyle/>
-          <a:p>
-            <a:pPr algn="ctr"/>
-            <a:endParaRPr lang="LID4096"/>
-          </a:p>
-        </p:txBody>
-      </p:sp>
-      <p:sp>
-        <p:nvSpPr>
-          <p:cNvPr id="8" name="Rectangle 7">
-            <a:extLst>
-              <a:ext uri="{FF2B5EF4-FFF2-40B4-BE49-F238E27FC236}">
-                <a16:creationId xmlns:a16="http://schemas.microsoft.com/office/drawing/2014/main" id="{5A984827-D88E-46E0-8504-F53796FD4C8D}"/>
-              </a:ext>
-            </a:extLst>
-          </p:cNvPr>
-          <p:cNvSpPr/>
-          <p:nvPr/>
-        </p:nvSpPr>
-        <p:spPr>
-          <a:xfrm>
-            <a:off x="6565465" y="4839257"/>
-            <a:ext cx="1182254" cy="1182254"/>
-          </a:xfrm>
-          <a:prstGeom prst="rect">
-            <a:avLst/>
-          </a:prstGeom>
-          <a:noFill/>
-          <a:ln w="19050">
-            <a:noFill/>
-          </a:ln>
-        </p:spPr>
-        <p:style>
-          <a:lnRef idx="2">
-            <a:schemeClr val="accent1">
-              <a:shade val="50000"/>
-            </a:schemeClr>
-          </a:lnRef>
-          <a:fillRef idx="1">
-            <a:schemeClr val="accent1"/>
-          </a:fillRef>
-          <a:effectRef idx="0">
-            <a:schemeClr val="accent1"/>
-          </a:effectRef>
-          <a:fontRef idx="minor">
-            <a:schemeClr val="lt1"/>
-          </a:fontRef>
-        </p:style>
-        <p:txBody>
-          <a:bodyPr rtlCol="0" anchor="ctr"/>
-          <a:lstStyle/>
-          <a:p>
-            <a:pPr algn="ctr"/>
-            <a:endParaRPr lang="LID4096"/>
-          </a:p>
-        </p:txBody>
-      </p:sp>
-      <p:sp>
-        <p:nvSpPr>
-          <p:cNvPr id="9" name="Rectangle 8">
-            <a:extLst>
-              <a:ext uri="{FF2B5EF4-FFF2-40B4-BE49-F238E27FC236}">
-                <a16:creationId xmlns:a16="http://schemas.microsoft.com/office/drawing/2014/main" id="{7A9F38C5-3172-4C88-BEB9-78B1C80CB300}"/>
-              </a:ext>
-            </a:extLst>
-          </p:cNvPr>
-          <p:cNvSpPr/>
-          <p:nvPr/>
-        </p:nvSpPr>
-        <p:spPr>
-          <a:xfrm>
-            <a:off x="4738384" y="1157447"/>
-            <a:ext cx="1182254" cy="1182254"/>
-          </a:xfrm>
-          <a:prstGeom prst="rect">
-            <a:avLst/>
-          </a:prstGeom>
-          <a:noFill/>
-          <a:ln w="19050">
-            <a:noFill/>
-          </a:ln>
-        </p:spPr>
-        <p:style>
-          <a:lnRef idx="2">
-            <a:schemeClr val="accent1">
-              <a:shade val="50000"/>
-            </a:schemeClr>
-          </a:lnRef>
-          <a:fillRef idx="1">
-            <a:schemeClr val="accent1"/>
-          </a:fillRef>
-          <a:effectRef idx="0">
-            <a:schemeClr val="accent1"/>
-          </a:effectRef>
-          <a:fontRef idx="minor">
-            <a:schemeClr val="lt1"/>
-          </a:fontRef>
-        </p:style>
-        <p:txBody>
-          <a:bodyPr rtlCol="0" anchor="ctr"/>
-          <a:lstStyle/>
-          <a:p>
-            <a:pPr algn="ctr"/>
-            <a:endParaRPr lang="LID4096"/>
-          </a:p>
-        </p:txBody>
-      </p:sp>
-      <p:sp>
-        <p:nvSpPr>
-          <p:cNvPr id="10" name="Rectangle 9">
-            <a:extLst>
-              <a:ext uri="{FF2B5EF4-FFF2-40B4-BE49-F238E27FC236}">
-                <a16:creationId xmlns:a16="http://schemas.microsoft.com/office/drawing/2014/main" id="{D116F38A-E07F-4B4A-A928-F7666AEAFE55}"/>
-              </a:ext>
-            </a:extLst>
-          </p:cNvPr>
-          <p:cNvSpPr/>
-          <p:nvPr/>
-        </p:nvSpPr>
-        <p:spPr>
-          <a:xfrm>
-            <a:off x="6565465" y="1157447"/>
-            <a:ext cx="1182254" cy="1182254"/>
-          </a:xfrm>
-          <a:prstGeom prst="rect">
-            <a:avLst/>
-          </a:prstGeom>
-          <a:noFill/>
-          <a:ln w="19050">
-            <a:noFill/>
-          </a:ln>
-        </p:spPr>
-        <p:style>
-          <a:lnRef idx="2">
-            <a:schemeClr val="accent1">
-              <a:shade val="50000"/>
-            </a:schemeClr>
-          </a:lnRef>
-          <a:fillRef idx="1">
-            <a:schemeClr val="accent1"/>
-          </a:fillRef>
-          <a:effectRef idx="0">
-            <a:schemeClr val="accent1"/>
-          </a:effectRef>
-          <a:fontRef idx="minor">
-            <a:schemeClr val="lt1"/>
-          </a:fontRef>
-        </p:style>
-        <p:txBody>
-          <a:bodyPr rtlCol="0" anchor="ctr"/>
-          <a:lstStyle/>
-          <a:p>
-            <a:pPr algn="ctr"/>
-            <a:endParaRPr lang="LID4096"/>
-          </a:p>
-        </p:txBody>
-      </p:sp>
-      <p:sp>
-        <p:nvSpPr>
-          <p:cNvPr id="11" name="Rectangle 10">
-            <a:extLst>
-              <a:ext uri="{FF2B5EF4-FFF2-40B4-BE49-F238E27FC236}">
-                <a16:creationId xmlns:a16="http://schemas.microsoft.com/office/drawing/2014/main" id="{8E2E6654-CC92-4CE0-938B-E385DD361A79}"/>
-              </a:ext>
-            </a:extLst>
-          </p:cNvPr>
-          <p:cNvSpPr/>
-          <p:nvPr/>
-        </p:nvSpPr>
-        <p:spPr>
-          <a:xfrm>
-            <a:off x="6565465" y="2998352"/>
-            <a:ext cx="1182254" cy="1182254"/>
-          </a:xfrm>
-          <a:prstGeom prst="rect">
-            <a:avLst/>
-          </a:prstGeom>
-          <a:noFill/>
-          <a:ln w="19050">
-            <a:noFill/>
-          </a:ln>
-        </p:spPr>
-        <p:style>
-          <a:lnRef idx="2">
-            <a:schemeClr val="accent1">
-              <a:shade val="50000"/>
-            </a:schemeClr>
-          </a:lnRef>
-          <a:fillRef idx="1">
-            <a:schemeClr val="accent1"/>
-          </a:fillRef>
-          <a:effectRef idx="0">
-            <a:schemeClr val="accent1"/>
-          </a:effectRef>
-          <a:fontRef idx="minor">
-            <a:schemeClr val="lt1"/>
-          </a:fontRef>
-        </p:style>
-        <p:txBody>
-          <a:bodyPr rtlCol="0" anchor="ctr"/>
-          <a:lstStyle/>
-          <a:p>
-            <a:pPr algn="ctr"/>
-            <a:endParaRPr lang="LID4096"/>
-          </a:p>
-        </p:txBody>
-      </p:sp>
-      <p:cxnSp>
-        <p:nvCxnSpPr>
-          <p:cNvPr id="13" name="Straight Arrow Connector 12">
-            <a:extLst>
-              <a:ext uri="{FF2B5EF4-FFF2-40B4-BE49-F238E27FC236}">
-                <a16:creationId xmlns:a16="http://schemas.microsoft.com/office/drawing/2014/main" id="{8506F469-ABD6-4E42-9B5B-79B7CF65E191}"/>
-              </a:ext>
-            </a:extLst>
-          </p:cNvPr>
-          <p:cNvCxnSpPr/>
-          <p:nvPr/>
-        </p:nvCxnSpPr>
-        <p:spPr>
-          <a:xfrm flipH="1">
-            <a:off x="3370219" y="1759131"/>
-            <a:ext cx="217714" cy="0"/>
-          </a:xfrm>
-          <a:prstGeom prst="straightConnector1">
-            <a:avLst/>
-          </a:prstGeom>
-          <a:ln w="19050">
-            <a:solidFill>
-              <a:schemeClr val="bg1"/>
-            </a:solidFill>
-            <a:tailEnd type="triangle"/>
-          </a:ln>
-        </p:spPr>
-        <p:style>
-          <a:lnRef idx="1">
-            <a:schemeClr val="accent1"/>
-          </a:lnRef>
-          <a:fillRef idx="0">
-            <a:schemeClr val="accent1"/>
-          </a:fillRef>
-          <a:effectRef idx="0">
-            <a:schemeClr val="accent1"/>
-          </a:effectRef>
-          <a:fontRef idx="minor">
-            <a:schemeClr val="tx1"/>
-          </a:fontRef>
-        </p:style>
-      </p:cxnSp>
-      <p:cxnSp>
-        <p:nvCxnSpPr>
-          <p:cNvPr id="12" name="Straight Arrow Connector 11">
-            <a:extLst>
-              <a:ext uri="{FF2B5EF4-FFF2-40B4-BE49-F238E27FC236}">
-                <a16:creationId xmlns:a16="http://schemas.microsoft.com/office/drawing/2014/main" id="{FA00AF5B-365E-4D0E-899A-67FF7F4180E9}"/>
-              </a:ext>
-            </a:extLst>
-          </p:cNvPr>
-          <p:cNvCxnSpPr>
-            <a:cxnSpLocks/>
-          </p:cNvCxnSpPr>
-          <p:nvPr/>
-        </p:nvCxnSpPr>
-        <p:spPr>
-          <a:xfrm rot="10800000" flipH="1">
-            <a:off x="3370219" y="1759131"/>
-            <a:ext cx="217714" cy="0"/>
-          </a:xfrm>
-          <a:prstGeom prst="straightConnector1">
-            <a:avLst/>
-          </a:prstGeom>
-          <a:ln w="19050">
-            <a:solidFill>
-              <a:schemeClr val="tx1"/>
-            </a:solidFill>
-            <a:tailEnd type="triangle"/>
-          </a:ln>
-        </p:spPr>
-        <p:style>
-          <a:lnRef idx="1">
-            <a:schemeClr val="accent1"/>
-          </a:lnRef>
-          <a:fillRef idx="0">
-            <a:schemeClr val="accent1"/>
-          </a:fillRef>
-          <a:effectRef idx="0">
-            <a:schemeClr val="accent1"/>
-          </a:effectRef>
-          <a:fontRef idx="minor">
-            <a:schemeClr val="tx1"/>
-          </a:fontRef>
-        </p:style>
-      </p:cxnSp>
-    </p:spTree>
-    <p:extLst>
-      <p:ext uri="{BB962C8B-B14F-4D97-AF65-F5344CB8AC3E}">
-        <p14:creationId xmlns:p14="http://schemas.microsoft.com/office/powerpoint/2010/main" val="3864431651"/>
-      </p:ext>
-    </p:extLst>
-  </p:cSld>
-  <p:clrMapOvr>
-    <a:masterClrMapping/>
-  </p:clrMapOvr>
-</p:sld>
-</file>
-
-<file path=ppt/slides/slide12.xml><?xml version="1.0" encoding="utf-8"?>
-<p:sld xmlns:a="http://schemas.openxmlformats.org/drawingml/2006/main" xmlns:r="http://schemas.openxmlformats.org/officeDocument/2006/relationships" xmlns:p="http://schemas.openxmlformats.org/presentationml/2006/main">
-  <p:cSld>
-    <p:spTree>
-      <p:nvGrpSpPr>
-        <p:cNvPr id="1" name=""/>
-        <p:cNvGrpSpPr/>
-        <p:nvPr/>
-      </p:nvGrpSpPr>
-      <p:grpSpPr>
-        <a:xfrm>
-          <a:off x="0" y="0"/>
-          <a:ext cx="0" cy="0"/>
-          <a:chOff x="0" y="0"/>
-          <a:chExt cx="0" cy="0"/>
-        </a:xfrm>
-      </p:grpSpPr>
-      <p:sp>
-        <p:nvSpPr>
-          <p:cNvPr id="4" name="Rectangle 3">
-            <a:extLst>
-              <a:ext uri="{FF2B5EF4-FFF2-40B4-BE49-F238E27FC236}">
-                <a16:creationId xmlns:a16="http://schemas.microsoft.com/office/drawing/2014/main" id="{716C5456-621C-4CB2-957A-D06C49F6E38E}"/>
-              </a:ext>
-            </a:extLst>
-          </p:cNvPr>
-          <p:cNvSpPr/>
-          <p:nvPr/>
-        </p:nvSpPr>
-        <p:spPr>
-          <a:xfrm>
-            <a:off x="2911303" y="1157447"/>
-            <a:ext cx="1182254" cy="1182254"/>
-          </a:xfrm>
-          <a:prstGeom prst="rect">
-            <a:avLst/>
-          </a:prstGeom>
-          <a:noFill/>
-          <a:ln w="19050">
-            <a:noFill/>
-          </a:ln>
-        </p:spPr>
-        <p:style>
-          <a:lnRef idx="2">
-            <a:schemeClr val="accent1">
-              <a:shade val="50000"/>
-            </a:schemeClr>
-          </a:lnRef>
-          <a:fillRef idx="1">
-            <a:schemeClr val="accent1"/>
-          </a:fillRef>
-          <a:effectRef idx="0">
-            <a:schemeClr val="accent1"/>
-          </a:effectRef>
-          <a:fontRef idx="minor">
-            <a:schemeClr val="lt1"/>
-          </a:fontRef>
-        </p:style>
-        <p:txBody>
-          <a:bodyPr rtlCol="0" anchor="ctr"/>
-          <a:lstStyle/>
-          <a:p>
-            <a:pPr algn="ctr"/>
-            <a:endParaRPr lang="LID4096"/>
-          </a:p>
-        </p:txBody>
-      </p:sp>
-      <p:sp>
-        <p:nvSpPr>
-          <p:cNvPr id="5" name="Rectangle 4">
-            <a:extLst>
-              <a:ext uri="{FF2B5EF4-FFF2-40B4-BE49-F238E27FC236}">
-                <a16:creationId xmlns:a16="http://schemas.microsoft.com/office/drawing/2014/main" id="{DC9131F1-3C36-4952-AB50-21D9487F0039}"/>
-              </a:ext>
-            </a:extLst>
-          </p:cNvPr>
-          <p:cNvSpPr/>
-          <p:nvPr/>
-        </p:nvSpPr>
-        <p:spPr>
-          <a:xfrm>
-            <a:off x="2911303" y="2998352"/>
-            <a:ext cx="1182254" cy="1182254"/>
-          </a:xfrm>
-          <a:prstGeom prst="rect">
-            <a:avLst/>
-          </a:prstGeom>
-          <a:noFill/>
-          <a:ln w="19050">
-            <a:noFill/>
-          </a:ln>
-        </p:spPr>
-        <p:style>
-          <a:lnRef idx="2">
-            <a:schemeClr val="accent1">
-              <a:shade val="50000"/>
-            </a:schemeClr>
-          </a:lnRef>
-          <a:fillRef idx="1">
-            <a:schemeClr val="accent1"/>
-          </a:fillRef>
-          <a:effectRef idx="0">
-            <a:schemeClr val="accent1"/>
-          </a:effectRef>
-          <a:fontRef idx="minor">
-            <a:schemeClr val="lt1"/>
-          </a:fontRef>
-        </p:style>
-        <p:txBody>
-          <a:bodyPr rtlCol="0" anchor="ctr"/>
-          <a:lstStyle/>
-          <a:p>
-            <a:pPr algn="ctr"/>
-            <a:endParaRPr lang="LID4096" dirty="0">
-              <a:solidFill>
-                <a:schemeClr val="tx1"/>
-              </a:solidFill>
-            </a:endParaRPr>
-          </a:p>
-        </p:txBody>
-      </p:sp>
-      <p:sp>
-        <p:nvSpPr>
-          <p:cNvPr id="6" name="Rectangle 5">
-            <a:extLst>
-              <a:ext uri="{FF2B5EF4-FFF2-40B4-BE49-F238E27FC236}">
-                <a16:creationId xmlns:a16="http://schemas.microsoft.com/office/drawing/2014/main" id="{437AB641-AB0C-4469-AD2E-A7DA4A69C7B1}"/>
-              </a:ext>
-            </a:extLst>
-          </p:cNvPr>
-          <p:cNvSpPr/>
-          <p:nvPr/>
-        </p:nvSpPr>
-        <p:spPr>
-          <a:xfrm>
-            <a:off x="2911303" y="4839257"/>
-            <a:ext cx="1182254" cy="1182254"/>
-          </a:xfrm>
-          <a:prstGeom prst="rect">
-            <a:avLst/>
-          </a:prstGeom>
-          <a:noFill/>
-          <a:ln w="19050">
-            <a:noFill/>
-          </a:ln>
-        </p:spPr>
-        <p:style>
-          <a:lnRef idx="2">
-            <a:schemeClr val="accent1">
-              <a:shade val="50000"/>
-            </a:schemeClr>
-          </a:lnRef>
-          <a:fillRef idx="1">
-            <a:schemeClr val="accent1"/>
-          </a:fillRef>
-          <a:effectRef idx="0">
-            <a:schemeClr val="accent1"/>
-          </a:effectRef>
-          <a:fontRef idx="minor">
-            <a:schemeClr val="lt1"/>
-          </a:fontRef>
-        </p:style>
-        <p:txBody>
-          <a:bodyPr rtlCol="0" anchor="ctr"/>
-          <a:lstStyle/>
-          <a:p>
-            <a:pPr algn="ctr"/>
-            <a:endParaRPr lang="LID4096" dirty="0">
-              <a:solidFill>
-                <a:schemeClr val="tx1"/>
-              </a:solidFill>
-            </a:endParaRPr>
-          </a:p>
-        </p:txBody>
-      </p:sp>
-      <p:sp>
-        <p:nvSpPr>
-          <p:cNvPr id="7" name="Rectangle 6">
-            <a:extLst>
-              <a:ext uri="{FF2B5EF4-FFF2-40B4-BE49-F238E27FC236}">
-                <a16:creationId xmlns:a16="http://schemas.microsoft.com/office/drawing/2014/main" id="{B3694913-6DA0-404E-96BB-F152D3921DC7}"/>
-              </a:ext>
-            </a:extLst>
-          </p:cNvPr>
-          <p:cNvSpPr/>
-          <p:nvPr/>
-        </p:nvSpPr>
-        <p:spPr>
-          <a:xfrm>
-            <a:off x="4738384" y="4839257"/>
-            <a:ext cx="1182254" cy="1182254"/>
-          </a:xfrm>
-          <a:prstGeom prst="rect">
-            <a:avLst/>
-          </a:prstGeom>
-          <a:noFill/>
-          <a:ln w="19050">
-            <a:noFill/>
-          </a:ln>
-        </p:spPr>
-        <p:style>
-          <a:lnRef idx="2">
-            <a:schemeClr val="accent1">
-              <a:shade val="50000"/>
-            </a:schemeClr>
-          </a:lnRef>
-          <a:fillRef idx="1">
-            <a:schemeClr val="accent1"/>
-          </a:fillRef>
-          <a:effectRef idx="0">
-            <a:schemeClr val="accent1"/>
-          </a:effectRef>
-          <a:fontRef idx="minor">
-            <a:schemeClr val="lt1"/>
-          </a:fontRef>
-        </p:style>
-        <p:txBody>
-          <a:bodyPr rtlCol="0" anchor="ctr"/>
-          <a:lstStyle/>
-          <a:p>
-            <a:pPr algn="ctr"/>
-            <a:endParaRPr lang="LID4096" dirty="0">
-              <a:solidFill>
-                <a:schemeClr val="tx1"/>
-              </a:solidFill>
-            </a:endParaRPr>
-          </a:p>
-        </p:txBody>
-      </p:sp>
-      <p:sp>
-        <p:nvSpPr>
-          <p:cNvPr id="8" name="Rectangle 7">
-            <a:extLst>
-              <a:ext uri="{FF2B5EF4-FFF2-40B4-BE49-F238E27FC236}">
-                <a16:creationId xmlns:a16="http://schemas.microsoft.com/office/drawing/2014/main" id="{5A984827-D88E-46E0-8504-F53796FD4C8D}"/>
-              </a:ext>
-            </a:extLst>
-          </p:cNvPr>
-          <p:cNvSpPr/>
-          <p:nvPr/>
-        </p:nvSpPr>
-        <p:spPr>
-          <a:xfrm>
-            <a:off x="6565465" y="4839257"/>
-            <a:ext cx="1182254" cy="1182254"/>
-          </a:xfrm>
-          <a:prstGeom prst="rect">
-            <a:avLst/>
-          </a:prstGeom>
-          <a:noFill/>
-          <a:ln w="19050">
-            <a:noFill/>
-          </a:ln>
-        </p:spPr>
-        <p:style>
-          <a:lnRef idx="2">
-            <a:schemeClr val="accent1">
-              <a:shade val="50000"/>
-            </a:schemeClr>
-          </a:lnRef>
-          <a:fillRef idx="1">
-            <a:schemeClr val="accent1"/>
-          </a:fillRef>
-          <a:effectRef idx="0">
-            <a:schemeClr val="accent1"/>
-          </a:effectRef>
-          <a:fontRef idx="minor">
-            <a:schemeClr val="lt1"/>
-          </a:fontRef>
-        </p:style>
-        <p:txBody>
-          <a:bodyPr rtlCol="0" anchor="ctr"/>
-          <a:lstStyle/>
-          <a:p>
-            <a:pPr algn="ctr"/>
-            <a:endParaRPr lang="LID4096" dirty="0">
-              <a:solidFill>
-                <a:schemeClr val="tx1"/>
-              </a:solidFill>
-            </a:endParaRPr>
-          </a:p>
-        </p:txBody>
-      </p:sp>
-      <p:sp>
-        <p:nvSpPr>
-          <p:cNvPr id="9" name="Rectangle 8">
-            <a:extLst>
-              <a:ext uri="{FF2B5EF4-FFF2-40B4-BE49-F238E27FC236}">
-                <a16:creationId xmlns:a16="http://schemas.microsoft.com/office/drawing/2014/main" id="{7A9F38C5-3172-4C88-BEB9-78B1C80CB300}"/>
-              </a:ext>
-            </a:extLst>
-          </p:cNvPr>
-          <p:cNvSpPr/>
-          <p:nvPr/>
-        </p:nvSpPr>
-        <p:spPr>
-          <a:xfrm>
-            <a:off x="4738384" y="1157447"/>
-            <a:ext cx="1182254" cy="1182254"/>
-          </a:xfrm>
-          <a:prstGeom prst="rect">
-            <a:avLst/>
-          </a:prstGeom>
-          <a:noFill/>
-          <a:ln w="19050">
-            <a:noFill/>
-          </a:ln>
-        </p:spPr>
-        <p:style>
-          <a:lnRef idx="2">
-            <a:schemeClr val="accent1">
-              <a:shade val="50000"/>
-            </a:schemeClr>
-          </a:lnRef>
-          <a:fillRef idx="1">
-            <a:schemeClr val="accent1"/>
-          </a:fillRef>
-          <a:effectRef idx="0">
-            <a:schemeClr val="accent1"/>
-          </a:effectRef>
-          <a:fontRef idx="minor">
-            <a:schemeClr val="lt1"/>
-          </a:fontRef>
-        </p:style>
-        <p:txBody>
-          <a:bodyPr rtlCol="0" anchor="ctr"/>
-          <a:lstStyle/>
-          <a:p>
-            <a:pPr algn="ctr"/>
-            <a:endParaRPr lang="LID4096"/>
-          </a:p>
-        </p:txBody>
-      </p:sp>
-      <p:sp>
-        <p:nvSpPr>
-          <p:cNvPr id="10" name="Rectangle 9">
-            <a:extLst>
-              <a:ext uri="{FF2B5EF4-FFF2-40B4-BE49-F238E27FC236}">
-                <a16:creationId xmlns:a16="http://schemas.microsoft.com/office/drawing/2014/main" id="{D116F38A-E07F-4B4A-A928-F7666AEAFE55}"/>
-              </a:ext>
-            </a:extLst>
-          </p:cNvPr>
-          <p:cNvSpPr/>
-          <p:nvPr/>
-        </p:nvSpPr>
-        <p:spPr>
-          <a:xfrm>
-            <a:off x="6565465" y="1157447"/>
-            <a:ext cx="1182254" cy="1182254"/>
-          </a:xfrm>
-          <a:prstGeom prst="rect">
-            <a:avLst/>
-          </a:prstGeom>
-          <a:noFill/>
-          <a:ln w="19050">
-            <a:noFill/>
-          </a:ln>
-        </p:spPr>
-        <p:style>
-          <a:lnRef idx="2">
-            <a:schemeClr val="accent1">
-              <a:shade val="50000"/>
-            </a:schemeClr>
-          </a:lnRef>
-          <a:fillRef idx="1">
-            <a:schemeClr val="accent1"/>
-          </a:fillRef>
-          <a:effectRef idx="0">
-            <a:schemeClr val="accent1"/>
-          </a:effectRef>
-          <a:fontRef idx="minor">
-            <a:schemeClr val="lt1"/>
-          </a:fontRef>
-        </p:style>
-        <p:txBody>
-          <a:bodyPr rtlCol="0" anchor="ctr"/>
-          <a:lstStyle/>
-          <a:p>
-            <a:pPr algn="ctr"/>
-            <a:endParaRPr lang="LID4096"/>
-          </a:p>
-        </p:txBody>
-      </p:sp>
-      <p:sp>
-        <p:nvSpPr>
-          <p:cNvPr id="11" name="Rectangle 10">
-            <a:extLst>
-              <a:ext uri="{FF2B5EF4-FFF2-40B4-BE49-F238E27FC236}">
-                <a16:creationId xmlns:a16="http://schemas.microsoft.com/office/drawing/2014/main" id="{8E2E6654-CC92-4CE0-938B-E385DD361A79}"/>
-              </a:ext>
-            </a:extLst>
-          </p:cNvPr>
-          <p:cNvSpPr/>
-          <p:nvPr/>
-        </p:nvSpPr>
-        <p:spPr>
-          <a:xfrm>
-            <a:off x="6565465" y="2998352"/>
-            <a:ext cx="1182254" cy="1182254"/>
-          </a:xfrm>
-          <a:prstGeom prst="rect">
-            <a:avLst/>
-          </a:prstGeom>
-          <a:noFill/>
-          <a:ln w="19050">
-            <a:noFill/>
-          </a:ln>
-        </p:spPr>
-        <p:style>
-          <a:lnRef idx="2">
-            <a:schemeClr val="accent1">
-              <a:shade val="50000"/>
-            </a:schemeClr>
-          </a:lnRef>
-          <a:fillRef idx="1">
-            <a:schemeClr val="accent1"/>
-          </a:fillRef>
-          <a:effectRef idx="0">
-            <a:schemeClr val="accent1"/>
-          </a:effectRef>
-          <a:fontRef idx="minor">
-            <a:schemeClr val="lt1"/>
-          </a:fontRef>
-        </p:style>
-        <p:txBody>
-          <a:bodyPr rtlCol="0" anchor="ctr"/>
-          <a:lstStyle/>
-          <a:p>
-            <a:pPr algn="ctr"/>
-            <a:endParaRPr lang="LID4096"/>
-          </a:p>
-        </p:txBody>
-      </p:sp>
-      <p:cxnSp>
-        <p:nvCxnSpPr>
-          <p:cNvPr id="12" name="Straight Arrow Connector 11">
-            <a:extLst>
-              <a:ext uri="{FF2B5EF4-FFF2-40B4-BE49-F238E27FC236}">
-                <a16:creationId xmlns:a16="http://schemas.microsoft.com/office/drawing/2014/main" id="{930105EF-5D77-4399-9C98-1ECA66764AD8}"/>
-              </a:ext>
-            </a:extLst>
-          </p:cNvPr>
-          <p:cNvCxnSpPr/>
-          <p:nvPr/>
-        </p:nvCxnSpPr>
-        <p:spPr>
-          <a:xfrm flipH="1">
-            <a:off x="3378927" y="3596639"/>
-            <a:ext cx="217714" cy="0"/>
-          </a:xfrm>
-          <a:prstGeom prst="straightConnector1">
-            <a:avLst/>
-          </a:prstGeom>
-          <a:ln w="19050">
-            <a:solidFill>
-              <a:schemeClr val="bg1"/>
-            </a:solidFill>
-            <a:tailEnd type="triangle"/>
-          </a:ln>
-        </p:spPr>
-        <p:style>
-          <a:lnRef idx="1">
-            <a:schemeClr val="accent1"/>
-          </a:lnRef>
-          <a:fillRef idx="0">
-            <a:schemeClr val="accent1"/>
-          </a:fillRef>
-          <a:effectRef idx="0">
-            <a:schemeClr val="accent1"/>
-          </a:effectRef>
-          <a:fontRef idx="minor">
-            <a:schemeClr val="tx1"/>
-          </a:fontRef>
-        </p:style>
-      </p:cxnSp>
-      <p:cxnSp>
-        <p:nvCxnSpPr>
-          <p:cNvPr id="14" name="Straight Arrow Connector 13">
-            <a:extLst>
-              <a:ext uri="{FF2B5EF4-FFF2-40B4-BE49-F238E27FC236}">
-                <a16:creationId xmlns:a16="http://schemas.microsoft.com/office/drawing/2014/main" id="{D526999F-A4D6-499B-8693-406927870126}"/>
-              </a:ext>
-            </a:extLst>
-          </p:cNvPr>
-          <p:cNvCxnSpPr>
-            <a:cxnSpLocks/>
-          </p:cNvCxnSpPr>
-          <p:nvPr/>
-        </p:nvCxnSpPr>
-        <p:spPr>
-          <a:xfrm rot="10800000" flipH="1">
-            <a:off x="3378927" y="3587301"/>
-            <a:ext cx="217714" cy="0"/>
-          </a:xfrm>
-          <a:prstGeom prst="straightConnector1">
-            <a:avLst/>
-          </a:prstGeom>
-          <a:ln w="19050">
-            <a:solidFill>
-              <a:schemeClr val="tx1"/>
-            </a:solidFill>
-            <a:tailEnd type="triangle"/>
-          </a:ln>
-        </p:spPr>
-        <p:style>
-          <a:lnRef idx="1">
-            <a:schemeClr val="accent1"/>
-          </a:lnRef>
-          <a:fillRef idx="0">
-            <a:schemeClr val="accent1"/>
-          </a:fillRef>
-          <a:effectRef idx="0">
-            <a:schemeClr val="accent1"/>
-          </a:effectRef>
-          <a:fontRef idx="minor">
-            <a:schemeClr val="tx1"/>
-          </a:fontRef>
-        </p:style>
-      </p:cxnSp>
-    </p:spTree>
-    <p:extLst>
-      <p:ext uri="{BB962C8B-B14F-4D97-AF65-F5344CB8AC3E}">
-        <p14:creationId xmlns:p14="http://schemas.microsoft.com/office/powerpoint/2010/main" val="3039625316"/>
-      </p:ext>
-    </p:extLst>
-  </p:cSld>
-  <p:clrMapOvr>
-    <a:masterClrMapping/>
-  </p:clrMapOvr>
-</p:sld>
-</file>
-
-<file path=ppt/slides/slide13.xml><?xml version="1.0" encoding="utf-8"?>
-<p:sld xmlns:a="http://schemas.openxmlformats.org/drawingml/2006/main" xmlns:r="http://schemas.openxmlformats.org/officeDocument/2006/relationships" xmlns:p="http://schemas.openxmlformats.org/presentationml/2006/main">
-  <p:cSld>
-    <p:spTree>
-      <p:nvGrpSpPr>
-        <p:cNvPr id="1" name=""/>
-        <p:cNvGrpSpPr/>
-        <p:nvPr/>
-      </p:nvGrpSpPr>
-      <p:grpSpPr>
-        <a:xfrm>
-          <a:off x="0" y="0"/>
-          <a:ext cx="0" cy="0"/>
-          <a:chOff x="0" y="0"/>
-          <a:chExt cx="0" cy="0"/>
-        </a:xfrm>
-      </p:grpSpPr>
-      <p:sp>
-        <p:nvSpPr>
-          <p:cNvPr id="4" name="Rectangle 3">
-            <a:extLst>
-              <a:ext uri="{FF2B5EF4-FFF2-40B4-BE49-F238E27FC236}">
-                <a16:creationId xmlns:a16="http://schemas.microsoft.com/office/drawing/2014/main" id="{716C5456-621C-4CB2-957A-D06C49F6E38E}"/>
-              </a:ext>
-            </a:extLst>
-          </p:cNvPr>
-          <p:cNvSpPr/>
-          <p:nvPr/>
-        </p:nvSpPr>
-        <p:spPr>
-          <a:xfrm>
-            <a:off x="2911303" y="1157447"/>
-            <a:ext cx="1182254" cy="1182254"/>
-          </a:xfrm>
-          <a:prstGeom prst="rect">
-            <a:avLst/>
-          </a:prstGeom>
-          <a:noFill/>
-          <a:ln w="19050">
-            <a:noFill/>
-          </a:ln>
-        </p:spPr>
-        <p:style>
-          <a:lnRef idx="2">
-            <a:schemeClr val="accent1">
-              <a:shade val="50000"/>
-            </a:schemeClr>
-          </a:lnRef>
-          <a:fillRef idx="1">
-            <a:schemeClr val="accent1"/>
-          </a:fillRef>
-          <a:effectRef idx="0">
-            <a:schemeClr val="accent1"/>
-          </a:effectRef>
-          <a:fontRef idx="minor">
-            <a:schemeClr val="lt1"/>
-          </a:fontRef>
-        </p:style>
-        <p:txBody>
-          <a:bodyPr rtlCol="0" anchor="ctr"/>
-          <a:lstStyle/>
-          <a:p>
-            <a:pPr algn="ctr"/>
-            <a:endParaRPr lang="LID4096"/>
-          </a:p>
-        </p:txBody>
-      </p:sp>
-      <p:sp>
-        <p:nvSpPr>
-          <p:cNvPr id="5" name="Rectangle 4">
-            <a:extLst>
-              <a:ext uri="{FF2B5EF4-FFF2-40B4-BE49-F238E27FC236}">
-                <a16:creationId xmlns:a16="http://schemas.microsoft.com/office/drawing/2014/main" id="{DC9131F1-3C36-4952-AB50-21D9487F0039}"/>
-              </a:ext>
-            </a:extLst>
-          </p:cNvPr>
-          <p:cNvSpPr/>
-          <p:nvPr/>
-        </p:nvSpPr>
-        <p:spPr>
-          <a:xfrm>
-            <a:off x="2911303" y="2998352"/>
-            <a:ext cx="1182254" cy="1182254"/>
-          </a:xfrm>
-          <a:prstGeom prst="rect">
-            <a:avLst/>
-          </a:prstGeom>
-          <a:noFill/>
-          <a:ln w="19050">
-            <a:noFill/>
-          </a:ln>
-        </p:spPr>
-        <p:style>
-          <a:lnRef idx="2">
-            <a:schemeClr val="accent1">
-              <a:shade val="50000"/>
-            </a:schemeClr>
-          </a:lnRef>
-          <a:fillRef idx="1">
-            <a:schemeClr val="accent1"/>
-          </a:fillRef>
-          <a:effectRef idx="0">
-            <a:schemeClr val="accent1"/>
-          </a:effectRef>
-          <a:fontRef idx="minor">
-            <a:schemeClr val="lt1"/>
-          </a:fontRef>
-        </p:style>
-        <p:txBody>
-          <a:bodyPr rtlCol="0" anchor="ctr"/>
-          <a:lstStyle/>
-          <a:p>
-            <a:pPr algn="ctr"/>
-            <a:endParaRPr lang="LID4096"/>
-          </a:p>
-        </p:txBody>
-      </p:sp>
-      <p:sp>
-        <p:nvSpPr>
-          <p:cNvPr id="6" name="Rectangle 5">
-            <a:extLst>
-              <a:ext uri="{FF2B5EF4-FFF2-40B4-BE49-F238E27FC236}">
-                <a16:creationId xmlns:a16="http://schemas.microsoft.com/office/drawing/2014/main" id="{437AB641-AB0C-4469-AD2E-A7DA4A69C7B1}"/>
-              </a:ext>
-            </a:extLst>
-          </p:cNvPr>
-          <p:cNvSpPr/>
-          <p:nvPr/>
-        </p:nvSpPr>
-        <p:spPr>
-          <a:xfrm>
-            <a:off x="2911303" y="4839257"/>
-            <a:ext cx="1182254" cy="1182254"/>
-          </a:xfrm>
-          <a:prstGeom prst="rect">
-            <a:avLst/>
-          </a:prstGeom>
-          <a:noFill/>
-          <a:ln w="19050">
-            <a:noFill/>
-          </a:ln>
-        </p:spPr>
-        <p:style>
-          <a:lnRef idx="2">
-            <a:schemeClr val="accent1">
-              <a:shade val="50000"/>
-            </a:schemeClr>
-          </a:lnRef>
-          <a:fillRef idx="1">
-            <a:schemeClr val="accent1"/>
-          </a:fillRef>
-          <a:effectRef idx="0">
-            <a:schemeClr val="accent1"/>
-          </a:effectRef>
-          <a:fontRef idx="minor">
-            <a:schemeClr val="lt1"/>
-          </a:fontRef>
-        </p:style>
-        <p:txBody>
-          <a:bodyPr rtlCol="0" anchor="ctr"/>
-          <a:lstStyle/>
-          <a:p>
-            <a:pPr algn="ctr"/>
-            <a:endParaRPr lang="LID4096" dirty="0">
-              <a:solidFill>
-                <a:schemeClr val="tx1"/>
-              </a:solidFill>
-            </a:endParaRPr>
-          </a:p>
-        </p:txBody>
-      </p:sp>
-      <p:sp>
-        <p:nvSpPr>
-          <p:cNvPr id="7" name="Rectangle 6">
-            <a:extLst>
-              <a:ext uri="{FF2B5EF4-FFF2-40B4-BE49-F238E27FC236}">
-                <a16:creationId xmlns:a16="http://schemas.microsoft.com/office/drawing/2014/main" id="{B3694913-6DA0-404E-96BB-F152D3921DC7}"/>
-              </a:ext>
-            </a:extLst>
-          </p:cNvPr>
-          <p:cNvSpPr/>
-          <p:nvPr/>
-        </p:nvSpPr>
-        <p:spPr>
-          <a:xfrm>
-            <a:off x="4738384" y="4839257"/>
-            <a:ext cx="1182254" cy="1182254"/>
-          </a:xfrm>
-          <a:prstGeom prst="rect">
-            <a:avLst/>
-          </a:prstGeom>
-          <a:noFill/>
-          <a:ln w="19050">
-            <a:noFill/>
-          </a:ln>
-        </p:spPr>
-        <p:style>
-          <a:lnRef idx="2">
-            <a:schemeClr val="accent1">
-              <a:shade val="50000"/>
-            </a:schemeClr>
-          </a:lnRef>
-          <a:fillRef idx="1">
-            <a:schemeClr val="accent1"/>
-          </a:fillRef>
-          <a:effectRef idx="0">
-            <a:schemeClr val="accent1"/>
-          </a:effectRef>
-          <a:fontRef idx="minor">
-            <a:schemeClr val="lt1"/>
-          </a:fontRef>
-        </p:style>
-        <p:txBody>
-          <a:bodyPr rtlCol="0" anchor="ctr"/>
-          <a:lstStyle/>
-          <a:p>
-            <a:pPr algn="ctr"/>
-            <a:endParaRPr lang="LID4096"/>
-          </a:p>
-        </p:txBody>
-      </p:sp>
-      <p:sp>
-        <p:nvSpPr>
-          <p:cNvPr id="8" name="Rectangle 7">
-            <a:extLst>
-              <a:ext uri="{FF2B5EF4-FFF2-40B4-BE49-F238E27FC236}">
-                <a16:creationId xmlns:a16="http://schemas.microsoft.com/office/drawing/2014/main" id="{5A984827-D88E-46E0-8504-F53796FD4C8D}"/>
-              </a:ext>
-            </a:extLst>
-          </p:cNvPr>
-          <p:cNvSpPr/>
-          <p:nvPr/>
-        </p:nvSpPr>
-        <p:spPr>
-          <a:xfrm>
-            <a:off x="6565465" y="4839257"/>
-            <a:ext cx="1182254" cy="1182254"/>
-          </a:xfrm>
-          <a:prstGeom prst="rect">
-            <a:avLst/>
-          </a:prstGeom>
-          <a:noFill/>
-          <a:ln w="19050">
-            <a:noFill/>
-          </a:ln>
-        </p:spPr>
-        <p:style>
-          <a:lnRef idx="2">
-            <a:schemeClr val="accent1">
-              <a:shade val="50000"/>
-            </a:schemeClr>
-          </a:lnRef>
-          <a:fillRef idx="1">
-            <a:schemeClr val="accent1"/>
-          </a:fillRef>
-          <a:effectRef idx="0">
-            <a:schemeClr val="accent1"/>
-          </a:effectRef>
-          <a:fontRef idx="minor">
-            <a:schemeClr val="lt1"/>
-          </a:fontRef>
-        </p:style>
-        <p:txBody>
-          <a:bodyPr rtlCol="0" anchor="ctr"/>
-          <a:lstStyle/>
-          <a:p>
-            <a:pPr algn="ctr"/>
-            <a:endParaRPr lang="LID4096"/>
-          </a:p>
-        </p:txBody>
-      </p:sp>
-      <p:sp>
-        <p:nvSpPr>
-          <p:cNvPr id="9" name="Rectangle 8">
-            <a:extLst>
-              <a:ext uri="{FF2B5EF4-FFF2-40B4-BE49-F238E27FC236}">
-                <a16:creationId xmlns:a16="http://schemas.microsoft.com/office/drawing/2014/main" id="{7A9F38C5-3172-4C88-BEB9-78B1C80CB300}"/>
-              </a:ext>
-            </a:extLst>
-          </p:cNvPr>
-          <p:cNvSpPr/>
-          <p:nvPr/>
-        </p:nvSpPr>
-        <p:spPr>
-          <a:xfrm>
-            <a:off x="4738384" y="1157447"/>
-            <a:ext cx="1182254" cy="1182254"/>
-          </a:xfrm>
-          <a:prstGeom prst="rect">
-            <a:avLst/>
-          </a:prstGeom>
-          <a:noFill/>
-          <a:ln w="19050">
-            <a:noFill/>
-          </a:ln>
-        </p:spPr>
-        <p:style>
-          <a:lnRef idx="2">
-            <a:schemeClr val="accent1">
-              <a:shade val="50000"/>
-            </a:schemeClr>
-          </a:lnRef>
-          <a:fillRef idx="1">
-            <a:schemeClr val="accent1"/>
-          </a:fillRef>
-          <a:effectRef idx="0">
-            <a:schemeClr val="accent1"/>
-          </a:effectRef>
-          <a:fontRef idx="minor">
-            <a:schemeClr val="lt1"/>
-          </a:fontRef>
-        </p:style>
-        <p:txBody>
-          <a:bodyPr rtlCol="0" anchor="ctr"/>
-          <a:lstStyle/>
-          <a:p>
-            <a:pPr algn="ctr"/>
-            <a:endParaRPr lang="LID4096"/>
-          </a:p>
-        </p:txBody>
-      </p:sp>
-      <p:sp>
-        <p:nvSpPr>
-          <p:cNvPr id="10" name="Rectangle 9">
-            <a:extLst>
-              <a:ext uri="{FF2B5EF4-FFF2-40B4-BE49-F238E27FC236}">
-                <a16:creationId xmlns:a16="http://schemas.microsoft.com/office/drawing/2014/main" id="{D116F38A-E07F-4B4A-A928-F7666AEAFE55}"/>
-              </a:ext>
-            </a:extLst>
-          </p:cNvPr>
-          <p:cNvSpPr/>
-          <p:nvPr/>
-        </p:nvSpPr>
-        <p:spPr>
-          <a:xfrm>
-            <a:off x="6565465" y="1157447"/>
-            <a:ext cx="1182254" cy="1182254"/>
-          </a:xfrm>
-          <a:prstGeom prst="rect">
-            <a:avLst/>
-          </a:prstGeom>
-          <a:noFill/>
-          <a:ln w="19050">
-            <a:noFill/>
-          </a:ln>
-        </p:spPr>
-        <p:style>
-          <a:lnRef idx="2">
-            <a:schemeClr val="accent1">
-              <a:shade val="50000"/>
-            </a:schemeClr>
-          </a:lnRef>
-          <a:fillRef idx="1">
-            <a:schemeClr val="accent1"/>
-          </a:fillRef>
-          <a:effectRef idx="0">
-            <a:schemeClr val="accent1"/>
-          </a:effectRef>
-          <a:fontRef idx="minor">
-            <a:schemeClr val="lt1"/>
-          </a:fontRef>
-        </p:style>
-        <p:txBody>
-          <a:bodyPr rtlCol="0" anchor="ctr"/>
-          <a:lstStyle/>
-          <a:p>
-            <a:pPr algn="ctr"/>
-            <a:endParaRPr lang="LID4096"/>
-          </a:p>
-        </p:txBody>
-      </p:sp>
-      <p:sp>
-        <p:nvSpPr>
-          <p:cNvPr id="11" name="Rectangle 10">
-            <a:extLst>
-              <a:ext uri="{FF2B5EF4-FFF2-40B4-BE49-F238E27FC236}">
-                <a16:creationId xmlns:a16="http://schemas.microsoft.com/office/drawing/2014/main" id="{8E2E6654-CC92-4CE0-938B-E385DD361A79}"/>
-              </a:ext>
-            </a:extLst>
-          </p:cNvPr>
-          <p:cNvSpPr/>
-          <p:nvPr/>
-        </p:nvSpPr>
-        <p:spPr>
-          <a:xfrm>
-            <a:off x="6565465" y="2998352"/>
-            <a:ext cx="1182254" cy="1182254"/>
-          </a:xfrm>
-          <a:prstGeom prst="rect">
-            <a:avLst/>
-          </a:prstGeom>
-          <a:noFill/>
-          <a:ln w="19050">
-            <a:noFill/>
-          </a:ln>
-        </p:spPr>
-        <p:style>
-          <a:lnRef idx="2">
-            <a:schemeClr val="accent1">
-              <a:shade val="50000"/>
-            </a:schemeClr>
-          </a:lnRef>
-          <a:fillRef idx="1">
-            <a:schemeClr val="accent1"/>
-          </a:fillRef>
-          <a:effectRef idx="0">
-            <a:schemeClr val="accent1"/>
-          </a:effectRef>
-          <a:fontRef idx="minor">
-            <a:schemeClr val="lt1"/>
-          </a:fontRef>
-        </p:style>
-        <p:txBody>
-          <a:bodyPr rtlCol="0" anchor="ctr"/>
-          <a:lstStyle/>
-          <a:p>
-            <a:pPr algn="ctr"/>
-            <a:endParaRPr lang="LID4096"/>
-          </a:p>
-        </p:txBody>
-      </p:sp>
-      <p:cxnSp>
-        <p:nvCxnSpPr>
-          <p:cNvPr id="12" name="Straight Arrow Connector 11">
-            <a:extLst>
-              <a:ext uri="{FF2B5EF4-FFF2-40B4-BE49-F238E27FC236}">
-                <a16:creationId xmlns:a16="http://schemas.microsoft.com/office/drawing/2014/main" id="{BFC265A4-5F4E-4F26-B397-761260C1DA3A}"/>
-              </a:ext>
-            </a:extLst>
-          </p:cNvPr>
-          <p:cNvCxnSpPr/>
-          <p:nvPr/>
-        </p:nvCxnSpPr>
-        <p:spPr>
-          <a:xfrm flipH="1">
-            <a:off x="3370219" y="5451565"/>
-            <a:ext cx="217714" cy="0"/>
-          </a:xfrm>
-          <a:prstGeom prst="straightConnector1">
-            <a:avLst/>
-          </a:prstGeom>
-          <a:ln w="19050">
-            <a:solidFill>
-              <a:schemeClr val="bg1"/>
-            </a:solidFill>
-            <a:tailEnd type="triangle"/>
-          </a:ln>
-        </p:spPr>
-        <p:style>
-          <a:lnRef idx="1">
-            <a:schemeClr val="accent1"/>
-          </a:lnRef>
-          <a:fillRef idx="0">
-            <a:schemeClr val="accent1"/>
-          </a:fillRef>
-          <a:effectRef idx="0">
-            <a:schemeClr val="accent1"/>
-          </a:effectRef>
-          <a:fontRef idx="minor">
-            <a:schemeClr val="tx1"/>
-          </a:fontRef>
-        </p:style>
-      </p:cxnSp>
-      <p:cxnSp>
-        <p:nvCxnSpPr>
-          <p:cNvPr id="13" name="Straight Arrow Connector 12">
-            <a:extLst>
-              <a:ext uri="{FF2B5EF4-FFF2-40B4-BE49-F238E27FC236}">
-                <a16:creationId xmlns:a16="http://schemas.microsoft.com/office/drawing/2014/main" id="{A2D8AF17-4CD2-42A8-B1D5-C5FD042AE6D9}"/>
-              </a:ext>
-            </a:extLst>
-          </p:cNvPr>
-          <p:cNvCxnSpPr>
-            <a:cxnSpLocks/>
-          </p:cNvCxnSpPr>
-          <p:nvPr/>
-        </p:nvCxnSpPr>
-        <p:spPr>
-          <a:xfrm rot="10800000" flipH="1">
-            <a:off x="3370219" y="5451565"/>
-            <a:ext cx="217714" cy="0"/>
-          </a:xfrm>
-          <a:prstGeom prst="straightConnector1">
-            <a:avLst/>
-          </a:prstGeom>
-          <a:ln w="19050">
-            <a:solidFill>
-              <a:schemeClr val="tx1"/>
-            </a:solidFill>
-            <a:tailEnd type="triangle"/>
-          </a:ln>
-        </p:spPr>
-        <p:style>
-          <a:lnRef idx="1">
-            <a:schemeClr val="accent1"/>
-          </a:lnRef>
-          <a:fillRef idx="0">
-            <a:schemeClr val="accent1"/>
-          </a:fillRef>
-          <a:effectRef idx="0">
-            <a:schemeClr val="accent1"/>
-          </a:effectRef>
-          <a:fontRef idx="minor">
-            <a:schemeClr val="tx1"/>
-          </a:fontRef>
-        </p:style>
-      </p:cxnSp>
-    </p:spTree>
-    <p:extLst>
-      <p:ext uri="{BB962C8B-B14F-4D97-AF65-F5344CB8AC3E}">
-        <p14:creationId xmlns:p14="http://schemas.microsoft.com/office/powerpoint/2010/main" val="2769851208"/>
-      </p:ext>
-    </p:extLst>
-  </p:cSld>
-  <p:clrMapOvr>
-    <a:masterClrMapping/>
-  </p:clrMapOvr>
-</p:sld>
-</file>
-
-<file path=ppt/slides/slide14.xml><?xml version="1.0" encoding="utf-8"?>
-<p:sld xmlns:a="http://schemas.openxmlformats.org/drawingml/2006/main" xmlns:r="http://schemas.openxmlformats.org/officeDocument/2006/relationships" xmlns:p="http://schemas.openxmlformats.org/presentationml/2006/main">
-  <p:cSld>
-    <p:spTree>
-      <p:nvGrpSpPr>
-        <p:cNvPr id="1" name=""/>
-        <p:cNvGrpSpPr/>
-        <p:nvPr/>
-      </p:nvGrpSpPr>
-      <p:grpSpPr>
-        <a:xfrm>
-          <a:off x="0" y="0"/>
-          <a:ext cx="0" cy="0"/>
-          <a:chOff x="0" y="0"/>
-          <a:chExt cx="0" cy="0"/>
-        </a:xfrm>
-      </p:grpSpPr>
-      <p:sp>
-        <p:nvSpPr>
-          <p:cNvPr id="4" name="Rectangle 3">
-            <a:extLst>
-              <a:ext uri="{FF2B5EF4-FFF2-40B4-BE49-F238E27FC236}">
-                <a16:creationId xmlns:a16="http://schemas.microsoft.com/office/drawing/2014/main" id="{716C5456-621C-4CB2-957A-D06C49F6E38E}"/>
-              </a:ext>
-            </a:extLst>
-          </p:cNvPr>
-          <p:cNvSpPr/>
-          <p:nvPr/>
-        </p:nvSpPr>
-        <p:spPr>
-          <a:xfrm>
-            <a:off x="2911303" y="1157447"/>
-            <a:ext cx="1182254" cy="1182254"/>
-          </a:xfrm>
-          <a:prstGeom prst="rect">
-            <a:avLst/>
-          </a:prstGeom>
-          <a:noFill/>
-          <a:ln w="19050">
-            <a:noFill/>
-          </a:ln>
-        </p:spPr>
-        <p:style>
-          <a:lnRef idx="2">
-            <a:schemeClr val="accent1">
-              <a:shade val="50000"/>
-            </a:schemeClr>
-          </a:lnRef>
-          <a:fillRef idx="1">
-            <a:schemeClr val="accent1"/>
-          </a:fillRef>
-          <a:effectRef idx="0">
-            <a:schemeClr val="accent1"/>
-          </a:effectRef>
-          <a:fontRef idx="minor">
-            <a:schemeClr val="lt1"/>
-          </a:fontRef>
-        </p:style>
-        <p:txBody>
-          <a:bodyPr rtlCol="0" anchor="ctr"/>
-          <a:lstStyle/>
-          <a:p>
-            <a:pPr algn="ctr"/>
-            <a:endParaRPr lang="LID4096"/>
-          </a:p>
-        </p:txBody>
-      </p:sp>
-      <p:sp>
-        <p:nvSpPr>
-          <p:cNvPr id="5" name="Rectangle 4">
-            <a:extLst>
-              <a:ext uri="{FF2B5EF4-FFF2-40B4-BE49-F238E27FC236}">
-                <a16:creationId xmlns:a16="http://schemas.microsoft.com/office/drawing/2014/main" id="{DC9131F1-3C36-4952-AB50-21D9487F0039}"/>
-              </a:ext>
-            </a:extLst>
-          </p:cNvPr>
-          <p:cNvSpPr/>
-          <p:nvPr/>
-        </p:nvSpPr>
-        <p:spPr>
-          <a:xfrm>
-            <a:off x="2911303" y="2998352"/>
-            <a:ext cx="1182254" cy="1182254"/>
-          </a:xfrm>
-          <a:prstGeom prst="rect">
-            <a:avLst/>
-          </a:prstGeom>
-          <a:noFill/>
-          <a:ln w="19050">
-            <a:noFill/>
-          </a:ln>
-        </p:spPr>
-        <p:style>
-          <a:lnRef idx="2">
-            <a:schemeClr val="accent1">
-              <a:shade val="50000"/>
-            </a:schemeClr>
-          </a:lnRef>
-          <a:fillRef idx="1">
-            <a:schemeClr val="accent1"/>
-          </a:fillRef>
-          <a:effectRef idx="0">
-            <a:schemeClr val="accent1"/>
-          </a:effectRef>
-          <a:fontRef idx="minor">
-            <a:schemeClr val="lt1"/>
-          </a:fontRef>
-        </p:style>
-        <p:txBody>
-          <a:bodyPr rtlCol="0" anchor="ctr"/>
-          <a:lstStyle/>
-          <a:p>
-            <a:pPr algn="ctr"/>
-            <a:endParaRPr lang="LID4096"/>
-          </a:p>
-        </p:txBody>
-      </p:sp>
-      <p:sp>
-        <p:nvSpPr>
-          <p:cNvPr id="6" name="Rectangle 5">
-            <a:extLst>
-              <a:ext uri="{FF2B5EF4-FFF2-40B4-BE49-F238E27FC236}">
-                <a16:creationId xmlns:a16="http://schemas.microsoft.com/office/drawing/2014/main" id="{437AB641-AB0C-4469-AD2E-A7DA4A69C7B1}"/>
-              </a:ext>
-            </a:extLst>
-          </p:cNvPr>
-          <p:cNvSpPr/>
-          <p:nvPr/>
-        </p:nvSpPr>
-        <p:spPr>
-          <a:xfrm>
-            <a:off x="2911303" y="4839257"/>
-            <a:ext cx="1182254" cy="1182254"/>
-          </a:xfrm>
-          <a:prstGeom prst="rect">
-            <a:avLst/>
-          </a:prstGeom>
-          <a:noFill/>
-          <a:ln w="19050">
-            <a:noFill/>
-          </a:ln>
-        </p:spPr>
-        <p:style>
-          <a:lnRef idx="2">
-            <a:schemeClr val="accent1">
-              <a:shade val="50000"/>
-            </a:schemeClr>
-          </a:lnRef>
-          <a:fillRef idx="1">
-            <a:schemeClr val="accent1"/>
-          </a:fillRef>
-          <a:effectRef idx="0">
-            <a:schemeClr val="accent1"/>
-          </a:effectRef>
-          <a:fontRef idx="minor">
-            <a:schemeClr val="lt1"/>
-          </a:fontRef>
-        </p:style>
-        <p:txBody>
-          <a:bodyPr rtlCol="0" anchor="ctr"/>
-          <a:lstStyle/>
-          <a:p>
-            <a:pPr algn="ctr"/>
-            <a:endParaRPr lang="LID4096"/>
-          </a:p>
-        </p:txBody>
-      </p:sp>
-      <p:sp>
-        <p:nvSpPr>
-          <p:cNvPr id="7" name="Rectangle 6">
-            <a:extLst>
-              <a:ext uri="{FF2B5EF4-FFF2-40B4-BE49-F238E27FC236}">
-                <a16:creationId xmlns:a16="http://schemas.microsoft.com/office/drawing/2014/main" id="{B3694913-6DA0-404E-96BB-F152D3921DC7}"/>
-              </a:ext>
-            </a:extLst>
-          </p:cNvPr>
-          <p:cNvSpPr/>
-          <p:nvPr/>
-        </p:nvSpPr>
-        <p:spPr>
-          <a:xfrm>
-            <a:off x="4738384" y="4839257"/>
-            <a:ext cx="1182254" cy="1182254"/>
-          </a:xfrm>
-          <a:prstGeom prst="rect">
-            <a:avLst/>
-          </a:prstGeom>
-          <a:noFill/>
-          <a:ln w="19050">
-            <a:noFill/>
-          </a:ln>
-        </p:spPr>
-        <p:style>
-          <a:lnRef idx="2">
-            <a:schemeClr val="accent1">
-              <a:shade val="50000"/>
-            </a:schemeClr>
-          </a:lnRef>
-          <a:fillRef idx="1">
-            <a:schemeClr val="accent1"/>
-          </a:fillRef>
-          <a:effectRef idx="0">
-            <a:schemeClr val="accent1"/>
-          </a:effectRef>
-          <a:fontRef idx="minor">
-            <a:schemeClr val="lt1"/>
-          </a:fontRef>
-        </p:style>
-        <p:txBody>
-          <a:bodyPr rtlCol="0" anchor="ctr"/>
-          <a:lstStyle/>
-          <a:p>
-            <a:pPr algn="ctr"/>
-            <a:endParaRPr lang="LID4096" dirty="0">
-              <a:solidFill>
-                <a:schemeClr val="tx1"/>
-              </a:solidFill>
-            </a:endParaRPr>
-          </a:p>
-        </p:txBody>
-      </p:sp>
-      <p:sp>
-        <p:nvSpPr>
-          <p:cNvPr id="8" name="Rectangle 7">
-            <a:extLst>
-              <a:ext uri="{FF2B5EF4-FFF2-40B4-BE49-F238E27FC236}">
-                <a16:creationId xmlns:a16="http://schemas.microsoft.com/office/drawing/2014/main" id="{5A984827-D88E-46E0-8504-F53796FD4C8D}"/>
-              </a:ext>
-            </a:extLst>
-          </p:cNvPr>
-          <p:cNvSpPr/>
-          <p:nvPr/>
-        </p:nvSpPr>
-        <p:spPr>
-          <a:xfrm>
-            <a:off x="6565465" y="4839257"/>
-            <a:ext cx="1182254" cy="1182254"/>
-          </a:xfrm>
-          <a:prstGeom prst="rect">
-            <a:avLst/>
-          </a:prstGeom>
-          <a:noFill/>
-          <a:ln w="19050">
-            <a:noFill/>
-          </a:ln>
-        </p:spPr>
-        <p:style>
-          <a:lnRef idx="2">
-            <a:schemeClr val="accent1">
-              <a:shade val="50000"/>
-            </a:schemeClr>
-          </a:lnRef>
-          <a:fillRef idx="1">
-            <a:schemeClr val="accent1"/>
-          </a:fillRef>
-          <a:effectRef idx="0">
-            <a:schemeClr val="accent1"/>
-          </a:effectRef>
-          <a:fontRef idx="minor">
-            <a:schemeClr val="lt1"/>
-          </a:fontRef>
-        </p:style>
-        <p:txBody>
-          <a:bodyPr rtlCol="0" anchor="ctr"/>
-          <a:lstStyle/>
-          <a:p>
-            <a:pPr algn="ctr"/>
-            <a:endParaRPr lang="LID4096"/>
-          </a:p>
-        </p:txBody>
-      </p:sp>
-      <p:sp>
-        <p:nvSpPr>
-          <p:cNvPr id="9" name="Rectangle 8">
-            <a:extLst>
-              <a:ext uri="{FF2B5EF4-FFF2-40B4-BE49-F238E27FC236}">
-                <a16:creationId xmlns:a16="http://schemas.microsoft.com/office/drawing/2014/main" id="{7A9F38C5-3172-4C88-BEB9-78B1C80CB300}"/>
-              </a:ext>
-            </a:extLst>
-          </p:cNvPr>
-          <p:cNvSpPr/>
-          <p:nvPr/>
-        </p:nvSpPr>
-        <p:spPr>
-          <a:xfrm>
-            <a:off x="4738384" y="1157447"/>
-            <a:ext cx="1182254" cy="1182254"/>
-          </a:xfrm>
-          <a:prstGeom prst="rect">
-            <a:avLst/>
-          </a:prstGeom>
-          <a:noFill/>
-          <a:ln w="19050">
-            <a:noFill/>
-          </a:ln>
-        </p:spPr>
-        <p:style>
-          <a:lnRef idx="2">
-            <a:schemeClr val="accent1">
-              <a:shade val="50000"/>
-            </a:schemeClr>
-          </a:lnRef>
-          <a:fillRef idx="1">
-            <a:schemeClr val="accent1"/>
-          </a:fillRef>
-          <a:effectRef idx="0">
-            <a:schemeClr val="accent1"/>
-          </a:effectRef>
-          <a:fontRef idx="minor">
-            <a:schemeClr val="lt1"/>
-          </a:fontRef>
-        </p:style>
-        <p:txBody>
-          <a:bodyPr rtlCol="0" anchor="ctr"/>
-          <a:lstStyle/>
-          <a:p>
-            <a:pPr algn="ctr"/>
-            <a:endParaRPr lang="LID4096"/>
-          </a:p>
-        </p:txBody>
-      </p:sp>
-      <p:sp>
-        <p:nvSpPr>
-          <p:cNvPr id="10" name="Rectangle 9">
-            <a:extLst>
-              <a:ext uri="{FF2B5EF4-FFF2-40B4-BE49-F238E27FC236}">
-                <a16:creationId xmlns:a16="http://schemas.microsoft.com/office/drawing/2014/main" id="{D116F38A-E07F-4B4A-A928-F7666AEAFE55}"/>
-              </a:ext>
-            </a:extLst>
-          </p:cNvPr>
-          <p:cNvSpPr/>
-          <p:nvPr/>
-        </p:nvSpPr>
-        <p:spPr>
-          <a:xfrm>
-            <a:off x="6565465" y="1157447"/>
-            <a:ext cx="1182254" cy="1182254"/>
-          </a:xfrm>
-          <a:prstGeom prst="rect">
-            <a:avLst/>
-          </a:prstGeom>
-          <a:noFill/>
-          <a:ln w="19050">
-            <a:noFill/>
-          </a:ln>
-        </p:spPr>
-        <p:style>
-          <a:lnRef idx="2">
-            <a:schemeClr val="accent1">
-              <a:shade val="50000"/>
-            </a:schemeClr>
-          </a:lnRef>
-          <a:fillRef idx="1">
-            <a:schemeClr val="accent1"/>
-          </a:fillRef>
-          <a:effectRef idx="0">
-            <a:schemeClr val="accent1"/>
-          </a:effectRef>
-          <a:fontRef idx="minor">
-            <a:schemeClr val="lt1"/>
-          </a:fontRef>
-        </p:style>
-        <p:txBody>
-          <a:bodyPr rtlCol="0" anchor="ctr"/>
-          <a:lstStyle/>
-          <a:p>
-            <a:pPr algn="ctr"/>
-            <a:endParaRPr lang="LID4096"/>
-          </a:p>
-        </p:txBody>
-      </p:sp>
-      <p:sp>
-        <p:nvSpPr>
-          <p:cNvPr id="11" name="Rectangle 10">
-            <a:extLst>
-              <a:ext uri="{FF2B5EF4-FFF2-40B4-BE49-F238E27FC236}">
-                <a16:creationId xmlns:a16="http://schemas.microsoft.com/office/drawing/2014/main" id="{8E2E6654-CC92-4CE0-938B-E385DD361A79}"/>
-              </a:ext>
-            </a:extLst>
-          </p:cNvPr>
-          <p:cNvSpPr/>
-          <p:nvPr/>
-        </p:nvSpPr>
-        <p:spPr>
-          <a:xfrm>
-            <a:off x="6565465" y="2998352"/>
-            <a:ext cx="1182254" cy="1182254"/>
-          </a:xfrm>
-          <a:prstGeom prst="rect">
-            <a:avLst/>
-          </a:prstGeom>
-          <a:noFill/>
-          <a:ln w="19050">
-            <a:noFill/>
-          </a:ln>
-        </p:spPr>
-        <p:style>
-          <a:lnRef idx="2">
-            <a:schemeClr val="accent1">
-              <a:shade val="50000"/>
-            </a:schemeClr>
-          </a:lnRef>
-          <a:fillRef idx="1">
-            <a:schemeClr val="accent1"/>
-          </a:fillRef>
-          <a:effectRef idx="0">
-            <a:schemeClr val="accent1"/>
-          </a:effectRef>
-          <a:fontRef idx="minor">
-            <a:schemeClr val="lt1"/>
-          </a:fontRef>
-        </p:style>
-        <p:txBody>
-          <a:bodyPr rtlCol="0" anchor="ctr"/>
-          <a:lstStyle/>
-          <a:p>
-            <a:pPr algn="ctr"/>
-            <a:endParaRPr lang="LID4096"/>
-          </a:p>
-        </p:txBody>
-      </p:sp>
-      <p:cxnSp>
-        <p:nvCxnSpPr>
-          <p:cNvPr id="12" name="Straight Arrow Connector 11">
-            <a:extLst>
-              <a:ext uri="{FF2B5EF4-FFF2-40B4-BE49-F238E27FC236}">
-                <a16:creationId xmlns:a16="http://schemas.microsoft.com/office/drawing/2014/main" id="{D4EF255A-D764-4A84-85A7-9C716CE0E2E7}"/>
-              </a:ext>
-            </a:extLst>
-          </p:cNvPr>
-          <p:cNvCxnSpPr/>
-          <p:nvPr/>
-        </p:nvCxnSpPr>
-        <p:spPr>
-          <a:xfrm flipH="1">
-            <a:off x="5199019" y="5442855"/>
-            <a:ext cx="217714" cy="0"/>
-          </a:xfrm>
-          <a:prstGeom prst="straightConnector1">
-            <a:avLst/>
-          </a:prstGeom>
-          <a:ln w="19050">
-            <a:solidFill>
-              <a:schemeClr val="bg1"/>
-            </a:solidFill>
-            <a:tailEnd type="triangle"/>
-          </a:ln>
-        </p:spPr>
-        <p:style>
-          <a:lnRef idx="1">
-            <a:schemeClr val="accent1"/>
-          </a:lnRef>
-          <a:fillRef idx="0">
-            <a:schemeClr val="accent1"/>
-          </a:fillRef>
-          <a:effectRef idx="0">
-            <a:schemeClr val="accent1"/>
-          </a:effectRef>
-          <a:fontRef idx="minor">
-            <a:schemeClr val="tx1"/>
-          </a:fontRef>
-        </p:style>
-      </p:cxnSp>
-      <p:cxnSp>
-        <p:nvCxnSpPr>
-          <p:cNvPr id="13" name="Straight Arrow Connector 12">
-            <a:extLst>
-              <a:ext uri="{FF2B5EF4-FFF2-40B4-BE49-F238E27FC236}">
-                <a16:creationId xmlns:a16="http://schemas.microsoft.com/office/drawing/2014/main" id="{79123D11-0972-4C7E-8A2C-0015B25F6C5B}"/>
-              </a:ext>
-            </a:extLst>
-          </p:cNvPr>
-          <p:cNvCxnSpPr>
-            <a:cxnSpLocks/>
-          </p:cNvCxnSpPr>
-          <p:nvPr/>
-        </p:nvCxnSpPr>
-        <p:spPr>
-          <a:xfrm rot="10800000" flipH="1">
-            <a:off x="5199019" y="5442855"/>
-            <a:ext cx="217714" cy="0"/>
-          </a:xfrm>
-          <a:prstGeom prst="straightConnector1">
-            <a:avLst/>
-          </a:prstGeom>
-          <a:ln w="19050">
-            <a:solidFill>
-              <a:schemeClr val="tx1"/>
-            </a:solidFill>
-            <a:tailEnd type="triangle"/>
-          </a:ln>
-        </p:spPr>
-        <p:style>
-          <a:lnRef idx="1">
-            <a:schemeClr val="accent1"/>
-          </a:lnRef>
-          <a:fillRef idx="0">
-            <a:schemeClr val="accent1"/>
-          </a:fillRef>
-          <a:effectRef idx="0">
-            <a:schemeClr val="accent1"/>
-          </a:effectRef>
-          <a:fontRef idx="minor">
-            <a:schemeClr val="tx1"/>
-          </a:fontRef>
-        </p:style>
-      </p:cxnSp>
-    </p:spTree>
-    <p:extLst>
-      <p:ext uri="{BB962C8B-B14F-4D97-AF65-F5344CB8AC3E}">
-        <p14:creationId xmlns:p14="http://schemas.microsoft.com/office/powerpoint/2010/main" val="2256880804"/>
-      </p:ext>
-    </p:extLst>
-  </p:cSld>
-  <p:clrMapOvr>
-    <a:masterClrMapping/>
-  </p:clrMapOvr>
-</p:sld>
-</file>
-
-<file path=ppt/slides/slide15.xml><?xml version="1.0" encoding="utf-8"?>
-<p:sld xmlns:a="http://schemas.openxmlformats.org/drawingml/2006/main" xmlns:r="http://schemas.openxmlformats.org/officeDocument/2006/relationships" xmlns:p="http://schemas.openxmlformats.org/presentationml/2006/main">
-  <p:cSld>
-    <p:spTree>
-      <p:nvGrpSpPr>
-        <p:cNvPr id="1" name=""/>
-        <p:cNvGrpSpPr/>
-        <p:nvPr/>
-      </p:nvGrpSpPr>
-      <p:grpSpPr>
-        <a:xfrm>
-          <a:off x="0" y="0"/>
-          <a:ext cx="0" cy="0"/>
-          <a:chOff x="0" y="0"/>
-          <a:chExt cx="0" cy="0"/>
-        </a:xfrm>
-      </p:grpSpPr>
-      <p:sp>
-        <p:nvSpPr>
-          <p:cNvPr id="4" name="Rectangle 3">
-            <a:extLst>
-              <a:ext uri="{FF2B5EF4-FFF2-40B4-BE49-F238E27FC236}">
-                <a16:creationId xmlns:a16="http://schemas.microsoft.com/office/drawing/2014/main" id="{716C5456-621C-4CB2-957A-D06C49F6E38E}"/>
-              </a:ext>
-            </a:extLst>
-          </p:cNvPr>
-          <p:cNvSpPr/>
-          <p:nvPr/>
-        </p:nvSpPr>
-        <p:spPr>
-          <a:xfrm>
-            <a:off x="2911303" y="1157447"/>
-            <a:ext cx="1182254" cy="1182254"/>
-          </a:xfrm>
-          <a:prstGeom prst="rect">
-            <a:avLst/>
-          </a:prstGeom>
-          <a:noFill/>
-          <a:ln w="19050">
-            <a:noFill/>
-          </a:ln>
-        </p:spPr>
-        <p:style>
-          <a:lnRef idx="2">
-            <a:schemeClr val="accent1">
-              <a:shade val="50000"/>
-            </a:schemeClr>
-          </a:lnRef>
-          <a:fillRef idx="1">
-            <a:schemeClr val="accent1"/>
-          </a:fillRef>
-          <a:effectRef idx="0">
-            <a:schemeClr val="accent1"/>
-          </a:effectRef>
-          <a:fontRef idx="minor">
-            <a:schemeClr val="lt1"/>
-          </a:fontRef>
-        </p:style>
-        <p:txBody>
-          <a:bodyPr rtlCol="0" anchor="ctr"/>
-          <a:lstStyle/>
-          <a:p>
-            <a:pPr algn="ctr"/>
-            <a:endParaRPr lang="LID4096"/>
-          </a:p>
-        </p:txBody>
-      </p:sp>
-      <p:sp>
-        <p:nvSpPr>
-          <p:cNvPr id="5" name="Rectangle 4">
-            <a:extLst>
-              <a:ext uri="{FF2B5EF4-FFF2-40B4-BE49-F238E27FC236}">
-                <a16:creationId xmlns:a16="http://schemas.microsoft.com/office/drawing/2014/main" id="{DC9131F1-3C36-4952-AB50-21D9487F0039}"/>
-              </a:ext>
-            </a:extLst>
-          </p:cNvPr>
-          <p:cNvSpPr/>
-          <p:nvPr/>
-        </p:nvSpPr>
-        <p:spPr>
-          <a:xfrm>
-            <a:off x="2911303" y="2998352"/>
-            <a:ext cx="1182254" cy="1182254"/>
-          </a:xfrm>
-          <a:prstGeom prst="rect">
-            <a:avLst/>
-          </a:prstGeom>
-          <a:noFill/>
-          <a:ln w="19050">
-            <a:noFill/>
-          </a:ln>
-        </p:spPr>
-        <p:style>
-          <a:lnRef idx="2">
-            <a:schemeClr val="accent1">
-              <a:shade val="50000"/>
-            </a:schemeClr>
-          </a:lnRef>
-          <a:fillRef idx="1">
-            <a:schemeClr val="accent1"/>
-          </a:fillRef>
-          <a:effectRef idx="0">
-            <a:schemeClr val="accent1"/>
-          </a:effectRef>
-          <a:fontRef idx="minor">
-            <a:schemeClr val="lt1"/>
-          </a:fontRef>
-        </p:style>
-        <p:txBody>
-          <a:bodyPr rtlCol="0" anchor="ctr"/>
-          <a:lstStyle/>
-          <a:p>
-            <a:pPr algn="ctr"/>
-            <a:endParaRPr lang="LID4096"/>
-          </a:p>
-        </p:txBody>
-      </p:sp>
-      <p:sp>
-        <p:nvSpPr>
-          <p:cNvPr id="6" name="Rectangle 5">
-            <a:extLst>
-              <a:ext uri="{FF2B5EF4-FFF2-40B4-BE49-F238E27FC236}">
-                <a16:creationId xmlns:a16="http://schemas.microsoft.com/office/drawing/2014/main" id="{437AB641-AB0C-4469-AD2E-A7DA4A69C7B1}"/>
-              </a:ext>
-            </a:extLst>
-          </p:cNvPr>
-          <p:cNvSpPr/>
-          <p:nvPr/>
-        </p:nvSpPr>
-        <p:spPr>
-          <a:xfrm>
-            <a:off x="2911303" y="4839257"/>
-            <a:ext cx="1182254" cy="1182254"/>
-          </a:xfrm>
-          <a:prstGeom prst="rect">
-            <a:avLst/>
-          </a:prstGeom>
-          <a:noFill/>
-          <a:ln w="19050">
-            <a:noFill/>
-          </a:ln>
-        </p:spPr>
-        <p:style>
-          <a:lnRef idx="2">
-            <a:schemeClr val="accent1">
-              <a:shade val="50000"/>
-            </a:schemeClr>
-          </a:lnRef>
-          <a:fillRef idx="1">
-            <a:schemeClr val="accent1"/>
-          </a:fillRef>
-          <a:effectRef idx="0">
-            <a:schemeClr val="accent1"/>
-          </a:effectRef>
-          <a:fontRef idx="minor">
-            <a:schemeClr val="lt1"/>
-          </a:fontRef>
-        </p:style>
-        <p:txBody>
-          <a:bodyPr rtlCol="0" anchor="ctr"/>
-          <a:lstStyle/>
-          <a:p>
-            <a:pPr algn="ctr"/>
-            <a:endParaRPr lang="LID4096"/>
-          </a:p>
-        </p:txBody>
-      </p:sp>
-      <p:sp>
-        <p:nvSpPr>
-          <p:cNvPr id="7" name="Rectangle 6">
-            <a:extLst>
-              <a:ext uri="{FF2B5EF4-FFF2-40B4-BE49-F238E27FC236}">
-                <a16:creationId xmlns:a16="http://schemas.microsoft.com/office/drawing/2014/main" id="{B3694913-6DA0-404E-96BB-F152D3921DC7}"/>
-              </a:ext>
-            </a:extLst>
-          </p:cNvPr>
-          <p:cNvSpPr/>
-          <p:nvPr/>
-        </p:nvSpPr>
-        <p:spPr>
-          <a:xfrm>
-            <a:off x="4738384" y="4839257"/>
-            <a:ext cx="1182254" cy="1182254"/>
-          </a:xfrm>
-          <a:prstGeom prst="rect">
-            <a:avLst/>
-          </a:prstGeom>
-          <a:noFill/>
-          <a:ln w="19050">
-            <a:noFill/>
-          </a:ln>
-        </p:spPr>
-        <p:style>
-          <a:lnRef idx="2">
-            <a:schemeClr val="accent1">
-              <a:shade val="50000"/>
-            </a:schemeClr>
-          </a:lnRef>
-          <a:fillRef idx="1">
-            <a:schemeClr val="accent1"/>
-          </a:fillRef>
-          <a:effectRef idx="0">
-            <a:schemeClr val="accent1"/>
-          </a:effectRef>
-          <a:fontRef idx="minor">
-            <a:schemeClr val="lt1"/>
-          </a:fontRef>
-        </p:style>
-        <p:txBody>
-          <a:bodyPr rtlCol="0" anchor="ctr"/>
-          <a:lstStyle/>
-          <a:p>
-            <a:pPr algn="ctr"/>
-            <a:endParaRPr lang="LID4096"/>
-          </a:p>
-        </p:txBody>
-      </p:sp>
-      <p:sp>
-        <p:nvSpPr>
-          <p:cNvPr id="8" name="Rectangle 7">
-            <a:extLst>
-              <a:ext uri="{FF2B5EF4-FFF2-40B4-BE49-F238E27FC236}">
-                <a16:creationId xmlns:a16="http://schemas.microsoft.com/office/drawing/2014/main" id="{5A984827-D88E-46E0-8504-F53796FD4C8D}"/>
-              </a:ext>
-            </a:extLst>
-          </p:cNvPr>
-          <p:cNvSpPr/>
-          <p:nvPr/>
-        </p:nvSpPr>
-        <p:spPr>
-          <a:xfrm>
-            <a:off x="6565465" y="4839257"/>
-            <a:ext cx="1182254" cy="1182254"/>
-          </a:xfrm>
-          <a:prstGeom prst="rect">
-            <a:avLst/>
-          </a:prstGeom>
-          <a:noFill/>
-          <a:ln w="19050">
-            <a:noFill/>
-          </a:ln>
-        </p:spPr>
-        <p:style>
-          <a:lnRef idx="2">
-            <a:schemeClr val="accent1">
-              <a:shade val="50000"/>
-            </a:schemeClr>
-          </a:lnRef>
-          <a:fillRef idx="1">
-            <a:schemeClr val="accent1"/>
-          </a:fillRef>
-          <a:effectRef idx="0">
-            <a:schemeClr val="accent1"/>
-          </a:effectRef>
-          <a:fontRef idx="minor">
-            <a:schemeClr val="lt1"/>
-          </a:fontRef>
-        </p:style>
-        <p:txBody>
-          <a:bodyPr rtlCol="0" anchor="ctr"/>
-          <a:lstStyle/>
-          <a:p>
-            <a:pPr algn="ctr"/>
-            <a:endParaRPr lang="LID4096" dirty="0">
-              <a:solidFill>
-                <a:schemeClr val="tx1"/>
-              </a:solidFill>
-            </a:endParaRPr>
-          </a:p>
-        </p:txBody>
-      </p:sp>
-      <p:sp>
-        <p:nvSpPr>
-          <p:cNvPr id="9" name="Rectangle 8">
-            <a:extLst>
-              <a:ext uri="{FF2B5EF4-FFF2-40B4-BE49-F238E27FC236}">
-                <a16:creationId xmlns:a16="http://schemas.microsoft.com/office/drawing/2014/main" id="{7A9F38C5-3172-4C88-BEB9-78B1C80CB300}"/>
-              </a:ext>
-            </a:extLst>
-          </p:cNvPr>
-          <p:cNvSpPr/>
-          <p:nvPr/>
-        </p:nvSpPr>
-        <p:spPr>
-          <a:xfrm>
-            <a:off x="4738384" y="1157447"/>
-            <a:ext cx="1182254" cy="1182254"/>
-          </a:xfrm>
-          <a:prstGeom prst="rect">
-            <a:avLst/>
-          </a:prstGeom>
-          <a:noFill/>
-          <a:ln w="19050">
-            <a:noFill/>
-          </a:ln>
-        </p:spPr>
-        <p:style>
-          <a:lnRef idx="2">
-            <a:schemeClr val="accent1">
-              <a:shade val="50000"/>
-            </a:schemeClr>
-          </a:lnRef>
-          <a:fillRef idx="1">
-            <a:schemeClr val="accent1"/>
-          </a:fillRef>
-          <a:effectRef idx="0">
-            <a:schemeClr val="accent1"/>
-          </a:effectRef>
-          <a:fontRef idx="minor">
-            <a:schemeClr val="lt1"/>
-          </a:fontRef>
-        </p:style>
-        <p:txBody>
-          <a:bodyPr rtlCol="0" anchor="ctr"/>
-          <a:lstStyle/>
-          <a:p>
-            <a:pPr algn="ctr"/>
-            <a:endParaRPr lang="LID4096"/>
-          </a:p>
-        </p:txBody>
-      </p:sp>
-      <p:sp>
-        <p:nvSpPr>
-          <p:cNvPr id="10" name="Rectangle 9">
-            <a:extLst>
-              <a:ext uri="{FF2B5EF4-FFF2-40B4-BE49-F238E27FC236}">
-                <a16:creationId xmlns:a16="http://schemas.microsoft.com/office/drawing/2014/main" id="{D116F38A-E07F-4B4A-A928-F7666AEAFE55}"/>
-              </a:ext>
-            </a:extLst>
-          </p:cNvPr>
-          <p:cNvSpPr/>
-          <p:nvPr/>
-        </p:nvSpPr>
-        <p:spPr>
-          <a:xfrm>
-            <a:off x="6565465" y="1157447"/>
-            <a:ext cx="1182254" cy="1182254"/>
-          </a:xfrm>
-          <a:prstGeom prst="rect">
-            <a:avLst/>
-          </a:prstGeom>
-          <a:noFill/>
-          <a:ln w="19050">
-            <a:noFill/>
-          </a:ln>
-        </p:spPr>
-        <p:style>
-          <a:lnRef idx="2">
-            <a:schemeClr val="accent1">
-              <a:shade val="50000"/>
-            </a:schemeClr>
-          </a:lnRef>
-          <a:fillRef idx="1">
-            <a:schemeClr val="accent1"/>
-          </a:fillRef>
-          <a:effectRef idx="0">
-            <a:schemeClr val="accent1"/>
-          </a:effectRef>
-          <a:fontRef idx="minor">
-            <a:schemeClr val="lt1"/>
-          </a:fontRef>
-        </p:style>
-        <p:txBody>
-          <a:bodyPr rtlCol="0" anchor="ctr"/>
-          <a:lstStyle/>
-          <a:p>
-            <a:pPr algn="ctr"/>
-            <a:endParaRPr lang="LID4096"/>
-          </a:p>
-        </p:txBody>
-      </p:sp>
-      <p:sp>
-        <p:nvSpPr>
-          <p:cNvPr id="11" name="Rectangle 10">
-            <a:extLst>
-              <a:ext uri="{FF2B5EF4-FFF2-40B4-BE49-F238E27FC236}">
-                <a16:creationId xmlns:a16="http://schemas.microsoft.com/office/drawing/2014/main" id="{8E2E6654-CC92-4CE0-938B-E385DD361A79}"/>
-              </a:ext>
-            </a:extLst>
-          </p:cNvPr>
-          <p:cNvSpPr/>
-          <p:nvPr/>
-        </p:nvSpPr>
-        <p:spPr>
-          <a:xfrm>
-            <a:off x="6565465" y="2998352"/>
-            <a:ext cx="1182254" cy="1182254"/>
-          </a:xfrm>
-          <a:prstGeom prst="rect">
-            <a:avLst/>
-          </a:prstGeom>
-          <a:noFill/>
-          <a:ln w="19050">
-            <a:noFill/>
-          </a:ln>
-        </p:spPr>
-        <p:style>
-          <a:lnRef idx="2">
-            <a:schemeClr val="accent1">
-              <a:shade val="50000"/>
-            </a:schemeClr>
-          </a:lnRef>
-          <a:fillRef idx="1">
-            <a:schemeClr val="accent1"/>
-          </a:fillRef>
-          <a:effectRef idx="0">
-            <a:schemeClr val="accent1"/>
-          </a:effectRef>
-          <a:fontRef idx="minor">
-            <a:schemeClr val="lt1"/>
-          </a:fontRef>
-        </p:style>
-        <p:txBody>
-          <a:bodyPr rtlCol="0" anchor="ctr"/>
-          <a:lstStyle/>
-          <a:p>
-            <a:pPr algn="ctr"/>
-            <a:endParaRPr lang="LID4096"/>
-          </a:p>
-        </p:txBody>
-      </p:sp>
-      <p:cxnSp>
-        <p:nvCxnSpPr>
-          <p:cNvPr id="12" name="Straight Arrow Connector 11">
-            <a:extLst>
-              <a:ext uri="{FF2B5EF4-FFF2-40B4-BE49-F238E27FC236}">
-                <a16:creationId xmlns:a16="http://schemas.microsoft.com/office/drawing/2014/main" id="{D5524322-5170-4105-A7C6-F17C2001E013}"/>
-              </a:ext>
-            </a:extLst>
-          </p:cNvPr>
-          <p:cNvCxnSpPr>
-            <a:cxnSpLocks/>
-          </p:cNvCxnSpPr>
-          <p:nvPr/>
-        </p:nvCxnSpPr>
-        <p:spPr>
-          <a:xfrm flipH="1">
-            <a:off x="7036527" y="5442856"/>
-            <a:ext cx="217714" cy="0"/>
-          </a:xfrm>
-          <a:prstGeom prst="straightConnector1">
-            <a:avLst/>
-          </a:prstGeom>
-          <a:ln w="19050">
-            <a:solidFill>
-              <a:schemeClr val="bg1"/>
-            </a:solidFill>
-            <a:tailEnd type="triangle"/>
-          </a:ln>
-        </p:spPr>
-        <p:style>
-          <a:lnRef idx="1">
-            <a:schemeClr val="accent1"/>
-          </a:lnRef>
-          <a:fillRef idx="0">
-            <a:schemeClr val="accent1"/>
-          </a:fillRef>
-          <a:effectRef idx="0">
-            <a:schemeClr val="accent1"/>
-          </a:effectRef>
-          <a:fontRef idx="minor">
-            <a:schemeClr val="tx1"/>
-          </a:fontRef>
-        </p:style>
-      </p:cxnSp>
-      <p:cxnSp>
-        <p:nvCxnSpPr>
-          <p:cNvPr id="13" name="Straight Arrow Connector 12">
-            <a:extLst>
-              <a:ext uri="{FF2B5EF4-FFF2-40B4-BE49-F238E27FC236}">
-                <a16:creationId xmlns:a16="http://schemas.microsoft.com/office/drawing/2014/main" id="{48310B1F-0B57-4800-9596-D747F025EED7}"/>
-              </a:ext>
-            </a:extLst>
-          </p:cNvPr>
-          <p:cNvCxnSpPr>
-            <a:cxnSpLocks/>
-          </p:cNvCxnSpPr>
-          <p:nvPr/>
-        </p:nvCxnSpPr>
-        <p:spPr>
-          <a:xfrm rot="10800000" flipH="1">
-            <a:off x="7036527" y="5442856"/>
-            <a:ext cx="217714" cy="0"/>
-          </a:xfrm>
-          <a:prstGeom prst="straightConnector1">
-            <a:avLst/>
-          </a:prstGeom>
-          <a:ln w="19050">
-            <a:solidFill>
-              <a:schemeClr val="tx1"/>
-            </a:solidFill>
-            <a:tailEnd type="triangle"/>
-          </a:ln>
-        </p:spPr>
-        <p:style>
-          <a:lnRef idx="1">
-            <a:schemeClr val="accent1"/>
-          </a:lnRef>
-          <a:fillRef idx="0">
-            <a:schemeClr val="accent1"/>
-          </a:fillRef>
-          <a:effectRef idx="0">
-            <a:schemeClr val="accent1"/>
-          </a:effectRef>
-          <a:fontRef idx="minor">
-            <a:schemeClr val="tx1"/>
-          </a:fontRef>
-        </p:style>
-      </p:cxnSp>
-    </p:spTree>
-    <p:extLst>
-      <p:ext uri="{BB962C8B-B14F-4D97-AF65-F5344CB8AC3E}">
-        <p14:creationId xmlns:p14="http://schemas.microsoft.com/office/powerpoint/2010/main" val="747210108"/>
-      </p:ext>
-    </p:extLst>
-  </p:cSld>
-  <p:clrMapOvr>
-    <a:masterClrMapping/>
-  </p:clrMapOvr>
-</p:sld>
-</file>
-
-<file path=ppt/slides/slide16.xml><?xml version="1.0" encoding="utf-8"?>
-<p:sld xmlns:a="http://schemas.openxmlformats.org/drawingml/2006/main" xmlns:r="http://schemas.openxmlformats.org/officeDocument/2006/relationships" xmlns:p="http://schemas.openxmlformats.org/presentationml/2006/main">
-  <p:cSld>
-    <p:spTree>
-      <p:nvGrpSpPr>
-        <p:cNvPr id="1" name=""/>
-        <p:cNvGrpSpPr/>
-        <p:nvPr/>
-      </p:nvGrpSpPr>
-      <p:grpSpPr>
-        <a:xfrm>
-          <a:off x="0" y="0"/>
-          <a:ext cx="0" cy="0"/>
-          <a:chOff x="0" y="0"/>
-          <a:chExt cx="0" cy="0"/>
-        </a:xfrm>
-      </p:grpSpPr>
-      <p:sp>
-        <p:nvSpPr>
-          <p:cNvPr id="4" name="Rectangle 3">
-            <a:extLst>
-              <a:ext uri="{FF2B5EF4-FFF2-40B4-BE49-F238E27FC236}">
-                <a16:creationId xmlns:a16="http://schemas.microsoft.com/office/drawing/2014/main" id="{716C5456-621C-4CB2-957A-D06C49F6E38E}"/>
-              </a:ext>
-            </a:extLst>
-          </p:cNvPr>
-          <p:cNvSpPr/>
-          <p:nvPr/>
-        </p:nvSpPr>
-        <p:spPr>
-          <a:xfrm>
-            <a:off x="2911303" y="1157447"/>
-            <a:ext cx="1182254" cy="1182254"/>
-          </a:xfrm>
-          <a:prstGeom prst="rect">
-            <a:avLst/>
-          </a:prstGeom>
-          <a:noFill/>
-          <a:ln w="19050">
-            <a:noFill/>
-          </a:ln>
-        </p:spPr>
-        <p:style>
-          <a:lnRef idx="2">
-            <a:schemeClr val="accent1">
-              <a:shade val="50000"/>
-            </a:schemeClr>
-          </a:lnRef>
-          <a:fillRef idx="1">
-            <a:schemeClr val="accent1"/>
-          </a:fillRef>
-          <a:effectRef idx="0">
-            <a:schemeClr val="accent1"/>
-          </a:effectRef>
-          <a:fontRef idx="minor">
-            <a:schemeClr val="lt1"/>
-          </a:fontRef>
-        </p:style>
-        <p:txBody>
-          <a:bodyPr rtlCol="0" anchor="ctr"/>
-          <a:lstStyle/>
-          <a:p>
-            <a:pPr algn="ctr"/>
-            <a:endParaRPr lang="LID4096"/>
-          </a:p>
-        </p:txBody>
-      </p:sp>
-      <p:sp>
-        <p:nvSpPr>
-          <p:cNvPr id="5" name="Rectangle 4">
-            <a:extLst>
-              <a:ext uri="{FF2B5EF4-FFF2-40B4-BE49-F238E27FC236}">
-                <a16:creationId xmlns:a16="http://schemas.microsoft.com/office/drawing/2014/main" id="{DC9131F1-3C36-4952-AB50-21D9487F0039}"/>
-              </a:ext>
-            </a:extLst>
-          </p:cNvPr>
-          <p:cNvSpPr/>
-          <p:nvPr/>
-        </p:nvSpPr>
-        <p:spPr>
-          <a:xfrm>
-            <a:off x="2911303" y="2998352"/>
-            <a:ext cx="1182254" cy="1182254"/>
-          </a:xfrm>
-          <a:prstGeom prst="rect">
-            <a:avLst/>
-          </a:prstGeom>
-          <a:noFill/>
-          <a:ln w="19050">
-            <a:noFill/>
-          </a:ln>
-        </p:spPr>
-        <p:style>
-          <a:lnRef idx="2">
-            <a:schemeClr val="accent1">
-              <a:shade val="50000"/>
-            </a:schemeClr>
-          </a:lnRef>
-          <a:fillRef idx="1">
-            <a:schemeClr val="accent1"/>
-          </a:fillRef>
-          <a:effectRef idx="0">
-            <a:schemeClr val="accent1"/>
-          </a:effectRef>
-          <a:fontRef idx="minor">
-            <a:schemeClr val="lt1"/>
-          </a:fontRef>
-        </p:style>
-        <p:txBody>
-          <a:bodyPr rtlCol="0" anchor="ctr"/>
-          <a:lstStyle/>
-          <a:p>
-            <a:pPr algn="ctr"/>
-            <a:endParaRPr lang="LID4096"/>
-          </a:p>
-        </p:txBody>
-      </p:sp>
-      <p:sp>
-        <p:nvSpPr>
-          <p:cNvPr id="6" name="Rectangle 5">
-            <a:extLst>
-              <a:ext uri="{FF2B5EF4-FFF2-40B4-BE49-F238E27FC236}">
-                <a16:creationId xmlns:a16="http://schemas.microsoft.com/office/drawing/2014/main" id="{437AB641-AB0C-4469-AD2E-A7DA4A69C7B1}"/>
-              </a:ext>
-            </a:extLst>
-          </p:cNvPr>
-          <p:cNvSpPr/>
-          <p:nvPr/>
-        </p:nvSpPr>
-        <p:spPr>
-          <a:xfrm>
-            <a:off x="2911303" y="4839257"/>
-            <a:ext cx="1182254" cy="1182254"/>
-          </a:xfrm>
-          <a:prstGeom prst="rect">
-            <a:avLst/>
-          </a:prstGeom>
-          <a:noFill/>
-          <a:ln w="19050">
-            <a:noFill/>
-          </a:ln>
-        </p:spPr>
-        <p:style>
-          <a:lnRef idx="2">
-            <a:schemeClr val="accent1">
-              <a:shade val="50000"/>
-            </a:schemeClr>
-          </a:lnRef>
-          <a:fillRef idx="1">
-            <a:schemeClr val="accent1"/>
-          </a:fillRef>
-          <a:effectRef idx="0">
-            <a:schemeClr val="accent1"/>
-          </a:effectRef>
-          <a:fontRef idx="minor">
-            <a:schemeClr val="lt1"/>
-          </a:fontRef>
-        </p:style>
-        <p:txBody>
-          <a:bodyPr rtlCol="0" anchor="ctr"/>
-          <a:lstStyle/>
-          <a:p>
-            <a:pPr algn="ctr"/>
-            <a:endParaRPr lang="LID4096"/>
-          </a:p>
-        </p:txBody>
-      </p:sp>
-      <p:sp>
-        <p:nvSpPr>
-          <p:cNvPr id="7" name="Rectangle 6">
-            <a:extLst>
-              <a:ext uri="{FF2B5EF4-FFF2-40B4-BE49-F238E27FC236}">
-                <a16:creationId xmlns:a16="http://schemas.microsoft.com/office/drawing/2014/main" id="{B3694913-6DA0-404E-96BB-F152D3921DC7}"/>
-              </a:ext>
-            </a:extLst>
-          </p:cNvPr>
-          <p:cNvSpPr/>
-          <p:nvPr/>
-        </p:nvSpPr>
-        <p:spPr>
-          <a:xfrm>
-            <a:off x="4738384" y="4839257"/>
-            <a:ext cx="1182254" cy="1182254"/>
-          </a:xfrm>
-          <a:prstGeom prst="rect">
-            <a:avLst/>
-          </a:prstGeom>
-          <a:noFill/>
-          <a:ln w="19050">
-            <a:noFill/>
-          </a:ln>
-        </p:spPr>
-        <p:style>
-          <a:lnRef idx="2">
-            <a:schemeClr val="accent1">
-              <a:shade val="50000"/>
-            </a:schemeClr>
-          </a:lnRef>
-          <a:fillRef idx="1">
-            <a:schemeClr val="accent1"/>
-          </a:fillRef>
-          <a:effectRef idx="0">
-            <a:schemeClr val="accent1"/>
-          </a:effectRef>
-          <a:fontRef idx="minor">
-            <a:schemeClr val="lt1"/>
-          </a:fontRef>
-        </p:style>
-        <p:txBody>
-          <a:bodyPr rtlCol="0" anchor="ctr"/>
-          <a:lstStyle/>
-          <a:p>
-            <a:pPr algn="ctr"/>
-            <a:endParaRPr lang="LID4096"/>
-          </a:p>
-        </p:txBody>
-      </p:sp>
-      <p:sp>
-        <p:nvSpPr>
-          <p:cNvPr id="8" name="Rectangle 7">
-            <a:extLst>
-              <a:ext uri="{FF2B5EF4-FFF2-40B4-BE49-F238E27FC236}">
-                <a16:creationId xmlns:a16="http://schemas.microsoft.com/office/drawing/2014/main" id="{5A984827-D88E-46E0-8504-F53796FD4C8D}"/>
-              </a:ext>
-            </a:extLst>
-          </p:cNvPr>
-          <p:cNvSpPr/>
-          <p:nvPr/>
-        </p:nvSpPr>
-        <p:spPr>
-          <a:xfrm>
-            <a:off x="6565465" y="4839257"/>
-            <a:ext cx="1182254" cy="1182254"/>
-          </a:xfrm>
-          <a:prstGeom prst="rect">
-            <a:avLst/>
-          </a:prstGeom>
-          <a:noFill/>
-          <a:ln w="19050">
-            <a:noFill/>
-          </a:ln>
-        </p:spPr>
-        <p:style>
-          <a:lnRef idx="2">
-            <a:schemeClr val="accent1">
-              <a:shade val="50000"/>
-            </a:schemeClr>
-          </a:lnRef>
-          <a:fillRef idx="1">
-            <a:schemeClr val="accent1"/>
-          </a:fillRef>
-          <a:effectRef idx="0">
-            <a:schemeClr val="accent1"/>
-          </a:effectRef>
-          <a:fontRef idx="minor">
-            <a:schemeClr val="lt1"/>
-          </a:fontRef>
-        </p:style>
-        <p:txBody>
-          <a:bodyPr rtlCol="0" anchor="ctr"/>
-          <a:lstStyle/>
-          <a:p>
-            <a:pPr algn="ctr"/>
-            <a:endParaRPr lang="LID4096"/>
-          </a:p>
-        </p:txBody>
-      </p:sp>
-      <p:sp>
-        <p:nvSpPr>
-          <p:cNvPr id="9" name="Rectangle 8">
-            <a:extLst>
-              <a:ext uri="{FF2B5EF4-FFF2-40B4-BE49-F238E27FC236}">
-                <a16:creationId xmlns:a16="http://schemas.microsoft.com/office/drawing/2014/main" id="{7A9F38C5-3172-4C88-BEB9-78B1C80CB300}"/>
-              </a:ext>
-            </a:extLst>
-          </p:cNvPr>
-          <p:cNvSpPr/>
-          <p:nvPr/>
-        </p:nvSpPr>
-        <p:spPr>
-          <a:xfrm>
-            <a:off x="4738384" y="1157447"/>
-            <a:ext cx="1182254" cy="1182254"/>
-          </a:xfrm>
-          <a:prstGeom prst="rect">
-            <a:avLst/>
-          </a:prstGeom>
-          <a:noFill/>
-          <a:ln w="19050">
-            <a:noFill/>
-          </a:ln>
-        </p:spPr>
-        <p:style>
-          <a:lnRef idx="2">
-            <a:schemeClr val="accent1">
-              <a:shade val="50000"/>
-            </a:schemeClr>
-          </a:lnRef>
-          <a:fillRef idx="1">
-            <a:schemeClr val="accent1"/>
-          </a:fillRef>
-          <a:effectRef idx="0">
-            <a:schemeClr val="accent1"/>
-          </a:effectRef>
-          <a:fontRef idx="minor">
-            <a:schemeClr val="lt1"/>
-          </a:fontRef>
-        </p:style>
-        <p:txBody>
-          <a:bodyPr rtlCol="0" anchor="ctr"/>
-          <a:lstStyle/>
-          <a:p>
-            <a:pPr algn="ctr"/>
-            <a:endParaRPr lang="LID4096"/>
-          </a:p>
-        </p:txBody>
-      </p:sp>
-      <p:sp>
-        <p:nvSpPr>
-          <p:cNvPr id="10" name="Rectangle 9">
-            <a:extLst>
-              <a:ext uri="{FF2B5EF4-FFF2-40B4-BE49-F238E27FC236}">
-                <a16:creationId xmlns:a16="http://schemas.microsoft.com/office/drawing/2014/main" id="{D116F38A-E07F-4B4A-A928-F7666AEAFE55}"/>
-              </a:ext>
-            </a:extLst>
-          </p:cNvPr>
-          <p:cNvSpPr/>
-          <p:nvPr/>
-        </p:nvSpPr>
-        <p:spPr>
-          <a:xfrm>
-            <a:off x="6565465" y="1157447"/>
-            <a:ext cx="1182254" cy="1182254"/>
-          </a:xfrm>
-          <a:prstGeom prst="rect">
-            <a:avLst/>
-          </a:prstGeom>
-          <a:noFill/>
-          <a:ln w="19050">
-            <a:noFill/>
-          </a:ln>
-        </p:spPr>
-        <p:style>
-          <a:lnRef idx="2">
-            <a:schemeClr val="accent1">
-              <a:shade val="50000"/>
-            </a:schemeClr>
-          </a:lnRef>
-          <a:fillRef idx="1">
-            <a:schemeClr val="accent1"/>
-          </a:fillRef>
-          <a:effectRef idx="0">
-            <a:schemeClr val="accent1"/>
-          </a:effectRef>
-          <a:fontRef idx="minor">
-            <a:schemeClr val="lt1"/>
-          </a:fontRef>
-        </p:style>
-        <p:txBody>
-          <a:bodyPr rtlCol="0" anchor="ctr"/>
-          <a:lstStyle/>
-          <a:p>
-            <a:pPr algn="ctr"/>
-            <a:endParaRPr lang="LID4096"/>
-          </a:p>
-        </p:txBody>
-      </p:sp>
-      <p:sp>
-        <p:nvSpPr>
-          <p:cNvPr id="11" name="Rectangle 10">
-            <a:extLst>
-              <a:ext uri="{FF2B5EF4-FFF2-40B4-BE49-F238E27FC236}">
-                <a16:creationId xmlns:a16="http://schemas.microsoft.com/office/drawing/2014/main" id="{8E2E6654-CC92-4CE0-938B-E385DD361A79}"/>
-              </a:ext>
-            </a:extLst>
-          </p:cNvPr>
-          <p:cNvSpPr/>
-          <p:nvPr/>
-        </p:nvSpPr>
-        <p:spPr>
-          <a:xfrm>
-            <a:off x="6565465" y="2998352"/>
-            <a:ext cx="1182254" cy="1182254"/>
-          </a:xfrm>
-          <a:prstGeom prst="rect">
-            <a:avLst/>
-          </a:prstGeom>
-          <a:noFill/>
-          <a:ln w="19050">
-            <a:noFill/>
-          </a:ln>
-        </p:spPr>
-        <p:style>
-          <a:lnRef idx="2">
-            <a:schemeClr val="accent1">
-              <a:shade val="50000"/>
-            </a:schemeClr>
-          </a:lnRef>
-          <a:fillRef idx="1">
-            <a:schemeClr val="accent1"/>
-          </a:fillRef>
-          <a:effectRef idx="0">
-            <a:schemeClr val="accent1"/>
-          </a:effectRef>
-          <a:fontRef idx="minor">
-            <a:schemeClr val="lt1"/>
-          </a:fontRef>
-        </p:style>
-        <p:txBody>
-          <a:bodyPr rtlCol="0" anchor="ctr"/>
-          <a:lstStyle/>
-          <a:p>
-            <a:pPr algn="ctr"/>
-            <a:endParaRPr lang="LID4096" dirty="0">
-              <a:solidFill>
-                <a:schemeClr val="tx1"/>
-              </a:solidFill>
-            </a:endParaRPr>
-          </a:p>
-        </p:txBody>
-      </p:sp>
-      <p:cxnSp>
-        <p:nvCxnSpPr>
-          <p:cNvPr id="12" name="Straight Arrow Connector 11">
-            <a:extLst>
-              <a:ext uri="{FF2B5EF4-FFF2-40B4-BE49-F238E27FC236}">
-                <a16:creationId xmlns:a16="http://schemas.microsoft.com/office/drawing/2014/main" id="{E8423E2D-7219-4656-9BB3-9F5AED1E564D}"/>
-              </a:ext>
-            </a:extLst>
-          </p:cNvPr>
-          <p:cNvCxnSpPr/>
-          <p:nvPr/>
-        </p:nvCxnSpPr>
-        <p:spPr>
-          <a:xfrm flipH="1">
-            <a:off x="7036528" y="3587308"/>
-            <a:ext cx="217714" cy="0"/>
-          </a:xfrm>
-          <a:prstGeom prst="straightConnector1">
-            <a:avLst/>
-          </a:prstGeom>
-          <a:ln w="19050">
-            <a:solidFill>
-              <a:schemeClr val="bg1"/>
-            </a:solidFill>
-            <a:tailEnd type="triangle"/>
-          </a:ln>
-        </p:spPr>
-        <p:style>
-          <a:lnRef idx="1">
-            <a:schemeClr val="accent1"/>
-          </a:lnRef>
-          <a:fillRef idx="0">
-            <a:schemeClr val="accent1"/>
-          </a:fillRef>
-          <a:effectRef idx="0">
-            <a:schemeClr val="accent1"/>
-          </a:effectRef>
-          <a:fontRef idx="minor">
-            <a:schemeClr val="tx1"/>
-          </a:fontRef>
-        </p:style>
-      </p:cxnSp>
-      <p:cxnSp>
-        <p:nvCxnSpPr>
-          <p:cNvPr id="13" name="Straight Arrow Connector 12">
-            <a:extLst>
-              <a:ext uri="{FF2B5EF4-FFF2-40B4-BE49-F238E27FC236}">
-                <a16:creationId xmlns:a16="http://schemas.microsoft.com/office/drawing/2014/main" id="{9D7DC36D-C30D-49AF-83A2-0871F7BABA2B}"/>
-              </a:ext>
-            </a:extLst>
-          </p:cNvPr>
-          <p:cNvCxnSpPr>
-            <a:cxnSpLocks/>
-          </p:cNvCxnSpPr>
-          <p:nvPr/>
-        </p:nvCxnSpPr>
-        <p:spPr>
-          <a:xfrm>
-            <a:off x="7036528" y="3587308"/>
-            <a:ext cx="217714" cy="0"/>
-          </a:xfrm>
-          <a:prstGeom prst="straightConnector1">
-            <a:avLst/>
-          </a:prstGeom>
-          <a:ln w="19050">
-            <a:solidFill>
-              <a:schemeClr val="tx1"/>
-            </a:solidFill>
-            <a:tailEnd type="triangle"/>
-          </a:ln>
-        </p:spPr>
-        <p:style>
-          <a:lnRef idx="1">
-            <a:schemeClr val="accent1"/>
-          </a:lnRef>
-          <a:fillRef idx="0">
-            <a:schemeClr val="accent1"/>
-          </a:fillRef>
-          <a:effectRef idx="0">
-            <a:schemeClr val="accent1"/>
-          </a:effectRef>
-          <a:fontRef idx="minor">
-            <a:schemeClr val="tx1"/>
-          </a:fontRef>
-        </p:style>
-      </p:cxnSp>
-    </p:spTree>
-    <p:extLst>
-      <p:ext uri="{BB962C8B-B14F-4D97-AF65-F5344CB8AC3E}">
-        <p14:creationId xmlns:p14="http://schemas.microsoft.com/office/powerpoint/2010/main" val="2143867250"/>
-      </p:ext>
-    </p:extLst>
-  </p:cSld>
-  <p:clrMapOvr>
-    <a:masterClrMapping/>
-  </p:clrMapOvr>
-</p:sld>
-</file>
-
-<file path=ppt/slides/slide17.xml><?xml version="1.0" encoding="utf-8"?>
-<p:sld xmlns:a="http://schemas.openxmlformats.org/drawingml/2006/main" xmlns:r="http://schemas.openxmlformats.org/officeDocument/2006/relationships" xmlns:p="http://schemas.openxmlformats.org/presentationml/2006/main">
-  <p:cSld>
-    <p:spTree>
-      <p:nvGrpSpPr>
-        <p:cNvPr id="1" name=""/>
-        <p:cNvGrpSpPr/>
-        <p:nvPr/>
-      </p:nvGrpSpPr>
-      <p:grpSpPr>
-        <a:xfrm>
-          <a:off x="0" y="0"/>
-          <a:ext cx="0" cy="0"/>
-          <a:chOff x="0" y="0"/>
-          <a:chExt cx="0" cy="0"/>
-        </a:xfrm>
-      </p:grpSpPr>
-      <p:sp>
-        <p:nvSpPr>
-          <p:cNvPr id="4" name="Rectangle 3">
-            <a:extLst>
-              <a:ext uri="{FF2B5EF4-FFF2-40B4-BE49-F238E27FC236}">
-                <a16:creationId xmlns:a16="http://schemas.microsoft.com/office/drawing/2014/main" id="{716C5456-621C-4CB2-957A-D06C49F6E38E}"/>
-              </a:ext>
-            </a:extLst>
-          </p:cNvPr>
-          <p:cNvSpPr/>
-          <p:nvPr/>
-        </p:nvSpPr>
-        <p:spPr>
-          <a:xfrm>
-            <a:off x="2911303" y="1157447"/>
-            <a:ext cx="1182254" cy="1182254"/>
-          </a:xfrm>
-          <a:prstGeom prst="rect">
-            <a:avLst/>
-          </a:prstGeom>
-          <a:noFill/>
-          <a:ln w="19050">
-            <a:noFill/>
-          </a:ln>
-        </p:spPr>
-        <p:style>
-          <a:lnRef idx="2">
-            <a:schemeClr val="accent1">
-              <a:shade val="50000"/>
-            </a:schemeClr>
-          </a:lnRef>
-          <a:fillRef idx="1">
-            <a:schemeClr val="accent1"/>
-          </a:fillRef>
-          <a:effectRef idx="0">
-            <a:schemeClr val="accent1"/>
-          </a:effectRef>
-          <a:fontRef idx="minor">
-            <a:schemeClr val="lt1"/>
-          </a:fontRef>
-        </p:style>
-        <p:txBody>
-          <a:bodyPr rtlCol="0" anchor="ctr"/>
-          <a:lstStyle/>
-          <a:p>
-            <a:pPr algn="ctr"/>
-            <a:endParaRPr lang="LID4096"/>
-          </a:p>
-        </p:txBody>
-      </p:sp>
-      <p:sp>
-        <p:nvSpPr>
-          <p:cNvPr id="5" name="Rectangle 4">
-            <a:extLst>
-              <a:ext uri="{FF2B5EF4-FFF2-40B4-BE49-F238E27FC236}">
-                <a16:creationId xmlns:a16="http://schemas.microsoft.com/office/drawing/2014/main" id="{DC9131F1-3C36-4952-AB50-21D9487F0039}"/>
-              </a:ext>
-            </a:extLst>
-          </p:cNvPr>
-          <p:cNvSpPr/>
-          <p:nvPr/>
-        </p:nvSpPr>
-        <p:spPr>
-          <a:xfrm>
-            <a:off x="2911303" y="2998352"/>
-            <a:ext cx="1182254" cy="1182254"/>
-          </a:xfrm>
-          <a:prstGeom prst="rect">
-            <a:avLst/>
-          </a:prstGeom>
-          <a:noFill/>
-          <a:ln w="19050">
-            <a:noFill/>
-          </a:ln>
-        </p:spPr>
-        <p:style>
-          <a:lnRef idx="2">
-            <a:schemeClr val="accent1">
-              <a:shade val="50000"/>
-            </a:schemeClr>
-          </a:lnRef>
-          <a:fillRef idx="1">
-            <a:schemeClr val="accent1"/>
-          </a:fillRef>
-          <a:effectRef idx="0">
-            <a:schemeClr val="accent1"/>
-          </a:effectRef>
-          <a:fontRef idx="minor">
-            <a:schemeClr val="lt1"/>
-          </a:fontRef>
-        </p:style>
-        <p:txBody>
-          <a:bodyPr rtlCol="0" anchor="ctr"/>
-          <a:lstStyle/>
-          <a:p>
-            <a:pPr algn="ctr"/>
-            <a:endParaRPr lang="LID4096"/>
-          </a:p>
-        </p:txBody>
-      </p:sp>
-      <p:sp>
-        <p:nvSpPr>
-          <p:cNvPr id="6" name="Rectangle 5">
-            <a:extLst>
-              <a:ext uri="{FF2B5EF4-FFF2-40B4-BE49-F238E27FC236}">
-                <a16:creationId xmlns:a16="http://schemas.microsoft.com/office/drawing/2014/main" id="{437AB641-AB0C-4469-AD2E-A7DA4A69C7B1}"/>
-              </a:ext>
-            </a:extLst>
-          </p:cNvPr>
-          <p:cNvSpPr/>
-          <p:nvPr/>
-        </p:nvSpPr>
-        <p:spPr>
-          <a:xfrm>
-            <a:off x="2911303" y="4839257"/>
-            <a:ext cx="1182254" cy="1182254"/>
-          </a:xfrm>
-          <a:prstGeom prst="rect">
-            <a:avLst/>
-          </a:prstGeom>
-          <a:noFill/>
-          <a:ln w="19050">
-            <a:noFill/>
-          </a:ln>
-        </p:spPr>
-        <p:style>
-          <a:lnRef idx="2">
-            <a:schemeClr val="accent1">
-              <a:shade val="50000"/>
-            </a:schemeClr>
-          </a:lnRef>
-          <a:fillRef idx="1">
-            <a:schemeClr val="accent1"/>
-          </a:fillRef>
-          <a:effectRef idx="0">
-            <a:schemeClr val="accent1"/>
-          </a:effectRef>
-          <a:fontRef idx="minor">
-            <a:schemeClr val="lt1"/>
-          </a:fontRef>
-        </p:style>
-        <p:txBody>
-          <a:bodyPr rtlCol="0" anchor="ctr"/>
-          <a:lstStyle/>
-          <a:p>
-            <a:pPr algn="ctr"/>
-            <a:endParaRPr lang="LID4096"/>
-          </a:p>
-        </p:txBody>
-      </p:sp>
-      <p:sp>
-        <p:nvSpPr>
-          <p:cNvPr id="7" name="Rectangle 6">
-            <a:extLst>
-              <a:ext uri="{FF2B5EF4-FFF2-40B4-BE49-F238E27FC236}">
-                <a16:creationId xmlns:a16="http://schemas.microsoft.com/office/drawing/2014/main" id="{B3694913-6DA0-404E-96BB-F152D3921DC7}"/>
-              </a:ext>
-            </a:extLst>
-          </p:cNvPr>
-          <p:cNvSpPr/>
-          <p:nvPr/>
-        </p:nvSpPr>
-        <p:spPr>
-          <a:xfrm>
-            <a:off x="4738384" y="4839257"/>
-            <a:ext cx="1182254" cy="1182254"/>
-          </a:xfrm>
-          <a:prstGeom prst="rect">
-            <a:avLst/>
-          </a:prstGeom>
-          <a:noFill/>
-          <a:ln w="19050">
-            <a:noFill/>
-          </a:ln>
-        </p:spPr>
-        <p:style>
-          <a:lnRef idx="2">
-            <a:schemeClr val="accent1">
-              <a:shade val="50000"/>
-            </a:schemeClr>
-          </a:lnRef>
-          <a:fillRef idx="1">
-            <a:schemeClr val="accent1"/>
-          </a:fillRef>
-          <a:effectRef idx="0">
-            <a:schemeClr val="accent1"/>
-          </a:effectRef>
-          <a:fontRef idx="minor">
-            <a:schemeClr val="lt1"/>
-          </a:fontRef>
-        </p:style>
-        <p:txBody>
-          <a:bodyPr rtlCol="0" anchor="ctr"/>
-          <a:lstStyle/>
-          <a:p>
-            <a:pPr algn="ctr"/>
-            <a:endParaRPr lang="LID4096"/>
-          </a:p>
-        </p:txBody>
-      </p:sp>
-      <p:sp>
-        <p:nvSpPr>
-          <p:cNvPr id="8" name="Rectangle 7">
-            <a:extLst>
-              <a:ext uri="{FF2B5EF4-FFF2-40B4-BE49-F238E27FC236}">
-                <a16:creationId xmlns:a16="http://schemas.microsoft.com/office/drawing/2014/main" id="{5A984827-D88E-46E0-8504-F53796FD4C8D}"/>
-              </a:ext>
-            </a:extLst>
-          </p:cNvPr>
-          <p:cNvSpPr/>
-          <p:nvPr/>
-        </p:nvSpPr>
-        <p:spPr>
-          <a:xfrm>
-            <a:off x="6565465" y="4839257"/>
-            <a:ext cx="1182254" cy="1182254"/>
-          </a:xfrm>
-          <a:prstGeom prst="rect">
-            <a:avLst/>
-          </a:prstGeom>
-          <a:noFill/>
-          <a:ln w="19050">
-            <a:noFill/>
-          </a:ln>
-        </p:spPr>
-        <p:style>
-          <a:lnRef idx="2">
-            <a:schemeClr val="accent1">
-              <a:shade val="50000"/>
-            </a:schemeClr>
-          </a:lnRef>
-          <a:fillRef idx="1">
-            <a:schemeClr val="accent1"/>
-          </a:fillRef>
-          <a:effectRef idx="0">
-            <a:schemeClr val="accent1"/>
-          </a:effectRef>
-          <a:fontRef idx="minor">
-            <a:schemeClr val="lt1"/>
-          </a:fontRef>
-        </p:style>
-        <p:txBody>
-          <a:bodyPr rtlCol="0" anchor="ctr"/>
-          <a:lstStyle/>
-          <a:p>
-            <a:pPr algn="ctr"/>
-            <a:endParaRPr lang="LID4096"/>
-          </a:p>
-        </p:txBody>
-      </p:sp>
-      <p:sp>
-        <p:nvSpPr>
-          <p:cNvPr id="9" name="Rectangle 8">
-            <a:extLst>
-              <a:ext uri="{FF2B5EF4-FFF2-40B4-BE49-F238E27FC236}">
-                <a16:creationId xmlns:a16="http://schemas.microsoft.com/office/drawing/2014/main" id="{7A9F38C5-3172-4C88-BEB9-78B1C80CB300}"/>
-              </a:ext>
-            </a:extLst>
-          </p:cNvPr>
-          <p:cNvSpPr/>
-          <p:nvPr/>
-        </p:nvSpPr>
-        <p:spPr>
-          <a:xfrm>
-            <a:off x="4738384" y="1157447"/>
-            <a:ext cx="1182254" cy="1182254"/>
-          </a:xfrm>
-          <a:prstGeom prst="rect">
-            <a:avLst/>
-          </a:prstGeom>
-          <a:noFill/>
-          <a:ln w="19050">
-            <a:noFill/>
-          </a:ln>
-        </p:spPr>
-        <p:style>
-          <a:lnRef idx="2">
-            <a:schemeClr val="accent1">
-              <a:shade val="50000"/>
-            </a:schemeClr>
-          </a:lnRef>
-          <a:fillRef idx="1">
-            <a:schemeClr val="accent1"/>
-          </a:fillRef>
-          <a:effectRef idx="0">
-            <a:schemeClr val="accent1"/>
-          </a:effectRef>
-          <a:fontRef idx="minor">
-            <a:schemeClr val="lt1"/>
-          </a:fontRef>
-        </p:style>
-        <p:txBody>
-          <a:bodyPr rtlCol="0" anchor="ctr"/>
-          <a:lstStyle/>
-          <a:p>
-            <a:pPr algn="ctr"/>
-            <a:endParaRPr lang="LID4096"/>
-          </a:p>
-        </p:txBody>
-      </p:sp>
-      <p:sp>
-        <p:nvSpPr>
-          <p:cNvPr id="10" name="Rectangle 9">
-            <a:extLst>
-              <a:ext uri="{FF2B5EF4-FFF2-40B4-BE49-F238E27FC236}">
-                <a16:creationId xmlns:a16="http://schemas.microsoft.com/office/drawing/2014/main" id="{D116F38A-E07F-4B4A-A928-F7666AEAFE55}"/>
-              </a:ext>
-            </a:extLst>
-          </p:cNvPr>
-          <p:cNvSpPr/>
-          <p:nvPr/>
-        </p:nvSpPr>
-        <p:spPr>
-          <a:xfrm>
-            <a:off x="6565465" y="1157447"/>
-            <a:ext cx="1182254" cy="1182254"/>
-          </a:xfrm>
-          <a:prstGeom prst="rect">
-            <a:avLst/>
-          </a:prstGeom>
-          <a:noFill/>
-          <a:ln w="19050">
-            <a:noFill/>
-          </a:ln>
-        </p:spPr>
-        <p:style>
-          <a:lnRef idx="2">
-            <a:schemeClr val="accent1">
-              <a:shade val="50000"/>
-            </a:schemeClr>
-          </a:lnRef>
-          <a:fillRef idx="1">
-            <a:schemeClr val="accent1"/>
-          </a:fillRef>
-          <a:effectRef idx="0">
-            <a:schemeClr val="accent1"/>
-          </a:effectRef>
-          <a:fontRef idx="minor">
-            <a:schemeClr val="lt1"/>
-          </a:fontRef>
-        </p:style>
-        <p:txBody>
-          <a:bodyPr rtlCol="0" anchor="ctr"/>
-          <a:lstStyle/>
-          <a:p>
-            <a:pPr algn="ctr"/>
-            <a:endParaRPr lang="LID4096" dirty="0">
-              <a:solidFill>
-                <a:schemeClr val="tx1"/>
-              </a:solidFill>
-            </a:endParaRPr>
-          </a:p>
-        </p:txBody>
-      </p:sp>
-      <p:sp>
-        <p:nvSpPr>
-          <p:cNvPr id="11" name="Rectangle 10">
-            <a:extLst>
-              <a:ext uri="{FF2B5EF4-FFF2-40B4-BE49-F238E27FC236}">
-                <a16:creationId xmlns:a16="http://schemas.microsoft.com/office/drawing/2014/main" id="{8E2E6654-CC92-4CE0-938B-E385DD361A79}"/>
-              </a:ext>
-            </a:extLst>
-          </p:cNvPr>
-          <p:cNvSpPr/>
-          <p:nvPr/>
-        </p:nvSpPr>
-        <p:spPr>
-          <a:xfrm>
-            <a:off x="6565465" y="2998352"/>
-            <a:ext cx="1182254" cy="1182254"/>
-          </a:xfrm>
-          <a:prstGeom prst="rect">
-            <a:avLst/>
-          </a:prstGeom>
-          <a:noFill/>
-          <a:ln w="19050">
-            <a:noFill/>
-          </a:ln>
-        </p:spPr>
-        <p:style>
-          <a:lnRef idx="2">
-            <a:schemeClr val="accent1">
-              <a:shade val="50000"/>
-            </a:schemeClr>
-          </a:lnRef>
-          <a:fillRef idx="1">
-            <a:schemeClr val="accent1"/>
-          </a:fillRef>
-          <a:effectRef idx="0">
-            <a:schemeClr val="accent1"/>
-          </a:effectRef>
-          <a:fontRef idx="minor">
-            <a:schemeClr val="lt1"/>
-          </a:fontRef>
-        </p:style>
-        <p:txBody>
-          <a:bodyPr rtlCol="0" anchor="ctr"/>
-          <a:lstStyle/>
-          <a:p>
-            <a:pPr algn="ctr"/>
-            <a:endParaRPr lang="LID4096"/>
-          </a:p>
-        </p:txBody>
-      </p:sp>
-      <p:cxnSp>
-        <p:nvCxnSpPr>
-          <p:cNvPr id="12" name="Straight Arrow Connector 11">
-            <a:extLst>
-              <a:ext uri="{FF2B5EF4-FFF2-40B4-BE49-F238E27FC236}">
-                <a16:creationId xmlns:a16="http://schemas.microsoft.com/office/drawing/2014/main" id="{7E9C0D63-D8B2-4030-9986-D5F92F343472}"/>
-              </a:ext>
-            </a:extLst>
-          </p:cNvPr>
-          <p:cNvCxnSpPr/>
-          <p:nvPr/>
-        </p:nvCxnSpPr>
-        <p:spPr>
-          <a:xfrm flipH="1">
-            <a:off x="7036527" y="1759129"/>
-            <a:ext cx="217714" cy="0"/>
-          </a:xfrm>
-          <a:prstGeom prst="straightConnector1">
-            <a:avLst/>
-          </a:prstGeom>
-          <a:ln w="19050">
-            <a:solidFill>
-              <a:schemeClr val="bg1"/>
-            </a:solidFill>
-            <a:tailEnd type="triangle"/>
-          </a:ln>
-        </p:spPr>
-        <p:style>
-          <a:lnRef idx="1">
-            <a:schemeClr val="accent1"/>
-          </a:lnRef>
-          <a:fillRef idx="0">
-            <a:schemeClr val="accent1"/>
-          </a:fillRef>
-          <a:effectRef idx="0">
-            <a:schemeClr val="accent1"/>
-          </a:effectRef>
-          <a:fontRef idx="minor">
-            <a:schemeClr val="tx1"/>
-          </a:fontRef>
-        </p:style>
-      </p:cxnSp>
-      <p:cxnSp>
-        <p:nvCxnSpPr>
-          <p:cNvPr id="13" name="Straight Arrow Connector 12">
-            <a:extLst>
-              <a:ext uri="{FF2B5EF4-FFF2-40B4-BE49-F238E27FC236}">
-                <a16:creationId xmlns:a16="http://schemas.microsoft.com/office/drawing/2014/main" id="{1C6075D7-50CF-4B7B-9E85-062DD2D88260}"/>
-              </a:ext>
-            </a:extLst>
-          </p:cNvPr>
-          <p:cNvCxnSpPr>
-            <a:cxnSpLocks/>
-          </p:cNvCxnSpPr>
-          <p:nvPr/>
-        </p:nvCxnSpPr>
-        <p:spPr>
-          <a:xfrm rot="10800000" flipH="1">
-            <a:off x="7036527" y="1773434"/>
-            <a:ext cx="217714" cy="0"/>
-          </a:xfrm>
-          <a:prstGeom prst="straightConnector1">
-            <a:avLst/>
-          </a:prstGeom>
-          <a:ln w="19050">
-            <a:solidFill>
-              <a:schemeClr val="tx1"/>
-            </a:solidFill>
-            <a:tailEnd type="triangle"/>
-          </a:ln>
-        </p:spPr>
-        <p:style>
-          <a:lnRef idx="1">
-            <a:schemeClr val="accent1"/>
-          </a:lnRef>
-          <a:fillRef idx="0">
-            <a:schemeClr val="accent1"/>
-          </a:fillRef>
-          <a:effectRef idx="0">
-            <a:schemeClr val="accent1"/>
-          </a:effectRef>
-          <a:fontRef idx="minor">
-            <a:schemeClr val="tx1"/>
-          </a:fontRef>
-        </p:style>
-      </p:cxnSp>
-    </p:spTree>
-    <p:extLst>
-      <p:ext uri="{BB962C8B-B14F-4D97-AF65-F5344CB8AC3E}">
-        <p14:creationId xmlns:p14="http://schemas.microsoft.com/office/powerpoint/2010/main" val="3952862144"/>
-      </p:ext>
-    </p:extLst>
-  </p:cSld>
-  <p:clrMapOvr>
-    <a:masterClrMapping/>
-  </p:clrMapOvr>
-</p:sld>
-</file>
-
-<file path=ppt/slides/slide18.xml><?xml version="1.0" encoding="utf-8"?>
-<p:sld xmlns:a="http://schemas.openxmlformats.org/drawingml/2006/main" xmlns:r="http://schemas.openxmlformats.org/officeDocument/2006/relationships" xmlns:p="http://schemas.openxmlformats.org/presentationml/2006/main">
-  <p:cSld>
-    <p:spTree>
-      <p:nvGrpSpPr>
-        <p:cNvPr id="1" name=""/>
-        <p:cNvGrpSpPr/>
-        <p:nvPr/>
-      </p:nvGrpSpPr>
-      <p:grpSpPr>
-        <a:xfrm>
-          <a:off x="0" y="0"/>
-          <a:ext cx="0" cy="0"/>
-          <a:chOff x="0" y="0"/>
-          <a:chExt cx="0" cy="0"/>
-        </a:xfrm>
-      </p:grpSpPr>
-      <p:sp>
-        <p:nvSpPr>
-          <p:cNvPr id="4" name="Rectangle 3">
-            <a:extLst>
-              <a:ext uri="{FF2B5EF4-FFF2-40B4-BE49-F238E27FC236}">
-                <a16:creationId xmlns:a16="http://schemas.microsoft.com/office/drawing/2014/main" id="{716C5456-621C-4CB2-957A-D06C49F6E38E}"/>
-              </a:ext>
-            </a:extLst>
-          </p:cNvPr>
-          <p:cNvSpPr/>
-          <p:nvPr/>
-        </p:nvSpPr>
-        <p:spPr>
-          <a:xfrm>
-            <a:off x="2911303" y="1157447"/>
-            <a:ext cx="1182254" cy="1182254"/>
-          </a:xfrm>
-          <a:prstGeom prst="rect">
-            <a:avLst/>
-          </a:prstGeom>
-          <a:noFill/>
-          <a:ln w="19050">
-            <a:noFill/>
-          </a:ln>
-        </p:spPr>
-        <p:style>
-          <a:lnRef idx="2">
-            <a:schemeClr val="accent1">
-              <a:shade val="50000"/>
-            </a:schemeClr>
-          </a:lnRef>
-          <a:fillRef idx="1">
-            <a:schemeClr val="accent1"/>
-          </a:fillRef>
-          <a:effectRef idx="0">
-            <a:schemeClr val="accent1"/>
-          </a:effectRef>
-          <a:fontRef idx="minor">
-            <a:schemeClr val="lt1"/>
-          </a:fontRef>
-        </p:style>
-        <p:txBody>
-          <a:bodyPr rtlCol="0" anchor="ctr"/>
-          <a:lstStyle/>
-          <a:p>
-            <a:pPr algn="ctr"/>
-            <a:endParaRPr lang="LID4096"/>
-          </a:p>
-        </p:txBody>
-      </p:sp>
-      <p:sp>
-        <p:nvSpPr>
-          <p:cNvPr id="5" name="Rectangle 4">
-            <a:extLst>
-              <a:ext uri="{FF2B5EF4-FFF2-40B4-BE49-F238E27FC236}">
-                <a16:creationId xmlns:a16="http://schemas.microsoft.com/office/drawing/2014/main" id="{DC9131F1-3C36-4952-AB50-21D9487F0039}"/>
-              </a:ext>
-            </a:extLst>
-          </p:cNvPr>
-          <p:cNvSpPr/>
-          <p:nvPr/>
-        </p:nvSpPr>
-        <p:spPr>
-          <a:xfrm>
-            <a:off x="2911303" y="2998352"/>
-            <a:ext cx="1182254" cy="1182254"/>
-          </a:xfrm>
-          <a:prstGeom prst="rect">
-            <a:avLst/>
-          </a:prstGeom>
-          <a:noFill/>
-          <a:ln w="19050">
-            <a:noFill/>
-          </a:ln>
-        </p:spPr>
-        <p:style>
-          <a:lnRef idx="2">
-            <a:schemeClr val="accent1">
-              <a:shade val="50000"/>
-            </a:schemeClr>
-          </a:lnRef>
-          <a:fillRef idx="1">
-            <a:schemeClr val="accent1"/>
-          </a:fillRef>
-          <a:effectRef idx="0">
-            <a:schemeClr val="accent1"/>
-          </a:effectRef>
-          <a:fontRef idx="minor">
-            <a:schemeClr val="lt1"/>
-          </a:fontRef>
-        </p:style>
-        <p:txBody>
-          <a:bodyPr rtlCol="0" anchor="ctr"/>
-          <a:lstStyle/>
-          <a:p>
-            <a:pPr algn="ctr"/>
-            <a:endParaRPr lang="LID4096"/>
-          </a:p>
-        </p:txBody>
-      </p:sp>
-      <p:sp>
-        <p:nvSpPr>
-          <p:cNvPr id="6" name="Rectangle 5">
-            <a:extLst>
-              <a:ext uri="{FF2B5EF4-FFF2-40B4-BE49-F238E27FC236}">
-                <a16:creationId xmlns:a16="http://schemas.microsoft.com/office/drawing/2014/main" id="{437AB641-AB0C-4469-AD2E-A7DA4A69C7B1}"/>
-              </a:ext>
-            </a:extLst>
-          </p:cNvPr>
-          <p:cNvSpPr/>
-          <p:nvPr/>
-        </p:nvSpPr>
-        <p:spPr>
-          <a:xfrm>
-            <a:off x="2911303" y="4839257"/>
-            <a:ext cx="1182254" cy="1182254"/>
-          </a:xfrm>
-          <a:prstGeom prst="rect">
-            <a:avLst/>
-          </a:prstGeom>
-          <a:noFill/>
-          <a:ln w="19050">
-            <a:noFill/>
-          </a:ln>
-        </p:spPr>
-        <p:style>
-          <a:lnRef idx="2">
-            <a:schemeClr val="accent1">
-              <a:shade val="50000"/>
-            </a:schemeClr>
-          </a:lnRef>
-          <a:fillRef idx="1">
-            <a:schemeClr val="accent1"/>
-          </a:fillRef>
-          <a:effectRef idx="0">
-            <a:schemeClr val="accent1"/>
-          </a:effectRef>
-          <a:fontRef idx="minor">
-            <a:schemeClr val="lt1"/>
-          </a:fontRef>
-        </p:style>
-        <p:txBody>
-          <a:bodyPr rtlCol="0" anchor="ctr"/>
-          <a:lstStyle/>
-          <a:p>
-            <a:pPr algn="ctr"/>
-            <a:endParaRPr lang="LID4096"/>
-          </a:p>
-        </p:txBody>
-      </p:sp>
-      <p:sp>
-        <p:nvSpPr>
-          <p:cNvPr id="7" name="Rectangle 6">
-            <a:extLst>
-              <a:ext uri="{FF2B5EF4-FFF2-40B4-BE49-F238E27FC236}">
-                <a16:creationId xmlns:a16="http://schemas.microsoft.com/office/drawing/2014/main" id="{B3694913-6DA0-404E-96BB-F152D3921DC7}"/>
-              </a:ext>
-            </a:extLst>
-          </p:cNvPr>
-          <p:cNvSpPr/>
-          <p:nvPr/>
-        </p:nvSpPr>
-        <p:spPr>
-          <a:xfrm>
-            <a:off x="4738384" y="4839257"/>
-            <a:ext cx="1182254" cy="1182254"/>
-          </a:xfrm>
-          <a:prstGeom prst="rect">
-            <a:avLst/>
-          </a:prstGeom>
-          <a:noFill/>
-          <a:ln w="19050">
-            <a:noFill/>
-          </a:ln>
-        </p:spPr>
-        <p:style>
-          <a:lnRef idx="2">
-            <a:schemeClr val="accent1">
-              <a:shade val="50000"/>
-            </a:schemeClr>
-          </a:lnRef>
-          <a:fillRef idx="1">
-            <a:schemeClr val="accent1"/>
-          </a:fillRef>
-          <a:effectRef idx="0">
-            <a:schemeClr val="accent1"/>
-          </a:effectRef>
-          <a:fontRef idx="minor">
-            <a:schemeClr val="lt1"/>
-          </a:fontRef>
-        </p:style>
-        <p:txBody>
-          <a:bodyPr rtlCol="0" anchor="ctr"/>
-          <a:lstStyle/>
-          <a:p>
-            <a:pPr algn="ctr"/>
-            <a:endParaRPr lang="LID4096"/>
-          </a:p>
-        </p:txBody>
-      </p:sp>
-      <p:sp>
-        <p:nvSpPr>
-          <p:cNvPr id="8" name="Rectangle 7">
-            <a:extLst>
-              <a:ext uri="{FF2B5EF4-FFF2-40B4-BE49-F238E27FC236}">
-                <a16:creationId xmlns:a16="http://schemas.microsoft.com/office/drawing/2014/main" id="{5A984827-D88E-46E0-8504-F53796FD4C8D}"/>
-              </a:ext>
-            </a:extLst>
-          </p:cNvPr>
-          <p:cNvSpPr/>
-          <p:nvPr/>
-        </p:nvSpPr>
-        <p:spPr>
-          <a:xfrm>
-            <a:off x="6565465" y="4839257"/>
-            <a:ext cx="1182254" cy="1182254"/>
-          </a:xfrm>
-          <a:prstGeom prst="rect">
-            <a:avLst/>
-          </a:prstGeom>
-          <a:noFill/>
-          <a:ln w="19050">
-            <a:noFill/>
-          </a:ln>
-        </p:spPr>
-        <p:style>
-          <a:lnRef idx="2">
-            <a:schemeClr val="accent1">
-              <a:shade val="50000"/>
-            </a:schemeClr>
-          </a:lnRef>
-          <a:fillRef idx="1">
-            <a:schemeClr val="accent1"/>
-          </a:fillRef>
-          <a:effectRef idx="0">
-            <a:schemeClr val="accent1"/>
-          </a:effectRef>
-          <a:fontRef idx="minor">
-            <a:schemeClr val="lt1"/>
-          </a:fontRef>
-        </p:style>
-        <p:txBody>
-          <a:bodyPr rtlCol="0" anchor="ctr"/>
-          <a:lstStyle/>
-          <a:p>
-            <a:pPr algn="ctr"/>
-            <a:endParaRPr lang="LID4096"/>
-          </a:p>
-        </p:txBody>
-      </p:sp>
-      <p:sp>
-        <p:nvSpPr>
-          <p:cNvPr id="9" name="Rectangle 8">
-            <a:extLst>
-              <a:ext uri="{FF2B5EF4-FFF2-40B4-BE49-F238E27FC236}">
-                <a16:creationId xmlns:a16="http://schemas.microsoft.com/office/drawing/2014/main" id="{7A9F38C5-3172-4C88-BEB9-78B1C80CB300}"/>
-              </a:ext>
-            </a:extLst>
-          </p:cNvPr>
-          <p:cNvSpPr/>
-          <p:nvPr/>
-        </p:nvSpPr>
-        <p:spPr>
-          <a:xfrm>
-            <a:off x="4738384" y="1157447"/>
-            <a:ext cx="1182254" cy="1182254"/>
-          </a:xfrm>
-          <a:prstGeom prst="rect">
-            <a:avLst/>
-          </a:prstGeom>
-          <a:noFill/>
-          <a:ln w="19050">
-            <a:noFill/>
-          </a:ln>
-        </p:spPr>
-        <p:style>
-          <a:lnRef idx="2">
-            <a:schemeClr val="accent1">
-              <a:shade val="50000"/>
-            </a:schemeClr>
-          </a:lnRef>
-          <a:fillRef idx="1">
-            <a:schemeClr val="accent1"/>
-          </a:fillRef>
-          <a:effectRef idx="0">
-            <a:schemeClr val="accent1"/>
-          </a:effectRef>
-          <a:fontRef idx="minor">
-            <a:schemeClr val="lt1"/>
-          </a:fontRef>
-        </p:style>
-        <p:txBody>
-          <a:bodyPr rtlCol="0" anchor="ctr"/>
-          <a:lstStyle/>
-          <a:p>
-            <a:pPr algn="ctr"/>
-            <a:endParaRPr lang="LID4096" dirty="0">
-              <a:solidFill>
-                <a:schemeClr val="tx1"/>
-              </a:solidFill>
-            </a:endParaRPr>
-          </a:p>
-        </p:txBody>
-      </p:sp>
-      <p:sp>
-        <p:nvSpPr>
-          <p:cNvPr id="10" name="Rectangle 9">
-            <a:extLst>
-              <a:ext uri="{FF2B5EF4-FFF2-40B4-BE49-F238E27FC236}">
-                <a16:creationId xmlns:a16="http://schemas.microsoft.com/office/drawing/2014/main" id="{D116F38A-E07F-4B4A-A928-F7666AEAFE55}"/>
-              </a:ext>
-            </a:extLst>
-          </p:cNvPr>
-          <p:cNvSpPr/>
-          <p:nvPr/>
-        </p:nvSpPr>
-        <p:spPr>
-          <a:xfrm>
-            <a:off x="6565465" y="1157447"/>
-            <a:ext cx="1182254" cy="1182254"/>
-          </a:xfrm>
-          <a:prstGeom prst="rect">
-            <a:avLst/>
-          </a:prstGeom>
-          <a:noFill/>
-          <a:ln w="19050">
-            <a:noFill/>
-          </a:ln>
-        </p:spPr>
-        <p:style>
-          <a:lnRef idx="2">
-            <a:schemeClr val="accent1">
-              <a:shade val="50000"/>
-            </a:schemeClr>
-          </a:lnRef>
-          <a:fillRef idx="1">
-            <a:schemeClr val="accent1"/>
-          </a:fillRef>
-          <a:effectRef idx="0">
-            <a:schemeClr val="accent1"/>
-          </a:effectRef>
-          <a:fontRef idx="minor">
-            <a:schemeClr val="lt1"/>
-          </a:fontRef>
-        </p:style>
-        <p:txBody>
-          <a:bodyPr rtlCol="0" anchor="ctr"/>
-          <a:lstStyle/>
-          <a:p>
-            <a:pPr algn="ctr"/>
-            <a:endParaRPr lang="LID4096" dirty="0">
-              <a:solidFill>
-                <a:schemeClr val="tx1"/>
-              </a:solidFill>
-            </a:endParaRPr>
-          </a:p>
-        </p:txBody>
-      </p:sp>
-      <p:sp>
-        <p:nvSpPr>
-          <p:cNvPr id="11" name="Rectangle 10">
-            <a:extLst>
-              <a:ext uri="{FF2B5EF4-FFF2-40B4-BE49-F238E27FC236}">
-                <a16:creationId xmlns:a16="http://schemas.microsoft.com/office/drawing/2014/main" id="{8E2E6654-CC92-4CE0-938B-E385DD361A79}"/>
-              </a:ext>
-            </a:extLst>
-          </p:cNvPr>
-          <p:cNvSpPr/>
-          <p:nvPr/>
-        </p:nvSpPr>
-        <p:spPr>
-          <a:xfrm>
-            <a:off x="6565465" y="2998352"/>
-            <a:ext cx="1182254" cy="1182254"/>
-          </a:xfrm>
-          <a:prstGeom prst="rect">
-            <a:avLst/>
-          </a:prstGeom>
-          <a:noFill/>
-          <a:ln w="19050">
-            <a:noFill/>
-          </a:ln>
-        </p:spPr>
-        <p:style>
-          <a:lnRef idx="2">
-            <a:schemeClr val="accent1">
-              <a:shade val="50000"/>
-            </a:schemeClr>
-          </a:lnRef>
-          <a:fillRef idx="1">
-            <a:schemeClr val="accent1"/>
-          </a:fillRef>
-          <a:effectRef idx="0">
-            <a:schemeClr val="accent1"/>
-          </a:effectRef>
-          <a:fontRef idx="minor">
-            <a:schemeClr val="lt1"/>
-          </a:fontRef>
-        </p:style>
-        <p:txBody>
-          <a:bodyPr rtlCol="0" anchor="ctr"/>
-          <a:lstStyle/>
-          <a:p>
-            <a:pPr algn="ctr"/>
-            <a:endParaRPr lang="LID4096"/>
-          </a:p>
-        </p:txBody>
-      </p:sp>
-      <p:cxnSp>
-        <p:nvCxnSpPr>
-          <p:cNvPr id="12" name="Straight Arrow Connector 11">
-            <a:extLst>
-              <a:ext uri="{FF2B5EF4-FFF2-40B4-BE49-F238E27FC236}">
-                <a16:creationId xmlns:a16="http://schemas.microsoft.com/office/drawing/2014/main" id="{11D98802-E630-4D63-A88A-183A6EAB97F5}"/>
-              </a:ext>
-            </a:extLst>
-          </p:cNvPr>
-          <p:cNvCxnSpPr/>
-          <p:nvPr/>
-        </p:nvCxnSpPr>
-        <p:spPr>
-          <a:xfrm flipH="1">
-            <a:off x="5207727" y="1759129"/>
-            <a:ext cx="217714" cy="0"/>
-          </a:xfrm>
-          <a:prstGeom prst="straightConnector1">
-            <a:avLst/>
-          </a:prstGeom>
-          <a:ln w="19050">
-            <a:solidFill>
-              <a:schemeClr val="bg1"/>
-            </a:solidFill>
-            <a:tailEnd type="triangle"/>
-          </a:ln>
-        </p:spPr>
-        <p:style>
-          <a:lnRef idx="1">
-            <a:schemeClr val="accent1"/>
-          </a:lnRef>
-          <a:fillRef idx="0">
-            <a:schemeClr val="accent1"/>
-          </a:fillRef>
-          <a:effectRef idx="0">
-            <a:schemeClr val="accent1"/>
-          </a:effectRef>
-          <a:fontRef idx="minor">
-            <a:schemeClr val="tx1"/>
-          </a:fontRef>
-        </p:style>
-      </p:cxnSp>
-      <p:cxnSp>
-        <p:nvCxnSpPr>
-          <p:cNvPr id="13" name="Straight Arrow Connector 12">
-            <a:extLst>
-              <a:ext uri="{FF2B5EF4-FFF2-40B4-BE49-F238E27FC236}">
-                <a16:creationId xmlns:a16="http://schemas.microsoft.com/office/drawing/2014/main" id="{2302FD80-0A7D-4E9A-A35C-76E9BE8F9D7E}"/>
-              </a:ext>
-            </a:extLst>
-          </p:cNvPr>
-          <p:cNvCxnSpPr>
-            <a:cxnSpLocks/>
-          </p:cNvCxnSpPr>
-          <p:nvPr/>
-        </p:nvCxnSpPr>
-        <p:spPr>
-          <a:xfrm rot="10800000" flipH="1">
-            <a:off x="5207727" y="1759129"/>
-            <a:ext cx="217714" cy="0"/>
-          </a:xfrm>
-          <a:prstGeom prst="straightConnector1">
-            <a:avLst/>
-          </a:prstGeom>
-          <a:ln w="19050">
-            <a:solidFill>
-              <a:schemeClr val="tx1"/>
-            </a:solidFill>
-            <a:tailEnd type="triangle"/>
-          </a:ln>
-        </p:spPr>
-        <p:style>
-          <a:lnRef idx="1">
-            <a:schemeClr val="accent1"/>
-          </a:lnRef>
-          <a:fillRef idx="0">
-            <a:schemeClr val="accent1"/>
-          </a:fillRef>
-          <a:effectRef idx="0">
-            <a:schemeClr val="accent1"/>
-          </a:effectRef>
-          <a:fontRef idx="minor">
-            <a:schemeClr val="tx1"/>
-          </a:fontRef>
-        </p:style>
-      </p:cxnSp>
-    </p:spTree>
-    <p:extLst>
-      <p:ext uri="{BB962C8B-B14F-4D97-AF65-F5344CB8AC3E}">
-        <p14:creationId xmlns:p14="http://schemas.microsoft.com/office/powerpoint/2010/main" val="174609567"/>
+        <p14:creationId xmlns:p14="http://schemas.microsoft.com/office/powerpoint/2010/main" val="3628087600"/>
       </p:ext>
     </p:extLst>
   </p:cSld>
@@ -8602,14 +4561,6 @@
           <a:lstStyle/>
           <a:p>
             <a:pPr algn="ctr"/>
-            <a:r>
-              <a:rPr lang="en-US" dirty="0">
-                <a:solidFill>
-                  <a:schemeClr val="tx1"/>
-                </a:solidFill>
-              </a:rPr>
-              <a:t>x</a:t>
-            </a:r>
             <a:endParaRPr lang="LID4096" dirty="0">
               <a:solidFill>
                 <a:schemeClr val="tx1"/>
@@ -8666,14 +4617,6 @@
           <a:lstStyle/>
           <a:p>
             <a:pPr algn="ctr"/>
-            <a:r>
-              <a:rPr lang="en-US" dirty="0">
-                <a:solidFill>
-                  <a:schemeClr val="tx1"/>
-                </a:solidFill>
-              </a:rPr>
-              <a:t>x</a:t>
-            </a:r>
             <a:endParaRPr lang="LID4096" dirty="0">
               <a:solidFill>
                 <a:schemeClr val="tx1"/>
@@ -8730,14 +4673,6 @@
           <a:lstStyle/>
           <a:p>
             <a:pPr algn="ctr"/>
-            <a:r>
-              <a:rPr lang="en-US" dirty="0">
-                <a:solidFill>
-                  <a:schemeClr val="tx1"/>
-                </a:solidFill>
-              </a:rPr>
-              <a:t>x</a:t>
-            </a:r>
             <a:endParaRPr lang="LID4096" dirty="0">
               <a:solidFill>
                 <a:schemeClr val="tx1"/>
@@ -8794,14 +4729,6 @@
           <a:lstStyle/>
           <a:p>
             <a:pPr algn="ctr"/>
-            <a:r>
-              <a:rPr lang="en-US" dirty="0">
-                <a:solidFill>
-                  <a:schemeClr val="tx1"/>
-                </a:solidFill>
-              </a:rPr>
-              <a:t>x</a:t>
-            </a:r>
             <a:endParaRPr lang="LID4096" dirty="0">
               <a:solidFill>
                 <a:schemeClr val="tx1"/>
@@ -8858,14 +4785,6 @@
           <a:lstStyle/>
           <a:p>
             <a:pPr algn="ctr"/>
-            <a:r>
-              <a:rPr lang="en-US" dirty="0">
-                <a:solidFill>
-                  <a:schemeClr val="tx1"/>
-                </a:solidFill>
-              </a:rPr>
-              <a:t>x</a:t>
-            </a:r>
             <a:endParaRPr lang="LID4096" dirty="0">
               <a:solidFill>
                 <a:schemeClr val="tx1"/>
@@ -8928,7 +4847,7 @@
                   <a:schemeClr val="tx1"/>
                 </a:solidFill>
               </a:rPr>
-              <a:t>x</a:t>
+              <a:t>*</a:t>
             </a:r>
             <a:endParaRPr lang="LID4096" dirty="0">
               <a:solidFill>
@@ -8986,14 +4905,6 @@
           <a:lstStyle/>
           <a:p>
             <a:pPr algn="ctr"/>
-            <a:r>
-              <a:rPr lang="en-US" dirty="0">
-                <a:solidFill>
-                  <a:schemeClr val="tx1"/>
-                </a:solidFill>
-              </a:rPr>
-              <a:t>x</a:t>
-            </a:r>
             <a:endParaRPr lang="LID4096" dirty="0">
               <a:solidFill>
                 <a:schemeClr val="tx1"/>
@@ -9050,14 +4961,6 @@
           <a:lstStyle/>
           <a:p>
             <a:pPr algn="ctr"/>
-            <a:r>
-              <a:rPr lang="en-US" dirty="0">
-                <a:solidFill>
-                  <a:schemeClr val="tx1"/>
-                </a:solidFill>
-              </a:rPr>
-              <a:t>x</a:t>
-            </a:r>
             <a:endParaRPr lang="LID4096" dirty="0">
               <a:solidFill>
                 <a:schemeClr val="tx1"/>
@@ -9105,7 +5008,7 @@
     </p:spTree>
     <p:extLst>
       <p:ext uri="{BB962C8B-B14F-4D97-AF65-F5344CB8AC3E}">
-        <p14:creationId xmlns:p14="http://schemas.microsoft.com/office/powerpoint/2010/main" val="1276770982"/>
+        <p14:creationId xmlns:p14="http://schemas.microsoft.com/office/powerpoint/2010/main" val="978679409"/>
       </p:ext>
     </p:extLst>
   </p:cSld>
@@ -9146,7 +5049,7 @@
         </p:nvSpPr>
         <p:spPr>
           <a:xfrm>
-            <a:off x="2911303" y="1157447"/>
+            <a:off x="3293308" y="1561200"/>
             <a:ext cx="1182254" cy="1182254"/>
           </a:xfrm>
           <a:prstGeom prst="rect">
@@ -9180,6 +5083,14 @@
           <a:lstStyle/>
           <a:p>
             <a:pPr algn="ctr"/>
+            <a:r>
+              <a:rPr lang="en-US" dirty="0">
+                <a:solidFill>
+                  <a:schemeClr val="tx1"/>
+                </a:solidFill>
+              </a:rPr>
+              <a:t>*</a:t>
+            </a:r>
             <a:endParaRPr lang="LID4096" dirty="0">
               <a:solidFill>
                 <a:schemeClr val="tx1"/>
@@ -9202,7 +5113,7 @@
         </p:nvSpPr>
         <p:spPr>
           <a:xfrm>
-            <a:off x="2911303" y="2998352"/>
+            <a:off x="2752682" y="2849062"/>
             <a:ext cx="1182254" cy="1182254"/>
           </a:xfrm>
           <a:prstGeom prst="rect">
@@ -9236,7 +5147,11 @@
           <a:lstStyle/>
           <a:p>
             <a:pPr algn="ctr"/>
-            <a:endParaRPr lang="LID4096"/>
+            <a:endParaRPr lang="LID4096" dirty="0">
+              <a:solidFill>
+                <a:schemeClr val="tx1"/>
+              </a:solidFill>
+            </a:endParaRPr>
           </a:p>
         </p:txBody>
       </p:sp>
@@ -9254,7 +5169,7 @@
         </p:nvSpPr>
         <p:spPr>
           <a:xfrm>
-            <a:off x="2911303" y="4839257"/>
+            <a:off x="3293308" y="4136924"/>
             <a:ext cx="1182254" cy="1182254"/>
           </a:xfrm>
           <a:prstGeom prst="rect">
@@ -9288,7 +5203,11 @@
           <a:lstStyle/>
           <a:p>
             <a:pPr algn="ctr"/>
-            <a:endParaRPr lang="LID4096"/>
+            <a:endParaRPr lang="LID4096" dirty="0">
+              <a:solidFill>
+                <a:schemeClr val="tx1"/>
+              </a:solidFill>
+            </a:endParaRPr>
           </a:p>
         </p:txBody>
       </p:sp>
@@ -9306,7 +5225,7 @@
         </p:nvSpPr>
         <p:spPr>
           <a:xfrm>
-            <a:off x="4738384" y="4839257"/>
+            <a:off x="4576566" y="4672580"/>
             <a:ext cx="1182254" cy="1182254"/>
           </a:xfrm>
           <a:prstGeom prst="rect">
@@ -9340,7 +5259,11 @@
           <a:lstStyle/>
           <a:p>
             <a:pPr algn="ctr"/>
-            <a:endParaRPr lang="LID4096"/>
+            <a:endParaRPr lang="LID4096" dirty="0">
+              <a:solidFill>
+                <a:schemeClr val="tx1"/>
+              </a:solidFill>
+            </a:endParaRPr>
           </a:p>
         </p:txBody>
       </p:sp>
@@ -9358,7 +5281,7 @@
         </p:nvSpPr>
         <p:spPr>
           <a:xfrm>
-            <a:off x="6565465" y="4839257"/>
+            <a:off x="5859824" y="4136924"/>
             <a:ext cx="1182254" cy="1182254"/>
           </a:xfrm>
           <a:prstGeom prst="rect">
@@ -9392,7 +5315,11 @@
           <a:lstStyle/>
           <a:p>
             <a:pPr algn="ctr"/>
-            <a:endParaRPr lang="LID4096"/>
+            <a:endParaRPr lang="LID4096" dirty="0">
+              <a:solidFill>
+                <a:schemeClr val="tx1"/>
+              </a:solidFill>
+            </a:endParaRPr>
           </a:p>
         </p:txBody>
       </p:sp>
@@ -9410,7 +5337,7 @@
         </p:nvSpPr>
         <p:spPr>
           <a:xfrm>
-            <a:off x="4738384" y="1157447"/>
+            <a:off x="4576566" y="1025790"/>
             <a:ext cx="1182254" cy="1182254"/>
           </a:xfrm>
           <a:prstGeom prst="rect">
@@ -9444,7 +5371,11 @@
           <a:lstStyle/>
           <a:p>
             <a:pPr algn="ctr"/>
-            <a:endParaRPr lang="LID4096"/>
+            <a:endParaRPr lang="LID4096" dirty="0">
+              <a:solidFill>
+                <a:schemeClr val="tx1"/>
+              </a:solidFill>
+            </a:endParaRPr>
           </a:p>
         </p:txBody>
       </p:sp>
@@ -9462,7 +5393,7 @@
         </p:nvSpPr>
         <p:spPr>
           <a:xfrm>
-            <a:off x="6565465" y="1157447"/>
+            <a:off x="5859824" y="1569074"/>
             <a:ext cx="1182254" cy="1182254"/>
           </a:xfrm>
           <a:prstGeom prst="rect">
@@ -9496,7 +5427,11 @@
           <a:lstStyle/>
           <a:p>
             <a:pPr algn="ctr"/>
-            <a:endParaRPr lang="LID4096"/>
+            <a:endParaRPr lang="LID4096" dirty="0">
+              <a:solidFill>
+                <a:schemeClr val="tx1"/>
+              </a:solidFill>
+            </a:endParaRPr>
           </a:p>
         </p:txBody>
       </p:sp>
@@ -9514,7 +5449,7 @@
         </p:nvSpPr>
         <p:spPr>
           <a:xfrm>
-            <a:off x="6565465" y="2998352"/>
+            <a:off x="6400450" y="2852999"/>
             <a:ext cx="1182254" cy="1182254"/>
           </a:xfrm>
           <a:prstGeom prst="rect">
@@ -9548,56 +5483,54 @@
           <a:lstStyle/>
           <a:p>
             <a:pPr algn="ctr"/>
-            <a:endParaRPr lang="LID4096"/>
-          </a:p>
-        </p:txBody>
-      </p:sp>
-      <p:cxnSp>
-        <p:nvCxnSpPr>
-          <p:cNvPr id="13" name="Straight Arrow Connector 12">
-            <a:extLst>
-              <a:ext uri="{FF2B5EF4-FFF2-40B4-BE49-F238E27FC236}">
-                <a16:creationId xmlns:a16="http://schemas.microsoft.com/office/drawing/2014/main" id="{8506F469-ABD6-4E42-9B5B-79B7CF65E191}"/>
-              </a:ext>
-            </a:extLst>
-          </p:cNvPr>
-          <p:cNvCxnSpPr/>
-          <p:nvPr/>
-        </p:nvCxnSpPr>
-        <p:spPr>
-          <a:xfrm flipH="1">
-            <a:off x="3370219" y="1759131"/>
-            <a:ext cx="217714" cy="0"/>
-          </a:xfrm>
-          <a:prstGeom prst="straightConnector1">
-            <a:avLst/>
-          </a:prstGeom>
-          <a:ln w="19050">
-            <a:solidFill>
-              <a:schemeClr val="tx1"/>
-            </a:solidFill>
-            <a:tailEnd type="triangle"/>
-          </a:ln>
-        </p:spPr>
-        <p:style>
-          <a:lnRef idx="1">
-            <a:schemeClr val="accent1"/>
-          </a:lnRef>
-          <a:fillRef idx="0">
-            <a:schemeClr val="accent1"/>
-          </a:fillRef>
-          <a:effectRef idx="0">
-            <a:schemeClr val="accent1"/>
-          </a:effectRef>
-          <a:fontRef idx="minor">
-            <a:schemeClr val="tx1"/>
-          </a:fontRef>
-        </p:style>
-      </p:cxnSp>
+            <a:endParaRPr lang="LID4096" dirty="0">
+              <a:solidFill>
+                <a:schemeClr val="tx1"/>
+              </a:solidFill>
+            </a:endParaRPr>
+          </a:p>
+        </p:txBody>
+      </p:sp>
+      <p:sp>
+        <p:nvSpPr>
+          <p:cNvPr id="24" name="TextBox 23">
+            <a:extLst>
+              <a:ext uri="{FF2B5EF4-FFF2-40B4-BE49-F238E27FC236}">
+                <a16:creationId xmlns:a16="http://schemas.microsoft.com/office/drawing/2014/main" id="{272A6803-1028-4FFF-A84F-97B740A189FA}"/>
+              </a:ext>
+            </a:extLst>
+          </p:cNvPr>
+          <p:cNvSpPr txBox="1"/>
+          <p:nvPr/>
+        </p:nvSpPr>
+        <p:spPr>
+          <a:xfrm>
+            <a:off x="5001613" y="3209356"/>
+            <a:ext cx="338554" cy="461665"/>
+          </a:xfrm>
+          <a:prstGeom prst="rect">
+            <a:avLst/>
+          </a:prstGeom>
+          <a:noFill/>
+        </p:spPr>
+        <p:txBody>
+          <a:bodyPr wrap="none" rtlCol="0">
+            <a:spAutoFit/>
+          </a:bodyPr>
+          <a:lstStyle/>
+          <a:p>
+            <a:r>
+              <a:rPr lang="en-US" sz="2400" dirty="0"/>
+              <a:t>+</a:t>
+            </a:r>
+            <a:endParaRPr lang="LID4096" sz="2400" dirty="0"/>
+          </a:p>
+        </p:txBody>
+      </p:sp>
     </p:spTree>
     <p:extLst>
       <p:ext uri="{BB962C8B-B14F-4D97-AF65-F5344CB8AC3E}">
-        <p14:creationId xmlns:p14="http://schemas.microsoft.com/office/powerpoint/2010/main" val="1065685131"/>
+        <p14:creationId xmlns:p14="http://schemas.microsoft.com/office/powerpoint/2010/main" val="2052782570"/>
       </p:ext>
     </p:extLst>
   </p:cSld>
@@ -9638,7 +5571,7 @@
         </p:nvSpPr>
         <p:spPr>
           <a:xfrm>
-            <a:off x="2911303" y="1157447"/>
+            <a:off x="3293308" y="1561200"/>
             <a:ext cx="1182254" cy="1182254"/>
           </a:xfrm>
           <a:prstGeom prst="rect">
@@ -9647,7 +5580,7 @@
           <a:noFill/>
           <a:ln w="19050">
             <a:solidFill>
-              <a:schemeClr val="bg1"/>
+              <a:schemeClr val="tx1"/>
             </a:solidFill>
           </a:ln>
         </p:spPr>
@@ -9672,7 +5605,11 @@
           <a:lstStyle/>
           <a:p>
             <a:pPr algn="ctr"/>
-            <a:endParaRPr lang="LID4096"/>
+            <a:endParaRPr lang="LID4096" dirty="0">
+              <a:solidFill>
+                <a:schemeClr val="tx1"/>
+              </a:solidFill>
+            </a:endParaRPr>
           </a:p>
         </p:txBody>
       </p:sp>
@@ -9690,7 +5627,7 @@
         </p:nvSpPr>
         <p:spPr>
           <a:xfrm>
-            <a:off x="2911303" y="2998352"/>
+            <a:off x="2752682" y="2849062"/>
             <a:ext cx="1182254" cy="1182254"/>
           </a:xfrm>
           <a:prstGeom prst="rect">
@@ -9699,7 +5636,7 @@
           <a:noFill/>
           <a:ln w="19050">
             <a:solidFill>
-              <a:schemeClr val="bg1"/>
+              <a:schemeClr val="tx1"/>
             </a:solidFill>
           </a:ln>
         </p:spPr>
@@ -9724,6 +5661,14 @@
           <a:lstStyle/>
           <a:p>
             <a:pPr algn="ctr"/>
+            <a:r>
+              <a:rPr lang="en-US" dirty="0">
+                <a:solidFill>
+                  <a:schemeClr val="tx1"/>
+                </a:solidFill>
+              </a:rPr>
+              <a:t>*</a:t>
+            </a:r>
             <a:endParaRPr lang="LID4096" dirty="0">
               <a:solidFill>
                 <a:schemeClr val="tx1"/>
@@ -9746,7 +5691,7 @@
         </p:nvSpPr>
         <p:spPr>
           <a:xfrm>
-            <a:off x="2911303" y="4839257"/>
+            <a:off x="3293308" y="4136924"/>
             <a:ext cx="1182254" cy="1182254"/>
           </a:xfrm>
           <a:prstGeom prst="rect">
@@ -9755,7 +5700,7 @@
           <a:noFill/>
           <a:ln w="19050">
             <a:solidFill>
-              <a:schemeClr val="bg1"/>
+              <a:schemeClr val="tx1"/>
             </a:solidFill>
           </a:ln>
         </p:spPr>
@@ -9802,7 +5747,7 @@
         </p:nvSpPr>
         <p:spPr>
           <a:xfrm>
-            <a:off x="4738384" y="4839257"/>
+            <a:off x="4576566" y="4672580"/>
             <a:ext cx="1182254" cy="1182254"/>
           </a:xfrm>
           <a:prstGeom prst="rect">
@@ -9811,7 +5756,7 @@
           <a:noFill/>
           <a:ln w="19050">
             <a:solidFill>
-              <a:schemeClr val="bg1"/>
+              <a:schemeClr val="tx1"/>
             </a:solidFill>
           </a:ln>
         </p:spPr>
@@ -9858,7 +5803,7 @@
         </p:nvSpPr>
         <p:spPr>
           <a:xfrm>
-            <a:off x="6565465" y="4839257"/>
+            <a:off x="5859824" y="4136924"/>
             <a:ext cx="1182254" cy="1182254"/>
           </a:xfrm>
           <a:prstGeom prst="rect">
@@ -9867,7 +5812,7 @@
           <a:noFill/>
           <a:ln w="19050">
             <a:solidFill>
-              <a:schemeClr val="bg1"/>
+              <a:schemeClr val="tx1"/>
             </a:solidFill>
           </a:ln>
         </p:spPr>
@@ -9914,7 +5859,7 @@
         </p:nvSpPr>
         <p:spPr>
           <a:xfrm>
-            <a:off x="4738384" y="1157447"/>
+            <a:off x="4576566" y="1025790"/>
             <a:ext cx="1182254" cy="1182254"/>
           </a:xfrm>
           <a:prstGeom prst="rect">
@@ -9923,7 +5868,7 @@
           <a:noFill/>
           <a:ln w="19050">
             <a:solidFill>
-              <a:schemeClr val="bg1"/>
+              <a:schemeClr val="tx1"/>
             </a:solidFill>
           </a:ln>
         </p:spPr>
@@ -9948,7 +5893,11 @@
           <a:lstStyle/>
           <a:p>
             <a:pPr algn="ctr"/>
-            <a:endParaRPr lang="LID4096"/>
+            <a:endParaRPr lang="LID4096" dirty="0">
+              <a:solidFill>
+                <a:schemeClr val="tx1"/>
+              </a:solidFill>
+            </a:endParaRPr>
           </a:p>
         </p:txBody>
       </p:sp>
@@ -9966,7 +5915,7 @@
         </p:nvSpPr>
         <p:spPr>
           <a:xfrm>
-            <a:off x="6565465" y="1157447"/>
+            <a:off x="5859824" y="1569074"/>
             <a:ext cx="1182254" cy="1182254"/>
           </a:xfrm>
           <a:prstGeom prst="rect">
@@ -9975,7 +5924,7 @@
           <a:noFill/>
           <a:ln w="19050">
             <a:solidFill>
-              <a:schemeClr val="bg1"/>
+              <a:schemeClr val="tx1"/>
             </a:solidFill>
           </a:ln>
         </p:spPr>
@@ -10000,7 +5949,11 @@
           <a:lstStyle/>
           <a:p>
             <a:pPr algn="ctr"/>
-            <a:endParaRPr lang="LID4096"/>
+            <a:endParaRPr lang="LID4096" dirty="0">
+              <a:solidFill>
+                <a:schemeClr val="tx1"/>
+              </a:solidFill>
+            </a:endParaRPr>
           </a:p>
         </p:txBody>
       </p:sp>
@@ -10018,7 +5971,7 @@
         </p:nvSpPr>
         <p:spPr>
           <a:xfrm>
-            <a:off x="6565465" y="2998352"/>
+            <a:off x="6400450" y="2852999"/>
             <a:ext cx="1182254" cy="1182254"/>
           </a:xfrm>
           <a:prstGeom prst="rect">
@@ -10027,7 +5980,7 @@
           <a:noFill/>
           <a:ln w="19050">
             <a:solidFill>
-              <a:schemeClr val="bg1"/>
+              <a:schemeClr val="tx1"/>
             </a:solidFill>
           </a:ln>
         </p:spPr>
@@ -10052,56 +6005,54 @@
           <a:lstStyle/>
           <a:p>
             <a:pPr algn="ctr"/>
-            <a:endParaRPr lang="LID4096"/>
-          </a:p>
-        </p:txBody>
-      </p:sp>
-      <p:cxnSp>
-        <p:nvCxnSpPr>
-          <p:cNvPr id="12" name="Straight Arrow Connector 11">
-            <a:extLst>
-              <a:ext uri="{FF2B5EF4-FFF2-40B4-BE49-F238E27FC236}">
-                <a16:creationId xmlns:a16="http://schemas.microsoft.com/office/drawing/2014/main" id="{930105EF-5D77-4399-9C98-1ECA66764AD8}"/>
-              </a:ext>
-            </a:extLst>
-          </p:cNvPr>
-          <p:cNvCxnSpPr/>
-          <p:nvPr/>
-        </p:nvCxnSpPr>
-        <p:spPr>
-          <a:xfrm flipH="1">
-            <a:off x="3378927" y="3596639"/>
-            <a:ext cx="217714" cy="0"/>
-          </a:xfrm>
-          <a:prstGeom prst="straightConnector1">
-            <a:avLst/>
-          </a:prstGeom>
-          <a:ln w="19050">
-            <a:solidFill>
-              <a:schemeClr val="tx1"/>
-            </a:solidFill>
-            <a:tailEnd type="triangle"/>
-          </a:ln>
-        </p:spPr>
-        <p:style>
-          <a:lnRef idx="1">
-            <a:schemeClr val="accent1"/>
-          </a:lnRef>
-          <a:fillRef idx="0">
-            <a:schemeClr val="accent1"/>
-          </a:fillRef>
-          <a:effectRef idx="0">
-            <a:schemeClr val="accent1"/>
-          </a:effectRef>
-          <a:fontRef idx="minor">
-            <a:schemeClr val="tx1"/>
-          </a:fontRef>
-        </p:style>
-      </p:cxnSp>
+            <a:endParaRPr lang="LID4096" dirty="0">
+              <a:solidFill>
+                <a:schemeClr val="tx1"/>
+              </a:solidFill>
+            </a:endParaRPr>
+          </a:p>
+        </p:txBody>
+      </p:sp>
+      <p:sp>
+        <p:nvSpPr>
+          <p:cNvPr id="24" name="TextBox 23">
+            <a:extLst>
+              <a:ext uri="{FF2B5EF4-FFF2-40B4-BE49-F238E27FC236}">
+                <a16:creationId xmlns:a16="http://schemas.microsoft.com/office/drawing/2014/main" id="{272A6803-1028-4FFF-A84F-97B740A189FA}"/>
+              </a:ext>
+            </a:extLst>
+          </p:cNvPr>
+          <p:cNvSpPr txBox="1"/>
+          <p:nvPr/>
+        </p:nvSpPr>
+        <p:spPr>
+          <a:xfrm>
+            <a:off x="5001613" y="3209356"/>
+            <a:ext cx="338554" cy="461665"/>
+          </a:xfrm>
+          <a:prstGeom prst="rect">
+            <a:avLst/>
+          </a:prstGeom>
+          <a:noFill/>
+        </p:spPr>
+        <p:txBody>
+          <a:bodyPr wrap="none" rtlCol="0">
+            <a:spAutoFit/>
+          </a:bodyPr>
+          <a:lstStyle/>
+          <a:p>
+            <a:r>
+              <a:rPr lang="en-US" sz="2400" dirty="0"/>
+              <a:t>+</a:t>
+            </a:r>
+            <a:endParaRPr lang="LID4096" sz="2400" dirty="0"/>
+          </a:p>
+        </p:txBody>
+      </p:sp>
     </p:spTree>
     <p:extLst>
       <p:ext uri="{BB962C8B-B14F-4D97-AF65-F5344CB8AC3E}">
-        <p14:creationId xmlns:p14="http://schemas.microsoft.com/office/powerpoint/2010/main" val="3167248545"/>
+        <p14:creationId xmlns:p14="http://schemas.microsoft.com/office/powerpoint/2010/main" val="2460061055"/>
       </p:ext>
     </p:extLst>
   </p:cSld>
@@ -10142,7 +6093,7 @@
         </p:nvSpPr>
         <p:spPr>
           <a:xfrm>
-            <a:off x="2911303" y="1157447"/>
+            <a:off x="3293308" y="1561200"/>
             <a:ext cx="1182254" cy="1182254"/>
           </a:xfrm>
           <a:prstGeom prst="rect">
@@ -10150,7 +6101,9 @@
           </a:prstGeom>
           <a:noFill/>
           <a:ln w="19050">
-            <a:noFill/>
+            <a:solidFill>
+              <a:schemeClr val="tx1"/>
+            </a:solidFill>
           </a:ln>
         </p:spPr>
         <p:style>
@@ -10174,7 +6127,11 @@
           <a:lstStyle/>
           <a:p>
             <a:pPr algn="ctr"/>
-            <a:endParaRPr lang="LID4096"/>
+            <a:endParaRPr lang="LID4096" dirty="0">
+              <a:solidFill>
+                <a:schemeClr val="tx1"/>
+              </a:solidFill>
+            </a:endParaRPr>
           </a:p>
         </p:txBody>
       </p:sp>
@@ -10192,7 +6149,7 @@
         </p:nvSpPr>
         <p:spPr>
           <a:xfrm>
-            <a:off x="2911303" y="2998352"/>
+            <a:off x="2752682" y="2849062"/>
             <a:ext cx="1182254" cy="1182254"/>
           </a:xfrm>
           <a:prstGeom prst="rect">
@@ -10200,7 +6157,9 @@
           </a:prstGeom>
           <a:noFill/>
           <a:ln w="19050">
-            <a:noFill/>
+            <a:solidFill>
+              <a:schemeClr val="tx1"/>
+            </a:solidFill>
           </a:ln>
         </p:spPr>
         <p:style>
@@ -10224,7 +6183,11 @@
           <a:lstStyle/>
           <a:p>
             <a:pPr algn="ctr"/>
-            <a:endParaRPr lang="LID4096"/>
+            <a:endParaRPr lang="LID4096" dirty="0">
+              <a:solidFill>
+                <a:schemeClr val="tx1"/>
+              </a:solidFill>
+            </a:endParaRPr>
           </a:p>
         </p:txBody>
       </p:sp>
@@ -10242,7 +6205,7 @@
         </p:nvSpPr>
         <p:spPr>
           <a:xfrm>
-            <a:off x="2911303" y="4839257"/>
+            <a:off x="3293308" y="4136924"/>
             <a:ext cx="1182254" cy="1182254"/>
           </a:xfrm>
           <a:prstGeom prst="rect">
@@ -10250,7 +6213,9 @@
           </a:prstGeom>
           <a:noFill/>
           <a:ln w="19050">
-            <a:noFill/>
+            <a:solidFill>
+              <a:schemeClr val="tx1"/>
+            </a:solidFill>
           </a:ln>
         </p:spPr>
         <p:style>
@@ -10274,6 +6239,14 @@
           <a:lstStyle/>
           <a:p>
             <a:pPr algn="ctr"/>
+            <a:r>
+              <a:rPr lang="en-US" dirty="0">
+                <a:solidFill>
+                  <a:schemeClr val="tx1"/>
+                </a:solidFill>
+              </a:rPr>
+              <a:t>*</a:t>
+            </a:r>
             <a:endParaRPr lang="LID4096" dirty="0">
               <a:solidFill>
                 <a:schemeClr val="tx1"/>
@@ -10296,7 +6269,7 @@
         </p:nvSpPr>
         <p:spPr>
           <a:xfrm>
-            <a:off x="4738384" y="4839257"/>
+            <a:off x="4576566" y="4672580"/>
             <a:ext cx="1182254" cy="1182254"/>
           </a:xfrm>
           <a:prstGeom prst="rect">
@@ -10304,7 +6277,9 @@
           </a:prstGeom>
           <a:noFill/>
           <a:ln w="19050">
-            <a:noFill/>
+            <a:solidFill>
+              <a:schemeClr val="tx1"/>
+            </a:solidFill>
           </a:ln>
         </p:spPr>
         <p:style>
@@ -10328,7 +6303,11 @@
           <a:lstStyle/>
           <a:p>
             <a:pPr algn="ctr"/>
-            <a:endParaRPr lang="LID4096"/>
+            <a:endParaRPr lang="LID4096" dirty="0">
+              <a:solidFill>
+                <a:schemeClr val="tx1"/>
+              </a:solidFill>
+            </a:endParaRPr>
           </a:p>
         </p:txBody>
       </p:sp>
@@ -10346,7 +6325,7 @@
         </p:nvSpPr>
         <p:spPr>
           <a:xfrm>
-            <a:off x="6565465" y="4839257"/>
+            <a:off x="5859824" y="4136924"/>
             <a:ext cx="1182254" cy="1182254"/>
           </a:xfrm>
           <a:prstGeom prst="rect">
@@ -10354,7 +6333,9 @@
           </a:prstGeom>
           <a:noFill/>
           <a:ln w="19050">
-            <a:noFill/>
+            <a:solidFill>
+              <a:schemeClr val="tx1"/>
+            </a:solidFill>
           </a:ln>
         </p:spPr>
         <p:style>
@@ -10378,7 +6359,11 @@
           <a:lstStyle/>
           <a:p>
             <a:pPr algn="ctr"/>
-            <a:endParaRPr lang="LID4096"/>
+            <a:endParaRPr lang="LID4096" dirty="0">
+              <a:solidFill>
+                <a:schemeClr val="tx1"/>
+              </a:solidFill>
+            </a:endParaRPr>
           </a:p>
         </p:txBody>
       </p:sp>
@@ -10396,7 +6381,7 @@
         </p:nvSpPr>
         <p:spPr>
           <a:xfrm>
-            <a:off x="4738384" y="1157447"/>
+            <a:off x="4576566" y="1025790"/>
             <a:ext cx="1182254" cy="1182254"/>
           </a:xfrm>
           <a:prstGeom prst="rect">
@@ -10404,7 +6389,9 @@
           </a:prstGeom>
           <a:noFill/>
           <a:ln w="19050">
-            <a:noFill/>
+            <a:solidFill>
+              <a:schemeClr val="tx1"/>
+            </a:solidFill>
           </a:ln>
         </p:spPr>
         <p:style>
@@ -10428,7 +6415,11 @@
           <a:lstStyle/>
           <a:p>
             <a:pPr algn="ctr"/>
-            <a:endParaRPr lang="LID4096"/>
+            <a:endParaRPr lang="LID4096" dirty="0">
+              <a:solidFill>
+                <a:schemeClr val="tx1"/>
+              </a:solidFill>
+            </a:endParaRPr>
           </a:p>
         </p:txBody>
       </p:sp>
@@ -10446,7 +6437,7 @@
         </p:nvSpPr>
         <p:spPr>
           <a:xfrm>
-            <a:off x="6565465" y="1157447"/>
+            <a:off x="5859824" y="1569074"/>
             <a:ext cx="1182254" cy="1182254"/>
           </a:xfrm>
           <a:prstGeom prst="rect">
@@ -10454,7 +6445,9 @@
           </a:prstGeom>
           <a:noFill/>
           <a:ln w="19050">
-            <a:noFill/>
+            <a:solidFill>
+              <a:schemeClr val="tx1"/>
+            </a:solidFill>
           </a:ln>
         </p:spPr>
         <p:style>
@@ -10478,7 +6471,11 @@
           <a:lstStyle/>
           <a:p>
             <a:pPr algn="ctr"/>
-            <a:endParaRPr lang="LID4096"/>
+            <a:endParaRPr lang="LID4096" dirty="0">
+              <a:solidFill>
+                <a:schemeClr val="tx1"/>
+              </a:solidFill>
+            </a:endParaRPr>
           </a:p>
         </p:txBody>
       </p:sp>
@@ -10496,7 +6493,7 @@
         </p:nvSpPr>
         <p:spPr>
           <a:xfrm>
-            <a:off x="6565465" y="2998352"/>
+            <a:off x="6400450" y="2852999"/>
             <a:ext cx="1182254" cy="1182254"/>
           </a:xfrm>
           <a:prstGeom prst="rect">
@@ -10504,7 +6501,9 @@
           </a:prstGeom>
           <a:noFill/>
           <a:ln w="19050">
-            <a:noFill/>
+            <a:solidFill>
+              <a:schemeClr val="tx1"/>
+            </a:solidFill>
           </a:ln>
         </p:spPr>
         <p:style>
@@ -10528,56 +6527,54 @@
           <a:lstStyle/>
           <a:p>
             <a:pPr algn="ctr"/>
-            <a:endParaRPr lang="LID4096"/>
-          </a:p>
-        </p:txBody>
-      </p:sp>
-      <p:cxnSp>
-        <p:nvCxnSpPr>
-          <p:cNvPr id="12" name="Straight Arrow Connector 11">
-            <a:extLst>
-              <a:ext uri="{FF2B5EF4-FFF2-40B4-BE49-F238E27FC236}">
-                <a16:creationId xmlns:a16="http://schemas.microsoft.com/office/drawing/2014/main" id="{BFC265A4-5F4E-4F26-B397-761260C1DA3A}"/>
-              </a:ext>
-            </a:extLst>
-          </p:cNvPr>
-          <p:cNvCxnSpPr/>
-          <p:nvPr/>
-        </p:nvCxnSpPr>
-        <p:spPr>
-          <a:xfrm flipH="1">
-            <a:off x="3370219" y="5451565"/>
-            <a:ext cx="217714" cy="0"/>
-          </a:xfrm>
-          <a:prstGeom prst="straightConnector1">
-            <a:avLst/>
-          </a:prstGeom>
-          <a:ln w="19050">
-            <a:solidFill>
-              <a:schemeClr val="tx1"/>
-            </a:solidFill>
-            <a:tailEnd type="triangle"/>
-          </a:ln>
-        </p:spPr>
-        <p:style>
-          <a:lnRef idx="1">
-            <a:schemeClr val="accent1"/>
-          </a:lnRef>
-          <a:fillRef idx="0">
-            <a:schemeClr val="accent1"/>
-          </a:fillRef>
-          <a:effectRef idx="0">
-            <a:schemeClr val="accent1"/>
-          </a:effectRef>
-          <a:fontRef idx="minor">
-            <a:schemeClr val="tx1"/>
-          </a:fontRef>
-        </p:style>
-      </p:cxnSp>
+            <a:endParaRPr lang="LID4096" dirty="0">
+              <a:solidFill>
+                <a:schemeClr val="tx1"/>
+              </a:solidFill>
+            </a:endParaRPr>
+          </a:p>
+        </p:txBody>
+      </p:sp>
+      <p:sp>
+        <p:nvSpPr>
+          <p:cNvPr id="24" name="TextBox 23">
+            <a:extLst>
+              <a:ext uri="{FF2B5EF4-FFF2-40B4-BE49-F238E27FC236}">
+                <a16:creationId xmlns:a16="http://schemas.microsoft.com/office/drawing/2014/main" id="{272A6803-1028-4FFF-A84F-97B740A189FA}"/>
+              </a:ext>
+            </a:extLst>
+          </p:cNvPr>
+          <p:cNvSpPr txBox="1"/>
+          <p:nvPr/>
+        </p:nvSpPr>
+        <p:spPr>
+          <a:xfrm>
+            <a:off x="5001613" y="3209356"/>
+            <a:ext cx="338554" cy="461665"/>
+          </a:xfrm>
+          <a:prstGeom prst="rect">
+            <a:avLst/>
+          </a:prstGeom>
+          <a:noFill/>
+        </p:spPr>
+        <p:txBody>
+          <a:bodyPr wrap="none" rtlCol="0">
+            <a:spAutoFit/>
+          </a:bodyPr>
+          <a:lstStyle/>
+          <a:p>
+            <a:r>
+              <a:rPr lang="en-US" sz="2400" dirty="0"/>
+              <a:t>+</a:t>
+            </a:r>
+            <a:endParaRPr lang="LID4096" sz="2400" dirty="0"/>
+          </a:p>
+        </p:txBody>
+      </p:sp>
     </p:spTree>
     <p:extLst>
       <p:ext uri="{BB962C8B-B14F-4D97-AF65-F5344CB8AC3E}">
-        <p14:creationId xmlns:p14="http://schemas.microsoft.com/office/powerpoint/2010/main" val="346345283"/>
+        <p14:creationId xmlns:p14="http://schemas.microsoft.com/office/powerpoint/2010/main" val="3998742231"/>
       </p:ext>
     </p:extLst>
   </p:cSld>
@@ -10618,7 +6615,7 @@
         </p:nvSpPr>
         <p:spPr>
           <a:xfrm>
-            <a:off x="2911303" y="1157447"/>
+            <a:off x="3293308" y="1561200"/>
             <a:ext cx="1182254" cy="1182254"/>
           </a:xfrm>
           <a:prstGeom prst="rect">
@@ -10626,7 +6623,9 @@
           </a:prstGeom>
           <a:noFill/>
           <a:ln w="19050">
-            <a:noFill/>
+            <a:solidFill>
+              <a:schemeClr val="tx1"/>
+            </a:solidFill>
           </a:ln>
         </p:spPr>
         <p:style>
@@ -10650,7 +6649,11 @@
           <a:lstStyle/>
           <a:p>
             <a:pPr algn="ctr"/>
-            <a:endParaRPr lang="LID4096"/>
+            <a:endParaRPr lang="LID4096" dirty="0">
+              <a:solidFill>
+                <a:schemeClr val="tx1"/>
+              </a:solidFill>
+            </a:endParaRPr>
           </a:p>
         </p:txBody>
       </p:sp>
@@ -10668,7 +6671,7 @@
         </p:nvSpPr>
         <p:spPr>
           <a:xfrm>
-            <a:off x="2911303" y="2998352"/>
+            <a:off x="2752682" y="2849062"/>
             <a:ext cx="1182254" cy="1182254"/>
           </a:xfrm>
           <a:prstGeom prst="rect">
@@ -10676,7 +6679,9 @@
           </a:prstGeom>
           <a:noFill/>
           <a:ln w="19050">
-            <a:noFill/>
+            <a:solidFill>
+              <a:schemeClr val="tx1"/>
+            </a:solidFill>
           </a:ln>
         </p:spPr>
         <p:style>
@@ -10700,7 +6705,11 @@
           <a:lstStyle/>
           <a:p>
             <a:pPr algn="ctr"/>
-            <a:endParaRPr lang="LID4096"/>
+            <a:endParaRPr lang="LID4096" dirty="0">
+              <a:solidFill>
+                <a:schemeClr val="tx1"/>
+              </a:solidFill>
+            </a:endParaRPr>
           </a:p>
         </p:txBody>
       </p:sp>
@@ -10718,7 +6727,7 @@
         </p:nvSpPr>
         <p:spPr>
           <a:xfrm>
-            <a:off x="2911303" y="4839257"/>
+            <a:off x="3293308" y="4136924"/>
             <a:ext cx="1182254" cy="1182254"/>
           </a:xfrm>
           <a:prstGeom prst="rect">
@@ -10726,7 +6735,9 @@
           </a:prstGeom>
           <a:noFill/>
           <a:ln w="19050">
-            <a:noFill/>
+            <a:solidFill>
+              <a:schemeClr val="tx1"/>
+            </a:solidFill>
           </a:ln>
         </p:spPr>
         <p:style>
@@ -10750,7 +6761,11 @@
           <a:lstStyle/>
           <a:p>
             <a:pPr algn="ctr"/>
-            <a:endParaRPr lang="LID4096"/>
+            <a:endParaRPr lang="LID4096" dirty="0">
+              <a:solidFill>
+                <a:schemeClr val="tx1"/>
+              </a:solidFill>
+            </a:endParaRPr>
           </a:p>
         </p:txBody>
       </p:sp>
@@ -10768,7 +6783,7 @@
         </p:nvSpPr>
         <p:spPr>
           <a:xfrm>
-            <a:off x="4738384" y="4839257"/>
+            <a:off x="4576566" y="4672580"/>
             <a:ext cx="1182254" cy="1182254"/>
           </a:xfrm>
           <a:prstGeom prst="rect">
@@ -10776,7 +6791,9 @@
           </a:prstGeom>
           <a:noFill/>
           <a:ln w="19050">
-            <a:noFill/>
+            <a:solidFill>
+              <a:schemeClr val="tx1"/>
+            </a:solidFill>
           </a:ln>
         </p:spPr>
         <p:style>
@@ -10800,6 +6817,14 @@
           <a:lstStyle/>
           <a:p>
             <a:pPr algn="ctr"/>
+            <a:r>
+              <a:rPr lang="en-US" dirty="0">
+                <a:solidFill>
+                  <a:schemeClr val="tx1"/>
+                </a:solidFill>
+              </a:rPr>
+              <a:t>*</a:t>
+            </a:r>
             <a:endParaRPr lang="LID4096" dirty="0">
               <a:solidFill>
                 <a:schemeClr val="tx1"/>
@@ -10822,7 +6847,7 @@
         </p:nvSpPr>
         <p:spPr>
           <a:xfrm>
-            <a:off x="6565465" y="4839257"/>
+            <a:off x="5859824" y="4136924"/>
             <a:ext cx="1182254" cy="1182254"/>
           </a:xfrm>
           <a:prstGeom prst="rect">
@@ -10830,7 +6855,9 @@
           </a:prstGeom>
           <a:noFill/>
           <a:ln w="19050">
-            <a:noFill/>
+            <a:solidFill>
+              <a:schemeClr val="tx1"/>
+            </a:solidFill>
           </a:ln>
         </p:spPr>
         <p:style>
@@ -10854,7 +6881,11 @@
           <a:lstStyle/>
           <a:p>
             <a:pPr algn="ctr"/>
-            <a:endParaRPr lang="LID4096"/>
+            <a:endParaRPr lang="LID4096" dirty="0">
+              <a:solidFill>
+                <a:schemeClr val="tx1"/>
+              </a:solidFill>
+            </a:endParaRPr>
           </a:p>
         </p:txBody>
       </p:sp>
@@ -10872,7 +6903,7 @@
         </p:nvSpPr>
         <p:spPr>
           <a:xfrm>
-            <a:off x="4738384" y="1157447"/>
+            <a:off x="4576566" y="1025790"/>
             <a:ext cx="1182254" cy="1182254"/>
           </a:xfrm>
           <a:prstGeom prst="rect">
@@ -10880,7 +6911,9 @@
           </a:prstGeom>
           <a:noFill/>
           <a:ln w="19050">
-            <a:noFill/>
+            <a:solidFill>
+              <a:schemeClr val="tx1"/>
+            </a:solidFill>
           </a:ln>
         </p:spPr>
         <p:style>
@@ -10904,7 +6937,11 @@
           <a:lstStyle/>
           <a:p>
             <a:pPr algn="ctr"/>
-            <a:endParaRPr lang="LID4096"/>
+            <a:endParaRPr lang="LID4096" dirty="0">
+              <a:solidFill>
+                <a:schemeClr val="tx1"/>
+              </a:solidFill>
+            </a:endParaRPr>
           </a:p>
         </p:txBody>
       </p:sp>
@@ -10922,7 +6959,7 @@
         </p:nvSpPr>
         <p:spPr>
           <a:xfrm>
-            <a:off x="6565465" y="1157447"/>
+            <a:off x="5859824" y="1569074"/>
             <a:ext cx="1182254" cy="1182254"/>
           </a:xfrm>
           <a:prstGeom prst="rect">
@@ -10930,7 +6967,9 @@
           </a:prstGeom>
           <a:noFill/>
           <a:ln w="19050">
-            <a:noFill/>
+            <a:solidFill>
+              <a:schemeClr val="tx1"/>
+            </a:solidFill>
           </a:ln>
         </p:spPr>
         <p:style>
@@ -10954,7 +6993,11 @@
           <a:lstStyle/>
           <a:p>
             <a:pPr algn="ctr"/>
-            <a:endParaRPr lang="LID4096"/>
+            <a:endParaRPr lang="LID4096" dirty="0">
+              <a:solidFill>
+                <a:schemeClr val="tx1"/>
+              </a:solidFill>
+            </a:endParaRPr>
           </a:p>
         </p:txBody>
       </p:sp>
@@ -10972,7 +7015,7 @@
         </p:nvSpPr>
         <p:spPr>
           <a:xfrm>
-            <a:off x="6565465" y="2998352"/>
+            <a:off x="6400450" y="2852999"/>
             <a:ext cx="1182254" cy="1182254"/>
           </a:xfrm>
           <a:prstGeom prst="rect">
@@ -10980,7 +7023,9 @@
           </a:prstGeom>
           <a:noFill/>
           <a:ln w="19050">
-            <a:noFill/>
+            <a:solidFill>
+              <a:schemeClr val="tx1"/>
+            </a:solidFill>
           </a:ln>
         </p:spPr>
         <p:style>
@@ -11004,56 +7049,54 @@
           <a:lstStyle/>
           <a:p>
             <a:pPr algn="ctr"/>
-            <a:endParaRPr lang="LID4096"/>
-          </a:p>
-        </p:txBody>
-      </p:sp>
-      <p:cxnSp>
-        <p:nvCxnSpPr>
-          <p:cNvPr id="12" name="Straight Arrow Connector 11">
-            <a:extLst>
-              <a:ext uri="{FF2B5EF4-FFF2-40B4-BE49-F238E27FC236}">
-                <a16:creationId xmlns:a16="http://schemas.microsoft.com/office/drawing/2014/main" id="{D4EF255A-D764-4A84-85A7-9C716CE0E2E7}"/>
-              </a:ext>
-            </a:extLst>
-          </p:cNvPr>
-          <p:cNvCxnSpPr/>
-          <p:nvPr/>
-        </p:nvCxnSpPr>
-        <p:spPr>
-          <a:xfrm flipH="1">
-            <a:off x="5199019" y="5442855"/>
-            <a:ext cx="217714" cy="0"/>
-          </a:xfrm>
-          <a:prstGeom prst="straightConnector1">
-            <a:avLst/>
-          </a:prstGeom>
-          <a:ln w="19050">
-            <a:solidFill>
-              <a:schemeClr val="tx1"/>
-            </a:solidFill>
-            <a:tailEnd type="triangle"/>
-          </a:ln>
-        </p:spPr>
-        <p:style>
-          <a:lnRef idx="1">
-            <a:schemeClr val="accent1"/>
-          </a:lnRef>
-          <a:fillRef idx="0">
-            <a:schemeClr val="accent1"/>
-          </a:fillRef>
-          <a:effectRef idx="0">
-            <a:schemeClr val="accent1"/>
-          </a:effectRef>
-          <a:fontRef idx="minor">
-            <a:schemeClr val="tx1"/>
-          </a:fontRef>
-        </p:style>
-      </p:cxnSp>
+            <a:endParaRPr lang="LID4096" dirty="0">
+              <a:solidFill>
+                <a:schemeClr val="tx1"/>
+              </a:solidFill>
+            </a:endParaRPr>
+          </a:p>
+        </p:txBody>
+      </p:sp>
+      <p:sp>
+        <p:nvSpPr>
+          <p:cNvPr id="24" name="TextBox 23">
+            <a:extLst>
+              <a:ext uri="{FF2B5EF4-FFF2-40B4-BE49-F238E27FC236}">
+                <a16:creationId xmlns:a16="http://schemas.microsoft.com/office/drawing/2014/main" id="{272A6803-1028-4FFF-A84F-97B740A189FA}"/>
+              </a:ext>
+            </a:extLst>
+          </p:cNvPr>
+          <p:cNvSpPr txBox="1"/>
+          <p:nvPr/>
+        </p:nvSpPr>
+        <p:spPr>
+          <a:xfrm>
+            <a:off x="5001613" y="3209356"/>
+            <a:ext cx="338554" cy="461665"/>
+          </a:xfrm>
+          <a:prstGeom prst="rect">
+            <a:avLst/>
+          </a:prstGeom>
+          <a:noFill/>
+        </p:spPr>
+        <p:txBody>
+          <a:bodyPr wrap="none" rtlCol="0">
+            <a:spAutoFit/>
+          </a:bodyPr>
+          <a:lstStyle/>
+          <a:p>
+            <a:r>
+              <a:rPr lang="en-US" sz="2400" dirty="0"/>
+              <a:t>+</a:t>
+            </a:r>
+            <a:endParaRPr lang="LID4096" sz="2400" dirty="0"/>
+          </a:p>
+        </p:txBody>
+      </p:sp>
     </p:spTree>
     <p:extLst>
       <p:ext uri="{BB962C8B-B14F-4D97-AF65-F5344CB8AC3E}">
-        <p14:creationId xmlns:p14="http://schemas.microsoft.com/office/powerpoint/2010/main" val="4019804890"/>
+        <p14:creationId xmlns:p14="http://schemas.microsoft.com/office/powerpoint/2010/main" val="2302255028"/>
       </p:ext>
     </p:extLst>
   </p:cSld>
@@ -11094,7 +7137,7 @@
         </p:nvSpPr>
         <p:spPr>
           <a:xfrm>
-            <a:off x="2911303" y="1157447"/>
+            <a:off x="3293308" y="1561200"/>
             <a:ext cx="1182254" cy="1182254"/>
           </a:xfrm>
           <a:prstGeom prst="rect">
@@ -11102,7 +7145,9 @@
           </a:prstGeom>
           <a:noFill/>
           <a:ln w="19050">
-            <a:noFill/>
+            <a:solidFill>
+              <a:schemeClr val="tx1"/>
+            </a:solidFill>
           </a:ln>
         </p:spPr>
         <p:style>
@@ -11126,7 +7171,11 @@
           <a:lstStyle/>
           <a:p>
             <a:pPr algn="ctr"/>
-            <a:endParaRPr lang="LID4096"/>
+            <a:endParaRPr lang="LID4096" dirty="0">
+              <a:solidFill>
+                <a:schemeClr val="tx1"/>
+              </a:solidFill>
+            </a:endParaRPr>
           </a:p>
         </p:txBody>
       </p:sp>
@@ -11144,7 +7193,7 @@
         </p:nvSpPr>
         <p:spPr>
           <a:xfrm>
-            <a:off x="2911303" y="2998352"/>
+            <a:off x="2752682" y="2849062"/>
             <a:ext cx="1182254" cy="1182254"/>
           </a:xfrm>
           <a:prstGeom prst="rect">
@@ -11152,7 +7201,9 @@
           </a:prstGeom>
           <a:noFill/>
           <a:ln w="19050">
-            <a:noFill/>
+            <a:solidFill>
+              <a:schemeClr val="tx1"/>
+            </a:solidFill>
           </a:ln>
         </p:spPr>
         <p:style>
@@ -11176,7 +7227,11 @@
           <a:lstStyle/>
           <a:p>
             <a:pPr algn="ctr"/>
-            <a:endParaRPr lang="LID4096"/>
+            <a:endParaRPr lang="LID4096" dirty="0">
+              <a:solidFill>
+                <a:schemeClr val="tx1"/>
+              </a:solidFill>
+            </a:endParaRPr>
           </a:p>
         </p:txBody>
       </p:sp>
@@ -11194,7 +7249,7 @@
         </p:nvSpPr>
         <p:spPr>
           <a:xfrm>
-            <a:off x="2911303" y="4839257"/>
+            <a:off x="3293308" y="4136924"/>
             <a:ext cx="1182254" cy="1182254"/>
           </a:xfrm>
           <a:prstGeom prst="rect">
@@ -11202,7 +7257,9 @@
           </a:prstGeom>
           <a:noFill/>
           <a:ln w="19050">
-            <a:noFill/>
+            <a:solidFill>
+              <a:schemeClr val="tx1"/>
+            </a:solidFill>
           </a:ln>
         </p:spPr>
         <p:style>
@@ -11226,7 +7283,11 @@
           <a:lstStyle/>
           <a:p>
             <a:pPr algn="ctr"/>
-            <a:endParaRPr lang="LID4096"/>
+            <a:endParaRPr lang="LID4096" dirty="0">
+              <a:solidFill>
+                <a:schemeClr val="tx1"/>
+              </a:solidFill>
+            </a:endParaRPr>
           </a:p>
         </p:txBody>
       </p:sp>
@@ -11244,7 +7305,7 @@
         </p:nvSpPr>
         <p:spPr>
           <a:xfrm>
-            <a:off x="4738384" y="4839257"/>
+            <a:off x="4576566" y="4672580"/>
             <a:ext cx="1182254" cy="1182254"/>
           </a:xfrm>
           <a:prstGeom prst="rect">
@@ -11252,7 +7313,9 @@
           </a:prstGeom>
           <a:noFill/>
           <a:ln w="19050">
-            <a:noFill/>
+            <a:solidFill>
+              <a:schemeClr val="tx1"/>
+            </a:solidFill>
           </a:ln>
         </p:spPr>
         <p:style>
@@ -11276,7 +7339,11 @@
           <a:lstStyle/>
           <a:p>
             <a:pPr algn="ctr"/>
-            <a:endParaRPr lang="LID4096"/>
+            <a:endParaRPr lang="LID4096" dirty="0">
+              <a:solidFill>
+                <a:schemeClr val="tx1"/>
+              </a:solidFill>
+            </a:endParaRPr>
           </a:p>
         </p:txBody>
       </p:sp>
@@ -11294,7 +7361,7 @@
         </p:nvSpPr>
         <p:spPr>
           <a:xfrm>
-            <a:off x="6565465" y="4839257"/>
+            <a:off x="5859824" y="4136924"/>
             <a:ext cx="1182254" cy="1182254"/>
           </a:xfrm>
           <a:prstGeom prst="rect">
@@ -11302,7 +7369,9 @@
           </a:prstGeom>
           <a:noFill/>
           <a:ln w="19050">
-            <a:noFill/>
+            <a:solidFill>
+              <a:schemeClr val="tx1"/>
+            </a:solidFill>
           </a:ln>
         </p:spPr>
         <p:style>
@@ -11326,6 +7395,14 @@
           <a:lstStyle/>
           <a:p>
             <a:pPr algn="ctr"/>
+            <a:r>
+              <a:rPr lang="en-US" dirty="0">
+                <a:solidFill>
+                  <a:schemeClr val="tx1"/>
+                </a:solidFill>
+              </a:rPr>
+              <a:t>*</a:t>
+            </a:r>
             <a:endParaRPr lang="LID4096" dirty="0">
               <a:solidFill>
                 <a:schemeClr val="tx1"/>
@@ -11348,7 +7425,7 @@
         </p:nvSpPr>
         <p:spPr>
           <a:xfrm>
-            <a:off x="4738384" y="1157447"/>
+            <a:off x="4576566" y="1025790"/>
             <a:ext cx="1182254" cy="1182254"/>
           </a:xfrm>
           <a:prstGeom prst="rect">
@@ -11356,7 +7433,9 @@
           </a:prstGeom>
           <a:noFill/>
           <a:ln w="19050">
-            <a:noFill/>
+            <a:solidFill>
+              <a:schemeClr val="tx1"/>
+            </a:solidFill>
           </a:ln>
         </p:spPr>
         <p:style>
@@ -11380,7 +7459,11 @@
           <a:lstStyle/>
           <a:p>
             <a:pPr algn="ctr"/>
-            <a:endParaRPr lang="LID4096"/>
+            <a:endParaRPr lang="LID4096" dirty="0">
+              <a:solidFill>
+                <a:schemeClr val="tx1"/>
+              </a:solidFill>
+            </a:endParaRPr>
           </a:p>
         </p:txBody>
       </p:sp>
@@ -11398,7 +7481,7 @@
         </p:nvSpPr>
         <p:spPr>
           <a:xfrm>
-            <a:off x="6565465" y="1157447"/>
+            <a:off x="5859824" y="1569074"/>
             <a:ext cx="1182254" cy="1182254"/>
           </a:xfrm>
           <a:prstGeom prst="rect">
@@ -11406,7 +7489,9 @@
           </a:prstGeom>
           <a:noFill/>
           <a:ln w="19050">
-            <a:noFill/>
+            <a:solidFill>
+              <a:schemeClr val="tx1"/>
+            </a:solidFill>
           </a:ln>
         </p:spPr>
         <p:style>
@@ -11430,7 +7515,11 @@
           <a:lstStyle/>
           <a:p>
             <a:pPr algn="ctr"/>
-            <a:endParaRPr lang="LID4096"/>
+            <a:endParaRPr lang="LID4096" dirty="0">
+              <a:solidFill>
+                <a:schemeClr val="tx1"/>
+              </a:solidFill>
+            </a:endParaRPr>
           </a:p>
         </p:txBody>
       </p:sp>
@@ -11448,7 +7537,7 @@
         </p:nvSpPr>
         <p:spPr>
           <a:xfrm>
-            <a:off x="6565465" y="2998352"/>
+            <a:off x="6400450" y="2852999"/>
             <a:ext cx="1182254" cy="1182254"/>
           </a:xfrm>
           <a:prstGeom prst="rect">
@@ -11456,7 +7545,9 @@
           </a:prstGeom>
           <a:noFill/>
           <a:ln w="19050">
-            <a:noFill/>
+            <a:solidFill>
+              <a:schemeClr val="tx1"/>
+            </a:solidFill>
           </a:ln>
         </p:spPr>
         <p:style>
@@ -11480,58 +7571,54 @@
           <a:lstStyle/>
           <a:p>
             <a:pPr algn="ctr"/>
-            <a:endParaRPr lang="LID4096"/>
-          </a:p>
-        </p:txBody>
-      </p:sp>
-      <p:cxnSp>
-        <p:nvCxnSpPr>
-          <p:cNvPr id="12" name="Straight Arrow Connector 11">
-            <a:extLst>
-              <a:ext uri="{FF2B5EF4-FFF2-40B4-BE49-F238E27FC236}">
-                <a16:creationId xmlns:a16="http://schemas.microsoft.com/office/drawing/2014/main" id="{D5524322-5170-4105-A7C6-F17C2001E013}"/>
-              </a:ext>
-            </a:extLst>
-          </p:cNvPr>
-          <p:cNvCxnSpPr>
-            <a:cxnSpLocks/>
-          </p:cNvCxnSpPr>
-          <p:nvPr/>
-        </p:nvCxnSpPr>
-        <p:spPr>
-          <a:xfrm flipH="1">
-            <a:off x="7036527" y="5442856"/>
-            <a:ext cx="217714" cy="0"/>
-          </a:xfrm>
-          <a:prstGeom prst="straightConnector1">
-            <a:avLst/>
-          </a:prstGeom>
-          <a:ln w="19050">
-            <a:solidFill>
-              <a:schemeClr val="tx1"/>
-            </a:solidFill>
-            <a:tailEnd type="triangle"/>
-          </a:ln>
-        </p:spPr>
-        <p:style>
-          <a:lnRef idx="1">
-            <a:schemeClr val="accent1"/>
-          </a:lnRef>
-          <a:fillRef idx="0">
-            <a:schemeClr val="accent1"/>
-          </a:fillRef>
-          <a:effectRef idx="0">
-            <a:schemeClr val="accent1"/>
-          </a:effectRef>
-          <a:fontRef idx="minor">
-            <a:schemeClr val="tx1"/>
-          </a:fontRef>
-        </p:style>
-      </p:cxnSp>
+            <a:endParaRPr lang="LID4096" dirty="0">
+              <a:solidFill>
+                <a:schemeClr val="tx1"/>
+              </a:solidFill>
+            </a:endParaRPr>
+          </a:p>
+        </p:txBody>
+      </p:sp>
+      <p:sp>
+        <p:nvSpPr>
+          <p:cNvPr id="24" name="TextBox 23">
+            <a:extLst>
+              <a:ext uri="{FF2B5EF4-FFF2-40B4-BE49-F238E27FC236}">
+                <a16:creationId xmlns:a16="http://schemas.microsoft.com/office/drawing/2014/main" id="{272A6803-1028-4FFF-A84F-97B740A189FA}"/>
+              </a:ext>
+            </a:extLst>
+          </p:cNvPr>
+          <p:cNvSpPr txBox="1"/>
+          <p:nvPr/>
+        </p:nvSpPr>
+        <p:spPr>
+          <a:xfrm>
+            <a:off x="5001613" y="3209356"/>
+            <a:ext cx="338554" cy="461665"/>
+          </a:xfrm>
+          <a:prstGeom prst="rect">
+            <a:avLst/>
+          </a:prstGeom>
+          <a:noFill/>
+        </p:spPr>
+        <p:txBody>
+          <a:bodyPr wrap="none" rtlCol="0">
+            <a:spAutoFit/>
+          </a:bodyPr>
+          <a:lstStyle/>
+          <a:p>
+            <a:r>
+              <a:rPr lang="en-US" sz="2400" dirty="0"/>
+              <a:t>+</a:t>
+            </a:r>
+            <a:endParaRPr lang="LID4096" sz="2400" dirty="0"/>
+          </a:p>
+        </p:txBody>
+      </p:sp>
     </p:spTree>
     <p:extLst>
       <p:ext uri="{BB962C8B-B14F-4D97-AF65-F5344CB8AC3E}">
-        <p14:creationId xmlns:p14="http://schemas.microsoft.com/office/powerpoint/2010/main" val="1290158786"/>
+        <p14:creationId xmlns:p14="http://schemas.microsoft.com/office/powerpoint/2010/main" val="2848127218"/>
       </p:ext>
     </p:extLst>
   </p:cSld>
@@ -11572,7 +7659,7 @@
         </p:nvSpPr>
         <p:spPr>
           <a:xfrm>
-            <a:off x="2911303" y="1157447"/>
+            <a:off x="3293308" y="1561200"/>
             <a:ext cx="1182254" cy="1182254"/>
           </a:xfrm>
           <a:prstGeom prst="rect">
@@ -11580,7 +7667,9 @@
           </a:prstGeom>
           <a:noFill/>
           <a:ln w="19050">
-            <a:noFill/>
+            <a:solidFill>
+              <a:schemeClr val="tx1"/>
+            </a:solidFill>
           </a:ln>
         </p:spPr>
         <p:style>
@@ -11604,7 +7693,11 @@
           <a:lstStyle/>
           <a:p>
             <a:pPr algn="ctr"/>
-            <a:endParaRPr lang="LID4096"/>
+            <a:endParaRPr lang="LID4096" dirty="0">
+              <a:solidFill>
+                <a:schemeClr val="tx1"/>
+              </a:solidFill>
+            </a:endParaRPr>
           </a:p>
         </p:txBody>
       </p:sp>
@@ -11622,7 +7715,7 @@
         </p:nvSpPr>
         <p:spPr>
           <a:xfrm>
-            <a:off x="2911303" y="2998352"/>
+            <a:off x="2752682" y="2849062"/>
             <a:ext cx="1182254" cy="1182254"/>
           </a:xfrm>
           <a:prstGeom prst="rect">
@@ -11630,7 +7723,9 @@
           </a:prstGeom>
           <a:noFill/>
           <a:ln w="19050">
-            <a:noFill/>
+            <a:solidFill>
+              <a:schemeClr val="tx1"/>
+            </a:solidFill>
           </a:ln>
         </p:spPr>
         <p:style>
@@ -11654,7 +7749,11 @@
           <a:lstStyle/>
           <a:p>
             <a:pPr algn="ctr"/>
-            <a:endParaRPr lang="LID4096"/>
+            <a:endParaRPr lang="LID4096" dirty="0">
+              <a:solidFill>
+                <a:schemeClr val="tx1"/>
+              </a:solidFill>
+            </a:endParaRPr>
           </a:p>
         </p:txBody>
       </p:sp>
@@ -11672,7 +7771,7 @@
         </p:nvSpPr>
         <p:spPr>
           <a:xfrm>
-            <a:off x="2911303" y="4839257"/>
+            <a:off x="3293308" y="4136924"/>
             <a:ext cx="1182254" cy="1182254"/>
           </a:xfrm>
           <a:prstGeom prst="rect">
@@ -11680,7 +7779,9 @@
           </a:prstGeom>
           <a:noFill/>
           <a:ln w="19050">
-            <a:noFill/>
+            <a:solidFill>
+              <a:schemeClr val="tx1"/>
+            </a:solidFill>
           </a:ln>
         </p:spPr>
         <p:style>
@@ -11704,7 +7805,11 @@
           <a:lstStyle/>
           <a:p>
             <a:pPr algn="ctr"/>
-            <a:endParaRPr lang="LID4096"/>
+            <a:endParaRPr lang="LID4096" dirty="0">
+              <a:solidFill>
+                <a:schemeClr val="tx1"/>
+              </a:solidFill>
+            </a:endParaRPr>
           </a:p>
         </p:txBody>
       </p:sp>
@@ -11722,7 +7827,7 @@
         </p:nvSpPr>
         <p:spPr>
           <a:xfrm>
-            <a:off x="4738384" y="4839257"/>
+            <a:off x="4576566" y="4672580"/>
             <a:ext cx="1182254" cy="1182254"/>
           </a:xfrm>
           <a:prstGeom prst="rect">
@@ -11730,7 +7835,9 @@
           </a:prstGeom>
           <a:noFill/>
           <a:ln w="19050">
-            <a:noFill/>
+            <a:solidFill>
+              <a:schemeClr val="tx1"/>
+            </a:solidFill>
           </a:ln>
         </p:spPr>
         <p:style>
@@ -11754,7 +7861,11 @@
           <a:lstStyle/>
           <a:p>
             <a:pPr algn="ctr"/>
-            <a:endParaRPr lang="LID4096"/>
+            <a:endParaRPr lang="LID4096" dirty="0">
+              <a:solidFill>
+                <a:schemeClr val="tx1"/>
+              </a:solidFill>
+            </a:endParaRPr>
           </a:p>
         </p:txBody>
       </p:sp>
@@ -11772,7 +7883,7 @@
         </p:nvSpPr>
         <p:spPr>
           <a:xfrm>
-            <a:off x="6565465" y="4839257"/>
+            <a:off x="5859824" y="4136924"/>
             <a:ext cx="1182254" cy="1182254"/>
           </a:xfrm>
           <a:prstGeom prst="rect">
@@ -11780,7 +7891,9 @@
           </a:prstGeom>
           <a:noFill/>
           <a:ln w="19050">
-            <a:noFill/>
+            <a:solidFill>
+              <a:schemeClr val="tx1"/>
+            </a:solidFill>
           </a:ln>
         </p:spPr>
         <p:style>
@@ -11804,7 +7917,11 @@
           <a:lstStyle/>
           <a:p>
             <a:pPr algn="ctr"/>
-            <a:endParaRPr lang="LID4096"/>
+            <a:endParaRPr lang="LID4096" dirty="0">
+              <a:solidFill>
+                <a:schemeClr val="tx1"/>
+              </a:solidFill>
+            </a:endParaRPr>
           </a:p>
         </p:txBody>
       </p:sp>
@@ -11822,7 +7939,7 @@
         </p:nvSpPr>
         <p:spPr>
           <a:xfrm>
-            <a:off x="4738384" y="1157447"/>
+            <a:off x="4576566" y="1025790"/>
             <a:ext cx="1182254" cy="1182254"/>
           </a:xfrm>
           <a:prstGeom prst="rect">
@@ -11830,7 +7947,9 @@
           </a:prstGeom>
           <a:noFill/>
           <a:ln w="19050">
-            <a:noFill/>
+            <a:solidFill>
+              <a:schemeClr val="tx1"/>
+            </a:solidFill>
           </a:ln>
         </p:spPr>
         <p:style>
@@ -11854,7 +7973,11 @@
           <a:lstStyle/>
           <a:p>
             <a:pPr algn="ctr"/>
-            <a:endParaRPr lang="LID4096"/>
+            <a:endParaRPr lang="LID4096" dirty="0">
+              <a:solidFill>
+                <a:schemeClr val="tx1"/>
+              </a:solidFill>
+            </a:endParaRPr>
           </a:p>
         </p:txBody>
       </p:sp>
@@ -11872,7 +7995,7 @@
         </p:nvSpPr>
         <p:spPr>
           <a:xfrm>
-            <a:off x="6565465" y="1157447"/>
+            <a:off x="5859824" y="1569074"/>
             <a:ext cx="1182254" cy="1182254"/>
           </a:xfrm>
           <a:prstGeom prst="rect">
@@ -11880,7 +8003,9 @@
           </a:prstGeom>
           <a:noFill/>
           <a:ln w="19050">
-            <a:noFill/>
+            <a:solidFill>
+              <a:schemeClr val="tx1"/>
+            </a:solidFill>
           </a:ln>
         </p:spPr>
         <p:style>
@@ -11904,7 +8029,11 @@
           <a:lstStyle/>
           <a:p>
             <a:pPr algn="ctr"/>
-            <a:endParaRPr lang="LID4096"/>
+            <a:endParaRPr lang="LID4096" dirty="0">
+              <a:solidFill>
+                <a:schemeClr val="tx1"/>
+              </a:solidFill>
+            </a:endParaRPr>
           </a:p>
         </p:txBody>
       </p:sp>
@@ -11922,7 +8051,7 @@
         </p:nvSpPr>
         <p:spPr>
           <a:xfrm>
-            <a:off x="6565465" y="2998352"/>
+            <a:off x="6400450" y="2852999"/>
             <a:ext cx="1182254" cy="1182254"/>
           </a:xfrm>
           <a:prstGeom prst="rect">
@@ -11930,7 +8059,9 @@
           </a:prstGeom>
           <a:noFill/>
           <a:ln w="19050">
-            <a:noFill/>
+            <a:solidFill>
+              <a:schemeClr val="tx1"/>
+            </a:solidFill>
           </a:ln>
         </p:spPr>
         <p:style>
@@ -11954,6 +8085,14 @@
           <a:lstStyle/>
           <a:p>
             <a:pPr algn="ctr"/>
+            <a:r>
+              <a:rPr lang="en-US" dirty="0">
+                <a:solidFill>
+                  <a:schemeClr val="tx1"/>
+                </a:solidFill>
+              </a:rPr>
+              <a:t>*</a:t>
+            </a:r>
             <a:endParaRPr lang="LID4096" dirty="0">
               <a:solidFill>
                 <a:schemeClr val="tx1"/>
@@ -11962,52 +8101,46 @@
           </a:p>
         </p:txBody>
       </p:sp>
-      <p:cxnSp>
-        <p:nvCxnSpPr>
-          <p:cNvPr id="12" name="Straight Arrow Connector 11">
-            <a:extLst>
-              <a:ext uri="{FF2B5EF4-FFF2-40B4-BE49-F238E27FC236}">
-                <a16:creationId xmlns:a16="http://schemas.microsoft.com/office/drawing/2014/main" id="{E8423E2D-7219-4656-9BB3-9F5AED1E564D}"/>
-              </a:ext>
-            </a:extLst>
-          </p:cNvPr>
-          <p:cNvCxnSpPr/>
-          <p:nvPr/>
-        </p:nvCxnSpPr>
-        <p:spPr>
-          <a:xfrm flipH="1">
-            <a:off x="7036528" y="3596638"/>
-            <a:ext cx="217714" cy="0"/>
-          </a:xfrm>
-          <a:prstGeom prst="straightConnector1">
-            <a:avLst/>
-          </a:prstGeom>
-          <a:ln w="19050">
-            <a:solidFill>
-              <a:schemeClr val="tx1"/>
-            </a:solidFill>
-            <a:tailEnd type="triangle"/>
-          </a:ln>
-        </p:spPr>
-        <p:style>
-          <a:lnRef idx="1">
-            <a:schemeClr val="accent1"/>
-          </a:lnRef>
-          <a:fillRef idx="0">
-            <a:schemeClr val="accent1"/>
-          </a:fillRef>
-          <a:effectRef idx="0">
-            <a:schemeClr val="accent1"/>
-          </a:effectRef>
-          <a:fontRef idx="minor">
-            <a:schemeClr val="tx1"/>
-          </a:fontRef>
-        </p:style>
-      </p:cxnSp>
+      <p:sp>
+        <p:nvSpPr>
+          <p:cNvPr id="24" name="TextBox 23">
+            <a:extLst>
+              <a:ext uri="{FF2B5EF4-FFF2-40B4-BE49-F238E27FC236}">
+                <a16:creationId xmlns:a16="http://schemas.microsoft.com/office/drawing/2014/main" id="{272A6803-1028-4FFF-A84F-97B740A189FA}"/>
+              </a:ext>
+            </a:extLst>
+          </p:cNvPr>
+          <p:cNvSpPr txBox="1"/>
+          <p:nvPr/>
+        </p:nvSpPr>
+        <p:spPr>
+          <a:xfrm>
+            <a:off x="5001613" y="3209356"/>
+            <a:ext cx="338554" cy="461665"/>
+          </a:xfrm>
+          <a:prstGeom prst="rect">
+            <a:avLst/>
+          </a:prstGeom>
+          <a:noFill/>
+        </p:spPr>
+        <p:txBody>
+          <a:bodyPr wrap="none" rtlCol="0">
+            <a:spAutoFit/>
+          </a:bodyPr>
+          <a:lstStyle/>
+          <a:p>
+            <a:r>
+              <a:rPr lang="en-US" sz="2400" dirty="0"/>
+              <a:t>+</a:t>
+            </a:r>
+            <a:endParaRPr lang="LID4096" sz="2400" dirty="0"/>
+          </a:p>
+        </p:txBody>
+      </p:sp>
     </p:spTree>
     <p:extLst>
       <p:ext uri="{BB962C8B-B14F-4D97-AF65-F5344CB8AC3E}">
-        <p14:creationId xmlns:p14="http://schemas.microsoft.com/office/powerpoint/2010/main" val="3366013638"/>
+        <p14:creationId xmlns:p14="http://schemas.microsoft.com/office/powerpoint/2010/main" val="2945159935"/>
       </p:ext>
     </p:extLst>
   </p:cSld>
@@ -12048,7 +8181,7 @@
         </p:nvSpPr>
         <p:spPr>
           <a:xfrm>
-            <a:off x="2911303" y="1157447"/>
+            <a:off x="3293308" y="1561200"/>
             <a:ext cx="1182254" cy="1182254"/>
           </a:xfrm>
           <a:prstGeom prst="rect">
@@ -12056,7 +8189,9 @@
           </a:prstGeom>
           <a:noFill/>
           <a:ln w="19050">
-            <a:noFill/>
+            <a:solidFill>
+              <a:schemeClr val="tx1"/>
+            </a:solidFill>
           </a:ln>
         </p:spPr>
         <p:style>
@@ -12080,7 +8215,11 @@
           <a:lstStyle/>
           <a:p>
             <a:pPr algn="ctr"/>
-            <a:endParaRPr lang="LID4096"/>
+            <a:endParaRPr lang="LID4096" dirty="0">
+              <a:solidFill>
+                <a:schemeClr val="tx1"/>
+              </a:solidFill>
+            </a:endParaRPr>
           </a:p>
         </p:txBody>
       </p:sp>
@@ -12098,7 +8237,7 @@
         </p:nvSpPr>
         <p:spPr>
           <a:xfrm>
-            <a:off x="2911303" y="2998352"/>
+            <a:off x="2752682" y="2849062"/>
             <a:ext cx="1182254" cy="1182254"/>
           </a:xfrm>
           <a:prstGeom prst="rect">
@@ -12106,7 +8245,9 @@
           </a:prstGeom>
           <a:noFill/>
           <a:ln w="19050">
-            <a:noFill/>
+            <a:solidFill>
+              <a:schemeClr val="tx1"/>
+            </a:solidFill>
           </a:ln>
         </p:spPr>
         <p:style>
@@ -12130,7 +8271,11 @@
           <a:lstStyle/>
           <a:p>
             <a:pPr algn="ctr"/>
-            <a:endParaRPr lang="LID4096"/>
+            <a:endParaRPr lang="LID4096" dirty="0">
+              <a:solidFill>
+                <a:schemeClr val="tx1"/>
+              </a:solidFill>
+            </a:endParaRPr>
           </a:p>
         </p:txBody>
       </p:sp>
@@ -12148,7 +8293,7 @@
         </p:nvSpPr>
         <p:spPr>
           <a:xfrm>
-            <a:off x="2911303" y="4839257"/>
+            <a:off x="3293308" y="4136924"/>
             <a:ext cx="1182254" cy="1182254"/>
           </a:xfrm>
           <a:prstGeom prst="rect">
@@ -12156,7 +8301,9 @@
           </a:prstGeom>
           <a:noFill/>
           <a:ln w="19050">
-            <a:noFill/>
+            <a:solidFill>
+              <a:schemeClr val="tx1"/>
+            </a:solidFill>
           </a:ln>
         </p:spPr>
         <p:style>
@@ -12180,7 +8327,11 @@
           <a:lstStyle/>
           <a:p>
             <a:pPr algn="ctr"/>
-            <a:endParaRPr lang="LID4096"/>
+            <a:endParaRPr lang="LID4096" dirty="0">
+              <a:solidFill>
+                <a:schemeClr val="tx1"/>
+              </a:solidFill>
+            </a:endParaRPr>
           </a:p>
         </p:txBody>
       </p:sp>
@@ -12198,7 +8349,7 @@
         </p:nvSpPr>
         <p:spPr>
           <a:xfrm>
-            <a:off x="4738384" y="4839257"/>
+            <a:off x="4576566" y="4672580"/>
             <a:ext cx="1182254" cy="1182254"/>
           </a:xfrm>
           <a:prstGeom prst="rect">
@@ -12206,7 +8357,9 @@
           </a:prstGeom>
           <a:noFill/>
           <a:ln w="19050">
-            <a:noFill/>
+            <a:solidFill>
+              <a:schemeClr val="tx1"/>
+            </a:solidFill>
           </a:ln>
         </p:spPr>
         <p:style>
@@ -12230,7 +8383,11 @@
           <a:lstStyle/>
           <a:p>
             <a:pPr algn="ctr"/>
-            <a:endParaRPr lang="LID4096"/>
+            <a:endParaRPr lang="LID4096" dirty="0">
+              <a:solidFill>
+                <a:schemeClr val="tx1"/>
+              </a:solidFill>
+            </a:endParaRPr>
           </a:p>
         </p:txBody>
       </p:sp>
@@ -12248,7 +8405,7 @@
         </p:nvSpPr>
         <p:spPr>
           <a:xfrm>
-            <a:off x="6565465" y="4839257"/>
+            <a:off x="5859824" y="4136924"/>
             <a:ext cx="1182254" cy="1182254"/>
           </a:xfrm>
           <a:prstGeom prst="rect">
@@ -12256,7 +8413,9 @@
           </a:prstGeom>
           <a:noFill/>
           <a:ln w="19050">
-            <a:noFill/>
+            <a:solidFill>
+              <a:schemeClr val="tx1"/>
+            </a:solidFill>
           </a:ln>
         </p:spPr>
         <p:style>
@@ -12280,7 +8439,11 @@
           <a:lstStyle/>
           <a:p>
             <a:pPr algn="ctr"/>
-            <a:endParaRPr lang="LID4096"/>
+            <a:endParaRPr lang="LID4096" dirty="0">
+              <a:solidFill>
+                <a:schemeClr val="tx1"/>
+              </a:solidFill>
+            </a:endParaRPr>
           </a:p>
         </p:txBody>
       </p:sp>
@@ -12298,7 +8461,7 @@
         </p:nvSpPr>
         <p:spPr>
           <a:xfrm>
-            <a:off x="4738384" y="1157447"/>
+            <a:off x="4576566" y="1025790"/>
             <a:ext cx="1182254" cy="1182254"/>
           </a:xfrm>
           <a:prstGeom prst="rect">
@@ -12306,7 +8469,9 @@
           </a:prstGeom>
           <a:noFill/>
           <a:ln w="19050">
-            <a:noFill/>
+            <a:solidFill>
+              <a:schemeClr val="tx1"/>
+            </a:solidFill>
           </a:ln>
         </p:spPr>
         <p:style>
@@ -12330,7 +8495,11 @@
           <a:lstStyle/>
           <a:p>
             <a:pPr algn="ctr"/>
-            <a:endParaRPr lang="LID4096"/>
+            <a:endParaRPr lang="LID4096" dirty="0">
+              <a:solidFill>
+                <a:schemeClr val="tx1"/>
+              </a:solidFill>
+            </a:endParaRPr>
           </a:p>
         </p:txBody>
       </p:sp>
@@ -12348,7 +8517,7 @@
         </p:nvSpPr>
         <p:spPr>
           <a:xfrm>
-            <a:off x="6565465" y="1157447"/>
+            <a:off x="5859824" y="1569074"/>
             <a:ext cx="1182254" cy="1182254"/>
           </a:xfrm>
           <a:prstGeom prst="rect">
@@ -12356,7 +8525,9 @@
           </a:prstGeom>
           <a:noFill/>
           <a:ln w="19050">
-            <a:noFill/>
+            <a:solidFill>
+              <a:schemeClr val="tx1"/>
+            </a:solidFill>
           </a:ln>
         </p:spPr>
         <p:style>
@@ -12380,6 +8551,14 @@
           <a:lstStyle/>
           <a:p>
             <a:pPr algn="ctr"/>
+            <a:r>
+              <a:rPr lang="en-US" dirty="0">
+                <a:solidFill>
+                  <a:schemeClr val="tx1"/>
+                </a:solidFill>
+              </a:rPr>
+              <a:t>*</a:t>
+            </a:r>
             <a:endParaRPr lang="LID4096" dirty="0">
               <a:solidFill>
                 <a:schemeClr val="tx1"/>
@@ -12402,7 +8581,7 @@
         </p:nvSpPr>
         <p:spPr>
           <a:xfrm>
-            <a:off x="6565465" y="2998352"/>
+            <a:off x="6400450" y="2852999"/>
             <a:ext cx="1182254" cy="1182254"/>
           </a:xfrm>
           <a:prstGeom prst="rect">
@@ -12410,7 +8589,9 @@
           </a:prstGeom>
           <a:noFill/>
           <a:ln w="19050">
-            <a:noFill/>
+            <a:solidFill>
+              <a:schemeClr val="tx1"/>
+            </a:solidFill>
           </a:ln>
         </p:spPr>
         <p:style>
@@ -12434,56 +8615,54 @@
           <a:lstStyle/>
           <a:p>
             <a:pPr algn="ctr"/>
-            <a:endParaRPr lang="LID4096"/>
-          </a:p>
-        </p:txBody>
-      </p:sp>
-      <p:cxnSp>
-        <p:nvCxnSpPr>
-          <p:cNvPr id="12" name="Straight Arrow Connector 11">
-            <a:extLst>
-              <a:ext uri="{FF2B5EF4-FFF2-40B4-BE49-F238E27FC236}">
-                <a16:creationId xmlns:a16="http://schemas.microsoft.com/office/drawing/2014/main" id="{7E9C0D63-D8B2-4030-9986-D5F92F343472}"/>
-              </a:ext>
-            </a:extLst>
-          </p:cNvPr>
-          <p:cNvCxnSpPr/>
-          <p:nvPr/>
-        </p:nvCxnSpPr>
-        <p:spPr>
-          <a:xfrm flipH="1">
-            <a:off x="7036527" y="1759129"/>
-            <a:ext cx="217714" cy="0"/>
-          </a:xfrm>
-          <a:prstGeom prst="straightConnector1">
-            <a:avLst/>
-          </a:prstGeom>
-          <a:ln w="19050">
-            <a:solidFill>
-              <a:schemeClr val="tx1"/>
-            </a:solidFill>
-            <a:tailEnd type="triangle"/>
-          </a:ln>
-        </p:spPr>
-        <p:style>
-          <a:lnRef idx="1">
-            <a:schemeClr val="accent1"/>
-          </a:lnRef>
-          <a:fillRef idx="0">
-            <a:schemeClr val="accent1"/>
-          </a:fillRef>
-          <a:effectRef idx="0">
-            <a:schemeClr val="accent1"/>
-          </a:effectRef>
-          <a:fontRef idx="minor">
-            <a:schemeClr val="tx1"/>
-          </a:fontRef>
-        </p:style>
-      </p:cxnSp>
+            <a:endParaRPr lang="LID4096" dirty="0">
+              <a:solidFill>
+                <a:schemeClr val="tx1"/>
+              </a:solidFill>
+            </a:endParaRPr>
+          </a:p>
+        </p:txBody>
+      </p:sp>
+      <p:sp>
+        <p:nvSpPr>
+          <p:cNvPr id="24" name="TextBox 23">
+            <a:extLst>
+              <a:ext uri="{FF2B5EF4-FFF2-40B4-BE49-F238E27FC236}">
+                <a16:creationId xmlns:a16="http://schemas.microsoft.com/office/drawing/2014/main" id="{272A6803-1028-4FFF-A84F-97B740A189FA}"/>
+              </a:ext>
+            </a:extLst>
+          </p:cNvPr>
+          <p:cNvSpPr txBox="1"/>
+          <p:nvPr/>
+        </p:nvSpPr>
+        <p:spPr>
+          <a:xfrm>
+            <a:off x="5001613" y="3209356"/>
+            <a:ext cx="338554" cy="461665"/>
+          </a:xfrm>
+          <a:prstGeom prst="rect">
+            <a:avLst/>
+          </a:prstGeom>
+          <a:noFill/>
+        </p:spPr>
+        <p:txBody>
+          <a:bodyPr wrap="none" rtlCol="0">
+            <a:spAutoFit/>
+          </a:bodyPr>
+          <a:lstStyle/>
+          <a:p>
+            <a:r>
+              <a:rPr lang="en-US" sz="2400" dirty="0"/>
+              <a:t>+</a:t>
+            </a:r>
+            <a:endParaRPr lang="LID4096" sz="2400" dirty="0"/>
+          </a:p>
+        </p:txBody>
+      </p:sp>
     </p:spTree>
     <p:extLst>
       <p:ext uri="{BB962C8B-B14F-4D97-AF65-F5344CB8AC3E}">
-        <p14:creationId xmlns:p14="http://schemas.microsoft.com/office/powerpoint/2010/main" val="2503173296"/>
+        <p14:creationId xmlns:p14="http://schemas.microsoft.com/office/powerpoint/2010/main" val="2783091201"/>
       </p:ext>
     </p:extLst>
   </p:cSld>
